--- a/RTB/TECNOLOGIE/Tecnologie.pptx
+++ b/RTB/TECNOLOGIE/Tecnologie.pptx
@@ -15471,7 +15471,7 @@
           <a:p>
             <a:fld id="{DC233B30-4F8C-4A4C-AB5E-3B02323E36F5}" type="datetimeFigureOut">
               <a:rPr lang="it-IT" smtClean="0"/>
-              <a:t>12/01/2026</a:t>
+              <a:t>15/01/2026</a:t>
             </a:fld>
             <a:endParaRPr lang="it-IT"/>
           </a:p>
@@ -16009,7 +16009,7 @@
             <a:fld id="{1D8BD707-D9CF-40AE-B4C6-C98DA3205C09}" type="datetimeFigureOut">
               <a:rPr lang="en-US" smtClean="0"/>
               <a:pPr/>
-              <a:t>1/12/2026</a:t>
+              <a:t>1/15/2026</a:t>
             </a:fld>
             <a:endParaRPr lang="en-US"/>
           </a:p>
@@ -16174,7 +16174,7 @@
             <a:fld id="{1D8BD707-D9CF-40AE-B4C6-C98DA3205C09}" type="datetimeFigureOut">
               <a:rPr lang="en-US" smtClean="0"/>
               <a:pPr/>
-              <a:t>1/12/2026</a:t>
+              <a:t>1/15/2026</a:t>
             </a:fld>
             <a:endParaRPr lang="en-US"/>
           </a:p>
@@ -16349,7 +16349,7 @@
             <a:fld id="{1D8BD707-D9CF-40AE-B4C6-C98DA3205C09}" type="datetimeFigureOut">
               <a:rPr lang="en-US" smtClean="0"/>
               <a:pPr/>
-              <a:t>1/12/2026</a:t>
+              <a:t>1/15/2026</a:t>
             </a:fld>
             <a:endParaRPr lang="en-US"/>
           </a:p>
@@ -16514,7 +16514,7 @@
             <a:fld id="{1D8BD707-D9CF-40AE-B4C6-C98DA3205C09}" type="datetimeFigureOut">
               <a:rPr lang="en-US" smtClean="0"/>
               <a:pPr/>
-              <a:t>1/12/2026</a:t>
+              <a:t>1/15/2026</a:t>
             </a:fld>
             <a:endParaRPr lang="en-US"/>
           </a:p>
@@ -16756,7 +16756,7 @@
             <a:fld id="{1D8BD707-D9CF-40AE-B4C6-C98DA3205C09}" type="datetimeFigureOut">
               <a:rPr lang="en-US" smtClean="0"/>
               <a:pPr/>
-              <a:t>1/12/2026</a:t>
+              <a:t>1/15/2026</a:t>
             </a:fld>
             <a:endParaRPr lang="en-US"/>
           </a:p>
@@ -17038,7 +17038,7 @@
             <a:fld id="{1D8BD707-D9CF-40AE-B4C6-C98DA3205C09}" type="datetimeFigureOut">
               <a:rPr lang="en-US" smtClean="0"/>
               <a:pPr/>
-              <a:t>1/12/2026</a:t>
+              <a:t>1/15/2026</a:t>
             </a:fld>
             <a:endParaRPr lang="en-US"/>
           </a:p>
@@ -17454,7 +17454,7 @@
             <a:fld id="{1D8BD707-D9CF-40AE-B4C6-C98DA3205C09}" type="datetimeFigureOut">
               <a:rPr lang="en-US" smtClean="0"/>
               <a:pPr/>
-              <a:t>1/12/2026</a:t>
+              <a:t>1/15/2026</a:t>
             </a:fld>
             <a:endParaRPr lang="en-US"/>
           </a:p>
@@ -17568,7 +17568,7 @@
             <a:fld id="{1D8BD707-D9CF-40AE-B4C6-C98DA3205C09}" type="datetimeFigureOut">
               <a:rPr lang="en-US" smtClean="0"/>
               <a:pPr/>
-              <a:t>1/12/2026</a:t>
+              <a:t>1/15/2026</a:t>
             </a:fld>
             <a:endParaRPr lang="en-US"/>
           </a:p>
@@ -17660,7 +17660,7 @@
             <a:fld id="{1D8BD707-D9CF-40AE-B4C6-C98DA3205C09}" type="datetimeFigureOut">
               <a:rPr lang="en-US" smtClean="0"/>
               <a:pPr/>
-              <a:t>1/12/2026</a:t>
+              <a:t>1/15/2026</a:t>
             </a:fld>
             <a:endParaRPr lang="en-US"/>
           </a:p>
@@ -17932,7 +17932,7 @@
             <a:fld id="{1D8BD707-D9CF-40AE-B4C6-C98DA3205C09}" type="datetimeFigureOut">
               <a:rPr lang="en-US" smtClean="0"/>
               <a:pPr/>
-              <a:t>1/12/2026</a:t>
+              <a:t>1/15/2026</a:t>
             </a:fld>
             <a:endParaRPr lang="en-US"/>
           </a:p>
@@ -18181,7 +18181,7 @@
             <a:fld id="{1D8BD707-D9CF-40AE-B4C6-C98DA3205C09}" type="datetimeFigureOut">
               <a:rPr lang="en-US" smtClean="0"/>
               <a:pPr/>
-              <a:t>1/12/2026</a:t>
+              <a:t>1/15/2026</a:t>
             </a:fld>
             <a:endParaRPr lang="en-US"/>
           </a:p>
@@ -18389,7 +18389,7 @@
             <a:fld id="{1D8BD707-D9CF-40AE-B4C6-C98DA3205C09}" type="datetimeFigureOut">
               <a:rPr lang="en-US" smtClean="0"/>
               <a:pPr/>
-              <a:t>1/12/2026</a:t>
+              <a:t>1/15/2026</a:t>
             </a:fld>
             <a:endParaRPr lang="en-US"/>
           </a:p>
@@ -19493,21 +19493,62 @@
               </a:defRPr>
             </a:pPr>
             <a:r>
+              <a:rPr lang="it-IT" sz="3600" dirty="0">
+                <a:latin typeface="Arial" panose="020B0604020202020204" pitchFamily="34" charset="0"/>
+                <a:cs typeface="Arial" panose="020B0604020202020204" pitchFamily="34" charset="0"/>
+              </a:rPr>
+              <a:t>NEXUM è una piattaforma HR (Human </a:t>
+            </a:r>
+            <a:r>
               <a:rPr lang="it-IT" sz="3600">
                 <a:latin typeface="Arial" panose="020B0604020202020204" pitchFamily="34" charset="0"/>
                 <a:cs typeface="Arial" panose="020B0604020202020204" pitchFamily="34" charset="0"/>
               </a:rPr>
-              <a:t>NEXUM è una piattaforma HR (Human Resources)) sviluppata da Eggon in collaborazione </a:t>
+              <a:t>Resources) sviluppata da </a:t>
             </a:r>
             <a:r>
-              <a:rPr lang="it-IT" sz="3600">
+              <a:rPr lang="it-IT" sz="3600" dirty="0" err="1">
+                <a:latin typeface="Arial" panose="020B0604020202020204" pitchFamily="34" charset="0"/>
+                <a:cs typeface="Arial" panose="020B0604020202020204" pitchFamily="34" charset="0"/>
+              </a:rPr>
+              <a:t>Eggon</a:t>
+            </a:r>
+            <a:r>
+              <a:rPr lang="it-IT" sz="3600" dirty="0">
+                <a:latin typeface="Arial" panose="020B0604020202020204" pitchFamily="34" charset="0"/>
+                <a:cs typeface="Arial" panose="020B0604020202020204" pitchFamily="34" charset="0"/>
+              </a:rPr>
+              <a:t> in collaborazione </a:t>
+            </a:r>
+            <a:r>
+              <a:rPr lang="it-IT" sz="3600" dirty="0">
                 <a:solidFill>
                   <a:srgbClr val="212529"/>
                 </a:solidFill>
                 <a:latin typeface="Arial" panose="020B0604020202020204" pitchFamily="34" charset="0"/>
                 <a:cs typeface="Arial" panose="020B0604020202020204" pitchFamily="34" charset="0"/>
               </a:rPr>
-              <a:t>con BugBusters (Gruppo 4 del corso di Ingegneria del Software, dell’università degli studi di Padova)</a:t>
+              <a:t>con </a:t>
+            </a:r>
+            <a:r>
+              <a:rPr lang="it-IT" sz="3600" dirty="0" err="1">
+                <a:solidFill>
+                  <a:srgbClr val="212529"/>
+                </a:solidFill>
+                <a:latin typeface="Arial" panose="020B0604020202020204" pitchFamily="34" charset="0"/>
+                <a:cs typeface="Arial" panose="020B0604020202020204" pitchFamily="34" charset="0"/>
+              </a:rPr>
+              <a:t>BugBusters</a:t>
+            </a:r>
+            <a:r>
+              <a:rPr lang="it-IT" sz="3600" dirty="0">
+                <a:solidFill>
+                  <a:srgbClr val="212529"/>
+                </a:solidFill>
+                <a:latin typeface="Arial" panose="020B0604020202020204" pitchFamily="34" charset="0"/>
+                <a:cs typeface="Arial" panose="020B0604020202020204" pitchFamily="34" charset="0"/>
+              </a:rPr>
+              <a:t> (Gruppo 4 del corso di Ingegneria del Software, dell’università degli studi di Padova)</a:t>
             </a:r>
           </a:p>
           <a:p>
@@ -19521,7 +19562,7 @@
                 </a:solidFill>
               </a:defRPr>
             </a:pPr>
-            <a:endParaRPr lang="it-IT" sz="3600">
+            <a:endParaRPr lang="it-IT" sz="3600" dirty="0">
               <a:solidFill>
                 <a:srgbClr val="212529"/>
               </a:solidFill>
@@ -19541,12 +19582,23 @@
               </a:defRPr>
             </a:pPr>
             <a:r>
-              <a:rPr lang="it-IT" sz="3600">
+              <a:rPr lang="it-IT" sz="3600" dirty="0">
                 <a:latin typeface="Arial" panose="020B0604020202020204" pitchFamily="34" charset="0"/>
                 <a:cs typeface="Arial" panose="020B0604020202020204" pitchFamily="34" charset="0"/>
               </a:rPr>
-              <a:t>Obiettivo: Validare moduli sperimentali basati su AI e data analytics</a:t>
+              <a:t>Obiettivo: Validare moduli sperimentali basati su AI e data </a:t>
             </a:r>
+            <a:r>
+              <a:rPr lang="it-IT" sz="3600" dirty="0" err="1">
+                <a:latin typeface="Arial" panose="020B0604020202020204" pitchFamily="34" charset="0"/>
+                <a:cs typeface="Arial" panose="020B0604020202020204" pitchFamily="34" charset="0"/>
+              </a:rPr>
+              <a:t>analytics</a:t>
+            </a:r>
+            <a:endParaRPr lang="it-IT" sz="3600" dirty="0">
+              <a:latin typeface="Arial" panose="020B0604020202020204" pitchFamily="34" charset="0"/>
+              <a:cs typeface="Arial" panose="020B0604020202020204" pitchFamily="34" charset="0"/>
+            </a:endParaRPr>
           </a:p>
           <a:p>
             <a:pPr>
@@ -19559,7 +19611,7 @@
                 </a:solidFill>
               </a:defRPr>
             </a:pPr>
-            <a:endParaRPr lang="it-IT" sz="3600">
+            <a:endParaRPr lang="it-IT" sz="3600" dirty="0">
               <a:latin typeface="Arial" panose="020B0604020202020204" pitchFamily="34" charset="0"/>
               <a:cs typeface="Arial" panose="020B0604020202020204" pitchFamily="34" charset="0"/>
             </a:endParaRPr>
@@ -19572,7 +19624,7 @@
               <a:defRPr sz="1800" b="1"/>
             </a:pPr>
             <a:r>
-              <a:rPr lang="it-IT" sz="3600">
+              <a:rPr lang="it-IT" sz="3600" dirty="0">
                 <a:latin typeface="Arial" panose="020B0604020202020204" pitchFamily="34" charset="0"/>
                 <a:cs typeface="Arial" panose="020B0604020202020204" pitchFamily="34" charset="0"/>
               </a:rPr>
@@ -19591,7 +19643,7 @@
               </a:defRPr>
             </a:pPr>
             <a:r>
-              <a:rPr lang="it-IT" sz="3600">
+              <a:rPr lang="it-IT" sz="3600" dirty="0">
                 <a:latin typeface="Arial" panose="020B0604020202020204" pitchFamily="34" charset="0"/>
                 <a:cs typeface="Arial" panose="020B0604020202020204" pitchFamily="34" charset="0"/>
               </a:rPr>
@@ -19610,7 +19662,7 @@
               </a:defRPr>
             </a:pPr>
             <a:r>
-              <a:rPr lang="it-IT" sz="3600">
+              <a:rPr lang="it-IT" sz="3600" dirty="0">
                 <a:latin typeface="Arial" panose="020B0604020202020204" pitchFamily="34" charset="0"/>
                 <a:cs typeface="Arial" panose="020B0604020202020204" pitchFamily="34" charset="0"/>
               </a:rPr>
@@ -19629,7 +19681,7 @@
               </a:defRPr>
             </a:pPr>
             <a:r>
-              <a:rPr lang="it-IT" sz="3600">
+              <a:rPr lang="it-IT" sz="3600" dirty="0">
                 <a:latin typeface="Arial" panose="020B0604020202020204" pitchFamily="34" charset="0"/>
                 <a:cs typeface="Arial" panose="020B0604020202020204" pitchFamily="34" charset="0"/>
               </a:rPr>
@@ -19648,7 +19700,7 @@
               </a:defRPr>
             </a:pPr>
             <a:r>
-              <a:rPr lang="it-IT" sz="3600">
+              <a:rPr lang="it-IT" sz="3600" dirty="0">
                 <a:latin typeface="Arial" panose="020B0604020202020204" pitchFamily="34" charset="0"/>
                 <a:cs typeface="Arial" panose="020B0604020202020204" pitchFamily="34" charset="0"/>
               </a:rPr>

--- a/RTB/TECNOLOGIE/Tecnologie.pptx
+++ b/RTB/TECNOLOGIE/Tecnologie.pptx
@@ -15471,7 +15471,7 @@
           <a:p>
             <a:fld id="{DC233B30-4F8C-4A4C-AB5E-3B02323E36F5}" type="datetimeFigureOut">
               <a:rPr lang="it-IT" smtClean="0"/>
-              <a:t>15/01/2026</a:t>
+              <a:t>07/02/2026</a:t>
             </a:fld>
             <a:endParaRPr lang="it-IT"/>
           </a:p>
@@ -16009,7 +16009,7 @@
             <a:fld id="{1D8BD707-D9CF-40AE-B4C6-C98DA3205C09}" type="datetimeFigureOut">
               <a:rPr lang="en-US" smtClean="0"/>
               <a:pPr/>
-              <a:t>1/15/2026</a:t>
+              <a:t>2/7/2026</a:t>
             </a:fld>
             <a:endParaRPr lang="en-US"/>
           </a:p>
@@ -16174,7 +16174,7 @@
             <a:fld id="{1D8BD707-D9CF-40AE-B4C6-C98DA3205C09}" type="datetimeFigureOut">
               <a:rPr lang="en-US" smtClean="0"/>
               <a:pPr/>
-              <a:t>1/15/2026</a:t>
+              <a:t>2/7/2026</a:t>
             </a:fld>
             <a:endParaRPr lang="en-US"/>
           </a:p>
@@ -16349,7 +16349,7 @@
             <a:fld id="{1D8BD707-D9CF-40AE-B4C6-C98DA3205C09}" type="datetimeFigureOut">
               <a:rPr lang="en-US" smtClean="0"/>
               <a:pPr/>
-              <a:t>1/15/2026</a:t>
+              <a:t>2/7/2026</a:t>
             </a:fld>
             <a:endParaRPr lang="en-US"/>
           </a:p>
@@ -16514,7 +16514,7 @@
             <a:fld id="{1D8BD707-D9CF-40AE-B4C6-C98DA3205C09}" type="datetimeFigureOut">
               <a:rPr lang="en-US" smtClean="0"/>
               <a:pPr/>
-              <a:t>1/15/2026</a:t>
+              <a:t>2/7/2026</a:t>
             </a:fld>
             <a:endParaRPr lang="en-US"/>
           </a:p>
@@ -16756,7 +16756,7 @@
             <a:fld id="{1D8BD707-D9CF-40AE-B4C6-C98DA3205C09}" type="datetimeFigureOut">
               <a:rPr lang="en-US" smtClean="0"/>
               <a:pPr/>
-              <a:t>1/15/2026</a:t>
+              <a:t>2/7/2026</a:t>
             </a:fld>
             <a:endParaRPr lang="en-US"/>
           </a:p>
@@ -17038,7 +17038,7 @@
             <a:fld id="{1D8BD707-D9CF-40AE-B4C6-C98DA3205C09}" type="datetimeFigureOut">
               <a:rPr lang="en-US" smtClean="0"/>
               <a:pPr/>
-              <a:t>1/15/2026</a:t>
+              <a:t>2/7/2026</a:t>
             </a:fld>
             <a:endParaRPr lang="en-US"/>
           </a:p>
@@ -17454,7 +17454,7 @@
             <a:fld id="{1D8BD707-D9CF-40AE-B4C6-C98DA3205C09}" type="datetimeFigureOut">
               <a:rPr lang="en-US" smtClean="0"/>
               <a:pPr/>
-              <a:t>1/15/2026</a:t>
+              <a:t>2/7/2026</a:t>
             </a:fld>
             <a:endParaRPr lang="en-US"/>
           </a:p>
@@ -17568,7 +17568,7 @@
             <a:fld id="{1D8BD707-D9CF-40AE-B4C6-C98DA3205C09}" type="datetimeFigureOut">
               <a:rPr lang="en-US" smtClean="0"/>
               <a:pPr/>
-              <a:t>1/15/2026</a:t>
+              <a:t>2/7/2026</a:t>
             </a:fld>
             <a:endParaRPr lang="en-US"/>
           </a:p>
@@ -17660,7 +17660,7 @@
             <a:fld id="{1D8BD707-D9CF-40AE-B4C6-C98DA3205C09}" type="datetimeFigureOut">
               <a:rPr lang="en-US" smtClean="0"/>
               <a:pPr/>
-              <a:t>1/15/2026</a:t>
+              <a:t>2/7/2026</a:t>
             </a:fld>
             <a:endParaRPr lang="en-US"/>
           </a:p>
@@ -17932,7 +17932,7 @@
             <a:fld id="{1D8BD707-D9CF-40AE-B4C6-C98DA3205C09}" type="datetimeFigureOut">
               <a:rPr lang="en-US" smtClean="0"/>
               <a:pPr/>
-              <a:t>1/15/2026</a:t>
+              <a:t>2/7/2026</a:t>
             </a:fld>
             <a:endParaRPr lang="en-US"/>
           </a:p>
@@ -18181,7 +18181,7 @@
             <a:fld id="{1D8BD707-D9CF-40AE-B4C6-C98DA3205C09}" type="datetimeFigureOut">
               <a:rPr lang="en-US" smtClean="0"/>
               <a:pPr/>
-              <a:t>1/15/2026</a:t>
+              <a:t>2/7/2026</a:t>
             </a:fld>
             <a:endParaRPr lang="en-US"/>
           </a:p>
@@ -18389,7 +18389,7 @@
             <a:fld id="{1D8BD707-D9CF-40AE-B4C6-C98DA3205C09}" type="datetimeFigureOut">
               <a:rPr lang="en-US" smtClean="0"/>
               <a:pPr/>
-              <a:t>1/15/2026</a:t>
+              <a:t>2/7/2026</a:t>
             </a:fld>
             <a:endParaRPr lang="en-US"/>
           </a:p>
@@ -19500,11 +19500,18 @@
               <a:t>NEXUM è una piattaforma HR (Human </a:t>
             </a:r>
             <a:r>
-              <a:rPr lang="it-IT" sz="3600">
+              <a:rPr lang="it-IT" sz="3600" dirty="0" err="1">
                 <a:latin typeface="Arial" panose="020B0604020202020204" pitchFamily="34" charset="0"/>
                 <a:cs typeface="Arial" panose="020B0604020202020204" pitchFamily="34" charset="0"/>
               </a:rPr>
-              <a:t>Resources) sviluppata da </a:t>
+              <a:t>Resources</a:t>
+            </a:r>
+            <a:r>
+              <a:rPr lang="it-IT" sz="3600" dirty="0">
+                <a:latin typeface="Arial" panose="020B0604020202020204" pitchFamily="34" charset="0"/>
+                <a:cs typeface="Arial" panose="020B0604020202020204" pitchFamily="34" charset="0"/>
+              </a:rPr>
+              <a:t>) sviluppata da </a:t>
             </a:r>
             <a:r>
               <a:rPr lang="it-IT" sz="3600" dirty="0" err="1">
@@ -19548,8 +19555,25 @@
                 <a:latin typeface="Arial" panose="020B0604020202020204" pitchFamily="34" charset="0"/>
                 <a:cs typeface="Arial" panose="020B0604020202020204" pitchFamily="34" charset="0"/>
               </a:rPr>
-              <a:t> (Gruppo 4 del corso di Ingegneria del Software, dell’università degli studi di Padova)</a:t>
+              <a:t> (Gruppo 4 del corso di Ingegneria del Software, dell</a:t>
             </a:r>
+            <a:r>
+              <a:rPr lang="it-IT" sz="3600">
+                <a:solidFill>
+                  <a:srgbClr val="212529"/>
+                </a:solidFill>
+                <a:latin typeface="Arial" panose="020B0604020202020204" pitchFamily="34" charset="0"/>
+                <a:cs typeface="Arial" panose="020B0604020202020204" pitchFamily="34" charset="0"/>
+              </a:rPr>
+              <a:t>’ Università degli Studi di Padova)</a:t>
+            </a:r>
+            <a:endParaRPr lang="it-IT" sz="3600" dirty="0">
+              <a:solidFill>
+                <a:srgbClr val="212529"/>
+              </a:solidFill>
+              <a:latin typeface="Arial" panose="020B0604020202020204" pitchFamily="34" charset="0"/>
+              <a:cs typeface="Arial" panose="020B0604020202020204" pitchFamily="34" charset="0"/>
+            </a:endParaRPr>
           </a:p>
           <a:p>
             <a:pPr>

--- a/RTB/TECNOLOGIE/Tecnologie.pptx
+++ b/RTB/TECNOLOGIE/Tecnologie.pptx
@@ -5,39 +5,39 @@
     <p:sldMasterId id="2147483648" r:id="rId1"/>
   </p:sldMasterIdLst>
   <p:notesMasterIdLst>
-    <p:notesMasterId r:id="rId9"/>
+    <p:notesMasterId r:id="rId6"/>
   </p:notesMasterIdLst>
+  <p:handoutMasterIdLst>
+    <p:handoutMasterId r:id="rId7"/>
+  </p:handoutMasterIdLst>
   <p:sldIdLst>
     <p:sldId id="256" r:id="rId2"/>
     <p:sldId id="257" r:id="rId3"/>
     <p:sldId id="266" r:id="rId4"/>
-    <p:sldId id="267" r:id="rId5"/>
-    <p:sldId id="268" r:id="rId6"/>
-    <p:sldId id="269" r:id="rId7"/>
-    <p:sldId id="270" r:id="rId8"/>
+    <p:sldId id="268" r:id="rId5"/>
   </p:sldIdLst>
   <p:sldSz cx="18288000" cy="10287000"/>
   <p:notesSz cx="6858000" cy="9144000"/>
   <p:embeddedFontLst>
     <p:embeddedFont>
       <p:font typeface="Goudy" panose="020B0604020202020204" charset="0"/>
+      <p:regular r:id="rId8"/>
+    </p:embeddedFont>
+    <p:embeddedFont>
+      <p:font typeface="Neue Montreal" panose="020B0604020202020204" charset="0"/>
+      <p:regular r:id="rId9"/>
+    </p:embeddedFont>
+    <p:embeddedFont>
+      <p:font typeface="Neue Montreal Bold" panose="020B0604020202020204" charset="0"/>
       <p:regular r:id="rId10"/>
     </p:embeddedFont>
     <p:embeddedFont>
-      <p:font typeface="Neue Montreal" panose="020B0604020202020204" charset="0"/>
+      <p:font typeface="Overpass" panose="020B0604020202020204" charset="0"/>
       <p:regular r:id="rId11"/>
     </p:embeddedFont>
     <p:embeddedFont>
-      <p:font typeface="Neue Montreal Bold" panose="020B0604020202020204" charset="0"/>
+      <p:font typeface="Tenor Sans" panose="020B0604020202020204" charset="0"/>
       <p:regular r:id="rId12"/>
-    </p:embeddedFont>
-    <p:embeddedFont>
-      <p:font typeface="Overpass" panose="020B0604020202020204" charset="0"/>
-      <p:regular r:id="rId13"/>
-    </p:embeddedFont>
-    <p:embeddedFont>
-      <p:font typeface="Tenor Sans" panose="020B0604020202020204" charset="0"/>
-      <p:regular r:id="rId14"/>
     </p:embeddedFont>
   </p:embeddedFontLst>
   <p:defaultTextStyle>
@@ -3282,788 +3282,6 @@
 </dgm:colorsDef>
 </file>
 
-<file path=ppt/diagrams/colors5.xml><?xml version="1.0" encoding="utf-8"?>
-<dgm:colorsDef xmlns:dgm="http://schemas.openxmlformats.org/drawingml/2006/diagram" xmlns:a="http://schemas.openxmlformats.org/drawingml/2006/main" uniqueId="urn:microsoft.com/office/officeart/2005/8/colors/colorful5">
-  <dgm:title val=""/>
-  <dgm:desc val=""/>
-  <dgm:catLst>
-    <dgm:cat type="colorful" pri="10500"/>
-  </dgm:catLst>
-  <dgm:styleLbl name="node0">
-    <dgm:fillClrLst meth="repeat">
-      <a:schemeClr val="accent4"/>
-    </dgm:fillClrLst>
-    <dgm:linClrLst meth="repeat">
-      <a:schemeClr val="lt1"/>
-    </dgm:linClrLst>
-    <dgm:effectClrLst/>
-    <dgm:txLinClrLst/>
-    <dgm:txFillClrLst/>
-    <dgm:txEffectClrLst/>
-  </dgm:styleLbl>
-  <dgm:styleLbl name="node1">
-    <dgm:fillClrLst>
-      <a:schemeClr val="accent5"/>
-      <a:schemeClr val="accent6"/>
-    </dgm:fillClrLst>
-    <dgm:linClrLst meth="repeat">
-      <a:schemeClr val="lt1"/>
-    </dgm:linClrLst>
-    <dgm:effectClrLst/>
-    <dgm:txLinClrLst/>
-    <dgm:txFillClrLst/>
-    <dgm:txEffectClrLst/>
-  </dgm:styleLbl>
-  <dgm:styleLbl name="alignNode1">
-    <dgm:fillClrLst>
-      <a:schemeClr val="accent5"/>
-      <a:schemeClr val="accent6"/>
-    </dgm:fillClrLst>
-    <dgm:linClrLst>
-      <a:schemeClr val="accent5"/>
-      <a:schemeClr val="accent6"/>
-    </dgm:linClrLst>
-    <dgm:effectClrLst/>
-    <dgm:txLinClrLst/>
-    <dgm:txFillClrLst/>
-    <dgm:txEffectClrLst/>
-  </dgm:styleLbl>
-  <dgm:styleLbl name="lnNode1">
-    <dgm:fillClrLst>
-      <a:schemeClr val="accent5"/>
-      <a:schemeClr val="accent6"/>
-    </dgm:fillClrLst>
-    <dgm:linClrLst meth="repeat">
-      <a:schemeClr val="lt1"/>
-    </dgm:linClrLst>
-    <dgm:effectClrLst/>
-    <dgm:txLinClrLst/>
-    <dgm:txFillClrLst/>
-    <dgm:txEffectClrLst/>
-  </dgm:styleLbl>
-  <dgm:styleLbl name="vennNode1">
-    <dgm:fillClrLst>
-      <a:schemeClr val="accent5">
-        <a:alpha val="50000"/>
-      </a:schemeClr>
-      <a:schemeClr val="accent6">
-        <a:alpha val="50000"/>
-      </a:schemeClr>
-    </dgm:fillClrLst>
-    <dgm:linClrLst meth="repeat">
-      <a:schemeClr val="lt1"/>
-    </dgm:linClrLst>
-    <dgm:effectClrLst/>
-    <dgm:txLinClrLst/>
-    <dgm:txFillClrLst/>
-    <dgm:txEffectClrLst/>
-  </dgm:styleLbl>
-  <dgm:styleLbl name="node2">
-    <dgm:fillClrLst>
-      <a:schemeClr val="accent6"/>
-    </dgm:fillClrLst>
-    <dgm:linClrLst meth="repeat">
-      <a:schemeClr val="lt1"/>
-    </dgm:linClrLst>
-    <dgm:effectClrLst/>
-    <dgm:txLinClrLst/>
-    <dgm:txFillClrLst/>
-    <dgm:txEffectClrLst/>
-  </dgm:styleLbl>
-  <dgm:styleLbl name="node3">
-    <dgm:fillClrLst>
-      <a:schemeClr val="accent1"/>
-    </dgm:fillClrLst>
-    <dgm:linClrLst meth="repeat">
-      <a:schemeClr val="lt1"/>
-    </dgm:linClrLst>
-    <dgm:effectClrLst/>
-    <dgm:txLinClrLst/>
-    <dgm:txFillClrLst/>
-    <dgm:txEffectClrLst/>
-  </dgm:styleLbl>
-  <dgm:styleLbl name="node4">
-    <dgm:fillClrLst>
-      <a:schemeClr val="accent2"/>
-    </dgm:fillClrLst>
-    <dgm:linClrLst meth="repeat">
-      <a:schemeClr val="lt1"/>
-    </dgm:linClrLst>
-    <dgm:effectClrLst/>
-    <dgm:txLinClrLst/>
-    <dgm:txFillClrLst/>
-    <dgm:txEffectClrLst/>
-  </dgm:styleLbl>
-  <dgm:styleLbl name="fgImgPlace1">
-    <dgm:fillClrLst>
-      <a:schemeClr val="accent5">
-        <a:tint val="50000"/>
-      </a:schemeClr>
-      <a:schemeClr val="accent6">
-        <a:tint val="50000"/>
-      </a:schemeClr>
-    </dgm:fillClrLst>
-    <dgm:linClrLst meth="repeat">
-      <a:schemeClr val="lt1"/>
-    </dgm:linClrLst>
-    <dgm:effectClrLst/>
-    <dgm:txLinClrLst/>
-    <dgm:txFillClrLst meth="repeat">
-      <a:schemeClr val="lt1"/>
-    </dgm:txFillClrLst>
-    <dgm:txEffectClrLst/>
-  </dgm:styleLbl>
-  <dgm:styleLbl name="alignImgPlace1">
-    <dgm:fillClrLst>
-      <a:schemeClr val="accent5">
-        <a:tint val="50000"/>
-      </a:schemeClr>
-      <a:schemeClr val="accent6">
-        <a:tint val="20000"/>
-      </a:schemeClr>
-    </dgm:fillClrLst>
-    <dgm:linClrLst meth="repeat">
-      <a:schemeClr val="lt1"/>
-    </dgm:linClrLst>
-    <dgm:effectClrLst/>
-    <dgm:txLinClrLst/>
-    <dgm:txFillClrLst meth="repeat">
-      <a:schemeClr val="lt1"/>
-    </dgm:txFillClrLst>
-    <dgm:txEffectClrLst/>
-  </dgm:styleLbl>
-  <dgm:styleLbl name="bgImgPlace1">
-    <dgm:fillClrLst>
-      <a:schemeClr val="accent5">
-        <a:tint val="50000"/>
-      </a:schemeClr>
-      <a:schemeClr val="accent6">
-        <a:tint val="20000"/>
-      </a:schemeClr>
-    </dgm:fillClrLst>
-    <dgm:linClrLst meth="repeat">
-      <a:schemeClr val="lt1"/>
-    </dgm:linClrLst>
-    <dgm:effectClrLst/>
-    <dgm:txLinClrLst/>
-    <dgm:txFillClrLst meth="repeat">
-      <a:schemeClr val="lt1"/>
-    </dgm:txFillClrLst>
-    <dgm:txEffectClrLst/>
-  </dgm:styleLbl>
-  <dgm:styleLbl name="sibTrans2D1">
-    <dgm:fillClrLst>
-      <a:schemeClr val="accent5"/>
-      <a:schemeClr val="accent6"/>
-    </dgm:fillClrLst>
-    <dgm:linClrLst meth="repeat">
-      <a:schemeClr val="lt1"/>
-    </dgm:linClrLst>
-    <dgm:effectClrLst/>
-    <dgm:txLinClrLst/>
-    <dgm:txFillClrLst/>
-    <dgm:txEffectClrLst/>
-  </dgm:styleLbl>
-  <dgm:styleLbl name="fgSibTrans2D1">
-    <dgm:fillClrLst>
-      <a:schemeClr val="accent5"/>
-      <a:schemeClr val="accent6"/>
-    </dgm:fillClrLst>
-    <dgm:linClrLst meth="repeat">
-      <a:schemeClr val="lt1"/>
-    </dgm:linClrLst>
-    <dgm:effectClrLst/>
-    <dgm:txLinClrLst/>
-    <dgm:txFillClrLst meth="repeat">
-      <a:schemeClr val="lt1"/>
-    </dgm:txFillClrLst>
-    <dgm:txEffectClrLst/>
-  </dgm:styleLbl>
-  <dgm:styleLbl name="bgSibTrans2D1">
-    <dgm:fillClrLst>
-      <a:schemeClr val="accent5"/>
-      <a:schemeClr val="accent6"/>
-    </dgm:fillClrLst>
-    <dgm:linClrLst meth="repeat">
-      <a:schemeClr val="lt1"/>
-    </dgm:linClrLst>
-    <dgm:effectClrLst/>
-    <dgm:txLinClrLst/>
-    <dgm:txFillClrLst meth="repeat">
-      <a:schemeClr val="lt1"/>
-    </dgm:txFillClrLst>
-    <dgm:txEffectClrLst/>
-  </dgm:styleLbl>
-  <dgm:styleLbl name="sibTrans1D1">
-    <dgm:fillClrLst/>
-    <dgm:linClrLst>
-      <a:schemeClr val="accent5"/>
-      <a:schemeClr val="accent6"/>
-    </dgm:linClrLst>
-    <dgm:effectClrLst/>
-    <dgm:txLinClrLst/>
-    <dgm:txFillClrLst meth="repeat">
-      <a:schemeClr val="tx1"/>
-    </dgm:txFillClrLst>
-    <dgm:txEffectClrLst/>
-  </dgm:styleLbl>
-  <dgm:styleLbl name="callout">
-    <dgm:fillClrLst meth="repeat">
-      <a:schemeClr val="accent5"/>
-    </dgm:fillClrLst>
-    <dgm:linClrLst meth="repeat">
-      <a:schemeClr val="accent5">
-        <a:tint val="50000"/>
-      </a:schemeClr>
-    </dgm:linClrLst>
-    <dgm:effectClrLst/>
-    <dgm:txLinClrLst/>
-    <dgm:txFillClrLst meth="repeat">
-      <a:schemeClr val="tx1"/>
-    </dgm:txFillClrLst>
-    <dgm:txEffectClrLst/>
-  </dgm:styleLbl>
-  <dgm:styleLbl name="asst0">
-    <dgm:fillClrLst meth="repeat">
-      <a:schemeClr val="accent5"/>
-    </dgm:fillClrLst>
-    <dgm:linClrLst meth="repeat">
-      <a:schemeClr val="lt1">
-        <a:shade val="80000"/>
-      </a:schemeClr>
-    </dgm:linClrLst>
-    <dgm:effectClrLst/>
-    <dgm:txLinClrLst/>
-    <dgm:txFillClrLst/>
-    <dgm:txEffectClrLst/>
-  </dgm:styleLbl>
-  <dgm:styleLbl name="asst1">
-    <dgm:fillClrLst meth="repeat">
-      <a:schemeClr val="accent6"/>
-    </dgm:fillClrLst>
-    <dgm:linClrLst meth="repeat">
-      <a:schemeClr val="lt1">
-        <a:shade val="80000"/>
-      </a:schemeClr>
-    </dgm:linClrLst>
-    <dgm:effectClrLst/>
-    <dgm:txLinClrLst/>
-    <dgm:txFillClrLst/>
-    <dgm:txEffectClrLst/>
-  </dgm:styleLbl>
-  <dgm:styleLbl name="asst2">
-    <dgm:fillClrLst>
-      <a:schemeClr val="accent1"/>
-    </dgm:fillClrLst>
-    <dgm:linClrLst meth="repeat">
-      <a:schemeClr val="lt1"/>
-    </dgm:linClrLst>
-    <dgm:effectClrLst/>
-    <dgm:txLinClrLst/>
-    <dgm:txFillClrLst/>
-    <dgm:txEffectClrLst/>
-  </dgm:styleLbl>
-  <dgm:styleLbl name="asst3">
-    <dgm:fillClrLst>
-      <a:schemeClr val="accent2"/>
-    </dgm:fillClrLst>
-    <dgm:linClrLst meth="repeat">
-      <a:schemeClr val="lt1"/>
-    </dgm:linClrLst>
-    <dgm:effectClrLst/>
-    <dgm:txLinClrLst/>
-    <dgm:txFillClrLst/>
-    <dgm:txEffectClrLst/>
-  </dgm:styleLbl>
-  <dgm:styleLbl name="asst4">
-    <dgm:fillClrLst>
-      <a:schemeClr val="accent3"/>
-    </dgm:fillClrLst>
-    <dgm:linClrLst meth="repeat">
-      <a:schemeClr val="lt1"/>
-    </dgm:linClrLst>
-    <dgm:effectClrLst/>
-    <dgm:txLinClrLst/>
-    <dgm:txFillClrLst/>
-    <dgm:txEffectClrLst/>
-  </dgm:styleLbl>
-  <dgm:styleLbl name="parChTrans2D1">
-    <dgm:fillClrLst meth="repeat">
-      <a:schemeClr val="accent5"/>
-    </dgm:fillClrLst>
-    <dgm:linClrLst meth="repeat">
-      <a:schemeClr val="lt1"/>
-    </dgm:linClrLst>
-    <dgm:effectClrLst/>
-    <dgm:txLinClrLst/>
-    <dgm:txFillClrLst meth="repeat">
-      <a:schemeClr val="lt1"/>
-    </dgm:txFillClrLst>
-    <dgm:txEffectClrLst/>
-  </dgm:styleLbl>
-  <dgm:styleLbl name="parChTrans2D2">
-    <dgm:fillClrLst meth="repeat">
-      <a:schemeClr val="accent6"/>
-    </dgm:fillClrLst>
-    <dgm:linClrLst meth="repeat">
-      <a:schemeClr val="lt1"/>
-    </dgm:linClrLst>
-    <dgm:effectClrLst/>
-    <dgm:txLinClrLst/>
-    <dgm:txFillClrLst/>
-    <dgm:txEffectClrLst/>
-  </dgm:styleLbl>
-  <dgm:styleLbl name="parChTrans2D3">
-    <dgm:fillClrLst meth="repeat">
-      <a:schemeClr val="accent6"/>
-    </dgm:fillClrLst>
-    <dgm:linClrLst meth="repeat">
-      <a:schemeClr val="lt1"/>
-    </dgm:linClrLst>
-    <dgm:effectClrLst/>
-    <dgm:txLinClrLst/>
-    <dgm:txFillClrLst/>
-    <dgm:txEffectClrLst/>
-  </dgm:styleLbl>
-  <dgm:styleLbl name="parChTrans2D4">
-    <dgm:fillClrLst meth="repeat">
-      <a:schemeClr val="accent1"/>
-    </dgm:fillClrLst>
-    <dgm:linClrLst meth="repeat">
-      <a:schemeClr val="lt1"/>
-    </dgm:linClrLst>
-    <dgm:effectClrLst/>
-    <dgm:txLinClrLst/>
-    <dgm:txFillClrLst meth="repeat">
-      <a:schemeClr val="lt1"/>
-    </dgm:txFillClrLst>
-    <dgm:txEffectClrLst/>
-  </dgm:styleLbl>
-  <dgm:styleLbl name="parChTrans1D1">
-    <dgm:fillClrLst meth="repeat">
-      <a:schemeClr val="accent5"/>
-    </dgm:fillClrLst>
-    <dgm:linClrLst meth="repeat">
-      <a:schemeClr val="accent5"/>
-    </dgm:linClrLst>
-    <dgm:effectClrLst/>
-    <dgm:txLinClrLst/>
-    <dgm:txFillClrLst meth="repeat">
-      <a:schemeClr val="tx1"/>
-    </dgm:txFillClrLst>
-    <dgm:txEffectClrLst/>
-  </dgm:styleLbl>
-  <dgm:styleLbl name="parChTrans1D2">
-    <dgm:fillClrLst meth="repeat">
-      <a:schemeClr val="accent6">
-        <a:tint val="90000"/>
-      </a:schemeClr>
-    </dgm:fillClrLst>
-    <dgm:linClrLst meth="repeat">
-      <a:schemeClr val="accent6"/>
-    </dgm:linClrLst>
-    <dgm:effectClrLst/>
-    <dgm:txLinClrLst/>
-    <dgm:txFillClrLst meth="repeat">
-      <a:schemeClr val="tx1"/>
-    </dgm:txFillClrLst>
-    <dgm:txEffectClrLst/>
-  </dgm:styleLbl>
-  <dgm:styleLbl name="parChTrans1D3">
-    <dgm:fillClrLst meth="repeat">
-      <a:schemeClr val="accent6">
-        <a:tint val="70000"/>
-      </a:schemeClr>
-    </dgm:fillClrLst>
-    <dgm:linClrLst meth="repeat">
-      <a:schemeClr val="accent1"/>
-    </dgm:linClrLst>
-    <dgm:effectClrLst/>
-    <dgm:txLinClrLst/>
-    <dgm:txFillClrLst meth="repeat">
-      <a:schemeClr val="tx1"/>
-    </dgm:txFillClrLst>
-    <dgm:txEffectClrLst/>
-  </dgm:styleLbl>
-  <dgm:styleLbl name="parChTrans1D4">
-    <dgm:fillClrLst meth="repeat">
-      <a:schemeClr val="accent6">
-        <a:tint val="50000"/>
-      </a:schemeClr>
-    </dgm:fillClrLst>
-    <dgm:linClrLst meth="repeat">
-      <a:schemeClr val="accent2"/>
-    </dgm:linClrLst>
-    <dgm:effectClrLst/>
-    <dgm:txLinClrLst/>
-    <dgm:txFillClrLst meth="repeat">
-      <a:schemeClr val="tx1"/>
-    </dgm:txFillClrLst>
-    <dgm:txEffectClrLst/>
-  </dgm:styleLbl>
-  <dgm:styleLbl name="fgAcc1">
-    <dgm:fillClrLst meth="repeat">
-      <a:schemeClr val="lt1">
-        <a:alpha val="90000"/>
-      </a:schemeClr>
-    </dgm:fillClrLst>
-    <dgm:linClrLst>
-      <a:schemeClr val="accent5"/>
-      <a:schemeClr val="accent6"/>
-    </dgm:linClrLst>
-    <dgm:effectClrLst/>
-    <dgm:txLinClrLst/>
-    <dgm:txFillClrLst meth="repeat">
-      <a:schemeClr val="dk1"/>
-    </dgm:txFillClrLst>
-    <dgm:txEffectClrLst/>
-  </dgm:styleLbl>
-  <dgm:styleLbl name="conFgAcc1">
-    <dgm:fillClrLst meth="repeat">
-      <a:schemeClr val="lt1">
-        <a:alpha val="90000"/>
-      </a:schemeClr>
-    </dgm:fillClrLst>
-    <dgm:linClrLst>
-      <a:schemeClr val="accent5"/>
-      <a:schemeClr val="accent6"/>
-    </dgm:linClrLst>
-    <dgm:effectClrLst/>
-    <dgm:txLinClrLst/>
-    <dgm:txFillClrLst meth="repeat">
-      <a:schemeClr val="dk1"/>
-    </dgm:txFillClrLst>
-    <dgm:txEffectClrLst/>
-  </dgm:styleLbl>
-  <dgm:styleLbl name="alignAcc1">
-    <dgm:fillClrLst meth="repeat">
-      <a:schemeClr val="lt1">
-        <a:alpha val="90000"/>
-      </a:schemeClr>
-    </dgm:fillClrLst>
-    <dgm:linClrLst>
-      <a:schemeClr val="accent5"/>
-      <a:schemeClr val="accent6"/>
-    </dgm:linClrLst>
-    <dgm:effectClrLst/>
-    <dgm:txLinClrLst/>
-    <dgm:txFillClrLst meth="repeat">
-      <a:schemeClr val="dk1"/>
-    </dgm:txFillClrLst>
-    <dgm:txEffectClrLst/>
-  </dgm:styleLbl>
-  <dgm:styleLbl name="trAlignAcc1">
-    <dgm:fillClrLst meth="repeat">
-      <a:schemeClr val="lt1">
-        <a:alpha val="40000"/>
-      </a:schemeClr>
-    </dgm:fillClrLst>
-    <dgm:linClrLst meth="repeat">
-      <a:schemeClr val="accent5"/>
-    </dgm:linClrLst>
-    <dgm:effectClrLst/>
-    <dgm:txLinClrLst/>
-    <dgm:txFillClrLst meth="repeat">
-      <a:schemeClr val="dk1"/>
-    </dgm:txFillClrLst>
-    <dgm:txEffectClrLst/>
-  </dgm:styleLbl>
-  <dgm:styleLbl name="bgAcc1">
-    <dgm:fillClrLst meth="repeat">
-      <a:schemeClr val="lt1">
-        <a:alpha val="90000"/>
-      </a:schemeClr>
-    </dgm:fillClrLst>
-    <dgm:linClrLst>
-      <a:schemeClr val="accent5"/>
-      <a:schemeClr val="accent6"/>
-    </dgm:linClrLst>
-    <dgm:effectClrLst/>
-    <dgm:txLinClrLst/>
-    <dgm:txFillClrLst meth="repeat">
-      <a:schemeClr val="dk1"/>
-    </dgm:txFillClrLst>
-    <dgm:txEffectClrLst/>
-  </dgm:styleLbl>
-  <dgm:styleLbl name="solidFgAcc1">
-    <dgm:fillClrLst meth="repeat">
-      <a:schemeClr val="lt1"/>
-    </dgm:fillClrLst>
-    <dgm:linClrLst>
-      <a:schemeClr val="accent5"/>
-      <a:schemeClr val="accent6"/>
-    </dgm:linClrLst>
-    <dgm:effectClrLst/>
-    <dgm:txLinClrLst/>
-    <dgm:txFillClrLst meth="repeat">
-      <a:schemeClr val="dk1"/>
-    </dgm:txFillClrLst>
-    <dgm:txEffectClrLst/>
-  </dgm:styleLbl>
-  <dgm:styleLbl name="solidAlignAcc1">
-    <dgm:fillClrLst meth="repeat">
-      <a:schemeClr val="lt1"/>
-    </dgm:fillClrLst>
-    <dgm:linClrLst>
-      <a:schemeClr val="accent5"/>
-      <a:schemeClr val="accent6"/>
-    </dgm:linClrLst>
-    <dgm:effectClrLst/>
-    <dgm:txLinClrLst/>
-    <dgm:txFillClrLst meth="repeat">
-      <a:schemeClr val="dk1"/>
-    </dgm:txFillClrLst>
-    <dgm:txEffectClrLst/>
-  </dgm:styleLbl>
-  <dgm:styleLbl name="solidBgAcc1">
-    <dgm:fillClrLst meth="repeat">
-      <a:schemeClr val="lt1"/>
-    </dgm:fillClrLst>
-    <dgm:linClrLst>
-      <a:schemeClr val="accent5"/>
-      <a:schemeClr val="accent6"/>
-    </dgm:linClrLst>
-    <dgm:effectClrLst/>
-    <dgm:txLinClrLst/>
-    <dgm:txFillClrLst meth="repeat">
-      <a:schemeClr val="dk1"/>
-    </dgm:txFillClrLst>
-    <dgm:txEffectClrLst/>
-  </dgm:styleLbl>
-  <dgm:styleLbl name="fgAccFollowNode1">
-    <dgm:fillClrLst>
-      <a:schemeClr val="accent5">
-        <a:tint val="40000"/>
-        <a:alpha val="90000"/>
-      </a:schemeClr>
-      <a:schemeClr val="accent6">
-        <a:tint val="40000"/>
-        <a:alpha val="90000"/>
-      </a:schemeClr>
-    </dgm:fillClrLst>
-    <dgm:linClrLst>
-      <a:schemeClr val="accent5">
-        <a:tint val="40000"/>
-        <a:alpha val="90000"/>
-      </a:schemeClr>
-      <a:schemeClr val="accent5">
-        <a:tint val="40000"/>
-        <a:alpha val="90000"/>
-      </a:schemeClr>
-    </dgm:linClrLst>
-    <dgm:effectClrLst/>
-    <dgm:txLinClrLst/>
-    <dgm:txFillClrLst meth="repeat">
-      <a:schemeClr val="dk1"/>
-    </dgm:txFillClrLst>
-    <dgm:txEffectClrLst/>
-  </dgm:styleLbl>
-  <dgm:styleLbl name="alignAccFollowNode1">
-    <dgm:fillClrLst>
-      <a:schemeClr val="accent5">
-        <a:tint val="40000"/>
-        <a:alpha val="90000"/>
-      </a:schemeClr>
-      <a:schemeClr val="accent6">
-        <a:tint val="40000"/>
-        <a:alpha val="90000"/>
-      </a:schemeClr>
-    </dgm:fillClrLst>
-    <dgm:linClrLst>
-      <a:schemeClr val="accent5">
-        <a:tint val="40000"/>
-        <a:alpha val="90000"/>
-      </a:schemeClr>
-      <a:schemeClr val="accent6">
-        <a:tint val="40000"/>
-        <a:alpha val="90000"/>
-      </a:schemeClr>
-    </dgm:linClrLst>
-    <dgm:effectClrLst/>
-    <dgm:txLinClrLst/>
-    <dgm:txFillClrLst meth="repeat">
-      <a:schemeClr val="dk1"/>
-    </dgm:txFillClrLst>
-    <dgm:txEffectClrLst/>
-  </dgm:styleLbl>
-  <dgm:styleLbl name="bgAccFollowNode1">
-    <dgm:fillClrLst>
-      <a:schemeClr val="accent5">
-        <a:tint val="40000"/>
-        <a:alpha val="90000"/>
-      </a:schemeClr>
-      <a:schemeClr val="accent6">
-        <a:tint val="40000"/>
-        <a:alpha val="90000"/>
-      </a:schemeClr>
-    </dgm:fillClrLst>
-    <dgm:linClrLst>
-      <a:schemeClr val="accent5">
-        <a:tint val="40000"/>
-        <a:alpha val="90000"/>
-      </a:schemeClr>
-      <a:schemeClr val="accent6">
-        <a:tint val="40000"/>
-        <a:alpha val="90000"/>
-      </a:schemeClr>
-    </dgm:linClrLst>
-    <dgm:effectClrLst/>
-    <dgm:txLinClrLst/>
-    <dgm:txFillClrLst meth="repeat">
-      <a:schemeClr val="dk1"/>
-    </dgm:txFillClrLst>
-    <dgm:txEffectClrLst/>
-  </dgm:styleLbl>
-  <dgm:styleLbl name="fgAcc0">
-    <dgm:fillClrLst meth="repeat">
-      <a:schemeClr val="lt1">
-        <a:alpha val="90000"/>
-      </a:schemeClr>
-    </dgm:fillClrLst>
-    <dgm:linClrLst>
-      <a:schemeClr val="accent4"/>
-    </dgm:linClrLst>
-    <dgm:effectClrLst/>
-    <dgm:txLinClrLst/>
-    <dgm:txFillClrLst meth="repeat">
-      <a:schemeClr val="dk1"/>
-    </dgm:txFillClrLst>
-    <dgm:txEffectClrLst/>
-  </dgm:styleLbl>
-  <dgm:styleLbl name="fgAcc2">
-    <dgm:fillClrLst meth="repeat">
-      <a:schemeClr val="lt1">
-        <a:alpha val="90000"/>
-      </a:schemeClr>
-    </dgm:fillClrLst>
-    <dgm:linClrLst>
-      <a:schemeClr val="accent6"/>
-    </dgm:linClrLst>
-    <dgm:effectClrLst/>
-    <dgm:txLinClrLst/>
-    <dgm:txFillClrLst meth="repeat">
-      <a:schemeClr val="dk1"/>
-    </dgm:txFillClrLst>
-    <dgm:txEffectClrLst/>
-  </dgm:styleLbl>
-  <dgm:styleLbl name="fgAcc3">
-    <dgm:fillClrLst meth="repeat">
-      <a:schemeClr val="lt1">
-        <a:alpha val="90000"/>
-      </a:schemeClr>
-    </dgm:fillClrLst>
-    <dgm:linClrLst>
-      <a:schemeClr val="accent1"/>
-    </dgm:linClrLst>
-    <dgm:effectClrLst/>
-    <dgm:txLinClrLst/>
-    <dgm:txFillClrLst meth="repeat">
-      <a:schemeClr val="dk1"/>
-    </dgm:txFillClrLst>
-    <dgm:txEffectClrLst/>
-  </dgm:styleLbl>
-  <dgm:styleLbl name="fgAcc4">
-    <dgm:fillClrLst meth="repeat">
-      <a:schemeClr val="lt1">
-        <a:alpha val="90000"/>
-      </a:schemeClr>
-    </dgm:fillClrLst>
-    <dgm:linClrLst>
-      <a:schemeClr val="accent2"/>
-    </dgm:linClrLst>
-    <dgm:effectClrLst/>
-    <dgm:txLinClrLst/>
-    <dgm:txFillClrLst meth="repeat">
-      <a:schemeClr val="dk1"/>
-    </dgm:txFillClrLst>
-    <dgm:txEffectClrLst/>
-  </dgm:styleLbl>
-  <dgm:styleLbl name="bgShp">
-    <dgm:fillClrLst meth="repeat">
-      <a:schemeClr val="accent5">
-        <a:tint val="40000"/>
-      </a:schemeClr>
-    </dgm:fillClrLst>
-    <dgm:linClrLst meth="repeat">
-      <a:schemeClr val="dk1"/>
-    </dgm:linClrLst>
-    <dgm:effectClrLst/>
-    <dgm:txLinClrLst/>
-    <dgm:txFillClrLst meth="repeat">
-      <a:schemeClr val="dk1"/>
-    </dgm:txFillClrLst>
-    <dgm:txEffectClrLst/>
-  </dgm:styleLbl>
-  <dgm:styleLbl name="dkBgShp">
-    <dgm:fillClrLst meth="repeat">
-      <a:schemeClr val="accent5">
-        <a:shade val="90000"/>
-      </a:schemeClr>
-    </dgm:fillClrLst>
-    <dgm:linClrLst meth="repeat">
-      <a:schemeClr val="dk1"/>
-    </dgm:linClrLst>
-    <dgm:effectClrLst/>
-    <dgm:txLinClrLst/>
-    <dgm:txFillClrLst meth="repeat">
-      <a:schemeClr val="lt1"/>
-    </dgm:txFillClrLst>
-    <dgm:txEffectClrLst/>
-  </dgm:styleLbl>
-  <dgm:styleLbl name="trBgShp">
-    <dgm:fillClrLst meth="repeat">
-      <a:schemeClr val="accent5">
-        <a:tint val="50000"/>
-        <a:alpha val="40000"/>
-      </a:schemeClr>
-    </dgm:fillClrLst>
-    <dgm:linClrLst meth="repeat">
-      <a:schemeClr val="accent5"/>
-    </dgm:linClrLst>
-    <dgm:effectClrLst/>
-    <dgm:txLinClrLst/>
-    <dgm:txFillClrLst meth="repeat">
-      <a:schemeClr val="lt1"/>
-    </dgm:txFillClrLst>
-    <dgm:txEffectClrLst/>
-  </dgm:styleLbl>
-  <dgm:styleLbl name="fgShp">
-    <dgm:fillClrLst meth="repeat">
-      <a:schemeClr val="accent5">
-        <a:tint val="40000"/>
-      </a:schemeClr>
-    </dgm:fillClrLst>
-    <dgm:linClrLst meth="repeat">
-      <a:schemeClr val="lt1"/>
-    </dgm:linClrLst>
-    <dgm:effectClrLst/>
-    <dgm:txLinClrLst/>
-    <dgm:txFillClrLst meth="repeat">
-      <a:schemeClr val="dk1"/>
-    </dgm:txFillClrLst>
-    <dgm:txEffectClrLst/>
-  </dgm:styleLbl>
-  <dgm:styleLbl name="revTx">
-    <dgm:fillClrLst meth="repeat">
-      <a:schemeClr val="lt1">
-        <a:alpha val="0"/>
-      </a:schemeClr>
-    </dgm:fillClrLst>
-    <dgm:linClrLst meth="repeat">
-      <a:schemeClr val="dk1">
-        <a:alpha val="0"/>
-      </a:schemeClr>
-    </dgm:linClrLst>
-    <dgm:effectClrLst/>
-    <dgm:txLinClrLst/>
-    <dgm:txFillClrLst meth="repeat">
-      <a:schemeClr val="tx1"/>
-    </dgm:txFillClrLst>
-    <dgm:txEffectClrLst/>
-  </dgm:styleLbl>
-</dgm:colorsDef>
-</file>
-
 <file path=ppt/diagrams/data1.xml><?xml version="1.0" encoding="utf-8"?>
 <dgm:dataModel xmlns:dgm="http://schemas.openxmlformats.org/drawingml/2006/diagram" xmlns:a="http://schemas.openxmlformats.org/drawingml/2006/main">
   <dgm:ptLst>
@@ -4140,6 +3358,17 @@
         </a:p>
       </dgm:t>
     </dgm:pt>
+    <dgm:pt modelId="{AED585D0-E158-48D1-8037-5DB08D2C892B}" type="sibTrans" cxnId="{F609747B-AE71-4ACA-93A0-5C6C9FA2C6E1}">
+      <dgm:prSet/>
+      <dgm:spPr/>
+      <dgm:t>
+        <a:bodyPr/>
+        <a:lstStyle/>
+        <a:p>
+          <a:endParaRPr lang="en-US"/>
+        </a:p>
+      </dgm:t>
+    </dgm:pt>
     <dgm:pt modelId="{B2A71A46-24A2-44C1-B6DD-257439AFBC0A}" type="parTrans" cxnId="{F609747B-AE71-4ACA-93A0-5C6C9FA2C6E1}">
       <dgm:prSet/>
       <dgm:spPr/>
@@ -4151,14 +3380,91 @@
         </a:p>
       </dgm:t>
     </dgm:pt>
-    <dgm:pt modelId="{AED585D0-E158-48D1-8037-5DB08D2C892B}" type="sibTrans" cxnId="{F609747B-AE71-4ACA-93A0-5C6C9FA2C6E1}">
+    <dgm:pt modelId="{2DCD9DDB-175E-4941-A9CC-3968777E9C33}">
+      <dgm:prSet/>
+      <dgm:spPr>
+        <a:solidFill>
+          <a:srgbClr val="FFFAEF">
+            <a:alpha val="90000"/>
+          </a:srgbClr>
+        </a:solidFill>
+      </dgm:spPr>
+      <dgm:t>
+        <a:bodyPr/>
+        <a:lstStyle/>
+        <a:p>
+          <a:pPr>
+            <a:buNone/>
+          </a:pPr>
+          <a:endParaRPr lang="en-US" dirty="0"/>
+        </a:p>
+      </dgm:t>
+    </dgm:pt>
+    <dgm:pt modelId="{A660DBE3-BFC0-4334-BC1B-24BBEAA4886C}" type="sibTrans" cxnId="{45BADC90-1BEB-4E18-8E43-4B5414B02C6A}">
       <dgm:prSet/>
       <dgm:spPr/>
       <dgm:t>
         <a:bodyPr/>
         <a:lstStyle/>
         <a:p>
-          <a:endParaRPr lang="en-US"/>
+          <a:endParaRPr lang="it-IT"/>
+        </a:p>
+      </dgm:t>
+    </dgm:pt>
+    <dgm:pt modelId="{D20D7FDE-0E23-409C-9D26-4E8D3B54159C}" type="parTrans" cxnId="{45BADC90-1BEB-4E18-8E43-4B5414B02C6A}">
+      <dgm:prSet/>
+      <dgm:spPr/>
+      <dgm:t>
+        <a:bodyPr/>
+        <a:lstStyle/>
+        <a:p>
+          <a:endParaRPr lang="it-IT"/>
+        </a:p>
+      </dgm:t>
+    </dgm:pt>
+    <dgm:pt modelId="{BA6B229E-3562-42CB-9BDE-9840C2EAABCE}">
+      <dgm:prSet/>
+      <dgm:spPr>
+        <a:solidFill>
+          <a:srgbClr val="FFFAEF">
+            <a:alpha val="90000"/>
+          </a:srgbClr>
+        </a:solidFill>
+      </dgm:spPr>
+      <dgm:t>
+        <a:bodyPr/>
+        <a:lstStyle/>
+        <a:p>
+          <a:pPr>
+            <a:buNone/>
+          </a:pPr>
+          <a:r>
+            <a:rPr lang="it-IT" b="1" dirty="0"/>
+            <a:t>• AI Assistant Generativo</a:t>
+          </a:r>
+          <a:endParaRPr lang="en-US" dirty="0"/>
+        </a:p>
+      </dgm:t>
+    </dgm:pt>
+    <dgm:pt modelId="{90271237-C794-41DF-86D9-A2E26E60317C}" type="sibTrans" cxnId="{60C19F6E-51D4-469F-8CA2-D99A70A515A1}">
+      <dgm:prSet/>
+      <dgm:spPr/>
+      <dgm:t>
+        <a:bodyPr/>
+        <a:lstStyle/>
+        <a:p>
+          <a:endParaRPr lang="it-IT"/>
+        </a:p>
+      </dgm:t>
+    </dgm:pt>
+    <dgm:pt modelId="{70A3C826-6850-42FF-83C7-F9DD4F109BBD}" type="parTrans" cxnId="{60C19F6E-51D4-469F-8CA2-D99A70A515A1}">
+      <dgm:prSet/>
+      <dgm:spPr/>
+      <dgm:t>
+        <a:bodyPr/>
+        <a:lstStyle/>
+        <a:p>
+          <a:endParaRPr lang="it-IT"/>
         </a:p>
       </dgm:t>
     </dgm:pt>
@@ -4180,7 +3486,7 @@
         </a:p>
       </dgm:t>
     </dgm:pt>
-    <dgm:pt modelId="{560ADEAD-12A3-42A1-9F06-6A4A9970C65A}" type="parTrans" cxnId="{34B5FE1C-7742-4652-9590-D783F8DC8A91}">
+    <dgm:pt modelId="{0E80079A-E7C8-46D2-BA7D-0810DEEB2641}" type="sibTrans" cxnId="{34B5FE1C-7742-4652-9590-D783F8DC8A91}">
       <dgm:prSet/>
       <dgm:spPr/>
       <dgm:t>
@@ -4191,7 +3497,7 @@
         </a:p>
       </dgm:t>
     </dgm:pt>
-    <dgm:pt modelId="{0E80079A-E7C8-46D2-BA7D-0810DEEB2641}" type="sibTrans" cxnId="{34B5FE1C-7742-4652-9590-D783F8DC8A91}">
+    <dgm:pt modelId="{560ADEAD-12A3-42A1-9F06-6A4A9970C65A}" type="parTrans" cxnId="{34B5FE1C-7742-4652-9590-D783F8DC8A91}">
       <dgm:prSet/>
       <dgm:spPr/>
       <dgm:t>
@@ -4214,9 +3520,20 @@
             <a:buChar char="–"/>
           </a:pPr>
           <a:r>
-            <a:rPr lang="it-IT"/>
+            <a:rPr lang="it-IT" dirty="0"/>
             <a:t>System prompt personalizzato con descrizione azienda e tono</a:t>
           </a:r>
+        </a:p>
+      </dgm:t>
+    </dgm:pt>
+    <dgm:pt modelId="{05CA66E2-1DEC-499C-AE8F-EB8522F352AC}" type="sibTrans" cxnId="{0810B2E6-C343-4CF5-8A38-64BDF85435AE}">
+      <dgm:prSet/>
+      <dgm:spPr/>
+      <dgm:t>
+        <a:bodyPr/>
+        <a:lstStyle/>
+        <a:p>
+          <a:endParaRPr lang="it-IT"/>
         </a:p>
       </dgm:t>
     </dgm:pt>
@@ -4231,17 +3548,6 @@
         </a:p>
       </dgm:t>
     </dgm:pt>
-    <dgm:pt modelId="{05CA66E2-1DEC-499C-AE8F-EB8522F352AC}" type="sibTrans" cxnId="{0810B2E6-C343-4CF5-8A38-64BDF85435AE}">
-      <dgm:prSet/>
-      <dgm:spPr/>
-      <dgm:t>
-        <a:bodyPr/>
-        <a:lstStyle/>
-        <a:p>
-          <a:endParaRPr lang="it-IT"/>
-        </a:p>
-      </dgm:t>
-    </dgm:pt>
     <dgm:pt modelId="{573BEE00-17A1-4930-80DA-675220DF42B6}">
       <dgm:prSet/>
       <dgm:spPr/>
@@ -4260,7 +3566,7 @@
         </a:p>
       </dgm:t>
     </dgm:pt>
-    <dgm:pt modelId="{777DB149-DFF9-40F7-8E7B-FA60BEF58FD0}" type="parTrans" cxnId="{35202EAC-5F14-4E39-974C-FC904AF867BE}">
+    <dgm:pt modelId="{8904A72F-E509-44A7-9B2E-77549312C72A}" type="sibTrans" cxnId="{35202EAC-5F14-4E39-974C-FC904AF867BE}">
       <dgm:prSet/>
       <dgm:spPr/>
       <dgm:t>
@@ -4271,7 +3577,7 @@
         </a:p>
       </dgm:t>
     </dgm:pt>
-    <dgm:pt modelId="{8904A72F-E509-44A7-9B2E-77549312C72A}" type="sibTrans" cxnId="{35202EAC-5F14-4E39-974C-FC904AF867BE}">
+    <dgm:pt modelId="{777DB149-DFF9-40F7-8E7B-FA60BEF58FD0}" type="parTrans" cxnId="{35202EAC-5F14-4E39-974C-FC904AF867BE}">
       <dgm:prSet/>
       <dgm:spPr/>
       <dgm:t>
@@ -4300,6 +3606,17 @@
         </a:p>
       </dgm:t>
     </dgm:pt>
+    <dgm:pt modelId="{050C9686-ED79-41D7-97FE-2F109DE1A019}" type="sibTrans" cxnId="{E65CA12A-36A9-4F19-A445-FD1547CACE82}">
+      <dgm:prSet/>
+      <dgm:spPr/>
+      <dgm:t>
+        <a:bodyPr/>
+        <a:lstStyle/>
+        <a:p>
+          <a:endParaRPr lang="it-IT"/>
+        </a:p>
+      </dgm:t>
+    </dgm:pt>
     <dgm:pt modelId="{90240338-094A-4F35-9570-F3E3DD0398FC}" type="parTrans" cxnId="{E65CA12A-36A9-4F19-A445-FD1547CACE82}">
       <dgm:prSet/>
       <dgm:spPr/>
@@ -4311,7 +3628,33 @@
         </a:p>
       </dgm:t>
     </dgm:pt>
-    <dgm:pt modelId="{050C9686-ED79-41D7-97FE-2F109DE1A019}" type="sibTrans" cxnId="{E65CA12A-36A9-4F19-A445-FD1547CACE82}">
+    <dgm:pt modelId="{1679F55E-D649-48B2-9C4B-76263E62DB87}">
+      <dgm:prSet/>
+      <dgm:spPr/>
+      <dgm:t>
+        <a:bodyPr/>
+        <a:lstStyle/>
+        <a:p>
+          <a:pPr>
+            <a:buFont typeface="Arial" panose="020B0604020202020204" pitchFamily="34" charset="0"/>
+            <a:buNone/>
+          </a:pPr>
+          <a:endParaRPr lang="it-IT" dirty="0"/>
+        </a:p>
+      </dgm:t>
+    </dgm:pt>
+    <dgm:pt modelId="{6D13BF0E-16AE-4192-AED0-F6BE07135CC9}" type="sibTrans" cxnId="{87052C59-8C24-46BF-849D-B24A39398259}">
+      <dgm:prSet/>
+      <dgm:spPr/>
+      <dgm:t>
+        <a:bodyPr/>
+        <a:lstStyle/>
+        <a:p>
+          <a:endParaRPr lang="it-IT"/>
+        </a:p>
+      </dgm:t>
+    </dgm:pt>
+    <dgm:pt modelId="{7D2F7EFB-3D8E-46E8-B901-1AF738F4CE41}" type="parTrans" cxnId="{87052C59-8C24-46BF-849D-B24A39398259}">
       <dgm:prSet/>
       <dgm:spPr/>
       <dgm:t>
@@ -4348,7 +3691,7 @@
         </a:p>
       </dgm:t>
     </dgm:pt>
-    <dgm:pt modelId="{91CBBFC0-E109-45E8-AE61-AE718F4BCCE2}" type="parTrans" cxnId="{854A3A06-D304-4DF2-804D-CBCD835EE301}">
+    <dgm:pt modelId="{F262D59A-314C-42C3-882C-D827C4AB90C3}" type="sibTrans" cxnId="{854A3A06-D304-4DF2-804D-CBCD835EE301}">
       <dgm:prSet/>
       <dgm:spPr/>
       <dgm:t>
@@ -4359,7 +3702,7 @@
         </a:p>
       </dgm:t>
     </dgm:pt>
-    <dgm:pt modelId="{F262D59A-314C-42C3-882C-D827C4AB90C3}" type="sibTrans" cxnId="{854A3A06-D304-4DF2-804D-CBCD835EE301}">
+    <dgm:pt modelId="{91CBBFC0-E109-45E8-AE61-AE718F4BCCE2}" type="parTrans" cxnId="{854A3A06-D304-4DF2-804D-CBCD835EE301}">
       <dgm:prSet/>
       <dgm:spPr/>
       <dgm:t>
@@ -4388,7 +3731,7 @@
         </a:p>
       </dgm:t>
     </dgm:pt>
-    <dgm:pt modelId="{1B568AF4-DEB1-4D63-A26E-5F8644619EDC}" type="parTrans" cxnId="{F5B37F8A-E7BD-4E4D-ABD3-AEB11F341F98}">
+    <dgm:pt modelId="{C84683A7-4B5E-4805-9BF5-AA75C1CD7896}" type="sibTrans" cxnId="{F5B37F8A-E7BD-4E4D-ABD3-AEB11F341F98}">
       <dgm:prSet/>
       <dgm:spPr/>
       <dgm:t>
@@ -4399,7 +3742,7 @@
         </a:p>
       </dgm:t>
     </dgm:pt>
-    <dgm:pt modelId="{C84683A7-4B5E-4805-9BF5-AA75C1CD7896}" type="sibTrans" cxnId="{F5B37F8A-E7BD-4E4D-ABD3-AEB11F341F98}">
+    <dgm:pt modelId="{1B568AF4-DEB1-4D63-A26E-5F8644619EDC}" type="parTrans" cxnId="{F5B37F8A-E7BD-4E4D-ABD3-AEB11F341F98}">
       <dgm:prSet/>
       <dgm:spPr/>
       <dgm:t>
@@ -4428,7 +3771,7 @@
         </a:p>
       </dgm:t>
     </dgm:pt>
-    <dgm:pt modelId="{52C65161-EA61-4E7A-81E3-DD54CBB1FBE4}" type="parTrans" cxnId="{C2D045A7-F4AF-4A1A-B988-A0484F0B9C95}">
+    <dgm:pt modelId="{63645E5B-424B-4B3F-908E-DAFD032AAE07}" type="sibTrans" cxnId="{C2D045A7-F4AF-4A1A-B988-A0484F0B9C95}">
       <dgm:prSet/>
       <dgm:spPr/>
       <dgm:t>
@@ -4439,7 +3782,7 @@
         </a:p>
       </dgm:t>
     </dgm:pt>
-    <dgm:pt modelId="{63645E5B-424B-4B3F-908E-DAFD032AAE07}" type="sibTrans" cxnId="{C2D045A7-F4AF-4A1A-B988-A0484F0B9C95}">
+    <dgm:pt modelId="{52C65161-EA61-4E7A-81E3-DD54CBB1FBE4}" type="parTrans" cxnId="{C2D045A7-F4AF-4A1A-B988-A0484F0B9C95}">
       <dgm:prSet/>
       <dgm:spPr/>
       <dgm:t>
@@ -4468,6 +3811,17 @@
         </a:p>
       </dgm:t>
     </dgm:pt>
+    <dgm:pt modelId="{A6D716EA-7CDD-4A41-A939-9B7695890F9F}" type="sibTrans" cxnId="{6B7721DA-4E54-4D2F-81FA-FA47A79D03B8}">
+      <dgm:prSet/>
+      <dgm:spPr/>
+      <dgm:t>
+        <a:bodyPr/>
+        <a:lstStyle/>
+        <a:p>
+          <a:endParaRPr lang="it-IT"/>
+        </a:p>
+      </dgm:t>
+    </dgm:pt>
     <dgm:pt modelId="{D1251FCA-F98D-4FEC-AF4C-52B11EB090F8}" type="parTrans" cxnId="{6B7721DA-4E54-4D2F-81FA-FA47A79D03B8}">
       <dgm:prSet/>
       <dgm:spPr/>
@@ -4478,128 +3832,6 @@
           <a:endParaRPr lang="it-IT"/>
         </a:p>
       </dgm:t>
-    </dgm:pt>
-    <dgm:pt modelId="{A6D716EA-7CDD-4A41-A939-9B7695890F9F}" type="sibTrans" cxnId="{6B7721DA-4E54-4D2F-81FA-FA47A79D03B8}">
-      <dgm:prSet/>
-      <dgm:spPr/>
-      <dgm:t>
-        <a:bodyPr/>
-        <a:lstStyle/>
-        <a:p>
-          <a:endParaRPr lang="it-IT"/>
-        </a:p>
-      </dgm:t>
-    </dgm:pt>
-    <dgm:pt modelId="{2DCD9DDB-175E-4941-A9CC-3968777E9C33}">
-      <dgm:prSet/>
-      <dgm:spPr>
-        <a:solidFill>
-          <a:srgbClr val="FFFAEF">
-            <a:alpha val="90000"/>
-          </a:srgbClr>
-        </a:solidFill>
-      </dgm:spPr>
-      <dgm:t>
-        <a:bodyPr/>
-        <a:lstStyle/>
-        <a:p>
-          <a:pPr>
-            <a:buNone/>
-          </a:pPr>
-          <a:endParaRPr lang="en-US" dirty="0"/>
-        </a:p>
-      </dgm:t>
-    </dgm:pt>
-    <dgm:pt modelId="{D20D7FDE-0E23-409C-9D26-4E8D3B54159C}" type="parTrans" cxnId="{45BADC90-1BEB-4E18-8E43-4B5414B02C6A}">
-      <dgm:prSet/>
-      <dgm:spPr/>
-      <dgm:t>
-        <a:bodyPr/>
-        <a:lstStyle/>
-        <a:p>
-          <a:endParaRPr lang="it-IT"/>
-        </a:p>
-      </dgm:t>
-    </dgm:pt>
-    <dgm:pt modelId="{A660DBE3-BFC0-4334-BC1B-24BBEAA4886C}" type="sibTrans" cxnId="{45BADC90-1BEB-4E18-8E43-4B5414B02C6A}">
-      <dgm:prSet/>
-      <dgm:spPr/>
-      <dgm:t>
-        <a:bodyPr/>
-        <a:lstStyle/>
-        <a:p>
-          <a:endParaRPr lang="it-IT"/>
-        </a:p>
-      </dgm:t>
-    </dgm:pt>
-    <dgm:pt modelId="{1679F55E-D649-48B2-9C4B-76263E62DB87}">
-      <dgm:prSet/>
-      <dgm:spPr/>
-      <dgm:t>
-        <a:bodyPr/>
-        <a:lstStyle/>
-        <a:p>
-          <a:pPr>
-            <a:buFont typeface="Arial" panose="020B0604020202020204" pitchFamily="34" charset="0"/>
-            <a:buNone/>
-          </a:pPr>
-          <a:endParaRPr lang="it-IT" dirty="0"/>
-        </a:p>
-      </dgm:t>
-    </dgm:pt>
-    <dgm:pt modelId="{7D2F7EFB-3D8E-46E8-B901-1AF738F4CE41}" type="parTrans" cxnId="{87052C59-8C24-46BF-849D-B24A39398259}">
-      <dgm:prSet/>
-      <dgm:spPr/>
-      <dgm:t>
-        <a:bodyPr/>
-        <a:lstStyle/>
-        <a:p>
-          <a:endParaRPr lang="it-IT"/>
-        </a:p>
-      </dgm:t>
-    </dgm:pt>
-    <dgm:pt modelId="{6D13BF0E-16AE-4192-AED0-F6BE07135CC9}" type="sibTrans" cxnId="{87052C59-8C24-46BF-849D-B24A39398259}">
-      <dgm:prSet/>
-      <dgm:spPr/>
-      <dgm:t>
-        <a:bodyPr/>
-        <a:lstStyle/>
-        <a:p>
-          <a:endParaRPr lang="it-IT"/>
-        </a:p>
-      </dgm:t>
-    </dgm:pt>
-    <dgm:pt modelId="{BA6B229E-3562-42CB-9BDE-9840C2EAABCE}">
-      <dgm:prSet/>
-      <dgm:spPr>
-        <a:solidFill>
-          <a:srgbClr val="FFFAEF">
-            <a:alpha val="90000"/>
-          </a:srgbClr>
-        </a:solidFill>
-      </dgm:spPr>
-      <dgm:t>
-        <a:bodyPr/>
-        <a:lstStyle/>
-        <a:p>
-          <a:pPr>
-            <a:buNone/>
-          </a:pPr>
-          <a:r>
-            <a:rPr lang="it-IT" b="1" dirty="0"/>
-            <a:t>• AI Assistant Generativo</a:t>
-          </a:r>
-          <a:endParaRPr lang="en-US" dirty="0"/>
-        </a:p>
-      </dgm:t>
-    </dgm:pt>
-    <dgm:pt modelId="{70A3C826-6850-42FF-83C7-F9DD4F109BBD}" type="parTrans" cxnId="{60C19F6E-51D4-469F-8CA2-D99A70A515A1}">
-      <dgm:prSet/>
-      <dgm:spPr/>
-    </dgm:pt>
-    <dgm:pt modelId="{90271237-C794-41DF-86D9-A2E26E60317C}" type="sibTrans" cxnId="{60C19F6E-51D4-469F-8CA2-D99A70A515A1}">
-      <dgm:prSet/>
-      <dgm:spPr/>
     </dgm:pt>
     <dgm:pt modelId="{529C8736-509C-426A-B1AF-D9FE39FB5B28}" type="pres">
       <dgm:prSet presAssocID="{228ADC0D-83DA-40CE-9EF2-B2A23B2BA12F}" presName="linear" presStyleCnt="0">
@@ -4633,7 +3865,7 @@
       <dgm:spPr/>
     </dgm:pt>
     <dgm:pt modelId="{8A748C3E-CE62-4E92-A0FE-1F5548AC9D02}" type="pres">
-      <dgm:prSet presAssocID="{EE76E364-6A46-492A-9FD7-63C775ADA808}" presName="childText" presStyleLbl="conFgAcc1" presStyleIdx="0" presStyleCnt="1">
+      <dgm:prSet presAssocID="{EE76E364-6A46-492A-9FD7-63C775ADA808}" presName="childText" presStyleLbl="conFgAcc1" presStyleIdx="0" presStyleCnt="1" custLinFactNeighborX="-26964" custLinFactNeighborY="26467">
         <dgm:presLayoutVars>
           <dgm:bulletEnabled val="1"/>
         </dgm:presLayoutVars>
@@ -5107,7 +4339,7 @@
   <dgm:whole/>
   <dgm:extLst>
     <a:ext uri="http://schemas.microsoft.com/office/drawing/2008/diagram">
-      <dsp:dataModelExt xmlns:dsp="http://schemas.microsoft.com/office/drawing/2008/diagram" relId="rId6" minVer="http://schemas.openxmlformats.org/drawingml/2006/diagram"/>
+      <dsp:dataModelExt xmlns:dsp="http://schemas.microsoft.com/office/drawing/2008/diagram" relId="rId13" minVer="http://schemas.openxmlformats.org/drawingml/2006/diagram"/>
     </a:ext>
   </dgm:extLst>
 </dgm:dataModel>
@@ -6312,769 +5544,7 @@
   <dgm:whole/>
   <dgm:extLst>
     <a:ext uri="http://schemas.microsoft.com/office/drawing/2008/diagram">
-      <dsp:dataModelExt xmlns:dsp="http://schemas.microsoft.com/office/drawing/2008/diagram" relId="rId6" minVer="http://schemas.openxmlformats.org/drawingml/2006/diagram"/>
-    </a:ext>
-  </dgm:extLst>
-</dgm:dataModel>
-</file>
-
-<file path=ppt/diagrams/data5.xml><?xml version="1.0" encoding="utf-8"?>
-<dgm:dataModel xmlns:dgm="http://schemas.openxmlformats.org/drawingml/2006/diagram" xmlns:a="http://schemas.openxmlformats.org/drawingml/2006/main">
-  <dgm:ptLst>
-    <dgm:pt modelId="{228ADC0D-83DA-40CE-9EF2-B2A23B2BA12F}" type="doc">
-      <dgm:prSet loTypeId="urn:microsoft.com/office/officeart/2005/8/layout/list1" loCatId="list" qsTypeId="urn:microsoft.com/office/officeart/2005/8/quickstyle/simple4" qsCatId="simple" csTypeId="urn:microsoft.com/office/officeart/2005/8/colors/colorful5" csCatId="colorful" phldr="1"/>
-      <dgm:spPr/>
-      <dgm:t>
-        <a:bodyPr/>
-        <a:lstStyle/>
-        <a:p>
-          <a:endParaRPr lang="en-US"/>
-        </a:p>
-      </dgm:t>
-    </dgm:pt>
-    <dgm:pt modelId="{EE76E364-6A46-492A-9FD7-63C775ADA808}">
-      <dgm:prSet/>
-      <dgm:spPr/>
-      <dgm:t>
-        <a:bodyPr/>
-        <a:lstStyle/>
-        <a:p>
-          <a:r>
-            <a:rPr lang="it-IT" b="1" dirty="0"/>
-            <a:t>Architettura del Sistema</a:t>
-          </a:r>
-          <a:endParaRPr lang="en-US" dirty="0"/>
-        </a:p>
-      </dgm:t>
-    </dgm:pt>
-    <dgm:pt modelId="{522B9AE2-1358-4DCB-B21B-51AD7A4CC3B6}" type="parTrans" cxnId="{8ADAB9E6-BB3B-4581-9B45-07948A4AEA67}">
-      <dgm:prSet/>
-      <dgm:spPr/>
-      <dgm:t>
-        <a:bodyPr/>
-        <a:lstStyle/>
-        <a:p>
-          <a:endParaRPr lang="en-US"/>
-        </a:p>
-      </dgm:t>
-    </dgm:pt>
-    <dgm:pt modelId="{119AEC78-9891-4081-85AD-AAE5114E48ED}" type="sibTrans" cxnId="{8ADAB9E6-BB3B-4581-9B45-07948A4AEA67}">
-      <dgm:prSet/>
-      <dgm:spPr/>
-      <dgm:t>
-        <a:bodyPr/>
-        <a:lstStyle/>
-        <a:p>
-          <a:endParaRPr lang="en-US"/>
-        </a:p>
-      </dgm:t>
-    </dgm:pt>
-    <dgm:pt modelId="{FB7856FD-14F6-497F-A96F-439DE861ECA4}">
-      <dgm:prSet/>
-      <dgm:spPr>
-        <a:solidFill>
-          <a:srgbClr val="FFFAEF">
-            <a:alpha val="90000"/>
-          </a:srgbClr>
-        </a:solidFill>
-      </dgm:spPr>
-      <dgm:t>
-        <a:bodyPr/>
-        <a:lstStyle/>
-        <a:p>
-          <a:pPr>
-            <a:buNone/>
-          </a:pPr>
-          <a:r>
-            <a:rPr lang="it-IT" dirty="0">
-              <a:solidFill>
-                <a:srgbClr val="FF0000"/>
-              </a:solidFill>
-            </a:rPr>
-            <a:t>FLUSSO DATI COMPLETO:</a:t>
-          </a:r>
-          <a:endParaRPr lang="en-US" dirty="0">
-            <a:solidFill>
-              <a:srgbClr val="FF0000"/>
-            </a:solidFill>
-          </a:endParaRPr>
-        </a:p>
-      </dgm:t>
-    </dgm:pt>
-    <dgm:pt modelId="{B2A71A46-24A2-44C1-B6DD-257439AFBC0A}" type="parTrans" cxnId="{F609747B-AE71-4ACA-93A0-5C6C9FA2C6E1}">
-      <dgm:prSet/>
-      <dgm:spPr/>
-      <dgm:t>
-        <a:bodyPr/>
-        <a:lstStyle/>
-        <a:p>
-          <a:endParaRPr lang="en-US"/>
-        </a:p>
-      </dgm:t>
-    </dgm:pt>
-    <dgm:pt modelId="{AED585D0-E158-48D1-8037-5DB08D2C892B}" type="sibTrans" cxnId="{F609747B-AE71-4ACA-93A0-5C6C9FA2C6E1}">
-      <dgm:prSet/>
-      <dgm:spPr/>
-      <dgm:t>
-        <a:bodyPr/>
-        <a:lstStyle/>
-        <a:p>
-          <a:endParaRPr lang="en-US"/>
-        </a:p>
-      </dgm:t>
-    </dgm:pt>
-    <dgm:pt modelId="{A57B0B63-57E1-438D-8C20-559CDB1F5AD6}">
-      <dgm:prSet/>
-      <dgm:spPr/>
-      <dgm:t>
-        <a:bodyPr/>
-        <a:lstStyle/>
-        <a:p>
-          <a:pPr>
-            <a:buFont typeface="Arial" panose="020B0604020202020204" pitchFamily="34" charset="0"/>
-            <a:buNone/>
-          </a:pPr>
-          <a:r>
-            <a:rPr lang="it-IT" b="1" dirty="0"/>
-            <a:t>1. </a:t>
-          </a:r>
-          <a:r>
-            <a:rPr lang="it-IT" b="1" dirty="0" err="1"/>
-            <a:t>Frontend</a:t>
-          </a:r>
-          <a:r>
-            <a:rPr lang="it-IT" b="1" dirty="0"/>
-            <a:t> </a:t>
-          </a:r>
-          <a:r>
-            <a:rPr lang="it-IT" b="1" dirty="0" err="1"/>
-            <a:t>Angular</a:t>
-          </a:r>
-          <a:endParaRPr lang="it-IT" b="1" dirty="0"/>
-        </a:p>
-      </dgm:t>
-    </dgm:pt>
-    <dgm:pt modelId="{82FBF902-D0A1-4808-A012-12D1F23A10CF}" type="parTrans" cxnId="{0BD6DEFE-112F-4B6A-94DC-89573A58DBA0}">
-      <dgm:prSet/>
-      <dgm:spPr/>
-      <dgm:t>
-        <a:bodyPr/>
-        <a:lstStyle/>
-        <a:p>
-          <a:endParaRPr lang="it-IT"/>
-        </a:p>
-      </dgm:t>
-    </dgm:pt>
-    <dgm:pt modelId="{3D92DFB8-1946-4CBD-A87D-BC6D6F80F0E8}" type="sibTrans" cxnId="{0BD6DEFE-112F-4B6A-94DC-89573A58DBA0}">
-      <dgm:prSet/>
-      <dgm:spPr/>
-      <dgm:t>
-        <a:bodyPr/>
-        <a:lstStyle/>
-        <a:p>
-          <a:endParaRPr lang="it-IT"/>
-        </a:p>
-      </dgm:t>
-    </dgm:pt>
-    <dgm:pt modelId="{2D0B8079-1B2E-45B6-840D-E98D1618D491}">
-      <dgm:prSet/>
-      <dgm:spPr/>
-      <dgm:t>
-        <a:bodyPr/>
-        <a:lstStyle/>
-        <a:p>
-          <a:pPr>
-            <a:buFont typeface="Arial" panose="020B0604020202020204" pitchFamily="34" charset="0"/>
-            <a:buChar char="–"/>
-          </a:pPr>
-          <a:r>
-            <a:rPr lang="it-IT"/>
-            <a:t>Interfaccia utente con Angular Material</a:t>
-          </a:r>
-        </a:p>
-      </dgm:t>
-    </dgm:pt>
-    <dgm:pt modelId="{936004B0-A6BD-4B51-9D0C-C11FC046D632}" type="parTrans" cxnId="{227E9F6D-9013-47A5-8B50-5CE81079ECC3}">
-      <dgm:prSet/>
-      <dgm:spPr/>
-      <dgm:t>
-        <a:bodyPr/>
-        <a:lstStyle/>
-        <a:p>
-          <a:endParaRPr lang="it-IT"/>
-        </a:p>
-      </dgm:t>
-    </dgm:pt>
-    <dgm:pt modelId="{F249388A-B47D-4759-86FD-C8329FC1B4EA}" type="sibTrans" cxnId="{227E9F6D-9013-47A5-8B50-5CE81079ECC3}">
-      <dgm:prSet/>
-      <dgm:spPr/>
-      <dgm:t>
-        <a:bodyPr/>
-        <a:lstStyle/>
-        <a:p>
-          <a:endParaRPr lang="it-IT"/>
-        </a:p>
-      </dgm:t>
-    </dgm:pt>
-    <dgm:pt modelId="{ED16153C-FB1C-48BB-86BA-45A057F1BE6B}">
-      <dgm:prSet/>
-      <dgm:spPr/>
-      <dgm:t>
-        <a:bodyPr/>
-        <a:lstStyle/>
-        <a:p>
-          <a:pPr>
-            <a:buFont typeface="Arial" panose="020B0604020202020204" pitchFamily="34" charset="0"/>
-            <a:buChar char="–"/>
-          </a:pPr>
-          <a:r>
-            <a:rPr lang="en-US" dirty="0" err="1"/>
-            <a:t>Chiamate</a:t>
-          </a:r>
-          <a:r>
-            <a:rPr lang="en-US" dirty="0"/>
-            <a:t> HTTP (</a:t>
-          </a:r>
-          <a:r>
-            <a:rPr lang="en-US" dirty="0" err="1"/>
-            <a:t>RxJS</a:t>
-          </a:r>
-          <a:r>
-            <a:rPr lang="en-US" dirty="0"/>
-            <a:t>) al backend Rails</a:t>
-          </a:r>
-          <a:endParaRPr lang="it-IT" dirty="0"/>
-        </a:p>
-      </dgm:t>
-    </dgm:pt>
-    <dgm:pt modelId="{FC22BF41-B981-482E-8F28-F2C9271C3468}" type="parTrans" cxnId="{40039E30-83D9-49B5-87F8-670CE956DCCB}">
-      <dgm:prSet/>
-      <dgm:spPr/>
-      <dgm:t>
-        <a:bodyPr/>
-        <a:lstStyle/>
-        <a:p>
-          <a:endParaRPr lang="it-IT"/>
-        </a:p>
-      </dgm:t>
-    </dgm:pt>
-    <dgm:pt modelId="{E57F625B-DE01-469B-BBAC-08D0E9E5EB96}" type="sibTrans" cxnId="{40039E30-83D9-49B5-87F8-670CE956DCCB}">
-      <dgm:prSet/>
-      <dgm:spPr/>
-      <dgm:t>
-        <a:bodyPr/>
-        <a:lstStyle/>
-        <a:p>
-          <a:endParaRPr lang="it-IT"/>
-        </a:p>
-      </dgm:t>
-    </dgm:pt>
-    <dgm:pt modelId="{7E067373-7D11-40A3-8B8D-545F44EC9074}">
-      <dgm:prSet/>
-      <dgm:spPr/>
-      <dgm:t>
-        <a:bodyPr/>
-        <a:lstStyle/>
-        <a:p>
-          <a:pPr>
-            <a:buFont typeface="Arial" panose="020B0604020202020204" pitchFamily="34" charset="0"/>
-            <a:buNone/>
-          </a:pPr>
-          <a:r>
-            <a:rPr lang="it-IT" b="1" dirty="0"/>
-            <a:t>2. </a:t>
-          </a:r>
-          <a:r>
-            <a:rPr lang="it-IT" b="1" dirty="0" err="1"/>
-            <a:t>Backend</a:t>
-          </a:r>
-          <a:r>
-            <a:rPr lang="it-IT" b="1" dirty="0"/>
-            <a:t> </a:t>
-          </a:r>
-          <a:r>
-            <a:rPr lang="it-IT" b="1" dirty="0" err="1"/>
-            <a:t>Rails</a:t>
-          </a:r>
-          <a:r>
-            <a:rPr lang="it-IT" b="1" dirty="0"/>
-            <a:t> API</a:t>
-          </a:r>
-        </a:p>
-      </dgm:t>
-    </dgm:pt>
-    <dgm:pt modelId="{31D18A0D-1704-40E7-91BF-EEA4F2E29231}" type="parTrans" cxnId="{31404B45-6A14-4DC8-9A35-CC2B900EA1E1}">
-      <dgm:prSet/>
-      <dgm:spPr/>
-      <dgm:t>
-        <a:bodyPr/>
-        <a:lstStyle/>
-        <a:p>
-          <a:endParaRPr lang="it-IT"/>
-        </a:p>
-      </dgm:t>
-    </dgm:pt>
-    <dgm:pt modelId="{8DCB4033-A256-480E-AB3A-E6C35E4EB0B6}" type="sibTrans" cxnId="{31404B45-6A14-4DC8-9A35-CC2B900EA1E1}">
-      <dgm:prSet/>
-      <dgm:spPr/>
-      <dgm:t>
-        <a:bodyPr/>
-        <a:lstStyle/>
-        <a:p>
-          <a:endParaRPr lang="it-IT"/>
-        </a:p>
-      </dgm:t>
-    </dgm:pt>
-    <dgm:pt modelId="{B8C4061F-B0C1-4865-9F4A-A39DDC3DA38A}">
-      <dgm:prSet/>
-      <dgm:spPr/>
-      <dgm:t>
-        <a:bodyPr/>
-        <a:lstStyle/>
-        <a:p>
-          <a:pPr>
-            <a:buFont typeface="Arial" panose="020B0604020202020204" pitchFamily="34" charset="0"/>
-            <a:buChar char="–"/>
-          </a:pPr>
-          <a:r>
-            <a:rPr lang="it-IT"/>
-            <a:t>Controller gestiscono richieste HTTP</a:t>
-          </a:r>
-        </a:p>
-      </dgm:t>
-    </dgm:pt>
-    <dgm:pt modelId="{25B4394C-628E-4D37-841D-98BE6491459E}" type="parTrans" cxnId="{BC3D092F-155B-43F0-9D65-67AF456086B5}">
-      <dgm:prSet/>
-      <dgm:spPr/>
-      <dgm:t>
-        <a:bodyPr/>
-        <a:lstStyle/>
-        <a:p>
-          <a:endParaRPr lang="it-IT"/>
-        </a:p>
-      </dgm:t>
-    </dgm:pt>
-    <dgm:pt modelId="{583EAA65-D63C-4D00-9251-9E547EDC776F}" type="sibTrans" cxnId="{BC3D092F-155B-43F0-9D65-67AF456086B5}">
-      <dgm:prSet/>
-      <dgm:spPr/>
-      <dgm:t>
-        <a:bodyPr/>
-        <a:lstStyle/>
-        <a:p>
-          <a:endParaRPr lang="it-IT"/>
-        </a:p>
-      </dgm:t>
-    </dgm:pt>
-    <dgm:pt modelId="{F922B608-804B-468B-83E7-1647AF667D33}">
-      <dgm:prSet/>
-      <dgm:spPr/>
-      <dgm:t>
-        <a:bodyPr/>
-        <a:lstStyle/>
-        <a:p>
-          <a:pPr>
-            <a:buFont typeface="Arial" panose="020B0604020202020204" pitchFamily="34" charset="0"/>
-            <a:buChar char="–"/>
-          </a:pPr>
-          <a:r>
-            <a:rPr lang="it-IT"/>
-            <a:t>Service orchestrano logica business</a:t>
-          </a:r>
-        </a:p>
-      </dgm:t>
-    </dgm:pt>
-    <dgm:pt modelId="{6CBA3C98-3BBE-4350-9220-B486223C7691}" type="parTrans" cxnId="{D765AC66-EC41-4D6A-AB37-8514B81DA74E}">
-      <dgm:prSet/>
-      <dgm:spPr/>
-      <dgm:t>
-        <a:bodyPr/>
-        <a:lstStyle/>
-        <a:p>
-          <a:endParaRPr lang="it-IT"/>
-        </a:p>
-      </dgm:t>
-    </dgm:pt>
-    <dgm:pt modelId="{E0A982DF-59AF-4E62-8953-92BFCC3FCA45}" type="sibTrans" cxnId="{D765AC66-EC41-4D6A-AB37-8514B81DA74E}">
-      <dgm:prSet/>
-      <dgm:spPr/>
-      <dgm:t>
-        <a:bodyPr/>
-        <a:lstStyle/>
-        <a:p>
-          <a:endParaRPr lang="it-IT"/>
-        </a:p>
-      </dgm:t>
-    </dgm:pt>
-    <dgm:pt modelId="{2E058403-35BD-4FEC-BBA5-AE3ABB1DC439}">
-      <dgm:prSet/>
-      <dgm:spPr/>
-      <dgm:t>
-        <a:bodyPr/>
-        <a:lstStyle/>
-        <a:p>
-          <a:pPr>
-            <a:buFont typeface="Arial" panose="020B0604020202020204" pitchFamily="34" charset="0"/>
-            <a:buChar char="–"/>
-          </a:pPr>
-          <a:r>
-            <a:rPr lang="it-IT" dirty="0"/>
-            <a:t>Active Record per persistenza su </a:t>
-          </a:r>
-          <a:r>
-            <a:rPr lang="it-IT" dirty="0" err="1"/>
-            <a:t>PostgreSQL</a:t>
-          </a:r>
-          <a:endParaRPr lang="it-IT" dirty="0"/>
-        </a:p>
-      </dgm:t>
-    </dgm:pt>
-    <dgm:pt modelId="{61E8ACE7-39FE-46CC-A5C5-C64869D29092}" type="parTrans" cxnId="{038409ED-5692-4D09-8466-7F1643D00BC9}">
-      <dgm:prSet/>
-      <dgm:spPr/>
-      <dgm:t>
-        <a:bodyPr/>
-        <a:lstStyle/>
-        <a:p>
-          <a:endParaRPr lang="it-IT"/>
-        </a:p>
-      </dgm:t>
-    </dgm:pt>
-    <dgm:pt modelId="{D00DADF2-7E5C-40C8-8938-2D542FCEE672}" type="sibTrans" cxnId="{038409ED-5692-4D09-8466-7F1643D00BC9}">
-      <dgm:prSet/>
-      <dgm:spPr/>
-      <dgm:t>
-        <a:bodyPr/>
-        <a:lstStyle/>
-        <a:p>
-          <a:endParaRPr lang="it-IT"/>
-        </a:p>
-      </dgm:t>
-    </dgm:pt>
-    <dgm:pt modelId="{BD6A0265-198F-4EF6-8B59-86361012C5BA}">
-      <dgm:prSet/>
-      <dgm:spPr/>
-      <dgm:t>
-        <a:bodyPr/>
-        <a:lstStyle/>
-        <a:p>
-          <a:pPr>
-            <a:buFont typeface="Arial" panose="020B0604020202020204" pitchFamily="34" charset="0"/>
-            <a:buNone/>
-          </a:pPr>
-          <a:r>
-            <a:rPr lang="it-IT" b="1" dirty="0"/>
-            <a:t>3. AI Services</a:t>
-          </a:r>
-        </a:p>
-      </dgm:t>
-    </dgm:pt>
-    <dgm:pt modelId="{ACF75620-18DD-4CE3-AA1F-92E5C5D592BA}" type="parTrans" cxnId="{43FDFAF6-0FEC-4EC0-9EF8-895409CBC96A}">
-      <dgm:prSet/>
-      <dgm:spPr/>
-      <dgm:t>
-        <a:bodyPr/>
-        <a:lstStyle/>
-        <a:p>
-          <a:endParaRPr lang="it-IT"/>
-        </a:p>
-      </dgm:t>
-    </dgm:pt>
-    <dgm:pt modelId="{71CD95BA-384F-4F66-A277-77FD5AC407E9}" type="sibTrans" cxnId="{43FDFAF6-0FEC-4EC0-9EF8-895409CBC96A}">
-      <dgm:prSet/>
-      <dgm:spPr/>
-      <dgm:t>
-        <a:bodyPr/>
-        <a:lstStyle/>
-        <a:p>
-          <a:endParaRPr lang="it-IT"/>
-        </a:p>
-      </dgm:t>
-    </dgm:pt>
-    <dgm:pt modelId="{4CAD40C0-2A10-428B-AF1D-F4D3073E78D3}">
-      <dgm:prSet/>
-      <dgm:spPr/>
-      <dgm:t>
-        <a:bodyPr/>
-        <a:lstStyle/>
-        <a:p>
-          <a:pPr>
-            <a:buFont typeface="Arial" panose="020B0604020202020204" pitchFamily="34" charset="0"/>
-            <a:buChar char="–"/>
-          </a:pPr>
-          <a:r>
-            <a:rPr lang="en-US"/>
-            <a:t>AiService chiama AWS Bedrock Converse API</a:t>
-          </a:r>
-          <a:endParaRPr lang="it-IT"/>
-        </a:p>
-      </dgm:t>
-    </dgm:pt>
-    <dgm:pt modelId="{1A67CDCB-3E5C-4185-912A-8DFA57752D0F}" type="parTrans" cxnId="{0EFC82ED-78F2-479A-A9F9-FDA3A5F07B1A}">
-      <dgm:prSet/>
-      <dgm:spPr/>
-      <dgm:t>
-        <a:bodyPr/>
-        <a:lstStyle/>
-        <a:p>
-          <a:endParaRPr lang="it-IT"/>
-        </a:p>
-      </dgm:t>
-    </dgm:pt>
-    <dgm:pt modelId="{D2DF7816-0599-4813-9971-35BCAF8621F1}" type="sibTrans" cxnId="{0EFC82ED-78F2-479A-A9F9-FDA3A5F07B1A}">
-      <dgm:prSet/>
-      <dgm:spPr/>
-      <dgm:t>
-        <a:bodyPr/>
-        <a:lstStyle/>
-        <a:p>
-          <a:endParaRPr lang="it-IT"/>
-        </a:p>
-      </dgm:t>
-    </dgm:pt>
-    <dgm:pt modelId="{E9C31D96-DF1B-485E-A373-0879F6073465}">
-      <dgm:prSet/>
-      <dgm:spPr/>
-      <dgm:t>
-        <a:bodyPr/>
-        <a:lstStyle/>
-        <a:p>
-          <a:pPr>
-            <a:buFont typeface="Arial" panose="020B0604020202020204" pitchFamily="34" charset="0"/>
-            <a:buChar char="–"/>
-          </a:pPr>
-          <a:r>
-            <a:rPr lang="it-IT" dirty="0" err="1"/>
-            <a:t>DocumentAnalysisService</a:t>
-          </a:r>
-          <a:r>
-            <a:rPr lang="it-IT" dirty="0"/>
-            <a:t> processa documenti</a:t>
-          </a:r>
-        </a:p>
-      </dgm:t>
-    </dgm:pt>
-    <dgm:pt modelId="{C8FB7BB2-D6A3-4C7F-AED7-5D894D32DBC3}" type="parTrans" cxnId="{06C465AD-1B33-4450-AB64-25EB9A03EA3F}">
-      <dgm:prSet/>
-      <dgm:spPr/>
-      <dgm:t>
-        <a:bodyPr/>
-        <a:lstStyle/>
-        <a:p>
-          <a:endParaRPr lang="it-IT"/>
-        </a:p>
-      </dgm:t>
-    </dgm:pt>
-    <dgm:pt modelId="{AA9BF7F0-DCE3-4323-91E7-2940331639A3}" type="sibTrans" cxnId="{06C465AD-1B33-4450-AB64-25EB9A03EA3F}">
-      <dgm:prSet/>
-      <dgm:spPr/>
-      <dgm:t>
-        <a:bodyPr/>
-        <a:lstStyle/>
-        <a:p>
-          <a:endParaRPr lang="it-IT"/>
-        </a:p>
-      </dgm:t>
-    </dgm:pt>
-    <dgm:pt modelId="{53AAE270-060E-452E-A212-4205414C49E6}">
-      <dgm:prSet/>
-      <dgm:spPr>
-        <a:solidFill>
-          <a:srgbClr val="FFFAEF">
-            <a:alpha val="90000"/>
-          </a:srgbClr>
-        </a:solidFill>
-      </dgm:spPr>
-      <dgm:t>
-        <a:bodyPr/>
-        <a:lstStyle/>
-        <a:p>
-          <a:pPr>
-            <a:buNone/>
-          </a:pPr>
-          <a:endParaRPr lang="en-US" dirty="0"/>
-        </a:p>
-      </dgm:t>
-    </dgm:pt>
-    <dgm:pt modelId="{CF5B42B0-C1AD-427C-9946-4C36606FD25B}" type="parTrans" cxnId="{A0C41FB8-456F-4F56-8059-574694FCD266}">
-      <dgm:prSet/>
-      <dgm:spPr/>
-      <dgm:t>
-        <a:bodyPr/>
-        <a:lstStyle/>
-        <a:p>
-          <a:endParaRPr lang="it-IT"/>
-        </a:p>
-      </dgm:t>
-    </dgm:pt>
-    <dgm:pt modelId="{13E2D107-DCB5-436B-9135-1EBB77394A74}" type="sibTrans" cxnId="{A0C41FB8-456F-4F56-8059-574694FCD266}">
-      <dgm:prSet/>
-      <dgm:spPr/>
-      <dgm:t>
-        <a:bodyPr/>
-        <a:lstStyle/>
-        <a:p>
-          <a:endParaRPr lang="it-IT"/>
-        </a:p>
-      </dgm:t>
-    </dgm:pt>
-    <dgm:pt modelId="{AE016961-59A6-4F11-9BC6-83040632A198}">
-      <dgm:prSet/>
-      <dgm:spPr/>
-      <dgm:t>
-        <a:bodyPr/>
-        <a:lstStyle/>
-        <a:p>
-          <a:pPr>
-            <a:buFont typeface="Arial" panose="020B0604020202020204" pitchFamily="34" charset="0"/>
-            <a:buNone/>
-          </a:pPr>
-          <a:endParaRPr lang="it-IT" dirty="0"/>
-        </a:p>
-      </dgm:t>
-    </dgm:pt>
-    <dgm:pt modelId="{74E5ED95-32B3-465D-A631-AC259AB40005}" type="parTrans" cxnId="{79D8F6ED-A85A-4EEB-9785-9D99446DA1DD}">
-      <dgm:prSet/>
-      <dgm:spPr/>
-      <dgm:t>
-        <a:bodyPr/>
-        <a:lstStyle/>
-        <a:p>
-          <a:endParaRPr lang="it-IT"/>
-        </a:p>
-      </dgm:t>
-    </dgm:pt>
-    <dgm:pt modelId="{756B44F8-EECA-4790-9FB7-5CC2AC1CFD22}" type="sibTrans" cxnId="{79D8F6ED-A85A-4EEB-9785-9D99446DA1DD}">
-      <dgm:prSet/>
-      <dgm:spPr/>
-      <dgm:t>
-        <a:bodyPr/>
-        <a:lstStyle/>
-        <a:p>
-          <a:endParaRPr lang="it-IT"/>
-        </a:p>
-      </dgm:t>
-    </dgm:pt>
-    <dgm:pt modelId="{21E6099C-A36E-4197-8DAA-290152ADEE40}">
-      <dgm:prSet/>
-      <dgm:spPr/>
-      <dgm:t>
-        <a:bodyPr/>
-        <a:lstStyle/>
-        <a:p>
-          <a:pPr>
-            <a:buFont typeface="Arial" panose="020B0604020202020204" pitchFamily="34" charset="0"/>
-            <a:buNone/>
-          </a:pPr>
-          <a:endParaRPr lang="it-IT" dirty="0"/>
-        </a:p>
-      </dgm:t>
-    </dgm:pt>
-    <dgm:pt modelId="{1F62F70C-7C29-44E0-8FC7-67955E23154A}" type="parTrans" cxnId="{9A413D78-D421-4974-A257-A5E52DC9495E}">
-      <dgm:prSet/>
-      <dgm:spPr/>
-      <dgm:t>
-        <a:bodyPr/>
-        <a:lstStyle/>
-        <a:p>
-          <a:endParaRPr lang="it-IT"/>
-        </a:p>
-      </dgm:t>
-    </dgm:pt>
-    <dgm:pt modelId="{3C56D591-C37D-41D3-A6AA-0C1AB0C85D57}" type="sibTrans" cxnId="{9A413D78-D421-4974-A257-A5E52DC9495E}">
-      <dgm:prSet/>
-      <dgm:spPr/>
-      <dgm:t>
-        <a:bodyPr/>
-        <a:lstStyle/>
-        <a:p>
-          <a:endParaRPr lang="it-IT"/>
-        </a:p>
-      </dgm:t>
-    </dgm:pt>
-    <dgm:pt modelId="{529C8736-509C-426A-B1AF-D9FE39FB5B28}" type="pres">
-      <dgm:prSet presAssocID="{228ADC0D-83DA-40CE-9EF2-B2A23B2BA12F}" presName="linear" presStyleCnt="0">
-        <dgm:presLayoutVars>
-          <dgm:dir/>
-          <dgm:animLvl val="lvl"/>
-          <dgm:resizeHandles val="exact"/>
-        </dgm:presLayoutVars>
-      </dgm:prSet>
-      <dgm:spPr/>
-    </dgm:pt>
-    <dgm:pt modelId="{8BC7EA25-256B-410A-8E19-CC15A19D412A}" type="pres">
-      <dgm:prSet presAssocID="{EE76E364-6A46-492A-9FD7-63C775ADA808}" presName="parentLin" presStyleCnt="0"/>
-      <dgm:spPr/>
-    </dgm:pt>
-    <dgm:pt modelId="{0E75AC4A-956D-493C-A82B-572CF3B1603B}" type="pres">
-      <dgm:prSet presAssocID="{EE76E364-6A46-492A-9FD7-63C775ADA808}" presName="parentLeftMargin" presStyleLbl="node1" presStyleIdx="0" presStyleCnt="1"/>
-      <dgm:spPr/>
-    </dgm:pt>
-    <dgm:pt modelId="{EF67F11A-FCD0-4E59-A23F-17BCC3FB1182}" type="pres">
-      <dgm:prSet presAssocID="{EE76E364-6A46-492A-9FD7-63C775ADA808}" presName="parentText" presStyleLbl="node1" presStyleIdx="0" presStyleCnt="1">
-        <dgm:presLayoutVars>
-          <dgm:chMax val="0"/>
-          <dgm:bulletEnabled val="1"/>
-        </dgm:presLayoutVars>
-      </dgm:prSet>
-      <dgm:spPr/>
-    </dgm:pt>
-    <dgm:pt modelId="{E84E3A97-5D14-4C15-B06F-E00215B154CE}" type="pres">
-      <dgm:prSet presAssocID="{EE76E364-6A46-492A-9FD7-63C775ADA808}" presName="negativeSpace" presStyleCnt="0"/>
-      <dgm:spPr/>
-    </dgm:pt>
-    <dgm:pt modelId="{8A748C3E-CE62-4E92-A0FE-1F5548AC9D02}" type="pres">
-      <dgm:prSet presAssocID="{EE76E364-6A46-492A-9FD7-63C775ADA808}" presName="childText" presStyleLbl="conFgAcc1" presStyleIdx="0" presStyleCnt="1" custLinFactNeighborX="-424">
-        <dgm:presLayoutVars>
-          <dgm:bulletEnabled val="1"/>
-        </dgm:presLayoutVars>
-      </dgm:prSet>
-      <dgm:spPr/>
-    </dgm:pt>
-  </dgm:ptLst>
-  <dgm:cxnLst>
-    <dgm:cxn modelId="{2F951003-142E-4D90-BDFF-18B215B2C678}" type="presOf" srcId="{EE76E364-6A46-492A-9FD7-63C775ADA808}" destId="{EF67F11A-FCD0-4E59-A23F-17BCC3FB1182}" srcOrd="1" destOrd="0" presId="urn:microsoft.com/office/officeart/2005/8/layout/list1"/>
-    <dgm:cxn modelId="{BED19726-8215-429F-83E4-8A9148284DE0}" type="presOf" srcId="{AE016961-59A6-4F11-9BC6-83040632A198}" destId="{8A748C3E-CE62-4E92-A0FE-1F5548AC9D02}" srcOrd="0" destOrd="5" presId="urn:microsoft.com/office/officeart/2005/8/layout/list1"/>
-    <dgm:cxn modelId="{BC3D092F-155B-43F0-9D65-67AF456086B5}" srcId="{7E067373-7D11-40A3-8B8D-545F44EC9074}" destId="{B8C4061F-B0C1-4865-9F4A-A39DDC3DA38A}" srcOrd="0" destOrd="0" parTransId="{25B4394C-628E-4D37-841D-98BE6491459E}" sibTransId="{583EAA65-D63C-4D00-9251-9E547EDC776F}"/>
-    <dgm:cxn modelId="{FC94812F-4725-4EFB-B551-30F754B69390}" type="presOf" srcId="{EE76E364-6A46-492A-9FD7-63C775ADA808}" destId="{0E75AC4A-956D-493C-A82B-572CF3B1603B}" srcOrd="0" destOrd="0" presId="urn:microsoft.com/office/officeart/2005/8/layout/list1"/>
-    <dgm:cxn modelId="{40039E30-83D9-49B5-87F8-670CE956DCCB}" srcId="{A57B0B63-57E1-438D-8C20-559CDB1F5AD6}" destId="{ED16153C-FB1C-48BB-86BA-45A057F1BE6B}" srcOrd="1" destOrd="0" parTransId="{FC22BF41-B981-482E-8F28-F2C9271C3468}" sibTransId="{E57F625B-DE01-469B-BBAC-08D0E9E5EB96}"/>
-    <dgm:cxn modelId="{8CF14E32-5BC2-4DB2-9423-7BF5E07580C8}" type="presOf" srcId="{2E058403-35BD-4FEC-BBA5-AE3ABB1DC439}" destId="{8A748C3E-CE62-4E92-A0FE-1F5548AC9D02}" srcOrd="0" destOrd="9" presId="urn:microsoft.com/office/officeart/2005/8/layout/list1"/>
-    <dgm:cxn modelId="{0C848A3D-3553-4924-8D80-54F69669587F}" type="presOf" srcId="{228ADC0D-83DA-40CE-9EF2-B2A23B2BA12F}" destId="{529C8736-509C-426A-B1AF-D9FE39FB5B28}" srcOrd="0" destOrd="0" presId="urn:microsoft.com/office/officeart/2005/8/layout/list1"/>
-    <dgm:cxn modelId="{31404B45-6A14-4DC8-9A35-CC2B900EA1E1}" srcId="{EE76E364-6A46-492A-9FD7-63C775ADA808}" destId="{7E067373-7D11-40A3-8B8D-545F44EC9074}" srcOrd="4" destOrd="0" parTransId="{31D18A0D-1704-40E7-91BF-EEA4F2E29231}" sibTransId="{8DCB4033-A256-480E-AB3A-E6C35E4EB0B6}"/>
-    <dgm:cxn modelId="{D765AC66-EC41-4D6A-AB37-8514B81DA74E}" srcId="{7E067373-7D11-40A3-8B8D-545F44EC9074}" destId="{F922B608-804B-468B-83E7-1647AF667D33}" srcOrd="1" destOrd="0" parTransId="{6CBA3C98-3BBE-4350-9220-B486223C7691}" sibTransId="{E0A982DF-59AF-4E62-8953-92BFCC3FCA45}"/>
-    <dgm:cxn modelId="{DA691269-9699-4FEE-A9BE-2680AED34416}" type="presOf" srcId="{4CAD40C0-2A10-428B-AF1D-F4D3073E78D3}" destId="{8A748C3E-CE62-4E92-A0FE-1F5548AC9D02}" srcOrd="0" destOrd="12" presId="urn:microsoft.com/office/officeart/2005/8/layout/list1"/>
-    <dgm:cxn modelId="{227E9F6D-9013-47A5-8B50-5CE81079ECC3}" srcId="{A57B0B63-57E1-438D-8C20-559CDB1F5AD6}" destId="{2D0B8079-1B2E-45B6-840D-E98D1618D491}" srcOrd="0" destOrd="0" parTransId="{936004B0-A6BD-4B51-9D0C-C11FC046D632}" sibTransId="{F249388A-B47D-4759-86FD-C8329FC1B4EA}"/>
-    <dgm:cxn modelId="{9A413D78-D421-4974-A257-A5E52DC9495E}" srcId="{EE76E364-6A46-492A-9FD7-63C775ADA808}" destId="{21E6099C-A36E-4197-8DAA-290152ADEE40}" srcOrd="5" destOrd="0" parTransId="{1F62F70C-7C29-44E0-8FC7-67955E23154A}" sibTransId="{3C56D591-C37D-41D3-A6AA-0C1AB0C85D57}"/>
-    <dgm:cxn modelId="{D681A158-F043-4B86-87E3-8BAA297F0BE0}" type="presOf" srcId="{21E6099C-A36E-4197-8DAA-290152ADEE40}" destId="{8A748C3E-CE62-4E92-A0FE-1F5548AC9D02}" srcOrd="0" destOrd="10" presId="urn:microsoft.com/office/officeart/2005/8/layout/list1"/>
-    <dgm:cxn modelId="{F609747B-AE71-4ACA-93A0-5C6C9FA2C6E1}" srcId="{EE76E364-6A46-492A-9FD7-63C775ADA808}" destId="{FB7856FD-14F6-497F-A96F-439DE861ECA4}" srcOrd="0" destOrd="0" parTransId="{B2A71A46-24A2-44C1-B6DD-257439AFBC0A}" sibTransId="{AED585D0-E158-48D1-8037-5DB08D2C892B}"/>
-    <dgm:cxn modelId="{D282297D-EFE9-430A-B3B9-CB92350AFAD4}" type="presOf" srcId="{BD6A0265-198F-4EF6-8B59-86361012C5BA}" destId="{8A748C3E-CE62-4E92-A0FE-1F5548AC9D02}" srcOrd="0" destOrd="11" presId="urn:microsoft.com/office/officeart/2005/8/layout/list1"/>
-    <dgm:cxn modelId="{8D1B98A3-1084-4CBE-97DF-C870B819A3EB}" type="presOf" srcId="{2D0B8079-1B2E-45B6-840D-E98D1618D491}" destId="{8A748C3E-CE62-4E92-A0FE-1F5548AC9D02}" srcOrd="0" destOrd="3" presId="urn:microsoft.com/office/officeart/2005/8/layout/list1"/>
-    <dgm:cxn modelId="{06C465AD-1B33-4450-AB64-25EB9A03EA3F}" srcId="{BD6A0265-198F-4EF6-8B59-86361012C5BA}" destId="{E9C31D96-DF1B-485E-A373-0879F6073465}" srcOrd="1" destOrd="0" parTransId="{C8FB7BB2-D6A3-4C7F-AED7-5D894D32DBC3}" sibTransId="{AA9BF7F0-DCE3-4323-91E7-2940331639A3}"/>
-    <dgm:cxn modelId="{A0C41FB8-456F-4F56-8059-574694FCD266}" srcId="{EE76E364-6A46-492A-9FD7-63C775ADA808}" destId="{53AAE270-060E-452E-A212-4205414C49E6}" srcOrd="1" destOrd="0" parTransId="{CF5B42B0-C1AD-427C-9946-4C36606FD25B}" sibTransId="{13E2D107-DCB5-436B-9135-1EBB77394A74}"/>
-    <dgm:cxn modelId="{CC56D4CF-F1BF-43A5-A789-E0537FD6A8F0}" type="presOf" srcId="{ED16153C-FB1C-48BB-86BA-45A057F1BE6B}" destId="{8A748C3E-CE62-4E92-A0FE-1F5548AC9D02}" srcOrd="0" destOrd="4" presId="urn:microsoft.com/office/officeart/2005/8/layout/list1"/>
-    <dgm:cxn modelId="{A43DB9DE-F939-4553-8790-9F4D3F32EF61}" type="presOf" srcId="{B8C4061F-B0C1-4865-9F4A-A39DDC3DA38A}" destId="{8A748C3E-CE62-4E92-A0FE-1F5548AC9D02}" srcOrd="0" destOrd="7" presId="urn:microsoft.com/office/officeart/2005/8/layout/list1"/>
-    <dgm:cxn modelId="{254987E4-212F-4459-9D41-7FED47C51279}" type="presOf" srcId="{A57B0B63-57E1-438D-8C20-559CDB1F5AD6}" destId="{8A748C3E-CE62-4E92-A0FE-1F5548AC9D02}" srcOrd="0" destOrd="2" presId="urn:microsoft.com/office/officeart/2005/8/layout/list1"/>
-    <dgm:cxn modelId="{8ADAB9E6-BB3B-4581-9B45-07948A4AEA67}" srcId="{228ADC0D-83DA-40CE-9EF2-B2A23B2BA12F}" destId="{EE76E364-6A46-492A-9FD7-63C775ADA808}" srcOrd="0" destOrd="0" parTransId="{522B9AE2-1358-4DCB-B21B-51AD7A4CC3B6}" sibTransId="{119AEC78-9891-4081-85AD-AAE5114E48ED}"/>
-    <dgm:cxn modelId="{251B65EB-EFEC-48E4-B756-9F1DCE91FE7F}" type="presOf" srcId="{E9C31D96-DF1B-485E-A373-0879F6073465}" destId="{8A748C3E-CE62-4E92-A0FE-1F5548AC9D02}" srcOrd="0" destOrd="13" presId="urn:microsoft.com/office/officeart/2005/8/layout/list1"/>
-    <dgm:cxn modelId="{038409ED-5692-4D09-8466-7F1643D00BC9}" srcId="{7E067373-7D11-40A3-8B8D-545F44EC9074}" destId="{2E058403-35BD-4FEC-BBA5-AE3ABB1DC439}" srcOrd="2" destOrd="0" parTransId="{61E8ACE7-39FE-46CC-A5C5-C64869D29092}" sibTransId="{D00DADF2-7E5C-40C8-8938-2D542FCEE672}"/>
-    <dgm:cxn modelId="{0EFC82ED-78F2-479A-A9F9-FDA3A5F07B1A}" srcId="{BD6A0265-198F-4EF6-8B59-86361012C5BA}" destId="{4CAD40C0-2A10-428B-AF1D-F4D3073E78D3}" srcOrd="0" destOrd="0" parTransId="{1A67CDCB-3E5C-4185-912A-8DFA57752D0F}" sibTransId="{D2DF7816-0599-4813-9971-35BCAF8621F1}"/>
-    <dgm:cxn modelId="{79D8F6ED-A85A-4EEB-9785-9D99446DA1DD}" srcId="{EE76E364-6A46-492A-9FD7-63C775ADA808}" destId="{AE016961-59A6-4F11-9BC6-83040632A198}" srcOrd="3" destOrd="0" parTransId="{74E5ED95-32B3-465D-A631-AC259AB40005}" sibTransId="{756B44F8-EECA-4790-9FB7-5CC2AC1CFD22}"/>
-    <dgm:cxn modelId="{9C57EFEF-0357-4521-905B-4B142D21AC8A}" type="presOf" srcId="{FB7856FD-14F6-497F-A96F-439DE861ECA4}" destId="{8A748C3E-CE62-4E92-A0FE-1F5548AC9D02}" srcOrd="0" destOrd="0" presId="urn:microsoft.com/office/officeart/2005/8/layout/list1"/>
-    <dgm:cxn modelId="{43FDFAF6-0FEC-4EC0-9EF8-895409CBC96A}" srcId="{EE76E364-6A46-492A-9FD7-63C775ADA808}" destId="{BD6A0265-198F-4EF6-8B59-86361012C5BA}" srcOrd="6" destOrd="0" parTransId="{ACF75620-18DD-4CE3-AA1F-92E5C5D592BA}" sibTransId="{71CD95BA-384F-4F66-A277-77FD5AC407E9}"/>
-    <dgm:cxn modelId="{1A67C4FA-3910-4994-8858-797ED249568A}" type="presOf" srcId="{7E067373-7D11-40A3-8B8D-545F44EC9074}" destId="{8A748C3E-CE62-4E92-A0FE-1F5548AC9D02}" srcOrd="0" destOrd="6" presId="urn:microsoft.com/office/officeart/2005/8/layout/list1"/>
-    <dgm:cxn modelId="{48A7EBFB-0D2C-4D14-AB95-FFE195B35CAB}" type="presOf" srcId="{53AAE270-060E-452E-A212-4205414C49E6}" destId="{8A748C3E-CE62-4E92-A0FE-1F5548AC9D02}" srcOrd="0" destOrd="1" presId="urn:microsoft.com/office/officeart/2005/8/layout/list1"/>
-    <dgm:cxn modelId="{059704FE-C515-41DE-A19C-6621A36457B3}" type="presOf" srcId="{F922B608-804B-468B-83E7-1647AF667D33}" destId="{8A748C3E-CE62-4E92-A0FE-1F5548AC9D02}" srcOrd="0" destOrd="8" presId="urn:microsoft.com/office/officeart/2005/8/layout/list1"/>
-    <dgm:cxn modelId="{0BD6DEFE-112F-4B6A-94DC-89573A58DBA0}" srcId="{EE76E364-6A46-492A-9FD7-63C775ADA808}" destId="{A57B0B63-57E1-438D-8C20-559CDB1F5AD6}" srcOrd="2" destOrd="0" parTransId="{82FBF902-D0A1-4808-A012-12D1F23A10CF}" sibTransId="{3D92DFB8-1946-4CBD-A87D-BC6D6F80F0E8}"/>
-    <dgm:cxn modelId="{99C4794F-5A93-4121-924F-8E9D80FA4E1A}" type="presParOf" srcId="{529C8736-509C-426A-B1AF-D9FE39FB5B28}" destId="{8BC7EA25-256B-410A-8E19-CC15A19D412A}" srcOrd="0" destOrd="0" presId="urn:microsoft.com/office/officeart/2005/8/layout/list1"/>
-    <dgm:cxn modelId="{7D29F33C-F374-44F2-A99C-2A84F79E532E}" type="presParOf" srcId="{8BC7EA25-256B-410A-8E19-CC15A19D412A}" destId="{0E75AC4A-956D-493C-A82B-572CF3B1603B}" srcOrd="0" destOrd="0" presId="urn:microsoft.com/office/officeart/2005/8/layout/list1"/>
-    <dgm:cxn modelId="{B37493A7-9064-4748-8B5F-2BDD9D3A1F35}" type="presParOf" srcId="{8BC7EA25-256B-410A-8E19-CC15A19D412A}" destId="{EF67F11A-FCD0-4E59-A23F-17BCC3FB1182}" srcOrd="1" destOrd="0" presId="urn:microsoft.com/office/officeart/2005/8/layout/list1"/>
-    <dgm:cxn modelId="{6BEF4342-28F0-4457-A7C7-3977004289ED}" type="presParOf" srcId="{529C8736-509C-426A-B1AF-D9FE39FB5B28}" destId="{E84E3A97-5D14-4C15-B06F-E00215B154CE}" srcOrd="1" destOrd="0" presId="urn:microsoft.com/office/officeart/2005/8/layout/list1"/>
-    <dgm:cxn modelId="{C949430F-0342-4BB7-AB62-F4B80F327B73}" type="presParOf" srcId="{529C8736-509C-426A-B1AF-D9FE39FB5B28}" destId="{8A748C3E-CE62-4E92-A0FE-1F5548AC9D02}" srcOrd="2" destOrd="0" presId="urn:microsoft.com/office/officeart/2005/8/layout/list1"/>
-  </dgm:cxnLst>
-  <dgm:bg/>
-  <dgm:whole/>
-  <dgm:extLst>
-    <a:ext uri="http://schemas.microsoft.com/office/drawing/2008/diagram">
-      <dsp:dataModelExt xmlns:dsp="http://schemas.microsoft.com/office/drawing/2008/diagram" relId="rId6" minVer="http://schemas.openxmlformats.org/drawingml/2006/diagram"/>
+      <dsp:dataModelExt xmlns:dsp="http://schemas.microsoft.com/office/drawing/2008/diagram" relId="rId13" minVer="http://schemas.openxmlformats.org/drawingml/2006/diagram"/>
     </a:ext>
   </dgm:extLst>
 </dgm:dataModel>
@@ -7095,8 +5565,8 @@
       </dsp:nvSpPr>
       <dsp:spPr>
         <a:xfrm>
-          <a:off x="0" y="592680"/>
-          <a:ext cx="10000249" cy="7408800"/>
+          <a:off x="0" y="399031"/>
+          <a:ext cx="4698999" cy="4145400"/>
         </a:xfrm>
         <a:prstGeom prst="rect">
           <a:avLst/>
@@ -7132,12 +5602,12 @@
         <a:fontRef idx="minor"/>
       </dsp:style>
       <dsp:txBody>
-        <a:bodyPr spcFirstLastPara="0" vert="horz" wrap="square" lIns="776130" tIns="583184" rIns="776130" bIns="199136" numCol="1" spcCol="1270" anchor="t" anchorCtr="0">
+        <a:bodyPr spcFirstLastPara="0" vert="horz" wrap="square" lIns="364695" tIns="291592" rIns="364695" bIns="99568" numCol="1" spcCol="1270" anchor="t" anchorCtr="0">
           <a:noAutofit/>
         </a:bodyPr>
         <a:lstStyle/>
         <a:p>
-          <a:pPr marL="285750" lvl="1" indent="-285750" algn="l" defTabSz="1244600">
+          <a:pPr marL="114300" lvl="1" indent="-114300" algn="l" defTabSz="622300">
             <a:lnSpc>
               <a:spcPct val="90000"/>
             </a:lnSpc>
@@ -7150,13 +5620,13 @@
             <a:buChar char="•"/>
           </a:pPr>
           <a:r>
-            <a:rPr lang="it-IT" sz="2800" kern="1200" dirty="0"/>
+            <a:rPr lang="it-IT" sz="1400" kern="1200" dirty="0"/>
             <a:t>Modello Amazon Nova Lite v1 per generazione testo e OCR</a:t>
           </a:r>
-          <a:endParaRPr lang="en-US" sz="2800" kern="1200" dirty="0"/>
-        </a:p>
-        <a:p>
-          <a:pPr marL="285750" lvl="1" indent="-285750" algn="l" defTabSz="1244600">
+          <a:endParaRPr lang="en-US" sz="1400" kern="1200" dirty="0"/>
+        </a:p>
+        <a:p>
+          <a:pPr marL="114300" lvl="1" indent="-114300" algn="l" defTabSz="622300">
             <a:lnSpc>
               <a:spcPct val="90000"/>
             </a:lnSpc>
@@ -7168,10 +5638,10 @@
             </a:spcAft>
             <a:buNone/>
           </a:pPr>
-          <a:endParaRPr lang="en-US" sz="2800" kern="1200" dirty="0"/>
-        </a:p>
-        <a:p>
-          <a:pPr marL="285750" lvl="1" indent="-285750" algn="l" defTabSz="1244600">
+          <a:endParaRPr lang="en-US" sz="1400" kern="1200" dirty="0"/>
+        </a:p>
+        <a:p>
+          <a:pPr marL="114300" lvl="1" indent="-114300" algn="l" defTabSz="622300">
             <a:lnSpc>
               <a:spcPct val="90000"/>
             </a:lnSpc>
@@ -7184,13 +5654,13 @@
             <a:buNone/>
           </a:pPr>
           <a:r>
-            <a:rPr lang="it-IT" sz="2800" b="1" kern="1200" dirty="0"/>
+            <a:rPr lang="it-IT" sz="1400" b="1" kern="1200" dirty="0"/>
             <a:t>• AI Assistant Generativo</a:t>
           </a:r>
-          <a:endParaRPr lang="en-US" sz="2800" kern="1200" dirty="0"/>
-        </a:p>
-        <a:p>
-          <a:pPr marL="571500" lvl="2" indent="-285750" algn="l" defTabSz="1244600">
+          <a:endParaRPr lang="en-US" sz="1400" kern="1200" dirty="0"/>
+        </a:p>
+        <a:p>
+          <a:pPr marL="228600" lvl="2" indent="-114300" algn="l" defTabSz="622300">
             <a:lnSpc>
               <a:spcPct val="90000"/>
             </a:lnSpc>
@@ -7204,12 +5674,12 @@
             <a:buChar char="–"/>
           </a:pPr>
           <a:r>
-            <a:rPr lang="it-IT" sz="2800" kern="1200"/>
+            <a:rPr lang="it-IT" sz="1400" kern="1200"/>
             <a:t>Converse API per generazione testo conversazionale</a:t>
           </a:r>
         </a:p>
         <a:p>
-          <a:pPr marL="571500" lvl="2" indent="-285750" algn="l" defTabSz="1244600">
+          <a:pPr marL="228600" lvl="2" indent="-114300" algn="l" defTabSz="622300">
             <a:lnSpc>
               <a:spcPct val="90000"/>
             </a:lnSpc>
@@ -7223,12 +5693,12 @@
             <a:buChar char="–"/>
           </a:pPr>
           <a:r>
-            <a:rPr lang="it-IT" sz="2800" kern="1200"/>
+            <a:rPr lang="it-IT" sz="1400" kern="1200" dirty="0"/>
             <a:t>System prompt personalizzato con descrizione azienda e tono</a:t>
           </a:r>
         </a:p>
         <a:p>
-          <a:pPr marL="571500" lvl="2" indent="-285750" algn="l" defTabSz="1244600">
+          <a:pPr marL="228600" lvl="2" indent="-114300" algn="l" defTabSz="622300">
             <a:lnSpc>
               <a:spcPct val="90000"/>
             </a:lnSpc>
@@ -7242,12 +5712,12 @@
             <a:buChar char="–"/>
           </a:pPr>
           <a:r>
-            <a:rPr lang="it-IT" sz="2800" kern="1200"/>
+            <a:rPr lang="it-IT" sz="1400" kern="1200"/>
             <a:t>Mantenimento contesto conversazione multi-turn</a:t>
           </a:r>
         </a:p>
         <a:p>
-          <a:pPr marL="571500" lvl="2" indent="-285750" algn="l" defTabSz="1244600">
+          <a:pPr marL="228600" lvl="2" indent="-114300" algn="l" defTabSz="622300">
             <a:lnSpc>
               <a:spcPct val="90000"/>
             </a:lnSpc>
@@ -7261,12 +5731,12 @@
             <a:buChar char="–"/>
           </a:pPr>
           <a:r>
-            <a:rPr lang="it-IT" sz="2800" kern="1200" dirty="0"/>
+            <a:rPr lang="it-IT" sz="1400" kern="1200" dirty="0"/>
             <a:t>Generazione comunicazioni interne</a:t>
           </a:r>
         </a:p>
         <a:p>
-          <a:pPr marL="285750" lvl="1" indent="-285750" algn="l" defTabSz="1244600">
+          <a:pPr marL="114300" lvl="1" indent="-114300" algn="l" defTabSz="622300">
             <a:lnSpc>
               <a:spcPct val="90000"/>
             </a:lnSpc>
@@ -7279,10 +5749,10 @@
             <a:buFont typeface="Arial" panose="020B0604020202020204" pitchFamily="34" charset="0"/>
             <a:buNone/>
           </a:pPr>
-          <a:endParaRPr lang="it-IT" sz="2800" kern="1200" dirty="0"/>
-        </a:p>
-        <a:p>
-          <a:pPr marL="285750" lvl="1" indent="-285750" algn="l" defTabSz="1244600">
+          <a:endParaRPr lang="it-IT" sz="1400" kern="1200" dirty="0"/>
+        </a:p>
+        <a:p>
+          <a:pPr marL="114300" lvl="1" indent="-114300" algn="l" defTabSz="622300">
             <a:lnSpc>
               <a:spcPct val="90000"/>
             </a:lnSpc>
@@ -7296,20 +5766,20 @@
             <a:buChar char="•"/>
           </a:pPr>
           <a:r>
-            <a:rPr lang="it-IT" sz="2800" b="1" kern="1200" dirty="0"/>
+            <a:rPr lang="it-IT" sz="1400" b="1" kern="1200" dirty="0"/>
             <a:t>AI Co-Pilot </a:t>
           </a:r>
           <a:r>
-            <a:rPr lang="it-IT" sz="2800" b="1" kern="1200" dirty="0" err="1"/>
+            <a:rPr lang="it-IT" sz="1400" b="1" kern="1200" dirty="0" err="1"/>
             <a:t>Document</a:t>
           </a:r>
           <a:r>
-            <a:rPr lang="it-IT" sz="2800" b="1" kern="1200" dirty="0"/>
+            <a:rPr lang="it-IT" sz="1400" b="1" kern="1200" dirty="0"/>
             <a:t> Analysis</a:t>
           </a:r>
         </a:p>
         <a:p>
-          <a:pPr marL="571500" lvl="2" indent="-285750" algn="l" defTabSz="1244600">
+          <a:pPr marL="228600" lvl="2" indent="-114300" algn="l" defTabSz="622300">
             <a:lnSpc>
               <a:spcPct val="90000"/>
             </a:lnSpc>
@@ -7323,12 +5793,12 @@
             <a:buChar char="–"/>
           </a:pPr>
           <a:r>
-            <a:rPr lang="it-IT" sz="2800" kern="1200"/>
+            <a:rPr lang="it-IT" sz="1400" kern="1200"/>
             <a:t>OCR e analisi documenti (PDF, PNG, JPEG)</a:t>
           </a:r>
         </a:p>
         <a:p>
-          <a:pPr marL="571500" lvl="2" indent="-285750" algn="l" defTabSz="1244600">
+          <a:pPr marL="228600" lvl="2" indent="-114300" algn="l" defTabSz="622300">
             <a:lnSpc>
               <a:spcPct val="90000"/>
             </a:lnSpc>
@@ -7342,12 +5812,12 @@
             <a:buChar char="–"/>
           </a:pPr>
           <a:r>
-            <a:rPr lang="it-IT" sz="2800" kern="1200"/>
+            <a:rPr lang="it-IT" sz="1400" kern="1200"/>
             <a:t>Estrazione dati strutturati: tipo documento, dipendente, importo, date</a:t>
           </a:r>
         </a:p>
         <a:p>
-          <a:pPr marL="571500" lvl="2" indent="-285750" algn="l" defTabSz="1244600">
+          <a:pPr marL="228600" lvl="2" indent="-114300" algn="l" defTabSz="622300">
             <a:lnSpc>
               <a:spcPct val="90000"/>
             </a:lnSpc>
@@ -7361,14 +5831,14 @@
             <a:buChar char="–"/>
           </a:pPr>
           <a:r>
-            <a:rPr lang="it-IT" sz="2800" kern="1200" dirty="0"/>
+            <a:rPr lang="it-IT" sz="1400" kern="1200" dirty="0"/>
             <a:t>Output JSON validato per split e dispaccio automatico</a:t>
           </a:r>
         </a:p>
       </dsp:txBody>
       <dsp:txXfrm>
-        <a:off x="0" y="592680"/>
-        <a:ext cx="10000249" cy="7408800"/>
+        <a:off x="0" y="399031"/>
+        <a:ext cx="4698999" cy="4145400"/>
       </dsp:txXfrm>
     </dsp:sp>
     <dsp:sp modelId="{EF67F11A-FCD0-4E59-A23F-17BCC3FB1182}">
@@ -7378,8 +5848,8 @@
       </dsp:nvSpPr>
       <dsp:spPr>
         <a:xfrm>
-          <a:off x="500012" y="179400"/>
-          <a:ext cx="7000174" cy="826560"/>
+          <a:off x="234949" y="137699"/>
+          <a:ext cx="3289299" cy="413280"/>
         </a:xfrm>
         <a:prstGeom prst="roundRect">
           <a:avLst/>
@@ -7445,12 +5915,12 @@
         </a:fontRef>
       </dsp:style>
       <dsp:txBody>
-        <a:bodyPr spcFirstLastPara="0" vert="horz" wrap="square" lIns="264590" tIns="0" rIns="264590" bIns="0" numCol="1" spcCol="1270" anchor="ctr" anchorCtr="0">
+        <a:bodyPr spcFirstLastPara="0" vert="horz" wrap="square" lIns="124328" tIns="0" rIns="124328" bIns="0" numCol="1" spcCol="1270" anchor="ctr" anchorCtr="0">
           <a:noAutofit/>
         </a:bodyPr>
         <a:lstStyle/>
         <a:p>
-          <a:pPr marL="0" lvl="0" indent="0" algn="l" defTabSz="1244600">
+          <a:pPr marL="0" lvl="0" indent="0" algn="l" defTabSz="622300">
             <a:lnSpc>
               <a:spcPct val="90000"/>
             </a:lnSpc>
@@ -7463,19 +5933,19 @@
             <a:buNone/>
           </a:pPr>
           <a:r>
-            <a:rPr lang="it-IT" sz="2800" b="1" kern="1200" dirty="0"/>
+            <a:rPr lang="it-IT" sz="1400" b="1" kern="1200" dirty="0"/>
             <a:t>AWS </a:t>
           </a:r>
           <a:r>
-            <a:rPr lang="it-IT" sz="2800" b="1" kern="1200" dirty="0" err="1"/>
+            <a:rPr lang="it-IT" sz="1400" b="1" kern="1200" dirty="0" err="1"/>
             <a:t>Bedrock</a:t>
           </a:r>
-          <a:endParaRPr lang="en-US" sz="2800" kern="1200" dirty="0"/>
+          <a:endParaRPr lang="en-US" sz="1400" kern="1200" dirty="0"/>
         </a:p>
       </dsp:txBody>
       <dsp:txXfrm>
-        <a:off x="540361" y="219749"/>
-        <a:ext cx="6919476" cy="745862"/>
+        <a:off x="255124" y="157874"/>
+        <a:ext cx="3248949" cy="372930"/>
       </dsp:txXfrm>
     </dsp:sp>
   </dsp:spTree>
@@ -7497,8 +5967,8 @@
       </dsp:nvSpPr>
       <dsp:spPr>
         <a:xfrm>
-          <a:off x="0" y="647669"/>
-          <a:ext cx="10000249" cy="7490700"/>
+          <a:off x="0" y="384974"/>
+          <a:ext cx="4682021" cy="4167450"/>
         </a:xfrm>
         <a:prstGeom prst="rect">
           <a:avLst/>
@@ -7534,12 +6004,12 @@
         <a:fontRef idx="minor"/>
       </dsp:style>
       <dsp:txBody>
-        <a:bodyPr spcFirstLastPara="0" vert="horz" wrap="square" lIns="776130" tIns="853948" rIns="776130" bIns="291592" numCol="1" spcCol="1270" anchor="t" anchorCtr="0">
+        <a:bodyPr spcFirstLastPara="0" vert="horz" wrap="square" lIns="363377" tIns="437388" rIns="363377" bIns="149352" numCol="1" spcCol="1270" anchor="t" anchorCtr="0">
           <a:noAutofit/>
         </a:bodyPr>
         <a:lstStyle/>
         <a:p>
-          <a:pPr marL="285750" lvl="1" indent="-285750" algn="l" defTabSz="1822450">
+          <a:pPr marL="228600" lvl="1" indent="-228600" algn="l" defTabSz="933450">
             <a:lnSpc>
               <a:spcPct val="90000"/>
             </a:lnSpc>
@@ -7552,13 +6022,13 @@
             <a:buChar char="•"/>
           </a:pPr>
           <a:r>
-            <a:rPr lang="it-IT" sz="4100" b="1" kern="1200" dirty="0"/>
+            <a:rPr lang="it-IT" sz="2100" b="1" kern="1200" dirty="0"/>
             <a:t> Framework principale</a:t>
           </a:r>
-          <a:endParaRPr lang="en-US" sz="4100" kern="1200" dirty="0"/>
-        </a:p>
-        <a:p>
-          <a:pPr marL="571500" lvl="2" indent="-285750" algn="l" defTabSz="1822450">
+          <a:endParaRPr lang="en-US" sz="2100" kern="1200" dirty="0"/>
+        </a:p>
+        <a:p>
+          <a:pPr marL="457200" lvl="2" indent="-228600" algn="l" defTabSz="933450">
             <a:lnSpc>
               <a:spcPct val="90000"/>
             </a:lnSpc>
@@ -7572,12 +6042,12 @@
             <a:buChar char="–"/>
           </a:pPr>
           <a:r>
-            <a:rPr lang="it-IT" sz="4100" kern="1200" dirty="0"/>
+            <a:rPr lang="it-IT" sz="2100" kern="1200" dirty="0"/>
             <a:t> Per dashboard amministrativa</a:t>
           </a:r>
         </a:p>
         <a:p>
-          <a:pPr marL="571500" lvl="2" indent="-285750" algn="l" defTabSz="1822450">
+          <a:pPr marL="457200" lvl="2" indent="-228600" algn="l" defTabSz="933450">
             <a:lnSpc>
               <a:spcPct val="90000"/>
             </a:lnSpc>
@@ -7591,12 +6061,12 @@
             <a:buChar char="–"/>
           </a:pPr>
           <a:r>
-            <a:rPr lang="it-IT" sz="4100" kern="1200" dirty="0"/>
+            <a:rPr lang="it-IT" sz="2100" kern="1200" dirty="0"/>
             <a:t> Componenti modulari: AI Assistant, AI Co-Pilot, Analytics, Storico</a:t>
           </a:r>
         </a:p>
         <a:p>
-          <a:pPr marL="285750" lvl="1" indent="-285750" algn="l" defTabSz="1822450">
+          <a:pPr marL="228600" lvl="1" indent="-228600" algn="l" defTabSz="933450">
             <a:lnSpc>
               <a:spcPct val="90000"/>
             </a:lnSpc>
@@ -7609,10 +6079,10 @@
             <a:buFont typeface="Arial" panose="020B0604020202020204" pitchFamily="34" charset="0"/>
             <a:buNone/>
           </a:pPr>
-          <a:endParaRPr lang="it-IT" sz="4100" kern="1200" dirty="0"/>
-        </a:p>
-        <a:p>
-          <a:pPr marL="285750" lvl="1" indent="-285750" algn="l" defTabSz="1822450">
+          <a:endParaRPr lang="it-IT" sz="2100" kern="1200" dirty="0"/>
+        </a:p>
+        <a:p>
+          <a:pPr marL="228600" lvl="1" indent="-228600" algn="l" defTabSz="933450">
             <a:lnSpc>
               <a:spcPct val="90000"/>
             </a:lnSpc>
@@ -7626,20 +6096,20 @@
             <a:buNone/>
           </a:pPr>
           <a:r>
-            <a:rPr lang="it-IT" sz="4100" b="1" kern="1200" dirty="0"/>
+            <a:rPr lang="it-IT" sz="2100" b="1" kern="1200" dirty="0"/>
             <a:t>• </a:t>
           </a:r>
           <a:r>
-            <a:rPr lang="it-IT" sz="4100" b="1" kern="1200" dirty="0" err="1"/>
+            <a:rPr lang="it-IT" sz="2100" b="1" kern="1200" dirty="0" err="1"/>
             <a:t>RxJS</a:t>
           </a:r>
           <a:r>
-            <a:rPr lang="it-IT" sz="4100" b="1" kern="1200" dirty="0"/>
+            <a:rPr lang="it-IT" sz="2100" b="1" kern="1200" dirty="0"/>
             <a:t> 7.8.0</a:t>
           </a:r>
         </a:p>
         <a:p>
-          <a:pPr marL="571500" lvl="2" indent="-285750" algn="l" defTabSz="1822450">
+          <a:pPr marL="457200" lvl="2" indent="-228600" algn="l" defTabSz="933450">
             <a:lnSpc>
               <a:spcPct val="90000"/>
             </a:lnSpc>
@@ -7653,17 +6123,17 @@
             <a:buChar char="–"/>
           </a:pPr>
           <a:r>
-            <a:rPr lang="it-IT" sz="4100" kern="1200" dirty="0"/>
+            <a:rPr lang="it-IT" sz="2100" kern="1200" dirty="0"/>
             <a:t> Gestione asincrona chiamate API al </a:t>
           </a:r>
           <a:r>
-            <a:rPr lang="it-IT" sz="4100" kern="1200" dirty="0" err="1"/>
+            <a:rPr lang="it-IT" sz="2100" kern="1200" dirty="0" err="1"/>
             <a:t>backend</a:t>
           </a:r>
-          <a:endParaRPr lang="it-IT" sz="4100" kern="1200" dirty="0"/>
-        </a:p>
-        <a:p>
-          <a:pPr marL="571500" lvl="2" indent="-285750" algn="l" defTabSz="1822450">
+          <a:endParaRPr lang="it-IT" sz="2100" kern="1200" dirty="0"/>
+        </a:p>
+        <a:p>
+          <a:pPr marL="457200" lvl="2" indent="-228600" algn="l" defTabSz="933450">
             <a:lnSpc>
               <a:spcPct val="90000"/>
             </a:lnSpc>
@@ -7677,14 +6147,14 @@
             <a:buChar char="–"/>
           </a:pPr>
           <a:r>
-            <a:rPr lang="it-IT" sz="4100" kern="1200" dirty="0"/>
+            <a:rPr lang="it-IT" sz="2100" kern="1200" dirty="0"/>
             <a:t> Polling per status documenti in analisi</a:t>
           </a:r>
         </a:p>
       </dsp:txBody>
       <dsp:txXfrm>
-        <a:off x="0" y="647669"/>
-        <a:ext cx="10000249" cy="7490700"/>
+        <a:off x="0" y="384974"/>
+        <a:ext cx="4682021" cy="4167450"/>
       </dsp:txXfrm>
     </dsp:sp>
     <dsp:sp modelId="{EF67F11A-FCD0-4E59-A23F-17BCC3FB1182}">
@@ -7694,8 +6164,8 @@
       </dsp:nvSpPr>
       <dsp:spPr>
         <a:xfrm>
-          <a:off x="500012" y="42509"/>
-          <a:ext cx="7000174" cy="1210320"/>
+          <a:off x="234101" y="75014"/>
+          <a:ext cx="3277415" cy="619920"/>
         </a:xfrm>
         <a:prstGeom prst="roundRect">
           <a:avLst/>
@@ -7761,12 +6231,12 @@
         </a:fontRef>
       </dsp:style>
       <dsp:txBody>
-        <a:bodyPr spcFirstLastPara="0" vert="horz" wrap="square" lIns="264590" tIns="0" rIns="264590" bIns="0" numCol="1" spcCol="1270" anchor="ctr" anchorCtr="0">
+        <a:bodyPr spcFirstLastPara="0" vert="horz" wrap="square" lIns="123878" tIns="0" rIns="123878" bIns="0" numCol="1" spcCol="1270" anchor="ctr" anchorCtr="0">
           <a:noAutofit/>
         </a:bodyPr>
         <a:lstStyle/>
         <a:p>
-          <a:pPr marL="0" lvl="0" indent="0" algn="l" defTabSz="1822450">
+          <a:pPr marL="0" lvl="0" indent="0" algn="l" defTabSz="933450">
             <a:lnSpc>
               <a:spcPct val="90000"/>
             </a:lnSpc>
@@ -7779,23 +6249,23 @@
             <a:buNone/>
           </a:pPr>
           <a:r>
-            <a:rPr lang="it-IT" sz="4100" b="1" kern="1200" dirty="0" err="1"/>
+            <a:rPr lang="it-IT" sz="2100" b="1" kern="1200" dirty="0" err="1"/>
             <a:t>Frontend</a:t>
           </a:r>
           <a:r>
-            <a:rPr lang="it-IT" sz="4100" b="1" kern="1200" dirty="0"/>
+            <a:rPr lang="it-IT" sz="2100" b="1" kern="1200" dirty="0"/>
             <a:t> - </a:t>
           </a:r>
           <a:r>
-            <a:rPr lang="it-IT" sz="4100" b="1" kern="1200" dirty="0" err="1"/>
+            <a:rPr lang="it-IT" sz="2100" b="1" kern="1200" dirty="0" err="1"/>
             <a:t>Angular</a:t>
           </a:r>
-          <a:endParaRPr lang="en-US" sz="4100" kern="1200" dirty="0"/>
+          <a:endParaRPr lang="en-US" sz="2100" kern="1200" dirty="0"/>
         </a:p>
       </dsp:txBody>
       <dsp:txXfrm>
-        <a:off x="559095" y="101592"/>
-        <a:ext cx="6882008" cy="1092154"/>
+        <a:off x="264363" y="105276"/>
+        <a:ext cx="3216891" cy="559396"/>
       </dsp:txXfrm>
     </dsp:sp>
   </dsp:spTree>
@@ -7817,8 +6287,8 @@
       </dsp:nvSpPr>
       <dsp:spPr>
         <a:xfrm>
-          <a:off x="0" y="531839"/>
-          <a:ext cx="10000249" cy="7560000"/>
+          <a:off x="0" y="484260"/>
+          <a:ext cx="3154679" cy="3704400"/>
         </a:xfrm>
         <a:prstGeom prst="rect">
           <a:avLst/>
@@ -7854,12 +6324,12 @@
         <a:fontRef idx="minor"/>
       </dsp:style>
       <dsp:txBody>
-        <a:bodyPr spcFirstLastPara="0" vert="horz" wrap="square" lIns="776130" tIns="624840" rIns="776130" bIns="213360" numCol="1" spcCol="1270" anchor="t" anchorCtr="0">
+        <a:bodyPr spcFirstLastPara="0" vert="horz" wrap="square" lIns="244838" tIns="249936" rIns="244838" bIns="85344" numCol="1" spcCol="1270" anchor="t" anchorCtr="0">
           <a:noAutofit/>
         </a:bodyPr>
         <a:lstStyle/>
         <a:p>
-          <a:pPr marL="285750" lvl="1" indent="-285750" algn="l" defTabSz="1333500">
+          <a:pPr marL="114300" lvl="1" indent="-114300" algn="l" defTabSz="533400">
             <a:lnSpc>
               <a:spcPct val="90000"/>
             </a:lnSpc>
@@ -7872,13 +6342,13 @@
             <a:buChar char="•"/>
           </a:pPr>
           <a:r>
-            <a:rPr lang="it-IT" sz="3000" b="1" kern="1200" dirty="0"/>
+            <a:rPr lang="it-IT" sz="1200" b="1" kern="1200" dirty="0"/>
             <a:t>API REST </a:t>
           </a:r>
-          <a:endParaRPr lang="en-US" sz="3000" kern="1200" dirty="0"/>
-        </a:p>
-        <a:p>
-          <a:pPr marL="571500" lvl="2" indent="-285750" algn="l" defTabSz="1333500">
+          <a:endParaRPr lang="en-US" sz="1200" kern="1200" dirty="0"/>
+        </a:p>
+        <a:p>
+          <a:pPr marL="228600" lvl="2" indent="-114300" algn="l" defTabSz="533400">
             <a:lnSpc>
               <a:spcPct val="90000"/>
             </a:lnSpc>
@@ -7892,12 +6362,12 @@
             <a:buChar char="–"/>
           </a:pPr>
           <a:r>
-            <a:rPr lang="it-IT" sz="3000" kern="1200"/>
+            <a:rPr lang="it-IT" sz="1200" kern="1200"/>
             <a:t>Endpoint per generazione testo AI (/genera)</a:t>
           </a:r>
         </a:p>
         <a:p>
-          <a:pPr marL="571500" lvl="2" indent="-285750" algn="l" defTabSz="1333500">
+          <a:pPr marL="228600" lvl="2" indent="-114300" algn="l" defTabSz="533400">
             <a:lnSpc>
               <a:spcPct val="90000"/>
             </a:lnSpc>
@@ -7911,12 +6381,12 @@
             <a:buChar char="–"/>
           </a:pPr>
           <a:r>
-            <a:rPr lang="it-IT" sz="3000" kern="1200" dirty="0"/>
+            <a:rPr lang="it-IT" sz="1200" kern="1200" dirty="0"/>
             <a:t>Gestione documenti: upload, analisi, consultazione</a:t>
           </a:r>
         </a:p>
         <a:p>
-          <a:pPr marL="571500" lvl="2" indent="-285750" algn="l" defTabSz="1333500">
+          <a:pPr marL="228600" lvl="2" indent="-114300" algn="l" defTabSz="533400">
             <a:lnSpc>
               <a:spcPct val="90000"/>
             </a:lnSpc>
@@ -7930,12 +6400,12 @@
             <a:buChar char="–"/>
           </a:pPr>
           <a:r>
-            <a:rPr lang="it-IT" sz="3000" kern="1200" dirty="0"/>
+            <a:rPr lang="it-IT" sz="1200" kern="1200" dirty="0"/>
             <a:t>Gestione conversazioni e storico messaggi</a:t>
           </a:r>
         </a:p>
         <a:p>
-          <a:pPr marL="285750" lvl="1" indent="-285750" algn="l" defTabSz="1333500">
+          <a:pPr marL="114300" lvl="1" indent="-114300" algn="l" defTabSz="533400">
             <a:lnSpc>
               <a:spcPct val="90000"/>
             </a:lnSpc>
@@ -7948,10 +6418,10 @@
             <a:buFont typeface="Arial" panose="020B0604020202020204" pitchFamily="34" charset="0"/>
             <a:buNone/>
           </a:pPr>
-          <a:endParaRPr lang="it-IT" sz="3000" kern="1200" dirty="0"/>
-        </a:p>
-        <a:p>
-          <a:pPr marL="285750" lvl="1" indent="-285750" algn="l" defTabSz="1333500">
+          <a:endParaRPr lang="it-IT" sz="1200" kern="1200" dirty="0"/>
+        </a:p>
+        <a:p>
+          <a:pPr marL="114300" lvl="1" indent="-114300" algn="l" defTabSz="533400">
             <a:lnSpc>
               <a:spcPct val="90000"/>
             </a:lnSpc>
@@ -7965,12 +6435,12 @@
             <a:buChar char="•"/>
           </a:pPr>
           <a:r>
-            <a:rPr lang="it-IT" sz="3000" b="1" kern="1200" dirty="0"/>
+            <a:rPr lang="it-IT" sz="1200" b="1" kern="1200" dirty="0"/>
             <a:t>Service Pattern</a:t>
           </a:r>
         </a:p>
         <a:p>
-          <a:pPr marL="571500" lvl="2" indent="-285750" algn="l" defTabSz="1333500">
+          <a:pPr marL="228600" lvl="2" indent="-114300" algn="l" defTabSz="533400">
             <a:lnSpc>
               <a:spcPct val="90000"/>
             </a:lnSpc>
@@ -7984,12 +6454,12 @@
             <a:buChar char="–"/>
           </a:pPr>
           <a:r>
-            <a:rPr lang="it-IT" sz="3000" kern="1200"/>
+            <a:rPr lang="it-IT" sz="1200" kern="1200"/>
             <a:t>AiService: orchestrazione generazione testo con contesto aziendale</a:t>
           </a:r>
         </a:p>
         <a:p>
-          <a:pPr marL="571500" lvl="2" indent="-285750" algn="l" defTabSz="1333500">
+          <a:pPr marL="228600" lvl="2" indent="-114300" algn="l" defTabSz="533400">
             <a:lnSpc>
               <a:spcPct val="90000"/>
             </a:lnSpc>
@@ -8003,12 +6473,12 @@
             <a:buChar char="–"/>
           </a:pPr>
           <a:r>
-            <a:rPr lang="it-IT" sz="3000" kern="1200"/>
+            <a:rPr lang="it-IT" sz="1200" kern="1200"/>
             <a:t>DocumentAnalysisService: OCR e estrazione dati da PDF/immagini</a:t>
           </a:r>
         </a:p>
         <a:p>
-          <a:pPr marL="571500" lvl="2" indent="-285750" algn="l" defTabSz="1333500">
+          <a:pPr marL="228600" lvl="2" indent="-114300" algn="l" defTabSz="533400">
             <a:lnSpc>
               <a:spcPct val="90000"/>
             </a:lnSpc>
@@ -8022,17 +6492,17 @@
             <a:buChar char="–"/>
           </a:pPr>
           <a:r>
-            <a:rPr lang="en-US" sz="3000" kern="1200" dirty="0" err="1"/>
+            <a:rPr lang="en-US" sz="1200" kern="1200" dirty="0" err="1"/>
             <a:t>AiTextGenerator</a:t>
           </a:r>
           <a:r>
-            <a:rPr lang="en-US" sz="3000" kern="1200" dirty="0"/>
+            <a:rPr lang="en-US" sz="1200" kern="1200" dirty="0"/>
             <a:t>: adapter per AWS Bedrock SDK</a:t>
           </a:r>
-          <a:endParaRPr lang="it-IT" sz="3000" kern="1200" dirty="0"/>
-        </a:p>
-        <a:p>
-          <a:pPr marL="285750" lvl="1" indent="-285750" algn="l" defTabSz="1333500">
+          <a:endParaRPr lang="it-IT" sz="1200" kern="1200" dirty="0"/>
+        </a:p>
+        <a:p>
+          <a:pPr marL="114300" lvl="1" indent="-114300" algn="l" defTabSz="533400">
             <a:lnSpc>
               <a:spcPct val="90000"/>
             </a:lnSpc>
@@ -8045,10 +6515,10 @@
             <a:buFont typeface="Arial" panose="020B0604020202020204" pitchFamily="34" charset="0"/>
             <a:buNone/>
           </a:pPr>
-          <a:endParaRPr lang="it-IT" sz="3000" kern="1200" dirty="0"/>
-        </a:p>
-        <a:p>
-          <a:pPr marL="285750" lvl="1" indent="-285750" algn="l" defTabSz="1333500">
+          <a:endParaRPr lang="it-IT" sz="1200" kern="1200" dirty="0"/>
+        </a:p>
+        <a:p>
+          <a:pPr marL="114300" lvl="1" indent="-114300" algn="l" defTabSz="533400">
             <a:lnSpc>
               <a:spcPct val="90000"/>
             </a:lnSpc>
@@ -8062,12 +6532,12 @@
             <a:buChar char="•"/>
           </a:pPr>
           <a:r>
-            <a:rPr lang="it-IT" sz="3000" b="1" kern="1200" dirty="0"/>
+            <a:rPr lang="it-IT" sz="1200" b="1" kern="1200" dirty="0"/>
             <a:t>Active Storage</a:t>
           </a:r>
         </a:p>
         <a:p>
-          <a:pPr marL="571500" lvl="2" indent="-285750" algn="l" defTabSz="1333500">
+          <a:pPr marL="228600" lvl="2" indent="-114300" algn="l" defTabSz="533400">
             <a:lnSpc>
               <a:spcPct val="90000"/>
             </a:lnSpc>
@@ -8081,14 +6551,14 @@
             <a:buChar char="–"/>
           </a:pPr>
           <a:r>
-            <a:rPr lang="it-IT" sz="3000" kern="1200" dirty="0"/>
+            <a:rPr lang="it-IT" sz="1200" kern="1200" dirty="0"/>
             <a:t>Gestione upload e storage documenti</a:t>
           </a:r>
         </a:p>
       </dsp:txBody>
       <dsp:txXfrm>
-        <a:off x="0" y="531839"/>
-        <a:ext cx="10000249" cy="7560000"/>
+        <a:off x="0" y="484260"/>
+        <a:ext cx="3154679" cy="3704400"/>
       </dsp:txXfrm>
     </dsp:sp>
     <dsp:sp modelId="{EF67F11A-FCD0-4E59-A23F-17BCC3FB1182}">
@@ -8098,8 +6568,8 @@
       </dsp:nvSpPr>
       <dsp:spPr>
         <a:xfrm>
-          <a:off x="500012" y="89039"/>
-          <a:ext cx="7000174" cy="885600"/>
+          <a:off x="157733" y="307140"/>
+          <a:ext cx="2208275" cy="354240"/>
         </a:xfrm>
         <a:prstGeom prst="roundRect">
           <a:avLst/>
@@ -8165,12 +6635,12 @@
         </a:fontRef>
       </dsp:style>
       <dsp:txBody>
-        <a:bodyPr spcFirstLastPara="0" vert="horz" wrap="square" lIns="264590" tIns="0" rIns="264590" bIns="0" numCol="1" spcCol="1270" anchor="ctr" anchorCtr="0">
+        <a:bodyPr spcFirstLastPara="0" vert="horz" wrap="square" lIns="83468" tIns="0" rIns="83468" bIns="0" numCol="1" spcCol="1270" anchor="ctr" anchorCtr="0">
           <a:noAutofit/>
         </a:bodyPr>
         <a:lstStyle/>
         <a:p>
-          <a:pPr marL="0" lvl="0" indent="0" algn="l" defTabSz="1333500">
+          <a:pPr marL="0" lvl="0" indent="0" algn="l" defTabSz="533400">
             <a:lnSpc>
               <a:spcPct val="90000"/>
             </a:lnSpc>
@@ -8183,23 +6653,23 @@
             <a:buNone/>
           </a:pPr>
           <a:r>
-            <a:rPr lang="it-IT" sz="3000" b="1" kern="1200" dirty="0" err="1"/>
+            <a:rPr lang="it-IT" sz="1200" b="1" kern="1200" dirty="0" err="1"/>
             <a:t>Backend</a:t>
           </a:r>
           <a:r>
-            <a:rPr lang="it-IT" sz="3000" b="1" kern="1200" dirty="0"/>
+            <a:rPr lang="it-IT" sz="1200" b="1" kern="1200" dirty="0"/>
             <a:t> - Ruby on </a:t>
           </a:r>
           <a:r>
-            <a:rPr lang="it-IT" sz="3000" b="1" kern="1200" dirty="0" err="1"/>
+            <a:rPr lang="it-IT" sz="1200" b="1" kern="1200" dirty="0" err="1"/>
             <a:t>Rails</a:t>
           </a:r>
-          <a:endParaRPr lang="en-US" sz="3000" kern="1200" dirty="0"/>
+          <a:endParaRPr lang="en-US" sz="1200" kern="1200" dirty="0"/>
         </a:p>
       </dsp:txBody>
       <dsp:txXfrm>
-        <a:off x="543243" y="132270"/>
-        <a:ext cx="6913712" cy="799138"/>
+        <a:off x="175026" y="324433"/>
+        <a:ext cx="2173689" cy="319654"/>
       </dsp:txXfrm>
     </dsp:sp>
   </dsp:spTree>
@@ -8221,8 +6691,8 @@
       </dsp:nvSpPr>
       <dsp:spPr>
         <a:xfrm>
-          <a:off x="0" y="626339"/>
-          <a:ext cx="10000249" cy="7371000"/>
+          <a:off x="0" y="378239"/>
+          <a:ext cx="3124199" cy="3931200"/>
         </a:xfrm>
         <a:prstGeom prst="rect">
           <a:avLst/>
@@ -8258,12 +6728,12 @@
         <a:fontRef idx="minor"/>
       </dsp:style>
       <dsp:txBody>
-        <a:bodyPr spcFirstLastPara="0" vert="horz" wrap="square" lIns="776130" tIns="624840" rIns="776130" bIns="213360" numCol="1" spcCol="1270" anchor="t" anchorCtr="0">
+        <a:bodyPr spcFirstLastPara="0" vert="horz" wrap="square" lIns="242473" tIns="270764" rIns="242473" bIns="92456" numCol="1" spcCol="1270" anchor="t" anchorCtr="0">
           <a:noAutofit/>
         </a:bodyPr>
         <a:lstStyle/>
         <a:p>
-          <a:pPr marL="285750" lvl="1" indent="-285750" algn="l" defTabSz="1333500">
+          <a:pPr marL="114300" lvl="1" indent="-114300" algn="l" defTabSz="577850">
             <a:lnSpc>
               <a:spcPct val="90000"/>
             </a:lnSpc>
@@ -8276,13 +6746,13 @@
             <a:buChar char="•"/>
           </a:pPr>
           <a:r>
-            <a:rPr lang="it-IT" sz="3000" b="1" kern="1200" dirty="0"/>
+            <a:rPr lang="it-IT" sz="1300" b="1" kern="1200" dirty="0"/>
             <a:t>Struttura dati relazionale</a:t>
           </a:r>
-          <a:endParaRPr lang="en-US" sz="3000" kern="1200" dirty="0"/>
-        </a:p>
-        <a:p>
-          <a:pPr marL="571500" lvl="2" indent="-285750" algn="l" defTabSz="1333500">
+          <a:endParaRPr lang="en-US" sz="1300" kern="1200" dirty="0"/>
+        </a:p>
+        <a:p>
+          <a:pPr marL="228600" lvl="2" indent="-114300" algn="l" defTabSz="577850">
             <a:lnSpc>
               <a:spcPct val="90000"/>
             </a:lnSpc>
@@ -8296,12 +6766,12 @@
             <a:buChar char="–"/>
           </a:pPr>
           <a:r>
-            <a:rPr lang="it-IT" sz="3000" kern="1200"/>
+            <a:rPr lang="it-IT" sz="1300" kern="1200"/>
             <a:t>Company: aziende che utilizzano la piattaforma</a:t>
           </a:r>
         </a:p>
         <a:p>
-          <a:pPr marL="571500" lvl="2" indent="-285750" algn="l" defTabSz="1333500">
+          <a:pPr marL="228600" lvl="2" indent="-114300" algn="l" defTabSz="577850">
             <a:lnSpc>
               <a:spcPct val="90000"/>
             </a:lnSpc>
@@ -8315,12 +6785,12 @@
             <a:buChar char="–"/>
           </a:pPr>
           <a:r>
-            <a:rPr lang="it-IT" sz="3000" kern="1200"/>
+            <a:rPr lang="it-IT" sz="1300" kern="1200"/>
             <a:t>Conversation + Message: storico conversazioni AI con contesto</a:t>
           </a:r>
         </a:p>
         <a:p>
-          <a:pPr marL="571500" lvl="2" indent="-285750" algn="l" defTabSz="1333500">
+          <a:pPr marL="228600" lvl="2" indent="-114300" algn="l" defTabSz="577850">
             <a:lnSpc>
               <a:spcPct val="90000"/>
             </a:lnSpc>
@@ -8334,12 +6804,12 @@
             <a:buChar char="–"/>
           </a:pPr>
           <a:r>
-            <a:rPr lang="it-IT" sz="3000" kern="1200"/>
+            <a:rPr lang="it-IT" sz="1300" kern="1200"/>
             <a:t>Tone: toni comunicativi personalizzati per azienda</a:t>
           </a:r>
         </a:p>
         <a:p>
-          <a:pPr marL="571500" lvl="2" indent="-285750" algn="l" defTabSz="1333500">
+          <a:pPr marL="228600" lvl="2" indent="-114300" algn="l" defTabSz="577850">
             <a:lnSpc>
               <a:spcPct val="90000"/>
             </a:lnSpc>
@@ -8353,32 +6823,32 @@
             <a:buChar char="–"/>
           </a:pPr>
           <a:r>
-            <a:rPr lang="it-IT" sz="3000" kern="1200" dirty="0" err="1"/>
+            <a:rPr lang="it-IT" sz="1300" kern="1200" dirty="0" err="1"/>
             <a:t>Document</a:t>
           </a:r>
           <a:r>
-            <a:rPr lang="it-IT" sz="3000" kern="1200" dirty="0"/>
+            <a:rPr lang="it-IT" sz="1300" kern="1200" dirty="0"/>
             <a:t>: metadati documenti con status (</a:t>
           </a:r>
           <a:r>
-            <a:rPr lang="it-IT" sz="3000" kern="1200" dirty="0" err="1"/>
+            <a:rPr lang="it-IT" sz="1300" kern="1200" dirty="0" err="1"/>
             <a:t>pending</a:t>
           </a:r>
           <a:r>
-            <a:rPr lang="it-IT" sz="3000" kern="1200" dirty="0"/>
+            <a:rPr lang="it-IT" sz="1300" kern="1200" dirty="0"/>
             <a:t>/processing/</a:t>
           </a:r>
           <a:r>
-            <a:rPr lang="it-IT" sz="3000" kern="1200" dirty="0" err="1"/>
+            <a:rPr lang="it-IT" sz="1300" kern="1200" dirty="0" err="1"/>
             <a:t>completed</a:t>
           </a:r>
           <a:r>
-            <a:rPr lang="it-IT" sz="3000" kern="1200" dirty="0"/>
+            <a:rPr lang="it-IT" sz="1300" kern="1200" dirty="0"/>
             <a:t>)</a:t>
           </a:r>
         </a:p>
         <a:p>
-          <a:pPr marL="285750" lvl="1" indent="-285750" algn="l" defTabSz="1333500">
+          <a:pPr marL="114300" lvl="1" indent="-114300" algn="l" defTabSz="577850">
             <a:lnSpc>
               <a:spcPct val="90000"/>
             </a:lnSpc>
@@ -8391,10 +6861,10 @@
             <a:buFont typeface="Arial" panose="020B0604020202020204" pitchFamily="34" charset="0"/>
             <a:buNone/>
           </a:pPr>
-          <a:endParaRPr lang="it-IT" sz="3000" kern="1200" dirty="0"/>
-        </a:p>
-        <a:p>
-          <a:pPr marL="285750" lvl="1" indent="-285750" algn="l" defTabSz="1333500">
+          <a:endParaRPr lang="it-IT" sz="1300" kern="1200" dirty="0"/>
+        </a:p>
+        <a:p>
+          <a:pPr marL="114300" lvl="1" indent="-114300" algn="l" defTabSz="577850">
             <a:lnSpc>
               <a:spcPct val="90000"/>
             </a:lnSpc>
@@ -8408,12 +6878,12 @@
             <a:buChar char="•"/>
           </a:pPr>
           <a:r>
-            <a:rPr lang="it-IT" sz="3000" b="1" kern="1200" dirty="0"/>
+            <a:rPr lang="it-IT" sz="1300" b="1" kern="1200" dirty="0"/>
             <a:t>Active Record ORM</a:t>
           </a:r>
         </a:p>
         <a:p>
-          <a:pPr marL="571500" lvl="2" indent="-285750" algn="l" defTabSz="1333500">
+          <a:pPr marL="228600" lvl="2" indent="-114300" algn="l" defTabSz="577850">
             <a:lnSpc>
               <a:spcPct val="90000"/>
             </a:lnSpc>
@@ -8427,13 +6897,13 @@
             <a:buChar char="–"/>
           </a:pPr>
           <a:r>
-            <a:rPr lang="en-US" sz="3000" kern="1200"/>
+            <a:rPr lang="en-US" sz="1300" kern="1200"/>
             <a:t>Relazioni: Company has_many Documents, Conversations, Tones</a:t>
           </a:r>
-          <a:endParaRPr lang="it-IT" sz="3000" kern="1200"/>
-        </a:p>
-        <a:p>
-          <a:pPr marL="571500" lvl="2" indent="-285750" algn="l" defTabSz="1333500">
+          <a:endParaRPr lang="it-IT" sz="1300" kern="1200"/>
+        </a:p>
+        <a:p>
+          <a:pPr marL="228600" lvl="2" indent="-114300" algn="l" defTabSz="577850">
             <a:lnSpc>
               <a:spcPct val="90000"/>
             </a:lnSpc>
@@ -8447,13 +6917,13 @@
             <a:buChar char="–"/>
           </a:pPr>
           <a:r>
-            <a:rPr lang="en-US" sz="3000" kern="1200"/>
+            <a:rPr lang="en-US" sz="1300" kern="1200"/>
             <a:t>Validazioni, enum per status, callbacks lifecycle</a:t>
           </a:r>
-          <a:endParaRPr lang="it-IT" sz="3000" kern="1200"/>
-        </a:p>
-        <a:p>
-          <a:pPr marL="571500" lvl="2" indent="-285750" algn="l" defTabSz="1333500">
+          <a:endParaRPr lang="it-IT" sz="1300" kern="1200"/>
+        </a:p>
+        <a:p>
+          <a:pPr marL="228600" lvl="2" indent="-114300" algn="l" defTabSz="577850">
             <a:lnSpc>
               <a:spcPct val="90000"/>
             </a:lnSpc>
@@ -8467,35 +6937,35 @@
             <a:buChar char="–"/>
           </a:pPr>
           <a:r>
-            <a:rPr lang="it-IT" sz="3000" kern="1200" dirty="0"/>
+            <a:rPr lang="it-IT" sz="1300" kern="1200" dirty="0"/>
             <a:t>JSON </a:t>
           </a:r>
           <a:r>
-            <a:rPr lang="it-IT" sz="3000" kern="1200" dirty="0" err="1"/>
+            <a:rPr lang="it-IT" sz="1300" kern="1200" dirty="0" err="1"/>
             <a:t>column</a:t>
           </a:r>
           <a:r>
-            <a:rPr lang="it-IT" sz="3000" kern="1200" dirty="0"/>
+            <a:rPr lang="it-IT" sz="1300" kern="1200" dirty="0"/>
             <a:t> (</a:t>
           </a:r>
           <a:r>
-            <a:rPr lang="it-IT" sz="3000" kern="1200" dirty="0" err="1"/>
+            <a:rPr lang="it-IT" sz="1300" kern="1200" dirty="0" err="1"/>
             <a:t>ai_data</a:t>
           </a:r>
           <a:r>
-            <a:rPr lang="it-IT" sz="3000" kern="1200" dirty="0"/>
+            <a:rPr lang="it-IT" sz="1300" kern="1200" dirty="0"/>
             <a:t>) per salvare dati estratti da </a:t>
           </a:r>
           <a:r>
-            <a:rPr lang="it-IT" sz="3000" kern="1200" dirty="0" err="1"/>
+            <a:rPr lang="it-IT" sz="1300" kern="1200" dirty="0" err="1"/>
             <a:t>Bedrock</a:t>
           </a:r>
-          <a:endParaRPr lang="it-IT" sz="3000" kern="1200" dirty="0"/>
+          <a:endParaRPr lang="it-IT" sz="1300" kern="1200" dirty="0"/>
         </a:p>
       </dsp:txBody>
       <dsp:txXfrm>
-        <a:off x="0" y="626339"/>
-        <a:ext cx="10000249" cy="7371000"/>
+        <a:off x="0" y="378239"/>
+        <a:ext cx="3124199" cy="3931200"/>
       </dsp:txXfrm>
     </dsp:sp>
     <dsp:sp modelId="{EF67F11A-FCD0-4E59-A23F-17BCC3FB1182}">
@@ -8505,8 +6975,8 @@
       </dsp:nvSpPr>
       <dsp:spPr>
         <a:xfrm>
-          <a:off x="500012" y="183539"/>
-          <a:ext cx="7000174" cy="885600"/>
+          <a:off x="156209" y="186359"/>
+          <a:ext cx="2186939" cy="383760"/>
         </a:xfrm>
         <a:prstGeom prst="roundRect">
           <a:avLst/>
@@ -8572,12 +7042,12 @@
         </a:fontRef>
       </dsp:style>
       <dsp:txBody>
-        <a:bodyPr spcFirstLastPara="0" vert="horz" wrap="square" lIns="264590" tIns="0" rIns="264590" bIns="0" numCol="1" spcCol="1270" anchor="ctr" anchorCtr="0">
+        <a:bodyPr spcFirstLastPara="0" vert="horz" wrap="square" lIns="82661" tIns="0" rIns="82661" bIns="0" numCol="1" spcCol="1270" anchor="ctr" anchorCtr="0">
           <a:noAutofit/>
         </a:bodyPr>
         <a:lstStyle/>
         <a:p>
-          <a:pPr marL="0" lvl="0" indent="0" algn="l" defTabSz="1333500">
+          <a:pPr marL="0" lvl="0" indent="0" algn="l" defTabSz="577850">
             <a:lnSpc>
               <a:spcPct val="90000"/>
             </a:lnSpc>
@@ -8590,504 +7060,19 @@
             <a:buNone/>
           </a:pPr>
           <a:r>
-            <a:rPr lang="it-IT" sz="3000" b="1" kern="1200" dirty="0"/>
+            <a:rPr lang="it-IT" sz="1300" b="1" kern="1200" dirty="0"/>
             <a:t>Database - </a:t>
           </a:r>
           <a:r>
-            <a:rPr lang="it-IT" sz="3000" b="1" kern="1200" dirty="0" err="1"/>
+            <a:rPr lang="it-IT" sz="1300" b="1" kern="1200" dirty="0" err="1"/>
             <a:t>PostgreSQL</a:t>
           </a:r>
-          <a:endParaRPr lang="en-US" sz="3000" kern="1200" dirty="0"/>
+          <a:endParaRPr lang="en-US" sz="1300" kern="1200" dirty="0"/>
         </a:p>
       </dsp:txBody>
       <dsp:txXfrm>
-        <a:off x="543243" y="226770"/>
-        <a:ext cx="6913712" cy="799138"/>
-      </dsp:txXfrm>
-    </dsp:sp>
-  </dsp:spTree>
-</dsp:drawing>
-</file>
-
-<file path=ppt/diagrams/drawing5.xml><?xml version="1.0" encoding="utf-8"?>
-<dsp:drawing xmlns:dgm="http://schemas.openxmlformats.org/drawingml/2006/diagram" xmlns:dsp="http://schemas.microsoft.com/office/drawing/2008/diagram" xmlns:a="http://schemas.openxmlformats.org/drawingml/2006/main">
-  <dsp:spTree>
-    <dsp:nvGrpSpPr>
-      <dsp:cNvPr id="0" name=""/>
-      <dsp:cNvGrpSpPr/>
-    </dsp:nvGrpSpPr>
-    <dsp:grpSpPr/>
-    <dsp:sp modelId="{8A748C3E-CE62-4E92-A0FE-1F5548AC9D02}">
-      <dsp:nvSpPr>
-        <dsp:cNvPr id="0" name=""/>
-        <dsp:cNvSpPr/>
-      </dsp:nvSpPr>
-      <dsp:spPr>
-        <a:xfrm>
-          <a:off x="0" y="498089"/>
-          <a:ext cx="9906000" cy="8939700"/>
-        </a:xfrm>
-        <a:prstGeom prst="rect">
-          <a:avLst/>
-        </a:prstGeom>
-        <a:solidFill>
-          <a:srgbClr val="FFFAEF">
-            <a:alpha val="90000"/>
-          </a:srgbClr>
-        </a:solidFill>
-        <a:ln w="9525" cap="flat" cmpd="sng" algn="ctr">
-          <a:solidFill>
-            <a:schemeClr val="accent5">
-              <a:hueOff val="0"/>
-              <a:satOff val="0"/>
-              <a:lumOff val="0"/>
-              <a:alphaOff val="0"/>
-            </a:schemeClr>
-          </a:solidFill>
-          <a:prstDash val="solid"/>
-        </a:ln>
-        <a:effectLst/>
-      </dsp:spPr>
-      <dsp:style>
-        <a:lnRef idx="1">
-          <a:scrgbClr r="0" g="0" b="0"/>
-        </a:lnRef>
-        <a:fillRef idx="1">
-          <a:scrgbClr r="0" g="0" b="0"/>
-        </a:fillRef>
-        <a:effectRef idx="0">
-          <a:scrgbClr r="0" g="0" b="0"/>
-        </a:effectRef>
-        <a:fontRef idx="minor"/>
-      </dsp:style>
-      <dsp:txBody>
-        <a:bodyPr spcFirstLastPara="0" vert="horz" wrap="square" lIns="768816" tIns="687324" rIns="768816" bIns="234696" numCol="1" spcCol="1270" anchor="t" anchorCtr="0">
-          <a:noAutofit/>
-        </a:bodyPr>
-        <a:lstStyle/>
-        <a:p>
-          <a:pPr marL="285750" lvl="1" indent="-285750" algn="l" defTabSz="1466850">
-            <a:lnSpc>
-              <a:spcPct val="90000"/>
-            </a:lnSpc>
-            <a:spcBef>
-              <a:spcPct val="0"/>
-            </a:spcBef>
-            <a:spcAft>
-              <a:spcPct val="15000"/>
-            </a:spcAft>
-            <a:buNone/>
-          </a:pPr>
-          <a:r>
-            <a:rPr lang="it-IT" sz="3300" kern="1200" dirty="0">
-              <a:solidFill>
-                <a:srgbClr val="FF0000"/>
-              </a:solidFill>
-            </a:rPr>
-            <a:t>FLUSSO DATI COMPLETO:</a:t>
-          </a:r>
-          <a:endParaRPr lang="en-US" sz="3300" kern="1200" dirty="0">
-            <a:solidFill>
-              <a:srgbClr val="FF0000"/>
-            </a:solidFill>
-          </a:endParaRPr>
-        </a:p>
-        <a:p>
-          <a:pPr marL="285750" lvl="1" indent="-285750" algn="l" defTabSz="1466850">
-            <a:lnSpc>
-              <a:spcPct val="90000"/>
-            </a:lnSpc>
-            <a:spcBef>
-              <a:spcPct val="0"/>
-            </a:spcBef>
-            <a:spcAft>
-              <a:spcPct val="15000"/>
-            </a:spcAft>
-            <a:buNone/>
-          </a:pPr>
-          <a:endParaRPr lang="en-US" sz="3300" kern="1200" dirty="0"/>
-        </a:p>
-        <a:p>
-          <a:pPr marL="285750" lvl="1" indent="-285750" algn="l" defTabSz="1466850">
-            <a:lnSpc>
-              <a:spcPct val="90000"/>
-            </a:lnSpc>
-            <a:spcBef>
-              <a:spcPct val="0"/>
-            </a:spcBef>
-            <a:spcAft>
-              <a:spcPct val="15000"/>
-            </a:spcAft>
-            <a:buFont typeface="Arial" panose="020B0604020202020204" pitchFamily="34" charset="0"/>
-            <a:buNone/>
-          </a:pPr>
-          <a:r>
-            <a:rPr lang="it-IT" sz="3300" b="1" kern="1200" dirty="0"/>
-            <a:t>1. </a:t>
-          </a:r>
-          <a:r>
-            <a:rPr lang="it-IT" sz="3300" b="1" kern="1200" dirty="0" err="1"/>
-            <a:t>Frontend</a:t>
-          </a:r>
-          <a:r>
-            <a:rPr lang="it-IT" sz="3300" b="1" kern="1200" dirty="0"/>
-            <a:t> </a:t>
-          </a:r>
-          <a:r>
-            <a:rPr lang="it-IT" sz="3300" b="1" kern="1200" dirty="0" err="1"/>
-            <a:t>Angular</a:t>
-          </a:r>
-          <a:endParaRPr lang="it-IT" sz="3300" b="1" kern="1200" dirty="0"/>
-        </a:p>
-        <a:p>
-          <a:pPr marL="571500" lvl="2" indent="-285750" algn="l" defTabSz="1466850">
-            <a:lnSpc>
-              <a:spcPct val="90000"/>
-            </a:lnSpc>
-            <a:spcBef>
-              <a:spcPct val="0"/>
-            </a:spcBef>
-            <a:spcAft>
-              <a:spcPct val="15000"/>
-            </a:spcAft>
-            <a:buFont typeface="Arial" panose="020B0604020202020204" pitchFamily="34" charset="0"/>
-            <a:buChar char="–"/>
-          </a:pPr>
-          <a:r>
-            <a:rPr lang="it-IT" sz="3300" kern="1200"/>
-            <a:t>Interfaccia utente con Angular Material</a:t>
-          </a:r>
-        </a:p>
-        <a:p>
-          <a:pPr marL="571500" lvl="2" indent="-285750" algn="l" defTabSz="1466850">
-            <a:lnSpc>
-              <a:spcPct val="90000"/>
-            </a:lnSpc>
-            <a:spcBef>
-              <a:spcPct val="0"/>
-            </a:spcBef>
-            <a:spcAft>
-              <a:spcPct val="15000"/>
-            </a:spcAft>
-            <a:buFont typeface="Arial" panose="020B0604020202020204" pitchFamily="34" charset="0"/>
-            <a:buChar char="–"/>
-          </a:pPr>
-          <a:r>
-            <a:rPr lang="en-US" sz="3300" kern="1200" dirty="0" err="1"/>
-            <a:t>Chiamate</a:t>
-          </a:r>
-          <a:r>
-            <a:rPr lang="en-US" sz="3300" kern="1200" dirty="0"/>
-            <a:t> HTTP (</a:t>
-          </a:r>
-          <a:r>
-            <a:rPr lang="en-US" sz="3300" kern="1200" dirty="0" err="1"/>
-            <a:t>RxJS</a:t>
-          </a:r>
-          <a:r>
-            <a:rPr lang="en-US" sz="3300" kern="1200" dirty="0"/>
-            <a:t>) al backend Rails</a:t>
-          </a:r>
-          <a:endParaRPr lang="it-IT" sz="3300" kern="1200" dirty="0"/>
-        </a:p>
-        <a:p>
-          <a:pPr marL="285750" lvl="1" indent="-285750" algn="l" defTabSz="1466850">
-            <a:lnSpc>
-              <a:spcPct val="90000"/>
-            </a:lnSpc>
-            <a:spcBef>
-              <a:spcPct val="0"/>
-            </a:spcBef>
-            <a:spcAft>
-              <a:spcPct val="15000"/>
-            </a:spcAft>
-            <a:buFont typeface="Arial" panose="020B0604020202020204" pitchFamily="34" charset="0"/>
-            <a:buNone/>
-          </a:pPr>
-          <a:endParaRPr lang="it-IT" sz="3300" kern="1200" dirty="0"/>
-        </a:p>
-        <a:p>
-          <a:pPr marL="285750" lvl="1" indent="-285750" algn="l" defTabSz="1466850">
-            <a:lnSpc>
-              <a:spcPct val="90000"/>
-            </a:lnSpc>
-            <a:spcBef>
-              <a:spcPct val="0"/>
-            </a:spcBef>
-            <a:spcAft>
-              <a:spcPct val="15000"/>
-            </a:spcAft>
-            <a:buFont typeface="Arial" panose="020B0604020202020204" pitchFamily="34" charset="0"/>
-            <a:buNone/>
-          </a:pPr>
-          <a:r>
-            <a:rPr lang="it-IT" sz="3300" b="1" kern="1200" dirty="0"/>
-            <a:t>2. </a:t>
-          </a:r>
-          <a:r>
-            <a:rPr lang="it-IT" sz="3300" b="1" kern="1200" dirty="0" err="1"/>
-            <a:t>Backend</a:t>
-          </a:r>
-          <a:r>
-            <a:rPr lang="it-IT" sz="3300" b="1" kern="1200" dirty="0"/>
-            <a:t> </a:t>
-          </a:r>
-          <a:r>
-            <a:rPr lang="it-IT" sz="3300" b="1" kern="1200" dirty="0" err="1"/>
-            <a:t>Rails</a:t>
-          </a:r>
-          <a:r>
-            <a:rPr lang="it-IT" sz="3300" b="1" kern="1200" dirty="0"/>
-            <a:t> API</a:t>
-          </a:r>
-        </a:p>
-        <a:p>
-          <a:pPr marL="571500" lvl="2" indent="-285750" algn="l" defTabSz="1466850">
-            <a:lnSpc>
-              <a:spcPct val="90000"/>
-            </a:lnSpc>
-            <a:spcBef>
-              <a:spcPct val="0"/>
-            </a:spcBef>
-            <a:spcAft>
-              <a:spcPct val="15000"/>
-            </a:spcAft>
-            <a:buFont typeface="Arial" panose="020B0604020202020204" pitchFamily="34" charset="0"/>
-            <a:buChar char="–"/>
-          </a:pPr>
-          <a:r>
-            <a:rPr lang="it-IT" sz="3300" kern="1200"/>
-            <a:t>Controller gestiscono richieste HTTP</a:t>
-          </a:r>
-        </a:p>
-        <a:p>
-          <a:pPr marL="571500" lvl="2" indent="-285750" algn="l" defTabSz="1466850">
-            <a:lnSpc>
-              <a:spcPct val="90000"/>
-            </a:lnSpc>
-            <a:spcBef>
-              <a:spcPct val="0"/>
-            </a:spcBef>
-            <a:spcAft>
-              <a:spcPct val="15000"/>
-            </a:spcAft>
-            <a:buFont typeface="Arial" panose="020B0604020202020204" pitchFamily="34" charset="0"/>
-            <a:buChar char="–"/>
-          </a:pPr>
-          <a:r>
-            <a:rPr lang="it-IT" sz="3300" kern="1200"/>
-            <a:t>Service orchestrano logica business</a:t>
-          </a:r>
-        </a:p>
-        <a:p>
-          <a:pPr marL="571500" lvl="2" indent="-285750" algn="l" defTabSz="1466850">
-            <a:lnSpc>
-              <a:spcPct val="90000"/>
-            </a:lnSpc>
-            <a:spcBef>
-              <a:spcPct val="0"/>
-            </a:spcBef>
-            <a:spcAft>
-              <a:spcPct val="15000"/>
-            </a:spcAft>
-            <a:buFont typeface="Arial" panose="020B0604020202020204" pitchFamily="34" charset="0"/>
-            <a:buChar char="–"/>
-          </a:pPr>
-          <a:r>
-            <a:rPr lang="it-IT" sz="3300" kern="1200" dirty="0"/>
-            <a:t>Active Record per persistenza su </a:t>
-          </a:r>
-          <a:r>
-            <a:rPr lang="it-IT" sz="3300" kern="1200" dirty="0" err="1"/>
-            <a:t>PostgreSQL</a:t>
-          </a:r>
-          <a:endParaRPr lang="it-IT" sz="3300" kern="1200" dirty="0"/>
-        </a:p>
-        <a:p>
-          <a:pPr marL="285750" lvl="1" indent="-285750" algn="l" defTabSz="1466850">
-            <a:lnSpc>
-              <a:spcPct val="90000"/>
-            </a:lnSpc>
-            <a:spcBef>
-              <a:spcPct val="0"/>
-            </a:spcBef>
-            <a:spcAft>
-              <a:spcPct val="15000"/>
-            </a:spcAft>
-            <a:buFont typeface="Arial" panose="020B0604020202020204" pitchFamily="34" charset="0"/>
-            <a:buNone/>
-          </a:pPr>
-          <a:endParaRPr lang="it-IT" sz="3300" kern="1200" dirty="0"/>
-        </a:p>
-        <a:p>
-          <a:pPr marL="285750" lvl="1" indent="-285750" algn="l" defTabSz="1466850">
-            <a:lnSpc>
-              <a:spcPct val="90000"/>
-            </a:lnSpc>
-            <a:spcBef>
-              <a:spcPct val="0"/>
-            </a:spcBef>
-            <a:spcAft>
-              <a:spcPct val="15000"/>
-            </a:spcAft>
-            <a:buFont typeface="Arial" panose="020B0604020202020204" pitchFamily="34" charset="0"/>
-            <a:buNone/>
-          </a:pPr>
-          <a:r>
-            <a:rPr lang="it-IT" sz="3300" b="1" kern="1200" dirty="0"/>
-            <a:t>3. AI Services</a:t>
-          </a:r>
-        </a:p>
-        <a:p>
-          <a:pPr marL="571500" lvl="2" indent="-285750" algn="l" defTabSz="1466850">
-            <a:lnSpc>
-              <a:spcPct val="90000"/>
-            </a:lnSpc>
-            <a:spcBef>
-              <a:spcPct val="0"/>
-            </a:spcBef>
-            <a:spcAft>
-              <a:spcPct val="15000"/>
-            </a:spcAft>
-            <a:buFont typeface="Arial" panose="020B0604020202020204" pitchFamily="34" charset="0"/>
-            <a:buChar char="–"/>
-          </a:pPr>
-          <a:r>
-            <a:rPr lang="en-US" sz="3300" kern="1200"/>
-            <a:t>AiService chiama AWS Bedrock Converse API</a:t>
-          </a:r>
-          <a:endParaRPr lang="it-IT" sz="3300" kern="1200"/>
-        </a:p>
-        <a:p>
-          <a:pPr marL="571500" lvl="2" indent="-285750" algn="l" defTabSz="1466850">
-            <a:lnSpc>
-              <a:spcPct val="90000"/>
-            </a:lnSpc>
-            <a:spcBef>
-              <a:spcPct val="0"/>
-            </a:spcBef>
-            <a:spcAft>
-              <a:spcPct val="15000"/>
-            </a:spcAft>
-            <a:buFont typeface="Arial" panose="020B0604020202020204" pitchFamily="34" charset="0"/>
-            <a:buChar char="–"/>
-          </a:pPr>
-          <a:r>
-            <a:rPr lang="it-IT" sz="3300" kern="1200" dirty="0" err="1"/>
-            <a:t>DocumentAnalysisService</a:t>
-          </a:r>
-          <a:r>
-            <a:rPr lang="it-IT" sz="3300" kern="1200" dirty="0"/>
-            <a:t> processa documenti</a:t>
-          </a:r>
-        </a:p>
-      </dsp:txBody>
-      <dsp:txXfrm>
-        <a:off x="0" y="498089"/>
-        <a:ext cx="9906000" cy="8939700"/>
-      </dsp:txXfrm>
-    </dsp:sp>
-    <dsp:sp modelId="{EF67F11A-FCD0-4E59-A23F-17BCC3FB1182}">
-      <dsp:nvSpPr>
-        <dsp:cNvPr id="0" name=""/>
-        <dsp:cNvSpPr/>
-      </dsp:nvSpPr>
-      <dsp:spPr>
-        <a:xfrm>
-          <a:off x="495300" y="11009"/>
-          <a:ext cx="6934200" cy="974160"/>
-        </a:xfrm>
-        <a:prstGeom prst="roundRect">
-          <a:avLst/>
-        </a:prstGeom>
-        <a:gradFill rotWithShape="0">
-          <a:gsLst>
-            <a:gs pos="0">
-              <a:schemeClr val="accent5">
-                <a:hueOff val="0"/>
-                <a:satOff val="0"/>
-                <a:lumOff val="0"/>
-                <a:alphaOff val="0"/>
-                <a:shade val="51000"/>
-                <a:satMod val="130000"/>
-              </a:schemeClr>
-            </a:gs>
-            <a:gs pos="80000">
-              <a:schemeClr val="accent5">
-                <a:hueOff val="0"/>
-                <a:satOff val="0"/>
-                <a:lumOff val="0"/>
-                <a:alphaOff val="0"/>
-                <a:shade val="93000"/>
-                <a:satMod val="130000"/>
-              </a:schemeClr>
-            </a:gs>
-            <a:gs pos="100000">
-              <a:schemeClr val="accent5">
-                <a:hueOff val="0"/>
-                <a:satOff val="0"/>
-                <a:lumOff val="0"/>
-                <a:alphaOff val="0"/>
-                <a:shade val="94000"/>
-                <a:satMod val="135000"/>
-              </a:schemeClr>
-            </a:gs>
-          </a:gsLst>
-          <a:lin ang="16200000" scaled="0"/>
-        </a:gradFill>
-        <a:ln>
-          <a:noFill/>
-        </a:ln>
-        <a:effectLst>
-          <a:outerShdw blurRad="40000" dist="23000" dir="5400000" rotWithShape="0">
-            <a:srgbClr val="000000">
-              <a:alpha val="35000"/>
-            </a:srgbClr>
-          </a:outerShdw>
-        </a:effectLst>
-      </dsp:spPr>
-      <dsp:style>
-        <a:lnRef idx="0">
-          <a:scrgbClr r="0" g="0" b="0"/>
-        </a:lnRef>
-        <a:fillRef idx="3">
-          <a:scrgbClr r="0" g="0" b="0"/>
-        </a:fillRef>
-        <a:effectRef idx="2">
-          <a:scrgbClr r="0" g="0" b="0"/>
-        </a:effectRef>
-        <a:fontRef idx="minor">
-          <a:schemeClr val="lt1"/>
-        </a:fontRef>
-      </dsp:style>
-      <dsp:txBody>
-        <a:bodyPr spcFirstLastPara="0" vert="horz" wrap="square" lIns="262096" tIns="0" rIns="262096" bIns="0" numCol="1" spcCol="1270" anchor="ctr" anchorCtr="0">
-          <a:noAutofit/>
-        </a:bodyPr>
-        <a:lstStyle/>
-        <a:p>
-          <a:pPr marL="0" lvl="0" indent="0" algn="l" defTabSz="1466850">
-            <a:lnSpc>
-              <a:spcPct val="90000"/>
-            </a:lnSpc>
-            <a:spcBef>
-              <a:spcPct val="0"/>
-            </a:spcBef>
-            <a:spcAft>
-              <a:spcPct val="35000"/>
-            </a:spcAft>
-            <a:buNone/>
-          </a:pPr>
-          <a:r>
-            <a:rPr lang="it-IT" sz="3300" b="1" kern="1200" dirty="0"/>
-            <a:t>Architettura del Sistema</a:t>
-          </a:r>
-          <a:endParaRPr lang="en-US" sz="3300" kern="1200" dirty="0"/>
-        </a:p>
-      </dsp:txBody>
-      <dsp:txXfrm>
-        <a:off x="542855" y="58564"/>
-        <a:ext cx="6839090" cy="879050"/>
+        <a:off x="174943" y="205093"/>
+        <a:ext cx="2149471" cy="346292"/>
       </dsp:txXfrm>
     </dsp:sp>
   </dsp:spTree>
@@ -9994,231 +7979,6 @@
 </dgm:layoutDef>
 </file>
 
-<file path=ppt/diagrams/layout5.xml><?xml version="1.0" encoding="utf-8"?>
-<dgm:layoutDef xmlns:dgm="http://schemas.openxmlformats.org/drawingml/2006/diagram" xmlns:a="http://schemas.openxmlformats.org/drawingml/2006/main" uniqueId="urn:microsoft.com/office/officeart/2005/8/layout/list1">
-  <dgm:title val=""/>
-  <dgm:desc val=""/>
-  <dgm:catLst>
-    <dgm:cat type="list" pri="4000"/>
-  </dgm:catLst>
-  <dgm:sampData>
-    <dgm:dataModel>
-      <dgm:ptLst>
-        <dgm:pt modelId="0" type="doc"/>
-        <dgm:pt modelId="1">
-          <dgm:prSet phldr="1"/>
-        </dgm:pt>
-        <dgm:pt modelId="2">
-          <dgm:prSet phldr="1"/>
-        </dgm:pt>
-        <dgm:pt modelId="3">
-          <dgm:prSet phldr="1"/>
-        </dgm:pt>
-      </dgm:ptLst>
-      <dgm:cxnLst>
-        <dgm:cxn modelId="4" srcId="0" destId="1" srcOrd="0" destOrd="0"/>
-        <dgm:cxn modelId="5" srcId="0" destId="2" srcOrd="1" destOrd="0"/>
-        <dgm:cxn modelId="6" srcId="0" destId="3" srcOrd="2" destOrd="0"/>
-      </dgm:cxnLst>
-      <dgm:bg/>
-      <dgm:whole/>
-    </dgm:dataModel>
-  </dgm:sampData>
-  <dgm:styleData>
-    <dgm:dataModel>
-      <dgm:ptLst>
-        <dgm:pt modelId="0" type="doc"/>
-        <dgm:pt modelId="1"/>
-        <dgm:pt modelId="2"/>
-      </dgm:ptLst>
-      <dgm:cxnLst>
-        <dgm:cxn modelId="4" srcId="0" destId="1" srcOrd="0" destOrd="0"/>
-        <dgm:cxn modelId="5" srcId="0" destId="2" srcOrd="1" destOrd="0"/>
-      </dgm:cxnLst>
-      <dgm:bg/>
-      <dgm:whole/>
-    </dgm:dataModel>
-  </dgm:styleData>
-  <dgm:clrData>
-    <dgm:dataModel>
-      <dgm:ptLst>
-        <dgm:pt modelId="0" type="doc"/>
-        <dgm:pt modelId="1"/>
-        <dgm:pt modelId="2"/>
-        <dgm:pt modelId="3"/>
-        <dgm:pt modelId="4"/>
-      </dgm:ptLst>
-      <dgm:cxnLst>
-        <dgm:cxn modelId="5" srcId="0" destId="1" srcOrd="0" destOrd="0"/>
-        <dgm:cxn modelId="6" srcId="0" destId="2" srcOrd="1" destOrd="0"/>
-        <dgm:cxn modelId="7" srcId="0" destId="3" srcOrd="2" destOrd="0"/>
-        <dgm:cxn modelId="8" srcId="0" destId="4" srcOrd="3" destOrd="0"/>
-      </dgm:cxnLst>
-      <dgm:bg/>
-      <dgm:whole/>
-    </dgm:dataModel>
-  </dgm:clrData>
-  <dgm:layoutNode name="linear">
-    <dgm:varLst>
-      <dgm:dir/>
-      <dgm:animLvl val="lvl"/>
-      <dgm:resizeHandles val="exact"/>
-    </dgm:varLst>
-    <dgm:choose name="Name0">
-      <dgm:if name="Name1" func="var" arg="dir" op="equ" val="norm">
-        <dgm:alg type="lin">
-          <dgm:param type="linDir" val="fromT"/>
-          <dgm:param type="vertAlign" val="mid"/>
-          <dgm:param type="horzAlign" val="l"/>
-          <dgm:param type="nodeHorzAlign" val="l"/>
-        </dgm:alg>
-      </dgm:if>
-      <dgm:else name="Name2">
-        <dgm:alg type="lin">
-          <dgm:param type="linDir" val="fromT"/>
-          <dgm:param type="vertAlign" val="mid"/>
-          <dgm:param type="horzAlign" val="r"/>
-          <dgm:param type="nodeHorzAlign" val="r"/>
-        </dgm:alg>
-      </dgm:else>
-    </dgm:choose>
-    <dgm:shape xmlns:r="http://schemas.openxmlformats.org/officeDocument/2006/relationships" r:blip="">
-      <dgm:adjLst/>
-    </dgm:shape>
-    <dgm:presOf/>
-    <dgm:constrLst>
-      <dgm:constr type="w" for="ch" forName="parentLin" refType="w"/>
-      <dgm:constr type="h" for="ch" forName="parentLin" val="INF"/>
-      <dgm:constr type="w" for="des" forName="parentLeftMargin" refType="w" fact="0.05"/>
-      <dgm:constr type="w" for="des" forName="parentText" refType="w" fact="0.7"/>
-      <dgm:constr type="h" for="des" forName="parentText" refType="primFontSz" refFor="des" refForName="parentText" fact="0.82"/>
-      <dgm:constr type="h" for="ch" forName="negativeSpace" refType="primFontSz" refFor="des" refForName="parentText" fact="-0.41"/>
-      <dgm:constr type="h" for="ch" forName="negativeSpace" refType="h" refFor="des" refForName="parentText" op="lte" fact="-0.82"/>
-      <dgm:constr type="h" for="ch" forName="negativeSpace" refType="h" refFor="des" refForName="parentText" op="gte" fact="-0.82"/>
-      <dgm:constr type="w" for="ch" forName="childText" refType="w"/>
-      <dgm:constr type="h" for="ch" forName="childText" refType="primFontSz" refFor="des" refForName="parentText" fact="0.7"/>
-      <dgm:constr type="primFontSz" for="des" forName="parentText" val="65"/>
-      <dgm:constr type="primFontSz" for="ch" forName="childText" refType="primFontSz" refFor="des" refForName="parentText"/>
-      <dgm:constr type="tMarg" for="ch" forName="childText" refType="primFontSz" refFor="des" refForName="parentText" fact="1.64"/>
-      <dgm:constr type="tMarg" for="ch" forName="childText" refType="h" refFor="des" refForName="parentText" op="lte" fact="3.28"/>
-      <dgm:constr type="tMarg" for="ch" forName="childText" refType="h" refFor="des" refForName="parentText" op="gte" fact="3.28"/>
-      <dgm:constr type="lMarg" for="ch" forName="childText" refType="w" fact="0.22"/>
-      <dgm:constr type="rMarg" for="ch" forName="childText" refType="lMarg" refFor="ch" refForName="childText"/>
-      <dgm:constr type="lMarg" for="des" forName="parentText" refType="w" fact="0.075"/>
-      <dgm:constr type="rMarg" for="des" forName="parentText" refType="lMarg" refFor="des" refForName="parentText"/>
-      <dgm:constr type="h" for="ch" forName="spaceBetweenRectangles" refType="primFontSz" refFor="des" refForName="parentText" fact="0.15"/>
-    </dgm:constrLst>
-    <dgm:ruleLst>
-      <dgm:rule type="primFontSz" for="des" forName="parentText" val="5" fact="NaN" max="NaN"/>
-    </dgm:ruleLst>
-    <dgm:forEach name="Name3" axis="ch" ptType="node">
-      <dgm:layoutNode name="parentLin">
-        <dgm:choose name="Name4">
-          <dgm:if name="Name5" func="var" arg="dir" op="equ" val="norm">
-            <dgm:alg type="lin">
-              <dgm:param type="linDir" val="fromL"/>
-              <dgm:param type="horzAlign" val="l"/>
-              <dgm:param type="nodeHorzAlign" val="l"/>
-            </dgm:alg>
-          </dgm:if>
-          <dgm:else name="Name6">
-            <dgm:alg type="lin">
-              <dgm:param type="linDir" val="fromR"/>
-              <dgm:param type="horzAlign" val="r"/>
-              <dgm:param type="nodeHorzAlign" val="r"/>
-            </dgm:alg>
-          </dgm:else>
-        </dgm:choose>
-        <dgm:shape xmlns:r="http://schemas.openxmlformats.org/officeDocument/2006/relationships" r:blip="">
-          <dgm:adjLst/>
-        </dgm:shape>
-        <dgm:presOf/>
-        <dgm:constrLst/>
-        <dgm:ruleLst/>
-        <dgm:layoutNode name="parentLeftMargin">
-          <dgm:alg type="sp"/>
-          <dgm:shape xmlns:r="http://schemas.openxmlformats.org/officeDocument/2006/relationships" type="rect" r:blip="" hideGeom="1">
-            <dgm:adjLst/>
-          </dgm:shape>
-          <dgm:presOf axis="self"/>
-          <dgm:constrLst>
-            <dgm:constr type="h"/>
-          </dgm:constrLst>
-          <dgm:ruleLst/>
-        </dgm:layoutNode>
-        <dgm:layoutNode name="parentText" styleLbl="node1">
-          <dgm:varLst>
-            <dgm:chMax val="0"/>
-            <dgm:bulletEnabled val="1"/>
-          </dgm:varLst>
-          <dgm:choose name="Name7">
-            <dgm:if name="Name8" func="var" arg="dir" op="equ" val="norm">
-              <dgm:alg type="tx">
-                <dgm:param type="parTxLTRAlign" val="l"/>
-                <dgm:param type="parTxRTLAlign" val="l"/>
-              </dgm:alg>
-            </dgm:if>
-            <dgm:else name="Name9">
-              <dgm:alg type="tx">
-                <dgm:param type="parTxLTRAlign" val="r"/>
-                <dgm:param type="parTxRTLAlign" val="r"/>
-              </dgm:alg>
-            </dgm:else>
-          </dgm:choose>
-          <dgm:shape xmlns:r="http://schemas.openxmlformats.org/officeDocument/2006/relationships" type="roundRect" r:blip="">
-            <dgm:adjLst/>
-          </dgm:shape>
-          <dgm:presOf axis="self" ptType="node"/>
-          <dgm:constrLst>
-            <dgm:constr type="tMarg"/>
-            <dgm:constr type="bMarg"/>
-          </dgm:constrLst>
-          <dgm:ruleLst/>
-        </dgm:layoutNode>
-      </dgm:layoutNode>
-      <dgm:layoutNode name="negativeSpace">
-        <dgm:alg type="sp"/>
-        <dgm:shape xmlns:r="http://schemas.openxmlformats.org/officeDocument/2006/relationships" r:blip="">
-          <dgm:adjLst/>
-        </dgm:shape>
-        <dgm:presOf/>
-        <dgm:constrLst/>
-        <dgm:ruleLst/>
-      </dgm:layoutNode>
-      <dgm:layoutNode name="childText" styleLbl="conFgAcc1">
-        <dgm:varLst>
-          <dgm:bulletEnabled val="1"/>
-        </dgm:varLst>
-        <dgm:alg type="tx">
-          <dgm:param type="stBulletLvl" val="1"/>
-        </dgm:alg>
-        <dgm:shape xmlns:r="http://schemas.openxmlformats.org/officeDocument/2006/relationships" type="rect" r:blip="" zOrderOff="-2">
-          <dgm:adjLst/>
-        </dgm:shape>
-        <dgm:presOf axis="des" ptType="node"/>
-        <dgm:constrLst>
-          <dgm:constr type="secFontSz" refType="primFontSz"/>
-        </dgm:constrLst>
-        <dgm:ruleLst>
-          <dgm:rule type="h" val="INF" fact="NaN" max="NaN"/>
-        </dgm:ruleLst>
-      </dgm:layoutNode>
-      <dgm:forEach name="Name10" axis="followSib" ptType="sibTrans" cnt="1">
-        <dgm:layoutNode name="spaceBetweenRectangles">
-          <dgm:alg type="sp"/>
-          <dgm:shape xmlns:r="http://schemas.openxmlformats.org/officeDocument/2006/relationships" r:blip="">
-            <dgm:adjLst/>
-          </dgm:shape>
-          <dgm:presOf/>
-          <dgm:constrLst/>
-          <dgm:ruleLst/>
-        </dgm:layoutNode>
-      </dgm:forEach>
-    </dgm:forEach>
-  </dgm:layoutNode>
-</dgm:layoutDef>
-</file>
-
 <file path=ppt/diagrams/quickStyle1.xml><?xml version="1.0" encoding="utf-8"?>
 <dgm:styleDef xmlns:dgm="http://schemas.openxmlformats.org/drawingml/2006/diagram" xmlns:a="http://schemas.openxmlformats.org/drawingml/2006/main" uniqueId="urn:microsoft.com/office/officeart/2005/8/quickstyle/simple4">
   <dgm:title val=""/>
@@ -14355,1038 +12115,194 @@
 </dgm:styleDef>
 </file>
 
-<file path=ppt/diagrams/quickStyle5.xml><?xml version="1.0" encoding="utf-8"?>
-<dgm:styleDef xmlns:dgm="http://schemas.openxmlformats.org/drawingml/2006/diagram" xmlns:a="http://schemas.openxmlformats.org/drawingml/2006/main" uniqueId="urn:microsoft.com/office/officeart/2005/8/quickstyle/simple4">
-  <dgm:title val=""/>
-  <dgm:desc val=""/>
-  <dgm:catLst>
-    <dgm:cat type="simple" pri="10400"/>
-  </dgm:catLst>
-  <dgm:scene3d>
-    <a:camera prst="orthographicFront"/>
-    <a:lightRig rig="threePt" dir="t"/>
-  </dgm:scene3d>
-  <dgm:styleLbl name="node0">
-    <dgm:scene3d>
-      <a:camera prst="orthographicFront"/>
-      <a:lightRig rig="threePt" dir="t"/>
-    </dgm:scene3d>
-    <dgm:sp3d/>
-    <dgm:txPr/>
-    <dgm:style>
-      <a:lnRef idx="0">
-        <a:scrgbClr r="0" g="0" b="0"/>
-      </a:lnRef>
-      <a:fillRef idx="3">
-        <a:scrgbClr r="0" g="0" b="0"/>
-      </a:fillRef>
-      <a:effectRef idx="2">
-        <a:scrgbClr r="0" g="0" b="0"/>
-      </a:effectRef>
-      <a:fontRef idx="minor">
-        <a:schemeClr val="lt1"/>
-      </a:fontRef>
-    </dgm:style>
-  </dgm:styleLbl>
-  <dgm:styleLbl name="lnNode1">
-    <dgm:scene3d>
-      <a:camera prst="orthographicFront"/>
-      <a:lightRig rig="threePt" dir="t"/>
-    </dgm:scene3d>
-    <dgm:sp3d/>
-    <dgm:txPr/>
-    <dgm:style>
-      <a:lnRef idx="1">
-        <a:scrgbClr r="0" g="0" b="0"/>
-      </a:lnRef>
-      <a:fillRef idx="3">
-        <a:scrgbClr r="0" g="0" b="0"/>
-      </a:fillRef>
-      <a:effectRef idx="2">
-        <a:scrgbClr r="0" g="0" b="0"/>
-      </a:effectRef>
-      <a:fontRef idx="minor">
-        <a:schemeClr val="lt1"/>
-      </a:fontRef>
-    </dgm:style>
-  </dgm:styleLbl>
-  <dgm:styleLbl name="vennNode1">
-    <dgm:scene3d>
-      <a:camera prst="orthographicFront"/>
-      <a:lightRig rig="threePt" dir="t"/>
-    </dgm:scene3d>
-    <dgm:sp3d/>
-    <dgm:txPr/>
-    <dgm:style>
-      <a:lnRef idx="0">
-        <a:scrgbClr r="0" g="0" b="0"/>
-      </a:lnRef>
-      <a:fillRef idx="3">
-        <a:scrgbClr r="0" g="0" b="0"/>
-      </a:fillRef>
-      <a:effectRef idx="0">
-        <a:scrgbClr r="0" g="0" b="0"/>
-      </a:effectRef>
-      <a:fontRef idx="minor">
-        <a:schemeClr val="tx1"/>
-      </a:fontRef>
-    </dgm:style>
-  </dgm:styleLbl>
-  <dgm:styleLbl name="alignNode1">
-    <dgm:scene3d>
-      <a:camera prst="orthographicFront"/>
-      <a:lightRig rig="threePt" dir="t"/>
-    </dgm:scene3d>
-    <dgm:sp3d/>
-    <dgm:txPr/>
-    <dgm:style>
-      <a:lnRef idx="1">
-        <a:scrgbClr r="0" g="0" b="0"/>
-      </a:lnRef>
-      <a:fillRef idx="3">
-        <a:scrgbClr r="0" g="0" b="0"/>
-      </a:fillRef>
-      <a:effectRef idx="2">
-        <a:scrgbClr r="0" g="0" b="0"/>
-      </a:effectRef>
-      <a:fontRef idx="minor">
-        <a:schemeClr val="lt1"/>
-      </a:fontRef>
-    </dgm:style>
-  </dgm:styleLbl>
-  <dgm:styleLbl name="node1">
-    <dgm:scene3d>
-      <a:camera prst="orthographicFront"/>
-      <a:lightRig rig="threePt" dir="t"/>
-    </dgm:scene3d>
-    <dgm:sp3d/>
-    <dgm:txPr/>
-    <dgm:style>
-      <a:lnRef idx="0">
-        <a:scrgbClr r="0" g="0" b="0"/>
-      </a:lnRef>
-      <a:fillRef idx="3">
-        <a:scrgbClr r="0" g="0" b="0"/>
-      </a:fillRef>
-      <a:effectRef idx="2">
-        <a:scrgbClr r="0" g="0" b="0"/>
-      </a:effectRef>
-      <a:fontRef idx="minor">
-        <a:schemeClr val="lt1"/>
-      </a:fontRef>
-    </dgm:style>
-  </dgm:styleLbl>
-  <dgm:styleLbl name="node2">
-    <dgm:scene3d>
-      <a:camera prst="orthographicFront"/>
-      <a:lightRig rig="threePt" dir="t"/>
-    </dgm:scene3d>
-    <dgm:sp3d/>
-    <dgm:txPr/>
-    <dgm:style>
-      <a:lnRef idx="0">
-        <a:scrgbClr r="0" g="0" b="0"/>
-      </a:lnRef>
-      <a:fillRef idx="3">
-        <a:scrgbClr r="0" g="0" b="0"/>
-      </a:fillRef>
-      <a:effectRef idx="2">
-        <a:scrgbClr r="0" g="0" b="0"/>
-      </a:effectRef>
-      <a:fontRef idx="minor">
-        <a:schemeClr val="lt1"/>
-      </a:fontRef>
-    </dgm:style>
-  </dgm:styleLbl>
-  <dgm:styleLbl name="node3">
-    <dgm:scene3d>
-      <a:camera prst="orthographicFront"/>
-      <a:lightRig rig="threePt" dir="t"/>
-    </dgm:scene3d>
-    <dgm:sp3d/>
-    <dgm:txPr/>
-    <dgm:style>
-      <a:lnRef idx="0">
-        <a:scrgbClr r="0" g="0" b="0"/>
-      </a:lnRef>
-      <a:fillRef idx="3">
-        <a:scrgbClr r="0" g="0" b="0"/>
-      </a:fillRef>
-      <a:effectRef idx="2">
-        <a:scrgbClr r="0" g="0" b="0"/>
-      </a:effectRef>
-      <a:fontRef idx="minor">
-        <a:schemeClr val="lt1"/>
-      </a:fontRef>
-    </dgm:style>
-  </dgm:styleLbl>
-  <dgm:styleLbl name="node4">
-    <dgm:scene3d>
-      <a:camera prst="orthographicFront"/>
-      <a:lightRig rig="threePt" dir="t"/>
-    </dgm:scene3d>
-    <dgm:sp3d/>
-    <dgm:txPr/>
-    <dgm:style>
-      <a:lnRef idx="0">
-        <a:scrgbClr r="0" g="0" b="0"/>
-      </a:lnRef>
-      <a:fillRef idx="3">
-        <a:scrgbClr r="0" g="0" b="0"/>
-      </a:fillRef>
-      <a:effectRef idx="2">
-        <a:scrgbClr r="0" g="0" b="0"/>
-      </a:effectRef>
-      <a:fontRef idx="minor">
-        <a:schemeClr val="lt1"/>
-      </a:fontRef>
-    </dgm:style>
-  </dgm:styleLbl>
-  <dgm:styleLbl name="fgImgPlace1">
-    <dgm:scene3d>
-      <a:camera prst="orthographicFront"/>
-      <a:lightRig rig="threePt" dir="t"/>
-    </dgm:scene3d>
-    <dgm:sp3d/>
-    <dgm:txPr/>
-    <dgm:style>
-      <a:lnRef idx="0">
-        <a:scrgbClr r="0" g="0" b="0"/>
-      </a:lnRef>
-      <a:fillRef idx="1">
-        <a:scrgbClr r="0" g="0" b="0"/>
-      </a:fillRef>
-      <a:effectRef idx="2">
-        <a:scrgbClr r="0" g="0" b="0"/>
-      </a:effectRef>
-      <a:fontRef idx="minor"/>
-    </dgm:style>
-  </dgm:styleLbl>
-  <dgm:styleLbl name="alignImgPlace1">
-    <dgm:scene3d>
-      <a:camera prst="orthographicFront"/>
-      <a:lightRig rig="threePt" dir="t"/>
-    </dgm:scene3d>
-    <dgm:sp3d/>
-    <dgm:txPr/>
-    <dgm:style>
-      <a:lnRef idx="0">
-        <a:scrgbClr r="0" g="0" b="0"/>
-      </a:lnRef>
-      <a:fillRef idx="1">
-        <a:scrgbClr r="0" g="0" b="0"/>
-      </a:fillRef>
-      <a:effectRef idx="2">
-        <a:scrgbClr r="0" g="0" b="0"/>
-      </a:effectRef>
-      <a:fontRef idx="minor"/>
-    </dgm:style>
-  </dgm:styleLbl>
-  <dgm:styleLbl name="bgImgPlace1">
-    <dgm:scene3d>
-      <a:camera prst="orthographicFront"/>
-      <a:lightRig rig="threePt" dir="t"/>
-    </dgm:scene3d>
-    <dgm:sp3d/>
-    <dgm:txPr/>
-    <dgm:style>
-      <a:lnRef idx="0">
-        <a:scrgbClr r="0" g="0" b="0"/>
-      </a:lnRef>
-      <a:fillRef idx="1">
-        <a:scrgbClr r="0" g="0" b="0"/>
-      </a:fillRef>
-      <a:effectRef idx="2">
-        <a:scrgbClr r="0" g="0" b="0"/>
-      </a:effectRef>
-      <a:fontRef idx="minor"/>
-    </dgm:style>
-  </dgm:styleLbl>
-  <dgm:styleLbl name="sibTrans2D1">
-    <dgm:scene3d>
-      <a:camera prst="orthographicFront"/>
-      <a:lightRig rig="threePt" dir="t"/>
-    </dgm:scene3d>
-    <dgm:sp3d/>
-    <dgm:txPr/>
-    <dgm:style>
-      <a:lnRef idx="0">
-        <a:scrgbClr r="0" g="0" b="0"/>
-      </a:lnRef>
-      <a:fillRef idx="3">
-        <a:scrgbClr r="0" g="0" b="0"/>
-      </a:fillRef>
-      <a:effectRef idx="2">
-        <a:scrgbClr r="0" g="0" b="0"/>
-      </a:effectRef>
-      <a:fontRef idx="minor">
-        <a:schemeClr val="lt1"/>
-      </a:fontRef>
-    </dgm:style>
-  </dgm:styleLbl>
-  <dgm:styleLbl name="fgSibTrans2D1">
-    <dgm:scene3d>
-      <a:camera prst="orthographicFront"/>
-      <a:lightRig rig="threePt" dir="t"/>
-    </dgm:scene3d>
-    <dgm:sp3d/>
-    <dgm:txPr/>
-    <dgm:style>
-      <a:lnRef idx="0">
-        <a:scrgbClr r="0" g="0" b="0"/>
-      </a:lnRef>
-      <a:fillRef idx="3">
-        <a:scrgbClr r="0" g="0" b="0"/>
-      </a:fillRef>
-      <a:effectRef idx="2">
-        <a:scrgbClr r="0" g="0" b="0"/>
-      </a:effectRef>
-      <a:fontRef idx="minor">
-        <a:schemeClr val="lt1"/>
-      </a:fontRef>
-    </dgm:style>
-  </dgm:styleLbl>
-  <dgm:styleLbl name="bgSibTrans2D1">
-    <dgm:scene3d>
-      <a:camera prst="orthographicFront"/>
-      <a:lightRig rig="threePt" dir="t"/>
-    </dgm:scene3d>
-    <dgm:sp3d/>
-    <dgm:txPr/>
-    <dgm:style>
-      <a:lnRef idx="0">
-        <a:scrgbClr r="0" g="0" b="0"/>
-      </a:lnRef>
-      <a:fillRef idx="3">
-        <a:scrgbClr r="0" g="0" b="0"/>
-      </a:fillRef>
-      <a:effectRef idx="2">
-        <a:scrgbClr r="0" g="0" b="0"/>
-      </a:effectRef>
-      <a:fontRef idx="minor">
-        <a:schemeClr val="lt1"/>
-      </a:fontRef>
-    </dgm:style>
-  </dgm:styleLbl>
-  <dgm:styleLbl name="sibTrans1D1">
-    <dgm:scene3d>
-      <a:camera prst="orthographicFront"/>
-      <a:lightRig rig="threePt" dir="t"/>
-    </dgm:scene3d>
-    <dgm:sp3d/>
-    <dgm:txPr/>
-    <dgm:style>
-      <a:lnRef idx="1">
-        <a:scrgbClr r="0" g="0" b="0"/>
-      </a:lnRef>
-      <a:fillRef idx="0">
-        <a:scrgbClr r="0" g="0" b="0"/>
-      </a:fillRef>
-      <a:effectRef idx="0">
-        <a:scrgbClr r="0" g="0" b="0"/>
-      </a:effectRef>
-      <a:fontRef idx="minor"/>
-    </dgm:style>
-  </dgm:styleLbl>
-  <dgm:styleLbl name="callout">
-    <dgm:scene3d>
-      <a:camera prst="orthographicFront"/>
-      <a:lightRig rig="threePt" dir="t"/>
-    </dgm:scene3d>
-    <dgm:sp3d/>
-    <dgm:txPr/>
-    <dgm:style>
-      <a:lnRef idx="2">
-        <a:scrgbClr r="0" g="0" b="0"/>
-      </a:lnRef>
-      <a:fillRef idx="1">
-        <a:scrgbClr r="0" g="0" b="0"/>
-      </a:fillRef>
-      <a:effectRef idx="1">
-        <a:scrgbClr r="0" g="0" b="0"/>
-      </a:effectRef>
-      <a:fontRef idx="minor"/>
-    </dgm:style>
-  </dgm:styleLbl>
-  <dgm:styleLbl name="asst0">
-    <dgm:scene3d>
-      <a:camera prst="orthographicFront"/>
-      <a:lightRig rig="threePt" dir="t"/>
-    </dgm:scene3d>
-    <dgm:sp3d/>
-    <dgm:txPr/>
-    <dgm:style>
-      <a:lnRef idx="0">
-        <a:scrgbClr r="0" g="0" b="0"/>
-      </a:lnRef>
-      <a:fillRef idx="3">
-        <a:scrgbClr r="0" g="0" b="0"/>
-      </a:fillRef>
-      <a:effectRef idx="2">
-        <a:scrgbClr r="0" g="0" b="0"/>
-      </a:effectRef>
-      <a:fontRef idx="minor">
-        <a:schemeClr val="lt1"/>
-      </a:fontRef>
-    </dgm:style>
-  </dgm:styleLbl>
-  <dgm:styleLbl name="asst1">
-    <dgm:scene3d>
-      <a:camera prst="orthographicFront"/>
-      <a:lightRig rig="threePt" dir="t"/>
-    </dgm:scene3d>
-    <dgm:sp3d/>
-    <dgm:txPr/>
-    <dgm:style>
-      <a:lnRef idx="0">
-        <a:scrgbClr r="0" g="0" b="0"/>
-      </a:lnRef>
-      <a:fillRef idx="3">
-        <a:scrgbClr r="0" g="0" b="0"/>
-      </a:fillRef>
-      <a:effectRef idx="2">
-        <a:scrgbClr r="0" g="0" b="0"/>
-      </a:effectRef>
-      <a:fontRef idx="minor">
-        <a:schemeClr val="lt1"/>
-      </a:fontRef>
-    </dgm:style>
-  </dgm:styleLbl>
-  <dgm:styleLbl name="asst2">
-    <dgm:scene3d>
-      <a:camera prst="orthographicFront"/>
-      <a:lightRig rig="threePt" dir="t"/>
-    </dgm:scene3d>
-    <dgm:sp3d/>
-    <dgm:txPr/>
-    <dgm:style>
-      <a:lnRef idx="0">
-        <a:scrgbClr r="0" g="0" b="0"/>
-      </a:lnRef>
-      <a:fillRef idx="3">
-        <a:scrgbClr r="0" g="0" b="0"/>
-      </a:fillRef>
-      <a:effectRef idx="2">
-        <a:scrgbClr r="0" g="0" b="0"/>
-      </a:effectRef>
-      <a:fontRef idx="minor">
-        <a:schemeClr val="lt1"/>
-      </a:fontRef>
-    </dgm:style>
-  </dgm:styleLbl>
-  <dgm:styleLbl name="asst3">
-    <dgm:scene3d>
-      <a:camera prst="orthographicFront"/>
-      <a:lightRig rig="threePt" dir="t"/>
-    </dgm:scene3d>
-    <dgm:sp3d/>
-    <dgm:txPr/>
-    <dgm:style>
-      <a:lnRef idx="0">
-        <a:scrgbClr r="0" g="0" b="0"/>
-      </a:lnRef>
-      <a:fillRef idx="3">
-        <a:scrgbClr r="0" g="0" b="0"/>
-      </a:fillRef>
-      <a:effectRef idx="2">
-        <a:scrgbClr r="0" g="0" b="0"/>
-      </a:effectRef>
-      <a:fontRef idx="minor">
-        <a:schemeClr val="lt1"/>
-      </a:fontRef>
-    </dgm:style>
-  </dgm:styleLbl>
-  <dgm:styleLbl name="asst4">
-    <dgm:scene3d>
-      <a:camera prst="orthographicFront"/>
-      <a:lightRig rig="threePt" dir="t"/>
-    </dgm:scene3d>
-    <dgm:sp3d/>
-    <dgm:txPr/>
-    <dgm:style>
-      <a:lnRef idx="0">
-        <a:scrgbClr r="0" g="0" b="0"/>
-      </a:lnRef>
-      <a:fillRef idx="3">
-        <a:scrgbClr r="0" g="0" b="0"/>
-      </a:fillRef>
-      <a:effectRef idx="2">
-        <a:scrgbClr r="0" g="0" b="0"/>
-      </a:effectRef>
-      <a:fontRef idx="minor">
-        <a:schemeClr val="lt1"/>
-      </a:fontRef>
-    </dgm:style>
-  </dgm:styleLbl>
-  <dgm:styleLbl name="parChTrans2D1">
-    <dgm:scene3d>
-      <a:camera prst="orthographicFront"/>
-      <a:lightRig rig="threePt" dir="t"/>
-    </dgm:scene3d>
-    <dgm:sp3d/>
-    <dgm:txPr/>
-    <dgm:style>
-      <a:lnRef idx="0">
-        <a:scrgbClr r="0" g="0" b="0"/>
-      </a:lnRef>
-      <a:fillRef idx="3">
-        <a:scrgbClr r="0" g="0" b="0"/>
-      </a:fillRef>
-      <a:effectRef idx="2">
-        <a:scrgbClr r="0" g="0" b="0"/>
-      </a:effectRef>
-      <a:fontRef idx="minor">
-        <a:schemeClr val="lt1"/>
-      </a:fontRef>
-    </dgm:style>
-  </dgm:styleLbl>
-  <dgm:styleLbl name="parChTrans2D2">
-    <dgm:scene3d>
-      <a:camera prst="orthographicFront"/>
-      <a:lightRig rig="threePt" dir="t"/>
-    </dgm:scene3d>
-    <dgm:sp3d/>
-    <dgm:txPr/>
-    <dgm:style>
-      <a:lnRef idx="0">
-        <a:scrgbClr r="0" g="0" b="0"/>
-      </a:lnRef>
-      <a:fillRef idx="3">
-        <a:scrgbClr r="0" g="0" b="0"/>
-      </a:fillRef>
-      <a:effectRef idx="2">
-        <a:scrgbClr r="0" g="0" b="0"/>
-      </a:effectRef>
-      <a:fontRef idx="minor">
-        <a:schemeClr val="lt1"/>
-      </a:fontRef>
-    </dgm:style>
-  </dgm:styleLbl>
-  <dgm:styleLbl name="parChTrans2D3">
-    <dgm:scene3d>
-      <a:camera prst="orthographicFront"/>
-      <a:lightRig rig="threePt" dir="t"/>
-    </dgm:scene3d>
-    <dgm:sp3d/>
-    <dgm:txPr/>
-    <dgm:style>
-      <a:lnRef idx="1">
-        <a:scrgbClr r="0" g="0" b="0"/>
-      </a:lnRef>
-      <a:fillRef idx="3">
-        <a:scrgbClr r="0" g="0" b="0"/>
-      </a:fillRef>
-      <a:effectRef idx="2">
-        <a:scrgbClr r="0" g="0" b="0"/>
-      </a:effectRef>
-      <a:fontRef idx="minor">
-        <a:schemeClr val="lt1"/>
-      </a:fontRef>
-    </dgm:style>
-  </dgm:styleLbl>
-  <dgm:styleLbl name="parChTrans2D4">
-    <dgm:scene3d>
-      <a:camera prst="orthographicFront"/>
-      <a:lightRig rig="threePt" dir="t"/>
-    </dgm:scene3d>
-    <dgm:sp3d/>
-    <dgm:txPr/>
-    <dgm:style>
-      <a:lnRef idx="1">
-        <a:scrgbClr r="0" g="0" b="0"/>
-      </a:lnRef>
-      <a:fillRef idx="3">
-        <a:scrgbClr r="0" g="0" b="0"/>
-      </a:fillRef>
-      <a:effectRef idx="2">
-        <a:scrgbClr r="0" g="0" b="0"/>
-      </a:effectRef>
-      <a:fontRef idx="minor">
-        <a:schemeClr val="lt1"/>
-      </a:fontRef>
-    </dgm:style>
-  </dgm:styleLbl>
-  <dgm:styleLbl name="parChTrans1D1">
-    <dgm:scene3d>
-      <a:camera prst="orthographicFront"/>
-      <a:lightRig rig="threePt" dir="t"/>
-    </dgm:scene3d>
-    <dgm:sp3d/>
-    <dgm:txPr/>
-    <dgm:style>
-      <a:lnRef idx="1">
-        <a:scrgbClr r="0" g="0" b="0"/>
-      </a:lnRef>
-      <a:fillRef idx="0">
-        <a:scrgbClr r="0" g="0" b="0"/>
-      </a:fillRef>
-      <a:effectRef idx="0">
-        <a:scrgbClr r="0" g="0" b="0"/>
-      </a:effectRef>
-      <a:fontRef idx="minor"/>
-    </dgm:style>
-  </dgm:styleLbl>
-  <dgm:styleLbl name="parChTrans1D2">
-    <dgm:scene3d>
-      <a:camera prst="orthographicFront"/>
-      <a:lightRig rig="threePt" dir="t"/>
-    </dgm:scene3d>
-    <dgm:sp3d/>
-    <dgm:txPr/>
-    <dgm:style>
-      <a:lnRef idx="1">
-        <a:scrgbClr r="0" g="0" b="0"/>
-      </a:lnRef>
-      <a:fillRef idx="0">
-        <a:scrgbClr r="0" g="0" b="0"/>
-      </a:fillRef>
-      <a:effectRef idx="0">
-        <a:scrgbClr r="0" g="0" b="0"/>
-      </a:effectRef>
-      <a:fontRef idx="minor"/>
-    </dgm:style>
-  </dgm:styleLbl>
-  <dgm:styleLbl name="parChTrans1D3">
-    <dgm:scene3d>
-      <a:camera prst="orthographicFront"/>
-      <a:lightRig rig="threePt" dir="t"/>
-    </dgm:scene3d>
-    <dgm:sp3d/>
-    <dgm:txPr/>
-    <dgm:style>
-      <a:lnRef idx="1">
-        <a:scrgbClr r="0" g="0" b="0"/>
-      </a:lnRef>
-      <a:fillRef idx="0">
-        <a:scrgbClr r="0" g="0" b="0"/>
-      </a:fillRef>
-      <a:effectRef idx="0">
-        <a:scrgbClr r="0" g="0" b="0"/>
-      </a:effectRef>
-      <a:fontRef idx="minor"/>
-    </dgm:style>
-  </dgm:styleLbl>
-  <dgm:styleLbl name="parChTrans1D4">
-    <dgm:scene3d>
-      <a:camera prst="orthographicFront"/>
-      <a:lightRig rig="threePt" dir="t"/>
-    </dgm:scene3d>
-    <dgm:sp3d/>
-    <dgm:txPr/>
-    <dgm:style>
-      <a:lnRef idx="1">
-        <a:scrgbClr r="0" g="0" b="0"/>
-      </a:lnRef>
-      <a:fillRef idx="0">
-        <a:scrgbClr r="0" g="0" b="0"/>
-      </a:fillRef>
-      <a:effectRef idx="0">
-        <a:scrgbClr r="0" g="0" b="0"/>
-      </a:effectRef>
-      <a:fontRef idx="minor"/>
-    </dgm:style>
-  </dgm:styleLbl>
-  <dgm:styleLbl name="fgAcc1">
-    <dgm:scene3d>
-      <a:camera prst="orthographicFront"/>
-      <a:lightRig rig="threePt" dir="t"/>
-    </dgm:scene3d>
-    <dgm:sp3d/>
-    <dgm:txPr/>
-    <dgm:style>
-      <a:lnRef idx="1">
-        <a:scrgbClr r="0" g="0" b="0"/>
-      </a:lnRef>
-      <a:fillRef idx="1">
-        <a:scrgbClr r="0" g="0" b="0"/>
-      </a:fillRef>
-      <a:effectRef idx="0">
-        <a:scrgbClr r="0" g="0" b="0"/>
-      </a:effectRef>
-      <a:fontRef idx="minor"/>
-    </dgm:style>
-  </dgm:styleLbl>
-  <dgm:styleLbl name="conFgAcc1">
-    <dgm:scene3d>
-      <a:camera prst="orthographicFront"/>
-      <a:lightRig rig="threePt" dir="t"/>
-    </dgm:scene3d>
-    <dgm:sp3d/>
-    <dgm:txPr/>
-    <dgm:style>
-      <a:lnRef idx="1">
-        <a:scrgbClr r="0" g="0" b="0"/>
-      </a:lnRef>
-      <a:fillRef idx="1">
-        <a:scrgbClr r="0" g="0" b="0"/>
-      </a:fillRef>
-      <a:effectRef idx="0">
-        <a:scrgbClr r="0" g="0" b="0"/>
-      </a:effectRef>
-      <a:fontRef idx="minor"/>
-    </dgm:style>
-  </dgm:styleLbl>
-  <dgm:styleLbl name="alignAcc1">
-    <dgm:scene3d>
-      <a:camera prst="orthographicFront"/>
-      <a:lightRig rig="threePt" dir="t"/>
-    </dgm:scene3d>
-    <dgm:sp3d/>
-    <dgm:txPr/>
-    <dgm:style>
-      <a:lnRef idx="1">
-        <a:scrgbClr r="0" g="0" b="0"/>
-      </a:lnRef>
-      <a:fillRef idx="1">
-        <a:scrgbClr r="0" g="0" b="0"/>
-      </a:fillRef>
-      <a:effectRef idx="0">
-        <a:scrgbClr r="0" g="0" b="0"/>
-      </a:effectRef>
-      <a:fontRef idx="minor"/>
-    </dgm:style>
-  </dgm:styleLbl>
-  <dgm:styleLbl name="trAlignAcc1">
-    <dgm:scene3d>
-      <a:camera prst="orthographicFront"/>
-      <a:lightRig rig="threePt" dir="t"/>
-    </dgm:scene3d>
-    <dgm:sp3d/>
-    <dgm:txPr/>
-    <dgm:style>
-      <a:lnRef idx="1">
-        <a:scrgbClr r="0" g="0" b="0"/>
-      </a:lnRef>
-      <a:fillRef idx="1">
-        <a:scrgbClr r="0" g="0" b="0"/>
-      </a:fillRef>
-      <a:effectRef idx="0">
-        <a:scrgbClr r="0" g="0" b="0"/>
-      </a:effectRef>
-      <a:fontRef idx="minor"/>
-    </dgm:style>
-  </dgm:styleLbl>
-  <dgm:styleLbl name="bgAcc1">
-    <dgm:scene3d>
-      <a:camera prst="orthographicFront"/>
-      <a:lightRig rig="threePt" dir="t"/>
-    </dgm:scene3d>
-    <dgm:sp3d/>
-    <dgm:txPr/>
-    <dgm:style>
-      <a:lnRef idx="1">
-        <a:scrgbClr r="0" g="0" b="0"/>
-      </a:lnRef>
-      <a:fillRef idx="1">
-        <a:scrgbClr r="0" g="0" b="0"/>
-      </a:fillRef>
-      <a:effectRef idx="0">
-        <a:scrgbClr r="0" g="0" b="0"/>
-      </a:effectRef>
-      <a:fontRef idx="minor"/>
-    </dgm:style>
-  </dgm:styleLbl>
-  <dgm:styleLbl name="solidFgAcc1">
-    <dgm:scene3d>
-      <a:camera prst="orthographicFront"/>
-      <a:lightRig rig="threePt" dir="t"/>
-    </dgm:scene3d>
-    <dgm:sp3d/>
-    <dgm:txPr/>
-    <dgm:style>
-      <a:lnRef idx="1">
-        <a:scrgbClr r="0" g="0" b="0"/>
-      </a:lnRef>
-      <a:fillRef idx="1">
-        <a:scrgbClr r="0" g="0" b="0"/>
-      </a:fillRef>
-      <a:effectRef idx="0">
-        <a:scrgbClr r="0" g="0" b="0"/>
-      </a:effectRef>
-      <a:fontRef idx="minor"/>
-    </dgm:style>
-  </dgm:styleLbl>
-  <dgm:styleLbl name="solidAlignAcc1">
-    <dgm:scene3d>
-      <a:camera prst="orthographicFront"/>
-      <a:lightRig rig="threePt" dir="t"/>
-    </dgm:scene3d>
-    <dgm:sp3d/>
-    <dgm:txPr/>
-    <dgm:style>
-      <a:lnRef idx="1">
-        <a:scrgbClr r="0" g="0" b="0"/>
-      </a:lnRef>
-      <a:fillRef idx="1">
-        <a:scrgbClr r="0" g="0" b="0"/>
-      </a:fillRef>
-      <a:effectRef idx="0">
-        <a:scrgbClr r="0" g="0" b="0"/>
-      </a:effectRef>
-      <a:fontRef idx="minor"/>
-    </dgm:style>
-  </dgm:styleLbl>
-  <dgm:styleLbl name="solidBgAcc1">
-    <dgm:scene3d>
-      <a:camera prst="orthographicFront"/>
-      <a:lightRig rig="threePt" dir="t"/>
-    </dgm:scene3d>
-    <dgm:sp3d/>
-    <dgm:txPr/>
-    <dgm:style>
-      <a:lnRef idx="1">
-        <a:scrgbClr r="0" g="0" b="0"/>
-      </a:lnRef>
-      <a:fillRef idx="1">
-        <a:scrgbClr r="0" g="0" b="0"/>
-      </a:fillRef>
-      <a:effectRef idx="0">
-        <a:scrgbClr r="0" g="0" b="0"/>
-      </a:effectRef>
-      <a:fontRef idx="minor"/>
-    </dgm:style>
-  </dgm:styleLbl>
-  <dgm:styleLbl name="fgAccFollowNode1">
-    <dgm:scene3d>
-      <a:camera prst="orthographicFront"/>
-      <a:lightRig rig="threePt" dir="t"/>
-    </dgm:scene3d>
-    <dgm:sp3d/>
-    <dgm:txPr/>
-    <dgm:style>
-      <a:lnRef idx="1">
-        <a:scrgbClr r="0" g="0" b="0"/>
-      </a:lnRef>
-      <a:fillRef idx="1">
-        <a:scrgbClr r="0" g="0" b="0"/>
-      </a:fillRef>
-      <a:effectRef idx="0">
-        <a:scrgbClr r="0" g="0" b="0"/>
-      </a:effectRef>
-      <a:fontRef idx="minor"/>
-    </dgm:style>
-  </dgm:styleLbl>
-  <dgm:styleLbl name="alignAccFollowNode1">
-    <dgm:scene3d>
-      <a:camera prst="orthographicFront"/>
-      <a:lightRig rig="threePt" dir="t"/>
-    </dgm:scene3d>
-    <dgm:sp3d/>
-    <dgm:txPr/>
-    <dgm:style>
-      <a:lnRef idx="1">
-        <a:scrgbClr r="0" g="0" b="0"/>
-      </a:lnRef>
-      <a:fillRef idx="1">
-        <a:scrgbClr r="0" g="0" b="0"/>
-      </a:fillRef>
-      <a:effectRef idx="0">
-        <a:scrgbClr r="0" g="0" b="0"/>
-      </a:effectRef>
-      <a:fontRef idx="minor"/>
-    </dgm:style>
-  </dgm:styleLbl>
-  <dgm:styleLbl name="bgAccFollowNode1">
-    <dgm:scene3d>
-      <a:camera prst="orthographicFront"/>
-      <a:lightRig rig="threePt" dir="t"/>
-    </dgm:scene3d>
-    <dgm:sp3d/>
-    <dgm:txPr/>
-    <dgm:style>
-      <a:lnRef idx="1">
-        <a:scrgbClr r="0" g="0" b="0"/>
-      </a:lnRef>
-      <a:fillRef idx="1">
-        <a:scrgbClr r="0" g="0" b="0"/>
-      </a:fillRef>
-      <a:effectRef idx="0">
-        <a:scrgbClr r="0" g="0" b="0"/>
-      </a:effectRef>
-      <a:fontRef idx="minor"/>
-    </dgm:style>
-  </dgm:styleLbl>
-  <dgm:styleLbl name="fgAcc0">
-    <dgm:scene3d>
-      <a:camera prst="orthographicFront"/>
-      <a:lightRig rig="threePt" dir="t"/>
-    </dgm:scene3d>
-    <dgm:sp3d/>
-    <dgm:txPr/>
-    <dgm:style>
-      <a:lnRef idx="1">
-        <a:scrgbClr r="0" g="0" b="0"/>
-      </a:lnRef>
-      <a:fillRef idx="1">
-        <a:scrgbClr r="0" g="0" b="0"/>
-      </a:fillRef>
-      <a:effectRef idx="0">
-        <a:scrgbClr r="0" g="0" b="0"/>
-      </a:effectRef>
-      <a:fontRef idx="minor"/>
-    </dgm:style>
-  </dgm:styleLbl>
-  <dgm:styleLbl name="fgAcc2">
-    <dgm:scene3d>
-      <a:camera prst="orthographicFront"/>
-      <a:lightRig rig="threePt" dir="t"/>
-    </dgm:scene3d>
-    <dgm:sp3d/>
-    <dgm:txPr/>
-    <dgm:style>
-      <a:lnRef idx="1">
-        <a:scrgbClr r="0" g="0" b="0"/>
-      </a:lnRef>
-      <a:fillRef idx="1">
-        <a:scrgbClr r="0" g="0" b="0"/>
-      </a:fillRef>
-      <a:effectRef idx="0">
-        <a:scrgbClr r="0" g="0" b="0"/>
-      </a:effectRef>
-      <a:fontRef idx="minor"/>
-    </dgm:style>
-  </dgm:styleLbl>
-  <dgm:styleLbl name="fgAcc3">
-    <dgm:scene3d>
-      <a:camera prst="orthographicFront"/>
-      <a:lightRig rig="threePt" dir="t"/>
-    </dgm:scene3d>
-    <dgm:sp3d/>
-    <dgm:txPr/>
-    <dgm:style>
-      <a:lnRef idx="1">
-        <a:scrgbClr r="0" g="0" b="0"/>
-      </a:lnRef>
-      <a:fillRef idx="1">
-        <a:scrgbClr r="0" g="0" b="0"/>
-      </a:fillRef>
-      <a:effectRef idx="0">
-        <a:scrgbClr r="0" g="0" b="0"/>
-      </a:effectRef>
-      <a:fontRef idx="minor"/>
-    </dgm:style>
-  </dgm:styleLbl>
-  <dgm:styleLbl name="fgAcc4">
-    <dgm:scene3d>
-      <a:camera prst="orthographicFront"/>
-      <a:lightRig rig="threePt" dir="t"/>
-    </dgm:scene3d>
-    <dgm:sp3d/>
-    <dgm:txPr/>
-    <dgm:style>
-      <a:lnRef idx="1">
-        <a:scrgbClr r="0" g="0" b="0"/>
-      </a:lnRef>
-      <a:fillRef idx="1">
-        <a:scrgbClr r="0" g="0" b="0"/>
-      </a:fillRef>
-      <a:effectRef idx="0">
-        <a:scrgbClr r="0" g="0" b="0"/>
-      </a:effectRef>
-      <a:fontRef idx="minor"/>
-    </dgm:style>
-  </dgm:styleLbl>
-  <dgm:styleLbl name="bgShp">
-    <dgm:scene3d>
-      <a:camera prst="orthographicFront"/>
-      <a:lightRig rig="threePt" dir="t"/>
-    </dgm:scene3d>
-    <dgm:sp3d/>
-    <dgm:txPr/>
-    <dgm:style>
-      <a:lnRef idx="0">
-        <a:scrgbClr r="0" g="0" b="0"/>
-      </a:lnRef>
-      <a:fillRef idx="1">
-        <a:scrgbClr r="0" g="0" b="0"/>
-      </a:fillRef>
-      <a:effectRef idx="2">
-        <a:scrgbClr r="0" g="0" b="0"/>
-      </a:effectRef>
-      <a:fontRef idx="minor"/>
-    </dgm:style>
-  </dgm:styleLbl>
-  <dgm:styleLbl name="dkBgShp">
-    <dgm:scene3d>
-      <a:camera prst="orthographicFront"/>
-      <a:lightRig rig="threePt" dir="t"/>
-    </dgm:scene3d>
-    <dgm:sp3d/>
-    <dgm:txPr/>
-    <dgm:style>
-      <a:lnRef idx="0">
-        <a:scrgbClr r="0" g="0" b="0"/>
-      </a:lnRef>
-      <a:fillRef idx="1">
-        <a:scrgbClr r="0" g="0" b="0"/>
-      </a:fillRef>
-      <a:effectRef idx="2">
-        <a:scrgbClr r="0" g="0" b="0"/>
-      </a:effectRef>
-      <a:fontRef idx="minor"/>
-    </dgm:style>
-  </dgm:styleLbl>
-  <dgm:styleLbl name="trBgShp">
-    <dgm:scene3d>
-      <a:camera prst="orthographicFront"/>
-      <a:lightRig rig="threePt" dir="t"/>
-    </dgm:scene3d>
-    <dgm:sp3d/>
-    <dgm:txPr/>
-    <dgm:style>
-      <a:lnRef idx="0">
-        <a:scrgbClr r="0" g="0" b="0"/>
-      </a:lnRef>
-      <a:fillRef idx="1">
-        <a:scrgbClr r="0" g="0" b="0"/>
-      </a:fillRef>
-      <a:effectRef idx="0">
-        <a:scrgbClr r="0" g="0" b="0"/>
-      </a:effectRef>
-      <a:fontRef idx="minor"/>
-    </dgm:style>
-  </dgm:styleLbl>
-  <dgm:styleLbl name="fgShp">
-    <dgm:scene3d>
-      <a:camera prst="orthographicFront"/>
-      <a:lightRig rig="threePt" dir="t"/>
-    </dgm:scene3d>
-    <dgm:sp3d/>
-    <dgm:txPr/>
-    <dgm:style>
-      <a:lnRef idx="0">
-        <a:scrgbClr r="0" g="0" b="0"/>
-      </a:lnRef>
-      <a:fillRef idx="3">
-        <a:scrgbClr r="0" g="0" b="0"/>
-      </a:fillRef>
-      <a:effectRef idx="2">
-        <a:scrgbClr r="0" g="0" b="0"/>
-      </a:effectRef>
-      <a:fontRef idx="minor"/>
-    </dgm:style>
-  </dgm:styleLbl>
-  <dgm:styleLbl name="revTx">
-    <dgm:scene3d>
-      <a:camera prst="orthographicFront"/>
-      <a:lightRig rig="threePt" dir="t"/>
-    </dgm:scene3d>
-    <dgm:sp3d/>
-    <dgm:txPr/>
-    <dgm:style>
-      <a:lnRef idx="0">
-        <a:scrgbClr r="0" g="0" b="0"/>
-      </a:lnRef>
-      <a:fillRef idx="0">
-        <a:scrgbClr r="0" g="0" b="0"/>
-      </a:fillRef>
-      <a:effectRef idx="0">
-        <a:scrgbClr r="0" g="0" b="0"/>
-      </a:effectRef>
-      <a:fontRef idx="minor"/>
-    </dgm:style>
-  </dgm:styleLbl>
-</dgm:styleDef>
+<file path=ppt/handoutMasters/handoutMaster1.xml><?xml version="1.0" encoding="utf-8"?>
+<p:handoutMaster xmlns:a="http://schemas.openxmlformats.org/drawingml/2006/main" xmlns:r="http://schemas.openxmlformats.org/officeDocument/2006/relationships" xmlns:p="http://schemas.openxmlformats.org/presentationml/2006/main">
+  <p:cSld>
+    <p:bg>
+      <p:bgRef idx="1001">
+        <a:schemeClr val="bg1"/>
+      </p:bgRef>
+    </p:bg>
+    <p:spTree>
+      <p:nvGrpSpPr>
+        <p:cNvPr id="1" name=""/>
+        <p:cNvGrpSpPr/>
+        <p:nvPr/>
+      </p:nvGrpSpPr>
+      <p:grpSpPr>
+        <a:xfrm>
+          <a:off x="0" y="0"/>
+          <a:ext cx="0" cy="0"/>
+          <a:chOff x="0" y="0"/>
+          <a:chExt cx="0" cy="0"/>
+        </a:xfrm>
+      </p:grpSpPr>
+      <p:sp>
+        <p:nvSpPr>
+          <p:cNvPr id="2" name="Segnaposto intestazione 1">
+            <a:extLst>
+              <a:ext uri="{FF2B5EF4-FFF2-40B4-BE49-F238E27FC236}">
+                <a16:creationId xmlns:a16="http://schemas.microsoft.com/office/drawing/2014/main" id="{1B8F5A89-F914-E2B7-3711-64AB67C8218F}"/>
+              </a:ext>
+            </a:extLst>
+          </p:cNvPr>
+          <p:cNvSpPr>
+            <a:spLocks noGrp="1"/>
+          </p:cNvSpPr>
+          <p:nvPr>
+            <p:ph type="hdr" sz="quarter"/>
+          </p:nvPr>
+        </p:nvSpPr>
+        <p:spPr>
+          <a:xfrm>
+            <a:off x="0" y="0"/>
+            <a:ext cx="2971800" cy="458788"/>
+          </a:xfrm>
+          <a:prstGeom prst="rect">
+            <a:avLst/>
+          </a:prstGeom>
+        </p:spPr>
+        <p:txBody>
+          <a:bodyPr vert="horz" lIns="91440" tIns="45720" rIns="91440" bIns="45720" rtlCol="0"/>
+          <a:lstStyle>
+            <a:lvl1pPr algn="l">
+              <a:defRPr sz="1200"/>
+            </a:lvl1pPr>
+          </a:lstStyle>
+          <a:p>
+            <a:endParaRPr lang="it-IT"/>
+          </a:p>
+        </p:txBody>
+      </p:sp>
+      <p:sp>
+        <p:nvSpPr>
+          <p:cNvPr id="3" name="Segnaposto data 2">
+            <a:extLst>
+              <a:ext uri="{FF2B5EF4-FFF2-40B4-BE49-F238E27FC236}">
+                <a16:creationId xmlns:a16="http://schemas.microsoft.com/office/drawing/2014/main" id="{8B467096-9EA3-48BD-A188-B604B006E20E}"/>
+              </a:ext>
+            </a:extLst>
+          </p:cNvPr>
+          <p:cNvSpPr>
+            <a:spLocks noGrp="1"/>
+          </p:cNvSpPr>
+          <p:nvPr>
+            <p:ph type="dt" sz="quarter" idx="1"/>
+          </p:nvPr>
+        </p:nvSpPr>
+        <p:spPr>
+          <a:xfrm>
+            <a:off x="3884613" y="0"/>
+            <a:ext cx="2971800" cy="458788"/>
+          </a:xfrm>
+          <a:prstGeom prst="rect">
+            <a:avLst/>
+          </a:prstGeom>
+        </p:spPr>
+        <p:txBody>
+          <a:bodyPr vert="horz" lIns="91440" tIns="45720" rIns="91440" bIns="45720" rtlCol="0"/>
+          <a:lstStyle>
+            <a:lvl1pPr algn="r">
+              <a:defRPr sz="1200"/>
+            </a:lvl1pPr>
+          </a:lstStyle>
+          <a:p>
+            <a:fld id="{7D0F7AA3-9057-4429-80B9-DC3D3FD0D30E}" type="datetimeFigureOut">
+              <a:rPr lang="it-IT" smtClean="0"/>
+              <a:t>08/02/2026</a:t>
+            </a:fld>
+            <a:endParaRPr lang="it-IT"/>
+          </a:p>
+        </p:txBody>
+      </p:sp>
+      <p:sp>
+        <p:nvSpPr>
+          <p:cNvPr id="4" name="Segnaposto piè di pagina 3">
+            <a:extLst>
+              <a:ext uri="{FF2B5EF4-FFF2-40B4-BE49-F238E27FC236}">
+                <a16:creationId xmlns:a16="http://schemas.microsoft.com/office/drawing/2014/main" id="{49E148D3-8BB0-55F3-4027-DAED0CE1C5E7}"/>
+              </a:ext>
+            </a:extLst>
+          </p:cNvPr>
+          <p:cNvSpPr>
+            <a:spLocks noGrp="1"/>
+          </p:cNvSpPr>
+          <p:nvPr>
+            <p:ph type="ftr" sz="quarter" idx="2"/>
+          </p:nvPr>
+        </p:nvSpPr>
+        <p:spPr>
+          <a:xfrm>
+            <a:off x="0" y="8685213"/>
+            <a:ext cx="2971800" cy="458787"/>
+          </a:xfrm>
+          <a:prstGeom prst="rect">
+            <a:avLst/>
+          </a:prstGeom>
+        </p:spPr>
+        <p:txBody>
+          <a:bodyPr vert="horz" lIns="91440" tIns="45720" rIns="91440" bIns="45720" rtlCol="0" anchor="b"/>
+          <a:lstStyle>
+            <a:lvl1pPr algn="l">
+              <a:defRPr sz="1200"/>
+            </a:lvl1pPr>
+          </a:lstStyle>
+          <a:p>
+            <a:endParaRPr lang="it-IT"/>
+          </a:p>
+        </p:txBody>
+      </p:sp>
+      <p:sp>
+        <p:nvSpPr>
+          <p:cNvPr id="5" name="Segnaposto numero diapositiva 4">
+            <a:extLst>
+              <a:ext uri="{FF2B5EF4-FFF2-40B4-BE49-F238E27FC236}">
+                <a16:creationId xmlns:a16="http://schemas.microsoft.com/office/drawing/2014/main" id="{99417280-0247-F8E5-8FC7-1B2F1AA862FE}"/>
+              </a:ext>
+            </a:extLst>
+          </p:cNvPr>
+          <p:cNvSpPr>
+            <a:spLocks noGrp="1"/>
+          </p:cNvSpPr>
+          <p:nvPr>
+            <p:ph type="sldNum" sz="quarter" idx="3"/>
+          </p:nvPr>
+        </p:nvSpPr>
+        <p:spPr>
+          <a:xfrm>
+            <a:off x="3884613" y="8685213"/>
+            <a:ext cx="2971800" cy="458787"/>
+          </a:xfrm>
+          <a:prstGeom prst="rect">
+            <a:avLst/>
+          </a:prstGeom>
+        </p:spPr>
+        <p:txBody>
+          <a:bodyPr vert="horz" lIns="91440" tIns="45720" rIns="91440" bIns="45720" rtlCol="0" anchor="b"/>
+          <a:lstStyle>
+            <a:lvl1pPr algn="r">
+              <a:defRPr sz="1200"/>
+            </a:lvl1pPr>
+          </a:lstStyle>
+          <a:p>
+            <a:fld id="{4F6000BD-8B81-4318-A289-6CFBC0BB82A2}" type="slidenum">
+              <a:rPr lang="it-IT" smtClean="0"/>
+              <a:t>‹N›</a:t>
+            </a:fld>
+            <a:endParaRPr lang="it-IT"/>
+          </a:p>
+        </p:txBody>
+      </p:sp>
+    </p:spTree>
+    <p:extLst>
+      <p:ext uri="{BB962C8B-B14F-4D97-AF65-F5344CB8AC3E}">
+        <p14:creationId xmlns:p14="http://schemas.microsoft.com/office/powerpoint/2010/main" val="90031620"/>
+      </p:ext>
+    </p:extLst>
+  </p:cSld>
+  <p:clrMap bg1="lt1" tx1="dk1" bg2="lt2" tx2="dk2" accent1="accent1" accent2="accent2" accent3="accent3" accent4="accent4" accent5="accent5" accent6="accent6" hlink="hlink" folHlink="folHlink"/>
+  <p:hf hdr="0" ftr="0" dt="0"/>
+</p:handoutMaster>
 </file>
 
 <file path=ppt/notesMasters/notesMaster1.xml><?xml version="1.0" encoding="utf-8"?>
@@ -15471,7 +12387,7 @@
           <a:p>
             <a:fld id="{DC233B30-4F8C-4A4C-AB5E-3B02323E36F5}" type="datetimeFigureOut">
               <a:rPr lang="it-IT" smtClean="0"/>
-              <a:t>07/02/2026</a:t>
+              <a:t>08/02/2026</a:t>
             </a:fld>
             <a:endParaRPr lang="it-IT"/>
           </a:p>
@@ -15643,6 +12559,7 @@
     </p:extLst>
   </p:cSld>
   <p:clrMap bg1="lt1" tx1="dk1" bg2="lt2" tx2="dk2" accent1="accent1" accent2="accent2" accent3="accent3" accent4="accent4" accent5="accent5" accent6="accent6" hlink="hlink" folHlink="folHlink"/>
+  <p:hf hdr="0" ftr="0" dt="0"/>
   <p:notesStyle>
     <a:lvl1pPr marL="0" algn="l" defTabSz="914400" rtl="0" eaLnBrk="1" latinLnBrk="0" hangingPunct="1">
       <a:defRPr sz="1200" kern="1200">
@@ -16006,10 +12923,9 @@
           <a:bodyPr/>
           <a:lstStyle/>
           <a:p>
-            <a:fld id="{1D8BD707-D9CF-40AE-B4C6-C98DA3205C09}" type="datetimeFigureOut">
+            <a:fld id="{2AEBBCAD-870E-441A-8ABD-7498983D26CA}" type="datetime1">
               <a:rPr lang="en-US" smtClean="0"/>
-              <a:pPr/>
-              <a:t>2/7/2026</a:t>
+              <a:t>2/8/2026</a:t>
             </a:fld>
             <a:endParaRPr lang="en-US"/>
           </a:p>
@@ -16171,10 +13087,9 @@
           <a:bodyPr/>
           <a:lstStyle/>
           <a:p>
-            <a:fld id="{1D8BD707-D9CF-40AE-B4C6-C98DA3205C09}" type="datetimeFigureOut">
+            <a:fld id="{DBB619D4-11F3-4F3A-84A1-FD362988ED4B}" type="datetime1">
               <a:rPr lang="en-US" smtClean="0"/>
-              <a:pPr/>
-              <a:t>2/7/2026</a:t>
+              <a:t>2/8/2026</a:t>
             </a:fld>
             <a:endParaRPr lang="en-US"/>
           </a:p>
@@ -16346,10 +13261,9 @@
           <a:bodyPr/>
           <a:lstStyle/>
           <a:p>
-            <a:fld id="{1D8BD707-D9CF-40AE-B4C6-C98DA3205C09}" type="datetimeFigureOut">
+            <a:fld id="{9537A470-53D7-43F2-A38C-35EA5C3D9E3E}" type="datetime1">
               <a:rPr lang="en-US" smtClean="0"/>
-              <a:pPr/>
-              <a:t>2/7/2026</a:t>
+              <a:t>2/8/2026</a:t>
             </a:fld>
             <a:endParaRPr lang="en-US"/>
           </a:p>
@@ -16511,10 +13425,9 @@
           <a:bodyPr/>
           <a:lstStyle/>
           <a:p>
-            <a:fld id="{1D8BD707-D9CF-40AE-B4C6-C98DA3205C09}" type="datetimeFigureOut">
+            <a:fld id="{0CA91AF9-6521-45D8-81C8-C30E3165CD88}" type="datetime1">
               <a:rPr lang="en-US" smtClean="0"/>
-              <a:pPr/>
-              <a:t>2/7/2026</a:t>
+              <a:t>2/8/2026</a:t>
             </a:fld>
             <a:endParaRPr lang="en-US"/>
           </a:p>
@@ -16753,10 +13666,9 @@
           <a:bodyPr/>
           <a:lstStyle/>
           <a:p>
-            <a:fld id="{1D8BD707-D9CF-40AE-B4C6-C98DA3205C09}" type="datetimeFigureOut">
+            <a:fld id="{19ADD6C7-F40A-4EC5-A786-66FA25D032E8}" type="datetime1">
               <a:rPr lang="en-US" smtClean="0"/>
-              <a:pPr/>
-              <a:t>2/7/2026</a:t>
+              <a:t>2/8/2026</a:t>
             </a:fld>
             <a:endParaRPr lang="en-US"/>
           </a:p>
@@ -17035,10 +13947,9 @@
           <a:bodyPr/>
           <a:lstStyle/>
           <a:p>
-            <a:fld id="{1D8BD707-D9CF-40AE-B4C6-C98DA3205C09}" type="datetimeFigureOut">
+            <a:fld id="{73AF3211-BAC3-4D93-9598-8004ABF5F295}" type="datetime1">
               <a:rPr lang="en-US" smtClean="0"/>
-              <a:pPr/>
-              <a:t>2/7/2026</a:t>
+              <a:t>2/8/2026</a:t>
             </a:fld>
             <a:endParaRPr lang="en-US"/>
           </a:p>
@@ -17451,10 +14362,9 @@
           <a:bodyPr/>
           <a:lstStyle/>
           <a:p>
-            <a:fld id="{1D8BD707-D9CF-40AE-B4C6-C98DA3205C09}" type="datetimeFigureOut">
+            <a:fld id="{29EADF50-F9A2-4C97-A62A-50C60E010A22}" type="datetime1">
               <a:rPr lang="en-US" smtClean="0"/>
-              <a:pPr/>
-              <a:t>2/7/2026</a:t>
+              <a:t>2/8/2026</a:t>
             </a:fld>
             <a:endParaRPr lang="en-US"/>
           </a:p>
@@ -17565,10 +14475,9 @@
           <a:bodyPr/>
           <a:lstStyle/>
           <a:p>
-            <a:fld id="{1D8BD707-D9CF-40AE-B4C6-C98DA3205C09}" type="datetimeFigureOut">
+            <a:fld id="{DA927A00-663B-40A9-BEFA-F4F296EF78AF}" type="datetime1">
               <a:rPr lang="en-US" smtClean="0"/>
-              <a:pPr/>
-              <a:t>2/7/2026</a:t>
+              <a:t>2/8/2026</a:t>
             </a:fld>
             <a:endParaRPr lang="en-US"/>
           </a:p>
@@ -17657,10 +14566,9 @@
           <a:bodyPr/>
           <a:lstStyle/>
           <a:p>
-            <a:fld id="{1D8BD707-D9CF-40AE-B4C6-C98DA3205C09}" type="datetimeFigureOut">
+            <a:fld id="{130551C3-58EC-4AFE-B5E2-D1D9ADDB2862}" type="datetime1">
               <a:rPr lang="en-US" smtClean="0"/>
-              <a:pPr/>
-              <a:t>2/7/2026</a:t>
+              <a:t>2/8/2026</a:t>
             </a:fld>
             <a:endParaRPr lang="en-US"/>
           </a:p>
@@ -17929,10 +14837,9 @@
           <a:bodyPr/>
           <a:lstStyle/>
           <a:p>
-            <a:fld id="{1D8BD707-D9CF-40AE-B4C6-C98DA3205C09}" type="datetimeFigureOut">
+            <a:fld id="{C97796EB-1B2E-4E86-83B9-1E542E7481F4}" type="datetime1">
               <a:rPr lang="en-US" smtClean="0"/>
-              <a:pPr/>
-              <a:t>2/7/2026</a:t>
+              <a:t>2/8/2026</a:t>
             </a:fld>
             <a:endParaRPr lang="en-US"/>
           </a:p>
@@ -18178,10 +15085,9 @@
           <a:bodyPr/>
           <a:lstStyle/>
           <a:p>
-            <a:fld id="{1D8BD707-D9CF-40AE-B4C6-C98DA3205C09}" type="datetimeFigureOut">
+            <a:fld id="{F0DE7F15-0F43-40A0-8812-F3D41F61F70E}" type="datetime1">
               <a:rPr lang="en-US" smtClean="0"/>
-              <a:pPr/>
-              <a:t>2/7/2026</a:t>
+              <a:t>2/8/2026</a:t>
             </a:fld>
             <a:endParaRPr lang="en-US"/>
           </a:p>
@@ -18386,10 +15292,9 @@
             </a:lvl1pPr>
           </a:lstStyle>
           <a:p>
-            <a:fld id="{1D8BD707-D9CF-40AE-B4C6-C98DA3205C09}" type="datetimeFigureOut">
+            <a:fld id="{659F49B2-87B6-419A-8A54-1B4526018D64}" type="datetime1">
               <a:rPr lang="en-US" smtClean="0"/>
-              <a:pPr/>
-              <a:t>2/7/2026</a:t>
+              <a:t>2/8/2026</a:t>
             </a:fld>
             <a:endParaRPr lang="en-US"/>
           </a:p>
@@ -18490,6 +15395,7 @@
     <p:sldLayoutId id="2147483658" r:id="rId10"/>
     <p:sldLayoutId id="2147483659" r:id="rId11"/>
   </p:sldLayoutIdLst>
+  <p:hf sldNum="0" hdr="0" dt="0"/>
   <p:txStyles>
     <p:titleStyle>
       <a:lvl1pPr algn="ctr" defTabSz="914400" rtl="0" eaLnBrk="1" latinLnBrk="0" hangingPunct="1">
@@ -19271,6 +16177,31 @@
           </a:prstGeom>
         </p:spPr>
       </p:pic>
+      <p:sp>
+        <p:nvSpPr>
+          <p:cNvPr id="13" name="Segnaposto piè di pagina 12">
+            <a:extLst>
+              <a:ext uri="{FF2B5EF4-FFF2-40B4-BE49-F238E27FC236}">
+                <a16:creationId xmlns:a16="http://schemas.microsoft.com/office/drawing/2014/main" id="{5999E5DA-EC1C-1F47-A1B0-41D25EB50AD8}"/>
+              </a:ext>
+            </a:extLst>
+          </p:cNvPr>
+          <p:cNvSpPr>
+            <a:spLocks noGrp="1"/>
+          </p:cNvSpPr>
+          <p:nvPr>
+            <p:ph type="ftr" sz="quarter" idx="11"/>
+          </p:nvPr>
+        </p:nvSpPr>
+        <p:spPr/>
+        <p:txBody>
+          <a:bodyPr/>
+          <a:lstStyle/>
+          <a:p>
+            <a:endParaRPr lang="en-US"/>
+          </a:p>
+        </p:txBody>
+      </p:sp>
     </p:spTree>
   </p:cSld>
   <p:clrMapOvr>
@@ -19306,7 +16237,7 @@
       </p:grpSpPr>
       <p:pic>
         <p:nvPicPr>
-          <p:cNvPr id="2" name="Picture 2"/>
+          <p:cNvPr id="3" name="Picture 3"/>
           <p:cNvPicPr>
             <a:picLocks noChangeAspect="1"/>
           </p:cNvPicPr>
@@ -19314,31 +16245,6 @@
         </p:nvPicPr>
         <p:blipFill>
           <a:blip r:embed="rId3"/>
-          <a:srcRect l="62989" t="67035"/>
-          <a:stretch>
-            <a:fillRect/>
-          </a:stretch>
-        </p:blipFill>
-        <p:spPr>
-          <a:xfrm>
-            <a:off x="15813626" y="7962068"/>
-            <a:ext cx="2610335" cy="2324931"/>
-          </a:xfrm>
-          <a:prstGeom prst="rect">
-            <a:avLst/>
-          </a:prstGeom>
-        </p:spPr>
-      </p:pic>
-      <p:pic>
-        <p:nvPicPr>
-          <p:cNvPr id="3" name="Picture 3"/>
-          <p:cNvPicPr>
-            <a:picLocks noChangeAspect="1"/>
-          </p:cNvPicPr>
-          <p:nvPr/>
-        </p:nvPicPr>
-        <p:blipFill>
-          <a:blip r:embed="rId4"/>
           <a:srcRect r="64034" b="46739"/>
           <a:stretch>
             <a:fillRect/>
@@ -19468,8 +16374,8 @@
         </p:nvSpPr>
         <p:spPr>
           <a:xfrm>
-            <a:off x="916433" y="2324931"/>
-            <a:ext cx="15773400" cy="7837980"/>
+            <a:off x="898290" y="2900911"/>
+            <a:ext cx="15390367" cy="7837980"/>
           </a:xfrm>
           <a:prstGeom prst="rect">
             <a:avLst/>
@@ -19555,25 +16461,8 @@
                 <a:latin typeface="Arial" panose="020B0604020202020204" pitchFamily="34" charset="0"/>
                 <a:cs typeface="Arial" panose="020B0604020202020204" pitchFamily="34" charset="0"/>
               </a:rPr>
-              <a:t> (Gruppo 4 del corso di Ingegneria del Software, dell</a:t>
+              <a:t> (Gruppo 4 del corso di Ingegneria del Software, dell’ Università degli Studi di Padova)</a:t>
             </a:r>
-            <a:r>
-              <a:rPr lang="it-IT" sz="3600">
-                <a:solidFill>
-                  <a:srgbClr val="212529"/>
-                </a:solidFill>
-                <a:latin typeface="Arial" panose="020B0604020202020204" pitchFamily="34" charset="0"/>
-                <a:cs typeface="Arial" panose="020B0604020202020204" pitchFamily="34" charset="0"/>
-              </a:rPr>
-              <a:t>’ Università degli Studi di Padova)</a:t>
-            </a:r>
-            <a:endParaRPr lang="it-IT" sz="3600" dirty="0">
-              <a:solidFill>
-                <a:srgbClr val="212529"/>
-              </a:solidFill>
-              <a:latin typeface="Arial" panose="020B0604020202020204" pitchFamily="34" charset="0"/>
-              <a:cs typeface="Arial" panose="020B0604020202020204" pitchFamily="34" charset="0"/>
-            </a:endParaRPr>
           </a:p>
           <a:p>
             <a:pPr>
@@ -19749,6 +16638,71 @@
           </a:p>
         </p:txBody>
       </p:sp>
+      <p:sp>
+        <p:nvSpPr>
+          <p:cNvPr id="8" name="Segnaposto piè di pagina 7">
+            <a:extLst>
+              <a:ext uri="{FF2B5EF4-FFF2-40B4-BE49-F238E27FC236}">
+                <a16:creationId xmlns:a16="http://schemas.microsoft.com/office/drawing/2014/main" id="{427FD44A-CF49-B3A2-3D65-148138B5615A}"/>
+              </a:ext>
+            </a:extLst>
+          </p:cNvPr>
+          <p:cNvSpPr>
+            <a:spLocks noGrp="1"/>
+          </p:cNvSpPr>
+          <p:nvPr>
+            <p:ph type="ftr" sz="quarter" idx="11"/>
+          </p:nvPr>
+        </p:nvSpPr>
+        <p:spPr>
+          <a:xfrm>
+            <a:off x="16306800" y="9639300"/>
+            <a:ext cx="2895600" cy="365125"/>
+          </a:xfrm>
+        </p:spPr>
+        <p:txBody>
+          <a:bodyPr/>
+          <a:lstStyle/>
+          <a:p>
+            <a:r>
+              <a:rPr lang="en-US" sz="8000"/>
+              <a:t>1</a:t>
+            </a:r>
+            <a:endParaRPr lang="en-US" sz="8000" dirty="0"/>
+          </a:p>
+        </p:txBody>
+      </p:sp>
+      <p:pic>
+        <p:nvPicPr>
+          <p:cNvPr id="9" name="Picture 2">
+            <a:extLst>
+              <a:ext uri="{FF2B5EF4-FFF2-40B4-BE49-F238E27FC236}">
+                <a16:creationId xmlns:a16="http://schemas.microsoft.com/office/drawing/2014/main" id="{A8CFA5B5-1711-494A-1CC6-F8C4867BA0C5}"/>
+              </a:ext>
+            </a:extLst>
+          </p:cNvPr>
+          <p:cNvPicPr>
+            <a:picLocks noChangeAspect="1"/>
+          </p:cNvPicPr>
+          <p:nvPr/>
+        </p:nvPicPr>
+        <p:blipFill>
+          <a:blip r:embed="rId4"/>
+          <a:srcRect l="62989" t="67035"/>
+          <a:stretch>
+            <a:fillRect/>
+          </a:stretch>
+        </p:blipFill>
+        <p:spPr>
+          <a:xfrm rot="16200000">
+            <a:off x="15009345" y="188445"/>
+            <a:ext cx="3468258" cy="3089052"/>
+          </a:xfrm>
+          <a:prstGeom prst="rect">
+            <a:avLst/>
+          </a:prstGeom>
+        </p:spPr>
+      </p:pic>
     </p:spTree>
   </p:cSld>
   <p:clrMapOvr>
@@ -19795,14 +16749,14 @@
           <p:nvPr>
             <p:extLst>
               <p:ext uri="{D42A27DB-BD31-4B8C-83A1-F6EECF244321}">
-                <p14:modId xmlns:p14="http://schemas.microsoft.com/office/powerpoint/2010/main" val="2720522358"/>
+                <p14:modId xmlns:p14="http://schemas.microsoft.com/office/powerpoint/2010/main" val="1133166265"/>
               </p:ext>
             </p:extLst>
           </p:nvPr>
         </p:nvGraphicFramePr>
         <p:xfrm>
-          <a:off x="7357578" y="1125660"/>
-          <a:ext cx="10000249" cy="8180880"/>
+          <a:off x="6273802" y="374040"/>
+          <a:ext cx="4698999" cy="4627440"/>
         </p:xfrm>
         <a:graphic>
           <a:graphicData uri="http://schemas.openxmlformats.org/drawingml/2006/diagram">
@@ -19837,8 +16791,8 @@
         </p:blipFill>
         <p:spPr>
           <a:xfrm>
-            <a:off x="0" y="3238500"/>
-            <a:ext cx="6457904" cy="3390400"/>
+            <a:off x="304800" y="1181100"/>
+            <a:ext cx="5079999" cy="2667000"/>
           </a:xfrm>
           <a:prstGeom prst="rect">
             <a:avLst/>
@@ -19868,20 +16822,48 @@
         </p:blipFill>
         <p:spPr>
           <a:xfrm rot="-5400000" flipH="1">
-            <a:off x="796990" y="-796989"/>
-            <a:ext cx="3314701" cy="4908680"/>
+            <a:off x="430495" y="-459216"/>
+            <a:ext cx="1751433" cy="2593665"/>
           </a:xfrm>
           <a:prstGeom prst="rect">
             <a:avLst/>
           </a:prstGeom>
         </p:spPr>
       </p:pic>
+      <p:graphicFrame>
+        <p:nvGraphicFramePr>
+          <p:cNvPr id="4" name="CasellaDiTesto 13">
+            <a:extLst>
+              <a:ext uri="{FF2B5EF4-FFF2-40B4-BE49-F238E27FC236}">
+                <a16:creationId xmlns:a16="http://schemas.microsoft.com/office/drawing/2014/main" id="{DD340952-3AF3-7B5C-445B-7C27F0D1242D}"/>
+              </a:ext>
+            </a:extLst>
+          </p:cNvPr>
+          <p:cNvGraphicFramePr/>
+          <p:nvPr>
+            <p:extLst>
+              <p:ext uri="{D42A27DB-BD31-4B8C-83A1-F6EECF244321}">
+                <p14:modId xmlns:p14="http://schemas.microsoft.com/office/powerpoint/2010/main" val="4124215777"/>
+              </p:ext>
+            </p:extLst>
+          </p:nvPr>
+        </p:nvGraphicFramePr>
+        <p:xfrm>
+          <a:off x="6290779" y="5410200"/>
+          <a:ext cx="4682022" cy="4627440"/>
+        </p:xfrm>
+        <a:graphic>
+          <a:graphicData uri="http://schemas.openxmlformats.org/drawingml/2006/diagram">
+            <dgm:relIds xmlns:dgm="http://schemas.openxmlformats.org/drawingml/2006/diagram" xmlns:r="http://schemas.openxmlformats.org/officeDocument/2006/relationships" r:dm="rId9" r:lo="rId10" r:qs="rId11" r:cs="rId12"/>
+          </a:graphicData>
+        </a:graphic>
+      </p:graphicFrame>
       <p:pic>
         <p:nvPicPr>
-          <p:cNvPr id="3" name="Picture 2">
+          <p:cNvPr id="5" name="Immagine 4">
             <a:extLst>
               <a:ext uri="{FF2B5EF4-FFF2-40B4-BE49-F238E27FC236}">
-                <a16:creationId xmlns:a16="http://schemas.microsoft.com/office/drawing/2014/main" id="{2D88BE62-2BC6-CBEE-AD11-A8F47AF1DF69}"/>
+                <a16:creationId xmlns:a16="http://schemas.microsoft.com/office/drawing/2014/main" id="{21F5021C-4821-C0AD-5694-DF535DFD60B8}"/>
               </a:ext>
             </a:extLst>
           </p:cNvPr>
@@ -19891,16 +16873,84 @@
           <p:nvPr/>
         </p:nvPicPr>
         <p:blipFill>
-          <a:blip r:embed="rId9"/>
+          <a:blip r:embed="rId14">
+            <a:extLst>
+              <a:ext uri="{28A0092B-C50C-407E-A947-70E740481C1C}">
+                <a14:useLocalDpi xmlns:a14="http://schemas.microsoft.com/office/drawing/2010/main" val="0"/>
+              </a:ext>
+            </a:extLst>
+          </a:blip>
+          <a:srcRect/>
+          <a:stretch/>
+        </p:blipFill>
+        <p:spPr>
+          <a:xfrm>
+            <a:off x="1689208" y="6438901"/>
+            <a:ext cx="2311181" cy="2311181"/>
+          </a:xfrm>
+          <a:prstGeom prst="rect">
+            <a:avLst/>
+          </a:prstGeom>
+        </p:spPr>
+      </p:pic>
+      <p:sp>
+        <p:nvSpPr>
+          <p:cNvPr id="9" name="Segnaposto piè di pagina 7">
+            <a:extLst>
+              <a:ext uri="{FF2B5EF4-FFF2-40B4-BE49-F238E27FC236}">
+                <a16:creationId xmlns:a16="http://schemas.microsoft.com/office/drawing/2014/main" id="{95DB75E9-CD3D-FFF1-86AC-BCA7CB6051E1}"/>
+              </a:ext>
+            </a:extLst>
+          </p:cNvPr>
+          <p:cNvSpPr>
+            <a:spLocks noGrp="1"/>
+          </p:cNvSpPr>
+          <p:nvPr>
+            <p:ph type="ftr" sz="quarter" idx="11"/>
+          </p:nvPr>
+        </p:nvSpPr>
+        <p:spPr>
+          <a:xfrm>
+            <a:off x="16306800" y="9639300"/>
+            <a:ext cx="2895600" cy="365125"/>
+          </a:xfrm>
+        </p:spPr>
+        <p:txBody>
+          <a:bodyPr/>
+          <a:lstStyle/>
+          <a:p>
+            <a:r>
+              <a:rPr lang="en-US" sz="8000" dirty="0"/>
+              <a:t>2</a:t>
+            </a:r>
+          </a:p>
+        </p:txBody>
+      </p:sp>
+      <p:pic>
+        <p:nvPicPr>
+          <p:cNvPr id="10" name="Picture 2">
+            <a:extLst>
+              <a:ext uri="{FF2B5EF4-FFF2-40B4-BE49-F238E27FC236}">
+                <a16:creationId xmlns:a16="http://schemas.microsoft.com/office/drawing/2014/main" id="{3DA2511E-05AC-BBE4-C039-AF9B6FD9A6D8}"/>
+              </a:ext>
+            </a:extLst>
+          </p:cNvPr>
+          <p:cNvPicPr>
+            <a:picLocks noChangeAspect="1"/>
+          </p:cNvPicPr>
+          <p:nvPr/>
+        </p:nvPicPr>
+        <p:blipFill>
+          <a:blip r:embed="rId15"/>
           <a:srcRect l="62989" t="67035"/>
           <a:stretch>
             <a:fillRect/>
           </a:stretch>
         </p:blipFill>
         <p:spPr>
-          <a:xfrm>
-            <a:off x="16755656" y="8801100"/>
-            <a:ext cx="1668306" cy="1485900"/>
+          <a:xfrm rot="16200000">
+            <a:off x="15009345" y="188445"/>
+            <a:ext cx="3468258" cy="3089052"/>
           </a:xfrm>
           <a:prstGeom prst="rect">
             <a:avLst/>
@@ -19916,175 +16966,6 @@
 </file>
 
 <file path=ppt/slides/slide4.xml><?xml version="1.0" encoding="utf-8"?>
-<p:sld xmlns:a="http://schemas.openxmlformats.org/drawingml/2006/main" xmlns:r="http://schemas.openxmlformats.org/officeDocument/2006/relationships" xmlns:p="http://schemas.openxmlformats.org/presentationml/2006/main">
-  <p:cSld>
-    <p:bg>
-      <p:bgPr>
-        <a:solidFill>
-          <a:srgbClr val="FFFAEF"/>
-        </a:solidFill>
-        <a:effectLst/>
-      </p:bgPr>
-    </p:bg>
-    <p:spTree>
-      <p:nvGrpSpPr>
-        <p:cNvPr id="1" name="">
-          <a:extLst>
-            <a:ext uri="{FF2B5EF4-FFF2-40B4-BE49-F238E27FC236}">
-              <a16:creationId xmlns:a16="http://schemas.microsoft.com/office/drawing/2014/main" id="{41E520BD-B8CE-E542-56CD-EA744BBE4DCE}"/>
-            </a:ext>
-          </a:extLst>
-        </p:cNvPr>
-        <p:cNvGrpSpPr/>
-        <p:nvPr/>
-      </p:nvGrpSpPr>
-      <p:grpSpPr>
-        <a:xfrm>
-          <a:off x="0" y="0"/>
-          <a:ext cx="0" cy="0"/>
-          <a:chOff x="0" y="0"/>
-          <a:chExt cx="0" cy="0"/>
-        </a:xfrm>
-      </p:grpSpPr>
-      <p:graphicFrame>
-        <p:nvGraphicFramePr>
-          <p:cNvPr id="16" name="CasellaDiTesto 13">
-            <a:extLst>
-              <a:ext uri="{FF2B5EF4-FFF2-40B4-BE49-F238E27FC236}">
-                <a16:creationId xmlns:a16="http://schemas.microsoft.com/office/drawing/2014/main" id="{DD340952-3AF3-7B5C-445B-7C27F0D1242D}"/>
-              </a:ext>
-            </a:extLst>
-          </p:cNvPr>
-          <p:cNvGraphicFramePr/>
-          <p:nvPr>
-            <p:extLst>
-              <p:ext uri="{D42A27DB-BD31-4B8C-83A1-F6EECF244321}">
-                <p14:modId xmlns:p14="http://schemas.microsoft.com/office/powerpoint/2010/main" val="2723405750"/>
-              </p:ext>
-            </p:extLst>
-          </p:nvPr>
-        </p:nvGraphicFramePr>
-        <p:xfrm>
-          <a:off x="7357578" y="1125660"/>
-          <a:ext cx="10000249" cy="8180880"/>
-        </p:xfrm>
-        <a:graphic>
-          <a:graphicData uri="http://schemas.openxmlformats.org/drawingml/2006/diagram">
-            <dgm:relIds xmlns:dgm="http://schemas.openxmlformats.org/drawingml/2006/diagram" xmlns:r="http://schemas.openxmlformats.org/officeDocument/2006/relationships" r:dm="rId2" r:lo="rId3" r:qs="rId4" r:cs="rId5"/>
-          </a:graphicData>
-        </a:graphic>
-      </p:graphicFrame>
-      <p:pic>
-        <p:nvPicPr>
-          <p:cNvPr id="23" name="Immagine 22">
-            <a:extLst>
-              <a:ext uri="{FF2B5EF4-FFF2-40B4-BE49-F238E27FC236}">
-                <a16:creationId xmlns:a16="http://schemas.microsoft.com/office/drawing/2014/main" id="{21F5021C-4821-C0AD-5694-DF535DFD60B8}"/>
-              </a:ext>
-            </a:extLst>
-          </p:cNvPr>
-          <p:cNvPicPr>
-            <a:picLocks noChangeAspect="1"/>
-          </p:cNvPicPr>
-          <p:nvPr/>
-        </p:nvPicPr>
-        <p:blipFill>
-          <a:blip r:embed="rId7">
-            <a:extLst>
-              <a:ext uri="{28A0092B-C50C-407E-A947-70E740481C1C}">
-                <a14:useLocalDpi xmlns:a14="http://schemas.microsoft.com/office/drawing/2010/main" val="0"/>
-              </a:ext>
-            </a:extLst>
-          </a:blip>
-          <a:srcRect/>
-          <a:stretch/>
-        </p:blipFill>
-        <p:spPr>
-          <a:xfrm>
-            <a:off x="1066800" y="3162300"/>
-            <a:ext cx="4085952" cy="4085952"/>
-          </a:xfrm>
-          <a:prstGeom prst="rect">
-            <a:avLst/>
-          </a:prstGeom>
-        </p:spPr>
-      </p:pic>
-      <p:pic>
-        <p:nvPicPr>
-          <p:cNvPr id="2" name="Picture 3">
-            <a:extLst>
-              <a:ext uri="{FF2B5EF4-FFF2-40B4-BE49-F238E27FC236}">
-                <a16:creationId xmlns:a16="http://schemas.microsoft.com/office/drawing/2014/main" id="{591EC732-6E84-B53E-434E-A52500A8D301}"/>
-              </a:ext>
-            </a:extLst>
-          </p:cNvPr>
-          <p:cNvPicPr>
-            <a:picLocks noChangeAspect="1"/>
-          </p:cNvPicPr>
-          <p:nvPr/>
-        </p:nvPicPr>
-        <p:blipFill>
-          <a:blip r:embed="rId8"/>
-          <a:srcRect r="64034" b="46739"/>
-          <a:stretch>
-            <a:fillRect/>
-          </a:stretch>
-        </p:blipFill>
-        <p:spPr>
-          <a:xfrm rot="-5400000" flipH="1">
-            <a:off x="796990" y="-796989"/>
-            <a:ext cx="3314701" cy="4908680"/>
-          </a:xfrm>
-          <a:prstGeom prst="rect">
-            <a:avLst/>
-          </a:prstGeom>
-        </p:spPr>
-      </p:pic>
-      <p:pic>
-        <p:nvPicPr>
-          <p:cNvPr id="3" name="Picture 2">
-            <a:extLst>
-              <a:ext uri="{FF2B5EF4-FFF2-40B4-BE49-F238E27FC236}">
-                <a16:creationId xmlns:a16="http://schemas.microsoft.com/office/drawing/2014/main" id="{6BA76188-94FE-B49D-1F59-0C5CFB35B01E}"/>
-              </a:ext>
-            </a:extLst>
-          </p:cNvPr>
-          <p:cNvPicPr>
-            <a:picLocks noChangeAspect="1"/>
-          </p:cNvPicPr>
-          <p:nvPr/>
-        </p:nvPicPr>
-        <p:blipFill>
-          <a:blip r:embed="rId9"/>
-          <a:srcRect l="62989" t="67035"/>
-          <a:stretch>
-            <a:fillRect/>
-          </a:stretch>
-        </p:blipFill>
-        <p:spPr>
-          <a:xfrm>
-            <a:off x="16841210" y="8877300"/>
-            <a:ext cx="1582752" cy="1409700"/>
-          </a:xfrm>
-          <a:prstGeom prst="rect">
-            <a:avLst/>
-          </a:prstGeom>
-        </p:spPr>
-      </p:pic>
-    </p:spTree>
-    <p:extLst>
-      <p:ext uri="{BB962C8B-B14F-4D97-AF65-F5344CB8AC3E}">
-        <p14:creationId xmlns:p14="http://schemas.microsoft.com/office/powerpoint/2010/main" val="1972406454"/>
-      </p:ext>
-    </p:extLst>
-  </p:cSld>
-  <p:clrMapOvr>
-    <a:masterClrMapping/>
-  </p:clrMapOvr>
-</p:sld>
-</file>
-
-<file path=ppt/slides/slide5.xml><?xml version="1.0" encoding="utf-8"?>
 <p:sld xmlns:a="http://schemas.openxmlformats.org/drawingml/2006/main" xmlns:r="http://schemas.openxmlformats.org/officeDocument/2006/relationships" xmlns:p="http://schemas.openxmlformats.org/presentationml/2006/main">
   <p:cSld>
     <p:bg>
@@ -20128,14 +17009,14 @@
           <p:nvPr>
             <p:extLst>
               <p:ext uri="{D42A27DB-BD31-4B8C-83A1-F6EECF244321}">
-                <p14:modId xmlns:p14="http://schemas.microsoft.com/office/powerpoint/2010/main" val="1487836289"/>
+                <p14:modId xmlns:p14="http://schemas.microsoft.com/office/powerpoint/2010/main" val="635295323"/>
               </p:ext>
             </p:extLst>
           </p:nvPr>
         </p:nvGraphicFramePr>
         <p:xfrm>
-          <a:off x="6553200" y="723900"/>
-          <a:ext cx="10000249" cy="8180880"/>
+          <a:off x="8503921" y="419100"/>
+          <a:ext cx="3154679" cy="4495800"/>
         </p:xfrm>
         <a:graphic>
           <a:graphicData uri="http://schemas.openxmlformats.org/drawingml/2006/diagram">
@@ -20170,8 +17051,8 @@
         </p:blipFill>
         <p:spPr>
           <a:xfrm>
-            <a:off x="533400" y="4533900"/>
-            <a:ext cx="4100404" cy="1546052"/>
+            <a:off x="2117773" y="2037864"/>
+            <a:ext cx="3456358" cy="1303215"/>
           </a:xfrm>
           <a:prstGeom prst="rect">
             <a:avLst/>
@@ -20209,84 +17090,9 @@
           </a:prstGeom>
         </p:spPr>
       </p:pic>
-      <p:pic>
-        <p:nvPicPr>
-          <p:cNvPr id="3" name="Picture 2">
-            <a:extLst>
-              <a:ext uri="{FF2B5EF4-FFF2-40B4-BE49-F238E27FC236}">
-                <a16:creationId xmlns:a16="http://schemas.microsoft.com/office/drawing/2014/main" id="{CAC9804D-9F79-D6A5-98DC-5C6B2F53B5CD}"/>
-              </a:ext>
-            </a:extLst>
-          </p:cNvPr>
-          <p:cNvPicPr>
-            <a:picLocks noChangeAspect="1"/>
-          </p:cNvPicPr>
-          <p:nvPr/>
-        </p:nvPicPr>
-        <p:blipFill>
-          <a:blip r:embed="rId9"/>
-          <a:srcRect l="62989" t="67035"/>
-          <a:stretch>
-            <a:fillRect/>
-          </a:stretch>
-        </p:blipFill>
-        <p:spPr>
-          <a:xfrm>
-            <a:off x="15814560" y="7962900"/>
-            <a:ext cx="2609402" cy="2324100"/>
-          </a:xfrm>
-          <a:prstGeom prst="rect">
-            <a:avLst/>
-          </a:prstGeom>
-        </p:spPr>
-      </p:pic>
-    </p:spTree>
-    <p:extLst>
-      <p:ext uri="{BB962C8B-B14F-4D97-AF65-F5344CB8AC3E}">
-        <p14:creationId xmlns:p14="http://schemas.microsoft.com/office/powerpoint/2010/main" val="850908275"/>
-      </p:ext>
-    </p:extLst>
-  </p:cSld>
-  <p:clrMapOvr>
-    <a:masterClrMapping/>
-  </p:clrMapOvr>
-</p:sld>
-</file>
-
-<file path=ppt/slides/slide6.xml><?xml version="1.0" encoding="utf-8"?>
-<p:sld xmlns:a="http://schemas.openxmlformats.org/drawingml/2006/main" xmlns:r="http://schemas.openxmlformats.org/officeDocument/2006/relationships" xmlns:p="http://schemas.openxmlformats.org/presentationml/2006/main">
-  <p:cSld>
-    <p:bg>
-      <p:bgPr>
-        <a:solidFill>
-          <a:srgbClr val="FFFAEF"/>
-        </a:solidFill>
-        <a:effectLst/>
-      </p:bgPr>
-    </p:bg>
-    <p:spTree>
-      <p:nvGrpSpPr>
-        <p:cNvPr id="1" name="">
-          <a:extLst>
-            <a:ext uri="{FF2B5EF4-FFF2-40B4-BE49-F238E27FC236}">
-              <a16:creationId xmlns:a16="http://schemas.microsoft.com/office/drawing/2014/main" id="{7526A1E4-4A23-C80B-D479-A56000DAA51B}"/>
-            </a:ext>
-          </a:extLst>
-        </p:cNvPr>
-        <p:cNvGrpSpPr/>
-        <p:nvPr/>
-      </p:nvGrpSpPr>
-      <p:grpSpPr>
-        <a:xfrm>
-          <a:off x="0" y="0"/>
-          <a:ext cx="0" cy="0"/>
-          <a:chOff x="0" y="0"/>
-          <a:chExt cx="0" cy="0"/>
-        </a:xfrm>
-      </p:grpSpPr>
       <p:graphicFrame>
         <p:nvGraphicFramePr>
-          <p:cNvPr id="16" name="CasellaDiTesto 13">
+          <p:cNvPr id="4" name="CasellaDiTesto 13">
             <a:extLst>
               <a:ext uri="{FF2B5EF4-FFF2-40B4-BE49-F238E27FC236}">
                 <a16:creationId xmlns:a16="http://schemas.microsoft.com/office/drawing/2014/main" id="{1D6B63EE-4D46-A2CB-CD47-0CE37A2F3F04}"/>
@@ -20297,24 +17103,24 @@
           <p:nvPr>
             <p:extLst>
               <p:ext uri="{D42A27DB-BD31-4B8C-83A1-F6EECF244321}">
-                <p14:modId xmlns:p14="http://schemas.microsoft.com/office/powerpoint/2010/main" val="3926052361"/>
+                <p14:modId xmlns:p14="http://schemas.microsoft.com/office/powerpoint/2010/main" val="624401661"/>
               </p:ext>
             </p:extLst>
           </p:nvPr>
         </p:nvGraphicFramePr>
         <p:xfrm>
-          <a:off x="6366624" y="647700"/>
-          <a:ext cx="10000249" cy="8180880"/>
+          <a:off x="8534401" y="5224389"/>
+          <a:ext cx="3124199" cy="4495799"/>
         </p:xfrm>
         <a:graphic>
           <a:graphicData uri="http://schemas.openxmlformats.org/drawingml/2006/diagram">
-            <dgm:relIds xmlns:dgm="http://schemas.openxmlformats.org/drawingml/2006/diagram" xmlns:r="http://schemas.openxmlformats.org/officeDocument/2006/relationships" r:dm="rId2" r:lo="rId3" r:qs="rId4" r:cs="rId5"/>
+            <dgm:relIds xmlns:dgm="http://schemas.openxmlformats.org/drawingml/2006/diagram" xmlns:r="http://schemas.openxmlformats.org/officeDocument/2006/relationships" r:dm="rId9" r:lo="rId10" r:qs="rId11" r:cs="rId12"/>
           </a:graphicData>
         </a:graphic>
       </p:graphicFrame>
       <p:pic>
         <p:nvPicPr>
-          <p:cNvPr id="23" name="Immagine 22">
+          <p:cNvPr id="5" name="Immagine 4">
             <a:extLst>
               <a:ext uri="{FF2B5EF4-FFF2-40B4-BE49-F238E27FC236}">
                 <a16:creationId xmlns:a16="http://schemas.microsoft.com/office/drawing/2014/main" id="{0E2DC916-4A74-2535-DB55-323B51CC6368}"/>
@@ -20327,7 +17133,7 @@
           <p:nvPr/>
         </p:nvPicPr>
         <p:blipFill>
-          <a:blip r:embed="rId7">
+          <a:blip r:embed="rId14">
             <a:extLst>
               <a:ext uri="{28A0092B-C50C-407E-A947-70E740481C1C}">
                 <a14:useLocalDpi xmlns:a14="http://schemas.microsoft.com/office/drawing/2010/main" val="0"/>
@@ -20339,20 +17145,53 @@
         </p:blipFill>
         <p:spPr>
           <a:xfrm>
-            <a:off x="899509" y="4533900"/>
-            <a:ext cx="4009171" cy="1840276"/>
+            <a:off x="2133600" y="6405488"/>
+            <a:ext cx="4648199" cy="2133600"/>
           </a:xfrm>
           <a:prstGeom prst="rect">
             <a:avLst/>
           </a:prstGeom>
         </p:spPr>
       </p:pic>
+      <p:sp>
+        <p:nvSpPr>
+          <p:cNvPr id="9" name="Segnaposto piè di pagina 7">
+            <a:extLst>
+              <a:ext uri="{FF2B5EF4-FFF2-40B4-BE49-F238E27FC236}">
+                <a16:creationId xmlns:a16="http://schemas.microsoft.com/office/drawing/2014/main" id="{F1E2521F-AAF4-A763-2449-24818C6F0AAB}"/>
+              </a:ext>
+            </a:extLst>
+          </p:cNvPr>
+          <p:cNvSpPr>
+            <a:spLocks noGrp="1"/>
+          </p:cNvSpPr>
+          <p:nvPr>
+            <p:ph type="ftr" sz="quarter" idx="11"/>
+          </p:nvPr>
+        </p:nvSpPr>
+        <p:spPr>
+          <a:xfrm>
+            <a:off x="16306800" y="9639300"/>
+            <a:ext cx="2895600" cy="365125"/>
+          </a:xfrm>
+        </p:spPr>
+        <p:txBody>
+          <a:bodyPr/>
+          <a:lstStyle/>
+          <a:p>
+            <a:r>
+              <a:rPr lang="en-US" sz="8000" dirty="0"/>
+              <a:t>3</a:t>
+            </a:r>
+          </a:p>
+        </p:txBody>
+      </p:sp>
       <p:pic>
         <p:nvPicPr>
-          <p:cNvPr id="2" name="Picture 3">
+          <p:cNvPr id="10" name="Picture 2">
             <a:extLst>
               <a:ext uri="{FF2B5EF4-FFF2-40B4-BE49-F238E27FC236}">
-                <a16:creationId xmlns:a16="http://schemas.microsoft.com/office/drawing/2014/main" id="{D2874092-EB04-08D6-B4F5-AC7CA84E45A5}"/>
+                <a16:creationId xmlns:a16="http://schemas.microsoft.com/office/drawing/2014/main" id="{AC66A127-B8D8-8C7D-FE9C-D9FFA5ADE8F6}"/>
               </a:ext>
             </a:extLst>
           </p:cNvPr>
@@ -20362,47 +17201,16 @@
           <p:nvPr/>
         </p:nvPicPr>
         <p:blipFill>
-          <a:blip r:embed="rId8"/>
-          <a:srcRect r="64034" b="46739"/>
-          <a:stretch>
-            <a:fillRect/>
-          </a:stretch>
-        </p:blipFill>
-        <p:spPr>
-          <a:xfrm rot="-5400000" flipH="1">
-            <a:off x="796990" y="-796989"/>
-            <a:ext cx="3314701" cy="4908680"/>
-          </a:xfrm>
-          <a:prstGeom prst="rect">
-            <a:avLst/>
-          </a:prstGeom>
-        </p:spPr>
-      </p:pic>
-      <p:pic>
-        <p:nvPicPr>
-          <p:cNvPr id="3" name="Picture 2">
-            <a:extLst>
-              <a:ext uri="{FF2B5EF4-FFF2-40B4-BE49-F238E27FC236}">
-                <a16:creationId xmlns:a16="http://schemas.microsoft.com/office/drawing/2014/main" id="{EE3E9614-46F3-C6C5-5304-9414053EA12A}"/>
-              </a:ext>
-            </a:extLst>
-          </p:cNvPr>
-          <p:cNvPicPr>
-            <a:picLocks noChangeAspect="1"/>
-          </p:cNvPicPr>
-          <p:nvPr/>
-        </p:nvPicPr>
-        <p:blipFill>
-          <a:blip r:embed="rId9"/>
+          <a:blip r:embed="rId15"/>
           <a:srcRect l="62989" t="67035"/>
           <a:stretch>
             <a:fillRect/>
           </a:stretch>
         </p:blipFill>
         <p:spPr>
-          <a:xfrm>
-            <a:off x="15557898" y="7734300"/>
-            <a:ext cx="2866064" cy="2552700"/>
+          <a:xfrm rot="16200000">
+            <a:off x="15009345" y="188445"/>
+            <a:ext cx="3468258" cy="3089052"/>
           </a:xfrm>
           <a:prstGeom prst="rect">
             <a:avLst/>
@@ -20412,141 +17220,7 @@
     </p:spTree>
     <p:extLst>
       <p:ext uri="{BB962C8B-B14F-4D97-AF65-F5344CB8AC3E}">
-        <p14:creationId xmlns:p14="http://schemas.microsoft.com/office/powerpoint/2010/main" val="2966261056"/>
-      </p:ext>
-    </p:extLst>
-  </p:cSld>
-  <p:clrMapOvr>
-    <a:masterClrMapping/>
-  </p:clrMapOvr>
-</p:sld>
-</file>
-
-<file path=ppt/slides/slide7.xml><?xml version="1.0" encoding="utf-8"?>
-<p:sld xmlns:a="http://schemas.openxmlformats.org/drawingml/2006/main" xmlns:r="http://schemas.openxmlformats.org/officeDocument/2006/relationships" xmlns:p="http://schemas.openxmlformats.org/presentationml/2006/main">
-  <p:cSld>
-    <p:bg>
-      <p:bgPr>
-        <a:solidFill>
-          <a:srgbClr val="FFFAEF"/>
-        </a:solidFill>
-        <a:effectLst/>
-      </p:bgPr>
-    </p:bg>
-    <p:spTree>
-      <p:nvGrpSpPr>
-        <p:cNvPr id="1" name="">
-          <a:extLst>
-            <a:ext uri="{FF2B5EF4-FFF2-40B4-BE49-F238E27FC236}">
-              <a16:creationId xmlns:a16="http://schemas.microsoft.com/office/drawing/2014/main" id="{1C6AFA87-2273-3AAD-0033-ED75FD839F5F}"/>
-            </a:ext>
-          </a:extLst>
-        </p:cNvPr>
-        <p:cNvGrpSpPr/>
-        <p:nvPr/>
-      </p:nvGrpSpPr>
-      <p:grpSpPr>
-        <a:xfrm>
-          <a:off x="0" y="0"/>
-          <a:ext cx="0" cy="0"/>
-          <a:chOff x="0" y="0"/>
-          <a:chExt cx="0" cy="0"/>
-        </a:xfrm>
-      </p:grpSpPr>
-      <p:graphicFrame>
-        <p:nvGraphicFramePr>
-          <p:cNvPr id="16" name="CasellaDiTesto 13">
-            <a:extLst>
-              <a:ext uri="{FF2B5EF4-FFF2-40B4-BE49-F238E27FC236}">
-                <a16:creationId xmlns:a16="http://schemas.microsoft.com/office/drawing/2014/main" id="{640970ED-628D-AE11-FABD-CC839C13EFBE}"/>
-              </a:ext>
-            </a:extLst>
-          </p:cNvPr>
-          <p:cNvGraphicFramePr/>
-          <p:nvPr>
-            <p:extLst>
-              <p:ext uri="{D42A27DB-BD31-4B8C-83A1-F6EECF244321}">
-                <p14:modId xmlns:p14="http://schemas.microsoft.com/office/powerpoint/2010/main" val="2679347807"/>
-              </p:ext>
-            </p:extLst>
-          </p:nvPr>
-        </p:nvGraphicFramePr>
-        <p:xfrm>
-          <a:off x="4191000" y="419100"/>
-          <a:ext cx="9906000" cy="9448800"/>
-        </p:xfrm>
-        <a:graphic>
-          <a:graphicData uri="http://schemas.openxmlformats.org/drawingml/2006/diagram">
-            <dgm:relIds xmlns:dgm="http://schemas.openxmlformats.org/drawingml/2006/diagram" xmlns:r="http://schemas.openxmlformats.org/officeDocument/2006/relationships" r:dm="rId2" r:lo="rId3" r:qs="rId4" r:cs="rId5"/>
-          </a:graphicData>
-        </a:graphic>
-      </p:graphicFrame>
-      <p:pic>
-        <p:nvPicPr>
-          <p:cNvPr id="2" name="Picture 3">
-            <a:extLst>
-              <a:ext uri="{FF2B5EF4-FFF2-40B4-BE49-F238E27FC236}">
-                <a16:creationId xmlns:a16="http://schemas.microsoft.com/office/drawing/2014/main" id="{42D218EB-D95B-3679-5021-D2D9BE1A63E1}"/>
-              </a:ext>
-            </a:extLst>
-          </p:cNvPr>
-          <p:cNvPicPr>
-            <a:picLocks noChangeAspect="1"/>
-          </p:cNvPicPr>
-          <p:nvPr/>
-        </p:nvPicPr>
-        <p:blipFill>
-          <a:blip r:embed="rId7"/>
-          <a:srcRect r="64034" b="46739"/>
-          <a:stretch>
-            <a:fillRect/>
-          </a:stretch>
-        </p:blipFill>
-        <p:spPr>
-          <a:xfrm rot="-5400000" flipH="1">
-            <a:off x="796990" y="-796989"/>
-            <a:ext cx="3314701" cy="4908680"/>
-          </a:xfrm>
-          <a:prstGeom prst="rect">
-            <a:avLst/>
-          </a:prstGeom>
-        </p:spPr>
-      </p:pic>
-      <p:pic>
-        <p:nvPicPr>
-          <p:cNvPr id="3" name="Picture 2">
-            <a:extLst>
-              <a:ext uri="{FF2B5EF4-FFF2-40B4-BE49-F238E27FC236}">
-                <a16:creationId xmlns:a16="http://schemas.microsoft.com/office/drawing/2014/main" id="{58892B0E-B44E-7EF1-17F1-7C620998BE68}"/>
-              </a:ext>
-            </a:extLst>
-          </p:cNvPr>
-          <p:cNvPicPr>
-            <a:picLocks noChangeAspect="1"/>
-          </p:cNvPicPr>
-          <p:nvPr/>
-        </p:nvPicPr>
-        <p:blipFill>
-          <a:blip r:embed="rId8"/>
-          <a:srcRect l="62989" t="67035"/>
-          <a:stretch>
-            <a:fillRect/>
-          </a:stretch>
-        </p:blipFill>
-        <p:spPr>
-          <a:xfrm>
-            <a:off x="15557898" y="7734300"/>
-            <a:ext cx="2866064" cy="2552700"/>
-          </a:xfrm>
-          <a:prstGeom prst="rect">
-            <a:avLst/>
-          </a:prstGeom>
-        </p:spPr>
-      </p:pic>
-    </p:spTree>
-    <p:extLst>
-      <p:ext uri="{BB962C8B-B14F-4D97-AF65-F5344CB8AC3E}">
-        <p14:creationId xmlns:p14="http://schemas.microsoft.com/office/powerpoint/2010/main" val="1933429685"/>
+        <p14:creationId xmlns:p14="http://schemas.microsoft.com/office/powerpoint/2010/main" val="850908275"/>
       </p:ext>
     </p:extLst>
   </p:cSld>
@@ -21152,4 +17826,319 @@
     </a:ext>
   </a:extLst>
 </a:theme>
+</file>
+
+<file path=ppt/theme/theme3.xml><?xml version="1.0" encoding="utf-8"?>
+<a:theme xmlns:a="http://schemas.openxmlformats.org/drawingml/2006/main" name="Tema di Office">
+  <a:themeElements>
+    <a:clrScheme name="Office">
+      <a:dk1>
+        <a:sysClr val="windowText" lastClr="000000"/>
+      </a:dk1>
+      <a:lt1>
+        <a:sysClr val="window" lastClr="FFFFFF"/>
+      </a:lt1>
+      <a:dk2>
+        <a:srgbClr val="0E2841"/>
+      </a:dk2>
+      <a:lt2>
+        <a:srgbClr val="E8E8E8"/>
+      </a:lt2>
+      <a:accent1>
+        <a:srgbClr val="156082"/>
+      </a:accent1>
+      <a:accent2>
+        <a:srgbClr val="E97132"/>
+      </a:accent2>
+      <a:accent3>
+        <a:srgbClr val="196B24"/>
+      </a:accent3>
+      <a:accent4>
+        <a:srgbClr val="0F9ED5"/>
+      </a:accent4>
+      <a:accent5>
+        <a:srgbClr val="A02B93"/>
+      </a:accent5>
+      <a:accent6>
+        <a:srgbClr val="4EA72E"/>
+      </a:accent6>
+      <a:hlink>
+        <a:srgbClr val="467886"/>
+      </a:hlink>
+      <a:folHlink>
+        <a:srgbClr val="96607D"/>
+      </a:folHlink>
+    </a:clrScheme>
+    <a:fontScheme name="Office">
+      <a:majorFont>
+        <a:latin typeface="Aptos Display" panose="02110004020202020204"/>
+        <a:ea typeface=""/>
+        <a:cs typeface=""/>
+        <a:font script="Jpan" typeface="游ゴシック Light"/>
+        <a:font script="Hang" typeface="맑은 고딕"/>
+        <a:font script="Hans" typeface="等线 Light"/>
+        <a:font script="Hant" typeface="新細明體"/>
+        <a:font script="Arab" typeface="Times New Roman"/>
+        <a:font script="Hebr" typeface="Times New Roman"/>
+        <a:font script="Thai" typeface="Angsana New"/>
+        <a:font script="Ethi" typeface="Nyala"/>
+        <a:font script="Beng" typeface="Vrinda"/>
+        <a:font script="Gujr" typeface="Shruti"/>
+        <a:font script="Khmr" typeface="MoolBoran"/>
+        <a:font script="Knda" typeface="Tunga"/>
+        <a:font script="Guru" typeface="Raavi"/>
+        <a:font script="Cans" typeface="Euphemia"/>
+        <a:font script="Cher" typeface="Plantagenet Cherokee"/>
+        <a:font script="Yiii" typeface="Microsoft Yi Baiti"/>
+        <a:font script="Tibt" typeface="Microsoft Himalaya"/>
+        <a:font script="Thaa" typeface="MV Boli"/>
+        <a:font script="Deva" typeface="Mangal"/>
+        <a:font script="Telu" typeface="Gautami"/>
+        <a:font script="Taml" typeface="Latha"/>
+        <a:font script="Syrc" typeface="Estrangelo Edessa"/>
+        <a:font script="Orya" typeface="Kalinga"/>
+        <a:font script="Mlym" typeface="Kartika"/>
+        <a:font script="Laoo" typeface="DokChampa"/>
+        <a:font script="Sinh" typeface="Iskoola Pota"/>
+        <a:font script="Mong" typeface="Mongolian Baiti"/>
+        <a:font script="Viet" typeface="Times New Roman"/>
+        <a:font script="Uigh" typeface="Microsoft Uighur"/>
+        <a:font script="Geor" typeface="Sylfaen"/>
+        <a:font script="Armn" typeface="Arial"/>
+        <a:font script="Bugi" typeface="Leelawadee UI"/>
+        <a:font script="Bopo" typeface="Microsoft JhengHei"/>
+        <a:font script="Java" typeface="Javanese Text"/>
+        <a:font script="Lisu" typeface="Segoe UI"/>
+        <a:font script="Mymr" typeface="Myanmar Text"/>
+        <a:font script="Nkoo" typeface="Ebrima"/>
+        <a:font script="Olck" typeface="Nirmala UI"/>
+        <a:font script="Osma" typeface="Ebrima"/>
+        <a:font script="Phag" typeface="Phagspa"/>
+        <a:font script="Syrn" typeface="Estrangelo Edessa"/>
+        <a:font script="Syrj" typeface="Estrangelo Edessa"/>
+        <a:font script="Syre" typeface="Estrangelo Edessa"/>
+        <a:font script="Sora" typeface="Nirmala UI"/>
+        <a:font script="Tale" typeface="Microsoft Tai Le"/>
+        <a:font script="Talu" typeface="Microsoft New Tai Lue"/>
+        <a:font script="Tfng" typeface="Ebrima"/>
+      </a:majorFont>
+      <a:minorFont>
+        <a:latin typeface="Aptos" panose="02110004020202020204"/>
+        <a:ea typeface=""/>
+        <a:cs typeface=""/>
+        <a:font script="Jpan" typeface="游ゴシック"/>
+        <a:font script="Hang" typeface="맑은 고딕"/>
+        <a:font script="Hans" typeface="等线"/>
+        <a:font script="Hant" typeface="新細明體"/>
+        <a:font script="Arab" typeface="Arial"/>
+        <a:font script="Hebr" typeface="Arial"/>
+        <a:font script="Thai" typeface="Cordia New"/>
+        <a:font script="Ethi" typeface="Nyala"/>
+        <a:font script="Beng" typeface="Vrinda"/>
+        <a:font script="Gujr" typeface="Shruti"/>
+        <a:font script="Khmr" typeface="DaunPenh"/>
+        <a:font script="Knda" typeface="Tunga"/>
+        <a:font script="Guru" typeface="Raavi"/>
+        <a:font script="Cans" typeface="Euphemia"/>
+        <a:font script="Cher" typeface="Plantagenet Cherokee"/>
+        <a:font script="Yiii" typeface="Microsoft Yi Baiti"/>
+        <a:font script="Tibt" typeface="Microsoft Himalaya"/>
+        <a:font script="Thaa" typeface="MV Boli"/>
+        <a:font script="Deva" typeface="Mangal"/>
+        <a:font script="Telu" typeface="Gautami"/>
+        <a:font script="Taml" typeface="Latha"/>
+        <a:font script="Syrc" typeface="Estrangelo Edessa"/>
+        <a:font script="Orya" typeface="Kalinga"/>
+        <a:font script="Mlym" typeface="Kartika"/>
+        <a:font script="Laoo" typeface="DokChampa"/>
+        <a:font script="Sinh" typeface="Iskoola Pota"/>
+        <a:font script="Mong" typeface="Mongolian Baiti"/>
+        <a:font script="Viet" typeface="Arial"/>
+        <a:font script="Uigh" typeface="Microsoft Uighur"/>
+        <a:font script="Geor" typeface="Sylfaen"/>
+        <a:font script="Armn" typeface="Arial"/>
+        <a:font script="Bugi" typeface="Leelawadee UI"/>
+        <a:font script="Bopo" typeface="Microsoft JhengHei"/>
+        <a:font script="Java" typeface="Javanese Text"/>
+        <a:font script="Lisu" typeface="Segoe UI"/>
+        <a:font script="Mymr" typeface="Myanmar Text"/>
+        <a:font script="Nkoo" typeface="Ebrima"/>
+        <a:font script="Olck" typeface="Nirmala UI"/>
+        <a:font script="Osma" typeface="Ebrima"/>
+        <a:font script="Phag" typeface="Phagspa"/>
+        <a:font script="Syrn" typeface="Estrangelo Edessa"/>
+        <a:font script="Syrj" typeface="Estrangelo Edessa"/>
+        <a:font script="Syre" typeface="Estrangelo Edessa"/>
+        <a:font script="Sora" typeface="Nirmala UI"/>
+        <a:font script="Tale" typeface="Microsoft Tai Le"/>
+        <a:font script="Talu" typeface="Microsoft New Tai Lue"/>
+        <a:font script="Tfng" typeface="Ebrima"/>
+      </a:minorFont>
+    </a:fontScheme>
+    <a:fmtScheme name="Office">
+      <a:fillStyleLst>
+        <a:solidFill>
+          <a:schemeClr val="phClr"/>
+        </a:solidFill>
+        <a:gradFill rotWithShape="1">
+          <a:gsLst>
+            <a:gs pos="0">
+              <a:schemeClr val="phClr">
+                <a:lumMod val="110000"/>
+                <a:satMod val="105000"/>
+                <a:tint val="67000"/>
+              </a:schemeClr>
+            </a:gs>
+            <a:gs pos="50000">
+              <a:schemeClr val="phClr">
+                <a:lumMod val="105000"/>
+                <a:satMod val="103000"/>
+                <a:tint val="73000"/>
+              </a:schemeClr>
+            </a:gs>
+            <a:gs pos="100000">
+              <a:schemeClr val="phClr">
+                <a:lumMod val="105000"/>
+                <a:satMod val="109000"/>
+                <a:tint val="81000"/>
+              </a:schemeClr>
+            </a:gs>
+          </a:gsLst>
+          <a:lin ang="5400000" scaled="0"/>
+        </a:gradFill>
+        <a:gradFill rotWithShape="1">
+          <a:gsLst>
+            <a:gs pos="0">
+              <a:schemeClr val="phClr">
+                <a:satMod val="103000"/>
+                <a:lumMod val="102000"/>
+                <a:tint val="94000"/>
+              </a:schemeClr>
+            </a:gs>
+            <a:gs pos="50000">
+              <a:schemeClr val="phClr">
+                <a:satMod val="110000"/>
+                <a:lumMod val="100000"/>
+                <a:shade val="100000"/>
+              </a:schemeClr>
+            </a:gs>
+            <a:gs pos="100000">
+              <a:schemeClr val="phClr">
+                <a:lumMod val="99000"/>
+                <a:satMod val="120000"/>
+                <a:shade val="78000"/>
+              </a:schemeClr>
+            </a:gs>
+          </a:gsLst>
+          <a:lin ang="5400000" scaled="0"/>
+        </a:gradFill>
+      </a:fillStyleLst>
+      <a:lnStyleLst>
+        <a:ln w="12700" cap="flat" cmpd="sng" algn="ctr">
+          <a:solidFill>
+            <a:schemeClr val="phClr"/>
+          </a:solidFill>
+          <a:prstDash val="solid"/>
+          <a:miter lim="800000"/>
+        </a:ln>
+        <a:ln w="19050" cap="flat" cmpd="sng" algn="ctr">
+          <a:solidFill>
+            <a:schemeClr val="phClr"/>
+          </a:solidFill>
+          <a:prstDash val="solid"/>
+          <a:miter lim="800000"/>
+        </a:ln>
+        <a:ln w="25400" cap="flat" cmpd="sng" algn="ctr">
+          <a:solidFill>
+            <a:schemeClr val="phClr"/>
+          </a:solidFill>
+          <a:prstDash val="solid"/>
+          <a:miter lim="800000"/>
+        </a:ln>
+      </a:lnStyleLst>
+      <a:effectStyleLst>
+        <a:effectStyle>
+          <a:effectLst/>
+        </a:effectStyle>
+        <a:effectStyle>
+          <a:effectLst/>
+        </a:effectStyle>
+        <a:effectStyle>
+          <a:effectLst>
+            <a:outerShdw blurRad="57150" dist="19050" dir="5400000" algn="ctr" rotWithShape="0">
+              <a:srgbClr val="000000">
+                <a:alpha val="63000"/>
+              </a:srgbClr>
+            </a:outerShdw>
+          </a:effectLst>
+        </a:effectStyle>
+      </a:effectStyleLst>
+      <a:bgFillStyleLst>
+        <a:solidFill>
+          <a:schemeClr val="phClr"/>
+        </a:solidFill>
+        <a:solidFill>
+          <a:schemeClr val="phClr">
+            <a:tint val="95000"/>
+            <a:satMod val="170000"/>
+          </a:schemeClr>
+        </a:solidFill>
+        <a:gradFill rotWithShape="1">
+          <a:gsLst>
+            <a:gs pos="0">
+              <a:schemeClr val="phClr">
+                <a:tint val="93000"/>
+                <a:satMod val="150000"/>
+                <a:shade val="98000"/>
+                <a:lumMod val="102000"/>
+              </a:schemeClr>
+            </a:gs>
+            <a:gs pos="50000">
+              <a:schemeClr val="phClr">
+                <a:tint val="98000"/>
+                <a:satMod val="130000"/>
+                <a:shade val="90000"/>
+                <a:lumMod val="103000"/>
+              </a:schemeClr>
+            </a:gs>
+            <a:gs pos="100000">
+              <a:schemeClr val="phClr">
+                <a:shade val="63000"/>
+                <a:satMod val="120000"/>
+              </a:schemeClr>
+            </a:gs>
+          </a:gsLst>
+          <a:lin ang="5400000" scaled="0"/>
+        </a:gradFill>
+      </a:bgFillStyleLst>
+    </a:fmtScheme>
+  </a:themeElements>
+  <a:objectDefaults>
+    <a:lnDef>
+      <a:spPr/>
+      <a:bodyPr/>
+      <a:lstStyle/>
+      <a:style>
+        <a:lnRef idx="2">
+          <a:schemeClr val="accent1"/>
+        </a:lnRef>
+        <a:fillRef idx="0">
+          <a:schemeClr val="accent1"/>
+        </a:fillRef>
+        <a:effectRef idx="1">
+          <a:schemeClr val="accent1"/>
+        </a:effectRef>
+        <a:fontRef idx="minor">
+          <a:schemeClr val="tx1"/>
+        </a:fontRef>
+      </a:style>
+    </a:lnDef>
+  </a:objectDefaults>
+  <a:extraClrSchemeLst/>
+  <a:extLst>
+    <a:ext uri="{05A4C25C-085E-4340-85A3-A5531E510DB2}">
+      <thm15:themeFamily xmlns:thm15="http://schemas.microsoft.com/office/thememl/2012/main" name="Office Theme" id="{2E142A2C-CD16-42D6-873A-C26D2A0506FA}" vid="{1BDDFF52-6CD6-40A5-AB3C-68EB2F1E4D0A}"/>
+    </a:ext>
+  </a:extLst>
+</a:theme>
 </file>
--- a/RTB/TECNOLOGIE/Tecnologie.pptx
+++ b/RTB/TECNOLOGIE/Tecnologie.pptx
@@ -16177,31 +16177,6 @@
           </a:prstGeom>
         </p:spPr>
       </p:pic>
-      <p:sp>
-        <p:nvSpPr>
-          <p:cNvPr id="13" name="Segnaposto piè di pagina 12">
-            <a:extLst>
-              <a:ext uri="{FF2B5EF4-FFF2-40B4-BE49-F238E27FC236}">
-                <a16:creationId xmlns:a16="http://schemas.microsoft.com/office/drawing/2014/main" id="{5999E5DA-EC1C-1F47-A1B0-41D25EB50AD8}"/>
-              </a:ext>
-            </a:extLst>
-          </p:cNvPr>
-          <p:cNvSpPr>
-            <a:spLocks noGrp="1"/>
-          </p:cNvSpPr>
-          <p:nvPr>
-            <p:ph type="ftr" sz="quarter" idx="11"/>
-          </p:nvPr>
-        </p:nvSpPr>
-        <p:spPr/>
-        <p:txBody>
-          <a:bodyPr/>
-          <a:lstStyle/>
-          <a:p>
-            <a:endParaRPr lang="en-US"/>
-          </a:p>
-        </p:txBody>
-      </p:sp>
     </p:spTree>
   </p:cSld>
   <p:clrMapOvr>
@@ -16665,10 +16640,13 @@
           <a:lstStyle/>
           <a:p>
             <a:r>
-              <a:rPr lang="en-US" sz="8000"/>
+              <a:rPr lang="en-US" sz="8000" dirty="0">
+                <a:solidFill>
+                  <a:schemeClr val="tx1"/>
+                </a:solidFill>
+              </a:rPr>
               <a:t>1</a:t>
             </a:r>
-            <a:endParaRPr lang="en-US" sz="8000" dirty="0"/>
           </a:p>
         </p:txBody>
       </p:sp>
@@ -16920,7 +16898,11 @@
           <a:lstStyle/>
           <a:p>
             <a:r>
-              <a:rPr lang="en-US" sz="8000" dirty="0"/>
+              <a:rPr lang="en-US" sz="8000" dirty="0">
+                <a:solidFill>
+                  <a:schemeClr val="tx1"/>
+                </a:solidFill>
+              </a:rPr>
               <a:t>2</a:t>
             </a:r>
           </a:p>
@@ -17180,7 +17162,11 @@
           <a:lstStyle/>
           <a:p>
             <a:r>
-              <a:rPr lang="en-US" sz="8000" dirty="0"/>
+              <a:rPr lang="en-US" sz="8000" dirty="0">
+                <a:solidFill>
+                  <a:schemeClr val="tx1"/>
+                </a:solidFill>
+              </a:rPr>
               <a:t>3</a:t>
             </a:r>
           </a:p>

--- a/RTB/TECNOLOGIE/Tecnologie.pptx
+++ b/RTB/TECNOLOGIE/Tecnologie.pptx
@@ -5121,8 +5121,12 @@
             <a:buChar char="–"/>
           </a:pPr>
           <a:r>
-            <a:rPr lang="it-IT"/>
-            <a:t>Conversation + Message: storico conversazioni AI con contesto</a:t>
+            <a:rPr lang="it-IT" dirty="0" err="1"/>
+            <a:t>Conversation</a:t>
+          </a:r>
+          <a:r>
+            <a:rPr lang="it-IT" dirty="0"/>
+            <a:t> + Message: storico conversazioni AI con contesto</a:t>
           </a:r>
         </a:p>
       </dgm:t>
@@ -6287,8 +6291,8 @@
       </dsp:nvSpPr>
       <dsp:spPr>
         <a:xfrm>
-          <a:off x="0" y="484260"/>
-          <a:ext cx="3154679" cy="3704400"/>
+          <a:off x="0" y="302275"/>
+          <a:ext cx="3764280" cy="4321800"/>
         </a:xfrm>
         <a:prstGeom prst="rect">
           <a:avLst/>
@@ -6324,12 +6328,12 @@
         <a:fontRef idx="minor"/>
       </dsp:style>
       <dsp:txBody>
-        <a:bodyPr spcFirstLastPara="0" vert="horz" wrap="square" lIns="244838" tIns="249936" rIns="244838" bIns="85344" numCol="1" spcCol="1270" anchor="t" anchorCtr="0">
+        <a:bodyPr spcFirstLastPara="0" vert="horz" wrap="square" lIns="292150" tIns="291592" rIns="292150" bIns="99568" numCol="1" spcCol="1270" anchor="t" anchorCtr="0">
           <a:noAutofit/>
         </a:bodyPr>
         <a:lstStyle/>
         <a:p>
-          <a:pPr marL="114300" lvl="1" indent="-114300" algn="l" defTabSz="533400">
+          <a:pPr marL="114300" lvl="1" indent="-114300" algn="l" defTabSz="622300">
             <a:lnSpc>
               <a:spcPct val="90000"/>
             </a:lnSpc>
@@ -6342,13 +6346,13 @@
             <a:buChar char="•"/>
           </a:pPr>
           <a:r>
-            <a:rPr lang="it-IT" sz="1200" b="1" kern="1200" dirty="0"/>
+            <a:rPr lang="it-IT" sz="1400" b="1" kern="1200" dirty="0"/>
             <a:t>API REST </a:t>
           </a:r>
-          <a:endParaRPr lang="en-US" sz="1200" kern="1200" dirty="0"/>
-        </a:p>
-        <a:p>
-          <a:pPr marL="228600" lvl="2" indent="-114300" algn="l" defTabSz="533400">
+          <a:endParaRPr lang="en-US" sz="1400" kern="1200" dirty="0"/>
+        </a:p>
+        <a:p>
+          <a:pPr marL="228600" lvl="2" indent="-114300" algn="l" defTabSz="622300">
             <a:lnSpc>
               <a:spcPct val="90000"/>
             </a:lnSpc>
@@ -6362,12 +6366,12 @@
             <a:buChar char="–"/>
           </a:pPr>
           <a:r>
-            <a:rPr lang="it-IT" sz="1200" kern="1200"/>
+            <a:rPr lang="it-IT" sz="1400" kern="1200"/>
             <a:t>Endpoint per generazione testo AI (/genera)</a:t>
           </a:r>
         </a:p>
         <a:p>
-          <a:pPr marL="228600" lvl="2" indent="-114300" algn="l" defTabSz="533400">
+          <a:pPr marL="228600" lvl="2" indent="-114300" algn="l" defTabSz="622300">
             <a:lnSpc>
               <a:spcPct val="90000"/>
             </a:lnSpc>
@@ -6381,12 +6385,12 @@
             <a:buChar char="–"/>
           </a:pPr>
           <a:r>
-            <a:rPr lang="it-IT" sz="1200" kern="1200" dirty="0"/>
+            <a:rPr lang="it-IT" sz="1400" kern="1200" dirty="0"/>
             <a:t>Gestione documenti: upload, analisi, consultazione</a:t>
           </a:r>
         </a:p>
         <a:p>
-          <a:pPr marL="228600" lvl="2" indent="-114300" algn="l" defTabSz="533400">
+          <a:pPr marL="228600" lvl="2" indent="-114300" algn="l" defTabSz="622300">
             <a:lnSpc>
               <a:spcPct val="90000"/>
             </a:lnSpc>
@@ -6400,12 +6404,12 @@
             <a:buChar char="–"/>
           </a:pPr>
           <a:r>
-            <a:rPr lang="it-IT" sz="1200" kern="1200" dirty="0"/>
+            <a:rPr lang="it-IT" sz="1400" kern="1200" dirty="0"/>
             <a:t>Gestione conversazioni e storico messaggi</a:t>
           </a:r>
         </a:p>
         <a:p>
-          <a:pPr marL="114300" lvl="1" indent="-114300" algn="l" defTabSz="533400">
+          <a:pPr marL="114300" lvl="1" indent="-114300" algn="l" defTabSz="622300">
             <a:lnSpc>
               <a:spcPct val="90000"/>
             </a:lnSpc>
@@ -6418,10 +6422,10 @@
             <a:buFont typeface="Arial" panose="020B0604020202020204" pitchFamily="34" charset="0"/>
             <a:buNone/>
           </a:pPr>
-          <a:endParaRPr lang="it-IT" sz="1200" kern="1200" dirty="0"/>
-        </a:p>
-        <a:p>
-          <a:pPr marL="114300" lvl="1" indent="-114300" algn="l" defTabSz="533400">
+          <a:endParaRPr lang="it-IT" sz="1400" kern="1200" dirty="0"/>
+        </a:p>
+        <a:p>
+          <a:pPr marL="114300" lvl="1" indent="-114300" algn="l" defTabSz="622300">
             <a:lnSpc>
               <a:spcPct val="90000"/>
             </a:lnSpc>
@@ -6435,12 +6439,12 @@
             <a:buChar char="•"/>
           </a:pPr>
           <a:r>
-            <a:rPr lang="it-IT" sz="1200" b="1" kern="1200" dirty="0"/>
+            <a:rPr lang="it-IT" sz="1400" b="1" kern="1200" dirty="0"/>
             <a:t>Service Pattern</a:t>
           </a:r>
         </a:p>
         <a:p>
-          <a:pPr marL="228600" lvl="2" indent="-114300" algn="l" defTabSz="533400">
+          <a:pPr marL="228600" lvl="2" indent="-114300" algn="l" defTabSz="622300">
             <a:lnSpc>
               <a:spcPct val="90000"/>
             </a:lnSpc>
@@ -6454,12 +6458,12 @@
             <a:buChar char="–"/>
           </a:pPr>
           <a:r>
-            <a:rPr lang="it-IT" sz="1200" kern="1200"/>
+            <a:rPr lang="it-IT" sz="1400" kern="1200"/>
             <a:t>AiService: orchestrazione generazione testo con contesto aziendale</a:t>
           </a:r>
         </a:p>
         <a:p>
-          <a:pPr marL="228600" lvl="2" indent="-114300" algn="l" defTabSz="533400">
+          <a:pPr marL="228600" lvl="2" indent="-114300" algn="l" defTabSz="622300">
             <a:lnSpc>
               <a:spcPct val="90000"/>
             </a:lnSpc>
@@ -6473,12 +6477,12 @@
             <a:buChar char="–"/>
           </a:pPr>
           <a:r>
-            <a:rPr lang="it-IT" sz="1200" kern="1200"/>
+            <a:rPr lang="it-IT" sz="1400" kern="1200"/>
             <a:t>DocumentAnalysisService: OCR e estrazione dati da PDF/immagini</a:t>
           </a:r>
         </a:p>
         <a:p>
-          <a:pPr marL="228600" lvl="2" indent="-114300" algn="l" defTabSz="533400">
+          <a:pPr marL="228600" lvl="2" indent="-114300" algn="l" defTabSz="622300">
             <a:lnSpc>
               <a:spcPct val="90000"/>
             </a:lnSpc>
@@ -6492,17 +6496,17 @@
             <a:buChar char="–"/>
           </a:pPr>
           <a:r>
-            <a:rPr lang="en-US" sz="1200" kern="1200" dirty="0" err="1"/>
+            <a:rPr lang="en-US" sz="1400" kern="1200" dirty="0" err="1"/>
             <a:t>AiTextGenerator</a:t>
           </a:r>
           <a:r>
-            <a:rPr lang="en-US" sz="1200" kern="1200" dirty="0"/>
+            <a:rPr lang="en-US" sz="1400" kern="1200" dirty="0"/>
             <a:t>: adapter per AWS Bedrock SDK</a:t>
           </a:r>
-          <a:endParaRPr lang="it-IT" sz="1200" kern="1200" dirty="0"/>
-        </a:p>
-        <a:p>
-          <a:pPr marL="114300" lvl="1" indent="-114300" algn="l" defTabSz="533400">
+          <a:endParaRPr lang="it-IT" sz="1400" kern="1200" dirty="0"/>
+        </a:p>
+        <a:p>
+          <a:pPr marL="114300" lvl="1" indent="-114300" algn="l" defTabSz="622300">
             <a:lnSpc>
               <a:spcPct val="90000"/>
             </a:lnSpc>
@@ -6515,10 +6519,10 @@
             <a:buFont typeface="Arial" panose="020B0604020202020204" pitchFamily="34" charset="0"/>
             <a:buNone/>
           </a:pPr>
-          <a:endParaRPr lang="it-IT" sz="1200" kern="1200" dirty="0"/>
-        </a:p>
-        <a:p>
-          <a:pPr marL="114300" lvl="1" indent="-114300" algn="l" defTabSz="533400">
+          <a:endParaRPr lang="it-IT" sz="1400" kern="1200" dirty="0"/>
+        </a:p>
+        <a:p>
+          <a:pPr marL="114300" lvl="1" indent="-114300" algn="l" defTabSz="622300">
             <a:lnSpc>
               <a:spcPct val="90000"/>
             </a:lnSpc>
@@ -6532,12 +6536,12 @@
             <a:buChar char="•"/>
           </a:pPr>
           <a:r>
-            <a:rPr lang="it-IT" sz="1200" b="1" kern="1200" dirty="0"/>
+            <a:rPr lang="it-IT" sz="1400" b="1" kern="1200" dirty="0"/>
             <a:t>Active Storage</a:t>
           </a:r>
         </a:p>
         <a:p>
-          <a:pPr marL="228600" lvl="2" indent="-114300" algn="l" defTabSz="533400">
+          <a:pPr marL="228600" lvl="2" indent="-114300" algn="l" defTabSz="622300">
             <a:lnSpc>
               <a:spcPct val="90000"/>
             </a:lnSpc>
@@ -6551,14 +6555,14 @@
             <a:buChar char="–"/>
           </a:pPr>
           <a:r>
-            <a:rPr lang="it-IT" sz="1200" kern="1200" dirty="0"/>
+            <a:rPr lang="it-IT" sz="1400" kern="1200" dirty="0"/>
             <a:t>Gestione upload e storage documenti</a:t>
           </a:r>
         </a:p>
       </dsp:txBody>
       <dsp:txXfrm>
-        <a:off x="0" y="484260"/>
-        <a:ext cx="3154679" cy="3704400"/>
+        <a:off x="0" y="302275"/>
+        <a:ext cx="3764280" cy="4321800"/>
       </dsp:txXfrm>
     </dsp:sp>
     <dsp:sp modelId="{EF67F11A-FCD0-4E59-A23F-17BCC3FB1182}">
@@ -6568,8 +6572,8 @@
       </dsp:nvSpPr>
       <dsp:spPr>
         <a:xfrm>
-          <a:off x="157733" y="307140"/>
-          <a:ext cx="2208275" cy="354240"/>
+          <a:off x="188214" y="95635"/>
+          <a:ext cx="2634996" cy="413280"/>
         </a:xfrm>
         <a:prstGeom prst="roundRect">
           <a:avLst/>
@@ -6635,12 +6639,12 @@
         </a:fontRef>
       </dsp:style>
       <dsp:txBody>
-        <a:bodyPr spcFirstLastPara="0" vert="horz" wrap="square" lIns="83468" tIns="0" rIns="83468" bIns="0" numCol="1" spcCol="1270" anchor="ctr" anchorCtr="0">
+        <a:bodyPr spcFirstLastPara="0" vert="horz" wrap="square" lIns="99597" tIns="0" rIns="99597" bIns="0" numCol="1" spcCol="1270" anchor="ctr" anchorCtr="0">
           <a:noAutofit/>
         </a:bodyPr>
         <a:lstStyle/>
         <a:p>
-          <a:pPr marL="0" lvl="0" indent="0" algn="l" defTabSz="533400">
+          <a:pPr marL="0" lvl="0" indent="0" algn="l" defTabSz="622300">
             <a:lnSpc>
               <a:spcPct val="90000"/>
             </a:lnSpc>
@@ -6653,23 +6657,23 @@
             <a:buNone/>
           </a:pPr>
           <a:r>
-            <a:rPr lang="it-IT" sz="1200" b="1" kern="1200" dirty="0" err="1"/>
+            <a:rPr lang="it-IT" sz="1400" b="1" kern="1200" dirty="0" err="1"/>
             <a:t>Backend</a:t>
           </a:r>
           <a:r>
-            <a:rPr lang="it-IT" sz="1200" b="1" kern="1200" dirty="0"/>
+            <a:rPr lang="it-IT" sz="1400" b="1" kern="1200" dirty="0"/>
             <a:t> - Ruby on </a:t>
           </a:r>
           <a:r>
-            <a:rPr lang="it-IT" sz="1200" b="1" kern="1200" dirty="0" err="1"/>
+            <a:rPr lang="it-IT" sz="1400" b="1" kern="1200" dirty="0" err="1"/>
             <a:t>Rails</a:t>
           </a:r>
-          <a:endParaRPr lang="en-US" sz="1200" kern="1200" dirty="0"/>
+          <a:endParaRPr lang="en-US" sz="1400" kern="1200" dirty="0"/>
         </a:p>
       </dsp:txBody>
       <dsp:txXfrm>
-        <a:off x="175026" y="324433"/>
-        <a:ext cx="2173689" cy="319654"/>
+        <a:off x="208389" y="115810"/>
+        <a:ext cx="2594646" cy="372930"/>
       </dsp:txXfrm>
     </dsp:sp>
   </dsp:spTree>
@@ -6691,8 +6695,8 @@
       </dsp:nvSpPr>
       <dsp:spPr>
         <a:xfrm>
-          <a:off x="0" y="378239"/>
-          <a:ext cx="3124199" cy="3931200"/>
+          <a:off x="0" y="398819"/>
+          <a:ext cx="3733800" cy="4057200"/>
         </a:xfrm>
         <a:prstGeom prst="rect">
           <a:avLst/>
@@ -6728,12 +6732,12 @@
         <a:fontRef idx="minor"/>
       </dsp:style>
       <dsp:txBody>
-        <a:bodyPr spcFirstLastPara="0" vert="horz" wrap="square" lIns="242473" tIns="270764" rIns="242473" bIns="92456" numCol="1" spcCol="1270" anchor="t" anchorCtr="0">
+        <a:bodyPr spcFirstLastPara="0" vert="horz" wrap="square" lIns="289784" tIns="291592" rIns="289784" bIns="99568" numCol="1" spcCol="1270" anchor="t" anchorCtr="0">
           <a:noAutofit/>
         </a:bodyPr>
         <a:lstStyle/>
         <a:p>
-          <a:pPr marL="114300" lvl="1" indent="-114300" algn="l" defTabSz="577850">
+          <a:pPr marL="114300" lvl="1" indent="-114300" algn="l" defTabSz="622300">
             <a:lnSpc>
               <a:spcPct val="90000"/>
             </a:lnSpc>
@@ -6746,13 +6750,13 @@
             <a:buChar char="•"/>
           </a:pPr>
           <a:r>
-            <a:rPr lang="it-IT" sz="1300" b="1" kern="1200" dirty="0"/>
+            <a:rPr lang="it-IT" sz="1400" b="1" kern="1200" dirty="0"/>
             <a:t>Struttura dati relazionale</a:t>
           </a:r>
-          <a:endParaRPr lang="en-US" sz="1300" kern="1200" dirty="0"/>
-        </a:p>
-        <a:p>
-          <a:pPr marL="228600" lvl="2" indent="-114300" algn="l" defTabSz="577850">
+          <a:endParaRPr lang="en-US" sz="1400" kern="1200" dirty="0"/>
+        </a:p>
+        <a:p>
+          <a:pPr marL="228600" lvl="2" indent="-114300" algn="l" defTabSz="622300">
             <a:lnSpc>
               <a:spcPct val="90000"/>
             </a:lnSpc>
@@ -6766,12 +6770,12 @@
             <a:buChar char="–"/>
           </a:pPr>
           <a:r>
-            <a:rPr lang="it-IT" sz="1300" kern="1200"/>
+            <a:rPr lang="it-IT" sz="1400" kern="1200"/>
             <a:t>Company: aziende che utilizzano la piattaforma</a:t>
           </a:r>
         </a:p>
         <a:p>
-          <a:pPr marL="228600" lvl="2" indent="-114300" algn="l" defTabSz="577850">
+          <a:pPr marL="228600" lvl="2" indent="-114300" algn="l" defTabSz="622300">
             <a:lnSpc>
               <a:spcPct val="90000"/>
             </a:lnSpc>
@@ -6785,12 +6789,16 @@
             <a:buChar char="–"/>
           </a:pPr>
           <a:r>
-            <a:rPr lang="it-IT" sz="1300" kern="1200"/>
-            <a:t>Conversation + Message: storico conversazioni AI con contesto</a:t>
+            <a:rPr lang="it-IT" sz="1400" kern="1200" dirty="0" err="1"/>
+            <a:t>Conversation</a:t>
           </a:r>
-        </a:p>
-        <a:p>
-          <a:pPr marL="228600" lvl="2" indent="-114300" algn="l" defTabSz="577850">
+          <a:r>
+            <a:rPr lang="it-IT" sz="1400" kern="1200" dirty="0"/>
+            <a:t> + Message: storico conversazioni AI con contesto</a:t>
+          </a:r>
+        </a:p>
+        <a:p>
+          <a:pPr marL="228600" lvl="2" indent="-114300" algn="l" defTabSz="622300">
             <a:lnSpc>
               <a:spcPct val="90000"/>
             </a:lnSpc>
@@ -6804,12 +6812,12 @@
             <a:buChar char="–"/>
           </a:pPr>
           <a:r>
-            <a:rPr lang="it-IT" sz="1300" kern="1200"/>
+            <a:rPr lang="it-IT" sz="1400" kern="1200"/>
             <a:t>Tone: toni comunicativi personalizzati per azienda</a:t>
           </a:r>
         </a:p>
         <a:p>
-          <a:pPr marL="228600" lvl="2" indent="-114300" algn="l" defTabSz="577850">
+          <a:pPr marL="228600" lvl="2" indent="-114300" algn="l" defTabSz="622300">
             <a:lnSpc>
               <a:spcPct val="90000"/>
             </a:lnSpc>
@@ -6823,32 +6831,32 @@
             <a:buChar char="–"/>
           </a:pPr>
           <a:r>
-            <a:rPr lang="it-IT" sz="1300" kern="1200" dirty="0" err="1"/>
+            <a:rPr lang="it-IT" sz="1400" kern="1200" dirty="0" err="1"/>
             <a:t>Document</a:t>
           </a:r>
           <a:r>
-            <a:rPr lang="it-IT" sz="1300" kern="1200" dirty="0"/>
+            <a:rPr lang="it-IT" sz="1400" kern="1200" dirty="0"/>
             <a:t>: metadati documenti con status (</a:t>
           </a:r>
           <a:r>
-            <a:rPr lang="it-IT" sz="1300" kern="1200" dirty="0" err="1"/>
+            <a:rPr lang="it-IT" sz="1400" kern="1200" dirty="0" err="1"/>
             <a:t>pending</a:t>
           </a:r>
           <a:r>
-            <a:rPr lang="it-IT" sz="1300" kern="1200" dirty="0"/>
+            <a:rPr lang="it-IT" sz="1400" kern="1200" dirty="0"/>
             <a:t>/processing/</a:t>
           </a:r>
           <a:r>
-            <a:rPr lang="it-IT" sz="1300" kern="1200" dirty="0" err="1"/>
+            <a:rPr lang="it-IT" sz="1400" kern="1200" dirty="0" err="1"/>
             <a:t>completed</a:t>
           </a:r>
           <a:r>
-            <a:rPr lang="it-IT" sz="1300" kern="1200" dirty="0"/>
+            <a:rPr lang="it-IT" sz="1400" kern="1200" dirty="0"/>
             <a:t>)</a:t>
           </a:r>
         </a:p>
         <a:p>
-          <a:pPr marL="114300" lvl="1" indent="-114300" algn="l" defTabSz="577850">
+          <a:pPr marL="114300" lvl="1" indent="-114300" algn="l" defTabSz="622300">
             <a:lnSpc>
               <a:spcPct val="90000"/>
             </a:lnSpc>
@@ -6861,10 +6869,10 @@
             <a:buFont typeface="Arial" panose="020B0604020202020204" pitchFamily="34" charset="0"/>
             <a:buNone/>
           </a:pPr>
-          <a:endParaRPr lang="it-IT" sz="1300" kern="1200" dirty="0"/>
-        </a:p>
-        <a:p>
-          <a:pPr marL="114300" lvl="1" indent="-114300" algn="l" defTabSz="577850">
+          <a:endParaRPr lang="it-IT" sz="1400" kern="1200" dirty="0"/>
+        </a:p>
+        <a:p>
+          <a:pPr marL="114300" lvl="1" indent="-114300" algn="l" defTabSz="622300">
             <a:lnSpc>
               <a:spcPct val="90000"/>
             </a:lnSpc>
@@ -6878,12 +6886,12 @@
             <a:buChar char="•"/>
           </a:pPr>
           <a:r>
-            <a:rPr lang="it-IT" sz="1300" b="1" kern="1200" dirty="0"/>
+            <a:rPr lang="it-IT" sz="1400" b="1" kern="1200" dirty="0"/>
             <a:t>Active Record ORM</a:t>
           </a:r>
         </a:p>
         <a:p>
-          <a:pPr marL="228600" lvl="2" indent="-114300" algn="l" defTabSz="577850">
+          <a:pPr marL="228600" lvl="2" indent="-114300" algn="l" defTabSz="622300">
             <a:lnSpc>
               <a:spcPct val="90000"/>
             </a:lnSpc>
@@ -6897,13 +6905,13 @@
             <a:buChar char="–"/>
           </a:pPr>
           <a:r>
-            <a:rPr lang="en-US" sz="1300" kern="1200"/>
+            <a:rPr lang="en-US" sz="1400" kern="1200"/>
             <a:t>Relazioni: Company has_many Documents, Conversations, Tones</a:t>
           </a:r>
-          <a:endParaRPr lang="it-IT" sz="1300" kern="1200"/>
-        </a:p>
-        <a:p>
-          <a:pPr marL="228600" lvl="2" indent="-114300" algn="l" defTabSz="577850">
+          <a:endParaRPr lang="it-IT" sz="1400" kern="1200"/>
+        </a:p>
+        <a:p>
+          <a:pPr marL="228600" lvl="2" indent="-114300" algn="l" defTabSz="622300">
             <a:lnSpc>
               <a:spcPct val="90000"/>
             </a:lnSpc>
@@ -6917,13 +6925,13 @@
             <a:buChar char="–"/>
           </a:pPr>
           <a:r>
-            <a:rPr lang="en-US" sz="1300" kern="1200"/>
+            <a:rPr lang="en-US" sz="1400" kern="1200"/>
             <a:t>Validazioni, enum per status, callbacks lifecycle</a:t>
           </a:r>
-          <a:endParaRPr lang="it-IT" sz="1300" kern="1200"/>
-        </a:p>
-        <a:p>
-          <a:pPr marL="228600" lvl="2" indent="-114300" algn="l" defTabSz="577850">
+          <a:endParaRPr lang="it-IT" sz="1400" kern="1200"/>
+        </a:p>
+        <a:p>
+          <a:pPr marL="228600" lvl="2" indent="-114300" algn="l" defTabSz="622300">
             <a:lnSpc>
               <a:spcPct val="90000"/>
             </a:lnSpc>
@@ -6937,35 +6945,35 @@
             <a:buChar char="–"/>
           </a:pPr>
           <a:r>
-            <a:rPr lang="it-IT" sz="1300" kern="1200" dirty="0"/>
+            <a:rPr lang="it-IT" sz="1400" kern="1200" dirty="0"/>
             <a:t>JSON </a:t>
           </a:r>
           <a:r>
-            <a:rPr lang="it-IT" sz="1300" kern="1200" dirty="0" err="1"/>
+            <a:rPr lang="it-IT" sz="1400" kern="1200" dirty="0" err="1"/>
             <a:t>column</a:t>
           </a:r>
           <a:r>
-            <a:rPr lang="it-IT" sz="1300" kern="1200" dirty="0"/>
+            <a:rPr lang="it-IT" sz="1400" kern="1200" dirty="0"/>
             <a:t> (</a:t>
           </a:r>
           <a:r>
-            <a:rPr lang="it-IT" sz="1300" kern="1200" dirty="0" err="1"/>
+            <a:rPr lang="it-IT" sz="1400" kern="1200" dirty="0" err="1"/>
             <a:t>ai_data</a:t>
           </a:r>
           <a:r>
-            <a:rPr lang="it-IT" sz="1300" kern="1200" dirty="0"/>
+            <a:rPr lang="it-IT" sz="1400" kern="1200" dirty="0"/>
             <a:t>) per salvare dati estratti da </a:t>
           </a:r>
           <a:r>
-            <a:rPr lang="it-IT" sz="1300" kern="1200" dirty="0" err="1"/>
+            <a:rPr lang="it-IT" sz="1400" kern="1200" dirty="0" err="1"/>
             <a:t>Bedrock</a:t>
           </a:r>
-          <a:endParaRPr lang="it-IT" sz="1300" kern="1200" dirty="0"/>
+          <a:endParaRPr lang="it-IT" sz="1400" kern="1200" dirty="0"/>
         </a:p>
       </dsp:txBody>
       <dsp:txXfrm>
-        <a:off x="0" y="378239"/>
-        <a:ext cx="3124199" cy="3931200"/>
+        <a:off x="0" y="398819"/>
+        <a:ext cx="3733800" cy="4057200"/>
       </dsp:txXfrm>
     </dsp:sp>
     <dsp:sp modelId="{EF67F11A-FCD0-4E59-A23F-17BCC3FB1182}">
@@ -6975,8 +6983,8 @@
       </dsp:nvSpPr>
       <dsp:spPr>
         <a:xfrm>
-          <a:off x="156209" y="186359"/>
-          <a:ext cx="2186939" cy="383760"/>
+          <a:off x="186690" y="192179"/>
+          <a:ext cx="2613660" cy="413280"/>
         </a:xfrm>
         <a:prstGeom prst="roundRect">
           <a:avLst/>
@@ -7042,12 +7050,12 @@
         </a:fontRef>
       </dsp:style>
       <dsp:txBody>
-        <a:bodyPr spcFirstLastPara="0" vert="horz" wrap="square" lIns="82661" tIns="0" rIns="82661" bIns="0" numCol="1" spcCol="1270" anchor="ctr" anchorCtr="0">
+        <a:bodyPr spcFirstLastPara="0" vert="horz" wrap="square" lIns="98790" tIns="0" rIns="98790" bIns="0" numCol="1" spcCol="1270" anchor="ctr" anchorCtr="0">
           <a:noAutofit/>
         </a:bodyPr>
         <a:lstStyle/>
         <a:p>
-          <a:pPr marL="0" lvl="0" indent="0" algn="l" defTabSz="577850">
+          <a:pPr marL="0" lvl="0" indent="0" algn="l" defTabSz="622300">
             <a:lnSpc>
               <a:spcPct val="90000"/>
             </a:lnSpc>
@@ -7060,19 +7068,19 @@
             <a:buNone/>
           </a:pPr>
           <a:r>
-            <a:rPr lang="it-IT" sz="1300" b="1" kern="1200" dirty="0"/>
+            <a:rPr lang="it-IT" sz="1400" b="1" kern="1200" dirty="0"/>
             <a:t>Database - </a:t>
           </a:r>
           <a:r>
-            <a:rPr lang="it-IT" sz="1300" b="1" kern="1200" dirty="0" err="1"/>
+            <a:rPr lang="it-IT" sz="1400" b="1" kern="1200" dirty="0" err="1"/>
             <a:t>PostgreSQL</a:t>
           </a:r>
-          <a:endParaRPr lang="en-US" sz="1300" kern="1200" dirty="0"/>
+          <a:endParaRPr lang="en-US" sz="1400" kern="1200" dirty="0"/>
         </a:p>
       </dsp:txBody>
       <dsp:txXfrm>
-        <a:off x="174943" y="205093"/>
-        <a:ext cx="2149471" cy="346292"/>
+        <a:off x="206865" y="212354"/>
+        <a:ext cx="2573310" cy="372930"/>
       </dsp:txXfrm>
     </dsp:sp>
   </dsp:spTree>
@@ -16727,13 +16735,13 @@
           <p:nvPr>
             <p:extLst>
               <p:ext uri="{D42A27DB-BD31-4B8C-83A1-F6EECF244321}">
-                <p14:modId xmlns:p14="http://schemas.microsoft.com/office/powerpoint/2010/main" val="1133166265"/>
+                <p14:modId xmlns:p14="http://schemas.microsoft.com/office/powerpoint/2010/main" val="2913509662"/>
               </p:ext>
             </p:extLst>
           </p:nvPr>
         </p:nvGraphicFramePr>
         <p:xfrm>
-          <a:off x="6273802" y="374040"/>
+          <a:off x="9017002" y="348445"/>
           <a:ext cx="4698999" cy="4627440"/>
         </p:xfrm>
         <a:graphic>
@@ -16769,7 +16777,7 @@
         </p:blipFill>
         <p:spPr>
           <a:xfrm>
-            <a:off x="304800" y="1181100"/>
+            <a:off x="3048000" y="1155505"/>
             <a:ext cx="5079999" cy="2667000"/>
           </a:xfrm>
           <a:prstGeom prst="rect">
@@ -16821,13 +16829,13 @@
           <p:nvPr>
             <p:extLst>
               <p:ext uri="{D42A27DB-BD31-4B8C-83A1-F6EECF244321}">
-                <p14:modId xmlns:p14="http://schemas.microsoft.com/office/powerpoint/2010/main" val="4124215777"/>
+                <p14:modId xmlns:p14="http://schemas.microsoft.com/office/powerpoint/2010/main" val="1913241686"/>
               </p:ext>
             </p:extLst>
           </p:nvPr>
         </p:nvGraphicFramePr>
         <p:xfrm>
-          <a:off x="6290779" y="5410200"/>
+          <a:off x="9033979" y="5384605"/>
           <a:ext cx="4682022" cy="4627440"/>
         </p:xfrm>
         <a:graphic>
@@ -16863,7 +16871,7 @@
         </p:blipFill>
         <p:spPr>
           <a:xfrm>
-            <a:off x="1689208" y="6438901"/>
+            <a:off x="4432408" y="6413306"/>
             <a:ext cx="2311181" cy="2311181"/>
           </a:xfrm>
           <a:prstGeom prst="rect">
@@ -16991,14 +16999,14 @@
           <p:nvPr>
             <p:extLst>
               <p:ext uri="{D42A27DB-BD31-4B8C-83A1-F6EECF244321}">
-                <p14:modId xmlns:p14="http://schemas.microsoft.com/office/powerpoint/2010/main" val="635295323"/>
+                <p14:modId xmlns:p14="http://schemas.microsoft.com/office/powerpoint/2010/main" val="3853386325"/>
               </p:ext>
             </p:extLst>
           </p:nvPr>
         </p:nvGraphicFramePr>
         <p:xfrm>
-          <a:off x="8503921" y="419100"/>
-          <a:ext cx="3154679" cy="4495800"/>
+          <a:off x="9189720" y="266700"/>
+          <a:ext cx="3764280" cy="4719711"/>
         </p:xfrm>
         <a:graphic>
           <a:graphicData uri="http://schemas.openxmlformats.org/drawingml/2006/diagram">
@@ -17033,7 +17041,7 @@
         </p:blipFill>
         <p:spPr>
           <a:xfrm>
-            <a:off x="2117773" y="2037864"/>
+            <a:off x="2803572" y="2109375"/>
             <a:ext cx="3456358" cy="1303215"/>
           </a:xfrm>
           <a:prstGeom prst="rect">
@@ -17085,14 +17093,14 @@
           <p:nvPr>
             <p:extLst>
               <p:ext uri="{D42A27DB-BD31-4B8C-83A1-F6EECF244321}">
-                <p14:modId xmlns:p14="http://schemas.microsoft.com/office/powerpoint/2010/main" val="624401661"/>
+                <p14:modId xmlns:p14="http://schemas.microsoft.com/office/powerpoint/2010/main" val="2014105016"/>
               </p:ext>
             </p:extLst>
           </p:nvPr>
         </p:nvGraphicFramePr>
         <p:xfrm>
-          <a:off x="8534401" y="5224389"/>
-          <a:ext cx="3124199" cy="4495799"/>
+          <a:off x="9220200" y="5143500"/>
+          <a:ext cx="3733800" cy="4648199"/>
         </p:xfrm>
         <a:graphic>
           <a:graphicData uri="http://schemas.openxmlformats.org/drawingml/2006/diagram">
@@ -17127,7 +17135,7 @@
         </p:blipFill>
         <p:spPr>
           <a:xfrm>
-            <a:off x="2133600" y="6405488"/>
+            <a:off x="2819399" y="6476999"/>
             <a:ext cx="4648199" cy="2133600"/>
           </a:xfrm>
           <a:prstGeom prst="rect">

--- a/RTB/TECNOLOGIE/Tecnologie.pptx
+++ b/RTB/TECNOLOGIE/Tecnologie.pptx
@@ -3304,6 +3304,1642 @@
         <a:lstStyle/>
         <a:p>
           <a:r>
+            <a:rPr lang="it-IT" b="1" dirty="0" err="1"/>
+            <a:t>Frontend</a:t>
+          </a:r>
+          <a:r>
+            <a:rPr lang="it-IT" b="1" dirty="0"/>
+            <a:t> - </a:t>
+          </a:r>
+          <a:r>
+            <a:rPr lang="it-IT" b="1" dirty="0" err="1"/>
+            <a:t>Angular</a:t>
+          </a:r>
+          <a:endParaRPr lang="en-US" dirty="0"/>
+        </a:p>
+      </dgm:t>
+    </dgm:pt>
+    <dgm:pt modelId="{522B9AE2-1358-4DCB-B21B-51AD7A4CC3B6}" type="parTrans" cxnId="{8ADAB9E6-BB3B-4581-9B45-07948A4AEA67}">
+      <dgm:prSet/>
+      <dgm:spPr/>
+      <dgm:t>
+        <a:bodyPr/>
+        <a:lstStyle/>
+        <a:p>
+          <a:endParaRPr lang="en-US"/>
+        </a:p>
+      </dgm:t>
+    </dgm:pt>
+    <dgm:pt modelId="{119AEC78-9891-4081-85AD-AAE5114E48ED}" type="sibTrans" cxnId="{8ADAB9E6-BB3B-4581-9B45-07948A4AEA67}">
+      <dgm:prSet/>
+      <dgm:spPr/>
+      <dgm:t>
+        <a:bodyPr/>
+        <a:lstStyle/>
+        <a:p>
+          <a:endParaRPr lang="en-US"/>
+        </a:p>
+      </dgm:t>
+    </dgm:pt>
+    <dgm:pt modelId="{FB7856FD-14F6-497F-A96F-439DE861ECA4}">
+      <dgm:prSet/>
+      <dgm:spPr>
+        <a:solidFill>
+          <a:srgbClr val="FFFAEF">
+            <a:alpha val="90000"/>
+          </a:srgbClr>
+        </a:solidFill>
+      </dgm:spPr>
+      <dgm:t>
+        <a:bodyPr/>
+        <a:lstStyle/>
+        <a:p>
+          <a:r>
+            <a:rPr lang="it-IT" b="1" dirty="0"/>
+            <a:t> Framework principale</a:t>
+          </a:r>
+          <a:endParaRPr lang="en-US" dirty="0"/>
+        </a:p>
+      </dgm:t>
+    </dgm:pt>
+    <dgm:pt modelId="{B2A71A46-24A2-44C1-B6DD-257439AFBC0A}" type="parTrans" cxnId="{F609747B-AE71-4ACA-93A0-5C6C9FA2C6E1}">
+      <dgm:prSet/>
+      <dgm:spPr/>
+      <dgm:t>
+        <a:bodyPr/>
+        <a:lstStyle/>
+        <a:p>
+          <a:endParaRPr lang="en-US"/>
+        </a:p>
+      </dgm:t>
+    </dgm:pt>
+    <dgm:pt modelId="{AED585D0-E158-48D1-8037-5DB08D2C892B}" type="sibTrans" cxnId="{F609747B-AE71-4ACA-93A0-5C6C9FA2C6E1}">
+      <dgm:prSet/>
+      <dgm:spPr/>
+      <dgm:t>
+        <a:bodyPr/>
+        <a:lstStyle/>
+        <a:p>
+          <a:endParaRPr lang="en-US"/>
+        </a:p>
+      </dgm:t>
+    </dgm:pt>
+    <dgm:pt modelId="{141D3803-6A45-424D-9651-5627AAB61B6A}">
+      <dgm:prSet/>
+      <dgm:spPr/>
+      <dgm:t>
+        <a:bodyPr/>
+        <a:lstStyle/>
+        <a:p>
+          <a:pPr>
+            <a:buFont typeface="Arial" panose="020B0604020202020204" pitchFamily="34" charset="0"/>
+            <a:buChar char="–"/>
+          </a:pPr>
+          <a:r>
+            <a:rPr lang="it-IT" dirty="0"/>
+            <a:t> Per dashboard amministrativa</a:t>
+          </a:r>
+        </a:p>
+      </dgm:t>
+    </dgm:pt>
+    <dgm:pt modelId="{72A51AD2-8239-4A14-AC0B-88EEA7A0179C}" type="parTrans" cxnId="{352A38F5-F7D6-411D-943C-C3F938C1E3D7}">
+      <dgm:prSet/>
+      <dgm:spPr/>
+      <dgm:t>
+        <a:bodyPr/>
+        <a:lstStyle/>
+        <a:p>
+          <a:endParaRPr lang="it-IT"/>
+        </a:p>
+      </dgm:t>
+    </dgm:pt>
+    <dgm:pt modelId="{A60107BD-2C24-49F4-A940-BA89AA44743A}" type="sibTrans" cxnId="{352A38F5-F7D6-411D-943C-C3F938C1E3D7}">
+      <dgm:prSet/>
+      <dgm:spPr/>
+      <dgm:t>
+        <a:bodyPr/>
+        <a:lstStyle/>
+        <a:p>
+          <a:endParaRPr lang="it-IT"/>
+        </a:p>
+      </dgm:t>
+    </dgm:pt>
+    <dgm:pt modelId="{99F831AF-A12E-4F07-801E-615F89B3AC36}">
+      <dgm:prSet/>
+      <dgm:spPr/>
+      <dgm:t>
+        <a:bodyPr/>
+        <a:lstStyle/>
+        <a:p>
+          <a:pPr>
+            <a:buFont typeface="Arial" panose="020B0604020202020204" pitchFamily="34" charset="0"/>
+            <a:buChar char="–"/>
+          </a:pPr>
+          <a:r>
+            <a:rPr lang="it-IT" dirty="0"/>
+            <a:t> Componenti modulari: AI Assistant, AI Co-Pilot, Analytics, Storico</a:t>
+          </a:r>
+        </a:p>
+      </dgm:t>
+    </dgm:pt>
+    <dgm:pt modelId="{94B83BAF-5140-4A09-9644-C69A5C49696A}" type="parTrans" cxnId="{E4E41DC1-0B30-467C-9E5A-F2C285252BDB}">
+      <dgm:prSet/>
+      <dgm:spPr/>
+      <dgm:t>
+        <a:bodyPr/>
+        <a:lstStyle/>
+        <a:p>
+          <a:endParaRPr lang="it-IT"/>
+        </a:p>
+      </dgm:t>
+    </dgm:pt>
+    <dgm:pt modelId="{1FFBFB34-0516-4E12-B7E7-CA0B0A76FEBB}" type="sibTrans" cxnId="{E4E41DC1-0B30-467C-9E5A-F2C285252BDB}">
+      <dgm:prSet/>
+      <dgm:spPr/>
+      <dgm:t>
+        <a:bodyPr/>
+        <a:lstStyle/>
+        <a:p>
+          <a:endParaRPr lang="it-IT"/>
+        </a:p>
+      </dgm:t>
+    </dgm:pt>
+    <dgm:pt modelId="{EA4C9FAE-8632-437A-94BC-F7324DD67615}">
+      <dgm:prSet/>
+      <dgm:spPr/>
+      <dgm:t>
+        <a:bodyPr/>
+        <a:lstStyle/>
+        <a:p>
+          <a:pPr>
+            <a:buFont typeface="Arial" panose="020B0604020202020204" pitchFamily="34" charset="0"/>
+            <a:buNone/>
+          </a:pPr>
+          <a:r>
+            <a:rPr lang="it-IT" b="1" dirty="0"/>
+            <a:t>• </a:t>
+          </a:r>
+          <a:r>
+            <a:rPr lang="it-IT" b="1" dirty="0" err="1"/>
+            <a:t>RxJS</a:t>
+          </a:r>
+          <a:r>
+            <a:rPr lang="it-IT" b="1" dirty="0"/>
+            <a:t> 7.8.0</a:t>
+          </a:r>
+        </a:p>
+      </dgm:t>
+    </dgm:pt>
+    <dgm:pt modelId="{933F93DC-F2BC-4901-9B93-BEDA7E1295ED}" type="parTrans" cxnId="{89A26634-7323-49E3-997A-5445C4214B35}">
+      <dgm:prSet/>
+      <dgm:spPr/>
+      <dgm:t>
+        <a:bodyPr/>
+        <a:lstStyle/>
+        <a:p>
+          <a:endParaRPr lang="it-IT"/>
+        </a:p>
+      </dgm:t>
+    </dgm:pt>
+    <dgm:pt modelId="{18CF30EE-9734-4EDB-80FF-201F7A903B36}" type="sibTrans" cxnId="{89A26634-7323-49E3-997A-5445C4214B35}">
+      <dgm:prSet/>
+      <dgm:spPr/>
+      <dgm:t>
+        <a:bodyPr/>
+        <a:lstStyle/>
+        <a:p>
+          <a:endParaRPr lang="it-IT"/>
+        </a:p>
+      </dgm:t>
+    </dgm:pt>
+    <dgm:pt modelId="{F5F55255-3B4A-4616-B6F8-0A66537C5D82}">
+      <dgm:prSet/>
+      <dgm:spPr/>
+      <dgm:t>
+        <a:bodyPr/>
+        <a:lstStyle/>
+        <a:p>
+          <a:pPr>
+            <a:buFont typeface="Arial" panose="020B0604020202020204" pitchFamily="34" charset="0"/>
+            <a:buChar char="–"/>
+          </a:pPr>
+          <a:r>
+            <a:rPr lang="it-IT" dirty="0"/>
+            <a:t> Gestione asincrona chiamate API al </a:t>
+          </a:r>
+          <a:r>
+            <a:rPr lang="it-IT" dirty="0" err="1"/>
+            <a:t>backend</a:t>
+          </a:r>
+          <a:endParaRPr lang="it-IT" dirty="0"/>
+        </a:p>
+      </dgm:t>
+    </dgm:pt>
+    <dgm:pt modelId="{AF394C79-B2A6-4DCB-885D-CE8D2685EC33}" type="parTrans" cxnId="{D3CD3EAD-7193-4575-98B5-F9317CE4FB43}">
+      <dgm:prSet/>
+      <dgm:spPr/>
+      <dgm:t>
+        <a:bodyPr/>
+        <a:lstStyle/>
+        <a:p>
+          <a:endParaRPr lang="it-IT"/>
+        </a:p>
+      </dgm:t>
+    </dgm:pt>
+    <dgm:pt modelId="{E6592C2A-BD5F-424A-817B-CCDA29892586}" type="sibTrans" cxnId="{D3CD3EAD-7193-4575-98B5-F9317CE4FB43}">
+      <dgm:prSet/>
+      <dgm:spPr/>
+      <dgm:t>
+        <a:bodyPr/>
+        <a:lstStyle/>
+        <a:p>
+          <a:endParaRPr lang="it-IT"/>
+        </a:p>
+      </dgm:t>
+    </dgm:pt>
+    <dgm:pt modelId="{24C10798-75D1-47C0-A4DB-CA289CC5805B}">
+      <dgm:prSet/>
+      <dgm:spPr/>
+      <dgm:t>
+        <a:bodyPr/>
+        <a:lstStyle/>
+        <a:p>
+          <a:pPr>
+            <a:buFont typeface="Arial" panose="020B0604020202020204" pitchFamily="34" charset="0"/>
+            <a:buChar char="–"/>
+          </a:pPr>
+          <a:r>
+            <a:rPr lang="it-IT" dirty="0"/>
+            <a:t> Polling per status documenti in analisi</a:t>
+          </a:r>
+        </a:p>
+      </dgm:t>
+    </dgm:pt>
+    <dgm:pt modelId="{CCB71030-2EA5-4506-92EC-221C09CE28D3}" type="parTrans" cxnId="{32E73583-EC60-44EC-A1BF-54C8775B331D}">
+      <dgm:prSet/>
+      <dgm:spPr/>
+      <dgm:t>
+        <a:bodyPr/>
+        <a:lstStyle/>
+        <a:p>
+          <a:endParaRPr lang="it-IT"/>
+        </a:p>
+      </dgm:t>
+    </dgm:pt>
+    <dgm:pt modelId="{ACEF8760-0D4C-4F48-B99C-551EED1CF848}" type="sibTrans" cxnId="{32E73583-EC60-44EC-A1BF-54C8775B331D}">
+      <dgm:prSet/>
+      <dgm:spPr/>
+      <dgm:t>
+        <a:bodyPr/>
+        <a:lstStyle/>
+        <a:p>
+          <a:endParaRPr lang="it-IT"/>
+        </a:p>
+      </dgm:t>
+    </dgm:pt>
+    <dgm:pt modelId="{E31BE80F-FA49-4F70-A117-DEE2C6B30620}">
+      <dgm:prSet/>
+      <dgm:spPr/>
+      <dgm:t>
+        <a:bodyPr/>
+        <a:lstStyle/>
+        <a:p>
+          <a:pPr>
+            <a:buFont typeface="Arial" panose="020B0604020202020204" pitchFamily="34" charset="0"/>
+            <a:buNone/>
+          </a:pPr>
+          <a:endParaRPr lang="it-IT" dirty="0"/>
+        </a:p>
+      </dgm:t>
+    </dgm:pt>
+    <dgm:pt modelId="{4DD27760-D8B2-44E5-987B-E46770BBE20F}" type="parTrans" cxnId="{EDA85965-8EE4-4632-8404-E31BDFF00BB4}">
+      <dgm:prSet/>
+      <dgm:spPr/>
+      <dgm:t>
+        <a:bodyPr/>
+        <a:lstStyle/>
+        <a:p>
+          <a:endParaRPr lang="it-IT"/>
+        </a:p>
+      </dgm:t>
+    </dgm:pt>
+    <dgm:pt modelId="{5B9CFE27-FE64-4208-96F1-2FDAF281E8E1}" type="sibTrans" cxnId="{EDA85965-8EE4-4632-8404-E31BDFF00BB4}">
+      <dgm:prSet/>
+      <dgm:spPr/>
+      <dgm:t>
+        <a:bodyPr/>
+        <a:lstStyle/>
+        <a:p>
+          <a:endParaRPr lang="it-IT"/>
+        </a:p>
+      </dgm:t>
+    </dgm:pt>
+    <dgm:pt modelId="{529C8736-509C-426A-B1AF-D9FE39FB5B28}" type="pres">
+      <dgm:prSet presAssocID="{228ADC0D-83DA-40CE-9EF2-B2A23B2BA12F}" presName="linear" presStyleCnt="0">
+        <dgm:presLayoutVars>
+          <dgm:dir/>
+          <dgm:animLvl val="lvl"/>
+          <dgm:resizeHandles val="exact"/>
+        </dgm:presLayoutVars>
+      </dgm:prSet>
+      <dgm:spPr/>
+    </dgm:pt>
+    <dgm:pt modelId="{8BC7EA25-256B-410A-8E19-CC15A19D412A}" type="pres">
+      <dgm:prSet presAssocID="{EE76E364-6A46-492A-9FD7-63C775ADA808}" presName="parentLin" presStyleCnt="0"/>
+      <dgm:spPr/>
+    </dgm:pt>
+    <dgm:pt modelId="{0E75AC4A-956D-493C-A82B-572CF3B1603B}" type="pres">
+      <dgm:prSet presAssocID="{EE76E364-6A46-492A-9FD7-63C775ADA808}" presName="parentLeftMargin" presStyleLbl="node1" presStyleIdx="0" presStyleCnt="1"/>
+      <dgm:spPr/>
+    </dgm:pt>
+    <dgm:pt modelId="{EF67F11A-FCD0-4E59-A23F-17BCC3FB1182}" type="pres">
+      <dgm:prSet presAssocID="{EE76E364-6A46-492A-9FD7-63C775ADA808}" presName="parentText" presStyleLbl="node1" presStyleIdx="0" presStyleCnt="1">
+        <dgm:presLayoutVars>
+          <dgm:chMax val="0"/>
+          <dgm:bulletEnabled val="1"/>
+        </dgm:presLayoutVars>
+      </dgm:prSet>
+      <dgm:spPr/>
+    </dgm:pt>
+    <dgm:pt modelId="{E84E3A97-5D14-4C15-B06F-E00215B154CE}" type="pres">
+      <dgm:prSet presAssocID="{EE76E364-6A46-492A-9FD7-63C775ADA808}" presName="negativeSpace" presStyleCnt="0"/>
+      <dgm:spPr/>
+    </dgm:pt>
+    <dgm:pt modelId="{8A748C3E-CE62-4E92-A0FE-1F5548AC9D02}" type="pres">
+      <dgm:prSet presAssocID="{EE76E364-6A46-492A-9FD7-63C775ADA808}" presName="childText" presStyleLbl="conFgAcc1" presStyleIdx="0" presStyleCnt="1">
+        <dgm:presLayoutVars>
+          <dgm:bulletEnabled val="1"/>
+        </dgm:presLayoutVars>
+      </dgm:prSet>
+      <dgm:spPr/>
+    </dgm:pt>
+  </dgm:ptLst>
+  <dgm:cxnLst>
+    <dgm:cxn modelId="{BEAA9F05-EFD4-47E4-BDAD-A275F0EA0751}" type="presOf" srcId="{FB7856FD-14F6-497F-A96F-439DE861ECA4}" destId="{8A748C3E-CE62-4E92-A0FE-1F5548AC9D02}" srcOrd="0" destOrd="0" presId="urn:microsoft.com/office/officeart/2005/8/layout/list1"/>
+    <dgm:cxn modelId="{89A26634-7323-49E3-997A-5445C4214B35}" srcId="{EE76E364-6A46-492A-9FD7-63C775ADA808}" destId="{EA4C9FAE-8632-437A-94BC-F7324DD67615}" srcOrd="2" destOrd="0" parTransId="{933F93DC-F2BC-4901-9B93-BEDA7E1295ED}" sibTransId="{18CF30EE-9734-4EDB-80FF-201F7A903B36}"/>
+    <dgm:cxn modelId="{0C848A3D-3553-4924-8D80-54F69669587F}" type="presOf" srcId="{228ADC0D-83DA-40CE-9EF2-B2A23B2BA12F}" destId="{529C8736-509C-426A-B1AF-D9FE39FB5B28}" srcOrd="0" destOrd="0" presId="urn:microsoft.com/office/officeart/2005/8/layout/list1"/>
+    <dgm:cxn modelId="{EDA85965-8EE4-4632-8404-E31BDFF00BB4}" srcId="{EE76E364-6A46-492A-9FD7-63C775ADA808}" destId="{E31BE80F-FA49-4F70-A117-DEE2C6B30620}" srcOrd="1" destOrd="0" parTransId="{4DD27760-D8B2-44E5-987B-E46770BBE20F}" sibTransId="{5B9CFE27-FE64-4208-96F1-2FDAF281E8E1}"/>
+    <dgm:cxn modelId="{7819AA54-EB0A-454E-AD7C-9E32ABD54220}" type="presOf" srcId="{141D3803-6A45-424D-9651-5627AAB61B6A}" destId="{8A748C3E-CE62-4E92-A0FE-1F5548AC9D02}" srcOrd="0" destOrd="1" presId="urn:microsoft.com/office/officeart/2005/8/layout/list1"/>
+    <dgm:cxn modelId="{0C2C0556-2531-4132-A5FF-B6C94EF444C9}" type="presOf" srcId="{EE76E364-6A46-492A-9FD7-63C775ADA808}" destId="{EF67F11A-FCD0-4E59-A23F-17BCC3FB1182}" srcOrd="1" destOrd="0" presId="urn:microsoft.com/office/officeart/2005/8/layout/list1"/>
+    <dgm:cxn modelId="{F609747B-AE71-4ACA-93A0-5C6C9FA2C6E1}" srcId="{EE76E364-6A46-492A-9FD7-63C775ADA808}" destId="{FB7856FD-14F6-497F-A96F-439DE861ECA4}" srcOrd="0" destOrd="0" parTransId="{B2A71A46-24A2-44C1-B6DD-257439AFBC0A}" sibTransId="{AED585D0-E158-48D1-8037-5DB08D2C892B}"/>
+    <dgm:cxn modelId="{32E73583-EC60-44EC-A1BF-54C8775B331D}" srcId="{EA4C9FAE-8632-437A-94BC-F7324DD67615}" destId="{24C10798-75D1-47C0-A4DB-CA289CC5805B}" srcOrd="1" destOrd="0" parTransId="{CCB71030-2EA5-4506-92EC-221C09CE28D3}" sibTransId="{ACEF8760-0D4C-4F48-B99C-551EED1CF848}"/>
+    <dgm:cxn modelId="{EEF0FD9E-9011-42DF-B6EF-82670B3BF794}" type="presOf" srcId="{F5F55255-3B4A-4616-B6F8-0A66537C5D82}" destId="{8A748C3E-CE62-4E92-A0FE-1F5548AC9D02}" srcOrd="0" destOrd="5" presId="urn:microsoft.com/office/officeart/2005/8/layout/list1"/>
+    <dgm:cxn modelId="{D3CD3EAD-7193-4575-98B5-F9317CE4FB43}" srcId="{EA4C9FAE-8632-437A-94BC-F7324DD67615}" destId="{F5F55255-3B4A-4616-B6F8-0A66537C5D82}" srcOrd="0" destOrd="0" parTransId="{AF394C79-B2A6-4DCB-885D-CE8D2685EC33}" sibTransId="{E6592C2A-BD5F-424A-817B-CCDA29892586}"/>
+    <dgm:cxn modelId="{EC22ABB2-7ED1-4B07-AA92-F5ECE1EA5D71}" type="presOf" srcId="{EA4C9FAE-8632-437A-94BC-F7324DD67615}" destId="{8A748C3E-CE62-4E92-A0FE-1F5548AC9D02}" srcOrd="0" destOrd="4" presId="urn:microsoft.com/office/officeart/2005/8/layout/list1"/>
+    <dgm:cxn modelId="{5E9EFBBC-6F16-404D-8426-5A65476D0E63}" type="presOf" srcId="{24C10798-75D1-47C0-A4DB-CA289CC5805B}" destId="{8A748C3E-CE62-4E92-A0FE-1F5548AC9D02}" srcOrd="0" destOrd="6" presId="urn:microsoft.com/office/officeart/2005/8/layout/list1"/>
+    <dgm:cxn modelId="{532EA1BD-9135-47A3-810A-B944735836EF}" type="presOf" srcId="{EE76E364-6A46-492A-9FD7-63C775ADA808}" destId="{0E75AC4A-956D-493C-A82B-572CF3B1603B}" srcOrd="0" destOrd="0" presId="urn:microsoft.com/office/officeart/2005/8/layout/list1"/>
+    <dgm:cxn modelId="{E4E41DC1-0B30-467C-9E5A-F2C285252BDB}" srcId="{FB7856FD-14F6-497F-A96F-439DE861ECA4}" destId="{99F831AF-A12E-4F07-801E-615F89B3AC36}" srcOrd="1" destOrd="0" parTransId="{94B83BAF-5140-4A09-9644-C69A5C49696A}" sibTransId="{1FFBFB34-0516-4E12-B7E7-CA0B0A76FEBB}"/>
+    <dgm:cxn modelId="{061639D3-5D54-47A9-BA0F-3FBD23F399C3}" type="presOf" srcId="{E31BE80F-FA49-4F70-A117-DEE2C6B30620}" destId="{8A748C3E-CE62-4E92-A0FE-1F5548AC9D02}" srcOrd="0" destOrd="3" presId="urn:microsoft.com/office/officeart/2005/8/layout/list1"/>
+    <dgm:cxn modelId="{1768D9DB-57D8-4877-BB53-088C72093E55}" type="presOf" srcId="{99F831AF-A12E-4F07-801E-615F89B3AC36}" destId="{8A748C3E-CE62-4E92-A0FE-1F5548AC9D02}" srcOrd="0" destOrd="2" presId="urn:microsoft.com/office/officeart/2005/8/layout/list1"/>
+    <dgm:cxn modelId="{8ADAB9E6-BB3B-4581-9B45-07948A4AEA67}" srcId="{228ADC0D-83DA-40CE-9EF2-B2A23B2BA12F}" destId="{EE76E364-6A46-492A-9FD7-63C775ADA808}" srcOrd="0" destOrd="0" parTransId="{522B9AE2-1358-4DCB-B21B-51AD7A4CC3B6}" sibTransId="{119AEC78-9891-4081-85AD-AAE5114E48ED}"/>
+    <dgm:cxn modelId="{352A38F5-F7D6-411D-943C-C3F938C1E3D7}" srcId="{FB7856FD-14F6-497F-A96F-439DE861ECA4}" destId="{141D3803-6A45-424D-9651-5627AAB61B6A}" srcOrd="0" destOrd="0" parTransId="{72A51AD2-8239-4A14-AC0B-88EEA7A0179C}" sibTransId="{A60107BD-2C24-49F4-A940-BA89AA44743A}"/>
+    <dgm:cxn modelId="{2279119C-6185-49D8-86B8-240418A9F99B}" type="presParOf" srcId="{529C8736-509C-426A-B1AF-D9FE39FB5B28}" destId="{8BC7EA25-256B-410A-8E19-CC15A19D412A}" srcOrd="0" destOrd="0" presId="urn:microsoft.com/office/officeart/2005/8/layout/list1"/>
+    <dgm:cxn modelId="{765E31C3-7799-46A6-8DC4-0025CE16B733}" type="presParOf" srcId="{8BC7EA25-256B-410A-8E19-CC15A19D412A}" destId="{0E75AC4A-956D-493C-A82B-572CF3B1603B}" srcOrd="0" destOrd="0" presId="urn:microsoft.com/office/officeart/2005/8/layout/list1"/>
+    <dgm:cxn modelId="{46E10686-AFE9-435F-BB57-78D8F28274FC}" type="presParOf" srcId="{8BC7EA25-256B-410A-8E19-CC15A19D412A}" destId="{EF67F11A-FCD0-4E59-A23F-17BCC3FB1182}" srcOrd="1" destOrd="0" presId="urn:microsoft.com/office/officeart/2005/8/layout/list1"/>
+    <dgm:cxn modelId="{C5FB36A8-85E2-4A6A-8F32-E07DDABC9065}" type="presParOf" srcId="{529C8736-509C-426A-B1AF-D9FE39FB5B28}" destId="{E84E3A97-5D14-4C15-B06F-E00215B154CE}" srcOrd="1" destOrd="0" presId="urn:microsoft.com/office/officeart/2005/8/layout/list1"/>
+    <dgm:cxn modelId="{CD232058-5717-4FCC-872D-4E6D9145899C}" type="presParOf" srcId="{529C8736-509C-426A-B1AF-D9FE39FB5B28}" destId="{8A748C3E-CE62-4E92-A0FE-1F5548AC9D02}" srcOrd="2" destOrd="0" presId="urn:microsoft.com/office/officeart/2005/8/layout/list1"/>
+  </dgm:cxnLst>
+  <dgm:bg/>
+  <dgm:whole/>
+  <dgm:extLst>
+    <a:ext uri="http://schemas.microsoft.com/office/drawing/2008/diagram">
+      <dsp:dataModelExt xmlns:dsp="http://schemas.microsoft.com/office/drawing/2008/diagram" relId="rId7" minVer="http://schemas.openxmlformats.org/drawingml/2006/diagram"/>
+    </a:ext>
+  </dgm:extLst>
+</dgm:dataModel>
+</file>
+
+<file path=ppt/diagrams/data2.xml><?xml version="1.0" encoding="utf-8"?>
+<dgm:dataModel xmlns:dgm="http://schemas.openxmlformats.org/drawingml/2006/diagram" xmlns:a="http://schemas.openxmlformats.org/drawingml/2006/main">
+  <dgm:ptLst>
+    <dgm:pt modelId="{228ADC0D-83DA-40CE-9EF2-B2A23B2BA12F}" type="doc">
+      <dgm:prSet loTypeId="urn:microsoft.com/office/officeart/2005/8/layout/list1" loCatId="list" qsTypeId="urn:microsoft.com/office/officeart/2005/8/quickstyle/simple4" qsCatId="simple" csTypeId="urn:microsoft.com/office/officeart/2005/8/colors/colorful5" csCatId="colorful" phldr="1"/>
+      <dgm:spPr/>
+      <dgm:t>
+        <a:bodyPr/>
+        <a:lstStyle/>
+        <a:p>
+          <a:endParaRPr lang="en-US"/>
+        </a:p>
+      </dgm:t>
+    </dgm:pt>
+    <dgm:pt modelId="{EE76E364-6A46-492A-9FD7-63C775ADA808}">
+      <dgm:prSet/>
+      <dgm:spPr/>
+      <dgm:t>
+        <a:bodyPr/>
+        <a:lstStyle/>
+        <a:p>
+          <a:r>
+            <a:rPr lang="it-IT" b="1" dirty="0" err="1"/>
+            <a:t>Backend</a:t>
+          </a:r>
+          <a:r>
+            <a:rPr lang="it-IT" b="1" dirty="0"/>
+            <a:t> - Ruby on </a:t>
+          </a:r>
+          <a:r>
+            <a:rPr lang="it-IT" b="1" dirty="0" err="1"/>
+            <a:t>Rails</a:t>
+          </a:r>
+          <a:endParaRPr lang="en-US" dirty="0"/>
+        </a:p>
+      </dgm:t>
+    </dgm:pt>
+    <dgm:pt modelId="{522B9AE2-1358-4DCB-B21B-51AD7A4CC3B6}" type="parTrans" cxnId="{8ADAB9E6-BB3B-4581-9B45-07948A4AEA67}">
+      <dgm:prSet/>
+      <dgm:spPr/>
+      <dgm:t>
+        <a:bodyPr/>
+        <a:lstStyle/>
+        <a:p>
+          <a:endParaRPr lang="en-US"/>
+        </a:p>
+      </dgm:t>
+    </dgm:pt>
+    <dgm:pt modelId="{119AEC78-9891-4081-85AD-AAE5114E48ED}" type="sibTrans" cxnId="{8ADAB9E6-BB3B-4581-9B45-07948A4AEA67}">
+      <dgm:prSet/>
+      <dgm:spPr/>
+      <dgm:t>
+        <a:bodyPr/>
+        <a:lstStyle/>
+        <a:p>
+          <a:endParaRPr lang="en-US"/>
+        </a:p>
+      </dgm:t>
+    </dgm:pt>
+    <dgm:pt modelId="{FB7856FD-14F6-497F-A96F-439DE861ECA4}">
+      <dgm:prSet/>
+      <dgm:spPr>
+        <a:solidFill>
+          <a:srgbClr val="FFFAEF">
+            <a:alpha val="90000"/>
+          </a:srgbClr>
+        </a:solidFill>
+      </dgm:spPr>
+      <dgm:t>
+        <a:bodyPr/>
+        <a:lstStyle/>
+        <a:p>
+          <a:r>
+            <a:rPr lang="it-IT" b="1" dirty="0"/>
+            <a:t>API REST </a:t>
+          </a:r>
+          <a:endParaRPr lang="en-US" dirty="0"/>
+        </a:p>
+      </dgm:t>
+    </dgm:pt>
+    <dgm:pt modelId="{B2A71A46-24A2-44C1-B6DD-257439AFBC0A}" type="parTrans" cxnId="{F609747B-AE71-4ACA-93A0-5C6C9FA2C6E1}">
+      <dgm:prSet/>
+      <dgm:spPr/>
+      <dgm:t>
+        <a:bodyPr/>
+        <a:lstStyle/>
+        <a:p>
+          <a:endParaRPr lang="en-US"/>
+        </a:p>
+      </dgm:t>
+    </dgm:pt>
+    <dgm:pt modelId="{AED585D0-E158-48D1-8037-5DB08D2C892B}" type="sibTrans" cxnId="{F609747B-AE71-4ACA-93A0-5C6C9FA2C6E1}">
+      <dgm:prSet/>
+      <dgm:spPr/>
+      <dgm:t>
+        <a:bodyPr/>
+        <a:lstStyle/>
+        <a:p>
+          <a:endParaRPr lang="en-US"/>
+        </a:p>
+      </dgm:t>
+    </dgm:pt>
+    <dgm:pt modelId="{F0995947-CE14-4D83-9ECC-D60425475577}">
+      <dgm:prSet/>
+      <dgm:spPr/>
+      <dgm:t>
+        <a:bodyPr/>
+        <a:lstStyle/>
+        <a:p>
+          <a:pPr>
+            <a:buFont typeface="Arial" panose="020B0604020202020204" pitchFamily="34" charset="0"/>
+            <a:buChar char="–"/>
+          </a:pPr>
+          <a:r>
+            <a:rPr lang="it-IT"/>
+            <a:t>Endpoint per generazione testo AI (/genera)</a:t>
+          </a:r>
+        </a:p>
+      </dgm:t>
+    </dgm:pt>
+    <dgm:pt modelId="{8C65760D-4140-486E-844F-5B7951439C97}" type="parTrans" cxnId="{11E2A1A2-CA31-4CCC-AA4B-3206B710C5B0}">
+      <dgm:prSet/>
+      <dgm:spPr/>
+      <dgm:t>
+        <a:bodyPr/>
+        <a:lstStyle/>
+        <a:p>
+          <a:endParaRPr lang="it-IT"/>
+        </a:p>
+      </dgm:t>
+    </dgm:pt>
+    <dgm:pt modelId="{CFD1E0D2-15BF-4A59-9258-6D8872AB7B21}" type="sibTrans" cxnId="{11E2A1A2-CA31-4CCC-AA4B-3206B710C5B0}">
+      <dgm:prSet/>
+      <dgm:spPr/>
+      <dgm:t>
+        <a:bodyPr/>
+        <a:lstStyle/>
+        <a:p>
+          <a:endParaRPr lang="it-IT"/>
+        </a:p>
+      </dgm:t>
+    </dgm:pt>
+    <dgm:pt modelId="{95A7F12D-297F-40DB-A513-3018E3940734}">
+      <dgm:prSet/>
+      <dgm:spPr/>
+      <dgm:t>
+        <a:bodyPr/>
+        <a:lstStyle/>
+        <a:p>
+          <a:pPr>
+            <a:buFont typeface="Arial" panose="020B0604020202020204" pitchFamily="34" charset="0"/>
+            <a:buChar char="–"/>
+          </a:pPr>
+          <a:r>
+            <a:rPr lang="it-IT" dirty="0"/>
+            <a:t>Gestione documenti: upload, analisi, consultazione</a:t>
+          </a:r>
+        </a:p>
+      </dgm:t>
+    </dgm:pt>
+    <dgm:pt modelId="{A291ECBE-22CB-47BD-8297-0F8ACE219388}" type="parTrans" cxnId="{15788A52-A4F9-46EF-BCF8-196FE6E8987F}">
+      <dgm:prSet/>
+      <dgm:spPr/>
+      <dgm:t>
+        <a:bodyPr/>
+        <a:lstStyle/>
+        <a:p>
+          <a:endParaRPr lang="it-IT"/>
+        </a:p>
+      </dgm:t>
+    </dgm:pt>
+    <dgm:pt modelId="{1015E87D-49D3-429E-B75A-C080A41BC7E4}" type="sibTrans" cxnId="{15788A52-A4F9-46EF-BCF8-196FE6E8987F}">
+      <dgm:prSet/>
+      <dgm:spPr/>
+      <dgm:t>
+        <a:bodyPr/>
+        <a:lstStyle/>
+        <a:p>
+          <a:endParaRPr lang="it-IT"/>
+        </a:p>
+      </dgm:t>
+    </dgm:pt>
+    <dgm:pt modelId="{F30AB126-9BA3-4F11-8686-655896DDE649}">
+      <dgm:prSet/>
+      <dgm:spPr/>
+      <dgm:t>
+        <a:bodyPr/>
+        <a:lstStyle/>
+        <a:p>
+          <a:pPr>
+            <a:buFont typeface="Arial" panose="020B0604020202020204" pitchFamily="34" charset="0"/>
+            <a:buChar char="–"/>
+          </a:pPr>
+          <a:r>
+            <a:rPr lang="it-IT" dirty="0"/>
+            <a:t>Gestione conversazioni e storico messaggi</a:t>
+          </a:r>
+        </a:p>
+      </dgm:t>
+    </dgm:pt>
+    <dgm:pt modelId="{89A05751-DF44-4874-A8EE-5C3884B19D5C}" type="parTrans" cxnId="{FCBF825B-483C-430E-870F-C59523B13463}">
+      <dgm:prSet/>
+      <dgm:spPr/>
+      <dgm:t>
+        <a:bodyPr/>
+        <a:lstStyle/>
+        <a:p>
+          <a:endParaRPr lang="it-IT"/>
+        </a:p>
+      </dgm:t>
+    </dgm:pt>
+    <dgm:pt modelId="{FC8DC035-1625-47F2-AB88-670A3ACCDCAD}" type="sibTrans" cxnId="{FCBF825B-483C-430E-870F-C59523B13463}">
+      <dgm:prSet/>
+      <dgm:spPr/>
+      <dgm:t>
+        <a:bodyPr/>
+        <a:lstStyle/>
+        <a:p>
+          <a:endParaRPr lang="it-IT"/>
+        </a:p>
+      </dgm:t>
+    </dgm:pt>
+    <dgm:pt modelId="{05CACA1C-8514-488E-A3B1-743F4C7FDF81}">
+      <dgm:prSet/>
+      <dgm:spPr/>
+      <dgm:t>
+        <a:bodyPr/>
+        <a:lstStyle/>
+        <a:p>
+          <a:pPr>
+            <a:buFont typeface="Arial" panose="020B0604020202020204" pitchFamily="34" charset="0"/>
+            <a:buChar char="•"/>
+          </a:pPr>
+          <a:r>
+            <a:rPr lang="it-IT" b="1" dirty="0"/>
+            <a:t>Service Pattern</a:t>
+          </a:r>
+        </a:p>
+      </dgm:t>
+    </dgm:pt>
+    <dgm:pt modelId="{5137DEA9-573D-45E0-BEFF-0CC80F2BF13A}" type="parTrans" cxnId="{DC3F106A-775E-4BA0-94B0-446F37EFF2A7}">
+      <dgm:prSet/>
+      <dgm:spPr/>
+      <dgm:t>
+        <a:bodyPr/>
+        <a:lstStyle/>
+        <a:p>
+          <a:endParaRPr lang="it-IT"/>
+        </a:p>
+      </dgm:t>
+    </dgm:pt>
+    <dgm:pt modelId="{077B0C73-DA12-4F3C-B8A7-19223FD43E01}" type="sibTrans" cxnId="{DC3F106A-775E-4BA0-94B0-446F37EFF2A7}">
+      <dgm:prSet/>
+      <dgm:spPr/>
+      <dgm:t>
+        <a:bodyPr/>
+        <a:lstStyle/>
+        <a:p>
+          <a:endParaRPr lang="it-IT"/>
+        </a:p>
+      </dgm:t>
+    </dgm:pt>
+    <dgm:pt modelId="{97E67E5C-DF06-4EED-B1E8-66C2018EB052}">
+      <dgm:prSet/>
+      <dgm:spPr/>
+      <dgm:t>
+        <a:bodyPr/>
+        <a:lstStyle/>
+        <a:p>
+          <a:pPr>
+            <a:buFont typeface="Arial" panose="020B0604020202020204" pitchFamily="34" charset="0"/>
+            <a:buChar char="–"/>
+          </a:pPr>
+          <a:r>
+            <a:rPr lang="it-IT"/>
+            <a:t>AiService: orchestrazione generazione testo con contesto aziendale</a:t>
+          </a:r>
+        </a:p>
+      </dgm:t>
+    </dgm:pt>
+    <dgm:pt modelId="{7DF86695-71CA-4EED-8188-C504AB812890}" type="parTrans" cxnId="{09B9BC47-2A9B-4941-9011-D241E8C5EF9D}">
+      <dgm:prSet/>
+      <dgm:spPr/>
+      <dgm:t>
+        <a:bodyPr/>
+        <a:lstStyle/>
+        <a:p>
+          <a:endParaRPr lang="it-IT"/>
+        </a:p>
+      </dgm:t>
+    </dgm:pt>
+    <dgm:pt modelId="{CED077FF-7ED2-439E-8EB5-8DDB2B6C38C0}" type="sibTrans" cxnId="{09B9BC47-2A9B-4941-9011-D241E8C5EF9D}">
+      <dgm:prSet/>
+      <dgm:spPr/>
+      <dgm:t>
+        <a:bodyPr/>
+        <a:lstStyle/>
+        <a:p>
+          <a:endParaRPr lang="it-IT"/>
+        </a:p>
+      </dgm:t>
+    </dgm:pt>
+    <dgm:pt modelId="{D41AA80C-B95D-4DC9-931E-F132560E39DA}">
+      <dgm:prSet/>
+      <dgm:spPr/>
+      <dgm:t>
+        <a:bodyPr/>
+        <a:lstStyle/>
+        <a:p>
+          <a:pPr>
+            <a:buFont typeface="Arial" panose="020B0604020202020204" pitchFamily="34" charset="0"/>
+            <a:buChar char="–"/>
+          </a:pPr>
+          <a:r>
+            <a:rPr lang="it-IT"/>
+            <a:t>DocumentAnalysisService: OCR e estrazione dati da PDF/immagini</a:t>
+          </a:r>
+        </a:p>
+      </dgm:t>
+    </dgm:pt>
+    <dgm:pt modelId="{054C04AB-BA6F-4CE9-8B1C-715FCBE24884}" type="parTrans" cxnId="{118FFBEE-DC84-405B-B8B6-3A0BC78AB23E}">
+      <dgm:prSet/>
+      <dgm:spPr/>
+      <dgm:t>
+        <a:bodyPr/>
+        <a:lstStyle/>
+        <a:p>
+          <a:endParaRPr lang="it-IT"/>
+        </a:p>
+      </dgm:t>
+    </dgm:pt>
+    <dgm:pt modelId="{E65B586C-5326-4D79-B708-94053D65E77F}" type="sibTrans" cxnId="{118FFBEE-DC84-405B-B8B6-3A0BC78AB23E}">
+      <dgm:prSet/>
+      <dgm:spPr/>
+      <dgm:t>
+        <a:bodyPr/>
+        <a:lstStyle/>
+        <a:p>
+          <a:endParaRPr lang="it-IT"/>
+        </a:p>
+      </dgm:t>
+    </dgm:pt>
+    <dgm:pt modelId="{EECA5FCB-DB54-4515-8F53-72C7E30A1728}">
+      <dgm:prSet/>
+      <dgm:spPr/>
+      <dgm:t>
+        <a:bodyPr/>
+        <a:lstStyle/>
+        <a:p>
+          <a:pPr>
+            <a:buFont typeface="Arial" panose="020B0604020202020204" pitchFamily="34" charset="0"/>
+            <a:buChar char="–"/>
+          </a:pPr>
+          <a:r>
+            <a:rPr lang="en-US" dirty="0" err="1"/>
+            <a:t>AiTextGenerator</a:t>
+          </a:r>
+          <a:r>
+            <a:rPr lang="en-US" dirty="0"/>
+            <a:t>: adapter per AWS Bedrock SDK</a:t>
+          </a:r>
+          <a:endParaRPr lang="it-IT" dirty="0"/>
+        </a:p>
+      </dgm:t>
+    </dgm:pt>
+    <dgm:pt modelId="{3863604E-7E93-40E7-9FEB-23D76DB70CEA}" type="parTrans" cxnId="{DC91C485-9AC5-451F-9AE1-C0F476EB6206}">
+      <dgm:prSet/>
+      <dgm:spPr/>
+      <dgm:t>
+        <a:bodyPr/>
+        <a:lstStyle/>
+        <a:p>
+          <a:endParaRPr lang="it-IT"/>
+        </a:p>
+      </dgm:t>
+    </dgm:pt>
+    <dgm:pt modelId="{6D70DF1C-D6E9-49F3-AD91-4F1312852BBB}" type="sibTrans" cxnId="{DC91C485-9AC5-451F-9AE1-C0F476EB6206}">
+      <dgm:prSet/>
+      <dgm:spPr/>
+      <dgm:t>
+        <a:bodyPr/>
+        <a:lstStyle/>
+        <a:p>
+          <a:endParaRPr lang="it-IT"/>
+        </a:p>
+      </dgm:t>
+    </dgm:pt>
+    <dgm:pt modelId="{AA94B83B-559F-4349-AEEF-CFF096C1B520}">
+      <dgm:prSet/>
+      <dgm:spPr/>
+      <dgm:t>
+        <a:bodyPr/>
+        <a:lstStyle/>
+        <a:p>
+          <a:pPr>
+            <a:buFont typeface="Arial" panose="020B0604020202020204" pitchFamily="34" charset="0"/>
+            <a:buChar char="•"/>
+          </a:pPr>
+          <a:r>
+            <a:rPr lang="it-IT" b="1" dirty="0"/>
+            <a:t>Active Storage</a:t>
+          </a:r>
+        </a:p>
+      </dgm:t>
+    </dgm:pt>
+    <dgm:pt modelId="{27DA67FC-2500-4060-AEA0-EF50600B9194}" type="parTrans" cxnId="{A514AF4D-4492-4618-A0F9-8A5152E75561}">
+      <dgm:prSet/>
+      <dgm:spPr/>
+      <dgm:t>
+        <a:bodyPr/>
+        <a:lstStyle/>
+        <a:p>
+          <a:endParaRPr lang="it-IT"/>
+        </a:p>
+      </dgm:t>
+    </dgm:pt>
+    <dgm:pt modelId="{402D5ED1-A66C-406E-BBBD-B0DEBAD8267E}" type="sibTrans" cxnId="{A514AF4D-4492-4618-A0F9-8A5152E75561}">
+      <dgm:prSet/>
+      <dgm:spPr/>
+      <dgm:t>
+        <a:bodyPr/>
+        <a:lstStyle/>
+        <a:p>
+          <a:endParaRPr lang="it-IT"/>
+        </a:p>
+      </dgm:t>
+    </dgm:pt>
+    <dgm:pt modelId="{181CC6D5-D593-4D47-9F80-90781C2FF6CC}">
+      <dgm:prSet/>
+      <dgm:spPr/>
+      <dgm:t>
+        <a:bodyPr/>
+        <a:lstStyle/>
+        <a:p>
+          <a:pPr>
+            <a:buFont typeface="Arial" panose="020B0604020202020204" pitchFamily="34" charset="0"/>
+            <a:buChar char="–"/>
+          </a:pPr>
+          <a:r>
+            <a:rPr lang="it-IT" dirty="0"/>
+            <a:t>Gestione upload e storage documenti</a:t>
+          </a:r>
+        </a:p>
+      </dgm:t>
+    </dgm:pt>
+    <dgm:pt modelId="{8E0F15C4-B7A7-44CE-A0C0-5E8968E5C579}" type="parTrans" cxnId="{AFD6D308-4D6D-41A0-B9E6-45442280845E}">
+      <dgm:prSet/>
+      <dgm:spPr/>
+      <dgm:t>
+        <a:bodyPr/>
+        <a:lstStyle/>
+        <a:p>
+          <a:endParaRPr lang="it-IT"/>
+        </a:p>
+      </dgm:t>
+    </dgm:pt>
+    <dgm:pt modelId="{998CAD14-9D3B-4469-B322-BE3FE75FB6A4}" type="sibTrans" cxnId="{AFD6D308-4D6D-41A0-B9E6-45442280845E}">
+      <dgm:prSet/>
+      <dgm:spPr/>
+      <dgm:t>
+        <a:bodyPr/>
+        <a:lstStyle/>
+        <a:p>
+          <a:endParaRPr lang="it-IT"/>
+        </a:p>
+      </dgm:t>
+    </dgm:pt>
+    <dgm:pt modelId="{25743D0A-F3FD-478C-ADAF-F4063DDF24C2}">
+      <dgm:prSet/>
+      <dgm:spPr/>
+      <dgm:t>
+        <a:bodyPr/>
+        <a:lstStyle/>
+        <a:p>
+          <a:pPr>
+            <a:buFont typeface="Arial" panose="020B0604020202020204" pitchFamily="34" charset="0"/>
+            <a:buNone/>
+          </a:pPr>
+          <a:endParaRPr lang="it-IT" dirty="0"/>
+        </a:p>
+      </dgm:t>
+    </dgm:pt>
+    <dgm:pt modelId="{4123C60A-D82C-4380-B3B1-33A0F29EA7A7}" type="parTrans" cxnId="{A20DD3DC-110A-4A8F-8550-889E2113B2AC}">
+      <dgm:prSet/>
+      <dgm:spPr/>
+      <dgm:t>
+        <a:bodyPr/>
+        <a:lstStyle/>
+        <a:p>
+          <a:endParaRPr lang="it-IT"/>
+        </a:p>
+      </dgm:t>
+    </dgm:pt>
+    <dgm:pt modelId="{17355BA7-A0F2-44B5-9276-A325F0DCEC04}" type="sibTrans" cxnId="{A20DD3DC-110A-4A8F-8550-889E2113B2AC}">
+      <dgm:prSet/>
+      <dgm:spPr/>
+      <dgm:t>
+        <a:bodyPr/>
+        <a:lstStyle/>
+        <a:p>
+          <a:endParaRPr lang="it-IT"/>
+        </a:p>
+      </dgm:t>
+    </dgm:pt>
+    <dgm:pt modelId="{2572F097-FD6E-47CC-9952-EA72E1E6B7D7}">
+      <dgm:prSet/>
+      <dgm:spPr/>
+      <dgm:t>
+        <a:bodyPr/>
+        <a:lstStyle/>
+        <a:p>
+          <a:pPr>
+            <a:buFont typeface="Arial" panose="020B0604020202020204" pitchFamily="34" charset="0"/>
+            <a:buNone/>
+          </a:pPr>
+          <a:endParaRPr lang="it-IT" dirty="0"/>
+        </a:p>
+      </dgm:t>
+    </dgm:pt>
+    <dgm:pt modelId="{7DA250F3-C26E-4E58-B34D-ADD098D8D577}" type="parTrans" cxnId="{4F0F1ADC-2EBE-4F4E-9221-A824D310F99C}">
+      <dgm:prSet/>
+      <dgm:spPr/>
+      <dgm:t>
+        <a:bodyPr/>
+        <a:lstStyle/>
+        <a:p>
+          <a:endParaRPr lang="it-IT"/>
+        </a:p>
+      </dgm:t>
+    </dgm:pt>
+    <dgm:pt modelId="{212C8506-FAEB-40DF-9803-B85BCA38A8D9}" type="sibTrans" cxnId="{4F0F1ADC-2EBE-4F4E-9221-A824D310F99C}">
+      <dgm:prSet/>
+      <dgm:spPr/>
+      <dgm:t>
+        <a:bodyPr/>
+        <a:lstStyle/>
+        <a:p>
+          <a:endParaRPr lang="it-IT"/>
+        </a:p>
+      </dgm:t>
+    </dgm:pt>
+    <dgm:pt modelId="{529C8736-509C-426A-B1AF-D9FE39FB5B28}" type="pres">
+      <dgm:prSet presAssocID="{228ADC0D-83DA-40CE-9EF2-B2A23B2BA12F}" presName="linear" presStyleCnt="0">
+        <dgm:presLayoutVars>
+          <dgm:dir/>
+          <dgm:animLvl val="lvl"/>
+          <dgm:resizeHandles val="exact"/>
+        </dgm:presLayoutVars>
+      </dgm:prSet>
+      <dgm:spPr/>
+    </dgm:pt>
+    <dgm:pt modelId="{8BC7EA25-256B-410A-8E19-CC15A19D412A}" type="pres">
+      <dgm:prSet presAssocID="{EE76E364-6A46-492A-9FD7-63C775ADA808}" presName="parentLin" presStyleCnt="0"/>
+      <dgm:spPr/>
+    </dgm:pt>
+    <dgm:pt modelId="{0E75AC4A-956D-493C-A82B-572CF3B1603B}" type="pres">
+      <dgm:prSet presAssocID="{EE76E364-6A46-492A-9FD7-63C775ADA808}" presName="parentLeftMargin" presStyleLbl="node1" presStyleIdx="0" presStyleCnt="1"/>
+      <dgm:spPr/>
+    </dgm:pt>
+    <dgm:pt modelId="{EF67F11A-FCD0-4E59-A23F-17BCC3FB1182}" type="pres">
+      <dgm:prSet presAssocID="{EE76E364-6A46-492A-9FD7-63C775ADA808}" presName="parentText" presStyleLbl="node1" presStyleIdx="0" presStyleCnt="1">
+        <dgm:presLayoutVars>
+          <dgm:chMax val="0"/>
+          <dgm:bulletEnabled val="1"/>
+        </dgm:presLayoutVars>
+      </dgm:prSet>
+      <dgm:spPr/>
+    </dgm:pt>
+    <dgm:pt modelId="{E84E3A97-5D14-4C15-B06F-E00215B154CE}" type="pres">
+      <dgm:prSet presAssocID="{EE76E364-6A46-492A-9FD7-63C775ADA808}" presName="negativeSpace" presStyleCnt="0"/>
+      <dgm:spPr/>
+    </dgm:pt>
+    <dgm:pt modelId="{8A748C3E-CE62-4E92-A0FE-1F5548AC9D02}" type="pres">
+      <dgm:prSet presAssocID="{EE76E364-6A46-492A-9FD7-63C775ADA808}" presName="childText" presStyleLbl="conFgAcc1" presStyleIdx="0" presStyleCnt="1" custLinFactNeighborX="-424">
+        <dgm:presLayoutVars>
+          <dgm:bulletEnabled val="1"/>
+        </dgm:presLayoutVars>
+      </dgm:prSet>
+      <dgm:spPr/>
+    </dgm:pt>
+  </dgm:ptLst>
+  <dgm:cxnLst>
+    <dgm:cxn modelId="{7A8FBD00-DDE6-4A47-8BEA-3DCA5326508E}" type="presOf" srcId="{2572F097-FD6E-47CC-9952-EA72E1E6B7D7}" destId="{8A748C3E-CE62-4E92-A0FE-1F5548AC9D02}" srcOrd="0" destOrd="9" presId="urn:microsoft.com/office/officeart/2005/8/layout/list1"/>
+    <dgm:cxn modelId="{75F3EE01-A7BB-4740-99D4-EA5011A5128A}" type="presOf" srcId="{95A7F12D-297F-40DB-A513-3018E3940734}" destId="{8A748C3E-CE62-4E92-A0FE-1F5548AC9D02}" srcOrd="0" destOrd="2" presId="urn:microsoft.com/office/officeart/2005/8/layout/list1"/>
+    <dgm:cxn modelId="{AFD6D308-4D6D-41A0-B9E6-45442280845E}" srcId="{AA94B83B-559F-4349-AEEF-CFF096C1B520}" destId="{181CC6D5-D593-4D47-9F80-90781C2FF6CC}" srcOrd="0" destOrd="0" parTransId="{8E0F15C4-B7A7-44CE-A0C0-5E8968E5C579}" sibTransId="{998CAD14-9D3B-4469-B322-BE3FE75FB6A4}"/>
+    <dgm:cxn modelId="{1770F720-81C9-4D12-8628-6C98FAAFF1E1}" type="presOf" srcId="{EE76E364-6A46-492A-9FD7-63C775ADA808}" destId="{EF67F11A-FCD0-4E59-A23F-17BCC3FB1182}" srcOrd="1" destOrd="0" presId="urn:microsoft.com/office/officeart/2005/8/layout/list1"/>
+    <dgm:cxn modelId="{0C848A3D-3553-4924-8D80-54F69669587F}" type="presOf" srcId="{228ADC0D-83DA-40CE-9EF2-B2A23B2BA12F}" destId="{529C8736-509C-426A-B1AF-D9FE39FB5B28}" srcOrd="0" destOrd="0" presId="urn:microsoft.com/office/officeart/2005/8/layout/list1"/>
+    <dgm:cxn modelId="{FCBF825B-483C-430E-870F-C59523B13463}" srcId="{FB7856FD-14F6-497F-A96F-439DE861ECA4}" destId="{F30AB126-9BA3-4F11-8686-655896DDE649}" srcOrd="2" destOrd="0" parTransId="{89A05751-DF44-4874-A8EE-5C3884B19D5C}" sibTransId="{FC8DC035-1625-47F2-AB88-670A3ACCDCAD}"/>
+    <dgm:cxn modelId="{09B9BC47-2A9B-4941-9011-D241E8C5EF9D}" srcId="{05CACA1C-8514-488E-A3B1-743F4C7FDF81}" destId="{97E67E5C-DF06-4EED-B1E8-66C2018EB052}" srcOrd="0" destOrd="0" parTransId="{7DF86695-71CA-4EED-8188-C504AB812890}" sibTransId="{CED077FF-7ED2-439E-8EB5-8DDB2B6C38C0}"/>
+    <dgm:cxn modelId="{DC3F106A-775E-4BA0-94B0-446F37EFF2A7}" srcId="{EE76E364-6A46-492A-9FD7-63C775ADA808}" destId="{05CACA1C-8514-488E-A3B1-743F4C7FDF81}" srcOrd="2" destOrd="0" parTransId="{5137DEA9-573D-45E0-BEFF-0CC80F2BF13A}" sibTransId="{077B0C73-DA12-4F3C-B8A7-19223FD43E01}"/>
+    <dgm:cxn modelId="{A514AF4D-4492-4618-A0F9-8A5152E75561}" srcId="{EE76E364-6A46-492A-9FD7-63C775ADA808}" destId="{AA94B83B-559F-4349-AEEF-CFF096C1B520}" srcOrd="4" destOrd="0" parTransId="{27DA67FC-2500-4060-AEA0-EF50600B9194}" sibTransId="{402D5ED1-A66C-406E-BBBD-B0DEBAD8267E}"/>
+    <dgm:cxn modelId="{F6ABAE4E-ED9A-4759-93FF-2EC52BBE0D86}" type="presOf" srcId="{97E67E5C-DF06-4EED-B1E8-66C2018EB052}" destId="{8A748C3E-CE62-4E92-A0FE-1F5548AC9D02}" srcOrd="0" destOrd="6" presId="urn:microsoft.com/office/officeart/2005/8/layout/list1"/>
+    <dgm:cxn modelId="{B12B0872-1204-45B7-83BB-B23C48C9B359}" type="presOf" srcId="{FB7856FD-14F6-497F-A96F-439DE861ECA4}" destId="{8A748C3E-CE62-4E92-A0FE-1F5548AC9D02}" srcOrd="0" destOrd="0" presId="urn:microsoft.com/office/officeart/2005/8/layout/list1"/>
+    <dgm:cxn modelId="{15788A52-A4F9-46EF-BCF8-196FE6E8987F}" srcId="{FB7856FD-14F6-497F-A96F-439DE861ECA4}" destId="{95A7F12D-297F-40DB-A513-3018E3940734}" srcOrd="1" destOrd="0" parTransId="{A291ECBE-22CB-47BD-8297-0F8ACE219388}" sibTransId="{1015E87D-49D3-429E-B75A-C080A41BC7E4}"/>
+    <dgm:cxn modelId="{DFA92778-AFE9-4806-A009-CD416009CA1E}" type="presOf" srcId="{AA94B83B-559F-4349-AEEF-CFF096C1B520}" destId="{8A748C3E-CE62-4E92-A0FE-1F5548AC9D02}" srcOrd="0" destOrd="10" presId="urn:microsoft.com/office/officeart/2005/8/layout/list1"/>
+    <dgm:cxn modelId="{F609747B-AE71-4ACA-93A0-5C6C9FA2C6E1}" srcId="{EE76E364-6A46-492A-9FD7-63C775ADA808}" destId="{FB7856FD-14F6-497F-A96F-439DE861ECA4}" srcOrd="0" destOrd="0" parTransId="{B2A71A46-24A2-44C1-B6DD-257439AFBC0A}" sibTransId="{AED585D0-E158-48D1-8037-5DB08D2C892B}"/>
+    <dgm:cxn modelId="{DC91C485-9AC5-451F-9AE1-C0F476EB6206}" srcId="{05CACA1C-8514-488E-A3B1-743F4C7FDF81}" destId="{EECA5FCB-DB54-4515-8F53-72C7E30A1728}" srcOrd="2" destOrd="0" parTransId="{3863604E-7E93-40E7-9FEB-23D76DB70CEA}" sibTransId="{6D70DF1C-D6E9-49F3-AD91-4F1312852BBB}"/>
+    <dgm:cxn modelId="{40580786-AF55-4E96-A0B2-CA144D440F46}" type="presOf" srcId="{F30AB126-9BA3-4F11-8686-655896DDE649}" destId="{8A748C3E-CE62-4E92-A0FE-1F5548AC9D02}" srcOrd="0" destOrd="3" presId="urn:microsoft.com/office/officeart/2005/8/layout/list1"/>
+    <dgm:cxn modelId="{73CB5799-BFF2-4ACA-9FF5-F77665B40239}" type="presOf" srcId="{181CC6D5-D593-4D47-9F80-90781C2FF6CC}" destId="{8A748C3E-CE62-4E92-A0FE-1F5548AC9D02}" srcOrd="0" destOrd="11" presId="urn:microsoft.com/office/officeart/2005/8/layout/list1"/>
+    <dgm:cxn modelId="{554EF59A-726A-4F0D-9907-BAD5B7C27313}" type="presOf" srcId="{F0995947-CE14-4D83-9ECC-D60425475577}" destId="{8A748C3E-CE62-4E92-A0FE-1F5548AC9D02}" srcOrd="0" destOrd="1" presId="urn:microsoft.com/office/officeart/2005/8/layout/list1"/>
+    <dgm:cxn modelId="{11E2A1A2-CA31-4CCC-AA4B-3206B710C5B0}" srcId="{FB7856FD-14F6-497F-A96F-439DE861ECA4}" destId="{F0995947-CE14-4D83-9ECC-D60425475577}" srcOrd="0" destOrd="0" parTransId="{8C65760D-4140-486E-844F-5B7951439C97}" sibTransId="{CFD1E0D2-15BF-4A59-9258-6D8872AB7B21}"/>
+    <dgm:cxn modelId="{B389DBBC-EB61-4280-95BA-DAF06808AFF2}" type="presOf" srcId="{25743D0A-F3FD-478C-ADAF-F4063DDF24C2}" destId="{8A748C3E-CE62-4E92-A0FE-1F5548AC9D02}" srcOrd="0" destOrd="4" presId="urn:microsoft.com/office/officeart/2005/8/layout/list1"/>
+    <dgm:cxn modelId="{5E3F33DA-D8DA-4EA7-974E-13A6C697D797}" type="presOf" srcId="{05CACA1C-8514-488E-A3B1-743F4C7FDF81}" destId="{8A748C3E-CE62-4E92-A0FE-1F5548AC9D02}" srcOrd="0" destOrd="5" presId="urn:microsoft.com/office/officeart/2005/8/layout/list1"/>
+    <dgm:cxn modelId="{3BE418DC-9559-48F1-89D3-8C554287795E}" type="presOf" srcId="{EECA5FCB-DB54-4515-8F53-72C7E30A1728}" destId="{8A748C3E-CE62-4E92-A0FE-1F5548AC9D02}" srcOrd="0" destOrd="8" presId="urn:microsoft.com/office/officeart/2005/8/layout/list1"/>
+    <dgm:cxn modelId="{4F0F1ADC-2EBE-4F4E-9221-A824D310F99C}" srcId="{EE76E364-6A46-492A-9FD7-63C775ADA808}" destId="{2572F097-FD6E-47CC-9952-EA72E1E6B7D7}" srcOrd="3" destOrd="0" parTransId="{7DA250F3-C26E-4E58-B34D-ADD098D8D577}" sibTransId="{212C8506-FAEB-40DF-9803-B85BCA38A8D9}"/>
+    <dgm:cxn modelId="{A20DD3DC-110A-4A8F-8550-889E2113B2AC}" srcId="{EE76E364-6A46-492A-9FD7-63C775ADA808}" destId="{25743D0A-F3FD-478C-ADAF-F4063DDF24C2}" srcOrd="1" destOrd="0" parTransId="{4123C60A-D82C-4380-B3B1-33A0F29EA7A7}" sibTransId="{17355BA7-A0F2-44B5-9276-A325F0DCEC04}"/>
+    <dgm:cxn modelId="{8ADAB9E6-BB3B-4581-9B45-07948A4AEA67}" srcId="{228ADC0D-83DA-40CE-9EF2-B2A23B2BA12F}" destId="{EE76E364-6A46-492A-9FD7-63C775ADA808}" srcOrd="0" destOrd="0" parTransId="{522B9AE2-1358-4DCB-B21B-51AD7A4CC3B6}" sibTransId="{119AEC78-9891-4081-85AD-AAE5114E48ED}"/>
+    <dgm:cxn modelId="{D3892CEB-2C5F-46A2-AC04-F0E9E24A1F9F}" type="presOf" srcId="{D41AA80C-B95D-4DC9-931E-F132560E39DA}" destId="{8A748C3E-CE62-4E92-A0FE-1F5548AC9D02}" srcOrd="0" destOrd="7" presId="urn:microsoft.com/office/officeart/2005/8/layout/list1"/>
+    <dgm:cxn modelId="{118FFBEE-DC84-405B-B8B6-3A0BC78AB23E}" srcId="{05CACA1C-8514-488E-A3B1-743F4C7FDF81}" destId="{D41AA80C-B95D-4DC9-931E-F132560E39DA}" srcOrd="1" destOrd="0" parTransId="{054C04AB-BA6F-4CE9-8B1C-715FCBE24884}" sibTransId="{E65B586C-5326-4D79-B708-94053D65E77F}"/>
+    <dgm:cxn modelId="{4B79D5FE-F61D-4650-BB16-77E601A19864}" type="presOf" srcId="{EE76E364-6A46-492A-9FD7-63C775ADA808}" destId="{0E75AC4A-956D-493C-A82B-572CF3B1603B}" srcOrd="0" destOrd="0" presId="urn:microsoft.com/office/officeart/2005/8/layout/list1"/>
+    <dgm:cxn modelId="{1A262072-D28F-47B2-A661-C34FBC9A094B}" type="presParOf" srcId="{529C8736-509C-426A-B1AF-D9FE39FB5B28}" destId="{8BC7EA25-256B-410A-8E19-CC15A19D412A}" srcOrd="0" destOrd="0" presId="urn:microsoft.com/office/officeart/2005/8/layout/list1"/>
+    <dgm:cxn modelId="{ADDA99B3-1265-40BD-B302-00808ABB6642}" type="presParOf" srcId="{8BC7EA25-256B-410A-8E19-CC15A19D412A}" destId="{0E75AC4A-956D-493C-A82B-572CF3B1603B}" srcOrd="0" destOrd="0" presId="urn:microsoft.com/office/officeart/2005/8/layout/list1"/>
+    <dgm:cxn modelId="{4A7DDAB3-38B7-4C49-A86C-BC1906AEEF91}" type="presParOf" srcId="{8BC7EA25-256B-410A-8E19-CC15A19D412A}" destId="{EF67F11A-FCD0-4E59-A23F-17BCC3FB1182}" srcOrd="1" destOrd="0" presId="urn:microsoft.com/office/officeart/2005/8/layout/list1"/>
+    <dgm:cxn modelId="{4034D3F4-1B4D-467F-8B90-5A4C317687B6}" type="presParOf" srcId="{529C8736-509C-426A-B1AF-D9FE39FB5B28}" destId="{E84E3A97-5D14-4C15-B06F-E00215B154CE}" srcOrd="1" destOrd="0" presId="urn:microsoft.com/office/officeart/2005/8/layout/list1"/>
+    <dgm:cxn modelId="{5859D9A7-07B1-4553-A9ED-45423658AD28}" type="presParOf" srcId="{529C8736-509C-426A-B1AF-D9FE39FB5B28}" destId="{8A748C3E-CE62-4E92-A0FE-1F5548AC9D02}" srcOrd="2" destOrd="0" presId="urn:microsoft.com/office/officeart/2005/8/layout/list1"/>
+  </dgm:cxnLst>
+  <dgm:bg/>
+  <dgm:whole/>
+  <dgm:extLst>
+    <a:ext uri="http://schemas.microsoft.com/office/drawing/2008/diagram">
+      <dsp:dataModelExt xmlns:dsp="http://schemas.microsoft.com/office/drawing/2008/diagram" relId="rId14" minVer="http://schemas.openxmlformats.org/drawingml/2006/diagram"/>
+    </a:ext>
+  </dgm:extLst>
+</dgm:dataModel>
+</file>
+
+<file path=ppt/diagrams/data3.xml><?xml version="1.0" encoding="utf-8"?>
+<dgm:dataModel xmlns:dgm="http://schemas.openxmlformats.org/drawingml/2006/diagram" xmlns:a="http://schemas.openxmlformats.org/drawingml/2006/main">
+  <dgm:ptLst>
+    <dgm:pt modelId="{228ADC0D-83DA-40CE-9EF2-B2A23B2BA12F}" type="doc">
+      <dgm:prSet loTypeId="urn:microsoft.com/office/officeart/2005/8/layout/list1" loCatId="list" qsTypeId="urn:microsoft.com/office/officeart/2005/8/quickstyle/simple4" qsCatId="simple" csTypeId="urn:microsoft.com/office/officeart/2005/8/colors/colorful5" csCatId="colorful" phldr="1"/>
+      <dgm:spPr/>
+      <dgm:t>
+        <a:bodyPr/>
+        <a:lstStyle/>
+        <a:p>
+          <a:endParaRPr lang="en-US"/>
+        </a:p>
+      </dgm:t>
+    </dgm:pt>
+    <dgm:pt modelId="{EE76E364-6A46-492A-9FD7-63C775ADA808}">
+      <dgm:prSet/>
+      <dgm:spPr/>
+      <dgm:t>
+        <a:bodyPr/>
+        <a:lstStyle/>
+        <a:p>
+          <a:r>
+            <a:rPr lang="it-IT" b="1" dirty="0"/>
+            <a:t>Database - </a:t>
+          </a:r>
+          <a:r>
+            <a:rPr lang="it-IT" b="1" dirty="0" err="1"/>
+            <a:t>PostgreSQL</a:t>
+          </a:r>
+          <a:endParaRPr lang="en-US" dirty="0"/>
+        </a:p>
+      </dgm:t>
+    </dgm:pt>
+    <dgm:pt modelId="{522B9AE2-1358-4DCB-B21B-51AD7A4CC3B6}" type="parTrans" cxnId="{8ADAB9E6-BB3B-4581-9B45-07948A4AEA67}">
+      <dgm:prSet/>
+      <dgm:spPr/>
+      <dgm:t>
+        <a:bodyPr/>
+        <a:lstStyle/>
+        <a:p>
+          <a:endParaRPr lang="en-US"/>
+        </a:p>
+      </dgm:t>
+    </dgm:pt>
+    <dgm:pt modelId="{119AEC78-9891-4081-85AD-AAE5114E48ED}" type="sibTrans" cxnId="{8ADAB9E6-BB3B-4581-9B45-07948A4AEA67}">
+      <dgm:prSet/>
+      <dgm:spPr/>
+      <dgm:t>
+        <a:bodyPr/>
+        <a:lstStyle/>
+        <a:p>
+          <a:endParaRPr lang="en-US"/>
+        </a:p>
+      </dgm:t>
+    </dgm:pt>
+    <dgm:pt modelId="{FB7856FD-14F6-497F-A96F-439DE861ECA4}">
+      <dgm:prSet/>
+      <dgm:spPr>
+        <a:solidFill>
+          <a:srgbClr val="FFFAEF">
+            <a:alpha val="90000"/>
+          </a:srgbClr>
+        </a:solidFill>
+      </dgm:spPr>
+      <dgm:t>
+        <a:bodyPr/>
+        <a:lstStyle/>
+        <a:p>
+          <a:r>
+            <a:rPr lang="it-IT" b="1" dirty="0"/>
+            <a:t>Struttura dati relazionale</a:t>
+          </a:r>
+          <a:endParaRPr lang="en-US" dirty="0"/>
+        </a:p>
+      </dgm:t>
+    </dgm:pt>
+    <dgm:pt modelId="{B2A71A46-24A2-44C1-B6DD-257439AFBC0A}" type="parTrans" cxnId="{F609747B-AE71-4ACA-93A0-5C6C9FA2C6E1}">
+      <dgm:prSet/>
+      <dgm:spPr/>
+      <dgm:t>
+        <a:bodyPr/>
+        <a:lstStyle/>
+        <a:p>
+          <a:endParaRPr lang="en-US"/>
+        </a:p>
+      </dgm:t>
+    </dgm:pt>
+    <dgm:pt modelId="{AED585D0-E158-48D1-8037-5DB08D2C892B}" type="sibTrans" cxnId="{F609747B-AE71-4ACA-93A0-5C6C9FA2C6E1}">
+      <dgm:prSet/>
+      <dgm:spPr/>
+      <dgm:t>
+        <a:bodyPr/>
+        <a:lstStyle/>
+        <a:p>
+          <a:endParaRPr lang="en-US"/>
+        </a:p>
+      </dgm:t>
+    </dgm:pt>
+    <dgm:pt modelId="{52FB12EC-3A86-437D-8162-C9740689D435}">
+      <dgm:prSet/>
+      <dgm:spPr/>
+      <dgm:t>
+        <a:bodyPr/>
+        <a:lstStyle/>
+        <a:p>
+          <a:pPr>
+            <a:buFont typeface="Arial" panose="020B0604020202020204" pitchFamily="34" charset="0"/>
+            <a:buChar char="–"/>
+          </a:pPr>
+          <a:r>
+            <a:rPr lang="it-IT"/>
+            <a:t>Company: aziende che utilizzano la piattaforma</a:t>
+          </a:r>
+        </a:p>
+      </dgm:t>
+    </dgm:pt>
+    <dgm:pt modelId="{71559100-3D32-4A98-B55D-425BAB0E8645}" type="parTrans" cxnId="{92D0BEFC-E69B-41C3-BB41-D65E08A15A26}">
+      <dgm:prSet/>
+      <dgm:spPr/>
+      <dgm:t>
+        <a:bodyPr/>
+        <a:lstStyle/>
+        <a:p>
+          <a:endParaRPr lang="it-IT"/>
+        </a:p>
+      </dgm:t>
+    </dgm:pt>
+    <dgm:pt modelId="{A73FFB8C-3675-451A-980A-D2CD36689E30}" type="sibTrans" cxnId="{92D0BEFC-E69B-41C3-BB41-D65E08A15A26}">
+      <dgm:prSet/>
+      <dgm:spPr/>
+      <dgm:t>
+        <a:bodyPr/>
+        <a:lstStyle/>
+        <a:p>
+          <a:endParaRPr lang="it-IT"/>
+        </a:p>
+      </dgm:t>
+    </dgm:pt>
+    <dgm:pt modelId="{408BA750-0FA9-43D6-9570-FC03D29B357C}">
+      <dgm:prSet/>
+      <dgm:spPr/>
+      <dgm:t>
+        <a:bodyPr/>
+        <a:lstStyle/>
+        <a:p>
+          <a:pPr>
+            <a:buFont typeface="Arial" panose="020B0604020202020204" pitchFamily="34" charset="0"/>
+            <a:buChar char="–"/>
+          </a:pPr>
+          <a:r>
+            <a:rPr lang="it-IT" dirty="0" err="1"/>
+            <a:t>Conversation</a:t>
+          </a:r>
+          <a:r>
+            <a:rPr lang="it-IT" dirty="0"/>
+            <a:t> + Message: storico conversazioni AI con contesto</a:t>
+          </a:r>
+        </a:p>
+      </dgm:t>
+    </dgm:pt>
+    <dgm:pt modelId="{F268AC99-4CE0-47BA-9E2A-585B5B0674FA}" type="parTrans" cxnId="{1DD30A87-2D39-4C6A-B397-FBDBFECE6FE7}">
+      <dgm:prSet/>
+      <dgm:spPr/>
+      <dgm:t>
+        <a:bodyPr/>
+        <a:lstStyle/>
+        <a:p>
+          <a:endParaRPr lang="it-IT"/>
+        </a:p>
+      </dgm:t>
+    </dgm:pt>
+    <dgm:pt modelId="{9A3E9596-29FE-48AA-810B-729B79CA1295}" type="sibTrans" cxnId="{1DD30A87-2D39-4C6A-B397-FBDBFECE6FE7}">
+      <dgm:prSet/>
+      <dgm:spPr/>
+      <dgm:t>
+        <a:bodyPr/>
+        <a:lstStyle/>
+        <a:p>
+          <a:endParaRPr lang="it-IT"/>
+        </a:p>
+      </dgm:t>
+    </dgm:pt>
+    <dgm:pt modelId="{5FDB182A-1DEE-44D7-BFED-BBF945EE62CB}">
+      <dgm:prSet/>
+      <dgm:spPr/>
+      <dgm:t>
+        <a:bodyPr/>
+        <a:lstStyle/>
+        <a:p>
+          <a:pPr>
+            <a:buFont typeface="Arial" panose="020B0604020202020204" pitchFamily="34" charset="0"/>
+            <a:buChar char="–"/>
+          </a:pPr>
+          <a:r>
+            <a:rPr lang="it-IT"/>
+            <a:t>Tone: toni comunicativi personalizzati per azienda</a:t>
+          </a:r>
+        </a:p>
+      </dgm:t>
+    </dgm:pt>
+    <dgm:pt modelId="{153A0FBC-C140-4356-8583-2D0BF651200B}" type="parTrans" cxnId="{6BF2D5D0-E18E-4BCB-B6D0-F34ACE3C880C}">
+      <dgm:prSet/>
+      <dgm:spPr/>
+      <dgm:t>
+        <a:bodyPr/>
+        <a:lstStyle/>
+        <a:p>
+          <a:endParaRPr lang="it-IT"/>
+        </a:p>
+      </dgm:t>
+    </dgm:pt>
+    <dgm:pt modelId="{BBA2B99B-BDFA-4A8E-8555-F07CD7C8A06B}" type="sibTrans" cxnId="{6BF2D5D0-E18E-4BCB-B6D0-F34ACE3C880C}">
+      <dgm:prSet/>
+      <dgm:spPr/>
+      <dgm:t>
+        <a:bodyPr/>
+        <a:lstStyle/>
+        <a:p>
+          <a:endParaRPr lang="it-IT"/>
+        </a:p>
+      </dgm:t>
+    </dgm:pt>
+    <dgm:pt modelId="{2002B1BF-C305-46F1-9A72-54F7C946E189}">
+      <dgm:prSet/>
+      <dgm:spPr/>
+      <dgm:t>
+        <a:bodyPr/>
+        <a:lstStyle/>
+        <a:p>
+          <a:pPr>
+            <a:buFont typeface="Arial" panose="020B0604020202020204" pitchFamily="34" charset="0"/>
+            <a:buChar char="–"/>
+          </a:pPr>
+          <a:r>
+            <a:rPr lang="it-IT" dirty="0" err="1"/>
+            <a:t>Document</a:t>
+          </a:r>
+          <a:r>
+            <a:rPr lang="it-IT" dirty="0"/>
+            <a:t>: metadati documenti con status (</a:t>
+          </a:r>
+          <a:r>
+            <a:rPr lang="it-IT" dirty="0" err="1"/>
+            <a:t>pending</a:t>
+          </a:r>
+          <a:r>
+            <a:rPr lang="it-IT" dirty="0"/>
+            <a:t>/processing/</a:t>
+          </a:r>
+          <a:r>
+            <a:rPr lang="it-IT" dirty="0" err="1"/>
+            <a:t>completed</a:t>
+          </a:r>
+          <a:r>
+            <a:rPr lang="it-IT" dirty="0"/>
+            <a:t>)</a:t>
+          </a:r>
+        </a:p>
+      </dgm:t>
+    </dgm:pt>
+    <dgm:pt modelId="{A07200E9-F459-4499-9625-95D6F1E16479}" type="parTrans" cxnId="{24BAC226-2B67-4D2C-AF64-512D2E4C11FC}">
+      <dgm:prSet/>
+      <dgm:spPr/>
+      <dgm:t>
+        <a:bodyPr/>
+        <a:lstStyle/>
+        <a:p>
+          <a:endParaRPr lang="it-IT"/>
+        </a:p>
+      </dgm:t>
+    </dgm:pt>
+    <dgm:pt modelId="{2264891B-C779-4212-854F-6CF8129FC93B}" type="sibTrans" cxnId="{24BAC226-2B67-4D2C-AF64-512D2E4C11FC}">
+      <dgm:prSet/>
+      <dgm:spPr/>
+      <dgm:t>
+        <a:bodyPr/>
+        <a:lstStyle/>
+        <a:p>
+          <a:endParaRPr lang="it-IT"/>
+        </a:p>
+      </dgm:t>
+    </dgm:pt>
+    <dgm:pt modelId="{75760154-6F25-4950-89B9-9CF9FC7549C3}">
+      <dgm:prSet/>
+      <dgm:spPr/>
+      <dgm:t>
+        <a:bodyPr/>
+        <a:lstStyle/>
+        <a:p>
+          <a:pPr>
+            <a:buFont typeface="Arial" panose="020B0604020202020204" pitchFamily="34" charset="0"/>
+            <a:buChar char="•"/>
+          </a:pPr>
+          <a:r>
+            <a:rPr lang="it-IT" b="1" dirty="0"/>
+            <a:t>Active Record ORM</a:t>
+          </a:r>
+        </a:p>
+      </dgm:t>
+    </dgm:pt>
+    <dgm:pt modelId="{7ABD45F0-A301-491F-BECA-4B86819DD71B}" type="parTrans" cxnId="{7F177BF6-277F-4E29-8254-C721FD18EC32}">
+      <dgm:prSet/>
+      <dgm:spPr/>
+      <dgm:t>
+        <a:bodyPr/>
+        <a:lstStyle/>
+        <a:p>
+          <a:endParaRPr lang="it-IT"/>
+        </a:p>
+      </dgm:t>
+    </dgm:pt>
+    <dgm:pt modelId="{FFEDCB0D-CF46-46A4-A1C5-D3F854D9C041}" type="sibTrans" cxnId="{7F177BF6-277F-4E29-8254-C721FD18EC32}">
+      <dgm:prSet/>
+      <dgm:spPr/>
+      <dgm:t>
+        <a:bodyPr/>
+        <a:lstStyle/>
+        <a:p>
+          <a:endParaRPr lang="it-IT"/>
+        </a:p>
+      </dgm:t>
+    </dgm:pt>
+    <dgm:pt modelId="{5045A031-9788-493D-B27E-67F1986B68B7}">
+      <dgm:prSet/>
+      <dgm:spPr/>
+      <dgm:t>
+        <a:bodyPr/>
+        <a:lstStyle/>
+        <a:p>
+          <a:pPr>
+            <a:buFont typeface="Arial" panose="020B0604020202020204" pitchFamily="34" charset="0"/>
+            <a:buChar char="–"/>
+          </a:pPr>
+          <a:r>
+            <a:rPr lang="en-US"/>
+            <a:t>Relazioni: Company has_many Documents, Conversations, Tones</a:t>
+          </a:r>
+          <a:endParaRPr lang="it-IT"/>
+        </a:p>
+      </dgm:t>
+    </dgm:pt>
+    <dgm:pt modelId="{532C06C4-FE9B-4EAC-B031-20C229257888}" type="parTrans" cxnId="{1FB8C610-6432-4AF1-8C99-B5A34E7E6A85}">
+      <dgm:prSet/>
+      <dgm:spPr/>
+      <dgm:t>
+        <a:bodyPr/>
+        <a:lstStyle/>
+        <a:p>
+          <a:endParaRPr lang="it-IT"/>
+        </a:p>
+      </dgm:t>
+    </dgm:pt>
+    <dgm:pt modelId="{F6E2A9B9-B621-4170-AC4B-AB4079A318BF}" type="sibTrans" cxnId="{1FB8C610-6432-4AF1-8C99-B5A34E7E6A85}">
+      <dgm:prSet/>
+      <dgm:spPr/>
+      <dgm:t>
+        <a:bodyPr/>
+        <a:lstStyle/>
+        <a:p>
+          <a:endParaRPr lang="it-IT"/>
+        </a:p>
+      </dgm:t>
+    </dgm:pt>
+    <dgm:pt modelId="{5C5C5E19-B2D2-468A-A936-7BF37E9F8C73}">
+      <dgm:prSet/>
+      <dgm:spPr/>
+      <dgm:t>
+        <a:bodyPr/>
+        <a:lstStyle/>
+        <a:p>
+          <a:pPr>
+            <a:buFont typeface="Arial" panose="020B0604020202020204" pitchFamily="34" charset="0"/>
+            <a:buChar char="–"/>
+          </a:pPr>
+          <a:r>
+            <a:rPr lang="en-US"/>
+            <a:t>Validazioni, enum per status, callbacks lifecycle</a:t>
+          </a:r>
+          <a:endParaRPr lang="it-IT"/>
+        </a:p>
+      </dgm:t>
+    </dgm:pt>
+    <dgm:pt modelId="{0B004B41-3091-4786-9AE7-32ACED007C14}" type="parTrans" cxnId="{EB7EBDDE-F976-4F14-9E0A-3B6356EDFD93}">
+      <dgm:prSet/>
+      <dgm:spPr/>
+      <dgm:t>
+        <a:bodyPr/>
+        <a:lstStyle/>
+        <a:p>
+          <a:endParaRPr lang="it-IT"/>
+        </a:p>
+      </dgm:t>
+    </dgm:pt>
+    <dgm:pt modelId="{8CC2B502-BCB2-4D1C-AD2F-EFB1F4362593}" type="sibTrans" cxnId="{EB7EBDDE-F976-4F14-9E0A-3B6356EDFD93}">
+      <dgm:prSet/>
+      <dgm:spPr/>
+      <dgm:t>
+        <a:bodyPr/>
+        <a:lstStyle/>
+        <a:p>
+          <a:endParaRPr lang="it-IT"/>
+        </a:p>
+      </dgm:t>
+    </dgm:pt>
+    <dgm:pt modelId="{DBCB3B09-439F-4866-90C4-B949EECCBE4E}">
+      <dgm:prSet/>
+      <dgm:spPr/>
+      <dgm:t>
+        <a:bodyPr/>
+        <a:lstStyle/>
+        <a:p>
+          <a:pPr>
+            <a:buFont typeface="Arial" panose="020B0604020202020204" pitchFamily="34" charset="0"/>
+            <a:buChar char="–"/>
+          </a:pPr>
+          <a:r>
+            <a:rPr lang="it-IT" dirty="0"/>
+            <a:t>JSON </a:t>
+          </a:r>
+          <a:r>
+            <a:rPr lang="it-IT" dirty="0" err="1"/>
+            <a:t>column</a:t>
+          </a:r>
+          <a:r>
+            <a:rPr lang="it-IT" dirty="0"/>
+            <a:t> (</a:t>
+          </a:r>
+          <a:r>
+            <a:rPr lang="it-IT" dirty="0" err="1"/>
+            <a:t>ai_data</a:t>
+          </a:r>
+          <a:r>
+            <a:rPr lang="it-IT" dirty="0"/>
+            <a:t>) per salvare dati estratti da </a:t>
+          </a:r>
+          <a:r>
+            <a:rPr lang="it-IT" dirty="0" err="1"/>
+            <a:t>Bedrock</a:t>
+          </a:r>
+          <a:endParaRPr lang="it-IT" dirty="0"/>
+        </a:p>
+      </dgm:t>
+    </dgm:pt>
+    <dgm:pt modelId="{80A1B53E-2029-490F-B4C5-72C474F8A936}" type="parTrans" cxnId="{DAEA42DE-A81C-41B3-B45C-E0F7E86C2608}">
+      <dgm:prSet/>
+      <dgm:spPr/>
+      <dgm:t>
+        <a:bodyPr/>
+        <a:lstStyle/>
+        <a:p>
+          <a:endParaRPr lang="it-IT"/>
+        </a:p>
+      </dgm:t>
+    </dgm:pt>
+    <dgm:pt modelId="{F8014117-ADF5-4381-A03D-00DBD689B22A}" type="sibTrans" cxnId="{DAEA42DE-A81C-41B3-B45C-E0F7E86C2608}">
+      <dgm:prSet/>
+      <dgm:spPr/>
+      <dgm:t>
+        <a:bodyPr/>
+        <a:lstStyle/>
+        <a:p>
+          <a:endParaRPr lang="it-IT"/>
+        </a:p>
+      </dgm:t>
+    </dgm:pt>
+    <dgm:pt modelId="{F8EFD2C1-0F92-46D0-B280-438E38B47423}">
+      <dgm:prSet/>
+      <dgm:spPr/>
+      <dgm:t>
+        <a:bodyPr/>
+        <a:lstStyle/>
+        <a:p>
+          <a:pPr>
+            <a:buFont typeface="Arial" panose="020B0604020202020204" pitchFamily="34" charset="0"/>
+            <a:buNone/>
+          </a:pPr>
+          <a:endParaRPr lang="it-IT" dirty="0"/>
+        </a:p>
+      </dgm:t>
+    </dgm:pt>
+    <dgm:pt modelId="{FDB31F6A-AD14-4850-BBFD-61B0AB66B8D0}" type="parTrans" cxnId="{9E962512-2E4C-4C3D-BC6E-D709F63F11D8}">
+      <dgm:prSet/>
+      <dgm:spPr/>
+      <dgm:t>
+        <a:bodyPr/>
+        <a:lstStyle/>
+        <a:p>
+          <a:endParaRPr lang="it-IT"/>
+        </a:p>
+      </dgm:t>
+    </dgm:pt>
+    <dgm:pt modelId="{828438A2-5FC5-45E6-8C87-93FAB1B87F42}" type="sibTrans" cxnId="{9E962512-2E4C-4C3D-BC6E-D709F63F11D8}">
+      <dgm:prSet/>
+      <dgm:spPr/>
+      <dgm:t>
+        <a:bodyPr/>
+        <a:lstStyle/>
+        <a:p>
+          <a:endParaRPr lang="it-IT"/>
+        </a:p>
+      </dgm:t>
+    </dgm:pt>
+    <dgm:pt modelId="{529C8736-509C-426A-B1AF-D9FE39FB5B28}" type="pres">
+      <dgm:prSet presAssocID="{228ADC0D-83DA-40CE-9EF2-B2A23B2BA12F}" presName="linear" presStyleCnt="0">
+        <dgm:presLayoutVars>
+          <dgm:dir/>
+          <dgm:animLvl val="lvl"/>
+          <dgm:resizeHandles val="exact"/>
+        </dgm:presLayoutVars>
+      </dgm:prSet>
+      <dgm:spPr/>
+    </dgm:pt>
+    <dgm:pt modelId="{8BC7EA25-256B-410A-8E19-CC15A19D412A}" type="pres">
+      <dgm:prSet presAssocID="{EE76E364-6A46-492A-9FD7-63C775ADA808}" presName="parentLin" presStyleCnt="0"/>
+      <dgm:spPr/>
+    </dgm:pt>
+    <dgm:pt modelId="{0E75AC4A-956D-493C-A82B-572CF3B1603B}" type="pres">
+      <dgm:prSet presAssocID="{EE76E364-6A46-492A-9FD7-63C775ADA808}" presName="parentLeftMargin" presStyleLbl="node1" presStyleIdx="0" presStyleCnt="1"/>
+      <dgm:spPr/>
+    </dgm:pt>
+    <dgm:pt modelId="{EF67F11A-FCD0-4E59-A23F-17BCC3FB1182}" type="pres">
+      <dgm:prSet presAssocID="{EE76E364-6A46-492A-9FD7-63C775ADA808}" presName="parentText" presStyleLbl="node1" presStyleIdx="0" presStyleCnt="1">
+        <dgm:presLayoutVars>
+          <dgm:chMax val="0"/>
+          <dgm:bulletEnabled val="1"/>
+        </dgm:presLayoutVars>
+      </dgm:prSet>
+      <dgm:spPr/>
+    </dgm:pt>
+    <dgm:pt modelId="{E84E3A97-5D14-4C15-B06F-E00215B154CE}" type="pres">
+      <dgm:prSet presAssocID="{EE76E364-6A46-492A-9FD7-63C775ADA808}" presName="negativeSpace" presStyleCnt="0"/>
+      <dgm:spPr/>
+    </dgm:pt>
+    <dgm:pt modelId="{8A748C3E-CE62-4E92-A0FE-1F5548AC9D02}" type="pres">
+      <dgm:prSet presAssocID="{EE76E364-6A46-492A-9FD7-63C775ADA808}" presName="childText" presStyleLbl="conFgAcc1" presStyleIdx="0" presStyleCnt="1" custLinFactNeighborX="-424">
+        <dgm:presLayoutVars>
+          <dgm:bulletEnabled val="1"/>
+        </dgm:presLayoutVars>
+      </dgm:prSet>
+      <dgm:spPr/>
+    </dgm:pt>
+  </dgm:ptLst>
+  <dgm:cxnLst>
+    <dgm:cxn modelId="{1FB8C610-6432-4AF1-8C99-B5A34E7E6A85}" srcId="{75760154-6F25-4950-89B9-9CF9FC7549C3}" destId="{5045A031-9788-493D-B27E-67F1986B68B7}" srcOrd="0" destOrd="0" parTransId="{532C06C4-FE9B-4EAC-B031-20C229257888}" sibTransId="{F6E2A9B9-B621-4170-AC4B-AB4079A318BF}"/>
+    <dgm:cxn modelId="{CFEBE311-F2F4-48AE-8755-C2D0422F7F96}" type="presOf" srcId="{52FB12EC-3A86-437D-8162-C9740689D435}" destId="{8A748C3E-CE62-4E92-A0FE-1F5548AC9D02}" srcOrd="0" destOrd="1" presId="urn:microsoft.com/office/officeart/2005/8/layout/list1"/>
+    <dgm:cxn modelId="{9E962512-2E4C-4C3D-BC6E-D709F63F11D8}" srcId="{EE76E364-6A46-492A-9FD7-63C775ADA808}" destId="{F8EFD2C1-0F92-46D0-B280-438E38B47423}" srcOrd="1" destOrd="0" parTransId="{FDB31F6A-AD14-4850-BBFD-61B0AB66B8D0}" sibTransId="{828438A2-5FC5-45E6-8C87-93FAB1B87F42}"/>
+    <dgm:cxn modelId="{24BAC226-2B67-4D2C-AF64-512D2E4C11FC}" srcId="{FB7856FD-14F6-497F-A96F-439DE861ECA4}" destId="{2002B1BF-C305-46F1-9A72-54F7C946E189}" srcOrd="3" destOrd="0" parTransId="{A07200E9-F459-4499-9625-95D6F1E16479}" sibTransId="{2264891B-C779-4212-854F-6CF8129FC93B}"/>
+    <dgm:cxn modelId="{DBE0AE33-2290-4E80-9BC8-8A42CD542C2A}" type="presOf" srcId="{408BA750-0FA9-43D6-9570-FC03D29B357C}" destId="{8A748C3E-CE62-4E92-A0FE-1F5548AC9D02}" srcOrd="0" destOrd="2" presId="urn:microsoft.com/office/officeart/2005/8/layout/list1"/>
+    <dgm:cxn modelId="{0C848A3D-3553-4924-8D80-54F69669587F}" type="presOf" srcId="{228ADC0D-83DA-40CE-9EF2-B2A23B2BA12F}" destId="{529C8736-509C-426A-B1AF-D9FE39FB5B28}" srcOrd="0" destOrd="0" presId="urn:microsoft.com/office/officeart/2005/8/layout/list1"/>
+    <dgm:cxn modelId="{8A89695B-86B2-4592-B9C9-6143CA1338E3}" type="presOf" srcId="{5FDB182A-1DEE-44D7-BFED-BBF945EE62CB}" destId="{8A748C3E-CE62-4E92-A0FE-1F5548AC9D02}" srcOrd="0" destOrd="3" presId="urn:microsoft.com/office/officeart/2005/8/layout/list1"/>
+    <dgm:cxn modelId="{EEDAF446-C98D-48BA-A5AC-0923FEB5A3F9}" type="presOf" srcId="{5045A031-9788-493D-B27E-67F1986B68B7}" destId="{8A748C3E-CE62-4E92-A0FE-1F5548AC9D02}" srcOrd="0" destOrd="7" presId="urn:microsoft.com/office/officeart/2005/8/layout/list1"/>
+    <dgm:cxn modelId="{0BC9C054-3597-4B1B-BFC2-AB844C29AAC9}" type="presOf" srcId="{F8EFD2C1-0F92-46D0-B280-438E38B47423}" destId="{8A748C3E-CE62-4E92-A0FE-1F5548AC9D02}" srcOrd="0" destOrd="5" presId="urn:microsoft.com/office/officeart/2005/8/layout/list1"/>
+    <dgm:cxn modelId="{F609747B-AE71-4ACA-93A0-5C6C9FA2C6E1}" srcId="{EE76E364-6A46-492A-9FD7-63C775ADA808}" destId="{FB7856FD-14F6-497F-A96F-439DE861ECA4}" srcOrd="0" destOrd="0" parTransId="{B2A71A46-24A2-44C1-B6DD-257439AFBC0A}" sibTransId="{AED585D0-E158-48D1-8037-5DB08D2C892B}"/>
+    <dgm:cxn modelId="{1DD30A87-2D39-4C6A-B397-FBDBFECE6FE7}" srcId="{FB7856FD-14F6-497F-A96F-439DE861ECA4}" destId="{408BA750-0FA9-43D6-9570-FC03D29B357C}" srcOrd="1" destOrd="0" parTransId="{F268AC99-4CE0-47BA-9E2A-585B5B0674FA}" sibTransId="{9A3E9596-29FE-48AA-810B-729B79CA1295}"/>
+    <dgm:cxn modelId="{1F326F96-74B2-4E35-AD0B-367E588DABA4}" type="presOf" srcId="{5C5C5E19-B2D2-468A-A936-7BF37E9F8C73}" destId="{8A748C3E-CE62-4E92-A0FE-1F5548AC9D02}" srcOrd="0" destOrd="8" presId="urn:microsoft.com/office/officeart/2005/8/layout/list1"/>
+    <dgm:cxn modelId="{57E6E7A2-8B84-40E9-A2BC-9F929492C7AC}" type="presOf" srcId="{75760154-6F25-4950-89B9-9CF9FC7549C3}" destId="{8A748C3E-CE62-4E92-A0FE-1F5548AC9D02}" srcOrd="0" destOrd="6" presId="urn:microsoft.com/office/officeart/2005/8/layout/list1"/>
+    <dgm:cxn modelId="{E47CEAC2-60B6-4369-8E67-C27CD02C2B87}" type="presOf" srcId="{2002B1BF-C305-46F1-9A72-54F7C946E189}" destId="{8A748C3E-CE62-4E92-A0FE-1F5548AC9D02}" srcOrd="0" destOrd="4" presId="urn:microsoft.com/office/officeart/2005/8/layout/list1"/>
+    <dgm:cxn modelId="{6BF2D5D0-E18E-4BCB-B6D0-F34ACE3C880C}" srcId="{FB7856FD-14F6-497F-A96F-439DE861ECA4}" destId="{5FDB182A-1DEE-44D7-BFED-BBF945EE62CB}" srcOrd="2" destOrd="0" parTransId="{153A0FBC-C140-4356-8583-2D0BF651200B}" sibTransId="{BBA2B99B-BDFA-4A8E-8555-F07CD7C8A06B}"/>
+    <dgm:cxn modelId="{DAEA42DE-A81C-41B3-B45C-E0F7E86C2608}" srcId="{75760154-6F25-4950-89B9-9CF9FC7549C3}" destId="{DBCB3B09-439F-4866-90C4-B949EECCBE4E}" srcOrd="2" destOrd="0" parTransId="{80A1B53E-2029-490F-B4C5-72C474F8A936}" sibTransId="{F8014117-ADF5-4381-A03D-00DBD689B22A}"/>
+    <dgm:cxn modelId="{EB7EBDDE-F976-4F14-9E0A-3B6356EDFD93}" srcId="{75760154-6F25-4950-89B9-9CF9FC7549C3}" destId="{5C5C5E19-B2D2-468A-A936-7BF37E9F8C73}" srcOrd="1" destOrd="0" parTransId="{0B004B41-3091-4786-9AE7-32ACED007C14}" sibTransId="{8CC2B502-BCB2-4D1C-AD2F-EFB1F4362593}"/>
+    <dgm:cxn modelId="{8ADAB9E6-BB3B-4581-9B45-07948A4AEA67}" srcId="{228ADC0D-83DA-40CE-9EF2-B2A23B2BA12F}" destId="{EE76E364-6A46-492A-9FD7-63C775ADA808}" srcOrd="0" destOrd="0" parTransId="{522B9AE2-1358-4DCB-B21B-51AD7A4CC3B6}" sibTransId="{119AEC78-9891-4081-85AD-AAE5114E48ED}"/>
+    <dgm:cxn modelId="{5F8F92EB-50B5-44AD-B1FF-47D707FDF7B2}" type="presOf" srcId="{FB7856FD-14F6-497F-A96F-439DE861ECA4}" destId="{8A748C3E-CE62-4E92-A0FE-1F5548AC9D02}" srcOrd="0" destOrd="0" presId="urn:microsoft.com/office/officeart/2005/8/layout/list1"/>
+    <dgm:cxn modelId="{904D3CEE-C5A1-4473-8793-0292B67E613D}" type="presOf" srcId="{DBCB3B09-439F-4866-90C4-B949EECCBE4E}" destId="{8A748C3E-CE62-4E92-A0FE-1F5548AC9D02}" srcOrd="0" destOrd="9" presId="urn:microsoft.com/office/officeart/2005/8/layout/list1"/>
+    <dgm:cxn modelId="{7F177BF6-277F-4E29-8254-C721FD18EC32}" srcId="{EE76E364-6A46-492A-9FD7-63C775ADA808}" destId="{75760154-6F25-4950-89B9-9CF9FC7549C3}" srcOrd="2" destOrd="0" parTransId="{7ABD45F0-A301-491F-BECA-4B86819DD71B}" sibTransId="{FFEDCB0D-CF46-46A4-A1C5-D3F854D9C041}"/>
+    <dgm:cxn modelId="{6C348AF7-C2E8-4FA3-9C14-67012269D77B}" type="presOf" srcId="{EE76E364-6A46-492A-9FD7-63C775ADA808}" destId="{EF67F11A-FCD0-4E59-A23F-17BCC3FB1182}" srcOrd="1" destOrd="0" presId="urn:microsoft.com/office/officeart/2005/8/layout/list1"/>
+    <dgm:cxn modelId="{788CE9F8-7388-45A5-8222-B04CD3855CFC}" type="presOf" srcId="{EE76E364-6A46-492A-9FD7-63C775ADA808}" destId="{0E75AC4A-956D-493C-A82B-572CF3B1603B}" srcOrd="0" destOrd="0" presId="urn:microsoft.com/office/officeart/2005/8/layout/list1"/>
+    <dgm:cxn modelId="{92D0BEFC-E69B-41C3-BB41-D65E08A15A26}" srcId="{FB7856FD-14F6-497F-A96F-439DE861ECA4}" destId="{52FB12EC-3A86-437D-8162-C9740689D435}" srcOrd="0" destOrd="0" parTransId="{71559100-3D32-4A98-B55D-425BAB0E8645}" sibTransId="{A73FFB8C-3675-451A-980A-D2CD36689E30}"/>
+    <dgm:cxn modelId="{CB6F8F2B-A478-4BA2-A44A-534C24A7F190}" type="presParOf" srcId="{529C8736-509C-426A-B1AF-D9FE39FB5B28}" destId="{8BC7EA25-256B-410A-8E19-CC15A19D412A}" srcOrd="0" destOrd="0" presId="urn:microsoft.com/office/officeart/2005/8/layout/list1"/>
+    <dgm:cxn modelId="{BE58CEBB-4F1B-4A04-94DE-6B7B71E004F0}" type="presParOf" srcId="{8BC7EA25-256B-410A-8E19-CC15A19D412A}" destId="{0E75AC4A-956D-493C-A82B-572CF3B1603B}" srcOrd="0" destOrd="0" presId="urn:microsoft.com/office/officeart/2005/8/layout/list1"/>
+    <dgm:cxn modelId="{BB2B70D8-6937-462B-BC87-D942C36A8F52}" type="presParOf" srcId="{8BC7EA25-256B-410A-8E19-CC15A19D412A}" destId="{EF67F11A-FCD0-4E59-A23F-17BCC3FB1182}" srcOrd="1" destOrd="0" presId="urn:microsoft.com/office/officeart/2005/8/layout/list1"/>
+    <dgm:cxn modelId="{0276A569-F1D8-4B2A-9825-33EB0A54231B}" type="presParOf" srcId="{529C8736-509C-426A-B1AF-D9FE39FB5B28}" destId="{E84E3A97-5D14-4C15-B06F-E00215B154CE}" srcOrd="1" destOrd="0" presId="urn:microsoft.com/office/officeart/2005/8/layout/list1"/>
+    <dgm:cxn modelId="{3027F928-B6B9-4AAC-9558-9471D0B98958}" type="presParOf" srcId="{529C8736-509C-426A-B1AF-D9FE39FB5B28}" destId="{8A748C3E-CE62-4E92-A0FE-1F5548AC9D02}" srcOrd="2" destOrd="0" presId="urn:microsoft.com/office/officeart/2005/8/layout/list1"/>
+  </dgm:cxnLst>
+  <dgm:bg/>
+  <dgm:whole/>
+  <dgm:extLst>
+    <a:ext uri="http://schemas.microsoft.com/office/drawing/2008/diagram">
+      <dsp:dataModelExt xmlns:dsp="http://schemas.microsoft.com/office/drawing/2008/diagram" relId="rId7" minVer="http://schemas.openxmlformats.org/drawingml/2006/diagram"/>
+    </a:ext>
+  </dgm:extLst>
+</dgm:dataModel>
+</file>
+
+<file path=ppt/diagrams/data4.xml><?xml version="1.0" encoding="utf-8"?>
+<dgm:dataModel xmlns:dgm="http://schemas.openxmlformats.org/drawingml/2006/diagram" xmlns:a="http://schemas.openxmlformats.org/drawingml/2006/main">
+  <dgm:ptLst>
+    <dgm:pt modelId="{228ADC0D-83DA-40CE-9EF2-B2A23B2BA12F}" type="doc">
+      <dgm:prSet loTypeId="urn:microsoft.com/office/officeart/2005/8/layout/list1" loCatId="list" qsTypeId="urn:microsoft.com/office/officeart/2005/8/quickstyle/simple4" qsCatId="simple" csTypeId="urn:microsoft.com/office/officeart/2005/8/colors/colorful5" csCatId="colorful" phldr="1"/>
+      <dgm:spPr/>
+      <dgm:t>
+        <a:bodyPr/>
+        <a:lstStyle/>
+        <a:p>
+          <a:endParaRPr lang="en-US"/>
+        </a:p>
+      </dgm:t>
+    </dgm:pt>
+    <dgm:pt modelId="{EE76E364-6A46-492A-9FD7-63C775ADA808}">
+      <dgm:prSet/>
+      <dgm:spPr/>
+      <dgm:t>
+        <a:bodyPr/>
+        <a:lstStyle/>
+        <a:p>
+          <a:r>
             <a:rPr lang="it-IT" b="1" dirty="0"/>
             <a:t>AWS </a:t>
           </a:r>
@@ -3912,1649 +5548,1144 @@
   <dgm:whole/>
   <dgm:extLst>
     <a:ext uri="http://schemas.microsoft.com/office/drawing/2008/diagram">
-      <dsp:dataModelExt xmlns:dsp="http://schemas.microsoft.com/office/drawing/2008/diagram" relId="rId6" minVer="http://schemas.openxmlformats.org/drawingml/2006/diagram"/>
-    </a:ext>
-  </dgm:extLst>
-</dgm:dataModel>
-</file>
-
-<file path=ppt/diagrams/data2.xml><?xml version="1.0" encoding="utf-8"?>
-<dgm:dataModel xmlns:dgm="http://schemas.openxmlformats.org/drawingml/2006/diagram" xmlns:a="http://schemas.openxmlformats.org/drawingml/2006/main">
-  <dgm:ptLst>
-    <dgm:pt modelId="{228ADC0D-83DA-40CE-9EF2-B2A23B2BA12F}" type="doc">
-      <dgm:prSet loTypeId="urn:microsoft.com/office/officeart/2005/8/layout/list1" loCatId="list" qsTypeId="urn:microsoft.com/office/officeart/2005/8/quickstyle/simple4" qsCatId="simple" csTypeId="urn:microsoft.com/office/officeart/2005/8/colors/colorful5" csCatId="colorful" phldr="1"/>
-      <dgm:spPr/>
-      <dgm:t>
-        <a:bodyPr/>
-        <a:lstStyle/>
-        <a:p>
-          <a:endParaRPr lang="en-US"/>
-        </a:p>
-      </dgm:t>
-    </dgm:pt>
-    <dgm:pt modelId="{EE76E364-6A46-492A-9FD7-63C775ADA808}">
-      <dgm:prSet/>
-      <dgm:spPr/>
-      <dgm:t>
-        <a:bodyPr/>
-        <a:lstStyle/>
-        <a:p>
-          <a:r>
-            <a:rPr lang="it-IT" b="1" dirty="0" err="1"/>
-            <a:t>Frontend</a:t>
-          </a:r>
-          <a:r>
-            <a:rPr lang="it-IT" b="1" dirty="0"/>
-            <a:t> - </a:t>
-          </a:r>
-          <a:r>
-            <a:rPr lang="it-IT" b="1" dirty="0" err="1"/>
-            <a:t>Angular</a:t>
-          </a:r>
-          <a:endParaRPr lang="en-US" dirty="0"/>
-        </a:p>
-      </dgm:t>
-    </dgm:pt>
-    <dgm:pt modelId="{522B9AE2-1358-4DCB-B21B-51AD7A4CC3B6}" type="parTrans" cxnId="{8ADAB9E6-BB3B-4581-9B45-07948A4AEA67}">
-      <dgm:prSet/>
-      <dgm:spPr/>
-      <dgm:t>
-        <a:bodyPr/>
-        <a:lstStyle/>
-        <a:p>
-          <a:endParaRPr lang="en-US"/>
-        </a:p>
-      </dgm:t>
-    </dgm:pt>
-    <dgm:pt modelId="{119AEC78-9891-4081-85AD-AAE5114E48ED}" type="sibTrans" cxnId="{8ADAB9E6-BB3B-4581-9B45-07948A4AEA67}">
-      <dgm:prSet/>
-      <dgm:spPr/>
-      <dgm:t>
-        <a:bodyPr/>
-        <a:lstStyle/>
-        <a:p>
-          <a:endParaRPr lang="en-US"/>
-        </a:p>
-      </dgm:t>
-    </dgm:pt>
-    <dgm:pt modelId="{FB7856FD-14F6-497F-A96F-439DE861ECA4}">
-      <dgm:prSet/>
-      <dgm:spPr>
-        <a:solidFill>
-          <a:srgbClr val="FFFAEF">
-            <a:alpha val="90000"/>
-          </a:srgbClr>
-        </a:solidFill>
-      </dgm:spPr>
-      <dgm:t>
-        <a:bodyPr/>
-        <a:lstStyle/>
-        <a:p>
-          <a:r>
-            <a:rPr lang="it-IT" b="1" dirty="0"/>
-            <a:t> Framework principale</a:t>
-          </a:r>
-          <a:endParaRPr lang="en-US" dirty="0"/>
-        </a:p>
-      </dgm:t>
-    </dgm:pt>
-    <dgm:pt modelId="{B2A71A46-24A2-44C1-B6DD-257439AFBC0A}" type="parTrans" cxnId="{F609747B-AE71-4ACA-93A0-5C6C9FA2C6E1}">
-      <dgm:prSet/>
-      <dgm:spPr/>
-      <dgm:t>
-        <a:bodyPr/>
-        <a:lstStyle/>
-        <a:p>
-          <a:endParaRPr lang="en-US"/>
-        </a:p>
-      </dgm:t>
-    </dgm:pt>
-    <dgm:pt modelId="{AED585D0-E158-48D1-8037-5DB08D2C892B}" type="sibTrans" cxnId="{F609747B-AE71-4ACA-93A0-5C6C9FA2C6E1}">
-      <dgm:prSet/>
-      <dgm:spPr/>
-      <dgm:t>
-        <a:bodyPr/>
-        <a:lstStyle/>
-        <a:p>
-          <a:endParaRPr lang="en-US"/>
-        </a:p>
-      </dgm:t>
-    </dgm:pt>
-    <dgm:pt modelId="{141D3803-6A45-424D-9651-5627AAB61B6A}">
-      <dgm:prSet/>
-      <dgm:spPr/>
-      <dgm:t>
-        <a:bodyPr/>
-        <a:lstStyle/>
-        <a:p>
-          <a:pPr>
-            <a:buFont typeface="Arial" panose="020B0604020202020204" pitchFamily="34" charset="0"/>
-            <a:buChar char="–"/>
-          </a:pPr>
-          <a:r>
-            <a:rPr lang="it-IT" dirty="0"/>
-            <a:t> Per dashboard amministrativa</a:t>
-          </a:r>
-        </a:p>
-      </dgm:t>
-    </dgm:pt>
-    <dgm:pt modelId="{72A51AD2-8239-4A14-AC0B-88EEA7A0179C}" type="parTrans" cxnId="{352A38F5-F7D6-411D-943C-C3F938C1E3D7}">
-      <dgm:prSet/>
-      <dgm:spPr/>
-      <dgm:t>
-        <a:bodyPr/>
-        <a:lstStyle/>
-        <a:p>
-          <a:endParaRPr lang="it-IT"/>
-        </a:p>
-      </dgm:t>
-    </dgm:pt>
-    <dgm:pt modelId="{A60107BD-2C24-49F4-A940-BA89AA44743A}" type="sibTrans" cxnId="{352A38F5-F7D6-411D-943C-C3F938C1E3D7}">
-      <dgm:prSet/>
-      <dgm:spPr/>
-      <dgm:t>
-        <a:bodyPr/>
-        <a:lstStyle/>
-        <a:p>
-          <a:endParaRPr lang="it-IT"/>
-        </a:p>
-      </dgm:t>
-    </dgm:pt>
-    <dgm:pt modelId="{99F831AF-A12E-4F07-801E-615F89B3AC36}">
-      <dgm:prSet/>
-      <dgm:spPr/>
-      <dgm:t>
-        <a:bodyPr/>
-        <a:lstStyle/>
-        <a:p>
-          <a:pPr>
-            <a:buFont typeface="Arial" panose="020B0604020202020204" pitchFamily="34" charset="0"/>
-            <a:buChar char="–"/>
-          </a:pPr>
-          <a:r>
-            <a:rPr lang="it-IT" dirty="0"/>
-            <a:t> Componenti modulari: AI Assistant, AI Co-Pilot, Analytics, Storico</a:t>
-          </a:r>
-        </a:p>
-      </dgm:t>
-    </dgm:pt>
-    <dgm:pt modelId="{94B83BAF-5140-4A09-9644-C69A5C49696A}" type="parTrans" cxnId="{E4E41DC1-0B30-467C-9E5A-F2C285252BDB}">
-      <dgm:prSet/>
-      <dgm:spPr/>
-      <dgm:t>
-        <a:bodyPr/>
-        <a:lstStyle/>
-        <a:p>
-          <a:endParaRPr lang="it-IT"/>
-        </a:p>
-      </dgm:t>
-    </dgm:pt>
-    <dgm:pt modelId="{1FFBFB34-0516-4E12-B7E7-CA0B0A76FEBB}" type="sibTrans" cxnId="{E4E41DC1-0B30-467C-9E5A-F2C285252BDB}">
-      <dgm:prSet/>
-      <dgm:spPr/>
-      <dgm:t>
-        <a:bodyPr/>
-        <a:lstStyle/>
-        <a:p>
-          <a:endParaRPr lang="it-IT"/>
-        </a:p>
-      </dgm:t>
-    </dgm:pt>
-    <dgm:pt modelId="{EA4C9FAE-8632-437A-94BC-F7324DD67615}">
-      <dgm:prSet/>
-      <dgm:spPr/>
-      <dgm:t>
-        <a:bodyPr/>
-        <a:lstStyle/>
-        <a:p>
-          <a:pPr>
-            <a:buFont typeface="Arial" panose="020B0604020202020204" pitchFamily="34" charset="0"/>
-            <a:buNone/>
-          </a:pPr>
-          <a:r>
-            <a:rPr lang="it-IT" b="1" dirty="0"/>
-            <a:t>• </a:t>
-          </a:r>
-          <a:r>
-            <a:rPr lang="it-IT" b="1" dirty="0" err="1"/>
-            <a:t>RxJS</a:t>
-          </a:r>
-          <a:r>
-            <a:rPr lang="it-IT" b="1" dirty="0"/>
-            <a:t> 7.8.0</a:t>
-          </a:r>
-        </a:p>
-      </dgm:t>
-    </dgm:pt>
-    <dgm:pt modelId="{933F93DC-F2BC-4901-9B93-BEDA7E1295ED}" type="parTrans" cxnId="{89A26634-7323-49E3-997A-5445C4214B35}">
-      <dgm:prSet/>
-      <dgm:spPr/>
-      <dgm:t>
-        <a:bodyPr/>
-        <a:lstStyle/>
-        <a:p>
-          <a:endParaRPr lang="it-IT"/>
-        </a:p>
-      </dgm:t>
-    </dgm:pt>
-    <dgm:pt modelId="{18CF30EE-9734-4EDB-80FF-201F7A903B36}" type="sibTrans" cxnId="{89A26634-7323-49E3-997A-5445C4214B35}">
-      <dgm:prSet/>
-      <dgm:spPr/>
-      <dgm:t>
-        <a:bodyPr/>
-        <a:lstStyle/>
-        <a:p>
-          <a:endParaRPr lang="it-IT"/>
-        </a:p>
-      </dgm:t>
-    </dgm:pt>
-    <dgm:pt modelId="{F5F55255-3B4A-4616-B6F8-0A66537C5D82}">
-      <dgm:prSet/>
-      <dgm:spPr/>
-      <dgm:t>
-        <a:bodyPr/>
-        <a:lstStyle/>
-        <a:p>
-          <a:pPr>
-            <a:buFont typeface="Arial" panose="020B0604020202020204" pitchFamily="34" charset="0"/>
-            <a:buChar char="–"/>
-          </a:pPr>
-          <a:r>
-            <a:rPr lang="it-IT" dirty="0"/>
-            <a:t> Gestione asincrona chiamate API al </a:t>
-          </a:r>
-          <a:r>
-            <a:rPr lang="it-IT" dirty="0" err="1"/>
-            <a:t>backend</a:t>
-          </a:r>
-          <a:endParaRPr lang="it-IT" dirty="0"/>
-        </a:p>
-      </dgm:t>
-    </dgm:pt>
-    <dgm:pt modelId="{AF394C79-B2A6-4DCB-885D-CE8D2685EC33}" type="parTrans" cxnId="{D3CD3EAD-7193-4575-98B5-F9317CE4FB43}">
-      <dgm:prSet/>
-      <dgm:spPr/>
-      <dgm:t>
-        <a:bodyPr/>
-        <a:lstStyle/>
-        <a:p>
-          <a:endParaRPr lang="it-IT"/>
-        </a:p>
-      </dgm:t>
-    </dgm:pt>
-    <dgm:pt modelId="{E6592C2A-BD5F-424A-817B-CCDA29892586}" type="sibTrans" cxnId="{D3CD3EAD-7193-4575-98B5-F9317CE4FB43}">
-      <dgm:prSet/>
-      <dgm:spPr/>
-      <dgm:t>
-        <a:bodyPr/>
-        <a:lstStyle/>
-        <a:p>
-          <a:endParaRPr lang="it-IT"/>
-        </a:p>
-      </dgm:t>
-    </dgm:pt>
-    <dgm:pt modelId="{24C10798-75D1-47C0-A4DB-CA289CC5805B}">
-      <dgm:prSet/>
-      <dgm:spPr/>
-      <dgm:t>
-        <a:bodyPr/>
-        <a:lstStyle/>
-        <a:p>
-          <a:pPr>
-            <a:buFont typeface="Arial" panose="020B0604020202020204" pitchFamily="34" charset="0"/>
-            <a:buChar char="–"/>
-          </a:pPr>
-          <a:r>
-            <a:rPr lang="it-IT" dirty="0"/>
-            <a:t> Polling per status documenti in analisi</a:t>
-          </a:r>
-        </a:p>
-      </dgm:t>
-    </dgm:pt>
-    <dgm:pt modelId="{CCB71030-2EA5-4506-92EC-221C09CE28D3}" type="parTrans" cxnId="{32E73583-EC60-44EC-A1BF-54C8775B331D}">
-      <dgm:prSet/>
-      <dgm:spPr/>
-      <dgm:t>
-        <a:bodyPr/>
-        <a:lstStyle/>
-        <a:p>
-          <a:endParaRPr lang="it-IT"/>
-        </a:p>
-      </dgm:t>
-    </dgm:pt>
-    <dgm:pt modelId="{ACEF8760-0D4C-4F48-B99C-551EED1CF848}" type="sibTrans" cxnId="{32E73583-EC60-44EC-A1BF-54C8775B331D}">
-      <dgm:prSet/>
-      <dgm:spPr/>
-      <dgm:t>
-        <a:bodyPr/>
-        <a:lstStyle/>
-        <a:p>
-          <a:endParaRPr lang="it-IT"/>
-        </a:p>
-      </dgm:t>
-    </dgm:pt>
-    <dgm:pt modelId="{E31BE80F-FA49-4F70-A117-DEE2C6B30620}">
-      <dgm:prSet/>
-      <dgm:spPr/>
-      <dgm:t>
-        <a:bodyPr/>
-        <a:lstStyle/>
-        <a:p>
-          <a:pPr>
-            <a:buFont typeface="Arial" panose="020B0604020202020204" pitchFamily="34" charset="0"/>
-            <a:buNone/>
-          </a:pPr>
-          <a:endParaRPr lang="it-IT" dirty="0"/>
-        </a:p>
-      </dgm:t>
-    </dgm:pt>
-    <dgm:pt modelId="{4DD27760-D8B2-44E5-987B-E46770BBE20F}" type="parTrans" cxnId="{EDA85965-8EE4-4632-8404-E31BDFF00BB4}">
-      <dgm:prSet/>
-      <dgm:spPr/>
-      <dgm:t>
-        <a:bodyPr/>
-        <a:lstStyle/>
-        <a:p>
-          <a:endParaRPr lang="it-IT"/>
-        </a:p>
-      </dgm:t>
-    </dgm:pt>
-    <dgm:pt modelId="{5B9CFE27-FE64-4208-96F1-2FDAF281E8E1}" type="sibTrans" cxnId="{EDA85965-8EE4-4632-8404-E31BDFF00BB4}">
-      <dgm:prSet/>
-      <dgm:spPr/>
-      <dgm:t>
-        <a:bodyPr/>
-        <a:lstStyle/>
-        <a:p>
-          <a:endParaRPr lang="it-IT"/>
-        </a:p>
-      </dgm:t>
-    </dgm:pt>
-    <dgm:pt modelId="{529C8736-509C-426A-B1AF-D9FE39FB5B28}" type="pres">
-      <dgm:prSet presAssocID="{228ADC0D-83DA-40CE-9EF2-B2A23B2BA12F}" presName="linear" presStyleCnt="0">
-        <dgm:presLayoutVars>
-          <dgm:dir/>
-          <dgm:animLvl val="lvl"/>
-          <dgm:resizeHandles val="exact"/>
-        </dgm:presLayoutVars>
-      </dgm:prSet>
-      <dgm:spPr/>
-    </dgm:pt>
-    <dgm:pt modelId="{8BC7EA25-256B-410A-8E19-CC15A19D412A}" type="pres">
-      <dgm:prSet presAssocID="{EE76E364-6A46-492A-9FD7-63C775ADA808}" presName="parentLin" presStyleCnt="0"/>
-      <dgm:spPr/>
-    </dgm:pt>
-    <dgm:pt modelId="{0E75AC4A-956D-493C-A82B-572CF3B1603B}" type="pres">
-      <dgm:prSet presAssocID="{EE76E364-6A46-492A-9FD7-63C775ADA808}" presName="parentLeftMargin" presStyleLbl="node1" presStyleIdx="0" presStyleCnt="1"/>
-      <dgm:spPr/>
-    </dgm:pt>
-    <dgm:pt modelId="{EF67F11A-FCD0-4E59-A23F-17BCC3FB1182}" type="pres">
-      <dgm:prSet presAssocID="{EE76E364-6A46-492A-9FD7-63C775ADA808}" presName="parentText" presStyleLbl="node1" presStyleIdx="0" presStyleCnt="1">
-        <dgm:presLayoutVars>
-          <dgm:chMax val="0"/>
-          <dgm:bulletEnabled val="1"/>
-        </dgm:presLayoutVars>
-      </dgm:prSet>
-      <dgm:spPr/>
-    </dgm:pt>
-    <dgm:pt modelId="{E84E3A97-5D14-4C15-B06F-E00215B154CE}" type="pres">
-      <dgm:prSet presAssocID="{EE76E364-6A46-492A-9FD7-63C775ADA808}" presName="negativeSpace" presStyleCnt="0"/>
-      <dgm:spPr/>
-    </dgm:pt>
-    <dgm:pt modelId="{8A748C3E-CE62-4E92-A0FE-1F5548AC9D02}" type="pres">
-      <dgm:prSet presAssocID="{EE76E364-6A46-492A-9FD7-63C775ADA808}" presName="childText" presStyleLbl="conFgAcc1" presStyleIdx="0" presStyleCnt="1">
-        <dgm:presLayoutVars>
-          <dgm:bulletEnabled val="1"/>
-        </dgm:presLayoutVars>
-      </dgm:prSet>
-      <dgm:spPr/>
-    </dgm:pt>
-  </dgm:ptLst>
-  <dgm:cxnLst>
-    <dgm:cxn modelId="{BEAA9F05-EFD4-47E4-BDAD-A275F0EA0751}" type="presOf" srcId="{FB7856FD-14F6-497F-A96F-439DE861ECA4}" destId="{8A748C3E-CE62-4E92-A0FE-1F5548AC9D02}" srcOrd="0" destOrd="0" presId="urn:microsoft.com/office/officeart/2005/8/layout/list1"/>
-    <dgm:cxn modelId="{89A26634-7323-49E3-997A-5445C4214B35}" srcId="{EE76E364-6A46-492A-9FD7-63C775ADA808}" destId="{EA4C9FAE-8632-437A-94BC-F7324DD67615}" srcOrd="2" destOrd="0" parTransId="{933F93DC-F2BC-4901-9B93-BEDA7E1295ED}" sibTransId="{18CF30EE-9734-4EDB-80FF-201F7A903B36}"/>
-    <dgm:cxn modelId="{0C848A3D-3553-4924-8D80-54F69669587F}" type="presOf" srcId="{228ADC0D-83DA-40CE-9EF2-B2A23B2BA12F}" destId="{529C8736-509C-426A-B1AF-D9FE39FB5B28}" srcOrd="0" destOrd="0" presId="urn:microsoft.com/office/officeart/2005/8/layout/list1"/>
-    <dgm:cxn modelId="{EDA85965-8EE4-4632-8404-E31BDFF00BB4}" srcId="{EE76E364-6A46-492A-9FD7-63C775ADA808}" destId="{E31BE80F-FA49-4F70-A117-DEE2C6B30620}" srcOrd="1" destOrd="0" parTransId="{4DD27760-D8B2-44E5-987B-E46770BBE20F}" sibTransId="{5B9CFE27-FE64-4208-96F1-2FDAF281E8E1}"/>
-    <dgm:cxn modelId="{7819AA54-EB0A-454E-AD7C-9E32ABD54220}" type="presOf" srcId="{141D3803-6A45-424D-9651-5627AAB61B6A}" destId="{8A748C3E-CE62-4E92-A0FE-1F5548AC9D02}" srcOrd="0" destOrd="1" presId="urn:microsoft.com/office/officeart/2005/8/layout/list1"/>
-    <dgm:cxn modelId="{0C2C0556-2531-4132-A5FF-B6C94EF444C9}" type="presOf" srcId="{EE76E364-6A46-492A-9FD7-63C775ADA808}" destId="{EF67F11A-FCD0-4E59-A23F-17BCC3FB1182}" srcOrd="1" destOrd="0" presId="urn:microsoft.com/office/officeart/2005/8/layout/list1"/>
-    <dgm:cxn modelId="{F609747B-AE71-4ACA-93A0-5C6C9FA2C6E1}" srcId="{EE76E364-6A46-492A-9FD7-63C775ADA808}" destId="{FB7856FD-14F6-497F-A96F-439DE861ECA4}" srcOrd="0" destOrd="0" parTransId="{B2A71A46-24A2-44C1-B6DD-257439AFBC0A}" sibTransId="{AED585D0-E158-48D1-8037-5DB08D2C892B}"/>
-    <dgm:cxn modelId="{32E73583-EC60-44EC-A1BF-54C8775B331D}" srcId="{EA4C9FAE-8632-437A-94BC-F7324DD67615}" destId="{24C10798-75D1-47C0-A4DB-CA289CC5805B}" srcOrd="1" destOrd="0" parTransId="{CCB71030-2EA5-4506-92EC-221C09CE28D3}" sibTransId="{ACEF8760-0D4C-4F48-B99C-551EED1CF848}"/>
-    <dgm:cxn modelId="{EEF0FD9E-9011-42DF-B6EF-82670B3BF794}" type="presOf" srcId="{F5F55255-3B4A-4616-B6F8-0A66537C5D82}" destId="{8A748C3E-CE62-4E92-A0FE-1F5548AC9D02}" srcOrd="0" destOrd="5" presId="urn:microsoft.com/office/officeart/2005/8/layout/list1"/>
-    <dgm:cxn modelId="{D3CD3EAD-7193-4575-98B5-F9317CE4FB43}" srcId="{EA4C9FAE-8632-437A-94BC-F7324DD67615}" destId="{F5F55255-3B4A-4616-B6F8-0A66537C5D82}" srcOrd="0" destOrd="0" parTransId="{AF394C79-B2A6-4DCB-885D-CE8D2685EC33}" sibTransId="{E6592C2A-BD5F-424A-817B-CCDA29892586}"/>
-    <dgm:cxn modelId="{EC22ABB2-7ED1-4B07-AA92-F5ECE1EA5D71}" type="presOf" srcId="{EA4C9FAE-8632-437A-94BC-F7324DD67615}" destId="{8A748C3E-CE62-4E92-A0FE-1F5548AC9D02}" srcOrd="0" destOrd="4" presId="urn:microsoft.com/office/officeart/2005/8/layout/list1"/>
-    <dgm:cxn modelId="{5E9EFBBC-6F16-404D-8426-5A65476D0E63}" type="presOf" srcId="{24C10798-75D1-47C0-A4DB-CA289CC5805B}" destId="{8A748C3E-CE62-4E92-A0FE-1F5548AC9D02}" srcOrd="0" destOrd="6" presId="urn:microsoft.com/office/officeart/2005/8/layout/list1"/>
-    <dgm:cxn modelId="{532EA1BD-9135-47A3-810A-B944735836EF}" type="presOf" srcId="{EE76E364-6A46-492A-9FD7-63C775ADA808}" destId="{0E75AC4A-956D-493C-A82B-572CF3B1603B}" srcOrd="0" destOrd="0" presId="urn:microsoft.com/office/officeart/2005/8/layout/list1"/>
-    <dgm:cxn modelId="{E4E41DC1-0B30-467C-9E5A-F2C285252BDB}" srcId="{FB7856FD-14F6-497F-A96F-439DE861ECA4}" destId="{99F831AF-A12E-4F07-801E-615F89B3AC36}" srcOrd="1" destOrd="0" parTransId="{94B83BAF-5140-4A09-9644-C69A5C49696A}" sibTransId="{1FFBFB34-0516-4E12-B7E7-CA0B0A76FEBB}"/>
-    <dgm:cxn modelId="{061639D3-5D54-47A9-BA0F-3FBD23F399C3}" type="presOf" srcId="{E31BE80F-FA49-4F70-A117-DEE2C6B30620}" destId="{8A748C3E-CE62-4E92-A0FE-1F5548AC9D02}" srcOrd="0" destOrd="3" presId="urn:microsoft.com/office/officeart/2005/8/layout/list1"/>
-    <dgm:cxn modelId="{1768D9DB-57D8-4877-BB53-088C72093E55}" type="presOf" srcId="{99F831AF-A12E-4F07-801E-615F89B3AC36}" destId="{8A748C3E-CE62-4E92-A0FE-1F5548AC9D02}" srcOrd="0" destOrd="2" presId="urn:microsoft.com/office/officeart/2005/8/layout/list1"/>
-    <dgm:cxn modelId="{8ADAB9E6-BB3B-4581-9B45-07948A4AEA67}" srcId="{228ADC0D-83DA-40CE-9EF2-B2A23B2BA12F}" destId="{EE76E364-6A46-492A-9FD7-63C775ADA808}" srcOrd="0" destOrd="0" parTransId="{522B9AE2-1358-4DCB-B21B-51AD7A4CC3B6}" sibTransId="{119AEC78-9891-4081-85AD-AAE5114E48ED}"/>
-    <dgm:cxn modelId="{352A38F5-F7D6-411D-943C-C3F938C1E3D7}" srcId="{FB7856FD-14F6-497F-A96F-439DE861ECA4}" destId="{141D3803-6A45-424D-9651-5627AAB61B6A}" srcOrd="0" destOrd="0" parTransId="{72A51AD2-8239-4A14-AC0B-88EEA7A0179C}" sibTransId="{A60107BD-2C24-49F4-A940-BA89AA44743A}"/>
-    <dgm:cxn modelId="{2279119C-6185-49D8-86B8-240418A9F99B}" type="presParOf" srcId="{529C8736-509C-426A-B1AF-D9FE39FB5B28}" destId="{8BC7EA25-256B-410A-8E19-CC15A19D412A}" srcOrd="0" destOrd="0" presId="urn:microsoft.com/office/officeart/2005/8/layout/list1"/>
-    <dgm:cxn modelId="{765E31C3-7799-46A6-8DC4-0025CE16B733}" type="presParOf" srcId="{8BC7EA25-256B-410A-8E19-CC15A19D412A}" destId="{0E75AC4A-956D-493C-A82B-572CF3B1603B}" srcOrd="0" destOrd="0" presId="urn:microsoft.com/office/officeart/2005/8/layout/list1"/>
-    <dgm:cxn modelId="{46E10686-AFE9-435F-BB57-78D8F28274FC}" type="presParOf" srcId="{8BC7EA25-256B-410A-8E19-CC15A19D412A}" destId="{EF67F11A-FCD0-4E59-A23F-17BCC3FB1182}" srcOrd="1" destOrd="0" presId="urn:microsoft.com/office/officeart/2005/8/layout/list1"/>
-    <dgm:cxn modelId="{C5FB36A8-85E2-4A6A-8F32-E07DDABC9065}" type="presParOf" srcId="{529C8736-509C-426A-B1AF-D9FE39FB5B28}" destId="{E84E3A97-5D14-4C15-B06F-E00215B154CE}" srcOrd="1" destOrd="0" presId="urn:microsoft.com/office/officeart/2005/8/layout/list1"/>
-    <dgm:cxn modelId="{CD232058-5717-4FCC-872D-4E6D9145899C}" type="presParOf" srcId="{529C8736-509C-426A-B1AF-D9FE39FB5B28}" destId="{8A748C3E-CE62-4E92-A0FE-1F5548AC9D02}" srcOrd="2" destOrd="0" presId="urn:microsoft.com/office/officeart/2005/8/layout/list1"/>
-  </dgm:cxnLst>
-  <dgm:bg/>
-  <dgm:whole/>
-  <dgm:extLst>
-    <a:ext uri="http://schemas.microsoft.com/office/drawing/2008/diagram">
-      <dsp:dataModelExt xmlns:dsp="http://schemas.microsoft.com/office/drawing/2008/diagram" relId="rId13" minVer="http://schemas.openxmlformats.org/drawingml/2006/diagram"/>
-    </a:ext>
-  </dgm:extLst>
-</dgm:dataModel>
-</file>
-
-<file path=ppt/diagrams/data3.xml><?xml version="1.0" encoding="utf-8"?>
-<dgm:dataModel xmlns:dgm="http://schemas.openxmlformats.org/drawingml/2006/diagram" xmlns:a="http://schemas.openxmlformats.org/drawingml/2006/main">
-  <dgm:ptLst>
-    <dgm:pt modelId="{228ADC0D-83DA-40CE-9EF2-B2A23B2BA12F}" type="doc">
-      <dgm:prSet loTypeId="urn:microsoft.com/office/officeart/2005/8/layout/list1" loCatId="list" qsTypeId="urn:microsoft.com/office/officeart/2005/8/quickstyle/simple4" qsCatId="simple" csTypeId="urn:microsoft.com/office/officeart/2005/8/colors/colorful5" csCatId="colorful" phldr="1"/>
-      <dgm:spPr/>
-      <dgm:t>
-        <a:bodyPr/>
-        <a:lstStyle/>
-        <a:p>
-          <a:endParaRPr lang="en-US"/>
-        </a:p>
-      </dgm:t>
-    </dgm:pt>
-    <dgm:pt modelId="{EE76E364-6A46-492A-9FD7-63C775ADA808}">
-      <dgm:prSet/>
-      <dgm:spPr/>
-      <dgm:t>
-        <a:bodyPr/>
-        <a:lstStyle/>
-        <a:p>
-          <a:r>
-            <a:rPr lang="it-IT" b="1" dirty="0" err="1"/>
-            <a:t>Backend</a:t>
-          </a:r>
-          <a:r>
-            <a:rPr lang="it-IT" b="1" dirty="0"/>
-            <a:t> - Ruby on </a:t>
-          </a:r>
-          <a:r>
-            <a:rPr lang="it-IT" b="1" dirty="0" err="1"/>
-            <a:t>Rails</a:t>
-          </a:r>
-          <a:endParaRPr lang="en-US" dirty="0"/>
-        </a:p>
-      </dgm:t>
-    </dgm:pt>
-    <dgm:pt modelId="{522B9AE2-1358-4DCB-B21B-51AD7A4CC3B6}" type="parTrans" cxnId="{8ADAB9E6-BB3B-4581-9B45-07948A4AEA67}">
-      <dgm:prSet/>
-      <dgm:spPr/>
-      <dgm:t>
-        <a:bodyPr/>
-        <a:lstStyle/>
-        <a:p>
-          <a:endParaRPr lang="en-US"/>
-        </a:p>
-      </dgm:t>
-    </dgm:pt>
-    <dgm:pt modelId="{119AEC78-9891-4081-85AD-AAE5114E48ED}" type="sibTrans" cxnId="{8ADAB9E6-BB3B-4581-9B45-07948A4AEA67}">
-      <dgm:prSet/>
-      <dgm:spPr/>
-      <dgm:t>
-        <a:bodyPr/>
-        <a:lstStyle/>
-        <a:p>
-          <a:endParaRPr lang="en-US"/>
-        </a:p>
-      </dgm:t>
-    </dgm:pt>
-    <dgm:pt modelId="{FB7856FD-14F6-497F-A96F-439DE861ECA4}">
-      <dgm:prSet/>
-      <dgm:spPr>
-        <a:solidFill>
-          <a:srgbClr val="FFFAEF">
-            <a:alpha val="90000"/>
-          </a:srgbClr>
-        </a:solidFill>
-      </dgm:spPr>
-      <dgm:t>
-        <a:bodyPr/>
-        <a:lstStyle/>
-        <a:p>
-          <a:r>
-            <a:rPr lang="it-IT" b="1" dirty="0"/>
-            <a:t>API REST </a:t>
-          </a:r>
-          <a:endParaRPr lang="en-US" dirty="0"/>
-        </a:p>
-      </dgm:t>
-    </dgm:pt>
-    <dgm:pt modelId="{B2A71A46-24A2-44C1-B6DD-257439AFBC0A}" type="parTrans" cxnId="{F609747B-AE71-4ACA-93A0-5C6C9FA2C6E1}">
-      <dgm:prSet/>
-      <dgm:spPr/>
-      <dgm:t>
-        <a:bodyPr/>
-        <a:lstStyle/>
-        <a:p>
-          <a:endParaRPr lang="en-US"/>
-        </a:p>
-      </dgm:t>
-    </dgm:pt>
-    <dgm:pt modelId="{AED585D0-E158-48D1-8037-5DB08D2C892B}" type="sibTrans" cxnId="{F609747B-AE71-4ACA-93A0-5C6C9FA2C6E1}">
-      <dgm:prSet/>
-      <dgm:spPr/>
-      <dgm:t>
-        <a:bodyPr/>
-        <a:lstStyle/>
-        <a:p>
-          <a:endParaRPr lang="en-US"/>
-        </a:p>
-      </dgm:t>
-    </dgm:pt>
-    <dgm:pt modelId="{F0995947-CE14-4D83-9ECC-D60425475577}">
-      <dgm:prSet/>
-      <dgm:spPr/>
-      <dgm:t>
-        <a:bodyPr/>
-        <a:lstStyle/>
-        <a:p>
-          <a:pPr>
-            <a:buFont typeface="Arial" panose="020B0604020202020204" pitchFamily="34" charset="0"/>
-            <a:buChar char="–"/>
-          </a:pPr>
-          <a:r>
-            <a:rPr lang="it-IT"/>
-            <a:t>Endpoint per generazione testo AI (/genera)</a:t>
-          </a:r>
-        </a:p>
-      </dgm:t>
-    </dgm:pt>
-    <dgm:pt modelId="{8C65760D-4140-486E-844F-5B7951439C97}" type="parTrans" cxnId="{11E2A1A2-CA31-4CCC-AA4B-3206B710C5B0}">
-      <dgm:prSet/>
-      <dgm:spPr/>
-      <dgm:t>
-        <a:bodyPr/>
-        <a:lstStyle/>
-        <a:p>
-          <a:endParaRPr lang="it-IT"/>
-        </a:p>
-      </dgm:t>
-    </dgm:pt>
-    <dgm:pt modelId="{CFD1E0D2-15BF-4A59-9258-6D8872AB7B21}" type="sibTrans" cxnId="{11E2A1A2-CA31-4CCC-AA4B-3206B710C5B0}">
-      <dgm:prSet/>
-      <dgm:spPr/>
-      <dgm:t>
-        <a:bodyPr/>
-        <a:lstStyle/>
-        <a:p>
-          <a:endParaRPr lang="it-IT"/>
-        </a:p>
-      </dgm:t>
-    </dgm:pt>
-    <dgm:pt modelId="{95A7F12D-297F-40DB-A513-3018E3940734}">
-      <dgm:prSet/>
-      <dgm:spPr/>
-      <dgm:t>
-        <a:bodyPr/>
-        <a:lstStyle/>
-        <a:p>
-          <a:pPr>
-            <a:buFont typeface="Arial" panose="020B0604020202020204" pitchFamily="34" charset="0"/>
-            <a:buChar char="–"/>
-          </a:pPr>
-          <a:r>
-            <a:rPr lang="it-IT" dirty="0"/>
-            <a:t>Gestione documenti: upload, analisi, consultazione</a:t>
-          </a:r>
-        </a:p>
-      </dgm:t>
-    </dgm:pt>
-    <dgm:pt modelId="{A291ECBE-22CB-47BD-8297-0F8ACE219388}" type="parTrans" cxnId="{15788A52-A4F9-46EF-BCF8-196FE6E8987F}">
-      <dgm:prSet/>
-      <dgm:spPr/>
-      <dgm:t>
-        <a:bodyPr/>
-        <a:lstStyle/>
-        <a:p>
-          <a:endParaRPr lang="it-IT"/>
-        </a:p>
-      </dgm:t>
-    </dgm:pt>
-    <dgm:pt modelId="{1015E87D-49D3-429E-B75A-C080A41BC7E4}" type="sibTrans" cxnId="{15788A52-A4F9-46EF-BCF8-196FE6E8987F}">
-      <dgm:prSet/>
-      <dgm:spPr/>
-      <dgm:t>
-        <a:bodyPr/>
-        <a:lstStyle/>
-        <a:p>
-          <a:endParaRPr lang="it-IT"/>
-        </a:p>
-      </dgm:t>
-    </dgm:pt>
-    <dgm:pt modelId="{F30AB126-9BA3-4F11-8686-655896DDE649}">
-      <dgm:prSet/>
-      <dgm:spPr/>
-      <dgm:t>
-        <a:bodyPr/>
-        <a:lstStyle/>
-        <a:p>
-          <a:pPr>
-            <a:buFont typeface="Arial" panose="020B0604020202020204" pitchFamily="34" charset="0"/>
-            <a:buChar char="–"/>
-          </a:pPr>
-          <a:r>
-            <a:rPr lang="it-IT" dirty="0"/>
-            <a:t>Gestione conversazioni e storico messaggi</a:t>
-          </a:r>
-        </a:p>
-      </dgm:t>
-    </dgm:pt>
-    <dgm:pt modelId="{89A05751-DF44-4874-A8EE-5C3884B19D5C}" type="parTrans" cxnId="{FCBF825B-483C-430E-870F-C59523B13463}">
-      <dgm:prSet/>
-      <dgm:spPr/>
-      <dgm:t>
-        <a:bodyPr/>
-        <a:lstStyle/>
-        <a:p>
-          <a:endParaRPr lang="it-IT"/>
-        </a:p>
-      </dgm:t>
-    </dgm:pt>
-    <dgm:pt modelId="{FC8DC035-1625-47F2-AB88-670A3ACCDCAD}" type="sibTrans" cxnId="{FCBF825B-483C-430E-870F-C59523B13463}">
-      <dgm:prSet/>
-      <dgm:spPr/>
-      <dgm:t>
-        <a:bodyPr/>
-        <a:lstStyle/>
-        <a:p>
-          <a:endParaRPr lang="it-IT"/>
-        </a:p>
-      </dgm:t>
-    </dgm:pt>
-    <dgm:pt modelId="{05CACA1C-8514-488E-A3B1-743F4C7FDF81}">
-      <dgm:prSet/>
-      <dgm:spPr/>
-      <dgm:t>
-        <a:bodyPr/>
-        <a:lstStyle/>
-        <a:p>
-          <a:pPr>
-            <a:buFont typeface="Arial" panose="020B0604020202020204" pitchFamily="34" charset="0"/>
-            <a:buChar char="•"/>
-          </a:pPr>
-          <a:r>
-            <a:rPr lang="it-IT" b="1" dirty="0"/>
-            <a:t>Service Pattern</a:t>
-          </a:r>
-        </a:p>
-      </dgm:t>
-    </dgm:pt>
-    <dgm:pt modelId="{5137DEA9-573D-45E0-BEFF-0CC80F2BF13A}" type="parTrans" cxnId="{DC3F106A-775E-4BA0-94B0-446F37EFF2A7}">
-      <dgm:prSet/>
-      <dgm:spPr/>
-      <dgm:t>
-        <a:bodyPr/>
-        <a:lstStyle/>
-        <a:p>
-          <a:endParaRPr lang="it-IT"/>
-        </a:p>
-      </dgm:t>
-    </dgm:pt>
-    <dgm:pt modelId="{077B0C73-DA12-4F3C-B8A7-19223FD43E01}" type="sibTrans" cxnId="{DC3F106A-775E-4BA0-94B0-446F37EFF2A7}">
-      <dgm:prSet/>
-      <dgm:spPr/>
-      <dgm:t>
-        <a:bodyPr/>
-        <a:lstStyle/>
-        <a:p>
-          <a:endParaRPr lang="it-IT"/>
-        </a:p>
-      </dgm:t>
-    </dgm:pt>
-    <dgm:pt modelId="{97E67E5C-DF06-4EED-B1E8-66C2018EB052}">
-      <dgm:prSet/>
-      <dgm:spPr/>
-      <dgm:t>
-        <a:bodyPr/>
-        <a:lstStyle/>
-        <a:p>
-          <a:pPr>
-            <a:buFont typeface="Arial" panose="020B0604020202020204" pitchFamily="34" charset="0"/>
-            <a:buChar char="–"/>
-          </a:pPr>
-          <a:r>
-            <a:rPr lang="it-IT"/>
-            <a:t>AiService: orchestrazione generazione testo con contesto aziendale</a:t>
-          </a:r>
-        </a:p>
-      </dgm:t>
-    </dgm:pt>
-    <dgm:pt modelId="{7DF86695-71CA-4EED-8188-C504AB812890}" type="parTrans" cxnId="{09B9BC47-2A9B-4941-9011-D241E8C5EF9D}">
-      <dgm:prSet/>
-      <dgm:spPr/>
-      <dgm:t>
-        <a:bodyPr/>
-        <a:lstStyle/>
-        <a:p>
-          <a:endParaRPr lang="it-IT"/>
-        </a:p>
-      </dgm:t>
-    </dgm:pt>
-    <dgm:pt modelId="{CED077FF-7ED2-439E-8EB5-8DDB2B6C38C0}" type="sibTrans" cxnId="{09B9BC47-2A9B-4941-9011-D241E8C5EF9D}">
-      <dgm:prSet/>
-      <dgm:spPr/>
-      <dgm:t>
-        <a:bodyPr/>
-        <a:lstStyle/>
-        <a:p>
-          <a:endParaRPr lang="it-IT"/>
-        </a:p>
-      </dgm:t>
-    </dgm:pt>
-    <dgm:pt modelId="{D41AA80C-B95D-4DC9-931E-F132560E39DA}">
-      <dgm:prSet/>
-      <dgm:spPr/>
-      <dgm:t>
-        <a:bodyPr/>
-        <a:lstStyle/>
-        <a:p>
-          <a:pPr>
-            <a:buFont typeface="Arial" panose="020B0604020202020204" pitchFamily="34" charset="0"/>
-            <a:buChar char="–"/>
-          </a:pPr>
-          <a:r>
-            <a:rPr lang="it-IT"/>
-            <a:t>DocumentAnalysisService: OCR e estrazione dati da PDF/immagini</a:t>
-          </a:r>
-        </a:p>
-      </dgm:t>
-    </dgm:pt>
-    <dgm:pt modelId="{054C04AB-BA6F-4CE9-8B1C-715FCBE24884}" type="parTrans" cxnId="{118FFBEE-DC84-405B-B8B6-3A0BC78AB23E}">
-      <dgm:prSet/>
-      <dgm:spPr/>
-      <dgm:t>
-        <a:bodyPr/>
-        <a:lstStyle/>
-        <a:p>
-          <a:endParaRPr lang="it-IT"/>
-        </a:p>
-      </dgm:t>
-    </dgm:pt>
-    <dgm:pt modelId="{E65B586C-5326-4D79-B708-94053D65E77F}" type="sibTrans" cxnId="{118FFBEE-DC84-405B-B8B6-3A0BC78AB23E}">
-      <dgm:prSet/>
-      <dgm:spPr/>
-      <dgm:t>
-        <a:bodyPr/>
-        <a:lstStyle/>
-        <a:p>
-          <a:endParaRPr lang="it-IT"/>
-        </a:p>
-      </dgm:t>
-    </dgm:pt>
-    <dgm:pt modelId="{EECA5FCB-DB54-4515-8F53-72C7E30A1728}">
-      <dgm:prSet/>
-      <dgm:spPr/>
-      <dgm:t>
-        <a:bodyPr/>
-        <a:lstStyle/>
-        <a:p>
-          <a:pPr>
-            <a:buFont typeface="Arial" panose="020B0604020202020204" pitchFamily="34" charset="0"/>
-            <a:buChar char="–"/>
-          </a:pPr>
-          <a:r>
-            <a:rPr lang="en-US" dirty="0" err="1"/>
-            <a:t>AiTextGenerator</a:t>
-          </a:r>
-          <a:r>
-            <a:rPr lang="en-US" dirty="0"/>
-            <a:t>: adapter per AWS Bedrock SDK</a:t>
-          </a:r>
-          <a:endParaRPr lang="it-IT" dirty="0"/>
-        </a:p>
-      </dgm:t>
-    </dgm:pt>
-    <dgm:pt modelId="{3863604E-7E93-40E7-9FEB-23D76DB70CEA}" type="parTrans" cxnId="{DC91C485-9AC5-451F-9AE1-C0F476EB6206}">
-      <dgm:prSet/>
-      <dgm:spPr/>
-      <dgm:t>
-        <a:bodyPr/>
-        <a:lstStyle/>
-        <a:p>
-          <a:endParaRPr lang="it-IT"/>
-        </a:p>
-      </dgm:t>
-    </dgm:pt>
-    <dgm:pt modelId="{6D70DF1C-D6E9-49F3-AD91-4F1312852BBB}" type="sibTrans" cxnId="{DC91C485-9AC5-451F-9AE1-C0F476EB6206}">
-      <dgm:prSet/>
-      <dgm:spPr/>
-      <dgm:t>
-        <a:bodyPr/>
-        <a:lstStyle/>
-        <a:p>
-          <a:endParaRPr lang="it-IT"/>
-        </a:p>
-      </dgm:t>
-    </dgm:pt>
-    <dgm:pt modelId="{AA94B83B-559F-4349-AEEF-CFF096C1B520}">
-      <dgm:prSet/>
-      <dgm:spPr/>
-      <dgm:t>
-        <a:bodyPr/>
-        <a:lstStyle/>
-        <a:p>
-          <a:pPr>
-            <a:buFont typeface="Arial" panose="020B0604020202020204" pitchFamily="34" charset="0"/>
-            <a:buChar char="•"/>
-          </a:pPr>
-          <a:r>
-            <a:rPr lang="it-IT" b="1" dirty="0"/>
-            <a:t>Active Storage</a:t>
-          </a:r>
-        </a:p>
-      </dgm:t>
-    </dgm:pt>
-    <dgm:pt modelId="{27DA67FC-2500-4060-AEA0-EF50600B9194}" type="parTrans" cxnId="{A514AF4D-4492-4618-A0F9-8A5152E75561}">
-      <dgm:prSet/>
-      <dgm:spPr/>
-      <dgm:t>
-        <a:bodyPr/>
-        <a:lstStyle/>
-        <a:p>
-          <a:endParaRPr lang="it-IT"/>
-        </a:p>
-      </dgm:t>
-    </dgm:pt>
-    <dgm:pt modelId="{402D5ED1-A66C-406E-BBBD-B0DEBAD8267E}" type="sibTrans" cxnId="{A514AF4D-4492-4618-A0F9-8A5152E75561}">
-      <dgm:prSet/>
-      <dgm:spPr/>
-      <dgm:t>
-        <a:bodyPr/>
-        <a:lstStyle/>
-        <a:p>
-          <a:endParaRPr lang="it-IT"/>
-        </a:p>
-      </dgm:t>
-    </dgm:pt>
-    <dgm:pt modelId="{181CC6D5-D593-4D47-9F80-90781C2FF6CC}">
-      <dgm:prSet/>
-      <dgm:spPr/>
-      <dgm:t>
-        <a:bodyPr/>
-        <a:lstStyle/>
-        <a:p>
-          <a:pPr>
-            <a:buFont typeface="Arial" panose="020B0604020202020204" pitchFamily="34" charset="0"/>
-            <a:buChar char="–"/>
-          </a:pPr>
-          <a:r>
-            <a:rPr lang="it-IT" dirty="0"/>
-            <a:t>Gestione upload e storage documenti</a:t>
-          </a:r>
-        </a:p>
-      </dgm:t>
-    </dgm:pt>
-    <dgm:pt modelId="{8E0F15C4-B7A7-44CE-A0C0-5E8968E5C579}" type="parTrans" cxnId="{AFD6D308-4D6D-41A0-B9E6-45442280845E}">
-      <dgm:prSet/>
-      <dgm:spPr/>
-      <dgm:t>
-        <a:bodyPr/>
-        <a:lstStyle/>
-        <a:p>
-          <a:endParaRPr lang="it-IT"/>
-        </a:p>
-      </dgm:t>
-    </dgm:pt>
-    <dgm:pt modelId="{998CAD14-9D3B-4469-B322-BE3FE75FB6A4}" type="sibTrans" cxnId="{AFD6D308-4D6D-41A0-B9E6-45442280845E}">
-      <dgm:prSet/>
-      <dgm:spPr/>
-      <dgm:t>
-        <a:bodyPr/>
-        <a:lstStyle/>
-        <a:p>
-          <a:endParaRPr lang="it-IT"/>
-        </a:p>
-      </dgm:t>
-    </dgm:pt>
-    <dgm:pt modelId="{25743D0A-F3FD-478C-ADAF-F4063DDF24C2}">
-      <dgm:prSet/>
-      <dgm:spPr/>
-      <dgm:t>
-        <a:bodyPr/>
-        <a:lstStyle/>
-        <a:p>
-          <a:pPr>
-            <a:buFont typeface="Arial" panose="020B0604020202020204" pitchFamily="34" charset="0"/>
-            <a:buNone/>
-          </a:pPr>
-          <a:endParaRPr lang="it-IT" dirty="0"/>
-        </a:p>
-      </dgm:t>
-    </dgm:pt>
-    <dgm:pt modelId="{4123C60A-D82C-4380-B3B1-33A0F29EA7A7}" type="parTrans" cxnId="{A20DD3DC-110A-4A8F-8550-889E2113B2AC}">
-      <dgm:prSet/>
-      <dgm:spPr/>
-      <dgm:t>
-        <a:bodyPr/>
-        <a:lstStyle/>
-        <a:p>
-          <a:endParaRPr lang="it-IT"/>
-        </a:p>
-      </dgm:t>
-    </dgm:pt>
-    <dgm:pt modelId="{17355BA7-A0F2-44B5-9276-A325F0DCEC04}" type="sibTrans" cxnId="{A20DD3DC-110A-4A8F-8550-889E2113B2AC}">
-      <dgm:prSet/>
-      <dgm:spPr/>
-      <dgm:t>
-        <a:bodyPr/>
-        <a:lstStyle/>
-        <a:p>
-          <a:endParaRPr lang="it-IT"/>
-        </a:p>
-      </dgm:t>
-    </dgm:pt>
-    <dgm:pt modelId="{2572F097-FD6E-47CC-9952-EA72E1E6B7D7}">
-      <dgm:prSet/>
-      <dgm:spPr/>
-      <dgm:t>
-        <a:bodyPr/>
-        <a:lstStyle/>
-        <a:p>
-          <a:pPr>
-            <a:buFont typeface="Arial" panose="020B0604020202020204" pitchFamily="34" charset="0"/>
-            <a:buNone/>
-          </a:pPr>
-          <a:endParaRPr lang="it-IT" dirty="0"/>
-        </a:p>
-      </dgm:t>
-    </dgm:pt>
-    <dgm:pt modelId="{7DA250F3-C26E-4E58-B34D-ADD098D8D577}" type="parTrans" cxnId="{4F0F1ADC-2EBE-4F4E-9221-A824D310F99C}">
-      <dgm:prSet/>
-      <dgm:spPr/>
-      <dgm:t>
-        <a:bodyPr/>
-        <a:lstStyle/>
-        <a:p>
-          <a:endParaRPr lang="it-IT"/>
-        </a:p>
-      </dgm:t>
-    </dgm:pt>
-    <dgm:pt modelId="{212C8506-FAEB-40DF-9803-B85BCA38A8D9}" type="sibTrans" cxnId="{4F0F1ADC-2EBE-4F4E-9221-A824D310F99C}">
-      <dgm:prSet/>
-      <dgm:spPr/>
-      <dgm:t>
-        <a:bodyPr/>
-        <a:lstStyle/>
-        <a:p>
-          <a:endParaRPr lang="it-IT"/>
-        </a:p>
-      </dgm:t>
-    </dgm:pt>
-    <dgm:pt modelId="{529C8736-509C-426A-B1AF-D9FE39FB5B28}" type="pres">
-      <dgm:prSet presAssocID="{228ADC0D-83DA-40CE-9EF2-B2A23B2BA12F}" presName="linear" presStyleCnt="0">
-        <dgm:presLayoutVars>
-          <dgm:dir/>
-          <dgm:animLvl val="lvl"/>
-          <dgm:resizeHandles val="exact"/>
-        </dgm:presLayoutVars>
-      </dgm:prSet>
-      <dgm:spPr/>
-    </dgm:pt>
-    <dgm:pt modelId="{8BC7EA25-256B-410A-8E19-CC15A19D412A}" type="pres">
-      <dgm:prSet presAssocID="{EE76E364-6A46-492A-9FD7-63C775ADA808}" presName="parentLin" presStyleCnt="0"/>
-      <dgm:spPr/>
-    </dgm:pt>
-    <dgm:pt modelId="{0E75AC4A-956D-493C-A82B-572CF3B1603B}" type="pres">
-      <dgm:prSet presAssocID="{EE76E364-6A46-492A-9FD7-63C775ADA808}" presName="parentLeftMargin" presStyleLbl="node1" presStyleIdx="0" presStyleCnt="1"/>
-      <dgm:spPr/>
-    </dgm:pt>
-    <dgm:pt modelId="{EF67F11A-FCD0-4E59-A23F-17BCC3FB1182}" type="pres">
-      <dgm:prSet presAssocID="{EE76E364-6A46-492A-9FD7-63C775ADA808}" presName="parentText" presStyleLbl="node1" presStyleIdx="0" presStyleCnt="1">
-        <dgm:presLayoutVars>
-          <dgm:chMax val="0"/>
-          <dgm:bulletEnabled val="1"/>
-        </dgm:presLayoutVars>
-      </dgm:prSet>
-      <dgm:spPr/>
-    </dgm:pt>
-    <dgm:pt modelId="{E84E3A97-5D14-4C15-B06F-E00215B154CE}" type="pres">
-      <dgm:prSet presAssocID="{EE76E364-6A46-492A-9FD7-63C775ADA808}" presName="negativeSpace" presStyleCnt="0"/>
-      <dgm:spPr/>
-    </dgm:pt>
-    <dgm:pt modelId="{8A748C3E-CE62-4E92-A0FE-1F5548AC9D02}" type="pres">
-      <dgm:prSet presAssocID="{EE76E364-6A46-492A-9FD7-63C775ADA808}" presName="childText" presStyleLbl="conFgAcc1" presStyleIdx="0" presStyleCnt="1" custLinFactNeighborX="-424">
-        <dgm:presLayoutVars>
-          <dgm:bulletEnabled val="1"/>
-        </dgm:presLayoutVars>
-      </dgm:prSet>
-      <dgm:spPr/>
-    </dgm:pt>
-  </dgm:ptLst>
-  <dgm:cxnLst>
-    <dgm:cxn modelId="{7A8FBD00-DDE6-4A47-8BEA-3DCA5326508E}" type="presOf" srcId="{2572F097-FD6E-47CC-9952-EA72E1E6B7D7}" destId="{8A748C3E-CE62-4E92-A0FE-1F5548AC9D02}" srcOrd="0" destOrd="9" presId="urn:microsoft.com/office/officeart/2005/8/layout/list1"/>
-    <dgm:cxn modelId="{75F3EE01-A7BB-4740-99D4-EA5011A5128A}" type="presOf" srcId="{95A7F12D-297F-40DB-A513-3018E3940734}" destId="{8A748C3E-CE62-4E92-A0FE-1F5548AC9D02}" srcOrd="0" destOrd="2" presId="urn:microsoft.com/office/officeart/2005/8/layout/list1"/>
-    <dgm:cxn modelId="{AFD6D308-4D6D-41A0-B9E6-45442280845E}" srcId="{AA94B83B-559F-4349-AEEF-CFF096C1B520}" destId="{181CC6D5-D593-4D47-9F80-90781C2FF6CC}" srcOrd="0" destOrd="0" parTransId="{8E0F15C4-B7A7-44CE-A0C0-5E8968E5C579}" sibTransId="{998CAD14-9D3B-4469-B322-BE3FE75FB6A4}"/>
-    <dgm:cxn modelId="{1770F720-81C9-4D12-8628-6C98FAAFF1E1}" type="presOf" srcId="{EE76E364-6A46-492A-9FD7-63C775ADA808}" destId="{EF67F11A-FCD0-4E59-A23F-17BCC3FB1182}" srcOrd="1" destOrd="0" presId="urn:microsoft.com/office/officeart/2005/8/layout/list1"/>
-    <dgm:cxn modelId="{0C848A3D-3553-4924-8D80-54F69669587F}" type="presOf" srcId="{228ADC0D-83DA-40CE-9EF2-B2A23B2BA12F}" destId="{529C8736-509C-426A-B1AF-D9FE39FB5B28}" srcOrd="0" destOrd="0" presId="urn:microsoft.com/office/officeart/2005/8/layout/list1"/>
-    <dgm:cxn modelId="{FCBF825B-483C-430E-870F-C59523B13463}" srcId="{FB7856FD-14F6-497F-A96F-439DE861ECA4}" destId="{F30AB126-9BA3-4F11-8686-655896DDE649}" srcOrd="2" destOrd="0" parTransId="{89A05751-DF44-4874-A8EE-5C3884B19D5C}" sibTransId="{FC8DC035-1625-47F2-AB88-670A3ACCDCAD}"/>
-    <dgm:cxn modelId="{09B9BC47-2A9B-4941-9011-D241E8C5EF9D}" srcId="{05CACA1C-8514-488E-A3B1-743F4C7FDF81}" destId="{97E67E5C-DF06-4EED-B1E8-66C2018EB052}" srcOrd="0" destOrd="0" parTransId="{7DF86695-71CA-4EED-8188-C504AB812890}" sibTransId="{CED077FF-7ED2-439E-8EB5-8DDB2B6C38C0}"/>
-    <dgm:cxn modelId="{DC3F106A-775E-4BA0-94B0-446F37EFF2A7}" srcId="{EE76E364-6A46-492A-9FD7-63C775ADA808}" destId="{05CACA1C-8514-488E-A3B1-743F4C7FDF81}" srcOrd="2" destOrd="0" parTransId="{5137DEA9-573D-45E0-BEFF-0CC80F2BF13A}" sibTransId="{077B0C73-DA12-4F3C-B8A7-19223FD43E01}"/>
-    <dgm:cxn modelId="{A514AF4D-4492-4618-A0F9-8A5152E75561}" srcId="{EE76E364-6A46-492A-9FD7-63C775ADA808}" destId="{AA94B83B-559F-4349-AEEF-CFF096C1B520}" srcOrd="4" destOrd="0" parTransId="{27DA67FC-2500-4060-AEA0-EF50600B9194}" sibTransId="{402D5ED1-A66C-406E-BBBD-B0DEBAD8267E}"/>
-    <dgm:cxn modelId="{F6ABAE4E-ED9A-4759-93FF-2EC52BBE0D86}" type="presOf" srcId="{97E67E5C-DF06-4EED-B1E8-66C2018EB052}" destId="{8A748C3E-CE62-4E92-A0FE-1F5548AC9D02}" srcOrd="0" destOrd="6" presId="urn:microsoft.com/office/officeart/2005/8/layout/list1"/>
-    <dgm:cxn modelId="{B12B0872-1204-45B7-83BB-B23C48C9B359}" type="presOf" srcId="{FB7856FD-14F6-497F-A96F-439DE861ECA4}" destId="{8A748C3E-CE62-4E92-A0FE-1F5548AC9D02}" srcOrd="0" destOrd="0" presId="urn:microsoft.com/office/officeart/2005/8/layout/list1"/>
-    <dgm:cxn modelId="{15788A52-A4F9-46EF-BCF8-196FE6E8987F}" srcId="{FB7856FD-14F6-497F-A96F-439DE861ECA4}" destId="{95A7F12D-297F-40DB-A513-3018E3940734}" srcOrd="1" destOrd="0" parTransId="{A291ECBE-22CB-47BD-8297-0F8ACE219388}" sibTransId="{1015E87D-49D3-429E-B75A-C080A41BC7E4}"/>
-    <dgm:cxn modelId="{DFA92778-AFE9-4806-A009-CD416009CA1E}" type="presOf" srcId="{AA94B83B-559F-4349-AEEF-CFF096C1B520}" destId="{8A748C3E-CE62-4E92-A0FE-1F5548AC9D02}" srcOrd="0" destOrd="10" presId="urn:microsoft.com/office/officeart/2005/8/layout/list1"/>
-    <dgm:cxn modelId="{F609747B-AE71-4ACA-93A0-5C6C9FA2C6E1}" srcId="{EE76E364-6A46-492A-9FD7-63C775ADA808}" destId="{FB7856FD-14F6-497F-A96F-439DE861ECA4}" srcOrd="0" destOrd="0" parTransId="{B2A71A46-24A2-44C1-B6DD-257439AFBC0A}" sibTransId="{AED585D0-E158-48D1-8037-5DB08D2C892B}"/>
-    <dgm:cxn modelId="{DC91C485-9AC5-451F-9AE1-C0F476EB6206}" srcId="{05CACA1C-8514-488E-A3B1-743F4C7FDF81}" destId="{EECA5FCB-DB54-4515-8F53-72C7E30A1728}" srcOrd="2" destOrd="0" parTransId="{3863604E-7E93-40E7-9FEB-23D76DB70CEA}" sibTransId="{6D70DF1C-D6E9-49F3-AD91-4F1312852BBB}"/>
-    <dgm:cxn modelId="{40580786-AF55-4E96-A0B2-CA144D440F46}" type="presOf" srcId="{F30AB126-9BA3-4F11-8686-655896DDE649}" destId="{8A748C3E-CE62-4E92-A0FE-1F5548AC9D02}" srcOrd="0" destOrd="3" presId="urn:microsoft.com/office/officeart/2005/8/layout/list1"/>
-    <dgm:cxn modelId="{73CB5799-BFF2-4ACA-9FF5-F77665B40239}" type="presOf" srcId="{181CC6D5-D593-4D47-9F80-90781C2FF6CC}" destId="{8A748C3E-CE62-4E92-A0FE-1F5548AC9D02}" srcOrd="0" destOrd="11" presId="urn:microsoft.com/office/officeart/2005/8/layout/list1"/>
-    <dgm:cxn modelId="{554EF59A-726A-4F0D-9907-BAD5B7C27313}" type="presOf" srcId="{F0995947-CE14-4D83-9ECC-D60425475577}" destId="{8A748C3E-CE62-4E92-A0FE-1F5548AC9D02}" srcOrd="0" destOrd="1" presId="urn:microsoft.com/office/officeart/2005/8/layout/list1"/>
-    <dgm:cxn modelId="{11E2A1A2-CA31-4CCC-AA4B-3206B710C5B0}" srcId="{FB7856FD-14F6-497F-A96F-439DE861ECA4}" destId="{F0995947-CE14-4D83-9ECC-D60425475577}" srcOrd="0" destOrd="0" parTransId="{8C65760D-4140-486E-844F-5B7951439C97}" sibTransId="{CFD1E0D2-15BF-4A59-9258-6D8872AB7B21}"/>
-    <dgm:cxn modelId="{B389DBBC-EB61-4280-95BA-DAF06808AFF2}" type="presOf" srcId="{25743D0A-F3FD-478C-ADAF-F4063DDF24C2}" destId="{8A748C3E-CE62-4E92-A0FE-1F5548AC9D02}" srcOrd="0" destOrd="4" presId="urn:microsoft.com/office/officeart/2005/8/layout/list1"/>
-    <dgm:cxn modelId="{5E3F33DA-D8DA-4EA7-974E-13A6C697D797}" type="presOf" srcId="{05CACA1C-8514-488E-A3B1-743F4C7FDF81}" destId="{8A748C3E-CE62-4E92-A0FE-1F5548AC9D02}" srcOrd="0" destOrd="5" presId="urn:microsoft.com/office/officeart/2005/8/layout/list1"/>
-    <dgm:cxn modelId="{3BE418DC-9559-48F1-89D3-8C554287795E}" type="presOf" srcId="{EECA5FCB-DB54-4515-8F53-72C7E30A1728}" destId="{8A748C3E-CE62-4E92-A0FE-1F5548AC9D02}" srcOrd="0" destOrd="8" presId="urn:microsoft.com/office/officeart/2005/8/layout/list1"/>
-    <dgm:cxn modelId="{4F0F1ADC-2EBE-4F4E-9221-A824D310F99C}" srcId="{EE76E364-6A46-492A-9FD7-63C775ADA808}" destId="{2572F097-FD6E-47CC-9952-EA72E1E6B7D7}" srcOrd="3" destOrd="0" parTransId="{7DA250F3-C26E-4E58-B34D-ADD098D8D577}" sibTransId="{212C8506-FAEB-40DF-9803-B85BCA38A8D9}"/>
-    <dgm:cxn modelId="{A20DD3DC-110A-4A8F-8550-889E2113B2AC}" srcId="{EE76E364-6A46-492A-9FD7-63C775ADA808}" destId="{25743D0A-F3FD-478C-ADAF-F4063DDF24C2}" srcOrd="1" destOrd="0" parTransId="{4123C60A-D82C-4380-B3B1-33A0F29EA7A7}" sibTransId="{17355BA7-A0F2-44B5-9276-A325F0DCEC04}"/>
-    <dgm:cxn modelId="{8ADAB9E6-BB3B-4581-9B45-07948A4AEA67}" srcId="{228ADC0D-83DA-40CE-9EF2-B2A23B2BA12F}" destId="{EE76E364-6A46-492A-9FD7-63C775ADA808}" srcOrd="0" destOrd="0" parTransId="{522B9AE2-1358-4DCB-B21B-51AD7A4CC3B6}" sibTransId="{119AEC78-9891-4081-85AD-AAE5114E48ED}"/>
-    <dgm:cxn modelId="{D3892CEB-2C5F-46A2-AC04-F0E9E24A1F9F}" type="presOf" srcId="{D41AA80C-B95D-4DC9-931E-F132560E39DA}" destId="{8A748C3E-CE62-4E92-A0FE-1F5548AC9D02}" srcOrd="0" destOrd="7" presId="urn:microsoft.com/office/officeart/2005/8/layout/list1"/>
-    <dgm:cxn modelId="{118FFBEE-DC84-405B-B8B6-3A0BC78AB23E}" srcId="{05CACA1C-8514-488E-A3B1-743F4C7FDF81}" destId="{D41AA80C-B95D-4DC9-931E-F132560E39DA}" srcOrd="1" destOrd="0" parTransId="{054C04AB-BA6F-4CE9-8B1C-715FCBE24884}" sibTransId="{E65B586C-5326-4D79-B708-94053D65E77F}"/>
-    <dgm:cxn modelId="{4B79D5FE-F61D-4650-BB16-77E601A19864}" type="presOf" srcId="{EE76E364-6A46-492A-9FD7-63C775ADA808}" destId="{0E75AC4A-956D-493C-A82B-572CF3B1603B}" srcOrd="0" destOrd="0" presId="urn:microsoft.com/office/officeart/2005/8/layout/list1"/>
-    <dgm:cxn modelId="{1A262072-D28F-47B2-A661-C34FBC9A094B}" type="presParOf" srcId="{529C8736-509C-426A-B1AF-D9FE39FB5B28}" destId="{8BC7EA25-256B-410A-8E19-CC15A19D412A}" srcOrd="0" destOrd="0" presId="urn:microsoft.com/office/officeart/2005/8/layout/list1"/>
-    <dgm:cxn modelId="{ADDA99B3-1265-40BD-B302-00808ABB6642}" type="presParOf" srcId="{8BC7EA25-256B-410A-8E19-CC15A19D412A}" destId="{0E75AC4A-956D-493C-A82B-572CF3B1603B}" srcOrd="0" destOrd="0" presId="urn:microsoft.com/office/officeart/2005/8/layout/list1"/>
-    <dgm:cxn modelId="{4A7DDAB3-38B7-4C49-A86C-BC1906AEEF91}" type="presParOf" srcId="{8BC7EA25-256B-410A-8E19-CC15A19D412A}" destId="{EF67F11A-FCD0-4E59-A23F-17BCC3FB1182}" srcOrd="1" destOrd="0" presId="urn:microsoft.com/office/officeart/2005/8/layout/list1"/>
-    <dgm:cxn modelId="{4034D3F4-1B4D-467F-8B90-5A4C317687B6}" type="presParOf" srcId="{529C8736-509C-426A-B1AF-D9FE39FB5B28}" destId="{E84E3A97-5D14-4C15-B06F-E00215B154CE}" srcOrd="1" destOrd="0" presId="urn:microsoft.com/office/officeart/2005/8/layout/list1"/>
-    <dgm:cxn modelId="{5859D9A7-07B1-4553-A9ED-45423658AD28}" type="presParOf" srcId="{529C8736-509C-426A-B1AF-D9FE39FB5B28}" destId="{8A748C3E-CE62-4E92-A0FE-1F5548AC9D02}" srcOrd="2" destOrd="0" presId="urn:microsoft.com/office/officeart/2005/8/layout/list1"/>
-  </dgm:cxnLst>
-  <dgm:bg/>
-  <dgm:whole/>
-  <dgm:extLst>
-    <a:ext uri="http://schemas.microsoft.com/office/drawing/2008/diagram">
-      <dsp:dataModelExt xmlns:dsp="http://schemas.microsoft.com/office/drawing/2008/diagram" relId="rId6" minVer="http://schemas.openxmlformats.org/drawingml/2006/diagram"/>
-    </a:ext>
-  </dgm:extLst>
-</dgm:dataModel>
-</file>
-
-<file path=ppt/diagrams/data4.xml><?xml version="1.0" encoding="utf-8"?>
-<dgm:dataModel xmlns:dgm="http://schemas.openxmlformats.org/drawingml/2006/diagram" xmlns:a="http://schemas.openxmlformats.org/drawingml/2006/main">
-  <dgm:ptLst>
-    <dgm:pt modelId="{228ADC0D-83DA-40CE-9EF2-B2A23B2BA12F}" type="doc">
-      <dgm:prSet loTypeId="urn:microsoft.com/office/officeart/2005/8/layout/list1" loCatId="list" qsTypeId="urn:microsoft.com/office/officeart/2005/8/quickstyle/simple4" qsCatId="simple" csTypeId="urn:microsoft.com/office/officeart/2005/8/colors/colorful5" csCatId="colorful" phldr="1"/>
-      <dgm:spPr/>
-      <dgm:t>
-        <a:bodyPr/>
-        <a:lstStyle/>
-        <a:p>
-          <a:endParaRPr lang="en-US"/>
-        </a:p>
-      </dgm:t>
-    </dgm:pt>
-    <dgm:pt modelId="{EE76E364-6A46-492A-9FD7-63C775ADA808}">
-      <dgm:prSet/>
-      <dgm:spPr/>
-      <dgm:t>
-        <a:bodyPr/>
-        <a:lstStyle/>
-        <a:p>
-          <a:r>
-            <a:rPr lang="it-IT" b="1" dirty="0"/>
-            <a:t>Database - </a:t>
-          </a:r>
-          <a:r>
-            <a:rPr lang="it-IT" b="1" dirty="0" err="1"/>
-            <a:t>PostgreSQL</a:t>
-          </a:r>
-          <a:endParaRPr lang="en-US" dirty="0"/>
-        </a:p>
-      </dgm:t>
-    </dgm:pt>
-    <dgm:pt modelId="{522B9AE2-1358-4DCB-B21B-51AD7A4CC3B6}" type="parTrans" cxnId="{8ADAB9E6-BB3B-4581-9B45-07948A4AEA67}">
-      <dgm:prSet/>
-      <dgm:spPr/>
-      <dgm:t>
-        <a:bodyPr/>
-        <a:lstStyle/>
-        <a:p>
-          <a:endParaRPr lang="en-US"/>
-        </a:p>
-      </dgm:t>
-    </dgm:pt>
-    <dgm:pt modelId="{119AEC78-9891-4081-85AD-AAE5114E48ED}" type="sibTrans" cxnId="{8ADAB9E6-BB3B-4581-9B45-07948A4AEA67}">
-      <dgm:prSet/>
-      <dgm:spPr/>
-      <dgm:t>
-        <a:bodyPr/>
-        <a:lstStyle/>
-        <a:p>
-          <a:endParaRPr lang="en-US"/>
-        </a:p>
-      </dgm:t>
-    </dgm:pt>
-    <dgm:pt modelId="{FB7856FD-14F6-497F-A96F-439DE861ECA4}">
-      <dgm:prSet/>
-      <dgm:spPr>
-        <a:solidFill>
-          <a:srgbClr val="FFFAEF">
-            <a:alpha val="90000"/>
-          </a:srgbClr>
-        </a:solidFill>
-      </dgm:spPr>
-      <dgm:t>
-        <a:bodyPr/>
-        <a:lstStyle/>
-        <a:p>
-          <a:r>
-            <a:rPr lang="it-IT" b="1" dirty="0"/>
-            <a:t>Struttura dati relazionale</a:t>
-          </a:r>
-          <a:endParaRPr lang="en-US" dirty="0"/>
-        </a:p>
-      </dgm:t>
-    </dgm:pt>
-    <dgm:pt modelId="{B2A71A46-24A2-44C1-B6DD-257439AFBC0A}" type="parTrans" cxnId="{F609747B-AE71-4ACA-93A0-5C6C9FA2C6E1}">
-      <dgm:prSet/>
-      <dgm:spPr/>
-      <dgm:t>
-        <a:bodyPr/>
-        <a:lstStyle/>
-        <a:p>
-          <a:endParaRPr lang="en-US"/>
-        </a:p>
-      </dgm:t>
-    </dgm:pt>
-    <dgm:pt modelId="{AED585D0-E158-48D1-8037-5DB08D2C892B}" type="sibTrans" cxnId="{F609747B-AE71-4ACA-93A0-5C6C9FA2C6E1}">
-      <dgm:prSet/>
-      <dgm:spPr/>
-      <dgm:t>
-        <a:bodyPr/>
-        <a:lstStyle/>
-        <a:p>
-          <a:endParaRPr lang="en-US"/>
-        </a:p>
-      </dgm:t>
-    </dgm:pt>
-    <dgm:pt modelId="{52FB12EC-3A86-437D-8162-C9740689D435}">
-      <dgm:prSet/>
-      <dgm:spPr/>
-      <dgm:t>
-        <a:bodyPr/>
-        <a:lstStyle/>
-        <a:p>
-          <a:pPr>
-            <a:buFont typeface="Arial" panose="020B0604020202020204" pitchFamily="34" charset="0"/>
-            <a:buChar char="–"/>
-          </a:pPr>
-          <a:r>
-            <a:rPr lang="it-IT"/>
-            <a:t>Company: aziende che utilizzano la piattaforma</a:t>
-          </a:r>
-        </a:p>
-      </dgm:t>
-    </dgm:pt>
-    <dgm:pt modelId="{71559100-3D32-4A98-B55D-425BAB0E8645}" type="parTrans" cxnId="{92D0BEFC-E69B-41C3-BB41-D65E08A15A26}">
-      <dgm:prSet/>
-      <dgm:spPr/>
-      <dgm:t>
-        <a:bodyPr/>
-        <a:lstStyle/>
-        <a:p>
-          <a:endParaRPr lang="it-IT"/>
-        </a:p>
-      </dgm:t>
-    </dgm:pt>
-    <dgm:pt modelId="{A73FFB8C-3675-451A-980A-D2CD36689E30}" type="sibTrans" cxnId="{92D0BEFC-E69B-41C3-BB41-D65E08A15A26}">
-      <dgm:prSet/>
-      <dgm:spPr/>
-      <dgm:t>
-        <a:bodyPr/>
-        <a:lstStyle/>
-        <a:p>
-          <a:endParaRPr lang="it-IT"/>
-        </a:p>
-      </dgm:t>
-    </dgm:pt>
-    <dgm:pt modelId="{408BA750-0FA9-43D6-9570-FC03D29B357C}">
-      <dgm:prSet/>
-      <dgm:spPr/>
-      <dgm:t>
-        <a:bodyPr/>
-        <a:lstStyle/>
-        <a:p>
-          <a:pPr>
-            <a:buFont typeface="Arial" panose="020B0604020202020204" pitchFamily="34" charset="0"/>
-            <a:buChar char="–"/>
-          </a:pPr>
-          <a:r>
-            <a:rPr lang="it-IT" dirty="0" err="1"/>
-            <a:t>Conversation</a:t>
-          </a:r>
-          <a:r>
-            <a:rPr lang="it-IT" dirty="0"/>
-            <a:t> + Message: storico conversazioni AI con contesto</a:t>
-          </a:r>
-        </a:p>
-      </dgm:t>
-    </dgm:pt>
-    <dgm:pt modelId="{F268AC99-4CE0-47BA-9E2A-585B5B0674FA}" type="parTrans" cxnId="{1DD30A87-2D39-4C6A-B397-FBDBFECE6FE7}">
-      <dgm:prSet/>
-      <dgm:spPr/>
-      <dgm:t>
-        <a:bodyPr/>
-        <a:lstStyle/>
-        <a:p>
-          <a:endParaRPr lang="it-IT"/>
-        </a:p>
-      </dgm:t>
-    </dgm:pt>
-    <dgm:pt modelId="{9A3E9596-29FE-48AA-810B-729B79CA1295}" type="sibTrans" cxnId="{1DD30A87-2D39-4C6A-B397-FBDBFECE6FE7}">
-      <dgm:prSet/>
-      <dgm:spPr/>
-      <dgm:t>
-        <a:bodyPr/>
-        <a:lstStyle/>
-        <a:p>
-          <a:endParaRPr lang="it-IT"/>
-        </a:p>
-      </dgm:t>
-    </dgm:pt>
-    <dgm:pt modelId="{5FDB182A-1DEE-44D7-BFED-BBF945EE62CB}">
-      <dgm:prSet/>
-      <dgm:spPr/>
-      <dgm:t>
-        <a:bodyPr/>
-        <a:lstStyle/>
-        <a:p>
-          <a:pPr>
-            <a:buFont typeface="Arial" panose="020B0604020202020204" pitchFamily="34" charset="0"/>
-            <a:buChar char="–"/>
-          </a:pPr>
-          <a:r>
-            <a:rPr lang="it-IT"/>
-            <a:t>Tone: toni comunicativi personalizzati per azienda</a:t>
-          </a:r>
-        </a:p>
-      </dgm:t>
-    </dgm:pt>
-    <dgm:pt modelId="{153A0FBC-C140-4356-8583-2D0BF651200B}" type="parTrans" cxnId="{6BF2D5D0-E18E-4BCB-B6D0-F34ACE3C880C}">
-      <dgm:prSet/>
-      <dgm:spPr/>
-      <dgm:t>
-        <a:bodyPr/>
-        <a:lstStyle/>
-        <a:p>
-          <a:endParaRPr lang="it-IT"/>
-        </a:p>
-      </dgm:t>
-    </dgm:pt>
-    <dgm:pt modelId="{BBA2B99B-BDFA-4A8E-8555-F07CD7C8A06B}" type="sibTrans" cxnId="{6BF2D5D0-E18E-4BCB-B6D0-F34ACE3C880C}">
-      <dgm:prSet/>
-      <dgm:spPr/>
-      <dgm:t>
-        <a:bodyPr/>
-        <a:lstStyle/>
-        <a:p>
-          <a:endParaRPr lang="it-IT"/>
-        </a:p>
-      </dgm:t>
-    </dgm:pt>
-    <dgm:pt modelId="{2002B1BF-C305-46F1-9A72-54F7C946E189}">
-      <dgm:prSet/>
-      <dgm:spPr/>
-      <dgm:t>
-        <a:bodyPr/>
-        <a:lstStyle/>
-        <a:p>
-          <a:pPr>
-            <a:buFont typeface="Arial" panose="020B0604020202020204" pitchFamily="34" charset="0"/>
-            <a:buChar char="–"/>
-          </a:pPr>
-          <a:r>
-            <a:rPr lang="it-IT" dirty="0" err="1"/>
-            <a:t>Document</a:t>
-          </a:r>
-          <a:r>
-            <a:rPr lang="it-IT" dirty="0"/>
-            <a:t>: metadati documenti con status (</a:t>
-          </a:r>
-          <a:r>
-            <a:rPr lang="it-IT" dirty="0" err="1"/>
-            <a:t>pending</a:t>
-          </a:r>
-          <a:r>
-            <a:rPr lang="it-IT" dirty="0"/>
-            <a:t>/processing/</a:t>
-          </a:r>
-          <a:r>
-            <a:rPr lang="it-IT" dirty="0" err="1"/>
-            <a:t>completed</a:t>
-          </a:r>
-          <a:r>
-            <a:rPr lang="it-IT" dirty="0"/>
-            <a:t>)</a:t>
-          </a:r>
-        </a:p>
-      </dgm:t>
-    </dgm:pt>
-    <dgm:pt modelId="{A07200E9-F459-4499-9625-95D6F1E16479}" type="parTrans" cxnId="{24BAC226-2B67-4D2C-AF64-512D2E4C11FC}">
-      <dgm:prSet/>
-      <dgm:spPr/>
-      <dgm:t>
-        <a:bodyPr/>
-        <a:lstStyle/>
-        <a:p>
-          <a:endParaRPr lang="it-IT"/>
-        </a:p>
-      </dgm:t>
-    </dgm:pt>
-    <dgm:pt modelId="{2264891B-C779-4212-854F-6CF8129FC93B}" type="sibTrans" cxnId="{24BAC226-2B67-4D2C-AF64-512D2E4C11FC}">
-      <dgm:prSet/>
-      <dgm:spPr/>
-      <dgm:t>
-        <a:bodyPr/>
-        <a:lstStyle/>
-        <a:p>
-          <a:endParaRPr lang="it-IT"/>
-        </a:p>
-      </dgm:t>
-    </dgm:pt>
-    <dgm:pt modelId="{75760154-6F25-4950-89B9-9CF9FC7549C3}">
-      <dgm:prSet/>
-      <dgm:spPr/>
-      <dgm:t>
-        <a:bodyPr/>
-        <a:lstStyle/>
-        <a:p>
-          <a:pPr>
-            <a:buFont typeface="Arial" panose="020B0604020202020204" pitchFamily="34" charset="0"/>
-            <a:buChar char="•"/>
-          </a:pPr>
-          <a:r>
-            <a:rPr lang="it-IT" b="1" dirty="0"/>
-            <a:t>Active Record ORM</a:t>
-          </a:r>
-        </a:p>
-      </dgm:t>
-    </dgm:pt>
-    <dgm:pt modelId="{7ABD45F0-A301-491F-BECA-4B86819DD71B}" type="parTrans" cxnId="{7F177BF6-277F-4E29-8254-C721FD18EC32}">
-      <dgm:prSet/>
-      <dgm:spPr/>
-      <dgm:t>
-        <a:bodyPr/>
-        <a:lstStyle/>
-        <a:p>
-          <a:endParaRPr lang="it-IT"/>
-        </a:p>
-      </dgm:t>
-    </dgm:pt>
-    <dgm:pt modelId="{FFEDCB0D-CF46-46A4-A1C5-D3F854D9C041}" type="sibTrans" cxnId="{7F177BF6-277F-4E29-8254-C721FD18EC32}">
-      <dgm:prSet/>
-      <dgm:spPr/>
-      <dgm:t>
-        <a:bodyPr/>
-        <a:lstStyle/>
-        <a:p>
-          <a:endParaRPr lang="it-IT"/>
-        </a:p>
-      </dgm:t>
-    </dgm:pt>
-    <dgm:pt modelId="{5045A031-9788-493D-B27E-67F1986B68B7}">
-      <dgm:prSet/>
-      <dgm:spPr/>
-      <dgm:t>
-        <a:bodyPr/>
-        <a:lstStyle/>
-        <a:p>
-          <a:pPr>
-            <a:buFont typeface="Arial" panose="020B0604020202020204" pitchFamily="34" charset="0"/>
-            <a:buChar char="–"/>
-          </a:pPr>
-          <a:r>
-            <a:rPr lang="en-US"/>
-            <a:t>Relazioni: Company has_many Documents, Conversations, Tones</a:t>
-          </a:r>
-          <a:endParaRPr lang="it-IT"/>
-        </a:p>
-      </dgm:t>
-    </dgm:pt>
-    <dgm:pt modelId="{532C06C4-FE9B-4EAC-B031-20C229257888}" type="parTrans" cxnId="{1FB8C610-6432-4AF1-8C99-B5A34E7E6A85}">
-      <dgm:prSet/>
-      <dgm:spPr/>
-      <dgm:t>
-        <a:bodyPr/>
-        <a:lstStyle/>
-        <a:p>
-          <a:endParaRPr lang="it-IT"/>
-        </a:p>
-      </dgm:t>
-    </dgm:pt>
-    <dgm:pt modelId="{F6E2A9B9-B621-4170-AC4B-AB4079A318BF}" type="sibTrans" cxnId="{1FB8C610-6432-4AF1-8C99-B5A34E7E6A85}">
-      <dgm:prSet/>
-      <dgm:spPr/>
-      <dgm:t>
-        <a:bodyPr/>
-        <a:lstStyle/>
-        <a:p>
-          <a:endParaRPr lang="it-IT"/>
-        </a:p>
-      </dgm:t>
-    </dgm:pt>
-    <dgm:pt modelId="{5C5C5E19-B2D2-468A-A936-7BF37E9F8C73}">
-      <dgm:prSet/>
-      <dgm:spPr/>
-      <dgm:t>
-        <a:bodyPr/>
-        <a:lstStyle/>
-        <a:p>
-          <a:pPr>
-            <a:buFont typeface="Arial" panose="020B0604020202020204" pitchFamily="34" charset="0"/>
-            <a:buChar char="–"/>
-          </a:pPr>
-          <a:r>
-            <a:rPr lang="en-US"/>
-            <a:t>Validazioni, enum per status, callbacks lifecycle</a:t>
-          </a:r>
-          <a:endParaRPr lang="it-IT"/>
-        </a:p>
-      </dgm:t>
-    </dgm:pt>
-    <dgm:pt modelId="{0B004B41-3091-4786-9AE7-32ACED007C14}" type="parTrans" cxnId="{EB7EBDDE-F976-4F14-9E0A-3B6356EDFD93}">
-      <dgm:prSet/>
-      <dgm:spPr/>
-      <dgm:t>
-        <a:bodyPr/>
-        <a:lstStyle/>
-        <a:p>
-          <a:endParaRPr lang="it-IT"/>
-        </a:p>
-      </dgm:t>
-    </dgm:pt>
-    <dgm:pt modelId="{8CC2B502-BCB2-4D1C-AD2F-EFB1F4362593}" type="sibTrans" cxnId="{EB7EBDDE-F976-4F14-9E0A-3B6356EDFD93}">
-      <dgm:prSet/>
-      <dgm:spPr/>
-      <dgm:t>
-        <a:bodyPr/>
-        <a:lstStyle/>
-        <a:p>
-          <a:endParaRPr lang="it-IT"/>
-        </a:p>
-      </dgm:t>
-    </dgm:pt>
-    <dgm:pt modelId="{DBCB3B09-439F-4866-90C4-B949EECCBE4E}">
-      <dgm:prSet/>
-      <dgm:spPr/>
-      <dgm:t>
-        <a:bodyPr/>
-        <a:lstStyle/>
-        <a:p>
-          <a:pPr>
-            <a:buFont typeface="Arial" panose="020B0604020202020204" pitchFamily="34" charset="0"/>
-            <a:buChar char="–"/>
-          </a:pPr>
-          <a:r>
-            <a:rPr lang="it-IT" dirty="0"/>
-            <a:t>JSON </a:t>
-          </a:r>
-          <a:r>
-            <a:rPr lang="it-IT" dirty="0" err="1"/>
-            <a:t>column</a:t>
-          </a:r>
-          <a:r>
-            <a:rPr lang="it-IT" dirty="0"/>
-            <a:t> (</a:t>
-          </a:r>
-          <a:r>
-            <a:rPr lang="it-IT" dirty="0" err="1"/>
-            <a:t>ai_data</a:t>
-          </a:r>
-          <a:r>
-            <a:rPr lang="it-IT" dirty="0"/>
-            <a:t>) per salvare dati estratti da </a:t>
-          </a:r>
-          <a:r>
-            <a:rPr lang="it-IT" dirty="0" err="1"/>
-            <a:t>Bedrock</a:t>
-          </a:r>
-          <a:endParaRPr lang="it-IT" dirty="0"/>
-        </a:p>
-      </dgm:t>
-    </dgm:pt>
-    <dgm:pt modelId="{80A1B53E-2029-490F-B4C5-72C474F8A936}" type="parTrans" cxnId="{DAEA42DE-A81C-41B3-B45C-E0F7E86C2608}">
-      <dgm:prSet/>
-      <dgm:spPr/>
-      <dgm:t>
-        <a:bodyPr/>
-        <a:lstStyle/>
-        <a:p>
-          <a:endParaRPr lang="it-IT"/>
-        </a:p>
-      </dgm:t>
-    </dgm:pt>
-    <dgm:pt modelId="{F8014117-ADF5-4381-A03D-00DBD689B22A}" type="sibTrans" cxnId="{DAEA42DE-A81C-41B3-B45C-E0F7E86C2608}">
-      <dgm:prSet/>
-      <dgm:spPr/>
-      <dgm:t>
-        <a:bodyPr/>
-        <a:lstStyle/>
-        <a:p>
-          <a:endParaRPr lang="it-IT"/>
-        </a:p>
-      </dgm:t>
-    </dgm:pt>
-    <dgm:pt modelId="{F8EFD2C1-0F92-46D0-B280-438E38B47423}">
-      <dgm:prSet/>
-      <dgm:spPr/>
-      <dgm:t>
-        <a:bodyPr/>
-        <a:lstStyle/>
-        <a:p>
-          <a:pPr>
-            <a:buFont typeface="Arial" panose="020B0604020202020204" pitchFamily="34" charset="0"/>
-            <a:buNone/>
-          </a:pPr>
-          <a:endParaRPr lang="it-IT" dirty="0"/>
-        </a:p>
-      </dgm:t>
-    </dgm:pt>
-    <dgm:pt modelId="{FDB31F6A-AD14-4850-BBFD-61B0AB66B8D0}" type="parTrans" cxnId="{9E962512-2E4C-4C3D-BC6E-D709F63F11D8}">
-      <dgm:prSet/>
-      <dgm:spPr/>
-      <dgm:t>
-        <a:bodyPr/>
-        <a:lstStyle/>
-        <a:p>
-          <a:endParaRPr lang="it-IT"/>
-        </a:p>
-      </dgm:t>
-    </dgm:pt>
-    <dgm:pt modelId="{828438A2-5FC5-45E6-8C87-93FAB1B87F42}" type="sibTrans" cxnId="{9E962512-2E4C-4C3D-BC6E-D709F63F11D8}">
-      <dgm:prSet/>
-      <dgm:spPr/>
-      <dgm:t>
-        <a:bodyPr/>
-        <a:lstStyle/>
-        <a:p>
-          <a:endParaRPr lang="it-IT"/>
-        </a:p>
-      </dgm:t>
-    </dgm:pt>
-    <dgm:pt modelId="{529C8736-509C-426A-B1AF-D9FE39FB5B28}" type="pres">
-      <dgm:prSet presAssocID="{228ADC0D-83DA-40CE-9EF2-B2A23B2BA12F}" presName="linear" presStyleCnt="0">
-        <dgm:presLayoutVars>
-          <dgm:dir/>
-          <dgm:animLvl val="lvl"/>
-          <dgm:resizeHandles val="exact"/>
-        </dgm:presLayoutVars>
-      </dgm:prSet>
-      <dgm:spPr/>
-    </dgm:pt>
-    <dgm:pt modelId="{8BC7EA25-256B-410A-8E19-CC15A19D412A}" type="pres">
-      <dgm:prSet presAssocID="{EE76E364-6A46-492A-9FD7-63C775ADA808}" presName="parentLin" presStyleCnt="0"/>
-      <dgm:spPr/>
-    </dgm:pt>
-    <dgm:pt modelId="{0E75AC4A-956D-493C-A82B-572CF3B1603B}" type="pres">
-      <dgm:prSet presAssocID="{EE76E364-6A46-492A-9FD7-63C775ADA808}" presName="parentLeftMargin" presStyleLbl="node1" presStyleIdx="0" presStyleCnt="1"/>
-      <dgm:spPr/>
-    </dgm:pt>
-    <dgm:pt modelId="{EF67F11A-FCD0-4E59-A23F-17BCC3FB1182}" type="pres">
-      <dgm:prSet presAssocID="{EE76E364-6A46-492A-9FD7-63C775ADA808}" presName="parentText" presStyleLbl="node1" presStyleIdx="0" presStyleCnt="1">
-        <dgm:presLayoutVars>
-          <dgm:chMax val="0"/>
-          <dgm:bulletEnabled val="1"/>
-        </dgm:presLayoutVars>
-      </dgm:prSet>
-      <dgm:spPr/>
-    </dgm:pt>
-    <dgm:pt modelId="{E84E3A97-5D14-4C15-B06F-E00215B154CE}" type="pres">
-      <dgm:prSet presAssocID="{EE76E364-6A46-492A-9FD7-63C775ADA808}" presName="negativeSpace" presStyleCnt="0"/>
-      <dgm:spPr/>
-    </dgm:pt>
-    <dgm:pt modelId="{8A748C3E-CE62-4E92-A0FE-1F5548AC9D02}" type="pres">
-      <dgm:prSet presAssocID="{EE76E364-6A46-492A-9FD7-63C775ADA808}" presName="childText" presStyleLbl="conFgAcc1" presStyleIdx="0" presStyleCnt="1" custLinFactNeighborX="-424">
-        <dgm:presLayoutVars>
-          <dgm:bulletEnabled val="1"/>
-        </dgm:presLayoutVars>
-      </dgm:prSet>
-      <dgm:spPr/>
-    </dgm:pt>
-  </dgm:ptLst>
-  <dgm:cxnLst>
-    <dgm:cxn modelId="{1FB8C610-6432-4AF1-8C99-B5A34E7E6A85}" srcId="{75760154-6F25-4950-89B9-9CF9FC7549C3}" destId="{5045A031-9788-493D-B27E-67F1986B68B7}" srcOrd="0" destOrd="0" parTransId="{532C06C4-FE9B-4EAC-B031-20C229257888}" sibTransId="{F6E2A9B9-B621-4170-AC4B-AB4079A318BF}"/>
-    <dgm:cxn modelId="{CFEBE311-F2F4-48AE-8755-C2D0422F7F96}" type="presOf" srcId="{52FB12EC-3A86-437D-8162-C9740689D435}" destId="{8A748C3E-CE62-4E92-A0FE-1F5548AC9D02}" srcOrd="0" destOrd="1" presId="urn:microsoft.com/office/officeart/2005/8/layout/list1"/>
-    <dgm:cxn modelId="{9E962512-2E4C-4C3D-BC6E-D709F63F11D8}" srcId="{EE76E364-6A46-492A-9FD7-63C775ADA808}" destId="{F8EFD2C1-0F92-46D0-B280-438E38B47423}" srcOrd="1" destOrd="0" parTransId="{FDB31F6A-AD14-4850-BBFD-61B0AB66B8D0}" sibTransId="{828438A2-5FC5-45E6-8C87-93FAB1B87F42}"/>
-    <dgm:cxn modelId="{24BAC226-2B67-4D2C-AF64-512D2E4C11FC}" srcId="{FB7856FD-14F6-497F-A96F-439DE861ECA4}" destId="{2002B1BF-C305-46F1-9A72-54F7C946E189}" srcOrd="3" destOrd="0" parTransId="{A07200E9-F459-4499-9625-95D6F1E16479}" sibTransId="{2264891B-C779-4212-854F-6CF8129FC93B}"/>
-    <dgm:cxn modelId="{DBE0AE33-2290-4E80-9BC8-8A42CD542C2A}" type="presOf" srcId="{408BA750-0FA9-43D6-9570-FC03D29B357C}" destId="{8A748C3E-CE62-4E92-A0FE-1F5548AC9D02}" srcOrd="0" destOrd="2" presId="urn:microsoft.com/office/officeart/2005/8/layout/list1"/>
-    <dgm:cxn modelId="{0C848A3D-3553-4924-8D80-54F69669587F}" type="presOf" srcId="{228ADC0D-83DA-40CE-9EF2-B2A23B2BA12F}" destId="{529C8736-509C-426A-B1AF-D9FE39FB5B28}" srcOrd="0" destOrd="0" presId="urn:microsoft.com/office/officeart/2005/8/layout/list1"/>
-    <dgm:cxn modelId="{8A89695B-86B2-4592-B9C9-6143CA1338E3}" type="presOf" srcId="{5FDB182A-1DEE-44D7-BFED-BBF945EE62CB}" destId="{8A748C3E-CE62-4E92-A0FE-1F5548AC9D02}" srcOrd="0" destOrd="3" presId="urn:microsoft.com/office/officeart/2005/8/layout/list1"/>
-    <dgm:cxn modelId="{EEDAF446-C98D-48BA-A5AC-0923FEB5A3F9}" type="presOf" srcId="{5045A031-9788-493D-B27E-67F1986B68B7}" destId="{8A748C3E-CE62-4E92-A0FE-1F5548AC9D02}" srcOrd="0" destOrd="7" presId="urn:microsoft.com/office/officeart/2005/8/layout/list1"/>
-    <dgm:cxn modelId="{0BC9C054-3597-4B1B-BFC2-AB844C29AAC9}" type="presOf" srcId="{F8EFD2C1-0F92-46D0-B280-438E38B47423}" destId="{8A748C3E-CE62-4E92-A0FE-1F5548AC9D02}" srcOrd="0" destOrd="5" presId="urn:microsoft.com/office/officeart/2005/8/layout/list1"/>
-    <dgm:cxn modelId="{F609747B-AE71-4ACA-93A0-5C6C9FA2C6E1}" srcId="{EE76E364-6A46-492A-9FD7-63C775ADA808}" destId="{FB7856FD-14F6-497F-A96F-439DE861ECA4}" srcOrd="0" destOrd="0" parTransId="{B2A71A46-24A2-44C1-B6DD-257439AFBC0A}" sibTransId="{AED585D0-E158-48D1-8037-5DB08D2C892B}"/>
-    <dgm:cxn modelId="{1DD30A87-2D39-4C6A-B397-FBDBFECE6FE7}" srcId="{FB7856FD-14F6-497F-A96F-439DE861ECA4}" destId="{408BA750-0FA9-43D6-9570-FC03D29B357C}" srcOrd="1" destOrd="0" parTransId="{F268AC99-4CE0-47BA-9E2A-585B5B0674FA}" sibTransId="{9A3E9596-29FE-48AA-810B-729B79CA1295}"/>
-    <dgm:cxn modelId="{1F326F96-74B2-4E35-AD0B-367E588DABA4}" type="presOf" srcId="{5C5C5E19-B2D2-468A-A936-7BF37E9F8C73}" destId="{8A748C3E-CE62-4E92-A0FE-1F5548AC9D02}" srcOrd="0" destOrd="8" presId="urn:microsoft.com/office/officeart/2005/8/layout/list1"/>
-    <dgm:cxn modelId="{57E6E7A2-8B84-40E9-A2BC-9F929492C7AC}" type="presOf" srcId="{75760154-6F25-4950-89B9-9CF9FC7549C3}" destId="{8A748C3E-CE62-4E92-A0FE-1F5548AC9D02}" srcOrd="0" destOrd="6" presId="urn:microsoft.com/office/officeart/2005/8/layout/list1"/>
-    <dgm:cxn modelId="{E47CEAC2-60B6-4369-8E67-C27CD02C2B87}" type="presOf" srcId="{2002B1BF-C305-46F1-9A72-54F7C946E189}" destId="{8A748C3E-CE62-4E92-A0FE-1F5548AC9D02}" srcOrd="0" destOrd="4" presId="urn:microsoft.com/office/officeart/2005/8/layout/list1"/>
-    <dgm:cxn modelId="{6BF2D5D0-E18E-4BCB-B6D0-F34ACE3C880C}" srcId="{FB7856FD-14F6-497F-A96F-439DE861ECA4}" destId="{5FDB182A-1DEE-44D7-BFED-BBF945EE62CB}" srcOrd="2" destOrd="0" parTransId="{153A0FBC-C140-4356-8583-2D0BF651200B}" sibTransId="{BBA2B99B-BDFA-4A8E-8555-F07CD7C8A06B}"/>
-    <dgm:cxn modelId="{DAEA42DE-A81C-41B3-B45C-E0F7E86C2608}" srcId="{75760154-6F25-4950-89B9-9CF9FC7549C3}" destId="{DBCB3B09-439F-4866-90C4-B949EECCBE4E}" srcOrd="2" destOrd="0" parTransId="{80A1B53E-2029-490F-B4C5-72C474F8A936}" sibTransId="{F8014117-ADF5-4381-A03D-00DBD689B22A}"/>
-    <dgm:cxn modelId="{EB7EBDDE-F976-4F14-9E0A-3B6356EDFD93}" srcId="{75760154-6F25-4950-89B9-9CF9FC7549C3}" destId="{5C5C5E19-B2D2-468A-A936-7BF37E9F8C73}" srcOrd="1" destOrd="0" parTransId="{0B004B41-3091-4786-9AE7-32ACED007C14}" sibTransId="{8CC2B502-BCB2-4D1C-AD2F-EFB1F4362593}"/>
-    <dgm:cxn modelId="{8ADAB9E6-BB3B-4581-9B45-07948A4AEA67}" srcId="{228ADC0D-83DA-40CE-9EF2-B2A23B2BA12F}" destId="{EE76E364-6A46-492A-9FD7-63C775ADA808}" srcOrd="0" destOrd="0" parTransId="{522B9AE2-1358-4DCB-B21B-51AD7A4CC3B6}" sibTransId="{119AEC78-9891-4081-85AD-AAE5114E48ED}"/>
-    <dgm:cxn modelId="{5F8F92EB-50B5-44AD-B1FF-47D707FDF7B2}" type="presOf" srcId="{FB7856FD-14F6-497F-A96F-439DE861ECA4}" destId="{8A748C3E-CE62-4E92-A0FE-1F5548AC9D02}" srcOrd="0" destOrd="0" presId="urn:microsoft.com/office/officeart/2005/8/layout/list1"/>
-    <dgm:cxn modelId="{904D3CEE-C5A1-4473-8793-0292B67E613D}" type="presOf" srcId="{DBCB3B09-439F-4866-90C4-B949EECCBE4E}" destId="{8A748C3E-CE62-4E92-A0FE-1F5548AC9D02}" srcOrd="0" destOrd="9" presId="urn:microsoft.com/office/officeart/2005/8/layout/list1"/>
-    <dgm:cxn modelId="{7F177BF6-277F-4E29-8254-C721FD18EC32}" srcId="{EE76E364-6A46-492A-9FD7-63C775ADA808}" destId="{75760154-6F25-4950-89B9-9CF9FC7549C3}" srcOrd="2" destOrd="0" parTransId="{7ABD45F0-A301-491F-BECA-4B86819DD71B}" sibTransId="{FFEDCB0D-CF46-46A4-A1C5-D3F854D9C041}"/>
-    <dgm:cxn modelId="{6C348AF7-C2E8-4FA3-9C14-67012269D77B}" type="presOf" srcId="{EE76E364-6A46-492A-9FD7-63C775ADA808}" destId="{EF67F11A-FCD0-4E59-A23F-17BCC3FB1182}" srcOrd="1" destOrd="0" presId="urn:microsoft.com/office/officeart/2005/8/layout/list1"/>
-    <dgm:cxn modelId="{788CE9F8-7388-45A5-8222-B04CD3855CFC}" type="presOf" srcId="{EE76E364-6A46-492A-9FD7-63C775ADA808}" destId="{0E75AC4A-956D-493C-A82B-572CF3B1603B}" srcOrd="0" destOrd="0" presId="urn:microsoft.com/office/officeart/2005/8/layout/list1"/>
-    <dgm:cxn modelId="{92D0BEFC-E69B-41C3-BB41-D65E08A15A26}" srcId="{FB7856FD-14F6-497F-A96F-439DE861ECA4}" destId="{52FB12EC-3A86-437D-8162-C9740689D435}" srcOrd="0" destOrd="0" parTransId="{71559100-3D32-4A98-B55D-425BAB0E8645}" sibTransId="{A73FFB8C-3675-451A-980A-D2CD36689E30}"/>
-    <dgm:cxn modelId="{CB6F8F2B-A478-4BA2-A44A-534C24A7F190}" type="presParOf" srcId="{529C8736-509C-426A-B1AF-D9FE39FB5B28}" destId="{8BC7EA25-256B-410A-8E19-CC15A19D412A}" srcOrd="0" destOrd="0" presId="urn:microsoft.com/office/officeart/2005/8/layout/list1"/>
-    <dgm:cxn modelId="{BE58CEBB-4F1B-4A04-94DE-6B7B71E004F0}" type="presParOf" srcId="{8BC7EA25-256B-410A-8E19-CC15A19D412A}" destId="{0E75AC4A-956D-493C-A82B-572CF3B1603B}" srcOrd="0" destOrd="0" presId="urn:microsoft.com/office/officeart/2005/8/layout/list1"/>
-    <dgm:cxn modelId="{BB2B70D8-6937-462B-BC87-D942C36A8F52}" type="presParOf" srcId="{8BC7EA25-256B-410A-8E19-CC15A19D412A}" destId="{EF67F11A-FCD0-4E59-A23F-17BCC3FB1182}" srcOrd="1" destOrd="0" presId="urn:microsoft.com/office/officeart/2005/8/layout/list1"/>
-    <dgm:cxn modelId="{0276A569-F1D8-4B2A-9825-33EB0A54231B}" type="presParOf" srcId="{529C8736-509C-426A-B1AF-D9FE39FB5B28}" destId="{E84E3A97-5D14-4C15-B06F-E00215B154CE}" srcOrd="1" destOrd="0" presId="urn:microsoft.com/office/officeart/2005/8/layout/list1"/>
-    <dgm:cxn modelId="{3027F928-B6B9-4AAC-9558-9471D0B98958}" type="presParOf" srcId="{529C8736-509C-426A-B1AF-D9FE39FB5B28}" destId="{8A748C3E-CE62-4E92-A0FE-1F5548AC9D02}" srcOrd="2" destOrd="0" presId="urn:microsoft.com/office/officeart/2005/8/layout/list1"/>
-  </dgm:cxnLst>
-  <dgm:bg/>
-  <dgm:whole/>
-  <dgm:extLst>
-    <a:ext uri="http://schemas.microsoft.com/office/drawing/2008/diagram">
-      <dsp:dataModelExt xmlns:dsp="http://schemas.microsoft.com/office/drawing/2008/diagram" relId="rId13" minVer="http://schemas.openxmlformats.org/drawingml/2006/diagram"/>
+      <dsp:dataModelExt xmlns:dsp="http://schemas.microsoft.com/office/drawing/2008/diagram" relId="rId14" minVer="http://schemas.openxmlformats.org/drawingml/2006/diagram"/>
     </a:ext>
   </dgm:extLst>
 </dgm:dataModel>
 </file>
 
 <file path=ppt/diagrams/drawing1.xml><?xml version="1.0" encoding="utf-8"?>
+<dsp:drawing xmlns:dgm="http://schemas.openxmlformats.org/drawingml/2006/diagram" xmlns:dsp="http://schemas.microsoft.com/office/drawing/2008/diagram" xmlns:a="http://schemas.openxmlformats.org/drawingml/2006/main">
+  <dsp:spTree>
+    <dsp:nvGrpSpPr>
+      <dsp:cNvPr id="0" name=""/>
+      <dsp:cNvGrpSpPr/>
+    </dsp:nvGrpSpPr>
+    <dsp:grpSpPr/>
+    <dsp:sp modelId="{8A748C3E-CE62-4E92-A0FE-1F5548AC9D02}">
+      <dsp:nvSpPr>
+        <dsp:cNvPr id="0" name=""/>
+        <dsp:cNvSpPr/>
+      </dsp:nvSpPr>
+      <dsp:spPr>
+        <a:xfrm>
+          <a:off x="0" y="384974"/>
+          <a:ext cx="4682021" cy="4167450"/>
+        </a:xfrm>
+        <a:prstGeom prst="rect">
+          <a:avLst/>
+        </a:prstGeom>
+        <a:solidFill>
+          <a:srgbClr val="FFFAEF">
+            <a:alpha val="90000"/>
+          </a:srgbClr>
+        </a:solidFill>
+        <a:ln w="9525" cap="flat" cmpd="sng" algn="ctr">
+          <a:solidFill>
+            <a:schemeClr val="accent5">
+              <a:hueOff val="0"/>
+              <a:satOff val="0"/>
+              <a:lumOff val="0"/>
+              <a:alphaOff val="0"/>
+            </a:schemeClr>
+          </a:solidFill>
+          <a:prstDash val="solid"/>
+        </a:ln>
+        <a:effectLst/>
+      </dsp:spPr>
+      <dsp:style>
+        <a:lnRef idx="1">
+          <a:scrgbClr r="0" g="0" b="0"/>
+        </a:lnRef>
+        <a:fillRef idx="1">
+          <a:scrgbClr r="0" g="0" b="0"/>
+        </a:fillRef>
+        <a:effectRef idx="0">
+          <a:scrgbClr r="0" g="0" b="0"/>
+        </a:effectRef>
+        <a:fontRef idx="minor"/>
+      </dsp:style>
+      <dsp:txBody>
+        <a:bodyPr spcFirstLastPara="0" vert="horz" wrap="square" lIns="363377" tIns="437388" rIns="363377" bIns="149352" numCol="1" spcCol="1270" anchor="t" anchorCtr="0">
+          <a:noAutofit/>
+        </a:bodyPr>
+        <a:lstStyle/>
+        <a:p>
+          <a:pPr marL="228600" lvl="1" indent="-228600" algn="l" defTabSz="933450">
+            <a:lnSpc>
+              <a:spcPct val="90000"/>
+            </a:lnSpc>
+            <a:spcBef>
+              <a:spcPct val="0"/>
+            </a:spcBef>
+            <a:spcAft>
+              <a:spcPct val="15000"/>
+            </a:spcAft>
+            <a:buChar char="•"/>
+          </a:pPr>
+          <a:r>
+            <a:rPr lang="it-IT" sz="2100" b="1" kern="1200" dirty="0"/>
+            <a:t> Framework principale</a:t>
+          </a:r>
+          <a:endParaRPr lang="en-US" sz="2100" kern="1200" dirty="0"/>
+        </a:p>
+        <a:p>
+          <a:pPr marL="457200" lvl="2" indent="-228600" algn="l" defTabSz="933450">
+            <a:lnSpc>
+              <a:spcPct val="90000"/>
+            </a:lnSpc>
+            <a:spcBef>
+              <a:spcPct val="0"/>
+            </a:spcBef>
+            <a:spcAft>
+              <a:spcPct val="15000"/>
+            </a:spcAft>
+            <a:buFont typeface="Arial" panose="020B0604020202020204" pitchFamily="34" charset="0"/>
+            <a:buChar char="–"/>
+          </a:pPr>
+          <a:r>
+            <a:rPr lang="it-IT" sz="2100" kern="1200" dirty="0"/>
+            <a:t> Per dashboard amministrativa</a:t>
+          </a:r>
+        </a:p>
+        <a:p>
+          <a:pPr marL="457200" lvl="2" indent="-228600" algn="l" defTabSz="933450">
+            <a:lnSpc>
+              <a:spcPct val="90000"/>
+            </a:lnSpc>
+            <a:spcBef>
+              <a:spcPct val="0"/>
+            </a:spcBef>
+            <a:spcAft>
+              <a:spcPct val="15000"/>
+            </a:spcAft>
+            <a:buFont typeface="Arial" panose="020B0604020202020204" pitchFamily="34" charset="0"/>
+            <a:buChar char="–"/>
+          </a:pPr>
+          <a:r>
+            <a:rPr lang="it-IT" sz="2100" kern="1200" dirty="0"/>
+            <a:t> Componenti modulari: AI Assistant, AI Co-Pilot, Analytics, Storico</a:t>
+          </a:r>
+        </a:p>
+        <a:p>
+          <a:pPr marL="228600" lvl="1" indent="-228600" algn="l" defTabSz="933450">
+            <a:lnSpc>
+              <a:spcPct val="90000"/>
+            </a:lnSpc>
+            <a:spcBef>
+              <a:spcPct val="0"/>
+            </a:spcBef>
+            <a:spcAft>
+              <a:spcPct val="15000"/>
+            </a:spcAft>
+            <a:buFont typeface="Arial" panose="020B0604020202020204" pitchFamily="34" charset="0"/>
+            <a:buNone/>
+          </a:pPr>
+          <a:endParaRPr lang="it-IT" sz="2100" kern="1200" dirty="0"/>
+        </a:p>
+        <a:p>
+          <a:pPr marL="228600" lvl="1" indent="-228600" algn="l" defTabSz="933450">
+            <a:lnSpc>
+              <a:spcPct val="90000"/>
+            </a:lnSpc>
+            <a:spcBef>
+              <a:spcPct val="0"/>
+            </a:spcBef>
+            <a:spcAft>
+              <a:spcPct val="15000"/>
+            </a:spcAft>
+            <a:buFont typeface="Arial" panose="020B0604020202020204" pitchFamily="34" charset="0"/>
+            <a:buNone/>
+          </a:pPr>
+          <a:r>
+            <a:rPr lang="it-IT" sz="2100" b="1" kern="1200" dirty="0"/>
+            <a:t>• </a:t>
+          </a:r>
+          <a:r>
+            <a:rPr lang="it-IT" sz="2100" b="1" kern="1200" dirty="0" err="1"/>
+            <a:t>RxJS</a:t>
+          </a:r>
+          <a:r>
+            <a:rPr lang="it-IT" sz="2100" b="1" kern="1200" dirty="0"/>
+            <a:t> 7.8.0</a:t>
+          </a:r>
+        </a:p>
+        <a:p>
+          <a:pPr marL="457200" lvl="2" indent="-228600" algn="l" defTabSz="933450">
+            <a:lnSpc>
+              <a:spcPct val="90000"/>
+            </a:lnSpc>
+            <a:spcBef>
+              <a:spcPct val="0"/>
+            </a:spcBef>
+            <a:spcAft>
+              <a:spcPct val="15000"/>
+            </a:spcAft>
+            <a:buFont typeface="Arial" panose="020B0604020202020204" pitchFamily="34" charset="0"/>
+            <a:buChar char="–"/>
+          </a:pPr>
+          <a:r>
+            <a:rPr lang="it-IT" sz="2100" kern="1200" dirty="0"/>
+            <a:t> Gestione asincrona chiamate API al </a:t>
+          </a:r>
+          <a:r>
+            <a:rPr lang="it-IT" sz="2100" kern="1200" dirty="0" err="1"/>
+            <a:t>backend</a:t>
+          </a:r>
+          <a:endParaRPr lang="it-IT" sz="2100" kern="1200" dirty="0"/>
+        </a:p>
+        <a:p>
+          <a:pPr marL="457200" lvl="2" indent="-228600" algn="l" defTabSz="933450">
+            <a:lnSpc>
+              <a:spcPct val="90000"/>
+            </a:lnSpc>
+            <a:spcBef>
+              <a:spcPct val="0"/>
+            </a:spcBef>
+            <a:spcAft>
+              <a:spcPct val="15000"/>
+            </a:spcAft>
+            <a:buFont typeface="Arial" panose="020B0604020202020204" pitchFamily="34" charset="0"/>
+            <a:buChar char="–"/>
+          </a:pPr>
+          <a:r>
+            <a:rPr lang="it-IT" sz="2100" kern="1200" dirty="0"/>
+            <a:t> Polling per status documenti in analisi</a:t>
+          </a:r>
+        </a:p>
+      </dsp:txBody>
+      <dsp:txXfrm>
+        <a:off x="0" y="384974"/>
+        <a:ext cx="4682021" cy="4167450"/>
+      </dsp:txXfrm>
+    </dsp:sp>
+    <dsp:sp modelId="{EF67F11A-FCD0-4E59-A23F-17BCC3FB1182}">
+      <dsp:nvSpPr>
+        <dsp:cNvPr id="0" name=""/>
+        <dsp:cNvSpPr/>
+      </dsp:nvSpPr>
+      <dsp:spPr>
+        <a:xfrm>
+          <a:off x="234101" y="75014"/>
+          <a:ext cx="3277415" cy="619920"/>
+        </a:xfrm>
+        <a:prstGeom prst="roundRect">
+          <a:avLst/>
+        </a:prstGeom>
+        <a:gradFill rotWithShape="0">
+          <a:gsLst>
+            <a:gs pos="0">
+              <a:schemeClr val="accent5">
+                <a:hueOff val="0"/>
+                <a:satOff val="0"/>
+                <a:lumOff val="0"/>
+                <a:alphaOff val="0"/>
+                <a:shade val="51000"/>
+                <a:satMod val="130000"/>
+              </a:schemeClr>
+            </a:gs>
+            <a:gs pos="80000">
+              <a:schemeClr val="accent5">
+                <a:hueOff val="0"/>
+                <a:satOff val="0"/>
+                <a:lumOff val="0"/>
+                <a:alphaOff val="0"/>
+                <a:shade val="93000"/>
+                <a:satMod val="130000"/>
+              </a:schemeClr>
+            </a:gs>
+            <a:gs pos="100000">
+              <a:schemeClr val="accent5">
+                <a:hueOff val="0"/>
+                <a:satOff val="0"/>
+                <a:lumOff val="0"/>
+                <a:alphaOff val="0"/>
+                <a:shade val="94000"/>
+                <a:satMod val="135000"/>
+              </a:schemeClr>
+            </a:gs>
+          </a:gsLst>
+          <a:lin ang="16200000" scaled="0"/>
+        </a:gradFill>
+        <a:ln>
+          <a:noFill/>
+        </a:ln>
+        <a:effectLst>
+          <a:outerShdw blurRad="40000" dist="23000" dir="5400000" rotWithShape="0">
+            <a:srgbClr val="000000">
+              <a:alpha val="35000"/>
+            </a:srgbClr>
+          </a:outerShdw>
+        </a:effectLst>
+      </dsp:spPr>
+      <dsp:style>
+        <a:lnRef idx="0">
+          <a:scrgbClr r="0" g="0" b="0"/>
+        </a:lnRef>
+        <a:fillRef idx="3">
+          <a:scrgbClr r="0" g="0" b="0"/>
+        </a:fillRef>
+        <a:effectRef idx="2">
+          <a:scrgbClr r="0" g="0" b="0"/>
+        </a:effectRef>
+        <a:fontRef idx="minor">
+          <a:schemeClr val="lt1"/>
+        </a:fontRef>
+      </dsp:style>
+      <dsp:txBody>
+        <a:bodyPr spcFirstLastPara="0" vert="horz" wrap="square" lIns="123878" tIns="0" rIns="123878" bIns="0" numCol="1" spcCol="1270" anchor="ctr" anchorCtr="0">
+          <a:noAutofit/>
+        </a:bodyPr>
+        <a:lstStyle/>
+        <a:p>
+          <a:pPr marL="0" lvl="0" indent="0" algn="l" defTabSz="933450">
+            <a:lnSpc>
+              <a:spcPct val="90000"/>
+            </a:lnSpc>
+            <a:spcBef>
+              <a:spcPct val="0"/>
+            </a:spcBef>
+            <a:spcAft>
+              <a:spcPct val="35000"/>
+            </a:spcAft>
+            <a:buNone/>
+          </a:pPr>
+          <a:r>
+            <a:rPr lang="it-IT" sz="2100" b="1" kern="1200" dirty="0" err="1"/>
+            <a:t>Frontend</a:t>
+          </a:r>
+          <a:r>
+            <a:rPr lang="it-IT" sz="2100" b="1" kern="1200" dirty="0"/>
+            <a:t> - </a:t>
+          </a:r>
+          <a:r>
+            <a:rPr lang="it-IT" sz="2100" b="1" kern="1200" dirty="0" err="1"/>
+            <a:t>Angular</a:t>
+          </a:r>
+          <a:endParaRPr lang="en-US" sz="2100" kern="1200" dirty="0"/>
+        </a:p>
+      </dsp:txBody>
+      <dsp:txXfrm>
+        <a:off x="264363" y="105276"/>
+        <a:ext cx="3216891" cy="559396"/>
+      </dsp:txXfrm>
+    </dsp:sp>
+  </dsp:spTree>
+</dsp:drawing>
+</file>
+
+<file path=ppt/diagrams/drawing2.xml><?xml version="1.0" encoding="utf-8"?>
+<dsp:drawing xmlns:dgm="http://schemas.openxmlformats.org/drawingml/2006/diagram" xmlns:dsp="http://schemas.microsoft.com/office/drawing/2008/diagram" xmlns:a="http://schemas.openxmlformats.org/drawingml/2006/main">
+  <dsp:spTree>
+    <dsp:nvGrpSpPr>
+      <dsp:cNvPr id="0" name=""/>
+      <dsp:cNvGrpSpPr/>
+    </dsp:nvGrpSpPr>
+    <dsp:grpSpPr/>
+    <dsp:sp modelId="{8A748C3E-CE62-4E92-A0FE-1F5548AC9D02}">
+      <dsp:nvSpPr>
+        <dsp:cNvPr id="0" name=""/>
+        <dsp:cNvSpPr/>
+      </dsp:nvSpPr>
+      <dsp:spPr>
+        <a:xfrm>
+          <a:off x="0" y="564599"/>
+          <a:ext cx="4682021" cy="3969000"/>
+        </a:xfrm>
+        <a:prstGeom prst="rect">
+          <a:avLst/>
+        </a:prstGeom>
+        <a:solidFill>
+          <a:srgbClr val="FFFAEF">
+            <a:alpha val="90000"/>
+          </a:srgbClr>
+        </a:solidFill>
+        <a:ln w="9525" cap="flat" cmpd="sng" algn="ctr">
+          <a:solidFill>
+            <a:schemeClr val="accent5">
+              <a:hueOff val="0"/>
+              <a:satOff val="0"/>
+              <a:lumOff val="0"/>
+              <a:alphaOff val="0"/>
+            </a:schemeClr>
+          </a:solidFill>
+          <a:prstDash val="solid"/>
+        </a:ln>
+        <a:effectLst/>
+      </dsp:spPr>
+      <dsp:style>
+        <a:lnRef idx="1">
+          <a:scrgbClr r="0" g="0" b="0"/>
+        </a:lnRef>
+        <a:fillRef idx="1">
+          <a:scrgbClr r="0" g="0" b="0"/>
+        </a:fillRef>
+        <a:effectRef idx="0">
+          <a:scrgbClr r="0" g="0" b="0"/>
+        </a:effectRef>
+        <a:fontRef idx="minor"/>
+      </dsp:style>
+      <dsp:txBody>
+        <a:bodyPr spcFirstLastPara="0" vert="horz" wrap="square" lIns="363377" tIns="312420" rIns="363377" bIns="106680" numCol="1" spcCol="1270" anchor="t" anchorCtr="0">
+          <a:noAutofit/>
+        </a:bodyPr>
+        <a:lstStyle/>
+        <a:p>
+          <a:pPr marL="114300" lvl="1" indent="-114300" algn="l" defTabSz="666750">
+            <a:lnSpc>
+              <a:spcPct val="90000"/>
+            </a:lnSpc>
+            <a:spcBef>
+              <a:spcPct val="0"/>
+            </a:spcBef>
+            <a:spcAft>
+              <a:spcPct val="15000"/>
+            </a:spcAft>
+            <a:buChar char="•"/>
+          </a:pPr>
+          <a:r>
+            <a:rPr lang="it-IT" sz="1500" b="1" kern="1200" dirty="0"/>
+            <a:t>API REST </a:t>
+          </a:r>
+          <a:endParaRPr lang="en-US" sz="1500" kern="1200" dirty="0"/>
+        </a:p>
+        <a:p>
+          <a:pPr marL="228600" lvl="2" indent="-114300" algn="l" defTabSz="666750">
+            <a:lnSpc>
+              <a:spcPct val="90000"/>
+            </a:lnSpc>
+            <a:spcBef>
+              <a:spcPct val="0"/>
+            </a:spcBef>
+            <a:spcAft>
+              <a:spcPct val="15000"/>
+            </a:spcAft>
+            <a:buFont typeface="Arial" panose="020B0604020202020204" pitchFamily="34" charset="0"/>
+            <a:buChar char="–"/>
+          </a:pPr>
+          <a:r>
+            <a:rPr lang="it-IT" sz="1500" kern="1200"/>
+            <a:t>Endpoint per generazione testo AI (/genera)</a:t>
+          </a:r>
+        </a:p>
+        <a:p>
+          <a:pPr marL="228600" lvl="2" indent="-114300" algn="l" defTabSz="666750">
+            <a:lnSpc>
+              <a:spcPct val="90000"/>
+            </a:lnSpc>
+            <a:spcBef>
+              <a:spcPct val="0"/>
+            </a:spcBef>
+            <a:spcAft>
+              <a:spcPct val="15000"/>
+            </a:spcAft>
+            <a:buFont typeface="Arial" panose="020B0604020202020204" pitchFamily="34" charset="0"/>
+            <a:buChar char="–"/>
+          </a:pPr>
+          <a:r>
+            <a:rPr lang="it-IT" sz="1500" kern="1200" dirty="0"/>
+            <a:t>Gestione documenti: upload, analisi, consultazione</a:t>
+          </a:r>
+        </a:p>
+        <a:p>
+          <a:pPr marL="228600" lvl="2" indent="-114300" algn="l" defTabSz="666750">
+            <a:lnSpc>
+              <a:spcPct val="90000"/>
+            </a:lnSpc>
+            <a:spcBef>
+              <a:spcPct val="0"/>
+            </a:spcBef>
+            <a:spcAft>
+              <a:spcPct val="15000"/>
+            </a:spcAft>
+            <a:buFont typeface="Arial" panose="020B0604020202020204" pitchFamily="34" charset="0"/>
+            <a:buChar char="–"/>
+          </a:pPr>
+          <a:r>
+            <a:rPr lang="it-IT" sz="1500" kern="1200" dirty="0"/>
+            <a:t>Gestione conversazioni e storico messaggi</a:t>
+          </a:r>
+        </a:p>
+        <a:p>
+          <a:pPr marL="114300" lvl="1" indent="-114300" algn="l" defTabSz="666750">
+            <a:lnSpc>
+              <a:spcPct val="90000"/>
+            </a:lnSpc>
+            <a:spcBef>
+              <a:spcPct val="0"/>
+            </a:spcBef>
+            <a:spcAft>
+              <a:spcPct val="15000"/>
+            </a:spcAft>
+            <a:buFont typeface="Arial" panose="020B0604020202020204" pitchFamily="34" charset="0"/>
+            <a:buNone/>
+          </a:pPr>
+          <a:endParaRPr lang="it-IT" sz="1500" kern="1200" dirty="0"/>
+        </a:p>
+        <a:p>
+          <a:pPr marL="114300" lvl="1" indent="-114300" algn="l" defTabSz="666750">
+            <a:lnSpc>
+              <a:spcPct val="90000"/>
+            </a:lnSpc>
+            <a:spcBef>
+              <a:spcPct val="0"/>
+            </a:spcBef>
+            <a:spcAft>
+              <a:spcPct val="15000"/>
+            </a:spcAft>
+            <a:buFont typeface="Arial" panose="020B0604020202020204" pitchFamily="34" charset="0"/>
+            <a:buChar char="•"/>
+          </a:pPr>
+          <a:r>
+            <a:rPr lang="it-IT" sz="1500" b="1" kern="1200" dirty="0"/>
+            <a:t>Service Pattern</a:t>
+          </a:r>
+        </a:p>
+        <a:p>
+          <a:pPr marL="228600" lvl="2" indent="-114300" algn="l" defTabSz="666750">
+            <a:lnSpc>
+              <a:spcPct val="90000"/>
+            </a:lnSpc>
+            <a:spcBef>
+              <a:spcPct val="0"/>
+            </a:spcBef>
+            <a:spcAft>
+              <a:spcPct val="15000"/>
+            </a:spcAft>
+            <a:buFont typeface="Arial" panose="020B0604020202020204" pitchFamily="34" charset="0"/>
+            <a:buChar char="–"/>
+          </a:pPr>
+          <a:r>
+            <a:rPr lang="it-IT" sz="1500" kern="1200"/>
+            <a:t>AiService: orchestrazione generazione testo con contesto aziendale</a:t>
+          </a:r>
+        </a:p>
+        <a:p>
+          <a:pPr marL="228600" lvl="2" indent="-114300" algn="l" defTabSz="666750">
+            <a:lnSpc>
+              <a:spcPct val="90000"/>
+            </a:lnSpc>
+            <a:spcBef>
+              <a:spcPct val="0"/>
+            </a:spcBef>
+            <a:spcAft>
+              <a:spcPct val="15000"/>
+            </a:spcAft>
+            <a:buFont typeface="Arial" panose="020B0604020202020204" pitchFamily="34" charset="0"/>
+            <a:buChar char="–"/>
+          </a:pPr>
+          <a:r>
+            <a:rPr lang="it-IT" sz="1500" kern="1200"/>
+            <a:t>DocumentAnalysisService: OCR e estrazione dati da PDF/immagini</a:t>
+          </a:r>
+        </a:p>
+        <a:p>
+          <a:pPr marL="228600" lvl="2" indent="-114300" algn="l" defTabSz="666750">
+            <a:lnSpc>
+              <a:spcPct val="90000"/>
+            </a:lnSpc>
+            <a:spcBef>
+              <a:spcPct val="0"/>
+            </a:spcBef>
+            <a:spcAft>
+              <a:spcPct val="15000"/>
+            </a:spcAft>
+            <a:buFont typeface="Arial" panose="020B0604020202020204" pitchFamily="34" charset="0"/>
+            <a:buChar char="–"/>
+          </a:pPr>
+          <a:r>
+            <a:rPr lang="en-US" sz="1500" kern="1200" dirty="0" err="1"/>
+            <a:t>AiTextGenerator</a:t>
+          </a:r>
+          <a:r>
+            <a:rPr lang="en-US" sz="1500" kern="1200" dirty="0"/>
+            <a:t>: adapter per AWS Bedrock SDK</a:t>
+          </a:r>
+          <a:endParaRPr lang="it-IT" sz="1500" kern="1200" dirty="0"/>
+        </a:p>
+        <a:p>
+          <a:pPr marL="114300" lvl="1" indent="-114300" algn="l" defTabSz="666750">
+            <a:lnSpc>
+              <a:spcPct val="90000"/>
+            </a:lnSpc>
+            <a:spcBef>
+              <a:spcPct val="0"/>
+            </a:spcBef>
+            <a:spcAft>
+              <a:spcPct val="15000"/>
+            </a:spcAft>
+            <a:buFont typeface="Arial" panose="020B0604020202020204" pitchFamily="34" charset="0"/>
+            <a:buNone/>
+          </a:pPr>
+          <a:endParaRPr lang="it-IT" sz="1500" kern="1200" dirty="0"/>
+        </a:p>
+        <a:p>
+          <a:pPr marL="114300" lvl="1" indent="-114300" algn="l" defTabSz="666750">
+            <a:lnSpc>
+              <a:spcPct val="90000"/>
+            </a:lnSpc>
+            <a:spcBef>
+              <a:spcPct val="0"/>
+            </a:spcBef>
+            <a:spcAft>
+              <a:spcPct val="15000"/>
+            </a:spcAft>
+            <a:buFont typeface="Arial" panose="020B0604020202020204" pitchFamily="34" charset="0"/>
+            <a:buChar char="•"/>
+          </a:pPr>
+          <a:r>
+            <a:rPr lang="it-IT" sz="1500" b="1" kern="1200" dirty="0"/>
+            <a:t>Active Storage</a:t>
+          </a:r>
+        </a:p>
+        <a:p>
+          <a:pPr marL="228600" lvl="2" indent="-114300" algn="l" defTabSz="666750">
+            <a:lnSpc>
+              <a:spcPct val="90000"/>
+            </a:lnSpc>
+            <a:spcBef>
+              <a:spcPct val="0"/>
+            </a:spcBef>
+            <a:spcAft>
+              <a:spcPct val="15000"/>
+            </a:spcAft>
+            <a:buFont typeface="Arial" panose="020B0604020202020204" pitchFamily="34" charset="0"/>
+            <a:buChar char="–"/>
+          </a:pPr>
+          <a:r>
+            <a:rPr lang="it-IT" sz="1500" kern="1200" dirty="0"/>
+            <a:t>Gestione upload e storage documenti</a:t>
+          </a:r>
+        </a:p>
+      </dsp:txBody>
+      <dsp:txXfrm>
+        <a:off x="0" y="564599"/>
+        <a:ext cx="4682021" cy="3969000"/>
+      </dsp:txXfrm>
+    </dsp:sp>
+    <dsp:sp modelId="{EF67F11A-FCD0-4E59-A23F-17BCC3FB1182}">
+      <dsp:nvSpPr>
+        <dsp:cNvPr id="0" name=""/>
+        <dsp:cNvSpPr/>
+      </dsp:nvSpPr>
+      <dsp:spPr>
+        <a:xfrm>
+          <a:off x="234101" y="343199"/>
+          <a:ext cx="3277415" cy="442800"/>
+        </a:xfrm>
+        <a:prstGeom prst="roundRect">
+          <a:avLst/>
+        </a:prstGeom>
+        <a:gradFill rotWithShape="0">
+          <a:gsLst>
+            <a:gs pos="0">
+              <a:schemeClr val="accent5">
+                <a:hueOff val="0"/>
+                <a:satOff val="0"/>
+                <a:lumOff val="0"/>
+                <a:alphaOff val="0"/>
+                <a:shade val="51000"/>
+                <a:satMod val="130000"/>
+              </a:schemeClr>
+            </a:gs>
+            <a:gs pos="80000">
+              <a:schemeClr val="accent5">
+                <a:hueOff val="0"/>
+                <a:satOff val="0"/>
+                <a:lumOff val="0"/>
+                <a:alphaOff val="0"/>
+                <a:shade val="93000"/>
+                <a:satMod val="130000"/>
+              </a:schemeClr>
+            </a:gs>
+            <a:gs pos="100000">
+              <a:schemeClr val="accent5">
+                <a:hueOff val="0"/>
+                <a:satOff val="0"/>
+                <a:lumOff val="0"/>
+                <a:alphaOff val="0"/>
+                <a:shade val="94000"/>
+                <a:satMod val="135000"/>
+              </a:schemeClr>
+            </a:gs>
+          </a:gsLst>
+          <a:lin ang="16200000" scaled="0"/>
+        </a:gradFill>
+        <a:ln>
+          <a:noFill/>
+        </a:ln>
+        <a:effectLst>
+          <a:outerShdw blurRad="40000" dist="23000" dir="5400000" rotWithShape="0">
+            <a:srgbClr val="000000">
+              <a:alpha val="35000"/>
+            </a:srgbClr>
+          </a:outerShdw>
+        </a:effectLst>
+      </dsp:spPr>
+      <dsp:style>
+        <a:lnRef idx="0">
+          <a:scrgbClr r="0" g="0" b="0"/>
+        </a:lnRef>
+        <a:fillRef idx="3">
+          <a:scrgbClr r="0" g="0" b="0"/>
+        </a:fillRef>
+        <a:effectRef idx="2">
+          <a:scrgbClr r="0" g="0" b="0"/>
+        </a:effectRef>
+        <a:fontRef idx="minor">
+          <a:schemeClr val="lt1"/>
+        </a:fontRef>
+      </dsp:style>
+      <dsp:txBody>
+        <a:bodyPr spcFirstLastPara="0" vert="horz" wrap="square" lIns="123878" tIns="0" rIns="123878" bIns="0" numCol="1" spcCol="1270" anchor="ctr" anchorCtr="0">
+          <a:noAutofit/>
+        </a:bodyPr>
+        <a:lstStyle/>
+        <a:p>
+          <a:pPr marL="0" lvl="0" indent="0" algn="l" defTabSz="666750">
+            <a:lnSpc>
+              <a:spcPct val="90000"/>
+            </a:lnSpc>
+            <a:spcBef>
+              <a:spcPct val="0"/>
+            </a:spcBef>
+            <a:spcAft>
+              <a:spcPct val="35000"/>
+            </a:spcAft>
+            <a:buNone/>
+          </a:pPr>
+          <a:r>
+            <a:rPr lang="it-IT" sz="1500" b="1" kern="1200" dirty="0" err="1"/>
+            <a:t>Backend</a:t>
+          </a:r>
+          <a:r>
+            <a:rPr lang="it-IT" sz="1500" b="1" kern="1200" dirty="0"/>
+            <a:t> - Ruby on </a:t>
+          </a:r>
+          <a:r>
+            <a:rPr lang="it-IT" sz="1500" b="1" kern="1200" dirty="0" err="1"/>
+            <a:t>Rails</a:t>
+          </a:r>
+          <a:endParaRPr lang="en-US" sz="1500" kern="1200" dirty="0"/>
+        </a:p>
+      </dsp:txBody>
+      <dsp:txXfrm>
+        <a:off x="255717" y="364815"/>
+        <a:ext cx="3234183" cy="399568"/>
+      </dsp:txXfrm>
+    </dsp:sp>
+  </dsp:spTree>
+</dsp:drawing>
+</file>
+
+<file path=ppt/diagrams/drawing3.xml><?xml version="1.0" encoding="utf-8"?>
+<dsp:drawing xmlns:dgm="http://schemas.openxmlformats.org/drawingml/2006/diagram" xmlns:dsp="http://schemas.microsoft.com/office/drawing/2008/diagram" xmlns:a="http://schemas.openxmlformats.org/drawingml/2006/main">
+  <dsp:spTree>
+    <dsp:nvGrpSpPr>
+      <dsp:cNvPr id="0" name=""/>
+      <dsp:cNvGrpSpPr/>
+    </dsp:nvGrpSpPr>
+    <dsp:grpSpPr/>
+    <dsp:sp modelId="{8A748C3E-CE62-4E92-A0FE-1F5548AC9D02}">
+      <dsp:nvSpPr>
+        <dsp:cNvPr id="0" name=""/>
+        <dsp:cNvSpPr/>
+      </dsp:nvSpPr>
+      <dsp:spPr>
+        <a:xfrm>
+          <a:off x="0" y="603912"/>
+          <a:ext cx="4698998" cy="3874500"/>
+        </a:xfrm>
+        <a:prstGeom prst="rect">
+          <a:avLst/>
+        </a:prstGeom>
+        <a:solidFill>
+          <a:srgbClr val="FFFAEF">
+            <a:alpha val="90000"/>
+          </a:srgbClr>
+        </a:solidFill>
+        <a:ln w="9525" cap="flat" cmpd="sng" algn="ctr">
+          <a:solidFill>
+            <a:schemeClr val="accent5">
+              <a:hueOff val="0"/>
+              <a:satOff val="0"/>
+              <a:lumOff val="0"/>
+              <a:alphaOff val="0"/>
+            </a:schemeClr>
+          </a:solidFill>
+          <a:prstDash val="solid"/>
+        </a:ln>
+        <a:effectLst/>
+      </dsp:spPr>
+      <dsp:style>
+        <a:lnRef idx="1">
+          <a:scrgbClr r="0" g="0" b="0"/>
+        </a:lnRef>
+        <a:fillRef idx="1">
+          <a:scrgbClr r="0" g="0" b="0"/>
+        </a:fillRef>
+        <a:effectRef idx="0">
+          <a:scrgbClr r="0" g="0" b="0"/>
+        </a:effectRef>
+        <a:fontRef idx="minor"/>
+      </dsp:style>
+      <dsp:txBody>
+        <a:bodyPr spcFirstLastPara="0" vert="horz" wrap="square" lIns="364694" tIns="312420" rIns="364694" bIns="106680" numCol="1" spcCol="1270" anchor="t" anchorCtr="0">
+          <a:noAutofit/>
+        </a:bodyPr>
+        <a:lstStyle/>
+        <a:p>
+          <a:pPr marL="114300" lvl="1" indent="-114300" algn="l" defTabSz="666750">
+            <a:lnSpc>
+              <a:spcPct val="90000"/>
+            </a:lnSpc>
+            <a:spcBef>
+              <a:spcPct val="0"/>
+            </a:spcBef>
+            <a:spcAft>
+              <a:spcPct val="15000"/>
+            </a:spcAft>
+            <a:buChar char="•"/>
+          </a:pPr>
+          <a:r>
+            <a:rPr lang="it-IT" sz="1500" b="1" kern="1200" dirty="0"/>
+            <a:t>Struttura dati relazionale</a:t>
+          </a:r>
+          <a:endParaRPr lang="en-US" sz="1500" kern="1200" dirty="0"/>
+        </a:p>
+        <a:p>
+          <a:pPr marL="228600" lvl="2" indent="-114300" algn="l" defTabSz="666750">
+            <a:lnSpc>
+              <a:spcPct val="90000"/>
+            </a:lnSpc>
+            <a:spcBef>
+              <a:spcPct val="0"/>
+            </a:spcBef>
+            <a:spcAft>
+              <a:spcPct val="15000"/>
+            </a:spcAft>
+            <a:buFont typeface="Arial" panose="020B0604020202020204" pitchFamily="34" charset="0"/>
+            <a:buChar char="–"/>
+          </a:pPr>
+          <a:r>
+            <a:rPr lang="it-IT" sz="1500" kern="1200"/>
+            <a:t>Company: aziende che utilizzano la piattaforma</a:t>
+          </a:r>
+        </a:p>
+        <a:p>
+          <a:pPr marL="228600" lvl="2" indent="-114300" algn="l" defTabSz="666750">
+            <a:lnSpc>
+              <a:spcPct val="90000"/>
+            </a:lnSpc>
+            <a:spcBef>
+              <a:spcPct val="0"/>
+            </a:spcBef>
+            <a:spcAft>
+              <a:spcPct val="15000"/>
+            </a:spcAft>
+            <a:buFont typeface="Arial" panose="020B0604020202020204" pitchFamily="34" charset="0"/>
+            <a:buChar char="–"/>
+          </a:pPr>
+          <a:r>
+            <a:rPr lang="it-IT" sz="1500" kern="1200" dirty="0" err="1"/>
+            <a:t>Conversation</a:t>
+          </a:r>
+          <a:r>
+            <a:rPr lang="it-IT" sz="1500" kern="1200" dirty="0"/>
+            <a:t> + Message: storico conversazioni AI con contesto</a:t>
+          </a:r>
+        </a:p>
+        <a:p>
+          <a:pPr marL="228600" lvl="2" indent="-114300" algn="l" defTabSz="666750">
+            <a:lnSpc>
+              <a:spcPct val="90000"/>
+            </a:lnSpc>
+            <a:spcBef>
+              <a:spcPct val="0"/>
+            </a:spcBef>
+            <a:spcAft>
+              <a:spcPct val="15000"/>
+            </a:spcAft>
+            <a:buFont typeface="Arial" panose="020B0604020202020204" pitchFamily="34" charset="0"/>
+            <a:buChar char="–"/>
+          </a:pPr>
+          <a:r>
+            <a:rPr lang="it-IT" sz="1500" kern="1200"/>
+            <a:t>Tone: toni comunicativi personalizzati per azienda</a:t>
+          </a:r>
+        </a:p>
+        <a:p>
+          <a:pPr marL="228600" lvl="2" indent="-114300" algn="l" defTabSz="666750">
+            <a:lnSpc>
+              <a:spcPct val="90000"/>
+            </a:lnSpc>
+            <a:spcBef>
+              <a:spcPct val="0"/>
+            </a:spcBef>
+            <a:spcAft>
+              <a:spcPct val="15000"/>
+            </a:spcAft>
+            <a:buFont typeface="Arial" panose="020B0604020202020204" pitchFamily="34" charset="0"/>
+            <a:buChar char="–"/>
+          </a:pPr>
+          <a:r>
+            <a:rPr lang="it-IT" sz="1500" kern="1200" dirty="0" err="1"/>
+            <a:t>Document</a:t>
+          </a:r>
+          <a:r>
+            <a:rPr lang="it-IT" sz="1500" kern="1200" dirty="0"/>
+            <a:t>: metadati documenti con status (</a:t>
+          </a:r>
+          <a:r>
+            <a:rPr lang="it-IT" sz="1500" kern="1200" dirty="0" err="1"/>
+            <a:t>pending</a:t>
+          </a:r>
+          <a:r>
+            <a:rPr lang="it-IT" sz="1500" kern="1200" dirty="0"/>
+            <a:t>/processing/</a:t>
+          </a:r>
+          <a:r>
+            <a:rPr lang="it-IT" sz="1500" kern="1200" dirty="0" err="1"/>
+            <a:t>completed</a:t>
+          </a:r>
+          <a:r>
+            <a:rPr lang="it-IT" sz="1500" kern="1200" dirty="0"/>
+            <a:t>)</a:t>
+          </a:r>
+        </a:p>
+        <a:p>
+          <a:pPr marL="114300" lvl="1" indent="-114300" algn="l" defTabSz="666750">
+            <a:lnSpc>
+              <a:spcPct val="90000"/>
+            </a:lnSpc>
+            <a:spcBef>
+              <a:spcPct val="0"/>
+            </a:spcBef>
+            <a:spcAft>
+              <a:spcPct val="15000"/>
+            </a:spcAft>
+            <a:buFont typeface="Arial" panose="020B0604020202020204" pitchFamily="34" charset="0"/>
+            <a:buNone/>
+          </a:pPr>
+          <a:endParaRPr lang="it-IT" sz="1500" kern="1200" dirty="0"/>
+        </a:p>
+        <a:p>
+          <a:pPr marL="114300" lvl="1" indent="-114300" algn="l" defTabSz="666750">
+            <a:lnSpc>
+              <a:spcPct val="90000"/>
+            </a:lnSpc>
+            <a:spcBef>
+              <a:spcPct val="0"/>
+            </a:spcBef>
+            <a:spcAft>
+              <a:spcPct val="15000"/>
+            </a:spcAft>
+            <a:buFont typeface="Arial" panose="020B0604020202020204" pitchFamily="34" charset="0"/>
+            <a:buChar char="•"/>
+          </a:pPr>
+          <a:r>
+            <a:rPr lang="it-IT" sz="1500" b="1" kern="1200" dirty="0"/>
+            <a:t>Active Record ORM</a:t>
+          </a:r>
+        </a:p>
+        <a:p>
+          <a:pPr marL="228600" lvl="2" indent="-114300" algn="l" defTabSz="666750">
+            <a:lnSpc>
+              <a:spcPct val="90000"/>
+            </a:lnSpc>
+            <a:spcBef>
+              <a:spcPct val="0"/>
+            </a:spcBef>
+            <a:spcAft>
+              <a:spcPct val="15000"/>
+            </a:spcAft>
+            <a:buFont typeface="Arial" panose="020B0604020202020204" pitchFamily="34" charset="0"/>
+            <a:buChar char="–"/>
+          </a:pPr>
+          <a:r>
+            <a:rPr lang="en-US" sz="1500" kern="1200"/>
+            <a:t>Relazioni: Company has_many Documents, Conversations, Tones</a:t>
+          </a:r>
+          <a:endParaRPr lang="it-IT" sz="1500" kern="1200"/>
+        </a:p>
+        <a:p>
+          <a:pPr marL="228600" lvl="2" indent="-114300" algn="l" defTabSz="666750">
+            <a:lnSpc>
+              <a:spcPct val="90000"/>
+            </a:lnSpc>
+            <a:spcBef>
+              <a:spcPct val="0"/>
+            </a:spcBef>
+            <a:spcAft>
+              <a:spcPct val="15000"/>
+            </a:spcAft>
+            <a:buFont typeface="Arial" panose="020B0604020202020204" pitchFamily="34" charset="0"/>
+            <a:buChar char="–"/>
+          </a:pPr>
+          <a:r>
+            <a:rPr lang="en-US" sz="1500" kern="1200"/>
+            <a:t>Validazioni, enum per status, callbacks lifecycle</a:t>
+          </a:r>
+          <a:endParaRPr lang="it-IT" sz="1500" kern="1200"/>
+        </a:p>
+        <a:p>
+          <a:pPr marL="228600" lvl="2" indent="-114300" algn="l" defTabSz="666750">
+            <a:lnSpc>
+              <a:spcPct val="90000"/>
+            </a:lnSpc>
+            <a:spcBef>
+              <a:spcPct val="0"/>
+            </a:spcBef>
+            <a:spcAft>
+              <a:spcPct val="15000"/>
+            </a:spcAft>
+            <a:buFont typeface="Arial" panose="020B0604020202020204" pitchFamily="34" charset="0"/>
+            <a:buChar char="–"/>
+          </a:pPr>
+          <a:r>
+            <a:rPr lang="it-IT" sz="1500" kern="1200" dirty="0"/>
+            <a:t>JSON </a:t>
+          </a:r>
+          <a:r>
+            <a:rPr lang="it-IT" sz="1500" kern="1200" dirty="0" err="1"/>
+            <a:t>column</a:t>
+          </a:r>
+          <a:r>
+            <a:rPr lang="it-IT" sz="1500" kern="1200" dirty="0"/>
+            <a:t> (</a:t>
+          </a:r>
+          <a:r>
+            <a:rPr lang="it-IT" sz="1500" kern="1200" dirty="0" err="1"/>
+            <a:t>ai_data</a:t>
+          </a:r>
+          <a:r>
+            <a:rPr lang="it-IT" sz="1500" kern="1200" dirty="0"/>
+            <a:t>) per salvare dati estratti da </a:t>
+          </a:r>
+          <a:r>
+            <a:rPr lang="it-IT" sz="1500" kern="1200" dirty="0" err="1"/>
+            <a:t>Bedrock</a:t>
+          </a:r>
+          <a:endParaRPr lang="it-IT" sz="1500" kern="1200" dirty="0"/>
+        </a:p>
+      </dsp:txBody>
+      <dsp:txXfrm>
+        <a:off x="0" y="603912"/>
+        <a:ext cx="4698998" cy="3874500"/>
+      </dsp:txXfrm>
+    </dsp:sp>
+    <dsp:sp modelId="{EF67F11A-FCD0-4E59-A23F-17BCC3FB1182}">
+      <dsp:nvSpPr>
+        <dsp:cNvPr id="0" name=""/>
+        <dsp:cNvSpPr/>
+      </dsp:nvSpPr>
+      <dsp:spPr>
+        <a:xfrm>
+          <a:off x="234949" y="382512"/>
+          <a:ext cx="3289298" cy="442800"/>
+        </a:xfrm>
+        <a:prstGeom prst="roundRect">
+          <a:avLst/>
+        </a:prstGeom>
+        <a:gradFill rotWithShape="0">
+          <a:gsLst>
+            <a:gs pos="0">
+              <a:schemeClr val="accent5">
+                <a:hueOff val="0"/>
+                <a:satOff val="0"/>
+                <a:lumOff val="0"/>
+                <a:alphaOff val="0"/>
+                <a:shade val="51000"/>
+                <a:satMod val="130000"/>
+              </a:schemeClr>
+            </a:gs>
+            <a:gs pos="80000">
+              <a:schemeClr val="accent5">
+                <a:hueOff val="0"/>
+                <a:satOff val="0"/>
+                <a:lumOff val="0"/>
+                <a:alphaOff val="0"/>
+                <a:shade val="93000"/>
+                <a:satMod val="130000"/>
+              </a:schemeClr>
+            </a:gs>
+            <a:gs pos="100000">
+              <a:schemeClr val="accent5">
+                <a:hueOff val="0"/>
+                <a:satOff val="0"/>
+                <a:lumOff val="0"/>
+                <a:alphaOff val="0"/>
+                <a:shade val="94000"/>
+                <a:satMod val="135000"/>
+              </a:schemeClr>
+            </a:gs>
+          </a:gsLst>
+          <a:lin ang="16200000" scaled="0"/>
+        </a:gradFill>
+        <a:ln>
+          <a:noFill/>
+        </a:ln>
+        <a:effectLst>
+          <a:outerShdw blurRad="40000" dist="23000" dir="5400000" rotWithShape="0">
+            <a:srgbClr val="000000">
+              <a:alpha val="35000"/>
+            </a:srgbClr>
+          </a:outerShdw>
+        </a:effectLst>
+      </dsp:spPr>
+      <dsp:style>
+        <a:lnRef idx="0">
+          <a:scrgbClr r="0" g="0" b="0"/>
+        </a:lnRef>
+        <a:fillRef idx="3">
+          <a:scrgbClr r="0" g="0" b="0"/>
+        </a:fillRef>
+        <a:effectRef idx="2">
+          <a:scrgbClr r="0" g="0" b="0"/>
+        </a:effectRef>
+        <a:fontRef idx="minor">
+          <a:schemeClr val="lt1"/>
+        </a:fontRef>
+      </dsp:style>
+      <dsp:txBody>
+        <a:bodyPr spcFirstLastPara="0" vert="horz" wrap="square" lIns="124328" tIns="0" rIns="124328" bIns="0" numCol="1" spcCol="1270" anchor="ctr" anchorCtr="0">
+          <a:noAutofit/>
+        </a:bodyPr>
+        <a:lstStyle/>
+        <a:p>
+          <a:pPr marL="0" lvl="0" indent="0" algn="l" defTabSz="666750">
+            <a:lnSpc>
+              <a:spcPct val="90000"/>
+            </a:lnSpc>
+            <a:spcBef>
+              <a:spcPct val="0"/>
+            </a:spcBef>
+            <a:spcAft>
+              <a:spcPct val="35000"/>
+            </a:spcAft>
+            <a:buNone/>
+          </a:pPr>
+          <a:r>
+            <a:rPr lang="it-IT" sz="1500" b="1" kern="1200" dirty="0"/>
+            <a:t>Database - </a:t>
+          </a:r>
+          <a:r>
+            <a:rPr lang="it-IT" sz="1500" b="1" kern="1200" dirty="0" err="1"/>
+            <a:t>PostgreSQL</a:t>
+          </a:r>
+          <a:endParaRPr lang="en-US" sz="1500" kern="1200" dirty="0"/>
+        </a:p>
+      </dsp:txBody>
+      <dsp:txXfrm>
+        <a:off x="256565" y="404128"/>
+        <a:ext cx="3246066" cy="399568"/>
+      </dsp:txXfrm>
+    </dsp:sp>
+  </dsp:spTree>
+</dsp:drawing>
+</file>
+
+<file path=ppt/diagrams/drawing4.xml><?xml version="1.0" encoding="utf-8"?>
 <dsp:drawing xmlns:dgm="http://schemas.openxmlformats.org/drawingml/2006/diagram" xmlns:dsp="http://schemas.microsoft.com/office/drawing/2008/diagram" xmlns:a="http://schemas.openxmlformats.org/drawingml/2006/main">
   <dsp:spTree>
     <dsp:nvGrpSpPr>
@@ -5950,1137 +7081,6 @@
       <dsp:txXfrm>
         <a:off x="255124" y="157874"/>
         <a:ext cx="3248949" cy="372930"/>
-      </dsp:txXfrm>
-    </dsp:sp>
-  </dsp:spTree>
-</dsp:drawing>
-</file>
-
-<file path=ppt/diagrams/drawing2.xml><?xml version="1.0" encoding="utf-8"?>
-<dsp:drawing xmlns:dgm="http://schemas.openxmlformats.org/drawingml/2006/diagram" xmlns:dsp="http://schemas.microsoft.com/office/drawing/2008/diagram" xmlns:a="http://schemas.openxmlformats.org/drawingml/2006/main">
-  <dsp:spTree>
-    <dsp:nvGrpSpPr>
-      <dsp:cNvPr id="0" name=""/>
-      <dsp:cNvGrpSpPr/>
-    </dsp:nvGrpSpPr>
-    <dsp:grpSpPr/>
-    <dsp:sp modelId="{8A748C3E-CE62-4E92-A0FE-1F5548AC9D02}">
-      <dsp:nvSpPr>
-        <dsp:cNvPr id="0" name=""/>
-        <dsp:cNvSpPr/>
-      </dsp:nvSpPr>
-      <dsp:spPr>
-        <a:xfrm>
-          <a:off x="0" y="384974"/>
-          <a:ext cx="4682021" cy="4167450"/>
-        </a:xfrm>
-        <a:prstGeom prst="rect">
-          <a:avLst/>
-        </a:prstGeom>
-        <a:solidFill>
-          <a:srgbClr val="FFFAEF">
-            <a:alpha val="90000"/>
-          </a:srgbClr>
-        </a:solidFill>
-        <a:ln w="9525" cap="flat" cmpd="sng" algn="ctr">
-          <a:solidFill>
-            <a:schemeClr val="accent5">
-              <a:hueOff val="0"/>
-              <a:satOff val="0"/>
-              <a:lumOff val="0"/>
-              <a:alphaOff val="0"/>
-            </a:schemeClr>
-          </a:solidFill>
-          <a:prstDash val="solid"/>
-        </a:ln>
-        <a:effectLst/>
-      </dsp:spPr>
-      <dsp:style>
-        <a:lnRef idx="1">
-          <a:scrgbClr r="0" g="0" b="0"/>
-        </a:lnRef>
-        <a:fillRef idx="1">
-          <a:scrgbClr r="0" g="0" b="0"/>
-        </a:fillRef>
-        <a:effectRef idx="0">
-          <a:scrgbClr r="0" g="0" b="0"/>
-        </a:effectRef>
-        <a:fontRef idx="minor"/>
-      </dsp:style>
-      <dsp:txBody>
-        <a:bodyPr spcFirstLastPara="0" vert="horz" wrap="square" lIns="363377" tIns="437388" rIns="363377" bIns="149352" numCol="1" spcCol="1270" anchor="t" anchorCtr="0">
-          <a:noAutofit/>
-        </a:bodyPr>
-        <a:lstStyle/>
-        <a:p>
-          <a:pPr marL="228600" lvl="1" indent="-228600" algn="l" defTabSz="933450">
-            <a:lnSpc>
-              <a:spcPct val="90000"/>
-            </a:lnSpc>
-            <a:spcBef>
-              <a:spcPct val="0"/>
-            </a:spcBef>
-            <a:spcAft>
-              <a:spcPct val="15000"/>
-            </a:spcAft>
-            <a:buChar char="•"/>
-          </a:pPr>
-          <a:r>
-            <a:rPr lang="it-IT" sz="2100" b="1" kern="1200" dirty="0"/>
-            <a:t> Framework principale</a:t>
-          </a:r>
-          <a:endParaRPr lang="en-US" sz="2100" kern="1200" dirty="0"/>
-        </a:p>
-        <a:p>
-          <a:pPr marL="457200" lvl="2" indent="-228600" algn="l" defTabSz="933450">
-            <a:lnSpc>
-              <a:spcPct val="90000"/>
-            </a:lnSpc>
-            <a:spcBef>
-              <a:spcPct val="0"/>
-            </a:spcBef>
-            <a:spcAft>
-              <a:spcPct val="15000"/>
-            </a:spcAft>
-            <a:buFont typeface="Arial" panose="020B0604020202020204" pitchFamily="34" charset="0"/>
-            <a:buChar char="–"/>
-          </a:pPr>
-          <a:r>
-            <a:rPr lang="it-IT" sz="2100" kern="1200" dirty="0"/>
-            <a:t> Per dashboard amministrativa</a:t>
-          </a:r>
-        </a:p>
-        <a:p>
-          <a:pPr marL="457200" lvl="2" indent="-228600" algn="l" defTabSz="933450">
-            <a:lnSpc>
-              <a:spcPct val="90000"/>
-            </a:lnSpc>
-            <a:spcBef>
-              <a:spcPct val="0"/>
-            </a:spcBef>
-            <a:spcAft>
-              <a:spcPct val="15000"/>
-            </a:spcAft>
-            <a:buFont typeface="Arial" panose="020B0604020202020204" pitchFamily="34" charset="0"/>
-            <a:buChar char="–"/>
-          </a:pPr>
-          <a:r>
-            <a:rPr lang="it-IT" sz="2100" kern="1200" dirty="0"/>
-            <a:t> Componenti modulari: AI Assistant, AI Co-Pilot, Analytics, Storico</a:t>
-          </a:r>
-        </a:p>
-        <a:p>
-          <a:pPr marL="228600" lvl="1" indent="-228600" algn="l" defTabSz="933450">
-            <a:lnSpc>
-              <a:spcPct val="90000"/>
-            </a:lnSpc>
-            <a:spcBef>
-              <a:spcPct val="0"/>
-            </a:spcBef>
-            <a:spcAft>
-              <a:spcPct val="15000"/>
-            </a:spcAft>
-            <a:buFont typeface="Arial" panose="020B0604020202020204" pitchFamily="34" charset="0"/>
-            <a:buNone/>
-          </a:pPr>
-          <a:endParaRPr lang="it-IT" sz="2100" kern="1200" dirty="0"/>
-        </a:p>
-        <a:p>
-          <a:pPr marL="228600" lvl="1" indent="-228600" algn="l" defTabSz="933450">
-            <a:lnSpc>
-              <a:spcPct val="90000"/>
-            </a:lnSpc>
-            <a:spcBef>
-              <a:spcPct val="0"/>
-            </a:spcBef>
-            <a:spcAft>
-              <a:spcPct val="15000"/>
-            </a:spcAft>
-            <a:buFont typeface="Arial" panose="020B0604020202020204" pitchFamily="34" charset="0"/>
-            <a:buNone/>
-          </a:pPr>
-          <a:r>
-            <a:rPr lang="it-IT" sz="2100" b="1" kern="1200" dirty="0"/>
-            <a:t>• </a:t>
-          </a:r>
-          <a:r>
-            <a:rPr lang="it-IT" sz="2100" b="1" kern="1200" dirty="0" err="1"/>
-            <a:t>RxJS</a:t>
-          </a:r>
-          <a:r>
-            <a:rPr lang="it-IT" sz="2100" b="1" kern="1200" dirty="0"/>
-            <a:t> 7.8.0</a:t>
-          </a:r>
-        </a:p>
-        <a:p>
-          <a:pPr marL="457200" lvl="2" indent="-228600" algn="l" defTabSz="933450">
-            <a:lnSpc>
-              <a:spcPct val="90000"/>
-            </a:lnSpc>
-            <a:spcBef>
-              <a:spcPct val="0"/>
-            </a:spcBef>
-            <a:spcAft>
-              <a:spcPct val="15000"/>
-            </a:spcAft>
-            <a:buFont typeface="Arial" panose="020B0604020202020204" pitchFamily="34" charset="0"/>
-            <a:buChar char="–"/>
-          </a:pPr>
-          <a:r>
-            <a:rPr lang="it-IT" sz="2100" kern="1200" dirty="0"/>
-            <a:t> Gestione asincrona chiamate API al </a:t>
-          </a:r>
-          <a:r>
-            <a:rPr lang="it-IT" sz="2100" kern="1200" dirty="0" err="1"/>
-            <a:t>backend</a:t>
-          </a:r>
-          <a:endParaRPr lang="it-IT" sz="2100" kern="1200" dirty="0"/>
-        </a:p>
-        <a:p>
-          <a:pPr marL="457200" lvl="2" indent="-228600" algn="l" defTabSz="933450">
-            <a:lnSpc>
-              <a:spcPct val="90000"/>
-            </a:lnSpc>
-            <a:spcBef>
-              <a:spcPct val="0"/>
-            </a:spcBef>
-            <a:spcAft>
-              <a:spcPct val="15000"/>
-            </a:spcAft>
-            <a:buFont typeface="Arial" panose="020B0604020202020204" pitchFamily="34" charset="0"/>
-            <a:buChar char="–"/>
-          </a:pPr>
-          <a:r>
-            <a:rPr lang="it-IT" sz="2100" kern="1200" dirty="0"/>
-            <a:t> Polling per status documenti in analisi</a:t>
-          </a:r>
-        </a:p>
-      </dsp:txBody>
-      <dsp:txXfrm>
-        <a:off x="0" y="384974"/>
-        <a:ext cx="4682021" cy="4167450"/>
-      </dsp:txXfrm>
-    </dsp:sp>
-    <dsp:sp modelId="{EF67F11A-FCD0-4E59-A23F-17BCC3FB1182}">
-      <dsp:nvSpPr>
-        <dsp:cNvPr id="0" name=""/>
-        <dsp:cNvSpPr/>
-      </dsp:nvSpPr>
-      <dsp:spPr>
-        <a:xfrm>
-          <a:off x="234101" y="75014"/>
-          <a:ext cx="3277415" cy="619920"/>
-        </a:xfrm>
-        <a:prstGeom prst="roundRect">
-          <a:avLst/>
-        </a:prstGeom>
-        <a:gradFill rotWithShape="0">
-          <a:gsLst>
-            <a:gs pos="0">
-              <a:schemeClr val="accent5">
-                <a:hueOff val="0"/>
-                <a:satOff val="0"/>
-                <a:lumOff val="0"/>
-                <a:alphaOff val="0"/>
-                <a:shade val="51000"/>
-                <a:satMod val="130000"/>
-              </a:schemeClr>
-            </a:gs>
-            <a:gs pos="80000">
-              <a:schemeClr val="accent5">
-                <a:hueOff val="0"/>
-                <a:satOff val="0"/>
-                <a:lumOff val="0"/>
-                <a:alphaOff val="0"/>
-                <a:shade val="93000"/>
-                <a:satMod val="130000"/>
-              </a:schemeClr>
-            </a:gs>
-            <a:gs pos="100000">
-              <a:schemeClr val="accent5">
-                <a:hueOff val="0"/>
-                <a:satOff val="0"/>
-                <a:lumOff val="0"/>
-                <a:alphaOff val="0"/>
-                <a:shade val="94000"/>
-                <a:satMod val="135000"/>
-              </a:schemeClr>
-            </a:gs>
-          </a:gsLst>
-          <a:lin ang="16200000" scaled="0"/>
-        </a:gradFill>
-        <a:ln>
-          <a:noFill/>
-        </a:ln>
-        <a:effectLst>
-          <a:outerShdw blurRad="40000" dist="23000" dir="5400000" rotWithShape="0">
-            <a:srgbClr val="000000">
-              <a:alpha val="35000"/>
-            </a:srgbClr>
-          </a:outerShdw>
-        </a:effectLst>
-      </dsp:spPr>
-      <dsp:style>
-        <a:lnRef idx="0">
-          <a:scrgbClr r="0" g="0" b="0"/>
-        </a:lnRef>
-        <a:fillRef idx="3">
-          <a:scrgbClr r="0" g="0" b="0"/>
-        </a:fillRef>
-        <a:effectRef idx="2">
-          <a:scrgbClr r="0" g="0" b="0"/>
-        </a:effectRef>
-        <a:fontRef idx="minor">
-          <a:schemeClr val="lt1"/>
-        </a:fontRef>
-      </dsp:style>
-      <dsp:txBody>
-        <a:bodyPr spcFirstLastPara="0" vert="horz" wrap="square" lIns="123878" tIns="0" rIns="123878" bIns="0" numCol="1" spcCol="1270" anchor="ctr" anchorCtr="0">
-          <a:noAutofit/>
-        </a:bodyPr>
-        <a:lstStyle/>
-        <a:p>
-          <a:pPr marL="0" lvl="0" indent="0" algn="l" defTabSz="933450">
-            <a:lnSpc>
-              <a:spcPct val="90000"/>
-            </a:lnSpc>
-            <a:spcBef>
-              <a:spcPct val="0"/>
-            </a:spcBef>
-            <a:spcAft>
-              <a:spcPct val="35000"/>
-            </a:spcAft>
-            <a:buNone/>
-          </a:pPr>
-          <a:r>
-            <a:rPr lang="it-IT" sz="2100" b="1" kern="1200" dirty="0" err="1"/>
-            <a:t>Frontend</a:t>
-          </a:r>
-          <a:r>
-            <a:rPr lang="it-IT" sz="2100" b="1" kern="1200" dirty="0"/>
-            <a:t> - </a:t>
-          </a:r>
-          <a:r>
-            <a:rPr lang="it-IT" sz="2100" b="1" kern="1200" dirty="0" err="1"/>
-            <a:t>Angular</a:t>
-          </a:r>
-          <a:endParaRPr lang="en-US" sz="2100" kern="1200" dirty="0"/>
-        </a:p>
-      </dsp:txBody>
-      <dsp:txXfrm>
-        <a:off x="264363" y="105276"/>
-        <a:ext cx="3216891" cy="559396"/>
-      </dsp:txXfrm>
-    </dsp:sp>
-  </dsp:spTree>
-</dsp:drawing>
-</file>
-
-<file path=ppt/diagrams/drawing3.xml><?xml version="1.0" encoding="utf-8"?>
-<dsp:drawing xmlns:dgm="http://schemas.openxmlformats.org/drawingml/2006/diagram" xmlns:dsp="http://schemas.microsoft.com/office/drawing/2008/diagram" xmlns:a="http://schemas.openxmlformats.org/drawingml/2006/main">
-  <dsp:spTree>
-    <dsp:nvGrpSpPr>
-      <dsp:cNvPr id="0" name=""/>
-      <dsp:cNvGrpSpPr/>
-    </dsp:nvGrpSpPr>
-    <dsp:grpSpPr/>
-    <dsp:sp modelId="{8A748C3E-CE62-4E92-A0FE-1F5548AC9D02}">
-      <dsp:nvSpPr>
-        <dsp:cNvPr id="0" name=""/>
-        <dsp:cNvSpPr/>
-      </dsp:nvSpPr>
-      <dsp:spPr>
-        <a:xfrm>
-          <a:off x="0" y="302275"/>
-          <a:ext cx="3764280" cy="4321800"/>
-        </a:xfrm>
-        <a:prstGeom prst="rect">
-          <a:avLst/>
-        </a:prstGeom>
-        <a:solidFill>
-          <a:srgbClr val="FFFAEF">
-            <a:alpha val="90000"/>
-          </a:srgbClr>
-        </a:solidFill>
-        <a:ln w="9525" cap="flat" cmpd="sng" algn="ctr">
-          <a:solidFill>
-            <a:schemeClr val="accent5">
-              <a:hueOff val="0"/>
-              <a:satOff val="0"/>
-              <a:lumOff val="0"/>
-              <a:alphaOff val="0"/>
-            </a:schemeClr>
-          </a:solidFill>
-          <a:prstDash val="solid"/>
-        </a:ln>
-        <a:effectLst/>
-      </dsp:spPr>
-      <dsp:style>
-        <a:lnRef idx="1">
-          <a:scrgbClr r="0" g="0" b="0"/>
-        </a:lnRef>
-        <a:fillRef idx="1">
-          <a:scrgbClr r="0" g="0" b="0"/>
-        </a:fillRef>
-        <a:effectRef idx="0">
-          <a:scrgbClr r="0" g="0" b="0"/>
-        </a:effectRef>
-        <a:fontRef idx="minor"/>
-      </dsp:style>
-      <dsp:txBody>
-        <a:bodyPr spcFirstLastPara="0" vert="horz" wrap="square" lIns="292150" tIns="291592" rIns="292150" bIns="99568" numCol="1" spcCol="1270" anchor="t" anchorCtr="0">
-          <a:noAutofit/>
-        </a:bodyPr>
-        <a:lstStyle/>
-        <a:p>
-          <a:pPr marL="114300" lvl="1" indent="-114300" algn="l" defTabSz="622300">
-            <a:lnSpc>
-              <a:spcPct val="90000"/>
-            </a:lnSpc>
-            <a:spcBef>
-              <a:spcPct val="0"/>
-            </a:spcBef>
-            <a:spcAft>
-              <a:spcPct val="15000"/>
-            </a:spcAft>
-            <a:buChar char="•"/>
-          </a:pPr>
-          <a:r>
-            <a:rPr lang="it-IT" sz="1400" b="1" kern="1200" dirty="0"/>
-            <a:t>API REST </a:t>
-          </a:r>
-          <a:endParaRPr lang="en-US" sz="1400" kern="1200" dirty="0"/>
-        </a:p>
-        <a:p>
-          <a:pPr marL="228600" lvl="2" indent="-114300" algn="l" defTabSz="622300">
-            <a:lnSpc>
-              <a:spcPct val="90000"/>
-            </a:lnSpc>
-            <a:spcBef>
-              <a:spcPct val="0"/>
-            </a:spcBef>
-            <a:spcAft>
-              <a:spcPct val="15000"/>
-            </a:spcAft>
-            <a:buFont typeface="Arial" panose="020B0604020202020204" pitchFamily="34" charset="0"/>
-            <a:buChar char="–"/>
-          </a:pPr>
-          <a:r>
-            <a:rPr lang="it-IT" sz="1400" kern="1200"/>
-            <a:t>Endpoint per generazione testo AI (/genera)</a:t>
-          </a:r>
-        </a:p>
-        <a:p>
-          <a:pPr marL="228600" lvl="2" indent="-114300" algn="l" defTabSz="622300">
-            <a:lnSpc>
-              <a:spcPct val="90000"/>
-            </a:lnSpc>
-            <a:spcBef>
-              <a:spcPct val="0"/>
-            </a:spcBef>
-            <a:spcAft>
-              <a:spcPct val="15000"/>
-            </a:spcAft>
-            <a:buFont typeface="Arial" panose="020B0604020202020204" pitchFamily="34" charset="0"/>
-            <a:buChar char="–"/>
-          </a:pPr>
-          <a:r>
-            <a:rPr lang="it-IT" sz="1400" kern="1200" dirty="0"/>
-            <a:t>Gestione documenti: upload, analisi, consultazione</a:t>
-          </a:r>
-        </a:p>
-        <a:p>
-          <a:pPr marL="228600" lvl="2" indent="-114300" algn="l" defTabSz="622300">
-            <a:lnSpc>
-              <a:spcPct val="90000"/>
-            </a:lnSpc>
-            <a:spcBef>
-              <a:spcPct val="0"/>
-            </a:spcBef>
-            <a:spcAft>
-              <a:spcPct val="15000"/>
-            </a:spcAft>
-            <a:buFont typeface="Arial" panose="020B0604020202020204" pitchFamily="34" charset="0"/>
-            <a:buChar char="–"/>
-          </a:pPr>
-          <a:r>
-            <a:rPr lang="it-IT" sz="1400" kern="1200" dirty="0"/>
-            <a:t>Gestione conversazioni e storico messaggi</a:t>
-          </a:r>
-        </a:p>
-        <a:p>
-          <a:pPr marL="114300" lvl="1" indent="-114300" algn="l" defTabSz="622300">
-            <a:lnSpc>
-              <a:spcPct val="90000"/>
-            </a:lnSpc>
-            <a:spcBef>
-              <a:spcPct val="0"/>
-            </a:spcBef>
-            <a:spcAft>
-              <a:spcPct val="15000"/>
-            </a:spcAft>
-            <a:buFont typeface="Arial" panose="020B0604020202020204" pitchFamily="34" charset="0"/>
-            <a:buNone/>
-          </a:pPr>
-          <a:endParaRPr lang="it-IT" sz="1400" kern="1200" dirty="0"/>
-        </a:p>
-        <a:p>
-          <a:pPr marL="114300" lvl="1" indent="-114300" algn="l" defTabSz="622300">
-            <a:lnSpc>
-              <a:spcPct val="90000"/>
-            </a:lnSpc>
-            <a:spcBef>
-              <a:spcPct val="0"/>
-            </a:spcBef>
-            <a:spcAft>
-              <a:spcPct val="15000"/>
-            </a:spcAft>
-            <a:buFont typeface="Arial" panose="020B0604020202020204" pitchFamily="34" charset="0"/>
-            <a:buChar char="•"/>
-          </a:pPr>
-          <a:r>
-            <a:rPr lang="it-IT" sz="1400" b="1" kern="1200" dirty="0"/>
-            <a:t>Service Pattern</a:t>
-          </a:r>
-        </a:p>
-        <a:p>
-          <a:pPr marL="228600" lvl="2" indent="-114300" algn="l" defTabSz="622300">
-            <a:lnSpc>
-              <a:spcPct val="90000"/>
-            </a:lnSpc>
-            <a:spcBef>
-              <a:spcPct val="0"/>
-            </a:spcBef>
-            <a:spcAft>
-              <a:spcPct val="15000"/>
-            </a:spcAft>
-            <a:buFont typeface="Arial" panose="020B0604020202020204" pitchFamily="34" charset="0"/>
-            <a:buChar char="–"/>
-          </a:pPr>
-          <a:r>
-            <a:rPr lang="it-IT" sz="1400" kern="1200"/>
-            <a:t>AiService: orchestrazione generazione testo con contesto aziendale</a:t>
-          </a:r>
-        </a:p>
-        <a:p>
-          <a:pPr marL="228600" lvl="2" indent="-114300" algn="l" defTabSz="622300">
-            <a:lnSpc>
-              <a:spcPct val="90000"/>
-            </a:lnSpc>
-            <a:spcBef>
-              <a:spcPct val="0"/>
-            </a:spcBef>
-            <a:spcAft>
-              <a:spcPct val="15000"/>
-            </a:spcAft>
-            <a:buFont typeface="Arial" panose="020B0604020202020204" pitchFamily="34" charset="0"/>
-            <a:buChar char="–"/>
-          </a:pPr>
-          <a:r>
-            <a:rPr lang="it-IT" sz="1400" kern="1200"/>
-            <a:t>DocumentAnalysisService: OCR e estrazione dati da PDF/immagini</a:t>
-          </a:r>
-        </a:p>
-        <a:p>
-          <a:pPr marL="228600" lvl="2" indent="-114300" algn="l" defTabSz="622300">
-            <a:lnSpc>
-              <a:spcPct val="90000"/>
-            </a:lnSpc>
-            <a:spcBef>
-              <a:spcPct val="0"/>
-            </a:spcBef>
-            <a:spcAft>
-              <a:spcPct val="15000"/>
-            </a:spcAft>
-            <a:buFont typeface="Arial" panose="020B0604020202020204" pitchFamily="34" charset="0"/>
-            <a:buChar char="–"/>
-          </a:pPr>
-          <a:r>
-            <a:rPr lang="en-US" sz="1400" kern="1200" dirty="0" err="1"/>
-            <a:t>AiTextGenerator</a:t>
-          </a:r>
-          <a:r>
-            <a:rPr lang="en-US" sz="1400" kern="1200" dirty="0"/>
-            <a:t>: adapter per AWS Bedrock SDK</a:t>
-          </a:r>
-          <a:endParaRPr lang="it-IT" sz="1400" kern="1200" dirty="0"/>
-        </a:p>
-        <a:p>
-          <a:pPr marL="114300" lvl="1" indent="-114300" algn="l" defTabSz="622300">
-            <a:lnSpc>
-              <a:spcPct val="90000"/>
-            </a:lnSpc>
-            <a:spcBef>
-              <a:spcPct val="0"/>
-            </a:spcBef>
-            <a:spcAft>
-              <a:spcPct val="15000"/>
-            </a:spcAft>
-            <a:buFont typeface="Arial" panose="020B0604020202020204" pitchFamily="34" charset="0"/>
-            <a:buNone/>
-          </a:pPr>
-          <a:endParaRPr lang="it-IT" sz="1400" kern="1200" dirty="0"/>
-        </a:p>
-        <a:p>
-          <a:pPr marL="114300" lvl="1" indent="-114300" algn="l" defTabSz="622300">
-            <a:lnSpc>
-              <a:spcPct val="90000"/>
-            </a:lnSpc>
-            <a:spcBef>
-              <a:spcPct val="0"/>
-            </a:spcBef>
-            <a:spcAft>
-              <a:spcPct val="15000"/>
-            </a:spcAft>
-            <a:buFont typeface="Arial" panose="020B0604020202020204" pitchFamily="34" charset="0"/>
-            <a:buChar char="•"/>
-          </a:pPr>
-          <a:r>
-            <a:rPr lang="it-IT" sz="1400" b="1" kern="1200" dirty="0"/>
-            <a:t>Active Storage</a:t>
-          </a:r>
-        </a:p>
-        <a:p>
-          <a:pPr marL="228600" lvl="2" indent="-114300" algn="l" defTabSz="622300">
-            <a:lnSpc>
-              <a:spcPct val="90000"/>
-            </a:lnSpc>
-            <a:spcBef>
-              <a:spcPct val="0"/>
-            </a:spcBef>
-            <a:spcAft>
-              <a:spcPct val="15000"/>
-            </a:spcAft>
-            <a:buFont typeface="Arial" panose="020B0604020202020204" pitchFamily="34" charset="0"/>
-            <a:buChar char="–"/>
-          </a:pPr>
-          <a:r>
-            <a:rPr lang="it-IT" sz="1400" kern="1200" dirty="0"/>
-            <a:t>Gestione upload e storage documenti</a:t>
-          </a:r>
-        </a:p>
-      </dsp:txBody>
-      <dsp:txXfrm>
-        <a:off x="0" y="302275"/>
-        <a:ext cx="3764280" cy="4321800"/>
-      </dsp:txXfrm>
-    </dsp:sp>
-    <dsp:sp modelId="{EF67F11A-FCD0-4E59-A23F-17BCC3FB1182}">
-      <dsp:nvSpPr>
-        <dsp:cNvPr id="0" name=""/>
-        <dsp:cNvSpPr/>
-      </dsp:nvSpPr>
-      <dsp:spPr>
-        <a:xfrm>
-          <a:off x="188214" y="95635"/>
-          <a:ext cx="2634996" cy="413280"/>
-        </a:xfrm>
-        <a:prstGeom prst="roundRect">
-          <a:avLst/>
-        </a:prstGeom>
-        <a:gradFill rotWithShape="0">
-          <a:gsLst>
-            <a:gs pos="0">
-              <a:schemeClr val="accent5">
-                <a:hueOff val="0"/>
-                <a:satOff val="0"/>
-                <a:lumOff val="0"/>
-                <a:alphaOff val="0"/>
-                <a:shade val="51000"/>
-                <a:satMod val="130000"/>
-              </a:schemeClr>
-            </a:gs>
-            <a:gs pos="80000">
-              <a:schemeClr val="accent5">
-                <a:hueOff val="0"/>
-                <a:satOff val="0"/>
-                <a:lumOff val="0"/>
-                <a:alphaOff val="0"/>
-                <a:shade val="93000"/>
-                <a:satMod val="130000"/>
-              </a:schemeClr>
-            </a:gs>
-            <a:gs pos="100000">
-              <a:schemeClr val="accent5">
-                <a:hueOff val="0"/>
-                <a:satOff val="0"/>
-                <a:lumOff val="0"/>
-                <a:alphaOff val="0"/>
-                <a:shade val="94000"/>
-                <a:satMod val="135000"/>
-              </a:schemeClr>
-            </a:gs>
-          </a:gsLst>
-          <a:lin ang="16200000" scaled="0"/>
-        </a:gradFill>
-        <a:ln>
-          <a:noFill/>
-        </a:ln>
-        <a:effectLst>
-          <a:outerShdw blurRad="40000" dist="23000" dir="5400000" rotWithShape="0">
-            <a:srgbClr val="000000">
-              <a:alpha val="35000"/>
-            </a:srgbClr>
-          </a:outerShdw>
-        </a:effectLst>
-      </dsp:spPr>
-      <dsp:style>
-        <a:lnRef idx="0">
-          <a:scrgbClr r="0" g="0" b="0"/>
-        </a:lnRef>
-        <a:fillRef idx="3">
-          <a:scrgbClr r="0" g="0" b="0"/>
-        </a:fillRef>
-        <a:effectRef idx="2">
-          <a:scrgbClr r="0" g="0" b="0"/>
-        </a:effectRef>
-        <a:fontRef idx="minor">
-          <a:schemeClr val="lt1"/>
-        </a:fontRef>
-      </dsp:style>
-      <dsp:txBody>
-        <a:bodyPr spcFirstLastPara="0" vert="horz" wrap="square" lIns="99597" tIns="0" rIns="99597" bIns="0" numCol="1" spcCol="1270" anchor="ctr" anchorCtr="0">
-          <a:noAutofit/>
-        </a:bodyPr>
-        <a:lstStyle/>
-        <a:p>
-          <a:pPr marL="0" lvl="0" indent="0" algn="l" defTabSz="622300">
-            <a:lnSpc>
-              <a:spcPct val="90000"/>
-            </a:lnSpc>
-            <a:spcBef>
-              <a:spcPct val="0"/>
-            </a:spcBef>
-            <a:spcAft>
-              <a:spcPct val="35000"/>
-            </a:spcAft>
-            <a:buNone/>
-          </a:pPr>
-          <a:r>
-            <a:rPr lang="it-IT" sz="1400" b="1" kern="1200" dirty="0" err="1"/>
-            <a:t>Backend</a:t>
-          </a:r>
-          <a:r>
-            <a:rPr lang="it-IT" sz="1400" b="1" kern="1200" dirty="0"/>
-            <a:t> - Ruby on </a:t>
-          </a:r>
-          <a:r>
-            <a:rPr lang="it-IT" sz="1400" b="1" kern="1200" dirty="0" err="1"/>
-            <a:t>Rails</a:t>
-          </a:r>
-          <a:endParaRPr lang="en-US" sz="1400" kern="1200" dirty="0"/>
-        </a:p>
-      </dsp:txBody>
-      <dsp:txXfrm>
-        <a:off x="208389" y="115810"/>
-        <a:ext cx="2594646" cy="372930"/>
-      </dsp:txXfrm>
-    </dsp:sp>
-  </dsp:spTree>
-</dsp:drawing>
-</file>
-
-<file path=ppt/diagrams/drawing4.xml><?xml version="1.0" encoding="utf-8"?>
-<dsp:drawing xmlns:dgm="http://schemas.openxmlformats.org/drawingml/2006/diagram" xmlns:dsp="http://schemas.microsoft.com/office/drawing/2008/diagram" xmlns:a="http://schemas.openxmlformats.org/drawingml/2006/main">
-  <dsp:spTree>
-    <dsp:nvGrpSpPr>
-      <dsp:cNvPr id="0" name=""/>
-      <dsp:cNvGrpSpPr/>
-    </dsp:nvGrpSpPr>
-    <dsp:grpSpPr/>
-    <dsp:sp modelId="{8A748C3E-CE62-4E92-A0FE-1F5548AC9D02}">
-      <dsp:nvSpPr>
-        <dsp:cNvPr id="0" name=""/>
-        <dsp:cNvSpPr/>
-      </dsp:nvSpPr>
-      <dsp:spPr>
-        <a:xfrm>
-          <a:off x="0" y="398819"/>
-          <a:ext cx="3733800" cy="4057200"/>
-        </a:xfrm>
-        <a:prstGeom prst="rect">
-          <a:avLst/>
-        </a:prstGeom>
-        <a:solidFill>
-          <a:srgbClr val="FFFAEF">
-            <a:alpha val="90000"/>
-          </a:srgbClr>
-        </a:solidFill>
-        <a:ln w="9525" cap="flat" cmpd="sng" algn="ctr">
-          <a:solidFill>
-            <a:schemeClr val="accent5">
-              <a:hueOff val="0"/>
-              <a:satOff val="0"/>
-              <a:lumOff val="0"/>
-              <a:alphaOff val="0"/>
-            </a:schemeClr>
-          </a:solidFill>
-          <a:prstDash val="solid"/>
-        </a:ln>
-        <a:effectLst/>
-      </dsp:spPr>
-      <dsp:style>
-        <a:lnRef idx="1">
-          <a:scrgbClr r="0" g="0" b="0"/>
-        </a:lnRef>
-        <a:fillRef idx="1">
-          <a:scrgbClr r="0" g="0" b="0"/>
-        </a:fillRef>
-        <a:effectRef idx="0">
-          <a:scrgbClr r="0" g="0" b="0"/>
-        </a:effectRef>
-        <a:fontRef idx="minor"/>
-      </dsp:style>
-      <dsp:txBody>
-        <a:bodyPr spcFirstLastPara="0" vert="horz" wrap="square" lIns="289784" tIns="291592" rIns="289784" bIns="99568" numCol="1" spcCol="1270" anchor="t" anchorCtr="0">
-          <a:noAutofit/>
-        </a:bodyPr>
-        <a:lstStyle/>
-        <a:p>
-          <a:pPr marL="114300" lvl="1" indent="-114300" algn="l" defTabSz="622300">
-            <a:lnSpc>
-              <a:spcPct val="90000"/>
-            </a:lnSpc>
-            <a:spcBef>
-              <a:spcPct val="0"/>
-            </a:spcBef>
-            <a:spcAft>
-              <a:spcPct val="15000"/>
-            </a:spcAft>
-            <a:buChar char="•"/>
-          </a:pPr>
-          <a:r>
-            <a:rPr lang="it-IT" sz="1400" b="1" kern="1200" dirty="0"/>
-            <a:t>Struttura dati relazionale</a:t>
-          </a:r>
-          <a:endParaRPr lang="en-US" sz="1400" kern="1200" dirty="0"/>
-        </a:p>
-        <a:p>
-          <a:pPr marL="228600" lvl="2" indent="-114300" algn="l" defTabSz="622300">
-            <a:lnSpc>
-              <a:spcPct val="90000"/>
-            </a:lnSpc>
-            <a:spcBef>
-              <a:spcPct val="0"/>
-            </a:spcBef>
-            <a:spcAft>
-              <a:spcPct val="15000"/>
-            </a:spcAft>
-            <a:buFont typeface="Arial" panose="020B0604020202020204" pitchFamily="34" charset="0"/>
-            <a:buChar char="–"/>
-          </a:pPr>
-          <a:r>
-            <a:rPr lang="it-IT" sz="1400" kern="1200"/>
-            <a:t>Company: aziende che utilizzano la piattaforma</a:t>
-          </a:r>
-        </a:p>
-        <a:p>
-          <a:pPr marL="228600" lvl="2" indent="-114300" algn="l" defTabSz="622300">
-            <a:lnSpc>
-              <a:spcPct val="90000"/>
-            </a:lnSpc>
-            <a:spcBef>
-              <a:spcPct val="0"/>
-            </a:spcBef>
-            <a:spcAft>
-              <a:spcPct val="15000"/>
-            </a:spcAft>
-            <a:buFont typeface="Arial" panose="020B0604020202020204" pitchFamily="34" charset="0"/>
-            <a:buChar char="–"/>
-          </a:pPr>
-          <a:r>
-            <a:rPr lang="it-IT" sz="1400" kern="1200" dirty="0" err="1"/>
-            <a:t>Conversation</a:t>
-          </a:r>
-          <a:r>
-            <a:rPr lang="it-IT" sz="1400" kern="1200" dirty="0"/>
-            <a:t> + Message: storico conversazioni AI con contesto</a:t>
-          </a:r>
-        </a:p>
-        <a:p>
-          <a:pPr marL="228600" lvl="2" indent="-114300" algn="l" defTabSz="622300">
-            <a:lnSpc>
-              <a:spcPct val="90000"/>
-            </a:lnSpc>
-            <a:spcBef>
-              <a:spcPct val="0"/>
-            </a:spcBef>
-            <a:spcAft>
-              <a:spcPct val="15000"/>
-            </a:spcAft>
-            <a:buFont typeface="Arial" panose="020B0604020202020204" pitchFamily="34" charset="0"/>
-            <a:buChar char="–"/>
-          </a:pPr>
-          <a:r>
-            <a:rPr lang="it-IT" sz="1400" kern="1200"/>
-            <a:t>Tone: toni comunicativi personalizzati per azienda</a:t>
-          </a:r>
-        </a:p>
-        <a:p>
-          <a:pPr marL="228600" lvl="2" indent="-114300" algn="l" defTabSz="622300">
-            <a:lnSpc>
-              <a:spcPct val="90000"/>
-            </a:lnSpc>
-            <a:spcBef>
-              <a:spcPct val="0"/>
-            </a:spcBef>
-            <a:spcAft>
-              <a:spcPct val="15000"/>
-            </a:spcAft>
-            <a:buFont typeface="Arial" panose="020B0604020202020204" pitchFamily="34" charset="0"/>
-            <a:buChar char="–"/>
-          </a:pPr>
-          <a:r>
-            <a:rPr lang="it-IT" sz="1400" kern="1200" dirty="0" err="1"/>
-            <a:t>Document</a:t>
-          </a:r>
-          <a:r>
-            <a:rPr lang="it-IT" sz="1400" kern="1200" dirty="0"/>
-            <a:t>: metadati documenti con status (</a:t>
-          </a:r>
-          <a:r>
-            <a:rPr lang="it-IT" sz="1400" kern="1200" dirty="0" err="1"/>
-            <a:t>pending</a:t>
-          </a:r>
-          <a:r>
-            <a:rPr lang="it-IT" sz="1400" kern="1200" dirty="0"/>
-            <a:t>/processing/</a:t>
-          </a:r>
-          <a:r>
-            <a:rPr lang="it-IT" sz="1400" kern="1200" dirty="0" err="1"/>
-            <a:t>completed</a:t>
-          </a:r>
-          <a:r>
-            <a:rPr lang="it-IT" sz="1400" kern="1200" dirty="0"/>
-            <a:t>)</a:t>
-          </a:r>
-        </a:p>
-        <a:p>
-          <a:pPr marL="114300" lvl="1" indent="-114300" algn="l" defTabSz="622300">
-            <a:lnSpc>
-              <a:spcPct val="90000"/>
-            </a:lnSpc>
-            <a:spcBef>
-              <a:spcPct val="0"/>
-            </a:spcBef>
-            <a:spcAft>
-              <a:spcPct val="15000"/>
-            </a:spcAft>
-            <a:buFont typeface="Arial" panose="020B0604020202020204" pitchFamily="34" charset="0"/>
-            <a:buNone/>
-          </a:pPr>
-          <a:endParaRPr lang="it-IT" sz="1400" kern="1200" dirty="0"/>
-        </a:p>
-        <a:p>
-          <a:pPr marL="114300" lvl="1" indent="-114300" algn="l" defTabSz="622300">
-            <a:lnSpc>
-              <a:spcPct val="90000"/>
-            </a:lnSpc>
-            <a:spcBef>
-              <a:spcPct val="0"/>
-            </a:spcBef>
-            <a:spcAft>
-              <a:spcPct val="15000"/>
-            </a:spcAft>
-            <a:buFont typeface="Arial" panose="020B0604020202020204" pitchFamily="34" charset="0"/>
-            <a:buChar char="•"/>
-          </a:pPr>
-          <a:r>
-            <a:rPr lang="it-IT" sz="1400" b="1" kern="1200" dirty="0"/>
-            <a:t>Active Record ORM</a:t>
-          </a:r>
-        </a:p>
-        <a:p>
-          <a:pPr marL="228600" lvl="2" indent="-114300" algn="l" defTabSz="622300">
-            <a:lnSpc>
-              <a:spcPct val="90000"/>
-            </a:lnSpc>
-            <a:spcBef>
-              <a:spcPct val="0"/>
-            </a:spcBef>
-            <a:spcAft>
-              <a:spcPct val="15000"/>
-            </a:spcAft>
-            <a:buFont typeface="Arial" panose="020B0604020202020204" pitchFamily="34" charset="0"/>
-            <a:buChar char="–"/>
-          </a:pPr>
-          <a:r>
-            <a:rPr lang="en-US" sz="1400" kern="1200"/>
-            <a:t>Relazioni: Company has_many Documents, Conversations, Tones</a:t>
-          </a:r>
-          <a:endParaRPr lang="it-IT" sz="1400" kern="1200"/>
-        </a:p>
-        <a:p>
-          <a:pPr marL="228600" lvl="2" indent="-114300" algn="l" defTabSz="622300">
-            <a:lnSpc>
-              <a:spcPct val="90000"/>
-            </a:lnSpc>
-            <a:spcBef>
-              <a:spcPct val="0"/>
-            </a:spcBef>
-            <a:spcAft>
-              <a:spcPct val="15000"/>
-            </a:spcAft>
-            <a:buFont typeface="Arial" panose="020B0604020202020204" pitchFamily="34" charset="0"/>
-            <a:buChar char="–"/>
-          </a:pPr>
-          <a:r>
-            <a:rPr lang="en-US" sz="1400" kern="1200"/>
-            <a:t>Validazioni, enum per status, callbacks lifecycle</a:t>
-          </a:r>
-          <a:endParaRPr lang="it-IT" sz="1400" kern="1200"/>
-        </a:p>
-        <a:p>
-          <a:pPr marL="228600" lvl="2" indent="-114300" algn="l" defTabSz="622300">
-            <a:lnSpc>
-              <a:spcPct val="90000"/>
-            </a:lnSpc>
-            <a:spcBef>
-              <a:spcPct val="0"/>
-            </a:spcBef>
-            <a:spcAft>
-              <a:spcPct val="15000"/>
-            </a:spcAft>
-            <a:buFont typeface="Arial" panose="020B0604020202020204" pitchFamily="34" charset="0"/>
-            <a:buChar char="–"/>
-          </a:pPr>
-          <a:r>
-            <a:rPr lang="it-IT" sz="1400" kern="1200" dirty="0"/>
-            <a:t>JSON </a:t>
-          </a:r>
-          <a:r>
-            <a:rPr lang="it-IT" sz="1400" kern="1200" dirty="0" err="1"/>
-            <a:t>column</a:t>
-          </a:r>
-          <a:r>
-            <a:rPr lang="it-IT" sz="1400" kern="1200" dirty="0"/>
-            <a:t> (</a:t>
-          </a:r>
-          <a:r>
-            <a:rPr lang="it-IT" sz="1400" kern="1200" dirty="0" err="1"/>
-            <a:t>ai_data</a:t>
-          </a:r>
-          <a:r>
-            <a:rPr lang="it-IT" sz="1400" kern="1200" dirty="0"/>
-            <a:t>) per salvare dati estratti da </a:t>
-          </a:r>
-          <a:r>
-            <a:rPr lang="it-IT" sz="1400" kern="1200" dirty="0" err="1"/>
-            <a:t>Bedrock</a:t>
-          </a:r>
-          <a:endParaRPr lang="it-IT" sz="1400" kern="1200" dirty="0"/>
-        </a:p>
-      </dsp:txBody>
-      <dsp:txXfrm>
-        <a:off x="0" y="398819"/>
-        <a:ext cx="3733800" cy="4057200"/>
-      </dsp:txXfrm>
-    </dsp:sp>
-    <dsp:sp modelId="{EF67F11A-FCD0-4E59-A23F-17BCC3FB1182}">
-      <dsp:nvSpPr>
-        <dsp:cNvPr id="0" name=""/>
-        <dsp:cNvSpPr/>
-      </dsp:nvSpPr>
-      <dsp:spPr>
-        <a:xfrm>
-          <a:off x="186690" y="192179"/>
-          <a:ext cx="2613660" cy="413280"/>
-        </a:xfrm>
-        <a:prstGeom prst="roundRect">
-          <a:avLst/>
-        </a:prstGeom>
-        <a:gradFill rotWithShape="0">
-          <a:gsLst>
-            <a:gs pos="0">
-              <a:schemeClr val="accent5">
-                <a:hueOff val="0"/>
-                <a:satOff val="0"/>
-                <a:lumOff val="0"/>
-                <a:alphaOff val="0"/>
-                <a:shade val="51000"/>
-                <a:satMod val="130000"/>
-              </a:schemeClr>
-            </a:gs>
-            <a:gs pos="80000">
-              <a:schemeClr val="accent5">
-                <a:hueOff val="0"/>
-                <a:satOff val="0"/>
-                <a:lumOff val="0"/>
-                <a:alphaOff val="0"/>
-                <a:shade val="93000"/>
-                <a:satMod val="130000"/>
-              </a:schemeClr>
-            </a:gs>
-            <a:gs pos="100000">
-              <a:schemeClr val="accent5">
-                <a:hueOff val="0"/>
-                <a:satOff val="0"/>
-                <a:lumOff val="0"/>
-                <a:alphaOff val="0"/>
-                <a:shade val="94000"/>
-                <a:satMod val="135000"/>
-              </a:schemeClr>
-            </a:gs>
-          </a:gsLst>
-          <a:lin ang="16200000" scaled="0"/>
-        </a:gradFill>
-        <a:ln>
-          <a:noFill/>
-        </a:ln>
-        <a:effectLst>
-          <a:outerShdw blurRad="40000" dist="23000" dir="5400000" rotWithShape="0">
-            <a:srgbClr val="000000">
-              <a:alpha val="35000"/>
-            </a:srgbClr>
-          </a:outerShdw>
-        </a:effectLst>
-      </dsp:spPr>
-      <dsp:style>
-        <a:lnRef idx="0">
-          <a:scrgbClr r="0" g="0" b="0"/>
-        </a:lnRef>
-        <a:fillRef idx="3">
-          <a:scrgbClr r="0" g="0" b="0"/>
-        </a:fillRef>
-        <a:effectRef idx="2">
-          <a:scrgbClr r="0" g="0" b="0"/>
-        </a:effectRef>
-        <a:fontRef idx="minor">
-          <a:schemeClr val="lt1"/>
-        </a:fontRef>
-      </dsp:style>
-      <dsp:txBody>
-        <a:bodyPr spcFirstLastPara="0" vert="horz" wrap="square" lIns="98790" tIns="0" rIns="98790" bIns="0" numCol="1" spcCol="1270" anchor="ctr" anchorCtr="0">
-          <a:noAutofit/>
-        </a:bodyPr>
-        <a:lstStyle/>
-        <a:p>
-          <a:pPr marL="0" lvl="0" indent="0" algn="l" defTabSz="622300">
-            <a:lnSpc>
-              <a:spcPct val="90000"/>
-            </a:lnSpc>
-            <a:spcBef>
-              <a:spcPct val="0"/>
-            </a:spcBef>
-            <a:spcAft>
-              <a:spcPct val="35000"/>
-            </a:spcAft>
-            <a:buNone/>
-          </a:pPr>
-          <a:r>
-            <a:rPr lang="it-IT" sz="1400" b="1" kern="1200" dirty="0"/>
-            <a:t>Database - </a:t>
-          </a:r>
-          <a:r>
-            <a:rPr lang="it-IT" sz="1400" b="1" kern="1200" dirty="0" err="1"/>
-            <a:t>PostgreSQL</a:t>
-          </a:r>
-          <a:endParaRPr lang="en-US" sz="1400" kern="1200" dirty="0"/>
-        </a:p>
-      </dsp:txBody>
-      <dsp:txXfrm>
-        <a:off x="206865" y="212354"/>
-        <a:ext cx="2573310" cy="372930"/>
       </dsp:txXfrm>
     </dsp:sp>
   </dsp:spTree>
@@ -16722,69 +16722,6 @@
           <a:chExt cx="0" cy="0"/>
         </a:xfrm>
       </p:grpSpPr>
-      <p:graphicFrame>
-        <p:nvGraphicFramePr>
-          <p:cNvPr id="16" name="CasellaDiTesto 13">
-            <a:extLst>
-              <a:ext uri="{FF2B5EF4-FFF2-40B4-BE49-F238E27FC236}">
-                <a16:creationId xmlns:a16="http://schemas.microsoft.com/office/drawing/2014/main" id="{545C235C-5885-BA0A-841B-40F05C77D84B}"/>
-              </a:ext>
-            </a:extLst>
-          </p:cNvPr>
-          <p:cNvGraphicFramePr/>
-          <p:nvPr>
-            <p:extLst>
-              <p:ext uri="{D42A27DB-BD31-4B8C-83A1-F6EECF244321}">
-                <p14:modId xmlns:p14="http://schemas.microsoft.com/office/powerpoint/2010/main" val="2913509662"/>
-              </p:ext>
-            </p:extLst>
-          </p:nvPr>
-        </p:nvGraphicFramePr>
-        <p:xfrm>
-          <a:off x="9017002" y="348445"/>
-          <a:ext cx="4698999" cy="4627440"/>
-        </p:xfrm>
-        <a:graphic>
-          <a:graphicData uri="http://schemas.openxmlformats.org/drawingml/2006/diagram">
-            <dgm:relIds xmlns:dgm="http://schemas.openxmlformats.org/drawingml/2006/diagram" xmlns:r="http://schemas.openxmlformats.org/officeDocument/2006/relationships" r:dm="rId2" r:lo="rId3" r:qs="rId4" r:cs="rId5"/>
-          </a:graphicData>
-        </a:graphic>
-      </p:graphicFrame>
-      <p:pic>
-        <p:nvPicPr>
-          <p:cNvPr id="23" name="Immagine 22">
-            <a:extLst>
-              <a:ext uri="{FF2B5EF4-FFF2-40B4-BE49-F238E27FC236}">
-                <a16:creationId xmlns:a16="http://schemas.microsoft.com/office/drawing/2014/main" id="{7CDE1A81-03BE-E322-F198-D1B0D8760B01}"/>
-              </a:ext>
-            </a:extLst>
-          </p:cNvPr>
-          <p:cNvPicPr>
-            <a:picLocks noChangeAspect="1"/>
-          </p:cNvPicPr>
-          <p:nvPr/>
-        </p:nvPicPr>
-        <p:blipFill>
-          <a:blip r:embed="rId7">
-            <a:extLst>
-              <a:ext uri="{28A0092B-C50C-407E-A947-70E740481C1C}">
-                <a14:useLocalDpi xmlns:a14="http://schemas.microsoft.com/office/drawing/2010/main" val="0"/>
-              </a:ext>
-            </a:extLst>
-          </a:blip>
-          <a:srcRect/>
-          <a:stretch/>
-        </p:blipFill>
-        <p:spPr>
-          <a:xfrm>
-            <a:off x="3048000" y="1155505"/>
-            <a:ext cx="5079999" cy="2667000"/>
-          </a:xfrm>
-          <a:prstGeom prst="rect">
-            <a:avLst/>
-          </a:prstGeom>
-        </p:spPr>
-      </p:pic>
       <p:pic>
         <p:nvPicPr>
           <p:cNvPr id="2" name="Picture 3">
@@ -16800,7 +16737,7 @@
           <p:nvPr/>
         </p:nvPicPr>
         <p:blipFill>
-          <a:blip r:embed="rId8"/>
+          <a:blip r:embed="rId2"/>
           <a:srcRect r="64034" b="46739"/>
           <a:stretch>
             <a:fillRect/>
@@ -16840,7 +16777,7 @@
         </p:xfrm>
         <a:graphic>
           <a:graphicData uri="http://schemas.openxmlformats.org/drawingml/2006/diagram">
-            <dgm:relIds xmlns:dgm="http://schemas.openxmlformats.org/drawingml/2006/diagram" xmlns:r="http://schemas.openxmlformats.org/officeDocument/2006/relationships" r:dm="rId9" r:lo="rId10" r:qs="rId11" r:cs="rId12"/>
+            <dgm:relIds xmlns:dgm="http://schemas.openxmlformats.org/drawingml/2006/diagram" xmlns:r="http://schemas.openxmlformats.org/officeDocument/2006/relationships" r:dm="rId3" r:lo="rId4" r:qs="rId5" r:cs="rId6"/>
           </a:graphicData>
         </a:graphic>
       </p:graphicFrame>
@@ -16859,7 +16796,7 @@
           <p:nvPr/>
         </p:nvPicPr>
         <p:blipFill>
-          <a:blip r:embed="rId14">
+          <a:blip r:embed="rId8">
             <a:extLst>
               <a:ext uri="{28A0092B-C50C-407E-A947-70E740481C1C}">
                 <a14:useLocalDpi xmlns:a14="http://schemas.microsoft.com/office/drawing/2010/main" val="0"/>
@@ -16871,8 +16808,8 @@
         </p:blipFill>
         <p:spPr>
           <a:xfrm>
-            <a:off x="4432408" y="6413306"/>
-            <a:ext cx="2311181" cy="2311181"/>
+            <a:off x="3285892" y="5384605"/>
+            <a:ext cx="3124200" cy="3124200"/>
           </a:xfrm>
           <a:prstGeom prst="rect">
             <a:avLst/>
@@ -16931,7 +16868,7 @@
           <p:nvPr/>
         </p:nvPicPr>
         <p:blipFill>
-          <a:blip r:embed="rId15"/>
+          <a:blip r:embed="rId9"/>
           <a:srcRect l="62989" t="67035"/>
           <a:stretch>
             <a:fillRect/>
@@ -16941,6 +16878,69 @@
           <a:xfrm rot="16200000">
             <a:off x="15009345" y="188445"/>
             <a:ext cx="3468258" cy="3089052"/>
+          </a:xfrm>
+          <a:prstGeom prst="rect">
+            <a:avLst/>
+          </a:prstGeom>
+        </p:spPr>
+      </p:pic>
+      <p:graphicFrame>
+        <p:nvGraphicFramePr>
+          <p:cNvPr id="3" name="CasellaDiTesto 13">
+            <a:extLst>
+              <a:ext uri="{FF2B5EF4-FFF2-40B4-BE49-F238E27FC236}">
+                <a16:creationId xmlns:a16="http://schemas.microsoft.com/office/drawing/2014/main" id="{0DED4B0F-22C3-253F-3825-051DD7972E31}"/>
+              </a:ext>
+            </a:extLst>
+          </p:cNvPr>
+          <p:cNvGraphicFramePr/>
+          <p:nvPr>
+            <p:extLst>
+              <p:ext uri="{D42A27DB-BD31-4B8C-83A1-F6EECF244321}">
+                <p14:modId xmlns:p14="http://schemas.microsoft.com/office/powerpoint/2010/main" val="1672648828"/>
+              </p:ext>
+            </p:extLst>
+          </p:nvPr>
+        </p:nvGraphicFramePr>
+        <p:xfrm>
+          <a:off x="9033979" y="266700"/>
+          <a:ext cx="4682022" cy="4876800"/>
+        </p:xfrm>
+        <a:graphic>
+          <a:graphicData uri="http://schemas.openxmlformats.org/drawingml/2006/diagram">
+            <dgm:relIds xmlns:dgm="http://schemas.openxmlformats.org/drawingml/2006/diagram" xmlns:r="http://schemas.openxmlformats.org/officeDocument/2006/relationships" r:dm="rId10" r:lo="rId11" r:qs="rId12" r:cs="rId13"/>
+          </a:graphicData>
+        </a:graphic>
+      </p:graphicFrame>
+      <p:pic>
+        <p:nvPicPr>
+          <p:cNvPr id="6" name="Immagine 5">
+            <a:extLst>
+              <a:ext uri="{FF2B5EF4-FFF2-40B4-BE49-F238E27FC236}">
+                <a16:creationId xmlns:a16="http://schemas.microsoft.com/office/drawing/2014/main" id="{A737506B-688B-1A18-80D6-2BE3C0E1DF95}"/>
+              </a:ext>
+            </a:extLst>
+          </p:cNvPr>
+          <p:cNvPicPr>
+            <a:picLocks noChangeAspect="1"/>
+          </p:cNvPicPr>
+          <p:nvPr/>
+        </p:nvPicPr>
+        <p:blipFill>
+          <a:blip r:embed="rId15">
+            <a:extLst>
+              <a:ext uri="{28A0092B-C50C-407E-A947-70E740481C1C}">
+                <a14:useLocalDpi xmlns:a14="http://schemas.microsoft.com/office/drawing/2010/main" val="0"/>
+              </a:ext>
+            </a:extLst>
+          </a:blip>
+          <a:srcRect/>
+          <a:stretch/>
+        </p:blipFill>
+        <p:spPr>
+          <a:xfrm>
+            <a:off x="2525436" y="1485900"/>
+            <a:ext cx="4645112" cy="1751433"/>
           </a:xfrm>
           <a:prstGeom prst="rect">
             <a:avLst/>
@@ -16986,69 +16986,6 @@
           <a:chExt cx="0" cy="0"/>
         </a:xfrm>
       </p:grpSpPr>
-      <p:graphicFrame>
-        <p:nvGraphicFramePr>
-          <p:cNvPr id="16" name="CasellaDiTesto 13">
-            <a:extLst>
-              <a:ext uri="{FF2B5EF4-FFF2-40B4-BE49-F238E27FC236}">
-                <a16:creationId xmlns:a16="http://schemas.microsoft.com/office/drawing/2014/main" id="{0DED4B0F-22C3-253F-3825-051DD7972E31}"/>
-              </a:ext>
-            </a:extLst>
-          </p:cNvPr>
-          <p:cNvGraphicFramePr/>
-          <p:nvPr>
-            <p:extLst>
-              <p:ext uri="{D42A27DB-BD31-4B8C-83A1-F6EECF244321}">
-                <p14:modId xmlns:p14="http://schemas.microsoft.com/office/powerpoint/2010/main" val="3853386325"/>
-              </p:ext>
-            </p:extLst>
-          </p:nvPr>
-        </p:nvGraphicFramePr>
-        <p:xfrm>
-          <a:off x="9189720" y="266700"/>
-          <a:ext cx="3764280" cy="4719711"/>
-        </p:xfrm>
-        <a:graphic>
-          <a:graphicData uri="http://schemas.openxmlformats.org/drawingml/2006/diagram">
-            <dgm:relIds xmlns:dgm="http://schemas.openxmlformats.org/drawingml/2006/diagram" xmlns:r="http://schemas.openxmlformats.org/officeDocument/2006/relationships" r:dm="rId2" r:lo="rId3" r:qs="rId4" r:cs="rId5"/>
-          </a:graphicData>
-        </a:graphic>
-      </p:graphicFrame>
-      <p:pic>
-        <p:nvPicPr>
-          <p:cNvPr id="23" name="Immagine 22">
-            <a:extLst>
-              <a:ext uri="{FF2B5EF4-FFF2-40B4-BE49-F238E27FC236}">
-                <a16:creationId xmlns:a16="http://schemas.microsoft.com/office/drawing/2014/main" id="{A737506B-688B-1A18-80D6-2BE3C0E1DF95}"/>
-              </a:ext>
-            </a:extLst>
-          </p:cNvPr>
-          <p:cNvPicPr>
-            <a:picLocks noChangeAspect="1"/>
-          </p:cNvPicPr>
-          <p:nvPr/>
-        </p:nvPicPr>
-        <p:blipFill>
-          <a:blip r:embed="rId7">
-            <a:extLst>
-              <a:ext uri="{28A0092B-C50C-407E-A947-70E740481C1C}">
-                <a14:useLocalDpi xmlns:a14="http://schemas.microsoft.com/office/drawing/2010/main" val="0"/>
-              </a:ext>
-            </a:extLst>
-          </a:blip>
-          <a:srcRect/>
-          <a:stretch/>
-        </p:blipFill>
-        <p:spPr>
-          <a:xfrm>
-            <a:off x="2803572" y="2109375"/>
-            <a:ext cx="3456358" cy="1303215"/>
-          </a:xfrm>
-          <a:prstGeom prst="rect">
-            <a:avLst/>
-          </a:prstGeom>
-        </p:spPr>
-      </p:pic>
       <p:pic>
         <p:nvPicPr>
           <p:cNvPr id="2" name="Picture 3">
@@ -17064,7 +17001,7 @@
           <p:nvPr/>
         </p:nvPicPr>
         <p:blipFill>
-          <a:blip r:embed="rId8"/>
+          <a:blip r:embed="rId2"/>
           <a:srcRect r="64034" b="46739"/>
           <a:stretch>
             <a:fillRect/>
@@ -17093,18 +17030,18 @@
           <p:nvPr>
             <p:extLst>
               <p:ext uri="{D42A27DB-BD31-4B8C-83A1-F6EECF244321}">
-                <p14:modId xmlns:p14="http://schemas.microsoft.com/office/powerpoint/2010/main" val="2014105016"/>
+                <p14:modId xmlns:p14="http://schemas.microsoft.com/office/powerpoint/2010/main" val="2265556566"/>
               </p:ext>
             </p:extLst>
           </p:nvPr>
         </p:nvGraphicFramePr>
         <p:xfrm>
-          <a:off x="9220200" y="5143500"/>
-          <a:ext cx="3733800" cy="4648199"/>
+          <a:off x="9017002" y="5143500"/>
+          <a:ext cx="4698998" cy="4860925"/>
         </p:xfrm>
         <a:graphic>
           <a:graphicData uri="http://schemas.openxmlformats.org/drawingml/2006/diagram">
-            <dgm:relIds xmlns:dgm="http://schemas.openxmlformats.org/drawingml/2006/diagram" xmlns:r="http://schemas.openxmlformats.org/officeDocument/2006/relationships" r:dm="rId9" r:lo="rId10" r:qs="rId11" r:cs="rId12"/>
+            <dgm:relIds xmlns:dgm="http://schemas.openxmlformats.org/drawingml/2006/diagram" xmlns:r="http://schemas.openxmlformats.org/officeDocument/2006/relationships" r:dm="rId3" r:lo="rId4" r:qs="rId5" r:cs="rId6"/>
           </a:graphicData>
         </a:graphic>
       </p:graphicFrame>
@@ -17123,7 +17060,7 @@
           <p:nvPr/>
         </p:nvPicPr>
         <p:blipFill>
-          <a:blip r:embed="rId14">
+          <a:blip r:embed="rId8">
             <a:extLst>
               <a:ext uri="{28A0092B-C50C-407E-A947-70E740481C1C}">
                 <a14:useLocalDpi xmlns:a14="http://schemas.microsoft.com/office/drawing/2010/main" val="0"/>
@@ -17195,7 +17132,7 @@
           <p:nvPr/>
         </p:nvPicPr>
         <p:blipFill>
-          <a:blip r:embed="rId15"/>
+          <a:blip r:embed="rId9"/>
           <a:srcRect l="62989" t="67035"/>
           <a:stretch>
             <a:fillRect/>
@@ -17205,6 +17142,69 @@
           <a:xfrm rot="16200000">
             <a:off x="15009345" y="188445"/>
             <a:ext cx="3468258" cy="3089052"/>
+          </a:xfrm>
+          <a:prstGeom prst="rect">
+            <a:avLst/>
+          </a:prstGeom>
+        </p:spPr>
+      </p:pic>
+      <p:graphicFrame>
+        <p:nvGraphicFramePr>
+          <p:cNvPr id="3" name="CasellaDiTesto 13">
+            <a:extLst>
+              <a:ext uri="{FF2B5EF4-FFF2-40B4-BE49-F238E27FC236}">
+                <a16:creationId xmlns:a16="http://schemas.microsoft.com/office/drawing/2014/main" id="{56331CA3-FBC4-18A2-8C3E-A4C32B5E643B}"/>
+              </a:ext>
+            </a:extLst>
+          </p:cNvPr>
+          <p:cNvGraphicFramePr/>
+          <p:nvPr>
+            <p:extLst>
+              <p:ext uri="{D42A27DB-BD31-4B8C-83A1-F6EECF244321}">
+                <p14:modId xmlns:p14="http://schemas.microsoft.com/office/powerpoint/2010/main" val="1626629464"/>
+              </p:ext>
+            </p:extLst>
+          </p:nvPr>
+        </p:nvGraphicFramePr>
+        <p:xfrm>
+          <a:off x="9017002" y="348445"/>
+          <a:ext cx="4698999" cy="4627440"/>
+        </p:xfrm>
+        <a:graphic>
+          <a:graphicData uri="http://schemas.openxmlformats.org/drawingml/2006/diagram">
+            <dgm:relIds xmlns:dgm="http://schemas.openxmlformats.org/drawingml/2006/diagram" xmlns:r="http://schemas.openxmlformats.org/officeDocument/2006/relationships" r:dm="rId10" r:lo="rId11" r:qs="rId12" r:cs="rId13"/>
+          </a:graphicData>
+        </a:graphic>
+      </p:graphicFrame>
+      <p:pic>
+        <p:nvPicPr>
+          <p:cNvPr id="6" name="Immagine 5">
+            <a:extLst>
+              <a:ext uri="{FF2B5EF4-FFF2-40B4-BE49-F238E27FC236}">
+                <a16:creationId xmlns:a16="http://schemas.microsoft.com/office/drawing/2014/main" id="{4E85F1FC-300F-72D4-5921-6319376B4E29}"/>
+              </a:ext>
+            </a:extLst>
+          </p:cNvPr>
+          <p:cNvPicPr>
+            <a:picLocks noChangeAspect="1"/>
+          </p:cNvPicPr>
+          <p:nvPr/>
+        </p:nvPicPr>
+        <p:blipFill>
+          <a:blip r:embed="rId15">
+            <a:extLst>
+              <a:ext uri="{28A0092B-C50C-407E-A947-70E740481C1C}">
+                <a14:useLocalDpi xmlns:a14="http://schemas.microsoft.com/office/drawing/2010/main" val="0"/>
+              </a:ext>
+            </a:extLst>
+          </a:blip>
+          <a:srcRect/>
+          <a:stretch/>
+        </p:blipFill>
+        <p:spPr>
+          <a:xfrm>
+            <a:off x="2368681" y="1485900"/>
+            <a:ext cx="5079999" cy="2667000"/>
           </a:xfrm>
           <a:prstGeom prst="rect">
             <a:avLst/>

--- a/RTB/TECNOLOGIE/Tecnologie.pptx
+++ b/RTB/TECNOLOGIE/Tecnologie.pptx
@@ -4391,7 +4391,7 @@
       </dgm:t>
     </dgm:pt>
     <dgm:pt modelId="{FB7856FD-14F6-497F-A96F-439DE861ECA4}">
-      <dgm:prSet/>
+      <dgm:prSet custT="1"/>
       <dgm:spPr>
         <a:solidFill>
           <a:srgbClr val="FFFAEF">
@@ -4404,10 +4404,10 @@
         <a:lstStyle/>
         <a:p>
           <a:r>
-            <a:rPr lang="it-IT" b="1" dirty="0"/>
+            <a:rPr lang="it-IT" sz="1800" b="1" dirty="0"/>
             <a:t>Struttura dati relazionale</a:t>
           </a:r>
-          <a:endParaRPr lang="en-US" dirty="0"/>
+          <a:endParaRPr lang="en-US" sz="1800" dirty="0"/>
         </a:p>
       </dgm:t>
     </dgm:pt>
@@ -4434,7 +4434,7 @@
       </dgm:t>
     </dgm:pt>
     <dgm:pt modelId="{52FB12EC-3A86-437D-8162-C9740689D435}">
-      <dgm:prSet/>
+      <dgm:prSet custT="1"/>
       <dgm:spPr/>
       <dgm:t>
         <a:bodyPr/>
@@ -4442,11 +4442,11 @@
         <a:p>
           <a:pPr>
             <a:buFont typeface="Arial" panose="020B0604020202020204" pitchFamily="34" charset="0"/>
-            <a:buChar char="–"/>
+            <a:buChar char="•"/>
           </a:pPr>
           <a:r>
-            <a:rPr lang="it-IT"/>
-            <a:t>Company: aziende che utilizzano la piattaforma</a:t>
+            <a:rPr lang="it-IT" sz="1800" dirty="0"/>
+            <a:t>Gestisce la persistenza di tutti i dati: aziende, conversazioni, toni, rating.</a:t>
           </a:r>
         </a:p>
       </dgm:t>
@@ -4473,152 +4473,8 @@
         </a:p>
       </dgm:t>
     </dgm:pt>
-    <dgm:pt modelId="{408BA750-0FA9-43D6-9570-FC03D29B357C}">
-      <dgm:prSet/>
-      <dgm:spPr/>
-      <dgm:t>
-        <a:bodyPr/>
-        <a:lstStyle/>
-        <a:p>
-          <a:pPr>
-            <a:buFont typeface="Arial" panose="020B0604020202020204" pitchFamily="34" charset="0"/>
-            <a:buChar char="–"/>
-          </a:pPr>
-          <a:r>
-            <a:rPr lang="it-IT" dirty="0" err="1"/>
-            <a:t>Conversation</a:t>
-          </a:r>
-          <a:r>
-            <a:rPr lang="it-IT" dirty="0"/>
-            <a:t> + Message: storico conversazioni AI con contesto</a:t>
-          </a:r>
-        </a:p>
-      </dgm:t>
-    </dgm:pt>
-    <dgm:pt modelId="{F268AC99-4CE0-47BA-9E2A-585B5B0674FA}" type="parTrans" cxnId="{1DD30A87-2D39-4C6A-B397-FBDBFECE6FE7}">
-      <dgm:prSet/>
-      <dgm:spPr/>
-      <dgm:t>
-        <a:bodyPr/>
-        <a:lstStyle/>
-        <a:p>
-          <a:endParaRPr lang="it-IT"/>
-        </a:p>
-      </dgm:t>
-    </dgm:pt>
-    <dgm:pt modelId="{9A3E9596-29FE-48AA-810B-729B79CA1295}" type="sibTrans" cxnId="{1DD30A87-2D39-4C6A-B397-FBDBFECE6FE7}">
-      <dgm:prSet/>
-      <dgm:spPr/>
-      <dgm:t>
-        <a:bodyPr/>
-        <a:lstStyle/>
-        <a:p>
-          <a:endParaRPr lang="it-IT"/>
-        </a:p>
-      </dgm:t>
-    </dgm:pt>
-    <dgm:pt modelId="{5FDB182A-1DEE-44D7-BFED-BBF945EE62CB}">
-      <dgm:prSet/>
-      <dgm:spPr/>
-      <dgm:t>
-        <a:bodyPr/>
-        <a:lstStyle/>
-        <a:p>
-          <a:pPr>
-            <a:buFont typeface="Arial" panose="020B0604020202020204" pitchFamily="34" charset="0"/>
-            <a:buChar char="–"/>
-          </a:pPr>
-          <a:r>
-            <a:rPr lang="it-IT"/>
-            <a:t>Tone: toni comunicativi personalizzati per azienda</a:t>
-          </a:r>
-        </a:p>
-      </dgm:t>
-    </dgm:pt>
-    <dgm:pt modelId="{153A0FBC-C140-4356-8583-2D0BF651200B}" type="parTrans" cxnId="{6BF2D5D0-E18E-4BCB-B6D0-F34ACE3C880C}">
-      <dgm:prSet/>
-      <dgm:spPr/>
-      <dgm:t>
-        <a:bodyPr/>
-        <a:lstStyle/>
-        <a:p>
-          <a:endParaRPr lang="it-IT"/>
-        </a:p>
-      </dgm:t>
-    </dgm:pt>
-    <dgm:pt modelId="{BBA2B99B-BDFA-4A8E-8555-F07CD7C8A06B}" type="sibTrans" cxnId="{6BF2D5D0-E18E-4BCB-B6D0-F34ACE3C880C}">
-      <dgm:prSet/>
-      <dgm:spPr/>
-      <dgm:t>
-        <a:bodyPr/>
-        <a:lstStyle/>
-        <a:p>
-          <a:endParaRPr lang="it-IT"/>
-        </a:p>
-      </dgm:t>
-    </dgm:pt>
-    <dgm:pt modelId="{2002B1BF-C305-46F1-9A72-54F7C946E189}">
-      <dgm:prSet/>
-      <dgm:spPr/>
-      <dgm:t>
-        <a:bodyPr/>
-        <a:lstStyle/>
-        <a:p>
-          <a:pPr>
-            <a:buFont typeface="Arial" panose="020B0604020202020204" pitchFamily="34" charset="0"/>
-            <a:buChar char="–"/>
-          </a:pPr>
-          <a:r>
-            <a:rPr lang="it-IT" dirty="0" err="1"/>
-            <a:t>Document</a:t>
-          </a:r>
-          <a:r>
-            <a:rPr lang="it-IT" dirty="0"/>
-            <a:t>: metadati documenti con status (</a:t>
-          </a:r>
-          <a:r>
-            <a:rPr lang="it-IT" dirty="0" err="1"/>
-            <a:t>pending</a:t>
-          </a:r>
-          <a:r>
-            <a:rPr lang="it-IT" dirty="0"/>
-            <a:t>/processing/</a:t>
-          </a:r>
-          <a:r>
-            <a:rPr lang="it-IT" dirty="0" err="1"/>
-            <a:t>completed</a:t>
-          </a:r>
-          <a:r>
-            <a:rPr lang="it-IT" dirty="0"/>
-            <a:t>)</a:t>
-          </a:r>
-        </a:p>
-      </dgm:t>
-    </dgm:pt>
-    <dgm:pt modelId="{A07200E9-F459-4499-9625-95D6F1E16479}" type="parTrans" cxnId="{24BAC226-2B67-4D2C-AF64-512D2E4C11FC}">
-      <dgm:prSet/>
-      <dgm:spPr/>
-      <dgm:t>
-        <a:bodyPr/>
-        <a:lstStyle/>
-        <a:p>
-          <a:endParaRPr lang="it-IT"/>
-        </a:p>
-      </dgm:t>
-    </dgm:pt>
-    <dgm:pt modelId="{2264891B-C779-4212-854F-6CF8129FC93B}" type="sibTrans" cxnId="{24BAC226-2B67-4D2C-AF64-512D2E4C11FC}">
-      <dgm:prSet/>
-      <dgm:spPr/>
-      <dgm:t>
-        <a:bodyPr/>
-        <a:lstStyle/>
-        <a:p>
-          <a:endParaRPr lang="it-IT"/>
-        </a:p>
-      </dgm:t>
-    </dgm:pt>
     <dgm:pt modelId="{75760154-6F25-4950-89B9-9CF9FC7549C3}">
-      <dgm:prSet/>
+      <dgm:prSet custT="1"/>
       <dgm:spPr/>
       <dgm:t>
         <a:bodyPr/>
@@ -4629,9 +4485,14 @@
             <a:buChar char="•"/>
           </a:pPr>
           <a:r>
-            <a:rPr lang="it-IT" b="1" dirty="0"/>
-            <a:t>Active Record ORM</a:t>
+            <a:rPr lang="it-IT" sz="1800" b="1" dirty="0"/>
+            <a:t>Integrazione con </a:t>
           </a:r>
+          <a:r>
+            <a:rPr lang="it-IT" sz="1800" b="1" dirty="0" err="1"/>
+            <a:t>Rails</a:t>
+          </a:r>
+          <a:endParaRPr lang="it-IT" sz="1800" b="1" dirty="0"/>
         </a:p>
       </dgm:t>
     </dgm:pt>
@@ -4657,151 +4518,8 @@
         </a:p>
       </dgm:t>
     </dgm:pt>
-    <dgm:pt modelId="{5045A031-9788-493D-B27E-67F1986B68B7}">
-      <dgm:prSet/>
-      <dgm:spPr/>
-      <dgm:t>
-        <a:bodyPr/>
-        <a:lstStyle/>
-        <a:p>
-          <a:pPr>
-            <a:buFont typeface="Arial" panose="020B0604020202020204" pitchFamily="34" charset="0"/>
-            <a:buChar char="–"/>
-          </a:pPr>
-          <a:r>
-            <a:rPr lang="en-US"/>
-            <a:t>Relazioni: Company has_many Documents, Conversations, Tones</a:t>
-          </a:r>
-          <a:endParaRPr lang="it-IT"/>
-        </a:p>
-      </dgm:t>
-    </dgm:pt>
-    <dgm:pt modelId="{532C06C4-FE9B-4EAC-B031-20C229257888}" type="parTrans" cxnId="{1FB8C610-6432-4AF1-8C99-B5A34E7E6A85}">
-      <dgm:prSet/>
-      <dgm:spPr/>
-      <dgm:t>
-        <a:bodyPr/>
-        <a:lstStyle/>
-        <a:p>
-          <a:endParaRPr lang="it-IT"/>
-        </a:p>
-      </dgm:t>
-    </dgm:pt>
-    <dgm:pt modelId="{F6E2A9B9-B621-4170-AC4B-AB4079A318BF}" type="sibTrans" cxnId="{1FB8C610-6432-4AF1-8C99-B5A34E7E6A85}">
-      <dgm:prSet/>
-      <dgm:spPr/>
-      <dgm:t>
-        <a:bodyPr/>
-        <a:lstStyle/>
-        <a:p>
-          <a:endParaRPr lang="it-IT"/>
-        </a:p>
-      </dgm:t>
-    </dgm:pt>
-    <dgm:pt modelId="{5C5C5E19-B2D2-468A-A936-7BF37E9F8C73}">
-      <dgm:prSet/>
-      <dgm:spPr/>
-      <dgm:t>
-        <a:bodyPr/>
-        <a:lstStyle/>
-        <a:p>
-          <a:pPr>
-            <a:buFont typeface="Arial" panose="020B0604020202020204" pitchFamily="34" charset="0"/>
-            <a:buChar char="–"/>
-          </a:pPr>
-          <a:r>
-            <a:rPr lang="en-US"/>
-            <a:t>Validazioni, enum per status, callbacks lifecycle</a:t>
-          </a:r>
-          <a:endParaRPr lang="it-IT"/>
-        </a:p>
-      </dgm:t>
-    </dgm:pt>
-    <dgm:pt modelId="{0B004B41-3091-4786-9AE7-32ACED007C14}" type="parTrans" cxnId="{EB7EBDDE-F976-4F14-9E0A-3B6356EDFD93}">
-      <dgm:prSet/>
-      <dgm:spPr/>
-      <dgm:t>
-        <a:bodyPr/>
-        <a:lstStyle/>
-        <a:p>
-          <a:endParaRPr lang="it-IT"/>
-        </a:p>
-      </dgm:t>
-    </dgm:pt>
-    <dgm:pt modelId="{8CC2B502-BCB2-4D1C-AD2F-EFB1F4362593}" type="sibTrans" cxnId="{EB7EBDDE-F976-4F14-9E0A-3B6356EDFD93}">
-      <dgm:prSet/>
-      <dgm:spPr/>
-      <dgm:t>
-        <a:bodyPr/>
-        <a:lstStyle/>
-        <a:p>
-          <a:endParaRPr lang="it-IT"/>
-        </a:p>
-      </dgm:t>
-    </dgm:pt>
-    <dgm:pt modelId="{DBCB3B09-439F-4866-90C4-B949EECCBE4E}">
-      <dgm:prSet/>
-      <dgm:spPr/>
-      <dgm:t>
-        <a:bodyPr/>
-        <a:lstStyle/>
-        <a:p>
-          <a:pPr>
-            <a:buFont typeface="Arial" panose="020B0604020202020204" pitchFamily="34" charset="0"/>
-            <a:buChar char="–"/>
-          </a:pPr>
-          <a:r>
-            <a:rPr lang="it-IT" dirty="0"/>
-            <a:t>JSON </a:t>
-          </a:r>
-          <a:r>
-            <a:rPr lang="it-IT" dirty="0" err="1"/>
-            <a:t>column</a:t>
-          </a:r>
-          <a:r>
-            <a:rPr lang="it-IT" dirty="0"/>
-            <a:t> (</a:t>
-          </a:r>
-          <a:r>
-            <a:rPr lang="it-IT" dirty="0" err="1"/>
-            <a:t>ai_data</a:t>
-          </a:r>
-          <a:r>
-            <a:rPr lang="it-IT" dirty="0"/>
-            <a:t>) per salvare dati estratti da </a:t>
-          </a:r>
-          <a:r>
-            <a:rPr lang="it-IT" dirty="0" err="1"/>
-            <a:t>Bedrock</a:t>
-          </a:r>
-          <a:endParaRPr lang="it-IT" dirty="0"/>
-        </a:p>
-      </dgm:t>
-    </dgm:pt>
-    <dgm:pt modelId="{80A1B53E-2029-490F-B4C5-72C474F8A936}" type="parTrans" cxnId="{DAEA42DE-A81C-41B3-B45C-E0F7E86C2608}">
-      <dgm:prSet/>
-      <dgm:spPr/>
-      <dgm:t>
-        <a:bodyPr/>
-        <a:lstStyle/>
-        <a:p>
-          <a:endParaRPr lang="it-IT"/>
-        </a:p>
-      </dgm:t>
-    </dgm:pt>
-    <dgm:pt modelId="{F8014117-ADF5-4381-A03D-00DBD689B22A}" type="sibTrans" cxnId="{DAEA42DE-A81C-41B3-B45C-E0F7E86C2608}">
-      <dgm:prSet/>
-      <dgm:spPr/>
-      <dgm:t>
-        <a:bodyPr/>
-        <a:lstStyle/>
-        <a:p>
-          <a:endParaRPr lang="it-IT"/>
-        </a:p>
-      </dgm:t>
-    </dgm:pt>
     <dgm:pt modelId="{F8EFD2C1-0F92-46D0-B280-438E38B47423}">
-      <dgm:prSet/>
+      <dgm:prSet custT="1"/>
       <dgm:spPr/>
       <dgm:t>
         <a:bodyPr/>
@@ -4811,7 +4529,7 @@
             <a:buFont typeface="Arial" panose="020B0604020202020204" pitchFamily="34" charset="0"/>
             <a:buNone/>
           </a:pPr>
-          <a:endParaRPr lang="it-IT" dirty="0"/>
+          <a:endParaRPr lang="it-IT" sz="1800" dirty="0"/>
         </a:p>
       </dgm:t>
     </dgm:pt>
@@ -4827,6 +4545,110 @@
       </dgm:t>
     </dgm:pt>
     <dgm:pt modelId="{828438A2-5FC5-45E6-8C87-93FAB1B87F42}" type="sibTrans" cxnId="{9E962512-2E4C-4C3D-BC6E-D709F63F11D8}">
+      <dgm:prSet/>
+      <dgm:spPr/>
+      <dgm:t>
+        <a:bodyPr/>
+        <a:lstStyle/>
+        <a:p>
+          <a:endParaRPr lang="it-IT"/>
+        </a:p>
+      </dgm:t>
+    </dgm:pt>
+    <dgm:pt modelId="{1AE158BC-123A-4312-87AB-611654757C71}">
+      <dgm:prSet custT="1"/>
+      <dgm:spPr/>
+      <dgm:t>
+        <a:bodyPr/>
+        <a:lstStyle/>
+        <a:p>
+          <a:pPr>
+            <a:buFont typeface="Arial" panose="020B0604020202020204" pitchFamily="34" charset="0"/>
+            <a:buChar char="•"/>
+          </a:pPr>
+          <a:r>
+            <a:rPr lang="it-IT" sz="1800" b="0" dirty="0"/>
+            <a:t>Supporto nativo e totale, gestito tramite </a:t>
+          </a:r>
+          <a:r>
+            <a:rPr lang="it-IT" sz="1800" b="0" dirty="0" err="1"/>
+            <a:t>active</a:t>
+          </a:r>
+          <a:r>
+            <a:rPr lang="it-IT" sz="1800" b="0" dirty="0"/>
+            <a:t> record.</a:t>
+          </a:r>
+        </a:p>
+      </dgm:t>
+    </dgm:pt>
+    <dgm:pt modelId="{AE444D96-6588-4AB3-8CAE-05097BB3415A}" type="parTrans" cxnId="{A887CF38-3160-4758-B56F-E017C00FCD3B}">
+      <dgm:prSet/>
+      <dgm:spPr/>
+      <dgm:t>
+        <a:bodyPr/>
+        <a:lstStyle/>
+        <a:p>
+          <a:endParaRPr lang="it-IT"/>
+        </a:p>
+      </dgm:t>
+    </dgm:pt>
+    <dgm:pt modelId="{55296194-9071-4D1E-8E3A-EC674202C296}" type="sibTrans" cxnId="{A887CF38-3160-4758-B56F-E017C00FCD3B}">
+      <dgm:prSet/>
+      <dgm:spPr/>
+      <dgm:t>
+        <a:bodyPr/>
+        <a:lstStyle/>
+        <a:p>
+          <a:endParaRPr lang="it-IT"/>
+        </a:p>
+      </dgm:t>
+    </dgm:pt>
+    <dgm:pt modelId="{05F0E1CD-2C30-4158-B551-6C2571197B38}">
+      <dgm:prSet custT="1"/>
+      <dgm:spPr/>
+      <dgm:t>
+        <a:bodyPr/>
+        <a:lstStyle/>
+        <a:p>
+          <a:pPr>
+            <a:buFont typeface="Arial" panose="020B0604020202020204" pitchFamily="34" charset="0"/>
+            <a:buChar char="•"/>
+          </a:pPr>
+          <a:r>
+            <a:rPr lang="it-IT" sz="1800" b="0" dirty="0"/>
+            <a:t>Separazione ambienti: test, </a:t>
+          </a:r>
+          <a:r>
+            <a:rPr lang="it-IT" sz="1800" b="0" dirty="0" err="1"/>
+            <a:t>dev</a:t>
+          </a:r>
+          <a:r>
+            <a:rPr lang="it-IT" sz="1800" b="0" dirty="0"/>
+            <a:t> e </a:t>
+          </a:r>
+          <a:r>
+            <a:rPr lang="it-IT" sz="1800" b="0" dirty="0" err="1"/>
+            <a:t>prod</a:t>
+          </a:r>
+          <a:r>
+            <a:rPr lang="it-IT" sz="1800" b="0" dirty="0"/>
+            <a:t>.</a:t>
+          </a:r>
+        </a:p>
+      </dgm:t>
+    </dgm:pt>
+    <dgm:pt modelId="{8D1ABA1F-77EA-48EA-90FE-3A76B743B60A}" type="parTrans" cxnId="{E28D0E2B-FCBF-4AC0-A170-E0A94A2A6BEA}">
+      <dgm:prSet/>
+      <dgm:spPr/>
+      <dgm:t>
+        <a:bodyPr/>
+        <a:lstStyle/>
+        <a:p>
+          <a:endParaRPr lang="it-IT"/>
+        </a:p>
+      </dgm:t>
+    </dgm:pt>
+    <dgm:pt modelId="{D578950F-F40C-4A12-AC4A-55F7CECE6C12}" type="sibTrans" cxnId="{E28D0E2B-FCBF-4AC0-A170-E0A94A2A6BEA}">
       <dgm:prSet/>
       <dgm:spPr/>
       <dgm:t>
@@ -4878,35 +4700,27 @@
     </dgm:pt>
   </dgm:ptLst>
   <dgm:cxnLst>
-    <dgm:cxn modelId="{1FB8C610-6432-4AF1-8C99-B5A34E7E6A85}" srcId="{75760154-6F25-4950-89B9-9CF9FC7549C3}" destId="{5045A031-9788-493D-B27E-67F1986B68B7}" srcOrd="0" destOrd="0" parTransId="{532C06C4-FE9B-4EAC-B031-20C229257888}" sibTransId="{F6E2A9B9-B621-4170-AC4B-AB4079A318BF}"/>
-    <dgm:cxn modelId="{CFEBE311-F2F4-48AE-8755-C2D0422F7F96}" type="presOf" srcId="{52FB12EC-3A86-437D-8162-C9740689D435}" destId="{8A748C3E-CE62-4E92-A0FE-1F5548AC9D02}" srcOrd="0" destOrd="1" presId="urn:microsoft.com/office/officeart/2005/8/layout/list1"/>
     <dgm:cxn modelId="{9E962512-2E4C-4C3D-BC6E-D709F63F11D8}" srcId="{EE76E364-6A46-492A-9FD7-63C775ADA808}" destId="{F8EFD2C1-0F92-46D0-B280-438E38B47423}" srcOrd="1" destOrd="0" parTransId="{FDB31F6A-AD14-4850-BBFD-61B0AB66B8D0}" sibTransId="{828438A2-5FC5-45E6-8C87-93FAB1B87F42}"/>
-    <dgm:cxn modelId="{24BAC226-2B67-4D2C-AF64-512D2E4C11FC}" srcId="{FB7856FD-14F6-497F-A96F-439DE861ECA4}" destId="{2002B1BF-C305-46F1-9A72-54F7C946E189}" srcOrd="3" destOrd="0" parTransId="{A07200E9-F459-4499-9625-95D6F1E16479}" sibTransId="{2264891B-C779-4212-854F-6CF8129FC93B}"/>
-    <dgm:cxn modelId="{DBE0AE33-2290-4E80-9BC8-8A42CD542C2A}" type="presOf" srcId="{408BA750-0FA9-43D6-9570-FC03D29B357C}" destId="{8A748C3E-CE62-4E92-A0FE-1F5548AC9D02}" srcOrd="0" destOrd="2" presId="urn:microsoft.com/office/officeart/2005/8/layout/list1"/>
+    <dgm:cxn modelId="{E28D0E2B-FCBF-4AC0-A170-E0A94A2A6BEA}" srcId="{75760154-6F25-4950-89B9-9CF9FC7549C3}" destId="{05F0E1CD-2C30-4158-B551-6C2571197B38}" srcOrd="1" destOrd="0" parTransId="{8D1ABA1F-77EA-48EA-90FE-3A76B743B60A}" sibTransId="{D578950F-F40C-4A12-AC4A-55F7CECE6C12}"/>
+    <dgm:cxn modelId="{0D796F36-EB6F-444C-B549-2A52D132F446}" type="presOf" srcId="{75760154-6F25-4950-89B9-9CF9FC7549C3}" destId="{8A748C3E-CE62-4E92-A0FE-1F5548AC9D02}" srcOrd="0" destOrd="3" presId="urn:microsoft.com/office/officeart/2005/8/layout/list1"/>
+    <dgm:cxn modelId="{A887CF38-3160-4758-B56F-E017C00FCD3B}" srcId="{75760154-6F25-4950-89B9-9CF9FC7549C3}" destId="{1AE158BC-123A-4312-87AB-611654757C71}" srcOrd="0" destOrd="0" parTransId="{AE444D96-6588-4AB3-8CAE-05097BB3415A}" sibTransId="{55296194-9071-4D1E-8E3A-EC674202C296}"/>
     <dgm:cxn modelId="{0C848A3D-3553-4924-8D80-54F69669587F}" type="presOf" srcId="{228ADC0D-83DA-40CE-9EF2-B2A23B2BA12F}" destId="{529C8736-509C-426A-B1AF-D9FE39FB5B28}" srcOrd="0" destOrd="0" presId="urn:microsoft.com/office/officeart/2005/8/layout/list1"/>
-    <dgm:cxn modelId="{8A89695B-86B2-4592-B9C9-6143CA1338E3}" type="presOf" srcId="{5FDB182A-1DEE-44D7-BFED-BBF945EE62CB}" destId="{8A748C3E-CE62-4E92-A0FE-1F5548AC9D02}" srcOrd="0" destOrd="3" presId="urn:microsoft.com/office/officeart/2005/8/layout/list1"/>
-    <dgm:cxn modelId="{EEDAF446-C98D-48BA-A5AC-0923FEB5A3F9}" type="presOf" srcId="{5045A031-9788-493D-B27E-67F1986B68B7}" destId="{8A748C3E-CE62-4E92-A0FE-1F5548AC9D02}" srcOrd="0" destOrd="7" presId="urn:microsoft.com/office/officeart/2005/8/layout/list1"/>
-    <dgm:cxn modelId="{0BC9C054-3597-4B1B-BFC2-AB844C29AAC9}" type="presOf" srcId="{F8EFD2C1-0F92-46D0-B280-438E38B47423}" destId="{8A748C3E-CE62-4E92-A0FE-1F5548AC9D02}" srcOrd="0" destOrd="5" presId="urn:microsoft.com/office/officeart/2005/8/layout/list1"/>
+    <dgm:cxn modelId="{E86BFB77-E54B-4335-99EA-45D4F33F889A}" type="presOf" srcId="{52FB12EC-3A86-437D-8162-C9740689D435}" destId="{8A748C3E-CE62-4E92-A0FE-1F5548AC9D02}" srcOrd="0" destOrd="1" presId="urn:microsoft.com/office/officeart/2005/8/layout/list1"/>
     <dgm:cxn modelId="{F609747B-AE71-4ACA-93A0-5C6C9FA2C6E1}" srcId="{EE76E364-6A46-492A-9FD7-63C775ADA808}" destId="{FB7856FD-14F6-497F-A96F-439DE861ECA4}" srcOrd="0" destOrd="0" parTransId="{B2A71A46-24A2-44C1-B6DD-257439AFBC0A}" sibTransId="{AED585D0-E158-48D1-8037-5DB08D2C892B}"/>
-    <dgm:cxn modelId="{1DD30A87-2D39-4C6A-B397-FBDBFECE6FE7}" srcId="{FB7856FD-14F6-497F-A96F-439DE861ECA4}" destId="{408BA750-0FA9-43D6-9570-FC03D29B357C}" srcOrd="1" destOrd="0" parTransId="{F268AC99-4CE0-47BA-9E2A-585B5B0674FA}" sibTransId="{9A3E9596-29FE-48AA-810B-729B79CA1295}"/>
-    <dgm:cxn modelId="{1F326F96-74B2-4E35-AD0B-367E588DABA4}" type="presOf" srcId="{5C5C5E19-B2D2-468A-A936-7BF37E9F8C73}" destId="{8A748C3E-CE62-4E92-A0FE-1F5548AC9D02}" srcOrd="0" destOrd="8" presId="urn:microsoft.com/office/officeart/2005/8/layout/list1"/>
-    <dgm:cxn modelId="{57E6E7A2-8B84-40E9-A2BC-9F929492C7AC}" type="presOf" srcId="{75760154-6F25-4950-89B9-9CF9FC7549C3}" destId="{8A748C3E-CE62-4E92-A0FE-1F5548AC9D02}" srcOrd="0" destOrd="6" presId="urn:microsoft.com/office/officeart/2005/8/layout/list1"/>
-    <dgm:cxn modelId="{E47CEAC2-60B6-4369-8E67-C27CD02C2B87}" type="presOf" srcId="{2002B1BF-C305-46F1-9A72-54F7C946E189}" destId="{8A748C3E-CE62-4E92-A0FE-1F5548AC9D02}" srcOrd="0" destOrd="4" presId="urn:microsoft.com/office/officeart/2005/8/layout/list1"/>
-    <dgm:cxn modelId="{6BF2D5D0-E18E-4BCB-B6D0-F34ACE3C880C}" srcId="{FB7856FD-14F6-497F-A96F-439DE861ECA4}" destId="{5FDB182A-1DEE-44D7-BFED-BBF945EE62CB}" srcOrd="2" destOrd="0" parTransId="{153A0FBC-C140-4356-8583-2D0BF651200B}" sibTransId="{BBA2B99B-BDFA-4A8E-8555-F07CD7C8A06B}"/>
-    <dgm:cxn modelId="{DAEA42DE-A81C-41B3-B45C-E0F7E86C2608}" srcId="{75760154-6F25-4950-89B9-9CF9FC7549C3}" destId="{DBCB3B09-439F-4866-90C4-B949EECCBE4E}" srcOrd="2" destOrd="0" parTransId="{80A1B53E-2029-490F-B4C5-72C474F8A936}" sibTransId="{F8014117-ADF5-4381-A03D-00DBD689B22A}"/>
-    <dgm:cxn modelId="{EB7EBDDE-F976-4F14-9E0A-3B6356EDFD93}" srcId="{75760154-6F25-4950-89B9-9CF9FC7549C3}" destId="{5C5C5E19-B2D2-468A-A936-7BF37E9F8C73}" srcOrd="1" destOrd="0" parTransId="{0B004B41-3091-4786-9AE7-32ACED007C14}" sibTransId="{8CC2B502-BCB2-4D1C-AD2F-EFB1F4362593}"/>
+    <dgm:cxn modelId="{26ACEFB1-DD3B-4E6D-853D-97022B2F3A3C}" type="presOf" srcId="{EE76E364-6A46-492A-9FD7-63C775ADA808}" destId="{EF67F11A-FCD0-4E59-A23F-17BCC3FB1182}" srcOrd="1" destOrd="0" presId="urn:microsoft.com/office/officeart/2005/8/layout/list1"/>
+    <dgm:cxn modelId="{2BFBFCCD-3313-4310-BA02-BCD93756A5C0}" type="presOf" srcId="{05F0E1CD-2C30-4158-B551-6C2571197B38}" destId="{8A748C3E-CE62-4E92-A0FE-1F5548AC9D02}" srcOrd="0" destOrd="5" presId="urn:microsoft.com/office/officeart/2005/8/layout/list1"/>
+    <dgm:cxn modelId="{736627DC-1951-4251-B41E-B0401AA3C2FF}" type="presOf" srcId="{EE76E364-6A46-492A-9FD7-63C775ADA808}" destId="{0E75AC4A-956D-493C-A82B-572CF3B1603B}" srcOrd="0" destOrd="0" presId="urn:microsoft.com/office/officeart/2005/8/layout/list1"/>
     <dgm:cxn modelId="{8ADAB9E6-BB3B-4581-9B45-07948A4AEA67}" srcId="{228ADC0D-83DA-40CE-9EF2-B2A23B2BA12F}" destId="{EE76E364-6A46-492A-9FD7-63C775ADA808}" srcOrd="0" destOrd="0" parTransId="{522B9AE2-1358-4DCB-B21B-51AD7A4CC3B6}" sibTransId="{119AEC78-9891-4081-85AD-AAE5114E48ED}"/>
-    <dgm:cxn modelId="{5F8F92EB-50B5-44AD-B1FF-47D707FDF7B2}" type="presOf" srcId="{FB7856FD-14F6-497F-A96F-439DE861ECA4}" destId="{8A748C3E-CE62-4E92-A0FE-1F5548AC9D02}" srcOrd="0" destOrd="0" presId="urn:microsoft.com/office/officeart/2005/8/layout/list1"/>
-    <dgm:cxn modelId="{904D3CEE-C5A1-4473-8793-0292B67E613D}" type="presOf" srcId="{DBCB3B09-439F-4866-90C4-B949EECCBE4E}" destId="{8A748C3E-CE62-4E92-A0FE-1F5548AC9D02}" srcOrd="0" destOrd="9" presId="urn:microsoft.com/office/officeart/2005/8/layout/list1"/>
+    <dgm:cxn modelId="{C44669EC-49C6-4605-A535-20866562287D}" type="presOf" srcId="{FB7856FD-14F6-497F-A96F-439DE861ECA4}" destId="{8A748C3E-CE62-4E92-A0FE-1F5548AC9D02}" srcOrd="0" destOrd="0" presId="urn:microsoft.com/office/officeart/2005/8/layout/list1"/>
+    <dgm:cxn modelId="{9F618FF5-37CA-4B38-8CBD-180A61922656}" type="presOf" srcId="{1AE158BC-123A-4312-87AB-611654757C71}" destId="{8A748C3E-CE62-4E92-A0FE-1F5548AC9D02}" srcOrd="0" destOrd="4" presId="urn:microsoft.com/office/officeart/2005/8/layout/list1"/>
     <dgm:cxn modelId="{7F177BF6-277F-4E29-8254-C721FD18EC32}" srcId="{EE76E364-6A46-492A-9FD7-63C775ADA808}" destId="{75760154-6F25-4950-89B9-9CF9FC7549C3}" srcOrd="2" destOrd="0" parTransId="{7ABD45F0-A301-491F-BECA-4B86819DD71B}" sibTransId="{FFEDCB0D-CF46-46A4-A1C5-D3F854D9C041}"/>
-    <dgm:cxn modelId="{6C348AF7-C2E8-4FA3-9C14-67012269D77B}" type="presOf" srcId="{EE76E364-6A46-492A-9FD7-63C775ADA808}" destId="{EF67F11A-FCD0-4E59-A23F-17BCC3FB1182}" srcOrd="1" destOrd="0" presId="urn:microsoft.com/office/officeart/2005/8/layout/list1"/>
-    <dgm:cxn modelId="{788CE9F8-7388-45A5-8222-B04CD3855CFC}" type="presOf" srcId="{EE76E364-6A46-492A-9FD7-63C775ADA808}" destId="{0E75AC4A-956D-493C-A82B-572CF3B1603B}" srcOrd="0" destOrd="0" presId="urn:microsoft.com/office/officeart/2005/8/layout/list1"/>
+    <dgm:cxn modelId="{74C355F8-2D89-4645-9118-35009AE4CF1E}" type="presOf" srcId="{F8EFD2C1-0F92-46D0-B280-438E38B47423}" destId="{8A748C3E-CE62-4E92-A0FE-1F5548AC9D02}" srcOrd="0" destOrd="2" presId="urn:microsoft.com/office/officeart/2005/8/layout/list1"/>
     <dgm:cxn modelId="{92D0BEFC-E69B-41C3-BB41-D65E08A15A26}" srcId="{FB7856FD-14F6-497F-A96F-439DE861ECA4}" destId="{52FB12EC-3A86-437D-8162-C9740689D435}" srcOrd="0" destOrd="0" parTransId="{71559100-3D32-4A98-B55D-425BAB0E8645}" sibTransId="{A73FFB8C-3675-451A-980A-D2CD36689E30}"/>
-    <dgm:cxn modelId="{CB6F8F2B-A478-4BA2-A44A-534C24A7F190}" type="presParOf" srcId="{529C8736-509C-426A-B1AF-D9FE39FB5B28}" destId="{8BC7EA25-256B-410A-8E19-CC15A19D412A}" srcOrd="0" destOrd="0" presId="urn:microsoft.com/office/officeart/2005/8/layout/list1"/>
-    <dgm:cxn modelId="{BE58CEBB-4F1B-4A04-94DE-6B7B71E004F0}" type="presParOf" srcId="{8BC7EA25-256B-410A-8E19-CC15A19D412A}" destId="{0E75AC4A-956D-493C-A82B-572CF3B1603B}" srcOrd="0" destOrd="0" presId="urn:microsoft.com/office/officeart/2005/8/layout/list1"/>
-    <dgm:cxn modelId="{BB2B70D8-6937-462B-BC87-D942C36A8F52}" type="presParOf" srcId="{8BC7EA25-256B-410A-8E19-CC15A19D412A}" destId="{EF67F11A-FCD0-4E59-A23F-17BCC3FB1182}" srcOrd="1" destOrd="0" presId="urn:microsoft.com/office/officeart/2005/8/layout/list1"/>
-    <dgm:cxn modelId="{0276A569-F1D8-4B2A-9825-33EB0A54231B}" type="presParOf" srcId="{529C8736-509C-426A-B1AF-D9FE39FB5B28}" destId="{E84E3A97-5D14-4C15-B06F-E00215B154CE}" srcOrd="1" destOrd="0" presId="urn:microsoft.com/office/officeart/2005/8/layout/list1"/>
-    <dgm:cxn modelId="{3027F928-B6B9-4AAC-9558-9471D0B98958}" type="presParOf" srcId="{529C8736-509C-426A-B1AF-D9FE39FB5B28}" destId="{8A748C3E-CE62-4E92-A0FE-1F5548AC9D02}" srcOrd="2" destOrd="0" presId="urn:microsoft.com/office/officeart/2005/8/layout/list1"/>
+    <dgm:cxn modelId="{D31F86E7-04FF-4F8B-AC99-A0D5F643ED99}" type="presParOf" srcId="{529C8736-509C-426A-B1AF-D9FE39FB5B28}" destId="{8BC7EA25-256B-410A-8E19-CC15A19D412A}" srcOrd="0" destOrd="0" presId="urn:microsoft.com/office/officeart/2005/8/layout/list1"/>
+    <dgm:cxn modelId="{19883E83-E56D-436F-BE1B-CAEBD2E638AC}" type="presParOf" srcId="{8BC7EA25-256B-410A-8E19-CC15A19D412A}" destId="{0E75AC4A-956D-493C-A82B-572CF3B1603B}" srcOrd="0" destOrd="0" presId="urn:microsoft.com/office/officeart/2005/8/layout/list1"/>
+    <dgm:cxn modelId="{C65B2AAD-E9FC-4B25-9648-437559DEF8B1}" type="presParOf" srcId="{8BC7EA25-256B-410A-8E19-CC15A19D412A}" destId="{EF67F11A-FCD0-4E59-A23F-17BCC3FB1182}" srcOrd="1" destOrd="0" presId="urn:microsoft.com/office/officeart/2005/8/layout/list1"/>
+    <dgm:cxn modelId="{D13CD74D-3809-4C9F-A718-81BB55DC0ABA}" type="presParOf" srcId="{529C8736-509C-426A-B1AF-D9FE39FB5B28}" destId="{E84E3A97-5D14-4C15-B06F-E00215B154CE}" srcOrd="1" destOrd="0" presId="urn:microsoft.com/office/officeart/2005/8/layout/list1"/>
+    <dgm:cxn modelId="{F7C765B3-4E71-4A62-B284-36F513AC8E33}" type="presParOf" srcId="{529C8736-509C-426A-B1AF-D9FE39FB5B28}" destId="{8A748C3E-CE62-4E92-A0FE-1F5548AC9D02}" srcOrd="2" destOrd="0" presId="urn:microsoft.com/office/officeart/2005/8/layout/list1"/>
   </dgm:cxnLst>
   <dgm:bg/>
   <dgm:whole/>
@@ -4933,21 +4747,21 @@
       </dgm:t>
     </dgm:pt>
     <dgm:pt modelId="{EE76E364-6A46-492A-9FD7-63C775ADA808}">
-      <dgm:prSet/>
+      <dgm:prSet custT="1"/>
       <dgm:spPr/>
       <dgm:t>
         <a:bodyPr/>
         <a:lstStyle/>
         <a:p>
           <a:r>
-            <a:rPr lang="it-IT" b="1" dirty="0"/>
+            <a:rPr lang="it-IT" sz="2800" b="1" dirty="0"/>
             <a:t>AWS </a:t>
           </a:r>
           <a:r>
-            <a:rPr lang="it-IT" b="1" dirty="0" err="1"/>
+            <a:rPr lang="it-IT" sz="2800" b="1" dirty="0" err="1"/>
             <a:t>Bedrock</a:t>
           </a:r>
-          <a:endParaRPr lang="en-US" dirty="0"/>
+          <a:endParaRPr lang="en-US" sz="2800" dirty="0"/>
         </a:p>
       </dgm:t>
     </dgm:pt>
@@ -4974,7 +4788,7 @@
       </dgm:t>
     </dgm:pt>
     <dgm:pt modelId="{FB7856FD-14F6-497F-A96F-439DE861ECA4}">
-      <dgm:prSet/>
+      <dgm:prSet custT="1"/>
       <dgm:spPr>
         <a:solidFill>
           <a:srgbClr val="FFFAEF">
@@ -4987,10 +4801,10 @@
         <a:lstStyle/>
         <a:p>
           <a:r>
-            <a:rPr lang="it-IT" dirty="0"/>
-            <a:t>Modello Amazon Nova Lite v1 per generazione testo e OCR</a:t>
+            <a:rPr lang="it-IT" sz="1800" dirty="0"/>
+            <a:t>Modello Amazon Nova Lite v1 per generazione testo e Nova Canvas per generazioni immagini.</a:t>
           </a:r>
-          <a:endParaRPr lang="en-US" dirty="0"/>
+          <a:endParaRPr lang="en-US" sz="1800" dirty="0"/>
         </a:p>
       </dgm:t>
     </dgm:pt>
@@ -5016,50 +4830,8 @@
         </a:p>
       </dgm:t>
     </dgm:pt>
-    <dgm:pt modelId="{2DCD9DDB-175E-4941-A9CC-3968777E9C33}">
-      <dgm:prSet/>
-      <dgm:spPr>
-        <a:solidFill>
-          <a:srgbClr val="FFFAEF">
-            <a:alpha val="90000"/>
-          </a:srgbClr>
-        </a:solidFill>
-      </dgm:spPr>
-      <dgm:t>
-        <a:bodyPr/>
-        <a:lstStyle/>
-        <a:p>
-          <a:pPr>
-            <a:buNone/>
-          </a:pPr>
-          <a:endParaRPr lang="en-US" dirty="0"/>
-        </a:p>
-      </dgm:t>
-    </dgm:pt>
-    <dgm:pt modelId="{A660DBE3-BFC0-4334-BC1B-24BBEAA4886C}" type="sibTrans" cxnId="{45BADC90-1BEB-4E18-8E43-4B5414B02C6A}">
-      <dgm:prSet/>
-      <dgm:spPr/>
-      <dgm:t>
-        <a:bodyPr/>
-        <a:lstStyle/>
-        <a:p>
-          <a:endParaRPr lang="it-IT"/>
-        </a:p>
-      </dgm:t>
-    </dgm:pt>
-    <dgm:pt modelId="{D20D7FDE-0E23-409C-9D26-4E8D3B54159C}" type="parTrans" cxnId="{45BADC90-1BEB-4E18-8E43-4B5414B02C6A}">
-      <dgm:prSet/>
-      <dgm:spPr/>
-      <dgm:t>
-        <a:bodyPr/>
-        <a:lstStyle/>
-        <a:p>
-          <a:endParaRPr lang="it-IT"/>
-        </a:p>
-      </dgm:t>
-    </dgm:pt>
     <dgm:pt modelId="{BA6B229E-3562-42CB-9BDE-9840C2EAABCE}">
-      <dgm:prSet/>
+      <dgm:prSet custT="1"/>
       <dgm:spPr>
         <a:solidFill>
           <a:srgbClr val="FFFAEF">
@@ -5075,10 +4847,10 @@
             <a:buNone/>
           </a:pPr>
           <a:r>
-            <a:rPr lang="it-IT" b="1" dirty="0"/>
+            <a:rPr lang="it-IT" sz="1800" b="1" dirty="0"/>
             <a:t>• AI Assistant Generativo</a:t>
           </a:r>
-          <a:endParaRPr lang="en-US" dirty="0"/>
+          <a:endParaRPr lang="en-US" sz="1800" dirty="0"/>
         </a:p>
       </dgm:t>
     </dgm:pt>
@@ -5104,205 +4876,8 @@
         </a:p>
       </dgm:t>
     </dgm:pt>
-    <dgm:pt modelId="{F15A7613-7F13-47AE-9A9D-531FF89E08C9}">
-      <dgm:prSet/>
-      <dgm:spPr/>
-      <dgm:t>
-        <a:bodyPr/>
-        <a:lstStyle/>
-        <a:p>
-          <a:pPr>
-            <a:buFont typeface="Arial" panose="020B0604020202020204" pitchFamily="34" charset="0"/>
-            <a:buChar char="–"/>
-          </a:pPr>
-          <a:r>
-            <a:rPr lang="it-IT"/>
-            <a:t>Converse API per generazione testo conversazionale</a:t>
-          </a:r>
-        </a:p>
-      </dgm:t>
-    </dgm:pt>
-    <dgm:pt modelId="{0E80079A-E7C8-46D2-BA7D-0810DEEB2641}" type="sibTrans" cxnId="{34B5FE1C-7742-4652-9590-D783F8DC8A91}">
-      <dgm:prSet/>
-      <dgm:spPr/>
-      <dgm:t>
-        <a:bodyPr/>
-        <a:lstStyle/>
-        <a:p>
-          <a:endParaRPr lang="it-IT"/>
-        </a:p>
-      </dgm:t>
-    </dgm:pt>
-    <dgm:pt modelId="{560ADEAD-12A3-42A1-9F06-6A4A9970C65A}" type="parTrans" cxnId="{34B5FE1C-7742-4652-9590-D783F8DC8A91}">
-      <dgm:prSet/>
-      <dgm:spPr/>
-      <dgm:t>
-        <a:bodyPr/>
-        <a:lstStyle/>
-        <a:p>
-          <a:endParaRPr lang="it-IT"/>
-        </a:p>
-      </dgm:t>
-    </dgm:pt>
-    <dgm:pt modelId="{5F703E27-194A-43A3-A380-2A9162B72DC2}">
-      <dgm:prSet/>
-      <dgm:spPr/>
-      <dgm:t>
-        <a:bodyPr/>
-        <a:lstStyle/>
-        <a:p>
-          <a:pPr>
-            <a:buFont typeface="Arial" panose="020B0604020202020204" pitchFamily="34" charset="0"/>
-            <a:buChar char="–"/>
-          </a:pPr>
-          <a:r>
-            <a:rPr lang="it-IT" dirty="0"/>
-            <a:t>System prompt personalizzato con descrizione azienda e tono</a:t>
-          </a:r>
-        </a:p>
-      </dgm:t>
-    </dgm:pt>
-    <dgm:pt modelId="{05CA66E2-1DEC-499C-AE8F-EB8522F352AC}" type="sibTrans" cxnId="{0810B2E6-C343-4CF5-8A38-64BDF85435AE}">
-      <dgm:prSet/>
-      <dgm:spPr/>
-      <dgm:t>
-        <a:bodyPr/>
-        <a:lstStyle/>
-        <a:p>
-          <a:endParaRPr lang="it-IT"/>
-        </a:p>
-      </dgm:t>
-    </dgm:pt>
-    <dgm:pt modelId="{5F8A755E-B426-489F-954E-6CF0608EF997}" type="parTrans" cxnId="{0810B2E6-C343-4CF5-8A38-64BDF85435AE}">
-      <dgm:prSet/>
-      <dgm:spPr/>
-      <dgm:t>
-        <a:bodyPr/>
-        <a:lstStyle/>
-        <a:p>
-          <a:endParaRPr lang="it-IT"/>
-        </a:p>
-      </dgm:t>
-    </dgm:pt>
-    <dgm:pt modelId="{573BEE00-17A1-4930-80DA-675220DF42B6}">
-      <dgm:prSet/>
-      <dgm:spPr/>
-      <dgm:t>
-        <a:bodyPr/>
-        <a:lstStyle/>
-        <a:p>
-          <a:pPr>
-            <a:buFont typeface="Arial" panose="020B0604020202020204" pitchFamily="34" charset="0"/>
-            <a:buChar char="–"/>
-          </a:pPr>
-          <a:r>
-            <a:rPr lang="it-IT"/>
-            <a:t>Mantenimento contesto conversazione multi-turn</a:t>
-          </a:r>
-        </a:p>
-      </dgm:t>
-    </dgm:pt>
-    <dgm:pt modelId="{8904A72F-E509-44A7-9B2E-77549312C72A}" type="sibTrans" cxnId="{35202EAC-5F14-4E39-974C-FC904AF867BE}">
-      <dgm:prSet/>
-      <dgm:spPr/>
-      <dgm:t>
-        <a:bodyPr/>
-        <a:lstStyle/>
-        <a:p>
-          <a:endParaRPr lang="it-IT"/>
-        </a:p>
-      </dgm:t>
-    </dgm:pt>
-    <dgm:pt modelId="{777DB149-DFF9-40F7-8E7B-FA60BEF58FD0}" type="parTrans" cxnId="{35202EAC-5F14-4E39-974C-FC904AF867BE}">
-      <dgm:prSet/>
-      <dgm:spPr/>
-      <dgm:t>
-        <a:bodyPr/>
-        <a:lstStyle/>
-        <a:p>
-          <a:endParaRPr lang="it-IT"/>
-        </a:p>
-      </dgm:t>
-    </dgm:pt>
-    <dgm:pt modelId="{61458097-4C77-42A6-8D32-882C1B18DFCC}">
-      <dgm:prSet/>
-      <dgm:spPr/>
-      <dgm:t>
-        <a:bodyPr/>
-        <a:lstStyle/>
-        <a:p>
-          <a:pPr>
-            <a:buFont typeface="Arial" panose="020B0604020202020204" pitchFamily="34" charset="0"/>
-            <a:buChar char="–"/>
-          </a:pPr>
-          <a:r>
-            <a:rPr lang="it-IT" dirty="0"/>
-            <a:t>Generazione comunicazioni interne</a:t>
-          </a:r>
-        </a:p>
-      </dgm:t>
-    </dgm:pt>
-    <dgm:pt modelId="{050C9686-ED79-41D7-97FE-2F109DE1A019}" type="sibTrans" cxnId="{E65CA12A-36A9-4F19-A445-FD1547CACE82}">
-      <dgm:prSet/>
-      <dgm:spPr/>
-      <dgm:t>
-        <a:bodyPr/>
-        <a:lstStyle/>
-        <a:p>
-          <a:endParaRPr lang="it-IT"/>
-        </a:p>
-      </dgm:t>
-    </dgm:pt>
-    <dgm:pt modelId="{90240338-094A-4F35-9570-F3E3DD0398FC}" type="parTrans" cxnId="{E65CA12A-36A9-4F19-A445-FD1547CACE82}">
-      <dgm:prSet/>
-      <dgm:spPr/>
-      <dgm:t>
-        <a:bodyPr/>
-        <a:lstStyle/>
-        <a:p>
-          <a:endParaRPr lang="it-IT"/>
-        </a:p>
-      </dgm:t>
-    </dgm:pt>
-    <dgm:pt modelId="{1679F55E-D649-48B2-9C4B-76263E62DB87}">
-      <dgm:prSet/>
-      <dgm:spPr/>
-      <dgm:t>
-        <a:bodyPr/>
-        <a:lstStyle/>
-        <a:p>
-          <a:pPr>
-            <a:buFont typeface="Arial" panose="020B0604020202020204" pitchFamily="34" charset="0"/>
-            <a:buNone/>
-          </a:pPr>
-          <a:endParaRPr lang="it-IT" dirty="0"/>
-        </a:p>
-      </dgm:t>
-    </dgm:pt>
-    <dgm:pt modelId="{6D13BF0E-16AE-4192-AED0-F6BE07135CC9}" type="sibTrans" cxnId="{87052C59-8C24-46BF-849D-B24A39398259}">
-      <dgm:prSet/>
-      <dgm:spPr/>
-      <dgm:t>
-        <a:bodyPr/>
-        <a:lstStyle/>
-        <a:p>
-          <a:endParaRPr lang="it-IT"/>
-        </a:p>
-      </dgm:t>
-    </dgm:pt>
-    <dgm:pt modelId="{7D2F7EFB-3D8E-46E8-B901-1AF738F4CE41}" type="parTrans" cxnId="{87052C59-8C24-46BF-849D-B24A39398259}">
-      <dgm:prSet/>
-      <dgm:spPr/>
-      <dgm:t>
-        <a:bodyPr/>
-        <a:lstStyle/>
-        <a:p>
-          <a:endParaRPr lang="it-IT"/>
-        </a:p>
-      </dgm:t>
-    </dgm:pt>
     <dgm:pt modelId="{7316C1D6-5ECD-48F9-B1A0-54E3D68E01A3}">
-      <dgm:prSet/>
+      <dgm:prSet custT="1"/>
       <dgm:spPr/>
       <dgm:t>
         <a:bodyPr/>
@@ -5313,15 +4888,15 @@
             <a:buChar char="•"/>
           </a:pPr>
           <a:r>
-            <a:rPr lang="it-IT" b="1" dirty="0"/>
+            <a:rPr lang="it-IT" sz="1800" b="1" dirty="0"/>
             <a:t>AI Co-Pilot </a:t>
           </a:r>
           <a:r>
-            <a:rPr lang="it-IT" b="1" dirty="0" err="1"/>
+            <a:rPr lang="it-IT" sz="1800" b="1" dirty="0" err="1"/>
             <a:t>Document</a:t>
           </a:r>
           <a:r>
-            <a:rPr lang="it-IT" b="1" dirty="0"/>
+            <a:rPr lang="it-IT" sz="1800" b="1" dirty="0"/>
             <a:t> Analysis</a:t>
           </a:r>
         </a:p>
@@ -5350,7 +4925,7 @@
       </dgm:t>
     </dgm:pt>
     <dgm:pt modelId="{872B9824-DA74-4B40-B6F5-B5162C203468}">
-      <dgm:prSet/>
+      <dgm:prSet custT="1"/>
       <dgm:spPr/>
       <dgm:t>
         <a:bodyPr/>
@@ -5358,11 +4933,11 @@
         <a:p>
           <a:pPr>
             <a:buFont typeface="Arial" panose="020B0604020202020204" pitchFamily="34" charset="0"/>
-            <a:buChar char="–"/>
+            <a:buChar char="•"/>
           </a:pPr>
           <a:r>
-            <a:rPr lang="it-IT"/>
-            <a:t>OCR e analisi documenti (PDF, PNG, JPEG)</a:t>
+            <a:rPr lang="it-IT" sz="1800" dirty="0"/>
+            <a:t>OCR e analisi documenti (PDF, PNG, JPEG).</a:t>
           </a:r>
         </a:p>
       </dgm:t>
@@ -5390,7 +4965,7 @@
       </dgm:t>
     </dgm:pt>
     <dgm:pt modelId="{B89087CC-4968-4D9D-9400-D9BAF44B38F0}">
-      <dgm:prSet/>
+      <dgm:prSet custT="1"/>
       <dgm:spPr/>
       <dgm:t>
         <a:bodyPr/>
@@ -5398,11 +4973,11 @@
         <a:p>
           <a:pPr>
             <a:buFont typeface="Arial" panose="020B0604020202020204" pitchFamily="34" charset="0"/>
-            <a:buChar char="–"/>
+            <a:buChar char="•"/>
           </a:pPr>
           <a:r>
-            <a:rPr lang="it-IT"/>
-            <a:t>Estrazione dati strutturati: tipo documento, dipendente, importo, date</a:t>
+            <a:rPr lang="it-IT" sz="1800" dirty="0"/>
+            <a:t>Estrazione dati strutturati: tipo documento, dipendente, importo, date.</a:t>
           </a:r>
         </a:p>
       </dgm:t>
@@ -5430,7 +5005,7 @@
       </dgm:t>
     </dgm:pt>
     <dgm:pt modelId="{343EF0D1-E565-4655-813A-A0BAB2E4951B}">
-      <dgm:prSet/>
+      <dgm:prSet custT="1"/>
       <dgm:spPr/>
       <dgm:t>
         <a:bodyPr/>
@@ -5438,11 +5013,19 @@
         <a:p>
           <a:pPr>
             <a:buFont typeface="Arial" panose="020B0604020202020204" pitchFamily="34" charset="0"/>
-            <a:buChar char="–"/>
+            <a:buChar char="•"/>
           </a:pPr>
           <a:r>
-            <a:rPr lang="it-IT" dirty="0"/>
-            <a:t>Output JSON validato per split e dispaccio automatico</a:t>
+            <a:rPr lang="it-IT" sz="1800" dirty="0"/>
+            <a:t>Output JSON validato per split e </a:t>
+          </a:r>
+          <a:r>
+            <a:rPr lang="it-IT" sz="1800" dirty="0" err="1"/>
+            <a:t>dispatch</a:t>
+          </a:r>
+          <a:r>
+            <a:rPr lang="it-IT" sz="1800" dirty="0"/>
+            <a:t> automatico.</a:t>
           </a:r>
         </a:p>
       </dgm:t>
@@ -5459,6 +5042,205 @@
       </dgm:t>
     </dgm:pt>
     <dgm:pt modelId="{D1251FCA-F98D-4FEC-AF4C-52B11EB090F8}" type="parTrans" cxnId="{6B7721DA-4E54-4D2F-81FA-FA47A79D03B8}">
+      <dgm:prSet/>
+      <dgm:spPr/>
+      <dgm:t>
+        <a:bodyPr/>
+        <a:lstStyle/>
+        <a:p>
+          <a:endParaRPr lang="it-IT"/>
+        </a:p>
+      </dgm:t>
+    </dgm:pt>
+    <dgm:pt modelId="{573BEE00-17A1-4930-80DA-675220DF42B6}">
+      <dgm:prSet custT="1"/>
+      <dgm:spPr/>
+      <dgm:t>
+        <a:bodyPr/>
+        <a:lstStyle/>
+        <a:p>
+          <a:pPr>
+            <a:buFont typeface="Arial" panose="020B0604020202020204" pitchFamily="34" charset="0"/>
+            <a:buChar char="•"/>
+          </a:pPr>
+          <a:r>
+            <a:rPr lang="it-IT" sz="1800" dirty="0"/>
+            <a:t>Mantenimento contesto conversazione.</a:t>
+          </a:r>
+        </a:p>
+      </dgm:t>
+    </dgm:pt>
+    <dgm:pt modelId="{777DB149-DFF9-40F7-8E7B-FA60BEF58FD0}" type="parTrans" cxnId="{7BA5C224-61D2-4890-A3B7-20170F103859}">
+      <dgm:prSet/>
+      <dgm:spPr/>
+      <dgm:t>
+        <a:bodyPr/>
+        <a:lstStyle/>
+        <a:p>
+          <a:endParaRPr lang="it-IT"/>
+        </a:p>
+      </dgm:t>
+    </dgm:pt>
+    <dgm:pt modelId="{8904A72F-E509-44A7-9B2E-77549312C72A}" type="sibTrans" cxnId="{7BA5C224-61D2-4890-A3B7-20170F103859}">
+      <dgm:prSet/>
+      <dgm:spPr/>
+      <dgm:t>
+        <a:bodyPr/>
+        <a:lstStyle/>
+        <a:p>
+          <a:endParaRPr lang="it-IT"/>
+        </a:p>
+      </dgm:t>
+    </dgm:pt>
+    <dgm:pt modelId="{BEA2152D-C046-4655-A362-CFBC7923FBEE}">
+      <dgm:prSet custT="1"/>
+      <dgm:spPr/>
+      <dgm:t>
+        <a:bodyPr/>
+        <a:lstStyle/>
+        <a:p>
+          <a:pPr>
+            <a:buFont typeface="Arial" panose="020B0604020202020204" pitchFamily="34" charset="0"/>
+            <a:buChar char="•"/>
+          </a:pPr>
+          <a:r>
+            <a:rPr lang="it-IT" sz="1800" dirty="0"/>
+            <a:t>System prompt personalizzato con descrizione azienda e tono.</a:t>
+          </a:r>
+        </a:p>
+      </dgm:t>
+    </dgm:pt>
+    <dgm:pt modelId="{5105DE5A-A1BF-4AC9-B7DC-8BA5EF154459}" type="parTrans" cxnId="{EBACE240-2157-46A5-AC94-A5E7CF0A2397}">
+      <dgm:prSet/>
+      <dgm:spPr/>
+      <dgm:t>
+        <a:bodyPr/>
+        <a:lstStyle/>
+        <a:p>
+          <a:endParaRPr lang="it-IT"/>
+        </a:p>
+      </dgm:t>
+    </dgm:pt>
+    <dgm:pt modelId="{4150E513-D5EA-4711-B8F3-2BDDA3C4AEDC}" type="sibTrans" cxnId="{EBACE240-2157-46A5-AC94-A5E7CF0A2397}">
+      <dgm:prSet/>
+      <dgm:spPr/>
+      <dgm:t>
+        <a:bodyPr/>
+        <a:lstStyle/>
+        <a:p>
+          <a:endParaRPr lang="it-IT"/>
+        </a:p>
+      </dgm:t>
+    </dgm:pt>
+    <dgm:pt modelId="{CD7A91F7-21B7-4274-88A0-616AD89FFB79}">
+      <dgm:prSet custT="1"/>
+      <dgm:spPr/>
+      <dgm:t>
+        <a:bodyPr/>
+        <a:lstStyle/>
+        <a:p>
+          <a:pPr>
+            <a:buFont typeface="Arial" panose="020B0604020202020204" pitchFamily="34" charset="0"/>
+            <a:buChar char="•"/>
+          </a:pPr>
+          <a:r>
+            <a:rPr lang="it-IT" sz="1800" dirty="0"/>
+            <a:t>Generazione comunicazioni interne di immagini e testo.</a:t>
+          </a:r>
+        </a:p>
+      </dgm:t>
+    </dgm:pt>
+    <dgm:pt modelId="{2D0B7347-550A-49F6-99D8-1B08F73BE624}" type="parTrans" cxnId="{5537C720-33D8-4057-AAC9-1347121BD30B}">
+      <dgm:prSet/>
+      <dgm:spPr/>
+      <dgm:t>
+        <a:bodyPr/>
+        <a:lstStyle/>
+        <a:p>
+          <a:endParaRPr lang="it-IT"/>
+        </a:p>
+      </dgm:t>
+    </dgm:pt>
+    <dgm:pt modelId="{2D1EE887-D981-4797-8693-3CF80DDDDA28}" type="sibTrans" cxnId="{5537C720-33D8-4057-AAC9-1347121BD30B}">
+      <dgm:prSet/>
+      <dgm:spPr/>
+      <dgm:t>
+        <a:bodyPr/>
+        <a:lstStyle/>
+        <a:p>
+          <a:endParaRPr lang="it-IT"/>
+        </a:p>
+      </dgm:t>
+    </dgm:pt>
+    <dgm:pt modelId="{DD2A1A6C-F0EF-4D82-935F-7FAE9ECDE1CF}">
+      <dgm:prSet custT="1"/>
+      <dgm:spPr/>
+      <dgm:t>
+        <a:bodyPr/>
+        <a:lstStyle/>
+        <a:p>
+          <a:pPr>
+            <a:buFont typeface="Arial" panose="020B0604020202020204" pitchFamily="34" charset="0"/>
+            <a:buChar char="•"/>
+          </a:pPr>
+          <a:r>
+            <a:rPr lang="it-IT" sz="1800" dirty="0"/>
+            <a:t>Facilità nel cambiare modello usando API-converse.</a:t>
+          </a:r>
+        </a:p>
+      </dgm:t>
+    </dgm:pt>
+    <dgm:pt modelId="{61076ED3-098D-4554-B3B3-FCA2DAB44033}" type="parTrans" cxnId="{5A3DF7AA-DA19-4FF0-BA7C-C4A7DBAC1D15}">
+      <dgm:prSet/>
+      <dgm:spPr/>
+      <dgm:t>
+        <a:bodyPr/>
+        <a:lstStyle/>
+        <a:p>
+          <a:endParaRPr lang="it-IT"/>
+        </a:p>
+      </dgm:t>
+    </dgm:pt>
+    <dgm:pt modelId="{0B729141-53CC-4ED0-8D02-2659E519D0CC}" type="sibTrans" cxnId="{5A3DF7AA-DA19-4FF0-BA7C-C4A7DBAC1D15}">
+      <dgm:prSet/>
+      <dgm:spPr/>
+      <dgm:t>
+        <a:bodyPr/>
+        <a:lstStyle/>
+        <a:p>
+          <a:endParaRPr lang="it-IT"/>
+        </a:p>
+      </dgm:t>
+    </dgm:pt>
+    <dgm:pt modelId="{0628DF13-1EE6-4170-BB06-ACFCED3746DF}">
+      <dgm:prSet custT="1"/>
+      <dgm:spPr>
+        <a:solidFill>
+          <a:srgbClr val="FFFAEF">
+            <a:alpha val="90000"/>
+          </a:srgbClr>
+        </a:solidFill>
+      </dgm:spPr>
+      <dgm:t>
+        <a:bodyPr/>
+        <a:lstStyle/>
+        <a:p>
+          <a:endParaRPr lang="en-US" sz="1800" dirty="0"/>
+        </a:p>
+      </dgm:t>
+    </dgm:pt>
+    <dgm:pt modelId="{A933E876-A9A0-43DB-8592-D03B81E4AC49}" type="parTrans" cxnId="{75D38A8B-90A4-48A0-9023-AD539D3DD23F}">
+      <dgm:prSet/>
+      <dgm:spPr/>
+      <dgm:t>
+        <a:bodyPr/>
+        <a:lstStyle/>
+        <a:p>
+          <a:endParaRPr lang="it-IT"/>
+        </a:p>
+      </dgm:t>
+    </dgm:pt>
+    <dgm:pt modelId="{E2304817-FDF2-4433-AFDF-B07F2740A536}" type="sibTrans" cxnId="{75D38A8B-90A4-48A0-9023-AD539D3DD23F}">
       <dgm:prSet/>
       <dgm:spPr/>
       <dgm:t>
@@ -5488,7 +5270,7 @@
       <dgm:spPr/>
     </dgm:pt>
     <dgm:pt modelId="{EF67F11A-FCD0-4E59-A23F-17BCC3FB1182}" type="pres">
-      <dgm:prSet presAssocID="{EE76E364-6A46-492A-9FD7-63C775ADA808}" presName="parentText" presStyleLbl="node1" presStyleIdx="0" presStyleCnt="1">
+      <dgm:prSet presAssocID="{EE76E364-6A46-492A-9FD7-63C775ADA808}" presName="parentText" presStyleLbl="node1" presStyleIdx="0" presStyleCnt="1" custLinFactNeighborX="-823" custLinFactNeighborY="-39063">
         <dgm:presLayoutVars>
           <dgm:chMax val="0"/>
           <dgm:bulletEnabled val="1"/>
@@ -5510,39 +5292,37 @@
     </dgm:pt>
   </dgm:ptLst>
   <dgm:cxnLst>
-    <dgm:cxn modelId="{2A270F06-6AE0-4AE2-8251-CC80407F0F76}" type="presOf" srcId="{FB7856FD-14F6-497F-A96F-439DE861ECA4}" destId="{8A748C3E-CE62-4E92-A0FE-1F5548AC9D02}" srcOrd="0" destOrd="0" presId="urn:microsoft.com/office/officeart/2005/8/layout/list1"/>
-    <dgm:cxn modelId="{854A3A06-D304-4DF2-804D-CBCD835EE301}" srcId="{EE76E364-6A46-492A-9FD7-63C775ADA808}" destId="{7316C1D6-5ECD-48F9-B1A0-54E3D68E01A3}" srcOrd="4" destOrd="0" parTransId="{91CBBFC0-E109-45E8-AE61-AE718F4BCCE2}" sibTransId="{F262D59A-314C-42C3-882C-D827C4AB90C3}"/>
-    <dgm:cxn modelId="{820B0608-61EF-4448-ACAC-A1FD73EC44C5}" type="presOf" srcId="{EE76E364-6A46-492A-9FD7-63C775ADA808}" destId="{0E75AC4A-956D-493C-A82B-572CF3B1603B}" srcOrd="0" destOrd="0" presId="urn:microsoft.com/office/officeart/2005/8/layout/list1"/>
-    <dgm:cxn modelId="{84456A0F-5AE2-488D-A8D5-EE9F60F6E51F}" type="presOf" srcId="{2DCD9DDB-175E-4941-A9CC-3968777E9C33}" destId="{8A748C3E-CE62-4E92-A0FE-1F5548AC9D02}" srcOrd="0" destOrd="1" presId="urn:microsoft.com/office/officeart/2005/8/layout/list1"/>
-    <dgm:cxn modelId="{34B5FE1C-7742-4652-9590-D783F8DC8A91}" srcId="{BA6B229E-3562-42CB-9BDE-9840C2EAABCE}" destId="{F15A7613-7F13-47AE-9A9D-531FF89E08C9}" srcOrd="0" destOrd="0" parTransId="{560ADEAD-12A3-42A1-9F06-6A4A9970C65A}" sibTransId="{0E80079A-E7C8-46D2-BA7D-0810DEEB2641}"/>
-    <dgm:cxn modelId="{E65CA12A-36A9-4F19-A445-FD1547CACE82}" srcId="{BA6B229E-3562-42CB-9BDE-9840C2EAABCE}" destId="{61458097-4C77-42A6-8D32-882C1B18DFCC}" srcOrd="3" destOrd="0" parTransId="{90240338-094A-4F35-9570-F3E3DD0398FC}" sibTransId="{050C9686-ED79-41D7-97FE-2F109DE1A019}"/>
-    <dgm:cxn modelId="{EC00DE42-10F8-4885-B700-1B3CDE89098C}" type="presOf" srcId="{BA6B229E-3562-42CB-9BDE-9840C2EAABCE}" destId="{8A748C3E-CE62-4E92-A0FE-1F5548AC9D02}" srcOrd="0" destOrd="2" presId="urn:microsoft.com/office/officeart/2005/8/layout/list1"/>
-    <dgm:cxn modelId="{20413846-249F-4E5D-9D7F-CC0E76057FAC}" type="presOf" srcId="{573BEE00-17A1-4930-80DA-675220DF42B6}" destId="{8A748C3E-CE62-4E92-A0FE-1F5548AC9D02}" srcOrd="0" destOrd="5" presId="urn:microsoft.com/office/officeart/2005/8/layout/list1"/>
-    <dgm:cxn modelId="{39637C4A-677F-47CB-825B-D8F1C2923F5C}" type="presOf" srcId="{7316C1D6-5ECD-48F9-B1A0-54E3D68E01A3}" destId="{8A748C3E-CE62-4E92-A0FE-1F5548AC9D02}" srcOrd="0" destOrd="8" presId="urn:microsoft.com/office/officeart/2005/8/layout/list1"/>
+    <dgm:cxn modelId="{854A3A06-D304-4DF2-804D-CBCD835EE301}" srcId="{EE76E364-6A46-492A-9FD7-63C775ADA808}" destId="{7316C1D6-5ECD-48F9-B1A0-54E3D68E01A3}" srcOrd="3" destOrd="0" parTransId="{91CBBFC0-E109-45E8-AE61-AE718F4BCCE2}" sibTransId="{F262D59A-314C-42C3-882C-D827C4AB90C3}"/>
+    <dgm:cxn modelId="{D6B19616-8106-4FE0-A74D-99E25152AF5A}" type="presOf" srcId="{7316C1D6-5ECD-48F9-B1A0-54E3D68E01A3}" destId="{8A748C3E-CE62-4E92-A0FE-1F5548AC9D02}" srcOrd="0" destOrd="7" presId="urn:microsoft.com/office/officeart/2005/8/layout/list1"/>
+    <dgm:cxn modelId="{2B933718-A7CE-4C86-B563-48EC064ABFFB}" type="presOf" srcId="{CD7A91F7-21B7-4274-88A0-616AD89FFB79}" destId="{8A748C3E-CE62-4E92-A0FE-1F5548AC9D02}" srcOrd="0" destOrd="6" presId="urn:microsoft.com/office/officeart/2005/8/layout/list1"/>
+    <dgm:cxn modelId="{5537C720-33D8-4057-AAC9-1347121BD30B}" srcId="{BA6B229E-3562-42CB-9BDE-9840C2EAABCE}" destId="{CD7A91F7-21B7-4274-88A0-616AD89FFB79}" srcOrd="3" destOrd="0" parTransId="{2D0B7347-550A-49F6-99D8-1B08F73BE624}" sibTransId="{2D1EE887-D981-4797-8693-3CF80DDDDA28}"/>
+    <dgm:cxn modelId="{F4AE0721-75F1-45E9-853B-6392EFB32455}" type="presOf" srcId="{0628DF13-1EE6-4170-BB06-ACFCED3746DF}" destId="{8A748C3E-CE62-4E92-A0FE-1F5548AC9D02}" srcOrd="0" destOrd="1" presId="urn:microsoft.com/office/officeart/2005/8/layout/list1"/>
+    <dgm:cxn modelId="{7BA5C224-61D2-4890-A3B7-20170F103859}" srcId="{BA6B229E-3562-42CB-9BDE-9840C2EAABCE}" destId="{573BEE00-17A1-4930-80DA-675220DF42B6}" srcOrd="2" destOrd="0" parTransId="{777DB149-DFF9-40F7-8E7B-FA60BEF58FD0}" sibTransId="{8904A72F-E509-44A7-9B2E-77549312C72A}"/>
+    <dgm:cxn modelId="{0258732E-D1CF-421D-B964-1D8C69E3AAFD}" type="presOf" srcId="{EE76E364-6A46-492A-9FD7-63C775ADA808}" destId="{0E75AC4A-956D-493C-A82B-572CF3B1603B}" srcOrd="0" destOrd="0" presId="urn:microsoft.com/office/officeart/2005/8/layout/list1"/>
+    <dgm:cxn modelId="{EBACE240-2157-46A5-AC94-A5E7CF0A2397}" srcId="{BA6B229E-3562-42CB-9BDE-9840C2EAABCE}" destId="{BEA2152D-C046-4655-A362-CFBC7923FBEE}" srcOrd="0" destOrd="0" parTransId="{5105DE5A-A1BF-4AC9-B7DC-8BA5EF154459}" sibTransId="{4150E513-D5EA-4711-B8F3-2BDDA3C4AEDC}"/>
+    <dgm:cxn modelId="{2EB6B66A-D47B-4F6E-840F-03DF5819B18A}" type="presOf" srcId="{573BEE00-17A1-4930-80DA-675220DF42B6}" destId="{8A748C3E-CE62-4E92-A0FE-1F5548AC9D02}" srcOrd="0" destOrd="5" presId="urn:microsoft.com/office/officeart/2005/8/layout/list1"/>
     <dgm:cxn modelId="{60C19F6E-51D4-469F-8CA2-D99A70A515A1}" srcId="{EE76E364-6A46-492A-9FD7-63C775ADA808}" destId="{BA6B229E-3562-42CB-9BDE-9840C2EAABCE}" srcOrd="2" destOrd="0" parTransId="{70A3C826-6850-42FF-83C7-F9DD4F109BBD}" sibTransId="{90271237-C794-41DF-86D9-A2E26E60317C}"/>
-    <dgm:cxn modelId="{6AA96252-4617-4C08-8FF2-7098BA23B694}" type="presOf" srcId="{1679F55E-D649-48B2-9C4B-76263E62DB87}" destId="{8A748C3E-CE62-4E92-A0FE-1F5548AC9D02}" srcOrd="0" destOrd="7" presId="urn:microsoft.com/office/officeart/2005/8/layout/list1"/>
-    <dgm:cxn modelId="{148AF175-59E1-44CA-B663-939A813C060F}" type="presOf" srcId="{343EF0D1-E565-4655-813A-A0BAB2E4951B}" destId="{8A748C3E-CE62-4E92-A0FE-1F5548AC9D02}" srcOrd="0" destOrd="11" presId="urn:microsoft.com/office/officeart/2005/8/layout/list1"/>
-    <dgm:cxn modelId="{87052C59-8C24-46BF-849D-B24A39398259}" srcId="{EE76E364-6A46-492A-9FD7-63C775ADA808}" destId="{1679F55E-D649-48B2-9C4B-76263E62DB87}" srcOrd="3" destOrd="0" parTransId="{7D2F7EFB-3D8E-46E8-B901-1AF738F4CE41}" sibTransId="{6D13BF0E-16AE-4192-AED0-F6BE07135CC9}"/>
     <dgm:cxn modelId="{F609747B-AE71-4ACA-93A0-5C6C9FA2C6E1}" srcId="{EE76E364-6A46-492A-9FD7-63C775ADA808}" destId="{FB7856FD-14F6-497F-A96F-439DE861ECA4}" srcOrd="0" destOrd="0" parTransId="{B2A71A46-24A2-44C1-B6DD-257439AFBC0A}" sibTransId="{AED585D0-E158-48D1-8037-5DB08D2C892B}"/>
-    <dgm:cxn modelId="{44F1437F-C746-4481-9ADB-1CB2CD734DE5}" type="presOf" srcId="{EE76E364-6A46-492A-9FD7-63C775ADA808}" destId="{EF67F11A-FCD0-4E59-A23F-17BCC3FB1182}" srcOrd="1" destOrd="0" presId="urn:microsoft.com/office/officeart/2005/8/layout/list1"/>
     <dgm:cxn modelId="{F5B37F8A-E7BD-4E4D-ABD3-AEB11F341F98}" srcId="{7316C1D6-5ECD-48F9-B1A0-54E3D68E01A3}" destId="{872B9824-DA74-4B40-B6F5-B5162C203468}" srcOrd="0" destOrd="0" parTransId="{1B568AF4-DEB1-4D63-A26E-5F8644619EDC}" sibTransId="{C84683A7-4B5E-4805-9BF5-AA75C1CD7896}"/>
-    <dgm:cxn modelId="{45BADC90-1BEB-4E18-8E43-4B5414B02C6A}" srcId="{EE76E364-6A46-492A-9FD7-63C775ADA808}" destId="{2DCD9DDB-175E-4941-A9CC-3968777E9C33}" srcOrd="1" destOrd="0" parTransId="{D20D7FDE-0E23-409C-9D26-4E8D3B54159C}" sibTransId="{A660DBE3-BFC0-4334-BC1B-24BBEAA4886C}"/>
-    <dgm:cxn modelId="{D5EDF6A6-8802-4D34-8932-6452933E4646}" type="presOf" srcId="{872B9824-DA74-4B40-B6F5-B5162C203468}" destId="{8A748C3E-CE62-4E92-A0FE-1F5548AC9D02}" srcOrd="0" destOrd="9" presId="urn:microsoft.com/office/officeart/2005/8/layout/list1"/>
+    <dgm:cxn modelId="{75D38A8B-90A4-48A0-9023-AD539D3DD23F}" srcId="{EE76E364-6A46-492A-9FD7-63C775ADA808}" destId="{0628DF13-1EE6-4170-BB06-ACFCED3746DF}" srcOrd="1" destOrd="0" parTransId="{A933E876-A9A0-43DB-8592-D03B81E4AC49}" sibTransId="{E2304817-FDF2-4433-AFDF-B07F2740A536}"/>
     <dgm:cxn modelId="{C2D045A7-F4AF-4A1A-B988-A0484F0B9C95}" srcId="{7316C1D6-5ECD-48F9-B1A0-54E3D68E01A3}" destId="{B89087CC-4968-4D9D-9400-D9BAF44B38F0}" srcOrd="1" destOrd="0" parTransId="{52C65161-EA61-4E7A-81E3-DD54CBB1FBE4}" sibTransId="{63645E5B-424B-4B3F-908E-DAFD032AAE07}"/>
     <dgm:cxn modelId="{88D6E6A7-1062-4D86-9D47-5679D8845B52}" type="presOf" srcId="{228ADC0D-83DA-40CE-9EF2-B2A23B2BA12F}" destId="{529C8736-509C-426A-B1AF-D9FE39FB5B28}" srcOrd="0" destOrd="0" presId="urn:microsoft.com/office/officeart/2005/8/layout/list1"/>
-    <dgm:cxn modelId="{35202EAC-5F14-4E39-974C-FC904AF867BE}" srcId="{BA6B229E-3562-42CB-9BDE-9840C2EAABCE}" destId="{573BEE00-17A1-4930-80DA-675220DF42B6}" srcOrd="2" destOrd="0" parTransId="{777DB149-DFF9-40F7-8E7B-FA60BEF58FD0}" sibTransId="{8904A72F-E509-44A7-9B2E-77549312C72A}"/>
-    <dgm:cxn modelId="{AACD3FB9-8F13-4D26-8A56-879B25B1E89E}" type="presOf" srcId="{B89087CC-4968-4D9D-9400-D9BAF44B38F0}" destId="{8A748C3E-CE62-4E92-A0FE-1F5548AC9D02}" srcOrd="0" destOrd="10" presId="urn:microsoft.com/office/officeart/2005/8/layout/list1"/>
+    <dgm:cxn modelId="{5A3DF7AA-DA19-4FF0-BA7C-C4A7DBAC1D15}" srcId="{BA6B229E-3562-42CB-9BDE-9840C2EAABCE}" destId="{DD2A1A6C-F0EF-4D82-935F-7FAE9ECDE1CF}" srcOrd="1" destOrd="0" parTransId="{61076ED3-098D-4554-B3B3-FCA2DAB44033}" sibTransId="{0B729141-53CC-4ED0-8D02-2659E519D0CC}"/>
+    <dgm:cxn modelId="{214092B1-942B-4ADA-B165-81847842D397}" type="presOf" srcId="{DD2A1A6C-F0EF-4D82-935F-7FAE9ECDE1CF}" destId="{8A748C3E-CE62-4E92-A0FE-1F5548AC9D02}" srcOrd="0" destOrd="4" presId="urn:microsoft.com/office/officeart/2005/8/layout/list1"/>
+    <dgm:cxn modelId="{CD95BCB4-B697-4D00-A3DC-13A17A4E477B}" type="presOf" srcId="{872B9824-DA74-4B40-B6F5-B5162C203468}" destId="{8A748C3E-CE62-4E92-A0FE-1F5548AC9D02}" srcOrd="0" destOrd="8" presId="urn:microsoft.com/office/officeart/2005/8/layout/list1"/>
+    <dgm:cxn modelId="{A87592C6-EE6F-4ACC-B9A5-8FAF6243C283}" type="presOf" srcId="{B89087CC-4968-4D9D-9400-D9BAF44B38F0}" destId="{8A748C3E-CE62-4E92-A0FE-1F5548AC9D02}" srcOrd="0" destOrd="9" presId="urn:microsoft.com/office/officeart/2005/8/layout/list1"/>
+    <dgm:cxn modelId="{F37947CC-2732-4780-8622-117936D02045}" type="presOf" srcId="{BEA2152D-C046-4655-A362-CFBC7923FBEE}" destId="{8A748C3E-CE62-4E92-A0FE-1F5548AC9D02}" srcOrd="0" destOrd="3" presId="urn:microsoft.com/office/officeart/2005/8/layout/list1"/>
+    <dgm:cxn modelId="{793FDACF-BAAB-4111-960F-DD86F291382E}" type="presOf" srcId="{FB7856FD-14F6-497F-A96F-439DE861ECA4}" destId="{8A748C3E-CE62-4E92-A0FE-1F5548AC9D02}" srcOrd="0" destOrd="0" presId="urn:microsoft.com/office/officeart/2005/8/layout/list1"/>
+    <dgm:cxn modelId="{62B3F3D5-63C9-4915-94CA-40BB999D8B6F}" type="presOf" srcId="{EE76E364-6A46-492A-9FD7-63C775ADA808}" destId="{EF67F11A-FCD0-4E59-A23F-17BCC3FB1182}" srcOrd="1" destOrd="0" presId="urn:microsoft.com/office/officeart/2005/8/layout/list1"/>
+    <dgm:cxn modelId="{639E18D9-6803-44BB-85FD-CF7E5963CA54}" type="presOf" srcId="{BA6B229E-3562-42CB-9BDE-9840C2EAABCE}" destId="{8A748C3E-CE62-4E92-A0FE-1F5548AC9D02}" srcOrd="0" destOrd="2" presId="urn:microsoft.com/office/officeart/2005/8/layout/list1"/>
     <dgm:cxn modelId="{6B7721DA-4E54-4D2F-81FA-FA47A79D03B8}" srcId="{7316C1D6-5ECD-48F9-B1A0-54E3D68E01A3}" destId="{343EF0D1-E565-4655-813A-A0BAB2E4951B}" srcOrd="2" destOrd="0" parTransId="{D1251FCA-F98D-4FEC-AF4C-52B11EB090F8}" sibTransId="{A6D716EA-7CDD-4A41-A939-9B7695890F9F}"/>
-    <dgm:cxn modelId="{CD10DCE2-5952-4248-BC38-B732392C23A5}" type="presOf" srcId="{F15A7613-7F13-47AE-9A9D-531FF89E08C9}" destId="{8A748C3E-CE62-4E92-A0FE-1F5548AC9D02}" srcOrd="0" destOrd="3" presId="urn:microsoft.com/office/officeart/2005/8/layout/list1"/>
-    <dgm:cxn modelId="{0810B2E6-C343-4CF5-8A38-64BDF85435AE}" srcId="{BA6B229E-3562-42CB-9BDE-9840C2EAABCE}" destId="{5F703E27-194A-43A3-A380-2A9162B72DC2}" srcOrd="1" destOrd="0" parTransId="{5F8A755E-B426-489F-954E-6CF0608EF997}" sibTransId="{05CA66E2-1DEC-499C-AE8F-EB8522F352AC}"/>
     <dgm:cxn modelId="{8ADAB9E6-BB3B-4581-9B45-07948A4AEA67}" srcId="{228ADC0D-83DA-40CE-9EF2-B2A23B2BA12F}" destId="{EE76E364-6A46-492A-9FD7-63C775ADA808}" srcOrd="0" destOrd="0" parTransId="{522B9AE2-1358-4DCB-B21B-51AD7A4CC3B6}" sibTransId="{119AEC78-9891-4081-85AD-AAE5114E48ED}"/>
-    <dgm:cxn modelId="{0B6FFFEC-36D1-4559-8EF6-AB2121C6B9EF}" type="presOf" srcId="{5F703E27-194A-43A3-A380-2A9162B72DC2}" destId="{8A748C3E-CE62-4E92-A0FE-1F5548AC9D02}" srcOrd="0" destOrd="4" presId="urn:microsoft.com/office/officeart/2005/8/layout/list1"/>
-    <dgm:cxn modelId="{023355FF-EB37-4CA0-9956-B0F7DCAA3F57}" type="presOf" srcId="{61458097-4C77-42A6-8D32-882C1B18DFCC}" destId="{8A748C3E-CE62-4E92-A0FE-1F5548AC9D02}" srcOrd="0" destOrd="6" presId="urn:microsoft.com/office/officeart/2005/8/layout/list1"/>
-    <dgm:cxn modelId="{3DF822E8-82B6-403D-8F70-687BE16F89F8}" type="presParOf" srcId="{529C8736-509C-426A-B1AF-D9FE39FB5B28}" destId="{8BC7EA25-256B-410A-8E19-CC15A19D412A}" srcOrd="0" destOrd="0" presId="urn:microsoft.com/office/officeart/2005/8/layout/list1"/>
-    <dgm:cxn modelId="{B01720AC-BA89-4B9D-8EF6-202BAF999D3A}" type="presParOf" srcId="{8BC7EA25-256B-410A-8E19-CC15A19D412A}" destId="{0E75AC4A-956D-493C-A82B-572CF3B1603B}" srcOrd="0" destOrd="0" presId="urn:microsoft.com/office/officeart/2005/8/layout/list1"/>
-    <dgm:cxn modelId="{1F994049-92C7-4DA1-B7AE-5EB22743947C}" type="presParOf" srcId="{8BC7EA25-256B-410A-8E19-CC15A19D412A}" destId="{EF67F11A-FCD0-4E59-A23F-17BCC3FB1182}" srcOrd="1" destOrd="0" presId="urn:microsoft.com/office/officeart/2005/8/layout/list1"/>
-    <dgm:cxn modelId="{B019D997-1CC2-4B50-91BB-8AD70ECA9F38}" type="presParOf" srcId="{529C8736-509C-426A-B1AF-D9FE39FB5B28}" destId="{E84E3A97-5D14-4C15-B06F-E00215B154CE}" srcOrd="1" destOrd="0" presId="urn:microsoft.com/office/officeart/2005/8/layout/list1"/>
-    <dgm:cxn modelId="{4BD1268F-9F9E-46C2-AD3B-342BE0982D81}" type="presParOf" srcId="{529C8736-509C-426A-B1AF-D9FE39FB5B28}" destId="{8A748C3E-CE62-4E92-A0FE-1F5548AC9D02}" srcOrd="2" destOrd="0" presId="urn:microsoft.com/office/officeart/2005/8/layout/list1"/>
+    <dgm:cxn modelId="{AB1ED4FA-8D38-4D35-9547-EF9814A3E7FC}" type="presOf" srcId="{343EF0D1-E565-4655-813A-A0BAB2E4951B}" destId="{8A748C3E-CE62-4E92-A0FE-1F5548AC9D02}" srcOrd="0" destOrd="10" presId="urn:microsoft.com/office/officeart/2005/8/layout/list1"/>
+    <dgm:cxn modelId="{E6C9B51C-9D9C-4349-8B01-220E16E3E035}" type="presParOf" srcId="{529C8736-509C-426A-B1AF-D9FE39FB5B28}" destId="{8BC7EA25-256B-410A-8E19-CC15A19D412A}" srcOrd="0" destOrd="0" presId="urn:microsoft.com/office/officeart/2005/8/layout/list1"/>
+    <dgm:cxn modelId="{1A8E06A9-881C-438B-AC9E-E5456B8C2A9B}" type="presParOf" srcId="{8BC7EA25-256B-410A-8E19-CC15A19D412A}" destId="{0E75AC4A-956D-493C-A82B-572CF3B1603B}" srcOrd="0" destOrd="0" presId="urn:microsoft.com/office/officeart/2005/8/layout/list1"/>
+    <dgm:cxn modelId="{452DA45A-C2F5-4718-9F26-2EEA5A93C355}" type="presParOf" srcId="{8BC7EA25-256B-410A-8E19-CC15A19D412A}" destId="{EF67F11A-FCD0-4E59-A23F-17BCC3FB1182}" srcOrd="1" destOrd="0" presId="urn:microsoft.com/office/officeart/2005/8/layout/list1"/>
+    <dgm:cxn modelId="{5E5ED27F-2AA5-4494-9356-C17CCA4FB3E7}" type="presParOf" srcId="{529C8736-509C-426A-B1AF-D9FE39FB5B28}" destId="{E84E3A97-5D14-4C15-B06F-E00215B154CE}" srcOrd="1" destOrd="0" presId="urn:microsoft.com/office/officeart/2005/8/layout/list1"/>
+    <dgm:cxn modelId="{A2A9253D-2ECB-4022-A304-26101323D8B2}" type="presParOf" srcId="{529C8736-509C-426A-B1AF-D9FE39FB5B28}" destId="{8A748C3E-CE62-4E92-A0FE-1F5548AC9D02}" srcOrd="2" destOrd="0" presId="urn:microsoft.com/office/officeart/2005/8/layout/list1"/>
   </dgm:cxnLst>
   <dgm:bg/>
   <dgm:whole/>
@@ -6293,8 +6073,8 @@
       </dsp:nvSpPr>
       <dsp:spPr>
         <a:xfrm>
-          <a:off x="0" y="603912"/>
-          <a:ext cx="4698998" cy="3874500"/>
+          <a:off x="0" y="1039962"/>
+          <a:ext cx="4698998" cy="3150000"/>
         </a:xfrm>
         <a:prstGeom prst="rect">
           <a:avLst/>
@@ -6330,12 +6110,12 @@
         <a:fontRef idx="minor"/>
       </dsp:style>
       <dsp:txBody>
-        <a:bodyPr spcFirstLastPara="0" vert="horz" wrap="square" lIns="364694" tIns="312420" rIns="364694" bIns="106680" numCol="1" spcCol="1270" anchor="t" anchorCtr="0">
+        <a:bodyPr spcFirstLastPara="0" vert="horz" wrap="square" lIns="364694" tIns="520700" rIns="364694" bIns="128016" numCol="1" spcCol="1270" anchor="t" anchorCtr="0">
           <a:noAutofit/>
         </a:bodyPr>
         <a:lstStyle/>
         <a:p>
-          <a:pPr marL="114300" lvl="1" indent="-114300" algn="l" defTabSz="666750">
+          <a:pPr marL="171450" lvl="1" indent="-171450" algn="l" defTabSz="800100">
             <a:lnSpc>
               <a:spcPct val="90000"/>
             </a:lnSpc>
@@ -6348,129 +6128,13 @@
             <a:buChar char="•"/>
           </a:pPr>
           <a:r>
-            <a:rPr lang="it-IT" sz="1500" b="1" kern="1200" dirty="0"/>
+            <a:rPr lang="it-IT" sz="1800" b="1" kern="1200" dirty="0"/>
             <a:t>Struttura dati relazionale</a:t>
           </a:r>
-          <a:endParaRPr lang="en-US" sz="1500" kern="1200" dirty="0"/>
+          <a:endParaRPr lang="en-US" sz="1800" kern="1200" dirty="0"/>
         </a:p>
         <a:p>
-          <a:pPr marL="228600" lvl="2" indent="-114300" algn="l" defTabSz="666750">
-            <a:lnSpc>
-              <a:spcPct val="90000"/>
-            </a:lnSpc>
-            <a:spcBef>
-              <a:spcPct val="0"/>
-            </a:spcBef>
-            <a:spcAft>
-              <a:spcPct val="15000"/>
-            </a:spcAft>
-            <a:buFont typeface="Arial" panose="020B0604020202020204" pitchFamily="34" charset="0"/>
-            <a:buChar char="–"/>
-          </a:pPr>
-          <a:r>
-            <a:rPr lang="it-IT" sz="1500" kern="1200"/>
-            <a:t>Company: aziende che utilizzano la piattaforma</a:t>
-          </a:r>
-        </a:p>
-        <a:p>
-          <a:pPr marL="228600" lvl="2" indent="-114300" algn="l" defTabSz="666750">
-            <a:lnSpc>
-              <a:spcPct val="90000"/>
-            </a:lnSpc>
-            <a:spcBef>
-              <a:spcPct val="0"/>
-            </a:spcBef>
-            <a:spcAft>
-              <a:spcPct val="15000"/>
-            </a:spcAft>
-            <a:buFont typeface="Arial" panose="020B0604020202020204" pitchFamily="34" charset="0"/>
-            <a:buChar char="–"/>
-          </a:pPr>
-          <a:r>
-            <a:rPr lang="it-IT" sz="1500" kern="1200" dirty="0" err="1"/>
-            <a:t>Conversation</a:t>
-          </a:r>
-          <a:r>
-            <a:rPr lang="it-IT" sz="1500" kern="1200" dirty="0"/>
-            <a:t> + Message: storico conversazioni AI con contesto</a:t>
-          </a:r>
-        </a:p>
-        <a:p>
-          <a:pPr marL="228600" lvl="2" indent="-114300" algn="l" defTabSz="666750">
-            <a:lnSpc>
-              <a:spcPct val="90000"/>
-            </a:lnSpc>
-            <a:spcBef>
-              <a:spcPct val="0"/>
-            </a:spcBef>
-            <a:spcAft>
-              <a:spcPct val="15000"/>
-            </a:spcAft>
-            <a:buFont typeface="Arial" panose="020B0604020202020204" pitchFamily="34" charset="0"/>
-            <a:buChar char="–"/>
-          </a:pPr>
-          <a:r>
-            <a:rPr lang="it-IT" sz="1500" kern="1200"/>
-            <a:t>Tone: toni comunicativi personalizzati per azienda</a:t>
-          </a:r>
-        </a:p>
-        <a:p>
-          <a:pPr marL="228600" lvl="2" indent="-114300" algn="l" defTabSz="666750">
-            <a:lnSpc>
-              <a:spcPct val="90000"/>
-            </a:lnSpc>
-            <a:spcBef>
-              <a:spcPct val="0"/>
-            </a:spcBef>
-            <a:spcAft>
-              <a:spcPct val="15000"/>
-            </a:spcAft>
-            <a:buFont typeface="Arial" panose="020B0604020202020204" pitchFamily="34" charset="0"/>
-            <a:buChar char="–"/>
-          </a:pPr>
-          <a:r>
-            <a:rPr lang="it-IT" sz="1500" kern="1200" dirty="0" err="1"/>
-            <a:t>Document</a:t>
-          </a:r>
-          <a:r>
-            <a:rPr lang="it-IT" sz="1500" kern="1200" dirty="0"/>
-            <a:t>: metadati documenti con status (</a:t>
-          </a:r>
-          <a:r>
-            <a:rPr lang="it-IT" sz="1500" kern="1200" dirty="0" err="1"/>
-            <a:t>pending</a:t>
-          </a:r>
-          <a:r>
-            <a:rPr lang="it-IT" sz="1500" kern="1200" dirty="0"/>
-            <a:t>/processing/</a:t>
-          </a:r>
-          <a:r>
-            <a:rPr lang="it-IT" sz="1500" kern="1200" dirty="0" err="1"/>
-            <a:t>completed</a:t>
-          </a:r>
-          <a:r>
-            <a:rPr lang="it-IT" sz="1500" kern="1200" dirty="0"/>
-            <a:t>)</a:t>
-          </a:r>
-        </a:p>
-        <a:p>
-          <a:pPr marL="114300" lvl="1" indent="-114300" algn="l" defTabSz="666750">
-            <a:lnSpc>
-              <a:spcPct val="90000"/>
-            </a:lnSpc>
-            <a:spcBef>
-              <a:spcPct val="0"/>
-            </a:spcBef>
-            <a:spcAft>
-              <a:spcPct val="15000"/>
-            </a:spcAft>
-            <a:buFont typeface="Arial" panose="020B0604020202020204" pitchFamily="34" charset="0"/>
-            <a:buNone/>
-          </a:pPr>
-          <a:endParaRPr lang="it-IT" sz="1500" kern="1200" dirty="0"/>
-        </a:p>
-        <a:p>
-          <a:pPr marL="114300" lvl="1" indent="-114300" algn="l" defTabSz="666750">
+          <a:pPr marL="342900" lvl="2" indent="-171450" algn="l" defTabSz="800100">
             <a:lnSpc>
               <a:spcPct val="90000"/>
             </a:lnSpc>
@@ -6484,12 +6148,12 @@
             <a:buChar char="•"/>
           </a:pPr>
           <a:r>
-            <a:rPr lang="it-IT" sz="1500" b="1" kern="1200" dirty="0"/>
-            <a:t>Active Record ORM</a:t>
+            <a:rPr lang="it-IT" sz="1800" kern="1200" dirty="0"/>
+            <a:t>Gestisce la persistenza di tutti i dati: aziende, conversazioni, toni, rating.</a:t>
           </a:r>
         </a:p>
         <a:p>
-          <a:pPr marL="228600" lvl="2" indent="-114300" algn="l" defTabSz="666750">
+          <a:pPr marL="171450" lvl="1" indent="-171450" algn="l" defTabSz="800100">
             <a:lnSpc>
               <a:spcPct val="90000"/>
             </a:lnSpc>
@@ -6500,16 +6164,12 @@
               <a:spcPct val="15000"/>
             </a:spcAft>
             <a:buFont typeface="Arial" panose="020B0604020202020204" pitchFamily="34" charset="0"/>
-            <a:buChar char="–"/>
+            <a:buNone/>
           </a:pPr>
-          <a:r>
-            <a:rPr lang="en-US" sz="1500" kern="1200"/>
-            <a:t>Relazioni: Company has_many Documents, Conversations, Tones</a:t>
-          </a:r>
-          <a:endParaRPr lang="it-IT" sz="1500" kern="1200"/>
+          <a:endParaRPr lang="it-IT" sz="1800" kern="1200" dirty="0"/>
         </a:p>
         <a:p>
-          <a:pPr marL="228600" lvl="2" indent="-114300" algn="l" defTabSz="666750">
+          <a:pPr marL="171450" lvl="1" indent="-171450" algn="l" defTabSz="800100">
             <a:lnSpc>
               <a:spcPct val="90000"/>
             </a:lnSpc>
@@ -6520,16 +6180,20 @@
               <a:spcPct val="15000"/>
             </a:spcAft>
             <a:buFont typeface="Arial" panose="020B0604020202020204" pitchFamily="34" charset="0"/>
-            <a:buChar char="–"/>
+            <a:buChar char="•"/>
           </a:pPr>
           <a:r>
-            <a:rPr lang="en-US" sz="1500" kern="1200"/>
-            <a:t>Validazioni, enum per status, callbacks lifecycle</a:t>
+            <a:rPr lang="it-IT" sz="1800" b="1" kern="1200" dirty="0"/>
+            <a:t>Integrazione con </a:t>
           </a:r>
-          <a:endParaRPr lang="it-IT" sz="1500" kern="1200"/>
+          <a:r>
+            <a:rPr lang="it-IT" sz="1800" b="1" kern="1200" dirty="0" err="1"/>
+            <a:t>Rails</a:t>
+          </a:r>
+          <a:endParaRPr lang="it-IT" sz="1800" b="1" kern="1200" dirty="0"/>
         </a:p>
         <a:p>
-          <a:pPr marL="228600" lvl="2" indent="-114300" algn="l" defTabSz="666750">
+          <a:pPr marL="342900" lvl="2" indent="-171450" algn="l" defTabSz="800100">
             <a:lnSpc>
               <a:spcPct val="90000"/>
             </a:lnSpc>
@@ -6540,38 +6204,60 @@
               <a:spcPct val="15000"/>
             </a:spcAft>
             <a:buFont typeface="Arial" panose="020B0604020202020204" pitchFamily="34" charset="0"/>
-            <a:buChar char="–"/>
+            <a:buChar char="•"/>
           </a:pPr>
           <a:r>
-            <a:rPr lang="it-IT" sz="1500" kern="1200" dirty="0"/>
-            <a:t>JSON </a:t>
+            <a:rPr lang="it-IT" sz="1800" b="0" kern="1200" dirty="0"/>
+            <a:t>Supporto nativo e totale, gestito tramite </a:t>
           </a:r>
           <a:r>
-            <a:rPr lang="it-IT" sz="1500" kern="1200" dirty="0" err="1"/>
-            <a:t>column</a:t>
+            <a:rPr lang="it-IT" sz="1800" b="0" kern="1200" dirty="0" err="1"/>
+            <a:t>active</a:t>
           </a:r>
           <a:r>
-            <a:rPr lang="it-IT" sz="1500" kern="1200" dirty="0"/>
-            <a:t> (</a:t>
+            <a:rPr lang="it-IT" sz="1800" b="0" kern="1200" dirty="0"/>
+            <a:t> record.</a:t>
+          </a:r>
+        </a:p>
+        <a:p>
+          <a:pPr marL="342900" lvl="2" indent="-171450" algn="l" defTabSz="800100">
+            <a:lnSpc>
+              <a:spcPct val="90000"/>
+            </a:lnSpc>
+            <a:spcBef>
+              <a:spcPct val="0"/>
+            </a:spcBef>
+            <a:spcAft>
+              <a:spcPct val="15000"/>
+            </a:spcAft>
+            <a:buFont typeface="Arial" panose="020B0604020202020204" pitchFamily="34" charset="0"/>
+            <a:buChar char="•"/>
+          </a:pPr>
+          <a:r>
+            <a:rPr lang="it-IT" sz="1800" b="0" kern="1200" dirty="0"/>
+            <a:t>Separazione ambienti: test, </a:t>
           </a:r>
           <a:r>
-            <a:rPr lang="it-IT" sz="1500" kern="1200" dirty="0" err="1"/>
-            <a:t>ai_data</a:t>
+            <a:rPr lang="it-IT" sz="1800" b="0" kern="1200" dirty="0" err="1"/>
+            <a:t>dev</a:t>
           </a:r>
           <a:r>
-            <a:rPr lang="it-IT" sz="1500" kern="1200" dirty="0"/>
-            <a:t>) per salvare dati estratti da </a:t>
+            <a:rPr lang="it-IT" sz="1800" b="0" kern="1200" dirty="0"/>
+            <a:t> e </a:t>
           </a:r>
           <a:r>
-            <a:rPr lang="it-IT" sz="1500" kern="1200" dirty="0" err="1"/>
-            <a:t>Bedrock</a:t>
+            <a:rPr lang="it-IT" sz="1800" b="0" kern="1200" dirty="0" err="1"/>
+            <a:t>prod</a:t>
           </a:r>
-          <a:endParaRPr lang="it-IT" sz="1500" kern="1200" dirty="0"/>
+          <a:r>
+            <a:rPr lang="it-IT" sz="1800" b="0" kern="1200" dirty="0"/>
+            <a:t>.</a:t>
+          </a:r>
         </a:p>
       </dsp:txBody>
       <dsp:txXfrm>
-        <a:off x="0" y="603912"/>
-        <a:ext cx="4698998" cy="3874500"/>
+        <a:off x="0" y="1039962"/>
+        <a:ext cx="4698998" cy="3150000"/>
       </dsp:txXfrm>
     </dsp:sp>
     <dsp:sp modelId="{EF67F11A-FCD0-4E59-A23F-17BCC3FB1182}">
@@ -6581,8 +6267,8 @@
       </dsp:nvSpPr>
       <dsp:spPr>
         <a:xfrm>
-          <a:off x="234949" y="382512"/>
-          <a:ext cx="3289298" cy="442800"/>
+          <a:off x="234949" y="670962"/>
+          <a:ext cx="3289298" cy="738000"/>
         </a:xfrm>
         <a:prstGeom prst="roundRect">
           <a:avLst/>
@@ -6653,7 +6339,7 @@
         </a:bodyPr>
         <a:lstStyle/>
         <a:p>
-          <a:pPr marL="0" lvl="0" indent="0" algn="l" defTabSz="666750">
+          <a:pPr marL="0" lvl="0" indent="0" algn="l" defTabSz="1111250">
             <a:lnSpc>
               <a:spcPct val="90000"/>
             </a:lnSpc>
@@ -6666,19 +6352,19 @@
             <a:buNone/>
           </a:pPr>
           <a:r>
-            <a:rPr lang="it-IT" sz="1500" b="1" kern="1200" dirty="0"/>
+            <a:rPr lang="it-IT" sz="2500" b="1" kern="1200" dirty="0"/>
             <a:t>Database - </a:t>
           </a:r>
           <a:r>
-            <a:rPr lang="it-IT" sz="1500" b="1" kern="1200" dirty="0" err="1"/>
+            <a:rPr lang="it-IT" sz="2500" b="1" kern="1200" dirty="0" err="1"/>
             <a:t>PostgreSQL</a:t>
           </a:r>
-          <a:endParaRPr lang="en-US" sz="1500" kern="1200" dirty="0"/>
+          <a:endParaRPr lang="en-US" sz="2500" kern="1200" dirty="0"/>
         </a:p>
       </dsp:txBody>
       <dsp:txXfrm>
-        <a:off x="256565" y="404128"/>
-        <a:ext cx="3246066" cy="399568"/>
+        <a:off x="270975" y="706988"/>
+        <a:ext cx="3217246" cy="665948"/>
       </dsp:txXfrm>
     </dsp:sp>
   </dsp:spTree>
@@ -6700,8 +6386,8 @@
       </dsp:nvSpPr>
       <dsp:spPr>
         <a:xfrm>
-          <a:off x="0" y="399031"/>
-          <a:ext cx="4698999" cy="4145400"/>
+          <a:off x="0" y="718200"/>
+          <a:ext cx="5364922" cy="5682600"/>
         </a:xfrm>
         <a:prstGeom prst="rect">
           <a:avLst/>
@@ -6737,12 +6423,12 @@
         <a:fontRef idx="minor"/>
       </dsp:style>
       <dsp:txBody>
-        <a:bodyPr spcFirstLastPara="0" vert="horz" wrap="square" lIns="364695" tIns="291592" rIns="364695" bIns="99568" numCol="1" spcCol="1270" anchor="t" anchorCtr="0">
+        <a:bodyPr spcFirstLastPara="0" vert="horz" wrap="square" lIns="416378" tIns="853948" rIns="416378" bIns="128016" numCol="1" spcCol="1270" anchor="t" anchorCtr="0">
           <a:noAutofit/>
         </a:bodyPr>
         <a:lstStyle/>
         <a:p>
-          <a:pPr marL="114300" lvl="1" indent="-114300" algn="l" defTabSz="622300">
+          <a:pPr marL="171450" lvl="1" indent="-171450" algn="l" defTabSz="800100">
             <a:lnSpc>
               <a:spcPct val="90000"/>
             </a:lnSpc>
@@ -6755,13 +6441,13 @@
             <a:buChar char="•"/>
           </a:pPr>
           <a:r>
-            <a:rPr lang="it-IT" sz="1400" kern="1200" dirty="0"/>
-            <a:t>Modello Amazon Nova Lite v1 per generazione testo e OCR</a:t>
+            <a:rPr lang="it-IT" sz="1800" kern="1200" dirty="0"/>
+            <a:t>Modello Amazon Nova Lite v1 per generazione testo e Nova Canvas per generazioni immagini.</a:t>
           </a:r>
-          <a:endParaRPr lang="en-US" sz="1400" kern="1200" dirty="0"/>
+          <a:endParaRPr lang="en-US" sz="1800" kern="1200" dirty="0"/>
         </a:p>
         <a:p>
-          <a:pPr marL="114300" lvl="1" indent="-114300" algn="l" defTabSz="622300">
+          <a:pPr marL="171450" lvl="1" indent="-171450" algn="l" defTabSz="800100">
             <a:lnSpc>
               <a:spcPct val="90000"/>
             </a:lnSpc>
@@ -6771,12 +6457,12 @@
             <a:spcAft>
               <a:spcPct val="15000"/>
             </a:spcAft>
-            <a:buNone/>
+            <a:buChar char="•"/>
           </a:pPr>
-          <a:endParaRPr lang="en-US" sz="1400" kern="1200" dirty="0"/>
+          <a:endParaRPr lang="en-US" sz="1800" kern="1200" dirty="0"/>
         </a:p>
         <a:p>
-          <a:pPr marL="114300" lvl="1" indent="-114300" algn="l" defTabSz="622300">
+          <a:pPr marL="171450" lvl="1" indent="-171450" algn="l" defTabSz="800100">
             <a:lnSpc>
               <a:spcPct val="90000"/>
             </a:lnSpc>
@@ -6789,105 +6475,13 @@
             <a:buNone/>
           </a:pPr>
           <a:r>
-            <a:rPr lang="it-IT" sz="1400" b="1" kern="1200" dirty="0"/>
+            <a:rPr lang="it-IT" sz="1800" b="1" kern="1200" dirty="0"/>
             <a:t>• AI Assistant Generativo</a:t>
           </a:r>
-          <a:endParaRPr lang="en-US" sz="1400" kern="1200" dirty="0"/>
+          <a:endParaRPr lang="en-US" sz="1800" kern="1200" dirty="0"/>
         </a:p>
         <a:p>
-          <a:pPr marL="228600" lvl="2" indent="-114300" algn="l" defTabSz="622300">
-            <a:lnSpc>
-              <a:spcPct val="90000"/>
-            </a:lnSpc>
-            <a:spcBef>
-              <a:spcPct val="0"/>
-            </a:spcBef>
-            <a:spcAft>
-              <a:spcPct val="15000"/>
-            </a:spcAft>
-            <a:buFont typeface="Arial" panose="020B0604020202020204" pitchFamily="34" charset="0"/>
-            <a:buChar char="–"/>
-          </a:pPr>
-          <a:r>
-            <a:rPr lang="it-IT" sz="1400" kern="1200"/>
-            <a:t>Converse API per generazione testo conversazionale</a:t>
-          </a:r>
-        </a:p>
-        <a:p>
-          <a:pPr marL="228600" lvl="2" indent="-114300" algn="l" defTabSz="622300">
-            <a:lnSpc>
-              <a:spcPct val="90000"/>
-            </a:lnSpc>
-            <a:spcBef>
-              <a:spcPct val="0"/>
-            </a:spcBef>
-            <a:spcAft>
-              <a:spcPct val="15000"/>
-            </a:spcAft>
-            <a:buFont typeface="Arial" panose="020B0604020202020204" pitchFamily="34" charset="0"/>
-            <a:buChar char="–"/>
-          </a:pPr>
-          <a:r>
-            <a:rPr lang="it-IT" sz="1400" kern="1200" dirty="0"/>
-            <a:t>System prompt personalizzato con descrizione azienda e tono</a:t>
-          </a:r>
-        </a:p>
-        <a:p>
-          <a:pPr marL="228600" lvl="2" indent="-114300" algn="l" defTabSz="622300">
-            <a:lnSpc>
-              <a:spcPct val="90000"/>
-            </a:lnSpc>
-            <a:spcBef>
-              <a:spcPct val="0"/>
-            </a:spcBef>
-            <a:spcAft>
-              <a:spcPct val="15000"/>
-            </a:spcAft>
-            <a:buFont typeface="Arial" panose="020B0604020202020204" pitchFamily="34" charset="0"/>
-            <a:buChar char="–"/>
-          </a:pPr>
-          <a:r>
-            <a:rPr lang="it-IT" sz="1400" kern="1200"/>
-            <a:t>Mantenimento contesto conversazione multi-turn</a:t>
-          </a:r>
-        </a:p>
-        <a:p>
-          <a:pPr marL="228600" lvl="2" indent="-114300" algn="l" defTabSz="622300">
-            <a:lnSpc>
-              <a:spcPct val="90000"/>
-            </a:lnSpc>
-            <a:spcBef>
-              <a:spcPct val="0"/>
-            </a:spcBef>
-            <a:spcAft>
-              <a:spcPct val="15000"/>
-            </a:spcAft>
-            <a:buFont typeface="Arial" panose="020B0604020202020204" pitchFamily="34" charset="0"/>
-            <a:buChar char="–"/>
-          </a:pPr>
-          <a:r>
-            <a:rPr lang="it-IT" sz="1400" kern="1200" dirty="0"/>
-            <a:t>Generazione comunicazioni interne</a:t>
-          </a:r>
-        </a:p>
-        <a:p>
-          <a:pPr marL="114300" lvl="1" indent="-114300" algn="l" defTabSz="622300">
-            <a:lnSpc>
-              <a:spcPct val="90000"/>
-            </a:lnSpc>
-            <a:spcBef>
-              <a:spcPct val="0"/>
-            </a:spcBef>
-            <a:spcAft>
-              <a:spcPct val="15000"/>
-            </a:spcAft>
-            <a:buFont typeface="Arial" panose="020B0604020202020204" pitchFamily="34" charset="0"/>
-            <a:buNone/>
-          </a:pPr>
-          <a:endParaRPr lang="it-IT" sz="1400" kern="1200" dirty="0"/>
-        </a:p>
-        <a:p>
-          <a:pPr marL="114300" lvl="1" indent="-114300" algn="l" defTabSz="622300">
+          <a:pPr marL="342900" lvl="2" indent="-171450" algn="l" defTabSz="800100">
             <a:lnSpc>
               <a:spcPct val="90000"/>
             </a:lnSpc>
@@ -6901,20 +6495,12 @@
             <a:buChar char="•"/>
           </a:pPr>
           <a:r>
-            <a:rPr lang="it-IT" sz="1400" b="1" kern="1200" dirty="0"/>
-            <a:t>AI Co-Pilot </a:t>
-          </a:r>
-          <a:r>
-            <a:rPr lang="it-IT" sz="1400" b="1" kern="1200" dirty="0" err="1"/>
-            <a:t>Document</a:t>
-          </a:r>
-          <a:r>
-            <a:rPr lang="it-IT" sz="1400" b="1" kern="1200" dirty="0"/>
-            <a:t> Analysis</a:t>
+            <a:rPr lang="it-IT" sz="1800" kern="1200" dirty="0"/>
+            <a:t>System prompt personalizzato con descrizione azienda e tono.</a:t>
           </a:r>
         </a:p>
         <a:p>
-          <a:pPr marL="228600" lvl="2" indent="-114300" algn="l" defTabSz="622300">
+          <a:pPr marL="342900" lvl="2" indent="-171450" algn="l" defTabSz="800100">
             <a:lnSpc>
               <a:spcPct val="90000"/>
             </a:lnSpc>
@@ -6925,15 +6511,15 @@
               <a:spcPct val="15000"/>
             </a:spcAft>
             <a:buFont typeface="Arial" panose="020B0604020202020204" pitchFamily="34" charset="0"/>
-            <a:buChar char="–"/>
+            <a:buChar char="•"/>
           </a:pPr>
           <a:r>
-            <a:rPr lang="it-IT" sz="1400" kern="1200"/>
-            <a:t>OCR e analisi documenti (PDF, PNG, JPEG)</a:t>
+            <a:rPr lang="it-IT" sz="1800" kern="1200" dirty="0"/>
+            <a:t>Facilità nel cambiare modello usando API-converse.</a:t>
           </a:r>
         </a:p>
         <a:p>
-          <a:pPr marL="228600" lvl="2" indent="-114300" algn="l" defTabSz="622300">
+          <a:pPr marL="342900" lvl="2" indent="-171450" algn="l" defTabSz="800100">
             <a:lnSpc>
               <a:spcPct val="90000"/>
             </a:lnSpc>
@@ -6944,15 +6530,15 @@
               <a:spcPct val="15000"/>
             </a:spcAft>
             <a:buFont typeface="Arial" panose="020B0604020202020204" pitchFamily="34" charset="0"/>
-            <a:buChar char="–"/>
+            <a:buChar char="•"/>
           </a:pPr>
           <a:r>
-            <a:rPr lang="it-IT" sz="1400" kern="1200"/>
-            <a:t>Estrazione dati strutturati: tipo documento, dipendente, importo, date</a:t>
+            <a:rPr lang="it-IT" sz="1800" kern="1200" dirty="0"/>
+            <a:t>Mantenimento contesto conversazione.</a:t>
           </a:r>
         </a:p>
         <a:p>
-          <a:pPr marL="228600" lvl="2" indent="-114300" algn="l" defTabSz="622300">
+          <a:pPr marL="342900" lvl="2" indent="-171450" algn="l" defTabSz="800100">
             <a:lnSpc>
               <a:spcPct val="90000"/>
             </a:lnSpc>
@@ -6963,17 +6549,109 @@
               <a:spcPct val="15000"/>
             </a:spcAft>
             <a:buFont typeface="Arial" panose="020B0604020202020204" pitchFamily="34" charset="0"/>
-            <a:buChar char="–"/>
+            <a:buChar char="•"/>
           </a:pPr>
           <a:r>
-            <a:rPr lang="it-IT" sz="1400" kern="1200" dirty="0"/>
-            <a:t>Output JSON validato per split e dispaccio automatico</a:t>
+            <a:rPr lang="it-IT" sz="1800" kern="1200" dirty="0"/>
+            <a:t>Generazione comunicazioni interne di immagini e testo.</a:t>
+          </a:r>
+        </a:p>
+        <a:p>
+          <a:pPr marL="171450" lvl="1" indent="-171450" algn="l" defTabSz="800100">
+            <a:lnSpc>
+              <a:spcPct val="90000"/>
+            </a:lnSpc>
+            <a:spcBef>
+              <a:spcPct val="0"/>
+            </a:spcBef>
+            <a:spcAft>
+              <a:spcPct val="15000"/>
+            </a:spcAft>
+            <a:buFont typeface="Arial" panose="020B0604020202020204" pitchFamily="34" charset="0"/>
+            <a:buChar char="•"/>
+          </a:pPr>
+          <a:r>
+            <a:rPr lang="it-IT" sz="1800" b="1" kern="1200" dirty="0"/>
+            <a:t>AI Co-Pilot </a:t>
+          </a:r>
+          <a:r>
+            <a:rPr lang="it-IT" sz="1800" b="1" kern="1200" dirty="0" err="1"/>
+            <a:t>Document</a:t>
+          </a:r>
+          <a:r>
+            <a:rPr lang="it-IT" sz="1800" b="1" kern="1200" dirty="0"/>
+            <a:t> Analysis</a:t>
+          </a:r>
+        </a:p>
+        <a:p>
+          <a:pPr marL="342900" lvl="2" indent="-171450" algn="l" defTabSz="800100">
+            <a:lnSpc>
+              <a:spcPct val="90000"/>
+            </a:lnSpc>
+            <a:spcBef>
+              <a:spcPct val="0"/>
+            </a:spcBef>
+            <a:spcAft>
+              <a:spcPct val="15000"/>
+            </a:spcAft>
+            <a:buFont typeface="Arial" panose="020B0604020202020204" pitchFamily="34" charset="0"/>
+            <a:buChar char="•"/>
+          </a:pPr>
+          <a:r>
+            <a:rPr lang="it-IT" sz="1800" kern="1200" dirty="0"/>
+            <a:t>OCR e analisi documenti (PDF, PNG, JPEG).</a:t>
+          </a:r>
+        </a:p>
+        <a:p>
+          <a:pPr marL="342900" lvl="2" indent="-171450" algn="l" defTabSz="800100">
+            <a:lnSpc>
+              <a:spcPct val="90000"/>
+            </a:lnSpc>
+            <a:spcBef>
+              <a:spcPct val="0"/>
+            </a:spcBef>
+            <a:spcAft>
+              <a:spcPct val="15000"/>
+            </a:spcAft>
+            <a:buFont typeface="Arial" panose="020B0604020202020204" pitchFamily="34" charset="0"/>
+            <a:buChar char="•"/>
+          </a:pPr>
+          <a:r>
+            <a:rPr lang="it-IT" sz="1800" kern="1200" dirty="0"/>
+            <a:t>Estrazione dati strutturati: tipo documento, dipendente, importo, date.</a:t>
+          </a:r>
+        </a:p>
+        <a:p>
+          <a:pPr marL="342900" lvl="2" indent="-171450" algn="l" defTabSz="800100">
+            <a:lnSpc>
+              <a:spcPct val="90000"/>
+            </a:lnSpc>
+            <a:spcBef>
+              <a:spcPct val="0"/>
+            </a:spcBef>
+            <a:spcAft>
+              <a:spcPct val="15000"/>
+            </a:spcAft>
+            <a:buFont typeface="Arial" panose="020B0604020202020204" pitchFamily="34" charset="0"/>
+            <a:buChar char="•"/>
+          </a:pPr>
+          <a:r>
+            <a:rPr lang="it-IT" sz="1800" kern="1200" dirty="0"/>
+            <a:t>Output JSON validato per split e </a:t>
+          </a:r>
+          <a:r>
+            <a:rPr lang="it-IT" sz="1800" kern="1200" dirty="0" err="1"/>
+            <a:t>dispatch</a:t>
+          </a:r>
+          <a:r>
+            <a:rPr lang="it-IT" sz="1800" kern="1200" dirty="0"/>
+            <a:t> automatico.</a:t>
           </a:r>
         </a:p>
       </dsp:txBody>
       <dsp:txXfrm>
-        <a:off x="0" y="399031"/>
-        <a:ext cx="4698999" cy="4145400"/>
+        <a:off x="0" y="718200"/>
+        <a:ext cx="5364922" cy="5682600"/>
       </dsp:txXfrm>
     </dsp:sp>
     <dsp:sp modelId="{EF67F11A-FCD0-4E59-A23F-17BCC3FB1182}">
@@ -6983,8 +6661,8 @@
       </dsp:nvSpPr>
       <dsp:spPr>
         <a:xfrm>
-          <a:off x="234949" y="137699"/>
-          <a:ext cx="3289299" cy="413280"/>
+          <a:off x="266038" y="0"/>
+          <a:ext cx="3755445" cy="1210320"/>
         </a:xfrm>
         <a:prstGeom prst="roundRect">
           <a:avLst/>
@@ -7050,12 +6728,12 @@
         </a:fontRef>
       </dsp:style>
       <dsp:txBody>
-        <a:bodyPr spcFirstLastPara="0" vert="horz" wrap="square" lIns="124328" tIns="0" rIns="124328" bIns="0" numCol="1" spcCol="1270" anchor="ctr" anchorCtr="0">
+        <a:bodyPr spcFirstLastPara="0" vert="horz" wrap="square" lIns="141947" tIns="0" rIns="141947" bIns="0" numCol="1" spcCol="1270" anchor="ctr" anchorCtr="0">
           <a:noAutofit/>
         </a:bodyPr>
         <a:lstStyle/>
         <a:p>
-          <a:pPr marL="0" lvl="0" indent="0" algn="l" defTabSz="622300">
+          <a:pPr marL="0" lvl="0" indent="0" algn="l" defTabSz="1244600">
             <a:lnSpc>
               <a:spcPct val="90000"/>
             </a:lnSpc>
@@ -7068,19 +6746,19 @@
             <a:buNone/>
           </a:pPr>
           <a:r>
-            <a:rPr lang="it-IT" sz="1400" b="1" kern="1200" dirty="0"/>
+            <a:rPr lang="it-IT" sz="2800" b="1" kern="1200" dirty="0"/>
             <a:t>AWS </a:t>
           </a:r>
           <a:r>
-            <a:rPr lang="it-IT" sz="1400" b="1" kern="1200" dirty="0" err="1"/>
+            <a:rPr lang="it-IT" sz="2800" b="1" kern="1200" dirty="0" err="1"/>
             <a:t>Bedrock</a:t>
           </a:r>
-          <a:endParaRPr lang="en-US" sz="1400" kern="1200" dirty="0"/>
+          <a:endParaRPr lang="en-US" sz="2800" kern="1200" dirty="0"/>
         </a:p>
       </dsp:txBody>
       <dsp:txXfrm>
-        <a:off x="255124" y="157874"/>
-        <a:ext cx="3248949" cy="372930"/>
+        <a:off x="325121" y="59083"/>
+        <a:ext cx="3637279" cy="1092154"/>
       </dsp:txXfrm>
     </dsp:sp>
   </dsp:spTree>
@@ -16639,7 +16317,7 @@
         </p:nvSpPr>
         <p:spPr>
           <a:xfrm>
-            <a:off x="16306800" y="9639300"/>
+            <a:off x="16002000" y="9563100"/>
             <a:ext cx="2895600" cy="365125"/>
           </a:xfrm>
         </p:spPr>
@@ -16655,6 +16333,19 @@
               </a:rPr>
               <a:t>1</a:t>
             </a:r>
+            <a:r>
+              <a:rPr lang="it-IT" sz="8000" dirty="0">
+                <a:solidFill>
+                  <a:schemeClr val="tx1"/>
+                </a:solidFill>
+              </a:rPr>
+              <a:t>/3</a:t>
+            </a:r>
+            <a:endParaRPr lang="en-US" sz="8000" dirty="0">
+              <a:solidFill>
+                <a:schemeClr val="tx1"/>
+              </a:solidFill>
+            </a:endParaRPr>
           </a:p>
         </p:txBody>
       </p:sp>
@@ -16834,7 +16525,7 @@
         </p:nvSpPr>
         <p:spPr>
           <a:xfrm>
-            <a:off x="16306800" y="9639300"/>
+            <a:off x="16002000" y="9563100"/>
             <a:ext cx="2895600" cy="365125"/>
           </a:xfrm>
         </p:spPr>
@@ -16848,7 +16539,7 @@
                   <a:schemeClr val="tx1"/>
                 </a:solidFill>
               </a:rPr>
-              <a:t>2</a:t>
+              <a:t>2/3</a:t>
             </a:r>
           </a:p>
         </p:txBody>
@@ -17030,13 +16721,13 @@
           <p:nvPr>
             <p:extLst>
               <p:ext uri="{D42A27DB-BD31-4B8C-83A1-F6EECF244321}">
-                <p14:modId xmlns:p14="http://schemas.microsoft.com/office/powerpoint/2010/main" val="2265556566"/>
+                <p14:modId xmlns:p14="http://schemas.microsoft.com/office/powerpoint/2010/main" val="1369799902"/>
               </p:ext>
             </p:extLst>
           </p:nvPr>
         </p:nvGraphicFramePr>
         <p:xfrm>
-          <a:off x="9017002" y="5143500"/>
+          <a:off x="2667000" y="5067300"/>
           <a:ext cx="4698998" cy="4860925"/>
         </p:xfrm>
         <a:graphic>
@@ -17072,7 +16763,7 @@
         </p:blipFill>
         <p:spPr>
           <a:xfrm>
-            <a:off x="2819399" y="6476999"/>
+            <a:off x="9394133" y="6896100"/>
             <a:ext cx="4648199" cy="2133600"/>
           </a:xfrm>
           <a:prstGeom prst="rect">
@@ -17098,7 +16789,7 @@
         </p:nvSpPr>
         <p:spPr>
           <a:xfrm>
-            <a:off x="16306800" y="9639300"/>
+            <a:off x="16002000" y="9563100"/>
             <a:ext cx="2895600" cy="365125"/>
           </a:xfrm>
         </p:spPr>
@@ -17112,7 +16803,7 @@
                   <a:schemeClr val="tx1"/>
                 </a:solidFill>
               </a:rPr>
-              <a:t>3</a:t>
+              <a:t>3/3</a:t>
             </a:r>
           </a:p>
         </p:txBody>
@@ -17161,14 +16852,14 @@
           <p:nvPr>
             <p:extLst>
               <p:ext uri="{D42A27DB-BD31-4B8C-83A1-F6EECF244321}">
-                <p14:modId xmlns:p14="http://schemas.microsoft.com/office/powerpoint/2010/main" val="1626629464"/>
+                <p14:modId xmlns:p14="http://schemas.microsoft.com/office/powerpoint/2010/main" val="2962760131"/>
               </p:ext>
             </p:extLst>
           </p:nvPr>
         </p:nvGraphicFramePr>
         <p:xfrm>
-          <a:off x="9017002" y="348445"/>
-          <a:ext cx="4698999" cy="4627440"/>
+          <a:off x="9113078" y="190500"/>
+          <a:ext cx="5364922" cy="6400800"/>
         </p:xfrm>
         <a:graphic>
           <a:graphicData uri="http://schemas.openxmlformats.org/drawingml/2006/diagram">
@@ -17203,7 +16894,7 @@
         </p:blipFill>
         <p:spPr>
           <a:xfrm>
-            <a:off x="2368681" y="1485900"/>
+            <a:off x="2368681" y="1506608"/>
             <a:ext cx="5079999" cy="2667000"/>
           </a:xfrm>
           <a:prstGeom prst="rect">

--- a/RTB/TECNOLOGIE/Tecnologie.pptx
+++ b/RTB/TECNOLOGIE/Tecnologie.pptx
@@ -3354,10 +3354,6 @@
         <a:bodyPr/>
         <a:lstStyle/>
         <a:p>
-          <a:r>
-            <a:rPr lang="it-IT" b="1" dirty="0"/>
-            <a:t> Framework principale</a:t>
-          </a:r>
           <a:endParaRPr lang="en-US" dirty="0"/>
         </a:p>
       </dgm:t>
@@ -3384,86 +3380,6 @@
         </a:p>
       </dgm:t>
     </dgm:pt>
-    <dgm:pt modelId="{141D3803-6A45-424D-9651-5627AAB61B6A}">
-      <dgm:prSet/>
-      <dgm:spPr/>
-      <dgm:t>
-        <a:bodyPr/>
-        <a:lstStyle/>
-        <a:p>
-          <a:pPr>
-            <a:buFont typeface="Arial" panose="020B0604020202020204" pitchFamily="34" charset="0"/>
-            <a:buChar char="–"/>
-          </a:pPr>
-          <a:r>
-            <a:rPr lang="it-IT" dirty="0"/>
-            <a:t> Per dashboard amministrativa</a:t>
-          </a:r>
-        </a:p>
-      </dgm:t>
-    </dgm:pt>
-    <dgm:pt modelId="{72A51AD2-8239-4A14-AC0B-88EEA7A0179C}" type="parTrans" cxnId="{352A38F5-F7D6-411D-943C-C3F938C1E3D7}">
-      <dgm:prSet/>
-      <dgm:spPr/>
-      <dgm:t>
-        <a:bodyPr/>
-        <a:lstStyle/>
-        <a:p>
-          <a:endParaRPr lang="it-IT"/>
-        </a:p>
-      </dgm:t>
-    </dgm:pt>
-    <dgm:pt modelId="{A60107BD-2C24-49F4-A940-BA89AA44743A}" type="sibTrans" cxnId="{352A38F5-F7D6-411D-943C-C3F938C1E3D7}">
-      <dgm:prSet/>
-      <dgm:spPr/>
-      <dgm:t>
-        <a:bodyPr/>
-        <a:lstStyle/>
-        <a:p>
-          <a:endParaRPr lang="it-IT"/>
-        </a:p>
-      </dgm:t>
-    </dgm:pt>
-    <dgm:pt modelId="{99F831AF-A12E-4F07-801E-615F89B3AC36}">
-      <dgm:prSet/>
-      <dgm:spPr/>
-      <dgm:t>
-        <a:bodyPr/>
-        <a:lstStyle/>
-        <a:p>
-          <a:pPr>
-            <a:buFont typeface="Arial" panose="020B0604020202020204" pitchFamily="34" charset="0"/>
-            <a:buChar char="–"/>
-          </a:pPr>
-          <a:r>
-            <a:rPr lang="it-IT" dirty="0"/>
-            <a:t> Componenti modulari: AI Assistant, AI Co-Pilot, Analytics, Storico</a:t>
-          </a:r>
-        </a:p>
-      </dgm:t>
-    </dgm:pt>
-    <dgm:pt modelId="{94B83BAF-5140-4A09-9644-C69A5C49696A}" type="parTrans" cxnId="{E4E41DC1-0B30-467C-9E5A-F2C285252BDB}">
-      <dgm:prSet/>
-      <dgm:spPr/>
-      <dgm:t>
-        <a:bodyPr/>
-        <a:lstStyle/>
-        <a:p>
-          <a:endParaRPr lang="it-IT"/>
-        </a:p>
-      </dgm:t>
-    </dgm:pt>
-    <dgm:pt modelId="{1FFBFB34-0516-4E12-B7E7-CA0B0A76FEBB}" type="sibTrans" cxnId="{E4E41DC1-0B30-467C-9E5A-F2C285252BDB}">
-      <dgm:prSet/>
-      <dgm:spPr/>
-      <dgm:t>
-        <a:bodyPr/>
-        <a:lstStyle/>
-        <a:p>
-          <a:endParaRPr lang="it-IT"/>
-        </a:p>
-      </dgm:t>
-    </dgm:pt>
     <dgm:pt modelId="{EA4C9FAE-8632-437A-94BC-F7324DD67615}">
       <dgm:prSet/>
       <dgm:spPr/>
@@ -3473,12 +3389,8 @@
         <a:p>
           <a:pPr>
             <a:buFont typeface="Arial" panose="020B0604020202020204" pitchFamily="34" charset="0"/>
-            <a:buNone/>
+            <a:buChar char="•"/>
           </a:pPr>
-          <a:r>
-            <a:rPr lang="it-IT" b="1" dirty="0"/>
-            <a:t>• </a:t>
-          </a:r>
           <a:r>
             <a:rPr lang="it-IT" b="1" dirty="0" err="1"/>
             <a:t>RxJS</a:t>
@@ -3570,7 +3482,15 @@
           </a:pPr>
           <a:r>
             <a:rPr lang="it-IT" dirty="0"/>
-            <a:t> Polling per status documenti in analisi</a:t>
+            <a:t> </a:t>
+          </a:r>
+          <a:r>
+            <a:rPr lang="it-IT" b="1" dirty="0"/>
+            <a:t>Polling</a:t>
+          </a:r>
+          <a:r>
+            <a:rPr lang="it-IT" dirty="0"/>
+            <a:t> per i documenti in analisi</a:t>
           </a:r>
         </a:p>
       </dgm:t>
@@ -3597,22 +3517,44 @@
         </a:p>
       </dgm:t>
     </dgm:pt>
-    <dgm:pt modelId="{E31BE80F-FA49-4F70-A117-DEE2C6B30620}">
+    <dgm:pt modelId="{3850311C-A53C-4052-BDD5-F5866951D844}">
       <dgm:prSet/>
-      <dgm:spPr/>
+      <dgm:spPr>
+        <a:solidFill>
+          <a:srgbClr val="FFFAEF">
+            <a:alpha val="90000"/>
+          </a:srgbClr>
+        </a:solidFill>
+      </dgm:spPr>
       <dgm:t>
         <a:bodyPr/>
         <a:lstStyle/>
         <a:p>
           <a:pPr>
             <a:buFont typeface="Arial" panose="020B0604020202020204" pitchFamily="34" charset="0"/>
-            <a:buNone/>
+            <a:buChar char="•"/>
           </a:pPr>
-          <a:endParaRPr lang="it-IT" dirty="0"/>
+          <a:r>
+            <a:rPr lang="it-IT" b="1" dirty="0" err="1"/>
+            <a:t>Angular</a:t>
+          </a:r>
+          <a:r>
+            <a:rPr lang="it-IT" b="1" dirty="0"/>
+            <a:t> (v21) in </a:t>
+          </a:r>
+          <a:r>
+            <a:rPr lang="it-IT" b="1" dirty="0" err="1"/>
+            <a:t>TypeScript</a:t>
+          </a:r>
+          <a:r>
+            <a:rPr lang="it-IT" b="1" dirty="0"/>
+            <a:t> su ambiente Node.js v24</a:t>
+          </a:r>
+          <a:endParaRPr lang="en-US" dirty="0"/>
         </a:p>
       </dgm:t>
     </dgm:pt>
-    <dgm:pt modelId="{4DD27760-D8B2-44E5-987B-E46770BBE20F}" type="parTrans" cxnId="{EDA85965-8EE4-4632-8404-E31BDFF00BB4}">
+    <dgm:pt modelId="{1093B51F-1E48-46C6-B64A-7D72D2D61ACC}" type="parTrans" cxnId="{27F0BE87-1F53-4513-854E-A9EF65EBF7FE}">
       <dgm:prSet/>
       <dgm:spPr/>
       <dgm:t>
@@ -3623,7 +3565,296 @@
         </a:p>
       </dgm:t>
     </dgm:pt>
-    <dgm:pt modelId="{5B9CFE27-FE64-4208-96F1-2FDAF281E8E1}" type="sibTrans" cxnId="{EDA85965-8EE4-4632-8404-E31BDFF00BB4}">
+    <dgm:pt modelId="{B85F275C-6B08-4B47-A49E-6839949226DE}" type="sibTrans" cxnId="{27F0BE87-1F53-4513-854E-A9EF65EBF7FE}">
+      <dgm:prSet/>
+      <dgm:spPr/>
+      <dgm:t>
+        <a:bodyPr/>
+        <a:lstStyle/>
+        <a:p>
+          <a:endParaRPr lang="it-IT"/>
+        </a:p>
+      </dgm:t>
+    </dgm:pt>
+    <dgm:pt modelId="{81C5FAF5-7969-428F-9168-FEA62E83FEE0}">
+      <dgm:prSet/>
+      <dgm:spPr>
+        <a:solidFill>
+          <a:srgbClr val="FFFAEF">
+            <a:alpha val="90000"/>
+          </a:srgbClr>
+        </a:solidFill>
+      </dgm:spPr>
+      <dgm:t>
+        <a:bodyPr/>
+        <a:lstStyle/>
+        <a:p>
+          <a:pPr>
+            <a:buFont typeface="Arial" panose="020B0604020202020204" pitchFamily="34" charset="0"/>
+            <a:buChar char="•"/>
+          </a:pPr>
+          <a:r>
+            <a:rPr lang="it-IT" dirty="0"/>
+            <a:t>architettura </a:t>
+          </a:r>
+          <a:r>
+            <a:rPr lang="it-IT" b="1" dirty="0"/>
+            <a:t>SPA</a:t>
+          </a:r>
+          <a:r>
+            <a:rPr lang="it-IT" dirty="0"/>
+            <a:t> basata su </a:t>
+          </a:r>
+          <a:r>
+            <a:rPr lang="it-IT" b="1" dirty="0" err="1"/>
+            <a:t>Angular</a:t>
+          </a:r>
+          <a:r>
+            <a:rPr lang="it-IT" b="1" dirty="0"/>
+            <a:t> Router</a:t>
+          </a:r>
+          <a:endParaRPr lang="en-US" b="1" dirty="0"/>
+        </a:p>
+      </dgm:t>
+    </dgm:pt>
+    <dgm:pt modelId="{F85420F4-2BF4-48A2-BC52-21EE60C7088A}" type="parTrans" cxnId="{248A3716-A158-479A-925B-4FBEDA81A7A4}">
+      <dgm:prSet/>
+      <dgm:spPr/>
+      <dgm:t>
+        <a:bodyPr/>
+        <a:lstStyle/>
+        <a:p>
+          <a:endParaRPr lang="it-IT"/>
+        </a:p>
+      </dgm:t>
+    </dgm:pt>
+    <dgm:pt modelId="{76ECC8FB-B797-4F4E-8993-577D9FE42A74}" type="sibTrans" cxnId="{248A3716-A158-479A-925B-4FBEDA81A7A4}">
+      <dgm:prSet/>
+      <dgm:spPr/>
+      <dgm:t>
+        <a:bodyPr/>
+        <a:lstStyle/>
+        <a:p>
+          <a:endParaRPr lang="it-IT"/>
+        </a:p>
+      </dgm:t>
+    </dgm:pt>
+    <dgm:pt modelId="{147F1B68-2F1B-4E54-A64E-FDF57E94FBAE}">
+      <dgm:prSet/>
+      <dgm:spPr/>
+      <dgm:t>
+        <a:bodyPr/>
+        <a:lstStyle/>
+        <a:p>
+          <a:pPr>
+            <a:buFont typeface="Arial" panose="020B0604020202020204" pitchFamily="34" charset="0"/>
+            <a:buChar char="•"/>
+          </a:pPr>
+          <a:r>
+            <a:rPr lang="it-IT" dirty="0"/>
+            <a:t>Gestione delle dipendenze usando  </a:t>
+          </a:r>
+          <a:r>
+            <a:rPr lang="it-IT" dirty="0" err="1"/>
+            <a:t>inject</a:t>
+          </a:r>
+          <a:r>
+            <a:rPr lang="it-IT" dirty="0"/>
+            <a:t>() per una </a:t>
+          </a:r>
+          <a:r>
+            <a:rPr lang="it-IT" b="1" dirty="0"/>
+            <a:t>DI</a:t>
+          </a:r>
+          <a:r>
+            <a:rPr lang="it-IT" dirty="0"/>
+            <a:t> più pulita</a:t>
+          </a:r>
+        </a:p>
+      </dgm:t>
+    </dgm:pt>
+    <dgm:pt modelId="{BB5E3B85-D782-4999-882E-B3E92E827653}" type="parTrans" cxnId="{EDA2B0A6-6285-42C8-ACD6-A0ED11956F63}">
+      <dgm:prSet/>
+      <dgm:spPr/>
+      <dgm:t>
+        <a:bodyPr/>
+        <a:lstStyle/>
+        <a:p>
+          <a:endParaRPr lang="it-IT"/>
+        </a:p>
+      </dgm:t>
+    </dgm:pt>
+    <dgm:pt modelId="{7A783848-5787-4168-A501-C8A8796F4A23}" type="sibTrans" cxnId="{EDA2B0A6-6285-42C8-ACD6-A0ED11956F63}">
+      <dgm:prSet/>
+      <dgm:spPr/>
+      <dgm:t>
+        <a:bodyPr/>
+        <a:lstStyle/>
+        <a:p>
+          <a:endParaRPr lang="it-IT"/>
+        </a:p>
+      </dgm:t>
+    </dgm:pt>
+    <dgm:pt modelId="{BCA671DB-9D16-4302-B7A8-56BF6E3543A9}">
+      <dgm:prSet/>
+      <dgm:spPr>
+        <a:solidFill>
+          <a:srgbClr val="FFFAEF">
+            <a:alpha val="90000"/>
+          </a:srgbClr>
+        </a:solidFill>
+      </dgm:spPr>
+      <dgm:t>
+        <a:bodyPr/>
+        <a:lstStyle/>
+        <a:p>
+          <a:pPr>
+            <a:buFont typeface="Arial" panose="020B0604020202020204" pitchFamily="34" charset="0"/>
+            <a:buChar char="•"/>
+          </a:pPr>
+          <a:r>
+            <a:rPr lang="en-US" dirty="0"/>
+            <a:t>Progettazione in </a:t>
+          </a:r>
+          <a:r>
+            <a:rPr lang="en-US" b="1" dirty="0"/>
+            <a:t>Components, </a:t>
+          </a:r>
+          <a:r>
+            <a:rPr lang="en-US" b="0" dirty="0" err="1"/>
+            <a:t>ognuno</a:t>
+          </a:r>
+          <a:r>
+            <a:rPr lang="en-US" b="0" dirty="0"/>
+            <a:t> </a:t>
+          </a:r>
+          <a:r>
+            <a:rPr lang="en-US" b="0" dirty="0" err="1"/>
+            <a:t>definisce</a:t>
+          </a:r>
+          <a:r>
+            <a:rPr lang="en-US" b="0" dirty="0"/>
+            <a:t> </a:t>
+          </a:r>
+          <a:r>
+            <a:rPr lang="en-US" dirty="0" err="1"/>
+            <a:t>una</a:t>
+          </a:r>
+          <a:r>
+            <a:rPr lang="en-US" dirty="0"/>
+            <a:t> </a:t>
+          </a:r>
+          <a:r>
+            <a:rPr lang="en-US" dirty="0" err="1"/>
+            <a:t>singola</a:t>
+          </a:r>
+          <a:r>
+            <a:rPr lang="en-US" dirty="0"/>
+            <a:t> </a:t>
+          </a:r>
+          <a:r>
+            <a:rPr lang="en-US" dirty="0" err="1"/>
+            <a:t>pagina</a:t>
+          </a:r>
+          <a:r>
+            <a:rPr lang="en-US" dirty="0"/>
+            <a:t>: es. </a:t>
+          </a:r>
+          <a:r>
+            <a:rPr lang="it-IT" b="0" dirty="0" err="1"/>
+            <a:t>AiAssistant</a:t>
+          </a:r>
+          <a:r>
+            <a:rPr lang="en-US" dirty="0"/>
+            <a:t>, </a:t>
+          </a:r>
+          <a:r>
+            <a:rPr lang="it-IT" b="0" dirty="0" err="1"/>
+            <a:t>AiCopilot</a:t>
+          </a:r>
+          <a:endParaRPr lang="en-US" dirty="0"/>
+        </a:p>
+      </dgm:t>
+    </dgm:pt>
+    <dgm:pt modelId="{E2DB0A18-721A-4D89-AC8F-ECFB539A4977}" type="parTrans" cxnId="{AF834E48-FD81-433D-B1B2-2CCD7D74765A}">
+      <dgm:prSet/>
+      <dgm:spPr/>
+      <dgm:t>
+        <a:bodyPr/>
+        <a:lstStyle/>
+        <a:p>
+          <a:endParaRPr lang="it-IT"/>
+        </a:p>
+      </dgm:t>
+    </dgm:pt>
+    <dgm:pt modelId="{EC660C46-8325-4A10-8E43-5BBCD693556D}" type="sibTrans" cxnId="{AF834E48-FD81-433D-B1B2-2CCD7D74765A}">
+      <dgm:prSet/>
+      <dgm:spPr/>
+      <dgm:t>
+        <a:bodyPr/>
+        <a:lstStyle/>
+        <a:p>
+          <a:endParaRPr lang="it-IT"/>
+        </a:p>
+      </dgm:t>
+    </dgm:pt>
+    <dgm:pt modelId="{3ACFCC25-7784-4356-B8DF-A35CF2CC5237}">
+      <dgm:prSet/>
+      <dgm:spPr>
+        <a:solidFill>
+          <a:srgbClr val="FFFAEF">
+            <a:alpha val="90000"/>
+          </a:srgbClr>
+        </a:solidFill>
+      </dgm:spPr>
+      <dgm:t>
+        <a:bodyPr/>
+        <a:lstStyle/>
+        <a:p>
+          <a:pPr>
+            <a:buFont typeface="Arial" panose="020B0604020202020204" pitchFamily="34" charset="0"/>
+            <a:buChar char="•"/>
+          </a:pPr>
+          <a:r>
+            <a:rPr lang="en-US" dirty="0"/>
+            <a:t>2 </a:t>
+          </a:r>
+          <a:r>
+            <a:rPr lang="en-US" dirty="0" err="1"/>
+            <a:t>classi</a:t>
+          </a:r>
+          <a:r>
+            <a:rPr lang="en-US" dirty="0"/>
+            <a:t> di Servizi: </a:t>
+          </a:r>
+          <a:r>
+            <a:rPr lang="it-IT" b="0" dirty="0" err="1"/>
+            <a:t>ConversationsService</a:t>
+          </a:r>
+          <a:r>
+            <a:rPr lang="it-IT" b="0" dirty="0"/>
+            <a:t>, </a:t>
+          </a:r>
+          <a:r>
+            <a:rPr lang="it-IT" b="0" dirty="0" err="1"/>
+            <a:t>DocumentsService</a:t>
+          </a:r>
+          <a:endParaRPr lang="en-US" dirty="0"/>
+        </a:p>
+      </dgm:t>
+    </dgm:pt>
+    <dgm:pt modelId="{1FFA7EC9-892D-4681-A9B1-5FE3969C5613}" type="parTrans" cxnId="{C62AC98E-E928-42FA-A277-7F38775C0B7E}">
+      <dgm:prSet/>
+      <dgm:spPr/>
+      <dgm:t>
+        <a:bodyPr/>
+        <a:lstStyle/>
+        <a:p>
+          <a:endParaRPr lang="it-IT"/>
+        </a:p>
+      </dgm:t>
+    </dgm:pt>
+    <dgm:pt modelId="{423D80BF-E726-4A72-8017-67F8D9F24CD1}" type="sibTrans" cxnId="{C62AC98E-E928-42FA-A277-7F38775C0B7E}">
       <dgm:prSet/>
       <dgm:spPr/>
       <dgm:t>
@@ -3653,7 +3884,7 @@
       <dgm:spPr/>
     </dgm:pt>
     <dgm:pt modelId="{EF67F11A-FCD0-4E59-A23F-17BCC3FB1182}" type="pres">
-      <dgm:prSet presAssocID="{EE76E364-6A46-492A-9FD7-63C775ADA808}" presName="parentText" presStyleLbl="node1" presStyleIdx="0" presStyleCnt="1">
+      <dgm:prSet presAssocID="{EE76E364-6A46-492A-9FD7-63C775ADA808}" presName="parentText" presStyleLbl="node1" presStyleIdx="0" presStyleCnt="1" custLinFactX="924" custLinFactNeighborX="100000" custLinFactNeighborY="-71005">
         <dgm:presLayoutVars>
           <dgm:chMax val="0"/>
           <dgm:bulletEnabled val="1"/>
@@ -3666,7 +3897,7 @@
       <dgm:spPr/>
     </dgm:pt>
     <dgm:pt modelId="{8A748C3E-CE62-4E92-A0FE-1F5548AC9D02}" type="pres">
-      <dgm:prSet presAssocID="{EE76E364-6A46-492A-9FD7-63C775ADA808}" presName="childText" presStyleLbl="conFgAcc1" presStyleIdx="0" presStyleCnt="1">
+      <dgm:prSet presAssocID="{EE76E364-6A46-492A-9FD7-63C775ADA808}" presName="childText" presStyleLbl="conFgAcc1" presStyleIdx="0" presStyleCnt="1" custScaleY="41932" custLinFactNeighborX="3710" custLinFactNeighborY="-27338">
         <dgm:presLayoutVars>
           <dgm:bulletEnabled val="1"/>
         </dgm:presLayoutVars>
@@ -3675,29 +3906,33 @@
     </dgm:pt>
   </dgm:ptLst>
   <dgm:cxnLst>
-    <dgm:cxn modelId="{BEAA9F05-EFD4-47E4-BDAD-A275F0EA0751}" type="presOf" srcId="{FB7856FD-14F6-497F-A96F-439DE861ECA4}" destId="{8A748C3E-CE62-4E92-A0FE-1F5548AC9D02}" srcOrd="0" destOrd="0" presId="urn:microsoft.com/office/officeart/2005/8/layout/list1"/>
-    <dgm:cxn modelId="{89A26634-7323-49E3-997A-5445C4214B35}" srcId="{EE76E364-6A46-492A-9FD7-63C775ADA808}" destId="{EA4C9FAE-8632-437A-94BC-F7324DD67615}" srcOrd="2" destOrd="0" parTransId="{933F93DC-F2BC-4901-9B93-BEDA7E1295ED}" sibTransId="{18CF30EE-9734-4EDB-80FF-201F7A903B36}"/>
+    <dgm:cxn modelId="{D95E0A08-3823-456F-B045-8B2D181525F8}" type="presOf" srcId="{BCA671DB-9D16-4302-B7A8-56BF6E3543A9}" destId="{8A748C3E-CE62-4E92-A0FE-1F5548AC9D02}" srcOrd="0" destOrd="2" presId="urn:microsoft.com/office/officeart/2005/8/layout/list1"/>
+    <dgm:cxn modelId="{E9092709-6E91-45E0-A7A5-3A0CB221696B}" type="presOf" srcId="{EE76E364-6A46-492A-9FD7-63C775ADA808}" destId="{0E75AC4A-956D-493C-A82B-572CF3B1603B}" srcOrd="0" destOrd="0" presId="urn:microsoft.com/office/officeart/2005/8/layout/list1"/>
+    <dgm:cxn modelId="{0A628414-F6B5-42E1-A8F3-0CB3833C4BF6}" type="presOf" srcId="{81C5FAF5-7969-428F-9168-FEA62E83FEE0}" destId="{8A748C3E-CE62-4E92-A0FE-1F5548AC9D02}" srcOrd="0" destOrd="4" presId="urn:microsoft.com/office/officeart/2005/8/layout/list1"/>
+    <dgm:cxn modelId="{248A3716-A158-479A-925B-4FBEDA81A7A4}" srcId="{EE76E364-6A46-492A-9FD7-63C775ADA808}" destId="{81C5FAF5-7969-428F-9168-FEA62E83FEE0}" srcOrd="4" destOrd="0" parTransId="{F85420F4-2BF4-48A2-BC52-21EE60C7088A}" sibTransId="{76ECC8FB-B797-4F4E-8993-577D9FE42A74}"/>
+    <dgm:cxn modelId="{13F49D19-F08F-4F3F-8DFA-171716C82016}" type="presOf" srcId="{F5F55255-3B4A-4616-B6F8-0A66537C5D82}" destId="{8A748C3E-CE62-4E92-A0FE-1F5548AC9D02}" srcOrd="0" destOrd="6" presId="urn:microsoft.com/office/officeart/2005/8/layout/list1"/>
+    <dgm:cxn modelId="{DA525E1A-7FFF-4B9B-979A-37830A1A6822}" type="presOf" srcId="{24C10798-75D1-47C0-A4DB-CA289CC5805B}" destId="{8A748C3E-CE62-4E92-A0FE-1F5548AC9D02}" srcOrd="0" destOrd="7" presId="urn:microsoft.com/office/officeart/2005/8/layout/list1"/>
+    <dgm:cxn modelId="{9C280A1C-C029-4E7F-999E-A84766E633AD}" type="presOf" srcId="{3ACFCC25-7784-4356-B8DF-A35CF2CC5237}" destId="{8A748C3E-CE62-4E92-A0FE-1F5548AC9D02}" srcOrd="0" destOrd="3" presId="urn:microsoft.com/office/officeart/2005/8/layout/list1"/>
+    <dgm:cxn modelId="{89A26634-7323-49E3-997A-5445C4214B35}" srcId="{EE76E364-6A46-492A-9FD7-63C775ADA808}" destId="{EA4C9FAE-8632-437A-94BC-F7324DD67615}" srcOrd="5" destOrd="0" parTransId="{933F93DC-F2BC-4901-9B93-BEDA7E1295ED}" sibTransId="{18CF30EE-9734-4EDB-80FF-201F7A903B36}"/>
     <dgm:cxn modelId="{0C848A3D-3553-4924-8D80-54F69669587F}" type="presOf" srcId="{228ADC0D-83DA-40CE-9EF2-B2A23B2BA12F}" destId="{529C8736-509C-426A-B1AF-D9FE39FB5B28}" srcOrd="0" destOrd="0" presId="urn:microsoft.com/office/officeart/2005/8/layout/list1"/>
-    <dgm:cxn modelId="{EDA85965-8EE4-4632-8404-E31BDFF00BB4}" srcId="{EE76E364-6A46-492A-9FD7-63C775ADA808}" destId="{E31BE80F-FA49-4F70-A117-DEE2C6B30620}" srcOrd="1" destOrd="0" parTransId="{4DD27760-D8B2-44E5-987B-E46770BBE20F}" sibTransId="{5B9CFE27-FE64-4208-96F1-2FDAF281E8E1}"/>
-    <dgm:cxn modelId="{7819AA54-EB0A-454E-AD7C-9E32ABD54220}" type="presOf" srcId="{141D3803-6A45-424D-9651-5627AAB61B6A}" destId="{8A748C3E-CE62-4E92-A0FE-1F5548AC9D02}" srcOrd="0" destOrd="1" presId="urn:microsoft.com/office/officeart/2005/8/layout/list1"/>
-    <dgm:cxn modelId="{0C2C0556-2531-4132-A5FF-B6C94EF444C9}" type="presOf" srcId="{EE76E364-6A46-492A-9FD7-63C775ADA808}" destId="{EF67F11A-FCD0-4E59-A23F-17BCC3FB1182}" srcOrd="1" destOrd="0" presId="urn:microsoft.com/office/officeart/2005/8/layout/list1"/>
+    <dgm:cxn modelId="{628B0D5B-E06C-4FD6-A68C-4484D8743AE9}" type="presOf" srcId="{147F1B68-2F1B-4E54-A64E-FDF57E94FBAE}" destId="{8A748C3E-CE62-4E92-A0FE-1F5548AC9D02}" srcOrd="0" destOrd="8" presId="urn:microsoft.com/office/officeart/2005/8/layout/list1"/>
+    <dgm:cxn modelId="{AF834E48-FD81-433D-B1B2-2CCD7D74765A}" srcId="{EE76E364-6A46-492A-9FD7-63C775ADA808}" destId="{BCA671DB-9D16-4302-B7A8-56BF6E3543A9}" srcOrd="2" destOrd="0" parTransId="{E2DB0A18-721A-4D89-AC8F-ECFB539A4977}" sibTransId="{EC660C46-8325-4A10-8E43-5BBCD693556D}"/>
     <dgm:cxn modelId="{F609747B-AE71-4ACA-93A0-5C6C9FA2C6E1}" srcId="{EE76E364-6A46-492A-9FD7-63C775ADA808}" destId="{FB7856FD-14F6-497F-A96F-439DE861ECA4}" srcOrd="0" destOrd="0" parTransId="{B2A71A46-24A2-44C1-B6DD-257439AFBC0A}" sibTransId="{AED585D0-E158-48D1-8037-5DB08D2C892B}"/>
     <dgm:cxn modelId="{32E73583-EC60-44EC-A1BF-54C8775B331D}" srcId="{EA4C9FAE-8632-437A-94BC-F7324DD67615}" destId="{24C10798-75D1-47C0-A4DB-CA289CC5805B}" srcOrd="1" destOrd="0" parTransId="{CCB71030-2EA5-4506-92EC-221C09CE28D3}" sibTransId="{ACEF8760-0D4C-4F48-B99C-551EED1CF848}"/>
-    <dgm:cxn modelId="{EEF0FD9E-9011-42DF-B6EF-82670B3BF794}" type="presOf" srcId="{F5F55255-3B4A-4616-B6F8-0A66537C5D82}" destId="{8A748C3E-CE62-4E92-A0FE-1F5548AC9D02}" srcOrd="0" destOrd="5" presId="urn:microsoft.com/office/officeart/2005/8/layout/list1"/>
+    <dgm:cxn modelId="{27F0BE87-1F53-4513-854E-A9EF65EBF7FE}" srcId="{EE76E364-6A46-492A-9FD7-63C775ADA808}" destId="{3850311C-A53C-4052-BDD5-F5866951D844}" srcOrd="1" destOrd="0" parTransId="{1093B51F-1E48-46C6-B64A-7D72D2D61ACC}" sibTransId="{B85F275C-6B08-4B47-A49E-6839949226DE}"/>
+    <dgm:cxn modelId="{D3DDFC8D-E675-4B05-8D8F-1BB4A9CE7573}" type="presOf" srcId="{3850311C-A53C-4052-BDD5-F5866951D844}" destId="{8A748C3E-CE62-4E92-A0FE-1F5548AC9D02}" srcOrd="0" destOrd="1" presId="urn:microsoft.com/office/officeart/2005/8/layout/list1"/>
+    <dgm:cxn modelId="{C62AC98E-E928-42FA-A277-7F38775C0B7E}" srcId="{EE76E364-6A46-492A-9FD7-63C775ADA808}" destId="{3ACFCC25-7784-4356-B8DF-A35CF2CC5237}" srcOrd="3" destOrd="0" parTransId="{1FFA7EC9-892D-4681-A9B1-5FE3969C5613}" sibTransId="{423D80BF-E726-4A72-8017-67F8D9F24CD1}"/>
+    <dgm:cxn modelId="{EDA2B0A6-6285-42C8-ACD6-A0ED11956F63}" srcId="{EE76E364-6A46-492A-9FD7-63C775ADA808}" destId="{147F1B68-2F1B-4E54-A64E-FDF57E94FBAE}" srcOrd="6" destOrd="0" parTransId="{BB5E3B85-D782-4999-882E-B3E92E827653}" sibTransId="{7A783848-5787-4168-A501-C8A8796F4A23}"/>
     <dgm:cxn modelId="{D3CD3EAD-7193-4575-98B5-F9317CE4FB43}" srcId="{EA4C9FAE-8632-437A-94BC-F7324DD67615}" destId="{F5F55255-3B4A-4616-B6F8-0A66537C5D82}" srcOrd="0" destOrd="0" parTransId="{AF394C79-B2A6-4DCB-885D-CE8D2685EC33}" sibTransId="{E6592C2A-BD5F-424A-817B-CCDA29892586}"/>
-    <dgm:cxn modelId="{EC22ABB2-7ED1-4B07-AA92-F5ECE1EA5D71}" type="presOf" srcId="{EA4C9FAE-8632-437A-94BC-F7324DD67615}" destId="{8A748C3E-CE62-4E92-A0FE-1F5548AC9D02}" srcOrd="0" destOrd="4" presId="urn:microsoft.com/office/officeart/2005/8/layout/list1"/>
-    <dgm:cxn modelId="{5E9EFBBC-6F16-404D-8426-5A65476D0E63}" type="presOf" srcId="{24C10798-75D1-47C0-A4DB-CA289CC5805B}" destId="{8A748C3E-CE62-4E92-A0FE-1F5548AC9D02}" srcOrd="0" destOrd="6" presId="urn:microsoft.com/office/officeart/2005/8/layout/list1"/>
-    <dgm:cxn modelId="{532EA1BD-9135-47A3-810A-B944735836EF}" type="presOf" srcId="{EE76E364-6A46-492A-9FD7-63C775ADA808}" destId="{0E75AC4A-956D-493C-A82B-572CF3B1603B}" srcOrd="0" destOrd="0" presId="urn:microsoft.com/office/officeart/2005/8/layout/list1"/>
-    <dgm:cxn modelId="{E4E41DC1-0B30-467C-9E5A-F2C285252BDB}" srcId="{FB7856FD-14F6-497F-A96F-439DE861ECA4}" destId="{99F831AF-A12E-4F07-801E-615F89B3AC36}" srcOrd="1" destOrd="0" parTransId="{94B83BAF-5140-4A09-9644-C69A5C49696A}" sibTransId="{1FFBFB34-0516-4E12-B7E7-CA0B0A76FEBB}"/>
-    <dgm:cxn modelId="{061639D3-5D54-47A9-BA0F-3FBD23F399C3}" type="presOf" srcId="{E31BE80F-FA49-4F70-A117-DEE2C6B30620}" destId="{8A748C3E-CE62-4E92-A0FE-1F5548AC9D02}" srcOrd="0" destOrd="3" presId="urn:microsoft.com/office/officeart/2005/8/layout/list1"/>
-    <dgm:cxn modelId="{1768D9DB-57D8-4877-BB53-088C72093E55}" type="presOf" srcId="{99F831AF-A12E-4F07-801E-615F89B3AC36}" destId="{8A748C3E-CE62-4E92-A0FE-1F5548AC9D02}" srcOrd="0" destOrd="2" presId="urn:microsoft.com/office/officeart/2005/8/layout/list1"/>
+    <dgm:cxn modelId="{A22FD4B2-7A35-4E88-9759-5C8856D49BA3}" type="presOf" srcId="{EA4C9FAE-8632-437A-94BC-F7324DD67615}" destId="{8A748C3E-CE62-4E92-A0FE-1F5548AC9D02}" srcOrd="0" destOrd="5" presId="urn:microsoft.com/office/officeart/2005/8/layout/list1"/>
+    <dgm:cxn modelId="{A1F187D5-2309-485A-9E59-78CEC5B4B9EB}" type="presOf" srcId="{EE76E364-6A46-492A-9FD7-63C775ADA808}" destId="{EF67F11A-FCD0-4E59-A23F-17BCC3FB1182}" srcOrd="1" destOrd="0" presId="urn:microsoft.com/office/officeart/2005/8/layout/list1"/>
     <dgm:cxn modelId="{8ADAB9E6-BB3B-4581-9B45-07948A4AEA67}" srcId="{228ADC0D-83DA-40CE-9EF2-B2A23B2BA12F}" destId="{EE76E364-6A46-492A-9FD7-63C775ADA808}" srcOrd="0" destOrd="0" parTransId="{522B9AE2-1358-4DCB-B21B-51AD7A4CC3B6}" sibTransId="{119AEC78-9891-4081-85AD-AAE5114E48ED}"/>
-    <dgm:cxn modelId="{352A38F5-F7D6-411D-943C-C3F938C1E3D7}" srcId="{FB7856FD-14F6-497F-A96F-439DE861ECA4}" destId="{141D3803-6A45-424D-9651-5627AAB61B6A}" srcOrd="0" destOrd="0" parTransId="{72A51AD2-8239-4A14-AC0B-88EEA7A0179C}" sibTransId="{A60107BD-2C24-49F4-A940-BA89AA44743A}"/>
-    <dgm:cxn modelId="{2279119C-6185-49D8-86B8-240418A9F99B}" type="presParOf" srcId="{529C8736-509C-426A-B1AF-D9FE39FB5B28}" destId="{8BC7EA25-256B-410A-8E19-CC15A19D412A}" srcOrd="0" destOrd="0" presId="urn:microsoft.com/office/officeart/2005/8/layout/list1"/>
-    <dgm:cxn modelId="{765E31C3-7799-46A6-8DC4-0025CE16B733}" type="presParOf" srcId="{8BC7EA25-256B-410A-8E19-CC15A19D412A}" destId="{0E75AC4A-956D-493C-A82B-572CF3B1603B}" srcOrd="0" destOrd="0" presId="urn:microsoft.com/office/officeart/2005/8/layout/list1"/>
-    <dgm:cxn modelId="{46E10686-AFE9-435F-BB57-78D8F28274FC}" type="presParOf" srcId="{8BC7EA25-256B-410A-8E19-CC15A19D412A}" destId="{EF67F11A-FCD0-4E59-A23F-17BCC3FB1182}" srcOrd="1" destOrd="0" presId="urn:microsoft.com/office/officeart/2005/8/layout/list1"/>
-    <dgm:cxn modelId="{C5FB36A8-85E2-4A6A-8F32-E07DDABC9065}" type="presParOf" srcId="{529C8736-509C-426A-B1AF-D9FE39FB5B28}" destId="{E84E3A97-5D14-4C15-B06F-E00215B154CE}" srcOrd="1" destOrd="0" presId="urn:microsoft.com/office/officeart/2005/8/layout/list1"/>
-    <dgm:cxn modelId="{CD232058-5717-4FCC-872D-4E6D9145899C}" type="presParOf" srcId="{529C8736-509C-426A-B1AF-D9FE39FB5B28}" destId="{8A748C3E-CE62-4E92-A0FE-1F5548AC9D02}" srcOrd="2" destOrd="0" presId="urn:microsoft.com/office/officeart/2005/8/layout/list1"/>
+    <dgm:cxn modelId="{4F9365FF-2D6F-4D0D-9E60-1782CBB99FAC}" type="presOf" srcId="{FB7856FD-14F6-497F-A96F-439DE861ECA4}" destId="{8A748C3E-CE62-4E92-A0FE-1F5548AC9D02}" srcOrd="0" destOrd="0" presId="urn:microsoft.com/office/officeart/2005/8/layout/list1"/>
+    <dgm:cxn modelId="{5070C104-B1E1-40F1-A0DE-97F4F4CD7310}" type="presParOf" srcId="{529C8736-509C-426A-B1AF-D9FE39FB5B28}" destId="{8BC7EA25-256B-410A-8E19-CC15A19D412A}" srcOrd="0" destOrd="0" presId="urn:microsoft.com/office/officeart/2005/8/layout/list1"/>
+    <dgm:cxn modelId="{204DA009-B3F1-4225-839C-DF0A8826F00A}" type="presParOf" srcId="{8BC7EA25-256B-410A-8E19-CC15A19D412A}" destId="{0E75AC4A-956D-493C-A82B-572CF3B1603B}" srcOrd="0" destOrd="0" presId="urn:microsoft.com/office/officeart/2005/8/layout/list1"/>
+    <dgm:cxn modelId="{D8782D56-DDA4-486D-8333-D9521FAE6776}" type="presParOf" srcId="{8BC7EA25-256B-410A-8E19-CC15A19D412A}" destId="{EF67F11A-FCD0-4E59-A23F-17BCC3FB1182}" srcOrd="1" destOrd="0" presId="urn:microsoft.com/office/officeart/2005/8/layout/list1"/>
+    <dgm:cxn modelId="{836B591A-C28B-4C37-AF15-8B5DBC70DA21}" type="presParOf" srcId="{529C8736-509C-426A-B1AF-D9FE39FB5B28}" destId="{E84E3A97-5D14-4C15-B06F-E00215B154CE}" srcOrd="1" destOrd="0" presId="urn:microsoft.com/office/officeart/2005/8/layout/list1"/>
+    <dgm:cxn modelId="{8BA68BD2-7FDC-4C1D-AF1A-DD92BF1A2A14}" type="presParOf" srcId="{529C8736-509C-426A-B1AF-D9FE39FB5B28}" destId="{8A748C3E-CE62-4E92-A0FE-1F5548AC9D02}" srcOrd="2" destOrd="0" presId="urn:microsoft.com/office/officeart/2005/8/layout/list1"/>
   </dgm:cxnLst>
   <dgm:bg/>
   <dgm:whole/>
@@ -4023,8 +4258,12 @@
             <a:buChar char="–"/>
           </a:pPr>
           <a:r>
-            <a:rPr lang="it-IT"/>
-            <a:t>DocumentAnalysisService: OCR e estrazione dati da PDF/immagini</a:t>
+            <a:rPr lang="it-IT" dirty="0" err="1"/>
+            <a:t>DocumentAnalysisService</a:t>
+          </a:r>
+          <a:r>
+            <a:rPr lang="it-IT" dirty="0"/>
+            <a:t>: OCR e estrazione dati da PDF/immagini</a:t>
           </a:r>
         </a:p>
       </dgm:t>
@@ -4282,7 +4521,7 @@
       <dgm:spPr/>
     </dgm:pt>
     <dgm:pt modelId="{8A748C3E-CE62-4E92-A0FE-1F5548AC9D02}" type="pres">
-      <dgm:prSet presAssocID="{EE76E364-6A46-492A-9FD7-63C775ADA808}" presName="childText" presStyleLbl="conFgAcc1" presStyleIdx="0" presStyleCnt="1" custLinFactNeighborX="-424">
+      <dgm:prSet presAssocID="{EE76E364-6A46-492A-9FD7-63C775ADA808}" presName="childText" presStyleLbl="conFgAcc1" presStyleIdx="0" presStyleCnt="1" custLinFactNeighborX="2423" custLinFactNeighborY="-40244">
         <dgm:presLayoutVars>
           <dgm:bulletEnabled val="1"/>
         </dgm:presLayoutVars>
@@ -5349,8 +5588,8 @@
       </dsp:nvSpPr>
       <dsp:spPr>
         <a:xfrm>
-          <a:off x="0" y="384974"/>
-          <a:ext cx="4682021" cy="4167450"/>
+          <a:off x="0" y="482142"/>
+          <a:ext cx="7086599" cy="5563453"/>
         </a:xfrm>
         <a:prstGeom prst="rect">
           <a:avLst/>
@@ -5386,12 +5625,12 @@
         <a:fontRef idx="minor"/>
       </dsp:style>
       <dsp:txBody>
-        <a:bodyPr spcFirstLastPara="0" vert="horz" wrap="square" lIns="363377" tIns="437388" rIns="363377" bIns="149352" numCol="1" spcCol="1270" anchor="t" anchorCtr="0">
+        <a:bodyPr spcFirstLastPara="0" vert="horz" wrap="square" lIns="549999" tIns="479044" rIns="549999" bIns="163576" numCol="1" spcCol="1270" anchor="t" anchorCtr="0">
           <a:noAutofit/>
         </a:bodyPr>
         <a:lstStyle/>
         <a:p>
-          <a:pPr marL="228600" lvl="1" indent="-228600" algn="l" defTabSz="933450">
+          <a:pPr marL="228600" lvl="1" indent="-228600" algn="l" defTabSz="1022350">
             <a:lnSpc>
               <a:spcPct val="90000"/>
             </a:lnSpc>
@@ -5403,14 +5642,217 @@
             </a:spcAft>
             <a:buChar char="•"/>
           </a:pPr>
-          <a:r>
-            <a:rPr lang="it-IT" sz="2100" b="1" kern="1200" dirty="0"/>
-            <a:t> Framework principale</a:t>
-          </a:r>
-          <a:endParaRPr lang="en-US" sz="2100" kern="1200" dirty="0"/>
+          <a:endParaRPr lang="en-US" sz="2300" kern="1200" dirty="0"/>
         </a:p>
         <a:p>
-          <a:pPr marL="457200" lvl="2" indent="-228600" algn="l" defTabSz="933450">
+          <a:pPr marL="228600" lvl="1" indent="-228600" algn="l" defTabSz="1022350">
+            <a:lnSpc>
+              <a:spcPct val="90000"/>
+            </a:lnSpc>
+            <a:spcBef>
+              <a:spcPct val="0"/>
+            </a:spcBef>
+            <a:spcAft>
+              <a:spcPct val="15000"/>
+            </a:spcAft>
+            <a:buFont typeface="Arial" panose="020B0604020202020204" pitchFamily="34" charset="0"/>
+            <a:buChar char="•"/>
+          </a:pPr>
+          <a:r>
+            <a:rPr lang="it-IT" sz="2300" b="1" kern="1200" dirty="0" err="1"/>
+            <a:t>Angular</a:t>
+          </a:r>
+          <a:r>
+            <a:rPr lang="it-IT" sz="2300" b="1" kern="1200" dirty="0"/>
+            <a:t> (v21) in </a:t>
+          </a:r>
+          <a:r>
+            <a:rPr lang="it-IT" sz="2300" b="1" kern="1200" dirty="0" err="1"/>
+            <a:t>TypeScript</a:t>
+          </a:r>
+          <a:r>
+            <a:rPr lang="it-IT" sz="2300" b="1" kern="1200" dirty="0"/>
+            <a:t> su ambiente Node.js v24</a:t>
+          </a:r>
+          <a:endParaRPr lang="en-US" sz="2300" kern="1200" dirty="0"/>
+        </a:p>
+        <a:p>
+          <a:pPr marL="228600" lvl="1" indent="-228600" algn="l" defTabSz="1022350">
+            <a:lnSpc>
+              <a:spcPct val="90000"/>
+            </a:lnSpc>
+            <a:spcBef>
+              <a:spcPct val="0"/>
+            </a:spcBef>
+            <a:spcAft>
+              <a:spcPct val="15000"/>
+            </a:spcAft>
+            <a:buFont typeface="Arial" panose="020B0604020202020204" pitchFamily="34" charset="0"/>
+            <a:buChar char="•"/>
+          </a:pPr>
+          <a:r>
+            <a:rPr lang="en-US" sz="2300" kern="1200" dirty="0"/>
+            <a:t>Progettazione in </a:t>
+          </a:r>
+          <a:r>
+            <a:rPr lang="en-US" sz="2300" b="1" kern="1200" dirty="0"/>
+            <a:t>Components, </a:t>
+          </a:r>
+          <a:r>
+            <a:rPr lang="en-US" sz="2300" b="0" kern="1200" dirty="0" err="1"/>
+            <a:t>ognuno</a:t>
+          </a:r>
+          <a:r>
+            <a:rPr lang="en-US" sz="2300" b="0" kern="1200" dirty="0"/>
+            <a:t> </a:t>
+          </a:r>
+          <a:r>
+            <a:rPr lang="en-US" sz="2300" b="0" kern="1200" dirty="0" err="1"/>
+            <a:t>definisce</a:t>
+          </a:r>
+          <a:r>
+            <a:rPr lang="en-US" sz="2300" b="0" kern="1200" dirty="0"/>
+            <a:t> </a:t>
+          </a:r>
+          <a:r>
+            <a:rPr lang="en-US" sz="2300" kern="1200" dirty="0" err="1"/>
+            <a:t>una</a:t>
+          </a:r>
+          <a:r>
+            <a:rPr lang="en-US" sz="2300" kern="1200" dirty="0"/>
+            <a:t> </a:t>
+          </a:r>
+          <a:r>
+            <a:rPr lang="en-US" sz="2300" kern="1200" dirty="0" err="1"/>
+            <a:t>singola</a:t>
+          </a:r>
+          <a:r>
+            <a:rPr lang="en-US" sz="2300" kern="1200" dirty="0"/>
+            <a:t> </a:t>
+          </a:r>
+          <a:r>
+            <a:rPr lang="en-US" sz="2300" kern="1200" dirty="0" err="1"/>
+            <a:t>pagina</a:t>
+          </a:r>
+          <a:r>
+            <a:rPr lang="en-US" sz="2300" kern="1200" dirty="0"/>
+            <a:t>: es. </a:t>
+          </a:r>
+          <a:r>
+            <a:rPr lang="it-IT" sz="2300" b="0" kern="1200" dirty="0" err="1"/>
+            <a:t>AiAssistant</a:t>
+          </a:r>
+          <a:r>
+            <a:rPr lang="en-US" sz="2300" kern="1200" dirty="0"/>
+            <a:t>, </a:t>
+          </a:r>
+          <a:r>
+            <a:rPr lang="it-IT" sz="2300" b="0" kern="1200" dirty="0" err="1"/>
+            <a:t>AiCopilot</a:t>
+          </a:r>
+          <a:endParaRPr lang="en-US" sz="2300" kern="1200" dirty="0"/>
+        </a:p>
+        <a:p>
+          <a:pPr marL="228600" lvl="1" indent="-228600" algn="l" defTabSz="1022350">
+            <a:lnSpc>
+              <a:spcPct val="90000"/>
+            </a:lnSpc>
+            <a:spcBef>
+              <a:spcPct val="0"/>
+            </a:spcBef>
+            <a:spcAft>
+              <a:spcPct val="15000"/>
+            </a:spcAft>
+            <a:buFont typeface="Arial" panose="020B0604020202020204" pitchFamily="34" charset="0"/>
+            <a:buChar char="•"/>
+          </a:pPr>
+          <a:r>
+            <a:rPr lang="en-US" sz="2300" kern="1200" dirty="0"/>
+            <a:t>2 </a:t>
+          </a:r>
+          <a:r>
+            <a:rPr lang="en-US" sz="2300" kern="1200" dirty="0" err="1"/>
+            <a:t>classi</a:t>
+          </a:r>
+          <a:r>
+            <a:rPr lang="en-US" sz="2300" kern="1200" dirty="0"/>
+            <a:t> di Servizi: </a:t>
+          </a:r>
+          <a:r>
+            <a:rPr lang="it-IT" sz="2300" b="0" kern="1200" dirty="0" err="1"/>
+            <a:t>ConversationsService</a:t>
+          </a:r>
+          <a:r>
+            <a:rPr lang="it-IT" sz="2300" b="0" kern="1200" dirty="0"/>
+            <a:t>, </a:t>
+          </a:r>
+          <a:r>
+            <a:rPr lang="it-IT" sz="2300" b="0" kern="1200" dirty="0" err="1"/>
+            <a:t>DocumentsService</a:t>
+          </a:r>
+          <a:endParaRPr lang="en-US" sz="2300" kern="1200" dirty="0"/>
+        </a:p>
+        <a:p>
+          <a:pPr marL="228600" lvl="1" indent="-228600" algn="l" defTabSz="1022350">
+            <a:lnSpc>
+              <a:spcPct val="90000"/>
+            </a:lnSpc>
+            <a:spcBef>
+              <a:spcPct val="0"/>
+            </a:spcBef>
+            <a:spcAft>
+              <a:spcPct val="15000"/>
+            </a:spcAft>
+            <a:buFont typeface="Arial" panose="020B0604020202020204" pitchFamily="34" charset="0"/>
+            <a:buChar char="•"/>
+          </a:pPr>
+          <a:r>
+            <a:rPr lang="it-IT" sz="2300" kern="1200" dirty="0"/>
+            <a:t>architettura </a:t>
+          </a:r>
+          <a:r>
+            <a:rPr lang="it-IT" sz="2300" b="1" kern="1200" dirty="0"/>
+            <a:t>SPA</a:t>
+          </a:r>
+          <a:r>
+            <a:rPr lang="it-IT" sz="2300" kern="1200" dirty="0"/>
+            <a:t> basata su </a:t>
+          </a:r>
+          <a:r>
+            <a:rPr lang="it-IT" sz="2300" b="1" kern="1200" dirty="0" err="1"/>
+            <a:t>Angular</a:t>
+          </a:r>
+          <a:r>
+            <a:rPr lang="it-IT" sz="2300" b="1" kern="1200" dirty="0"/>
+            <a:t> Router</a:t>
+          </a:r>
+          <a:endParaRPr lang="en-US" sz="2300" b="1" kern="1200" dirty="0"/>
+        </a:p>
+        <a:p>
+          <a:pPr marL="228600" lvl="1" indent="-228600" algn="l" defTabSz="1022350">
+            <a:lnSpc>
+              <a:spcPct val="90000"/>
+            </a:lnSpc>
+            <a:spcBef>
+              <a:spcPct val="0"/>
+            </a:spcBef>
+            <a:spcAft>
+              <a:spcPct val="15000"/>
+            </a:spcAft>
+            <a:buFont typeface="Arial" panose="020B0604020202020204" pitchFamily="34" charset="0"/>
+            <a:buChar char="•"/>
+          </a:pPr>
+          <a:r>
+            <a:rPr lang="it-IT" sz="2300" b="1" kern="1200" dirty="0" err="1"/>
+            <a:t>RxJS</a:t>
+          </a:r>
+          <a:r>
+            <a:rPr lang="it-IT" sz="2300" b="1" kern="1200" dirty="0"/>
+            <a:t> 7.8.0</a:t>
+          </a:r>
+        </a:p>
+        <a:p>
+          <a:pPr marL="457200" lvl="2" indent="-228600" algn="l" defTabSz="1022350">
             <a:lnSpc>
               <a:spcPct val="90000"/>
             </a:lnSpc>
@@ -5424,12 +5866,17 @@
             <a:buChar char="–"/>
           </a:pPr>
           <a:r>
-            <a:rPr lang="it-IT" sz="2100" kern="1200" dirty="0"/>
-            <a:t> Per dashboard amministrativa</a:t>
+            <a:rPr lang="it-IT" sz="2300" kern="1200" dirty="0"/>
+            <a:t> Gestione asincrona chiamate API al </a:t>
           </a:r>
+          <a:r>
+            <a:rPr lang="it-IT" sz="2300" kern="1200" dirty="0" err="1"/>
+            <a:t>backend</a:t>
+          </a:r>
+          <a:endParaRPr lang="it-IT" sz="2300" kern="1200" dirty="0"/>
         </a:p>
         <a:p>
-          <a:pPr marL="457200" lvl="2" indent="-228600" algn="l" defTabSz="933450">
+          <a:pPr marL="457200" lvl="2" indent="-228600" algn="l" defTabSz="1022350">
             <a:lnSpc>
               <a:spcPct val="90000"/>
             </a:lnSpc>
@@ -5443,12 +5890,20 @@
             <a:buChar char="–"/>
           </a:pPr>
           <a:r>
-            <a:rPr lang="it-IT" sz="2100" kern="1200" dirty="0"/>
-            <a:t> Componenti modulari: AI Assistant, AI Co-Pilot, Analytics, Storico</a:t>
+            <a:rPr lang="it-IT" sz="2300" kern="1200" dirty="0"/>
+            <a:t> </a:t>
+          </a:r>
+          <a:r>
+            <a:rPr lang="it-IT" sz="2300" b="1" kern="1200" dirty="0"/>
+            <a:t>Polling</a:t>
+          </a:r>
+          <a:r>
+            <a:rPr lang="it-IT" sz="2300" kern="1200" dirty="0"/>
+            <a:t> per i documenti in analisi</a:t>
           </a:r>
         </a:p>
         <a:p>
-          <a:pPr marL="228600" lvl="1" indent="-228600" algn="l" defTabSz="933450">
+          <a:pPr marL="228600" lvl="1" indent="-228600" algn="l" defTabSz="1022350">
             <a:lnSpc>
               <a:spcPct val="90000"/>
             </a:lnSpc>
@@ -5459,84 +5914,33 @@
               <a:spcPct val="15000"/>
             </a:spcAft>
             <a:buFont typeface="Arial" panose="020B0604020202020204" pitchFamily="34" charset="0"/>
-            <a:buNone/>
-          </a:pPr>
-          <a:endParaRPr lang="it-IT" sz="2100" kern="1200" dirty="0"/>
-        </a:p>
-        <a:p>
-          <a:pPr marL="228600" lvl="1" indent="-228600" algn="l" defTabSz="933450">
-            <a:lnSpc>
-              <a:spcPct val="90000"/>
-            </a:lnSpc>
-            <a:spcBef>
-              <a:spcPct val="0"/>
-            </a:spcBef>
-            <a:spcAft>
-              <a:spcPct val="15000"/>
-            </a:spcAft>
-            <a:buFont typeface="Arial" panose="020B0604020202020204" pitchFamily="34" charset="0"/>
-            <a:buNone/>
+            <a:buChar char="•"/>
           </a:pPr>
           <a:r>
-            <a:rPr lang="it-IT" sz="2100" b="1" kern="1200" dirty="0"/>
-            <a:t>• </a:t>
+            <a:rPr lang="it-IT" sz="2300" kern="1200" dirty="0"/>
+            <a:t>Gestione delle dipendenze usando  </a:t>
           </a:r>
           <a:r>
-            <a:rPr lang="it-IT" sz="2100" b="1" kern="1200" dirty="0" err="1"/>
-            <a:t>RxJS</a:t>
+            <a:rPr lang="it-IT" sz="2300" kern="1200" dirty="0" err="1"/>
+            <a:t>inject</a:t>
           </a:r>
           <a:r>
-            <a:rPr lang="it-IT" sz="2100" b="1" kern="1200" dirty="0"/>
-            <a:t> 7.8.0</a:t>
-          </a:r>
-        </a:p>
-        <a:p>
-          <a:pPr marL="457200" lvl="2" indent="-228600" algn="l" defTabSz="933450">
-            <a:lnSpc>
-              <a:spcPct val="90000"/>
-            </a:lnSpc>
-            <a:spcBef>
-              <a:spcPct val="0"/>
-            </a:spcBef>
-            <a:spcAft>
-              <a:spcPct val="15000"/>
-            </a:spcAft>
-            <a:buFont typeface="Arial" panose="020B0604020202020204" pitchFamily="34" charset="0"/>
-            <a:buChar char="–"/>
-          </a:pPr>
-          <a:r>
-            <a:rPr lang="it-IT" sz="2100" kern="1200" dirty="0"/>
-            <a:t> Gestione asincrona chiamate API al </a:t>
+            <a:rPr lang="it-IT" sz="2300" kern="1200" dirty="0"/>
+            <a:t>() per una </a:t>
           </a:r>
           <a:r>
-            <a:rPr lang="it-IT" sz="2100" kern="1200" dirty="0" err="1"/>
-            <a:t>backend</a:t>
+            <a:rPr lang="it-IT" sz="2300" b="1" kern="1200" dirty="0"/>
+            <a:t>DI</a:t>
           </a:r>
-          <a:endParaRPr lang="it-IT" sz="2100" kern="1200" dirty="0"/>
-        </a:p>
-        <a:p>
-          <a:pPr marL="457200" lvl="2" indent="-228600" algn="l" defTabSz="933450">
-            <a:lnSpc>
-              <a:spcPct val="90000"/>
-            </a:lnSpc>
-            <a:spcBef>
-              <a:spcPct val="0"/>
-            </a:spcBef>
-            <a:spcAft>
-              <a:spcPct val="15000"/>
-            </a:spcAft>
-            <a:buFont typeface="Arial" panose="020B0604020202020204" pitchFamily="34" charset="0"/>
-            <a:buChar char="–"/>
-          </a:pPr>
           <a:r>
-            <a:rPr lang="it-IT" sz="2100" kern="1200" dirty="0"/>
-            <a:t> Polling per status documenti in analisi</a:t>
+            <a:rPr lang="it-IT" sz="2300" kern="1200" dirty="0"/>
+            <a:t> più pulita</a:t>
           </a:r>
         </a:p>
       </dsp:txBody>
       <dsp:txXfrm>
-        <a:off x="0" y="384974"/>
-        <a:ext cx="4682021" cy="4167450"/>
+        <a:off x="0" y="482142"/>
+        <a:ext cx="7086599" cy="5563453"/>
       </dsp:txXfrm>
     </dsp:sp>
     <dsp:sp modelId="{EF67F11A-FCD0-4E59-A23F-17BCC3FB1182}">
@@ -5546,8 +5950,8 @@
       </dsp:nvSpPr>
       <dsp:spPr>
         <a:xfrm>
-          <a:off x="234101" y="75014"/>
-          <a:ext cx="3277415" cy="619920"/>
+          <a:off x="754496" y="0"/>
+          <a:ext cx="4960619" cy="1151280"/>
         </a:xfrm>
         <a:prstGeom prst="roundRect">
           <a:avLst/>
@@ -5613,12 +6017,12 @@
         </a:fontRef>
       </dsp:style>
       <dsp:txBody>
-        <a:bodyPr spcFirstLastPara="0" vert="horz" wrap="square" lIns="123878" tIns="0" rIns="123878" bIns="0" numCol="1" spcCol="1270" anchor="ctr" anchorCtr="0">
+        <a:bodyPr spcFirstLastPara="0" vert="horz" wrap="square" lIns="187500" tIns="0" rIns="187500" bIns="0" numCol="1" spcCol="1270" anchor="ctr" anchorCtr="0">
           <a:noAutofit/>
         </a:bodyPr>
         <a:lstStyle/>
         <a:p>
-          <a:pPr marL="0" lvl="0" indent="0" algn="l" defTabSz="933450">
+          <a:pPr marL="0" lvl="0" indent="0" algn="l" defTabSz="1022350">
             <a:lnSpc>
               <a:spcPct val="90000"/>
             </a:lnSpc>
@@ -5631,23 +6035,23 @@
             <a:buNone/>
           </a:pPr>
           <a:r>
-            <a:rPr lang="it-IT" sz="2100" b="1" kern="1200" dirty="0" err="1"/>
+            <a:rPr lang="it-IT" sz="2300" b="1" kern="1200" dirty="0" err="1"/>
             <a:t>Frontend</a:t>
           </a:r>
           <a:r>
-            <a:rPr lang="it-IT" sz="2100" b="1" kern="1200" dirty="0"/>
+            <a:rPr lang="it-IT" sz="2300" b="1" kern="1200" dirty="0"/>
             <a:t> - </a:t>
           </a:r>
           <a:r>
-            <a:rPr lang="it-IT" sz="2100" b="1" kern="1200" dirty="0" err="1"/>
+            <a:rPr lang="it-IT" sz="2300" b="1" kern="1200" dirty="0" err="1"/>
             <a:t>Angular</a:t>
           </a:r>
-          <a:endParaRPr lang="en-US" sz="2100" kern="1200" dirty="0"/>
+          <a:endParaRPr lang="en-US" sz="2300" kern="1200" dirty="0"/>
         </a:p>
       </dsp:txBody>
       <dsp:txXfrm>
-        <a:off x="264363" y="105276"/>
-        <a:ext cx="3216891" cy="559396"/>
+        <a:off x="810697" y="56201"/>
+        <a:ext cx="4848217" cy="1038878"/>
       </dsp:txXfrm>
     </dsp:sp>
   </dsp:spTree>
@@ -5669,8 +6073,8 @@
       </dsp:nvSpPr>
       <dsp:spPr>
         <a:xfrm>
-          <a:off x="0" y="564599"/>
-          <a:ext cx="4682021" cy="3969000"/>
+          <a:off x="0" y="259080"/>
+          <a:ext cx="6687067" cy="6098400"/>
         </a:xfrm>
         <a:prstGeom prst="rect">
           <a:avLst/>
@@ -5706,12 +6110,12 @@
         <a:fontRef idx="minor"/>
       </dsp:style>
       <dsp:txBody>
-        <a:bodyPr spcFirstLastPara="0" vert="horz" wrap="square" lIns="363377" tIns="312420" rIns="363377" bIns="106680" numCol="1" spcCol="1270" anchor="t" anchorCtr="0">
+        <a:bodyPr spcFirstLastPara="0" vert="horz" wrap="square" lIns="518991" tIns="458216" rIns="518991" bIns="156464" numCol="1" spcCol="1270" anchor="t" anchorCtr="0">
           <a:noAutofit/>
         </a:bodyPr>
         <a:lstStyle/>
         <a:p>
-          <a:pPr marL="114300" lvl="1" indent="-114300" algn="l" defTabSz="666750">
+          <a:pPr marL="228600" lvl="1" indent="-228600" algn="l" defTabSz="977900">
             <a:lnSpc>
               <a:spcPct val="90000"/>
             </a:lnSpc>
@@ -5724,13 +6128,13 @@
             <a:buChar char="•"/>
           </a:pPr>
           <a:r>
-            <a:rPr lang="it-IT" sz="1500" b="1" kern="1200" dirty="0"/>
+            <a:rPr lang="it-IT" sz="2200" b="1" kern="1200" dirty="0"/>
             <a:t>API REST </a:t>
           </a:r>
-          <a:endParaRPr lang="en-US" sz="1500" kern="1200" dirty="0"/>
+          <a:endParaRPr lang="en-US" sz="2200" kern="1200" dirty="0"/>
         </a:p>
         <a:p>
-          <a:pPr marL="228600" lvl="2" indent="-114300" algn="l" defTabSz="666750">
+          <a:pPr marL="457200" lvl="2" indent="-228600" algn="l" defTabSz="977900">
             <a:lnSpc>
               <a:spcPct val="90000"/>
             </a:lnSpc>
@@ -5744,12 +6148,12 @@
             <a:buChar char="–"/>
           </a:pPr>
           <a:r>
-            <a:rPr lang="it-IT" sz="1500" kern="1200"/>
+            <a:rPr lang="it-IT" sz="2200" kern="1200"/>
             <a:t>Endpoint per generazione testo AI (/genera)</a:t>
           </a:r>
         </a:p>
         <a:p>
-          <a:pPr marL="228600" lvl="2" indent="-114300" algn="l" defTabSz="666750">
+          <a:pPr marL="457200" lvl="2" indent="-228600" algn="l" defTabSz="977900">
             <a:lnSpc>
               <a:spcPct val="90000"/>
             </a:lnSpc>
@@ -5763,12 +6167,12 @@
             <a:buChar char="–"/>
           </a:pPr>
           <a:r>
-            <a:rPr lang="it-IT" sz="1500" kern="1200" dirty="0"/>
+            <a:rPr lang="it-IT" sz="2200" kern="1200" dirty="0"/>
             <a:t>Gestione documenti: upload, analisi, consultazione</a:t>
           </a:r>
         </a:p>
         <a:p>
-          <a:pPr marL="228600" lvl="2" indent="-114300" algn="l" defTabSz="666750">
+          <a:pPr marL="457200" lvl="2" indent="-228600" algn="l" defTabSz="977900">
             <a:lnSpc>
               <a:spcPct val="90000"/>
             </a:lnSpc>
@@ -5782,12 +6186,12 @@
             <a:buChar char="–"/>
           </a:pPr>
           <a:r>
-            <a:rPr lang="it-IT" sz="1500" kern="1200" dirty="0"/>
+            <a:rPr lang="it-IT" sz="2200" kern="1200" dirty="0"/>
             <a:t>Gestione conversazioni e storico messaggi</a:t>
           </a:r>
         </a:p>
         <a:p>
-          <a:pPr marL="114300" lvl="1" indent="-114300" algn="l" defTabSz="666750">
+          <a:pPr marL="228600" lvl="1" indent="-228600" algn="l" defTabSz="977900">
             <a:lnSpc>
               <a:spcPct val="90000"/>
             </a:lnSpc>
@@ -5800,10 +6204,10 @@
             <a:buFont typeface="Arial" panose="020B0604020202020204" pitchFamily="34" charset="0"/>
             <a:buNone/>
           </a:pPr>
-          <a:endParaRPr lang="it-IT" sz="1500" kern="1200" dirty="0"/>
+          <a:endParaRPr lang="it-IT" sz="2200" kern="1200" dirty="0"/>
         </a:p>
         <a:p>
-          <a:pPr marL="114300" lvl="1" indent="-114300" algn="l" defTabSz="666750">
+          <a:pPr marL="228600" lvl="1" indent="-228600" algn="l" defTabSz="977900">
             <a:lnSpc>
               <a:spcPct val="90000"/>
             </a:lnSpc>
@@ -5817,12 +6221,12 @@
             <a:buChar char="•"/>
           </a:pPr>
           <a:r>
-            <a:rPr lang="it-IT" sz="1500" b="1" kern="1200" dirty="0"/>
+            <a:rPr lang="it-IT" sz="2200" b="1" kern="1200" dirty="0"/>
             <a:t>Service Pattern</a:t>
           </a:r>
         </a:p>
         <a:p>
-          <a:pPr marL="228600" lvl="2" indent="-114300" algn="l" defTabSz="666750">
+          <a:pPr marL="457200" lvl="2" indent="-228600" algn="l" defTabSz="977900">
             <a:lnSpc>
               <a:spcPct val="90000"/>
             </a:lnSpc>
@@ -5836,12 +6240,12 @@
             <a:buChar char="–"/>
           </a:pPr>
           <a:r>
-            <a:rPr lang="it-IT" sz="1500" kern="1200"/>
+            <a:rPr lang="it-IT" sz="2200" kern="1200"/>
             <a:t>AiService: orchestrazione generazione testo con contesto aziendale</a:t>
           </a:r>
         </a:p>
         <a:p>
-          <a:pPr marL="228600" lvl="2" indent="-114300" algn="l" defTabSz="666750">
+          <a:pPr marL="457200" lvl="2" indent="-228600" algn="l" defTabSz="977900">
             <a:lnSpc>
               <a:spcPct val="90000"/>
             </a:lnSpc>
@@ -5855,12 +6259,16 @@
             <a:buChar char="–"/>
           </a:pPr>
           <a:r>
-            <a:rPr lang="it-IT" sz="1500" kern="1200"/>
-            <a:t>DocumentAnalysisService: OCR e estrazione dati da PDF/immagini</a:t>
+            <a:rPr lang="it-IT" sz="2200" kern="1200" dirty="0" err="1"/>
+            <a:t>DocumentAnalysisService</a:t>
+          </a:r>
+          <a:r>
+            <a:rPr lang="it-IT" sz="2200" kern="1200" dirty="0"/>
+            <a:t>: OCR e estrazione dati da PDF/immagini</a:t>
           </a:r>
         </a:p>
         <a:p>
-          <a:pPr marL="228600" lvl="2" indent="-114300" algn="l" defTabSz="666750">
+          <a:pPr marL="457200" lvl="2" indent="-228600" algn="l" defTabSz="977900">
             <a:lnSpc>
               <a:spcPct val="90000"/>
             </a:lnSpc>
@@ -5874,17 +6282,17 @@
             <a:buChar char="–"/>
           </a:pPr>
           <a:r>
-            <a:rPr lang="en-US" sz="1500" kern="1200" dirty="0" err="1"/>
+            <a:rPr lang="en-US" sz="2200" kern="1200" dirty="0" err="1"/>
             <a:t>AiTextGenerator</a:t>
           </a:r>
           <a:r>
-            <a:rPr lang="en-US" sz="1500" kern="1200" dirty="0"/>
+            <a:rPr lang="en-US" sz="2200" kern="1200" dirty="0"/>
             <a:t>: adapter per AWS Bedrock SDK</a:t>
           </a:r>
-          <a:endParaRPr lang="it-IT" sz="1500" kern="1200" dirty="0"/>
+          <a:endParaRPr lang="it-IT" sz="2200" kern="1200" dirty="0"/>
         </a:p>
         <a:p>
-          <a:pPr marL="114300" lvl="1" indent="-114300" algn="l" defTabSz="666750">
+          <a:pPr marL="228600" lvl="1" indent="-228600" algn="l" defTabSz="977900">
             <a:lnSpc>
               <a:spcPct val="90000"/>
             </a:lnSpc>
@@ -5897,10 +6305,10 @@
             <a:buFont typeface="Arial" panose="020B0604020202020204" pitchFamily="34" charset="0"/>
             <a:buNone/>
           </a:pPr>
-          <a:endParaRPr lang="it-IT" sz="1500" kern="1200" dirty="0"/>
+          <a:endParaRPr lang="it-IT" sz="2200" kern="1200" dirty="0"/>
         </a:p>
         <a:p>
-          <a:pPr marL="114300" lvl="1" indent="-114300" algn="l" defTabSz="666750">
+          <a:pPr marL="228600" lvl="1" indent="-228600" algn="l" defTabSz="977900">
             <a:lnSpc>
               <a:spcPct val="90000"/>
             </a:lnSpc>
@@ -5914,12 +6322,12 @@
             <a:buChar char="•"/>
           </a:pPr>
           <a:r>
-            <a:rPr lang="it-IT" sz="1500" b="1" kern="1200" dirty="0"/>
+            <a:rPr lang="it-IT" sz="2200" b="1" kern="1200" dirty="0"/>
             <a:t>Active Storage</a:t>
           </a:r>
         </a:p>
         <a:p>
-          <a:pPr marL="228600" lvl="2" indent="-114300" algn="l" defTabSz="666750">
+          <a:pPr marL="457200" lvl="2" indent="-228600" algn="l" defTabSz="977900">
             <a:lnSpc>
               <a:spcPct val="90000"/>
             </a:lnSpc>
@@ -5933,14 +6341,14 @@
             <a:buChar char="–"/>
           </a:pPr>
           <a:r>
-            <a:rPr lang="it-IT" sz="1500" kern="1200" dirty="0"/>
+            <a:rPr lang="it-IT" sz="2200" kern="1200" dirty="0"/>
             <a:t>Gestione upload e storage documenti</a:t>
           </a:r>
         </a:p>
       </dsp:txBody>
       <dsp:txXfrm>
-        <a:off x="0" y="564599"/>
-        <a:ext cx="4682021" cy="3969000"/>
+        <a:off x="0" y="259080"/>
+        <a:ext cx="6687067" cy="6098400"/>
       </dsp:txXfrm>
     </dsp:sp>
     <dsp:sp modelId="{EF67F11A-FCD0-4E59-A23F-17BCC3FB1182}">
@@ -5950,8 +6358,8 @@
       </dsp:nvSpPr>
       <dsp:spPr>
         <a:xfrm>
-          <a:off x="234101" y="343199"/>
-          <a:ext cx="3277415" cy="442800"/>
+          <a:off x="334353" y="65040"/>
+          <a:ext cx="4680946" cy="649440"/>
         </a:xfrm>
         <a:prstGeom prst="roundRect">
           <a:avLst/>
@@ -6017,12 +6425,12 @@
         </a:fontRef>
       </dsp:style>
       <dsp:txBody>
-        <a:bodyPr spcFirstLastPara="0" vert="horz" wrap="square" lIns="123878" tIns="0" rIns="123878" bIns="0" numCol="1" spcCol="1270" anchor="ctr" anchorCtr="0">
+        <a:bodyPr spcFirstLastPara="0" vert="horz" wrap="square" lIns="176929" tIns="0" rIns="176929" bIns="0" numCol="1" spcCol="1270" anchor="ctr" anchorCtr="0">
           <a:noAutofit/>
         </a:bodyPr>
         <a:lstStyle/>
         <a:p>
-          <a:pPr marL="0" lvl="0" indent="0" algn="l" defTabSz="666750">
+          <a:pPr marL="0" lvl="0" indent="0" algn="l" defTabSz="977900">
             <a:lnSpc>
               <a:spcPct val="90000"/>
             </a:lnSpc>
@@ -6035,23 +6443,23 @@
             <a:buNone/>
           </a:pPr>
           <a:r>
-            <a:rPr lang="it-IT" sz="1500" b="1" kern="1200" dirty="0" err="1"/>
+            <a:rPr lang="it-IT" sz="2200" b="1" kern="1200" dirty="0" err="1"/>
             <a:t>Backend</a:t>
           </a:r>
           <a:r>
-            <a:rPr lang="it-IT" sz="1500" b="1" kern="1200" dirty="0"/>
+            <a:rPr lang="it-IT" sz="2200" b="1" kern="1200" dirty="0"/>
             <a:t> - Ruby on </a:t>
           </a:r>
           <a:r>
-            <a:rPr lang="it-IT" sz="1500" b="1" kern="1200" dirty="0" err="1"/>
+            <a:rPr lang="it-IT" sz="2200" b="1" kern="1200" dirty="0" err="1"/>
             <a:t>Rails</a:t>
           </a:r>
-          <a:endParaRPr lang="en-US" sz="1500" kern="1200" dirty="0"/>
+          <a:endParaRPr lang="en-US" sz="2200" kern="1200" dirty="0"/>
         </a:p>
       </dsp:txBody>
       <dsp:txXfrm>
-        <a:off x="255717" y="364815"/>
-        <a:ext cx="3234183" cy="399568"/>
+        <a:off x="366056" y="96743"/>
+        <a:ext cx="4617540" cy="586034"/>
       </dsp:txXfrm>
     </dsp:sp>
   </dsp:spTree>
@@ -11895,7 +12303,7 @@
           <a:p>
             <a:fld id="{7D0F7AA3-9057-4429-80B9-DC3D3FD0D30E}" type="datetimeFigureOut">
               <a:rPr lang="it-IT" smtClean="0"/>
-              <a:t>08/02/2026</a:t>
+              <a:t>09/02/2026</a:t>
             </a:fld>
             <a:endParaRPr lang="it-IT"/>
           </a:p>
@@ -12073,7 +12481,7 @@
           <a:p>
             <a:fld id="{DC233B30-4F8C-4A4C-AB5E-3B02323E36F5}" type="datetimeFigureOut">
               <a:rPr lang="it-IT" smtClean="0"/>
-              <a:t>08/02/2026</a:t>
+              <a:t>09/02/2026</a:t>
             </a:fld>
             <a:endParaRPr lang="it-IT"/>
           </a:p>
@@ -12611,7 +13019,7 @@
           <a:p>
             <a:fld id="{2AEBBCAD-870E-441A-8ABD-7498983D26CA}" type="datetime1">
               <a:rPr lang="en-US" smtClean="0"/>
-              <a:t>2/8/2026</a:t>
+              <a:t>2/9/2026</a:t>
             </a:fld>
             <a:endParaRPr lang="en-US"/>
           </a:p>
@@ -12775,7 +13183,7 @@
           <a:p>
             <a:fld id="{DBB619D4-11F3-4F3A-84A1-FD362988ED4B}" type="datetime1">
               <a:rPr lang="en-US" smtClean="0"/>
-              <a:t>2/8/2026</a:t>
+              <a:t>2/9/2026</a:t>
             </a:fld>
             <a:endParaRPr lang="en-US"/>
           </a:p>
@@ -12949,7 +13357,7 @@
           <a:p>
             <a:fld id="{9537A470-53D7-43F2-A38C-35EA5C3D9E3E}" type="datetime1">
               <a:rPr lang="en-US" smtClean="0"/>
-              <a:t>2/8/2026</a:t>
+              <a:t>2/9/2026</a:t>
             </a:fld>
             <a:endParaRPr lang="en-US"/>
           </a:p>
@@ -13113,7 +13521,7 @@
           <a:p>
             <a:fld id="{0CA91AF9-6521-45D8-81C8-C30E3165CD88}" type="datetime1">
               <a:rPr lang="en-US" smtClean="0"/>
-              <a:t>2/8/2026</a:t>
+              <a:t>2/9/2026</a:t>
             </a:fld>
             <a:endParaRPr lang="en-US"/>
           </a:p>
@@ -13354,7 +13762,7 @@
           <a:p>
             <a:fld id="{19ADD6C7-F40A-4EC5-A786-66FA25D032E8}" type="datetime1">
               <a:rPr lang="en-US" smtClean="0"/>
-              <a:t>2/8/2026</a:t>
+              <a:t>2/9/2026</a:t>
             </a:fld>
             <a:endParaRPr lang="en-US"/>
           </a:p>
@@ -13635,7 +14043,7 @@
           <a:p>
             <a:fld id="{73AF3211-BAC3-4D93-9598-8004ABF5F295}" type="datetime1">
               <a:rPr lang="en-US" smtClean="0"/>
-              <a:t>2/8/2026</a:t>
+              <a:t>2/9/2026</a:t>
             </a:fld>
             <a:endParaRPr lang="en-US"/>
           </a:p>
@@ -14050,7 +14458,7 @@
           <a:p>
             <a:fld id="{29EADF50-F9A2-4C97-A62A-50C60E010A22}" type="datetime1">
               <a:rPr lang="en-US" smtClean="0"/>
-              <a:t>2/8/2026</a:t>
+              <a:t>2/9/2026</a:t>
             </a:fld>
             <a:endParaRPr lang="en-US"/>
           </a:p>
@@ -14163,7 +14571,7 @@
           <a:p>
             <a:fld id="{DA927A00-663B-40A9-BEFA-F4F296EF78AF}" type="datetime1">
               <a:rPr lang="en-US" smtClean="0"/>
-              <a:t>2/8/2026</a:t>
+              <a:t>2/9/2026</a:t>
             </a:fld>
             <a:endParaRPr lang="en-US"/>
           </a:p>
@@ -14254,7 +14662,7 @@
           <a:p>
             <a:fld id="{130551C3-58EC-4AFE-B5E2-D1D9ADDB2862}" type="datetime1">
               <a:rPr lang="en-US" smtClean="0"/>
-              <a:t>2/8/2026</a:t>
+              <a:t>2/9/2026</a:t>
             </a:fld>
             <a:endParaRPr lang="en-US"/>
           </a:p>
@@ -14525,7 +14933,7 @@
           <a:p>
             <a:fld id="{C97796EB-1B2E-4E86-83B9-1E542E7481F4}" type="datetime1">
               <a:rPr lang="en-US" smtClean="0"/>
-              <a:t>2/8/2026</a:t>
+              <a:t>2/9/2026</a:t>
             </a:fld>
             <a:endParaRPr lang="en-US"/>
           </a:p>
@@ -14773,7 +15181,7 @@
           <a:p>
             <a:fld id="{F0DE7F15-0F43-40A0-8812-F3D41F61F70E}" type="datetime1">
               <a:rPr lang="en-US" smtClean="0"/>
-              <a:t>2/8/2026</a:t>
+              <a:t>2/9/2026</a:t>
             </a:fld>
             <a:endParaRPr lang="en-US"/>
           </a:p>
@@ -14980,7 +15388,7 @@
           <a:p>
             <a:fld id="{659F49B2-87B6-419A-8A54-1B4526018D64}" type="datetime1">
               <a:rPr lang="en-US" smtClean="0"/>
-              <a:t>2/8/2026</a:t>
+              <a:t>2/9/2026</a:t>
             </a:fld>
             <a:endParaRPr lang="en-US"/>
           </a:p>
@@ -16457,14 +16865,14 @@
           <p:nvPr>
             <p:extLst>
               <p:ext uri="{D42A27DB-BD31-4B8C-83A1-F6EECF244321}">
-                <p14:modId xmlns:p14="http://schemas.microsoft.com/office/powerpoint/2010/main" val="1913241686"/>
+                <p14:modId xmlns:p14="http://schemas.microsoft.com/office/powerpoint/2010/main" val="1505458884"/>
               </p:ext>
             </p:extLst>
           </p:nvPr>
         </p:nvGraphicFramePr>
         <p:xfrm>
-          <a:off x="9033979" y="5384605"/>
-          <a:ext cx="4682022" cy="4627440"/>
+          <a:off x="990600" y="3771900"/>
+          <a:ext cx="7086599" cy="6266835"/>
         </p:xfrm>
         <a:graphic>
           <a:graphicData uri="http://schemas.openxmlformats.org/drawingml/2006/diagram">
@@ -16499,8 +16907,8 @@
         </p:blipFill>
         <p:spPr>
           <a:xfrm>
-            <a:off x="3285892" y="5384605"/>
-            <a:ext cx="3124200" cy="3124200"/>
+            <a:off x="8565643" y="6848361"/>
+            <a:ext cx="3200400" cy="3200400"/>
           </a:xfrm>
           <a:prstGeom prst="rect">
             <a:avLst/>
@@ -16588,14 +16996,14 @@
           <p:nvPr>
             <p:extLst>
               <p:ext uri="{D42A27DB-BD31-4B8C-83A1-F6EECF244321}">
-                <p14:modId xmlns:p14="http://schemas.microsoft.com/office/powerpoint/2010/main" val="1672648828"/>
+                <p14:modId xmlns:p14="http://schemas.microsoft.com/office/powerpoint/2010/main" val="2486359371"/>
               </p:ext>
             </p:extLst>
           </p:nvPr>
         </p:nvGraphicFramePr>
         <p:xfrm>
-          <a:off x="9033979" y="266700"/>
-          <a:ext cx="4682022" cy="4876800"/>
+          <a:off x="9314933" y="266699"/>
+          <a:ext cx="6687067" cy="6553202"/>
         </p:xfrm>
         <a:graphic>
           <a:graphicData uri="http://schemas.openxmlformats.org/drawingml/2006/diagram">
@@ -16630,7 +17038,7 @@
         </p:blipFill>
         <p:spPr>
           <a:xfrm>
-            <a:off x="2525436" y="1485900"/>
+            <a:off x="3920531" y="857254"/>
             <a:ext cx="4645112" cy="1751433"/>
           </a:xfrm>
           <a:prstGeom prst="rect">

--- a/RTB/TECNOLOGIE/Tecnologie.pptx
+++ b/RTB/TECNOLOGIE/Tecnologie.pptx
@@ -3296,51 +3296,6 @@
         </a:p>
       </dgm:t>
     </dgm:pt>
-    <dgm:pt modelId="{EE76E364-6A46-492A-9FD7-63C775ADA808}">
-      <dgm:prSet/>
-      <dgm:spPr/>
-      <dgm:t>
-        <a:bodyPr/>
-        <a:lstStyle/>
-        <a:p>
-          <a:r>
-            <a:rPr lang="it-IT" b="1" dirty="0" err="1"/>
-            <a:t>Frontend</a:t>
-          </a:r>
-          <a:r>
-            <a:rPr lang="it-IT" b="1" dirty="0"/>
-            <a:t> - </a:t>
-          </a:r>
-          <a:r>
-            <a:rPr lang="it-IT" b="1" dirty="0" err="1"/>
-            <a:t>Angular</a:t>
-          </a:r>
-          <a:endParaRPr lang="en-US" dirty="0"/>
-        </a:p>
-      </dgm:t>
-    </dgm:pt>
-    <dgm:pt modelId="{522B9AE2-1358-4DCB-B21B-51AD7A4CC3B6}" type="parTrans" cxnId="{8ADAB9E6-BB3B-4581-9B45-07948A4AEA67}">
-      <dgm:prSet/>
-      <dgm:spPr/>
-      <dgm:t>
-        <a:bodyPr/>
-        <a:lstStyle/>
-        <a:p>
-          <a:endParaRPr lang="en-US"/>
-        </a:p>
-      </dgm:t>
-    </dgm:pt>
-    <dgm:pt modelId="{119AEC78-9891-4081-85AD-AAE5114E48ED}" type="sibTrans" cxnId="{8ADAB9E6-BB3B-4581-9B45-07948A4AEA67}">
-      <dgm:prSet/>
-      <dgm:spPr/>
-      <dgm:t>
-        <a:bodyPr/>
-        <a:lstStyle/>
-        <a:p>
-          <a:endParaRPr lang="en-US"/>
-        </a:p>
-      </dgm:t>
-    </dgm:pt>
     <dgm:pt modelId="{FB7856FD-14F6-497F-A96F-439DE861ECA4}">
       <dgm:prSet/>
       <dgm:spPr>
@@ -3354,7 +3309,7 @@
         <a:bodyPr/>
         <a:lstStyle/>
         <a:p>
-          <a:endParaRPr lang="en-US" dirty="0"/>
+          <a:endParaRPr lang="en-US" sz="2300" dirty="0"/>
         </a:p>
       </dgm:t>
     </dgm:pt>
@@ -3381,7 +3336,7 @@
       </dgm:t>
     </dgm:pt>
     <dgm:pt modelId="{EA4C9FAE-8632-437A-94BC-F7324DD67615}">
-      <dgm:prSet/>
+      <dgm:prSet custT="1"/>
       <dgm:spPr/>
       <dgm:t>
         <a:bodyPr/>
@@ -3392,11 +3347,11 @@
             <a:buChar char="•"/>
           </a:pPr>
           <a:r>
-            <a:rPr lang="it-IT" b="1" dirty="0" err="1"/>
+            <a:rPr lang="it-IT" sz="2200" b="1" dirty="0" err="1"/>
             <a:t>RxJS</a:t>
           </a:r>
           <a:r>
-            <a:rPr lang="it-IT" b="1" dirty="0"/>
+            <a:rPr lang="it-IT" sz="2200" b="1" dirty="0"/>
             <a:t> 7.8.0</a:t>
           </a:r>
         </a:p>
@@ -3425,7 +3380,7 @@
       </dgm:t>
     </dgm:pt>
     <dgm:pt modelId="{F5F55255-3B4A-4616-B6F8-0A66537C5D82}">
-      <dgm:prSet/>
+      <dgm:prSet custT="1"/>
       <dgm:spPr/>
       <dgm:t>
         <a:bodyPr/>
@@ -3436,14 +3391,14 @@
             <a:buChar char="–"/>
           </a:pPr>
           <a:r>
-            <a:rPr lang="it-IT" dirty="0"/>
+            <a:rPr lang="it-IT" sz="2200" dirty="0"/>
             <a:t> Gestione asincrona chiamate API al </a:t>
           </a:r>
           <a:r>
-            <a:rPr lang="it-IT" dirty="0" err="1"/>
+            <a:rPr lang="it-IT" sz="2200" dirty="0" err="1"/>
             <a:t>backend</a:t>
           </a:r>
-          <a:endParaRPr lang="it-IT" dirty="0"/>
+          <a:endParaRPr lang="it-IT" sz="2200" dirty="0"/>
         </a:p>
       </dgm:t>
     </dgm:pt>
@@ -3470,7 +3425,7 @@
       </dgm:t>
     </dgm:pt>
     <dgm:pt modelId="{24C10798-75D1-47C0-A4DB-CA289CC5805B}">
-      <dgm:prSet/>
+      <dgm:prSet custT="1"/>
       <dgm:spPr/>
       <dgm:t>
         <a:bodyPr/>
@@ -3481,15 +3436,15 @@
             <a:buChar char="–"/>
           </a:pPr>
           <a:r>
-            <a:rPr lang="it-IT" dirty="0"/>
+            <a:rPr lang="it-IT" sz="2200" dirty="0"/>
             <a:t> </a:t>
           </a:r>
           <a:r>
-            <a:rPr lang="it-IT" b="1" dirty="0"/>
+            <a:rPr lang="it-IT" sz="2200" b="1" dirty="0"/>
             <a:t>Polling</a:t>
           </a:r>
           <a:r>
-            <a:rPr lang="it-IT" dirty="0"/>
+            <a:rPr lang="it-IT" sz="2200" dirty="0"/>
             <a:t> per i documenti in analisi</a:t>
           </a:r>
         </a:p>
@@ -3518,7 +3473,7 @@
       </dgm:t>
     </dgm:pt>
     <dgm:pt modelId="{3850311C-A53C-4052-BDD5-F5866951D844}">
-      <dgm:prSet/>
+      <dgm:prSet custT="1"/>
       <dgm:spPr>
         <a:solidFill>
           <a:srgbClr val="FFFAEF">
@@ -3535,22 +3490,22 @@
             <a:buChar char="•"/>
           </a:pPr>
           <a:r>
-            <a:rPr lang="it-IT" b="1" dirty="0" err="1"/>
+            <a:rPr lang="it-IT" sz="2200" b="1" dirty="0" err="1"/>
             <a:t>Angular</a:t>
           </a:r>
           <a:r>
-            <a:rPr lang="it-IT" b="1" dirty="0"/>
+            <a:rPr lang="it-IT" sz="2200" b="1" dirty="0"/>
             <a:t> (v21) in </a:t>
           </a:r>
           <a:r>
-            <a:rPr lang="it-IT" b="1" dirty="0" err="1"/>
+            <a:rPr lang="it-IT" sz="2200" b="1" dirty="0" err="1"/>
             <a:t>TypeScript</a:t>
           </a:r>
           <a:r>
-            <a:rPr lang="it-IT" b="1" dirty="0"/>
+            <a:rPr lang="it-IT" sz="2200" b="1" dirty="0"/>
             <a:t> su ambiente Node.js v24</a:t>
           </a:r>
-          <a:endParaRPr lang="en-US" dirty="0"/>
+          <a:endParaRPr lang="en-US" sz="2200" dirty="0"/>
         </a:p>
       </dgm:t>
     </dgm:pt>
@@ -3577,7 +3532,7 @@
       </dgm:t>
     </dgm:pt>
     <dgm:pt modelId="{81C5FAF5-7969-428F-9168-FEA62E83FEE0}">
-      <dgm:prSet/>
+      <dgm:prSet custT="1"/>
       <dgm:spPr>
         <a:solidFill>
           <a:srgbClr val="FFFAEF">
@@ -3594,26 +3549,26 @@
             <a:buChar char="•"/>
           </a:pPr>
           <a:r>
-            <a:rPr lang="it-IT" dirty="0"/>
+            <a:rPr lang="it-IT" sz="2200" dirty="0"/>
             <a:t>architettura </a:t>
           </a:r>
           <a:r>
-            <a:rPr lang="it-IT" b="1" dirty="0"/>
+            <a:rPr lang="it-IT" sz="2200" b="1" dirty="0"/>
             <a:t>SPA</a:t>
           </a:r>
           <a:r>
-            <a:rPr lang="it-IT" dirty="0"/>
+            <a:rPr lang="it-IT" sz="2200" dirty="0"/>
             <a:t> basata su </a:t>
           </a:r>
           <a:r>
-            <a:rPr lang="it-IT" b="1" dirty="0" err="1"/>
+            <a:rPr lang="it-IT" sz="2200" b="1" dirty="0" err="1"/>
             <a:t>Angular</a:t>
           </a:r>
           <a:r>
-            <a:rPr lang="it-IT" b="1" dirty="0"/>
+            <a:rPr lang="it-IT" sz="2200" b="1" dirty="0"/>
             <a:t> Router</a:t>
           </a:r>
-          <a:endParaRPr lang="en-US" b="1" dirty="0"/>
+          <a:endParaRPr lang="en-US" sz="2200" b="1" dirty="0"/>
         </a:p>
       </dgm:t>
     </dgm:pt>
@@ -3640,7 +3595,7 @@
       </dgm:t>
     </dgm:pt>
     <dgm:pt modelId="{147F1B68-2F1B-4E54-A64E-FDF57E94FBAE}">
-      <dgm:prSet/>
+      <dgm:prSet custT="1"/>
       <dgm:spPr/>
       <dgm:t>
         <a:bodyPr/>
@@ -3651,23 +3606,23 @@
             <a:buChar char="•"/>
           </a:pPr>
           <a:r>
-            <a:rPr lang="it-IT" dirty="0"/>
+            <a:rPr lang="it-IT" sz="2200" dirty="0"/>
             <a:t>Gestione delle dipendenze usando  </a:t>
           </a:r>
           <a:r>
-            <a:rPr lang="it-IT" dirty="0" err="1"/>
+            <a:rPr lang="it-IT" sz="2200" dirty="0" err="1"/>
             <a:t>inject</a:t>
           </a:r>
           <a:r>
-            <a:rPr lang="it-IT" dirty="0"/>
+            <a:rPr lang="it-IT" sz="2200" dirty="0"/>
             <a:t>() per una </a:t>
           </a:r>
           <a:r>
-            <a:rPr lang="it-IT" b="1" dirty="0"/>
+            <a:rPr lang="it-IT" sz="2200" b="1" dirty="0"/>
             <a:t>DI</a:t>
           </a:r>
           <a:r>
-            <a:rPr lang="it-IT" dirty="0"/>
+            <a:rPr lang="it-IT" sz="2200" dirty="0"/>
             <a:t> più pulita</a:t>
           </a:r>
         </a:p>
@@ -3696,7 +3651,7 @@
       </dgm:t>
     </dgm:pt>
     <dgm:pt modelId="{BCA671DB-9D16-4302-B7A8-56BF6E3543A9}">
-      <dgm:prSet/>
+      <dgm:prSet custT="1"/>
       <dgm:spPr>
         <a:solidFill>
           <a:srgbClr val="FFFAEF">
@@ -3713,66 +3668,66 @@
             <a:buChar char="•"/>
           </a:pPr>
           <a:r>
-            <a:rPr lang="en-US" dirty="0"/>
+            <a:rPr lang="en-US" sz="2200" dirty="0"/>
             <a:t>Progettazione in </a:t>
           </a:r>
           <a:r>
-            <a:rPr lang="en-US" b="1" dirty="0"/>
+            <a:rPr lang="en-US" sz="2200" b="1" dirty="0"/>
             <a:t>Components, </a:t>
           </a:r>
           <a:r>
-            <a:rPr lang="en-US" b="0" dirty="0" err="1"/>
+            <a:rPr lang="en-US" sz="2200" b="0" dirty="0" err="1"/>
             <a:t>ognuno</a:t>
           </a:r>
           <a:r>
-            <a:rPr lang="en-US" b="0" dirty="0"/>
+            <a:rPr lang="en-US" sz="2200" b="0" dirty="0"/>
             <a:t> </a:t>
           </a:r>
           <a:r>
-            <a:rPr lang="en-US" b="0" dirty="0" err="1"/>
+            <a:rPr lang="en-US" sz="2200" b="0" dirty="0" err="1"/>
             <a:t>definisce</a:t>
           </a:r>
           <a:r>
-            <a:rPr lang="en-US" b="0" dirty="0"/>
+            <a:rPr lang="en-US" sz="2200" b="0" dirty="0"/>
             <a:t> </a:t>
           </a:r>
           <a:r>
-            <a:rPr lang="en-US" dirty="0" err="1"/>
+            <a:rPr lang="en-US" sz="2200" dirty="0" err="1"/>
             <a:t>una</a:t>
           </a:r>
           <a:r>
-            <a:rPr lang="en-US" dirty="0"/>
+            <a:rPr lang="en-US" sz="2200" dirty="0"/>
             <a:t> </a:t>
           </a:r>
           <a:r>
-            <a:rPr lang="en-US" dirty="0" err="1"/>
+            <a:rPr lang="en-US" sz="2200" dirty="0" err="1"/>
             <a:t>singola</a:t>
           </a:r>
           <a:r>
-            <a:rPr lang="en-US" dirty="0"/>
+            <a:rPr lang="en-US" sz="2200" dirty="0"/>
             <a:t> </a:t>
           </a:r>
           <a:r>
-            <a:rPr lang="en-US" dirty="0" err="1"/>
+            <a:rPr lang="en-US" sz="2200" dirty="0" err="1"/>
             <a:t>pagina</a:t>
           </a:r>
           <a:r>
-            <a:rPr lang="en-US" dirty="0"/>
+            <a:rPr lang="en-US" sz="2200" dirty="0"/>
             <a:t>: es. </a:t>
           </a:r>
           <a:r>
-            <a:rPr lang="it-IT" b="0" dirty="0" err="1"/>
+            <a:rPr lang="it-IT" sz="2200" b="0" dirty="0" err="1"/>
             <a:t>AiAssistant</a:t>
           </a:r>
           <a:r>
-            <a:rPr lang="en-US" dirty="0"/>
+            <a:rPr lang="en-US" sz="2200" dirty="0"/>
             <a:t>, </a:t>
           </a:r>
           <a:r>
-            <a:rPr lang="it-IT" b="0" dirty="0" err="1"/>
+            <a:rPr lang="it-IT" sz="2200" b="0" dirty="0" err="1"/>
             <a:t>AiCopilot</a:t>
           </a:r>
-          <a:endParaRPr lang="en-US" dirty="0"/>
+          <a:endParaRPr lang="en-US" sz="2200" dirty="0"/>
         </a:p>
       </dgm:t>
     </dgm:pt>
@@ -3799,7 +3754,7 @@
       </dgm:t>
     </dgm:pt>
     <dgm:pt modelId="{3ACFCC25-7784-4356-B8DF-A35CF2CC5237}">
-      <dgm:prSet/>
+      <dgm:prSet custT="1"/>
       <dgm:spPr>
         <a:solidFill>
           <a:srgbClr val="FFFAEF">
@@ -3816,30 +3771,30 @@
             <a:buChar char="•"/>
           </a:pPr>
           <a:r>
-            <a:rPr lang="en-US" dirty="0"/>
+            <a:rPr lang="en-US" sz="2200" dirty="0"/>
             <a:t>2 </a:t>
           </a:r>
           <a:r>
-            <a:rPr lang="en-US" dirty="0" err="1"/>
+            <a:rPr lang="en-US" sz="2200" dirty="0" err="1"/>
             <a:t>classi</a:t>
           </a:r>
           <a:r>
-            <a:rPr lang="en-US" dirty="0"/>
+            <a:rPr lang="en-US" sz="2200" dirty="0"/>
             <a:t> di Servizi: </a:t>
           </a:r>
           <a:r>
-            <a:rPr lang="it-IT" b="0" dirty="0" err="1"/>
+            <a:rPr lang="it-IT" sz="2200" b="0" dirty="0" err="1"/>
             <a:t>ConversationsService</a:t>
           </a:r>
           <a:r>
-            <a:rPr lang="it-IT" b="0" dirty="0"/>
+            <a:rPr lang="it-IT" sz="2200" b="0" dirty="0"/>
             <a:t>, </a:t>
           </a:r>
           <a:r>
-            <a:rPr lang="it-IT" b="0" dirty="0" err="1"/>
+            <a:rPr lang="it-IT" sz="2200" b="0" dirty="0" err="1"/>
             <a:t>DocumentsService</a:t>
           </a:r>
-          <a:endParaRPr lang="en-US" dirty="0"/>
+          <a:endParaRPr lang="en-US" sz="2200" dirty="0"/>
         </a:p>
       </dgm:t>
     </dgm:pt>
@@ -3865,6 +3820,51 @@
         </a:p>
       </dgm:t>
     </dgm:pt>
+    <dgm:pt modelId="{EE76E364-6A46-492A-9FD7-63C775ADA808}">
+      <dgm:prSet custT="1"/>
+      <dgm:spPr/>
+      <dgm:t>
+        <a:bodyPr/>
+        <a:lstStyle/>
+        <a:p>
+          <a:r>
+            <a:rPr lang="it-IT" sz="2200" b="1" dirty="0" err="1"/>
+            <a:t>Frontend</a:t>
+          </a:r>
+          <a:r>
+            <a:rPr lang="it-IT" sz="2200" b="1" dirty="0"/>
+            <a:t> - </a:t>
+          </a:r>
+          <a:r>
+            <a:rPr lang="it-IT" sz="2200" b="1" dirty="0" err="1"/>
+            <a:t>Angular</a:t>
+          </a:r>
+          <a:endParaRPr lang="en-US" sz="2200" dirty="0"/>
+        </a:p>
+      </dgm:t>
+    </dgm:pt>
+    <dgm:pt modelId="{119AEC78-9891-4081-85AD-AAE5114E48ED}" type="sibTrans" cxnId="{8ADAB9E6-BB3B-4581-9B45-07948A4AEA67}">
+      <dgm:prSet/>
+      <dgm:spPr/>
+      <dgm:t>
+        <a:bodyPr/>
+        <a:lstStyle/>
+        <a:p>
+          <a:endParaRPr lang="en-US"/>
+        </a:p>
+      </dgm:t>
+    </dgm:pt>
+    <dgm:pt modelId="{522B9AE2-1358-4DCB-B21B-51AD7A4CC3B6}" type="parTrans" cxnId="{8ADAB9E6-BB3B-4581-9B45-07948A4AEA67}">
+      <dgm:prSet/>
+      <dgm:spPr/>
+      <dgm:t>
+        <a:bodyPr/>
+        <a:lstStyle/>
+        <a:p>
+          <a:endParaRPr lang="en-US"/>
+        </a:p>
+      </dgm:t>
+    </dgm:pt>
     <dgm:pt modelId="{529C8736-509C-426A-B1AF-D9FE39FB5B28}" type="pres">
       <dgm:prSet presAssocID="{228ADC0D-83DA-40CE-9EF2-B2A23B2BA12F}" presName="linear" presStyleCnt="0">
         <dgm:presLayoutVars>
@@ -3884,7 +3884,7 @@
       <dgm:spPr/>
     </dgm:pt>
     <dgm:pt modelId="{EF67F11A-FCD0-4E59-A23F-17BCC3FB1182}" type="pres">
-      <dgm:prSet presAssocID="{EE76E364-6A46-492A-9FD7-63C775ADA808}" presName="parentText" presStyleLbl="node1" presStyleIdx="0" presStyleCnt="1" custLinFactX="924" custLinFactNeighborX="100000" custLinFactNeighborY="-71005">
+      <dgm:prSet presAssocID="{EE76E364-6A46-492A-9FD7-63C775ADA808}" presName="parentText" presStyleLbl="node1" presStyleIdx="0" presStyleCnt="1" custScaleY="65007" custLinFactNeighborX="50247" custLinFactNeighborY="-37109">
         <dgm:presLayoutVars>
           <dgm:chMax val="0"/>
           <dgm:bulletEnabled val="1"/>
@@ -3897,7 +3897,7 @@
       <dgm:spPr/>
     </dgm:pt>
     <dgm:pt modelId="{8A748C3E-CE62-4E92-A0FE-1F5548AC9D02}" type="pres">
-      <dgm:prSet presAssocID="{EE76E364-6A46-492A-9FD7-63C775ADA808}" presName="childText" presStyleLbl="conFgAcc1" presStyleIdx="0" presStyleCnt="1" custScaleY="41932" custLinFactNeighborX="3710" custLinFactNeighborY="-27338">
+      <dgm:prSet presAssocID="{EE76E364-6A46-492A-9FD7-63C775ADA808}" presName="childText" presStyleLbl="conFgAcc1" presStyleIdx="0" presStyleCnt="1" custScaleY="105478" custLinFactNeighborX="3710" custLinFactNeighborY="-27338">
         <dgm:presLayoutVars>
           <dgm:bulletEnabled val="1"/>
         </dgm:presLayoutVars>
@@ -4218,8 +4218,12 @@
             <a:buChar char="–"/>
           </a:pPr>
           <a:r>
-            <a:rPr lang="it-IT"/>
-            <a:t>AiService: orchestrazione generazione testo con contesto aziendale</a:t>
+            <a:rPr lang="it-IT" dirty="0" err="1"/>
+            <a:t>AiService</a:t>
+          </a:r>
+          <a:r>
+            <a:rPr lang="it-IT" dirty="0"/>
+            <a:t>: orchestrazione generazione testo con contesto aziendale</a:t>
           </a:r>
         </a:p>
       </dgm:t>
@@ -4643,10 +4647,10 @@
         <a:lstStyle/>
         <a:p>
           <a:r>
-            <a:rPr lang="it-IT" sz="1800" b="1" dirty="0"/>
+            <a:rPr lang="it-IT" sz="2300" b="1" dirty="0"/>
             <a:t>Struttura dati relazionale</a:t>
           </a:r>
-          <a:endParaRPr lang="en-US" sz="1800" dirty="0"/>
+          <a:endParaRPr lang="en-US" sz="2300" dirty="0"/>
         </a:p>
       </dgm:t>
     </dgm:pt>
@@ -4684,7 +4688,7 @@
             <a:buChar char="•"/>
           </a:pPr>
           <a:r>
-            <a:rPr lang="it-IT" sz="1800" dirty="0"/>
+            <a:rPr lang="it-IT" sz="2300" dirty="0"/>
             <a:t>Gestisce la persistenza di tutti i dati: aziende, conversazioni, toni, rating.</a:t>
           </a:r>
         </a:p>
@@ -4724,14 +4728,14 @@
             <a:buChar char="•"/>
           </a:pPr>
           <a:r>
-            <a:rPr lang="it-IT" sz="1800" b="1" dirty="0"/>
+            <a:rPr lang="it-IT" sz="2300" b="1" dirty="0"/>
             <a:t>Integrazione con </a:t>
           </a:r>
           <a:r>
-            <a:rPr lang="it-IT" sz="1800" b="1" dirty="0" err="1"/>
+            <a:rPr lang="it-IT" sz="2300" b="1" dirty="0" err="1"/>
             <a:t>Rails</a:t>
           </a:r>
-          <a:endParaRPr lang="it-IT" sz="1800" b="1" dirty="0"/>
+          <a:endParaRPr lang="it-IT" sz="2300" b="1" dirty="0"/>
         </a:p>
       </dgm:t>
     </dgm:pt>
@@ -4768,7 +4772,7 @@
             <a:buFont typeface="Arial" panose="020B0604020202020204" pitchFamily="34" charset="0"/>
             <a:buNone/>
           </a:pPr>
-          <a:endParaRPr lang="it-IT" sz="1800" dirty="0"/>
+          <a:endParaRPr lang="it-IT" sz="2300" dirty="0"/>
         </a:p>
       </dgm:t>
     </dgm:pt>
@@ -4806,15 +4810,15 @@
             <a:buChar char="•"/>
           </a:pPr>
           <a:r>
-            <a:rPr lang="it-IT" sz="1800" b="0" dirty="0"/>
+            <a:rPr lang="it-IT" sz="2300" b="0" dirty="0"/>
             <a:t>Supporto nativo e totale, gestito tramite </a:t>
           </a:r>
           <a:r>
-            <a:rPr lang="it-IT" sz="1800" b="0" dirty="0" err="1"/>
+            <a:rPr lang="it-IT" sz="2300" b="0" dirty="0" err="1"/>
             <a:t>active</a:t>
           </a:r>
           <a:r>
-            <a:rPr lang="it-IT" sz="1800" b="0" dirty="0"/>
+            <a:rPr lang="it-IT" sz="2300" b="0" dirty="0"/>
             <a:t> record.</a:t>
           </a:r>
         </a:p>
@@ -4854,23 +4858,23 @@
             <a:buChar char="•"/>
           </a:pPr>
           <a:r>
-            <a:rPr lang="it-IT" sz="1800" b="0" dirty="0"/>
+            <a:rPr lang="it-IT" sz="2300" b="0" dirty="0"/>
             <a:t>Separazione ambienti: test, </a:t>
           </a:r>
           <a:r>
-            <a:rPr lang="it-IT" sz="1800" b="0" dirty="0" err="1"/>
+            <a:rPr lang="it-IT" sz="2300" b="0" dirty="0" err="1"/>
             <a:t>dev</a:t>
           </a:r>
           <a:r>
-            <a:rPr lang="it-IT" sz="1800" b="0" dirty="0"/>
+            <a:rPr lang="it-IT" sz="2300" b="0" dirty="0"/>
             <a:t> e </a:t>
           </a:r>
           <a:r>
-            <a:rPr lang="it-IT" sz="1800" b="0" dirty="0" err="1"/>
+            <a:rPr lang="it-IT" sz="2300" b="0" dirty="0" err="1"/>
             <a:t>prod</a:t>
           </a:r>
           <a:r>
-            <a:rPr lang="it-IT" sz="1800" b="0" dirty="0"/>
+            <a:rPr lang="it-IT" sz="2300" b="0" dirty="0"/>
             <a:t>.</a:t>
           </a:r>
         </a:p>
@@ -5040,10 +5044,10 @@
         <a:lstStyle/>
         <a:p>
           <a:r>
-            <a:rPr lang="it-IT" sz="1800" dirty="0"/>
+            <a:rPr lang="it-IT" sz="2300" dirty="0"/>
             <a:t>Modello Amazon Nova Lite v1 per generazione testo e Nova Canvas per generazioni immagini.</a:t>
           </a:r>
-          <a:endParaRPr lang="en-US" sz="1800" dirty="0"/>
+          <a:endParaRPr lang="en-US" sz="2300" dirty="0"/>
         </a:p>
       </dgm:t>
     </dgm:pt>
@@ -5086,10 +5090,10 @@
             <a:buNone/>
           </a:pPr>
           <a:r>
-            <a:rPr lang="it-IT" sz="1800" b="1" dirty="0"/>
+            <a:rPr lang="it-IT" sz="2300" b="1" dirty="0"/>
             <a:t>• AI Assistant Generativo</a:t>
           </a:r>
-          <a:endParaRPr lang="en-US" sz="1800" dirty="0"/>
+          <a:endParaRPr lang="en-US" sz="2300" dirty="0"/>
         </a:p>
       </dgm:t>
     </dgm:pt>
@@ -5127,15 +5131,15 @@
             <a:buChar char="•"/>
           </a:pPr>
           <a:r>
-            <a:rPr lang="it-IT" sz="1800" b="1" dirty="0"/>
+            <a:rPr lang="it-IT" sz="2300" b="1" dirty="0"/>
             <a:t>AI Co-Pilot </a:t>
           </a:r>
           <a:r>
-            <a:rPr lang="it-IT" sz="1800" b="1" dirty="0" err="1"/>
+            <a:rPr lang="it-IT" sz="2300" b="1" dirty="0" err="1"/>
             <a:t>Document</a:t>
           </a:r>
           <a:r>
-            <a:rPr lang="it-IT" sz="1800" b="1" dirty="0"/>
+            <a:rPr lang="it-IT" sz="2300" b="1" dirty="0"/>
             <a:t> Analysis</a:t>
           </a:r>
         </a:p>
@@ -5175,7 +5179,7 @@
             <a:buChar char="•"/>
           </a:pPr>
           <a:r>
-            <a:rPr lang="it-IT" sz="1800" dirty="0"/>
+            <a:rPr lang="it-IT" sz="2300" dirty="0"/>
             <a:t>OCR e analisi documenti (PDF, PNG, JPEG).</a:t>
           </a:r>
         </a:p>
@@ -5215,7 +5219,7 @@
             <a:buChar char="•"/>
           </a:pPr>
           <a:r>
-            <a:rPr lang="it-IT" sz="1800" dirty="0"/>
+            <a:rPr lang="it-IT" sz="2300" dirty="0"/>
             <a:t>Estrazione dati strutturati: tipo documento, dipendente, importo, date.</a:t>
           </a:r>
         </a:p>
@@ -5255,15 +5259,15 @@
             <a:buChar char="•"/>
           </a:pPr>
           <a:r>
-            <a:rPr lang="it-IT" sz="1800" dirty="0"/>
+            <a:rPr lang="it-IT" sz="2300" dirty="0"/>
             <a:t>Output JSON validato per split e </a:t>
           </a:r>
           <a:r>
-            <a:rPr lang="it-IT" sz="1800" dirty="0" err="1"/>
+            <a:rPr lang="it-IT" sz="2300" dirty="0" err="1"/>
             <a:t>dispatch</a:t>
           </a:r>
           <a:r>
-            <a:rPr lang="it-IT" sz="1800" dirty="0"/>
+            <a:rPr lang="it-IT" sz="2300" dirty="0"/>
             <a:t> automatico.</a:t>
           </a:r>
         </a:p>
@@ -5303,7 +5307,7 @@
             <a:buChar char="•"/>
           </a:pPr>
           <a:r>
-            <a:rPr lang="it-IT" sz="1800" dirty="0"/>
+            <a:rPr lang="it-IT" sz="2300" dirty="0"/>
             <a:t>Mantenimento contesto conversazione.</a:t>
           </a:r>
         </a:p>
@@ -5343,7 +5347,7 @@
             <a:buChar char="•"/>
           </a:pPr>
           <a:r>
-            <a:rPr lang="it-IT" sz="1800" dirty="0"/>
+            <a:rPr lang="it-IT" sz="2300" dirty="0"/>
             <a:t>System prompt personalizzato con descrizione azienda e tono.</a:t>
           </a:r>
         </a:p>
@@ -5383,7 +5387,7 @@
             <a:buChar char="•"/>
           </a:pPr>
           <a:r>
-            <a:rPr lang="it-IT" sz="1800" dirty="0"/>
+            <a:rPr lang="it-IT" sz="2300" dirty="0"/>
             <a:t>Generazione comunicazioni interne di immagini e testo.</a:t>
           </a:r>
         </a:p>
@@ -5423,7 +5427,7 @@
             <a:buChar char="•"/>
           </a:pPr>
           <a:r>
-            <a:rPr lang="it-IT" sz="1800" dirty="0"/>
+            <a:rPr lang="it-IT" sz="2300" dirty="0"/>
             <a:t>Facilità nel cambiare modello usando API-converse.</a:t>
           </a:r>
         </a:p>
@@ -5464,7 +5468,7 @@
         <a:bodyPr/>
         <a:lstStyle/>
         <a:p>
-          <a:endParaRPr lang="en-US" sz="1800" dirty="0"/>
+          <a:endParaRPr lang="en-US" sz="2300" dirty="0"/>
         </a:p>
       </dgm:t>
     </dgm:pt>
@@ -5522,7 +5526,7 @@
       <dgm:spPr/>
     </dgm:pt>
     <dgm:pt modelId="{8A748C3E-CE62-4E92-A0FE-1F5548AC9D02}" type="pres">
-      <dgm:prSet presAssocID="{EE76E364-6A46-492A-9FD7-63C775ADA808}" presName="childText" presStyleLbl="conFgAcc1" presStyleIdx="0" presStyleCnt="1" custLinFactNeighborX="-26964" custLinFactNeighborY="26467">
+      <dgm:prSet presAssocID="{EE76E364-6A46-492A-9FD7-63C775ADA808}" presName="childText" presStyleLbl="conFgAcc1" presStyleIdx="0" presStyleCnt="1" custLinFactY="22871" custLinFactNeighborX="576" custLinFactNeighborY="100000">
         <dgm:presLayoutVars>
           <dgm:bulletEnabled val="1"/>
         </dgm:presLayoutVars>
@@ -5588,8 +5592,8 @@
       </dsp:nvSpPr>
       <dsp:spPr>
         <a:xfrm>
-          <a:off x="0" y="482142"/>
-          <a:ext cx="7086599" cy="5563453"/>
+          <a:off x="0" y="52113"/>
+          <a:ext cx="7086599" cy="5980602"/>
         </a:xfrm>
         <a:prstGeom prst="rect">
           <a:avLst/>
@@ -5625,7 +5629,7 @@
         <a:fontRef idx="minor"/>
       </dsp:style>
       <dsp:txBody>
-        <a:bodyPr spcFirstLastPara="0" vert="horz" wrap="square" lIns="549999" tIns="479044" rIns="549999" bIns="163576" numCol="1" spcCol="1270" anchor="t" anchorCtr="0">
+        <a:bodyPr spcFirstLastPara="0" vert="horz" wrap="square" lIns="549999" tIns="1041400" rIns="549999" bIns="156464" numCol="1" spcCol="1270" anchor="t" anchorCtr="0">
           <a:noAutofit/>
         </a:bodyPr>
         <a:lstStyle/>
@@ -5645,7 +5649,7 @@
           <a:endParaRPr lang="en-US" sz="2300" kern="1200" dirty="0"/>
         </a:p>
         <a:p>
-          <a:pPr marL="228600" lvl="1" indent="-228600" algn="l" defTabSz="1022350">
+          <a:pPr marL="228600" lvl="1" indent="-228600" algn="l" defTabSz="977900">
             <a:lnSpc>
               <a:spcPct val="90000"/>
             </a:lnSpc>
@@ -5659,25 +5663,25 @@
             <a:buChar char="•"/>
           </a:pPr>
           <a:r>
-            <a:rPr lang="it-IT" sz="2300" b="1" kern="1200" dirty="0" err="1"/>
+            <a:rPr lang="it-IT" sz="2200" b="1" kern="1200" dirty="0" err="1"/>
             <a:t>Angular</a:t>
           </a:r>
           <a:r>
-            <a:rPr lang="it-IT" sz="2300" b="1" kern="1200" dirty="0"/>
+            <a:rPr lang="it-IT" sz="2200" b="1" kern="1200" dirty="0"/>
             <a:t> (v21) in </a:t>
           </a:r>
           <a:r>
-            <a:rPr lang="it-IT" sz="2300" b="1" kern="1200" dirty="0" err="1"/>
+            <a:rPr lang="it-IT" sz="2200" b="1" kern="1200" dirty="0" err="1"/>
             <a:t>TypeScript</a:t>
           </a:r>
           <a:r>
-            <a:rPr lang="it-IT" sz="2300" b="1" kern="1200" dirty="0"/>
+            <a:rPr lang="it-IT" sz="2200" b="1" kern="1200" dirty="0"/>
             <a:t> su ambiente Node.js v24</a:t>
           </a:r>
-          <a:endParaRPr lang="en-US" sz="2300" kern="1200" dirty="0"/>
+          <a:endParaRPr lang="en-US" sz="2200" kern="1200" dirty="0"/>
         </a:p>
         <a:p>
-          <a:pPr marL="228600" lvl="1" indent="-228600" algn="l" defTabSz="1022350">
+          <a:pPr marL="228600" lvl="1" indent="-228600" algn="l" defTabSz="977900">
             <a:lnSpc>
               <a:spcPct val="90000"/>
             </a:lnSpc>
@@ -5691,69 +5695,69 @@
             <a:buChar char="•"/>
           </a:pPr>
           <a:r>
-            <a:rPr lang="en-US" sz="2300" kern="1200" dirty="0"/>
+            <a:rPr lang="en-US" sz="2200" kern="1200" dirty="0"/>
             <a:t>Progettazione in </a:t>
           </a:r>
           <a:r>
-            <a:rPr lang="en-US" sz="2300" b="1" kern="1200" dirty="0"/>
+            <a:rPr lang="en-US" sz="2200" b="1" kern="1200" dirty="0"/>
             <a:t>Components, </a:t>
           </a:r>
           <a:r>
-            <a:rPr lang="en-US" sz="2300" b="0" kern="1200" dirty="0" err="1"/>
+            <a:rPr lang="en-US" sz="2200" b="0" kern="1200" dirty="0" err="1"/>
             <a:t>ognuno</a:t>
           </a:r>
           <a:r>
-            <a:rPr lang="en-US" sz="2300" b="0" kern="1200" dirty="0"/>
+            <a:rPr lang="en-US" sz="2200" b="0" kern="1200" dirty="0"/>
             <a:t> </a:t>
           </a:r>
           <a:r>
-            <a:rPr lang="en-US" sz="2300" b="0" kern="1200" dirty="0" err="1"/>
+            <a:rPr lang="en-US" sz="2200" b="0" kern="1200" dirty="0" err="1"/>
             <a:t>definisce</a:t>
           </a:r>
           <a:r>
-            <a:rPr lang="en-US" sz="2300" b="0" kern="1200" dirty="0"/>
+            <a:rPr lang="en-US" sz="2200" b="0" kern="1200" dirty="0"/>
             <a:t> </a:t>
           </a:r>
           <a:r>
-            <a:rPr lang="en-US" sz="2300" kern="1200" dirty="0" err="1"/>
+            <a:rPr lang="en-US" sz="2200" kern="1200" dirty="0" err="1"/>
             <a:t>una</a:t>
           </a:r>
           <a:r>
-            <a:rPr lang="en-US" sz="2300" kern="1200" dirty="0"/>
+            <a:rPr lang="en-US" sz="2200" kern="1200" dirty="0"/>
             <a:t> </a:t>
           </a:r>
           <a:r>
-            <a:rPr lang="en-US" sz="2300" kern="1200" dirty="0" err="1"/>
+            <a:rPr lang="en-US" sz="2200" kern="1200" dirty="0" err="1"/>
             <a:t>singola</a:t>
           </a:r>
           <a:r>
-            <a:rPr lang="en-US" sz="2300" kern="1200" dirty="0"/>
+            <a:rPr lang="en-US" sz="2200" kern="1200" dirty="0"/>
             <a:t> </a:t>
           </a:r>
           <a:r>
-            <a:rPr lang="en-US" sz="2300" kern="1200" dirty="0" err="1"/>
+            <a:rPr lang="en-US" sz="2200" kern="1200" dirty="0" err="1"/>
             <a:t>pagina</a:t>
           </a:r>
           <a:r>
-            <a:rPr lang="en-US" sz="2300" kern="1200" dirty="0"/>
+            <a:rPr lang="en-US" sz="2200" kern="1200" dirty="0"/>
             <a:t>: es. </a:t>
           </a:r>
           <a:r>
-            <a:rPr lang="it-IT" sz="2300" b="0" kern="1200" dirty="0" err="1"/>
+            <a:rPr lang="it-IT" sz="2200" b="0" kern="1200" dirty="0" err="1"/>
             <a:t>AiAssistant</a:t>
           </a:r>
           <a:r>
-            <a:rPr lang="en-US" sz="2300" kern="1200" dirty="0"/>
+            <a:rPr lang="en-US" sz="2200" kern="1200" dirty="0"/>
             <a:t>, </a:t>
           </a:r>
           <a:r>
-            <a:rPr lang="it-IT" sz="2300" b="0" kern="1200" dirty="0" err="1"/>
+            <a:rPr lang="it-IT" sz="2200" b="0" kern="1200" dirty="0" err="1"/>
             <a:t>AiCopilot</a:t>
           </a:r>
-          <a:endParaRPr lang="en-US" sz="2300" kern="1200" dirty="0"/>
+          <a:endParaRPr lang="en-US" sz="2200" kern="1200" dirty="0"/>
         </a:p>
         <a:p>
-          <a:pPr marL="228600" lvl="1" indent="-228600" algn="l" defTabSz="1022350">
+          <a:pPr marL="228600" lvl="1" indent="-228600" algn="l" defTabSz="977900">
             <a:lnSpc>
               <a:spcPct val="90000"/>
             </a:lnSpc>
@@ -5767,33 +5771,33 @@
             <a:buChar char="•"/>
           </a:pPr>
           <a:r>
-            <a:rPr lang="en-US" sz="2300" kern="1200" dirty="0"/>
+            <a:rPr lang="en-US" sz="2200" kern="1200" dirty="0"/>
             <a:t>2 </a:t>
           </a:r>
           <a:r>
-            <a:rPr lang="en-US" sz="2300" kern="1200" dirty="0" err="1"/>
+            <a:rPr lang="en-US" sz="2200" kern="1200" dirty="0" err="1"/>
             <a:t>classi</a:t>
           </a:r>
           <a:r>
-            <a:rPr lang="en-US" sz="2300" kern="1200" dirty="0"/>
+            <a:rPr lang="en-US" sz="2200" kern="1200" dirty="0"/>
             <a:t> di Servizi: </a:t>
           </a:r>
           <a:r>
-            <a:rPr lang="it-IT" sz="2300" b="0" kern="1200" dirty="0" err="1"/>
+            <a:rPr lang="it-IT" sz="2200" b="0" kern="1200" dirty="0" err="1"/>
             <a:t>ConversationsService</a:t>
           </a:r>
           <a:r>
-            <a:rPr lang="it-IT" sz="2300" b="0" kern="1200" dirty="0"/>
+            <a:rPr lang="it-IT" sz="2200" b="0" kern="1200" dirty="0"/>
             <a:t>, </a:t>
           </a:r>
           <a:r>
-            <a:rPr lang="it-IT" sz="2300" b="0" kern="1200" dirty="0" err="1"/>
+            <a:rPr lang="it-IT" sz="2200" b="0" kern="1200" dirty="0" err="1"/>
             <a:t>DocumentsService</a:t>
           </a:r>
-          <a:endParaRPr lang="en-US" sz="2300" kern="1200" dirty="0"/>
+          <a:endParaRPr lang="en-US" sz="2200" kern="1200" dirty="0"/>
         </a:p>
         <a:p>
-          <a:pPr marL="228600" lvl="1" indent="-228600" algn="l" defTabSz="1022350">
+          <a:pPr marL="228600" lvl="1" indent="-228600" algn="l" defTabSz="977900">
             <a:lnSpc>
               <a:spcPct val="90000"/>
             </a:lnSpc>
@@ -5807,29 +5811,29 @@
             <a:buChar char="•"/>
           </a:pPr>
           <a:r>
-            <a:rPr lang="it-IT" sz="2300" kern="1200" dirty="0"/>
+            <a:rPr lang="it-IT" sz="2200" kern="1200" dirty="0"/>
             <a:t>architettura </a:t>
           </a:r>
           <a:r>
-            <a:rPr lang="it-IT" sz="2300" b="1" kern="1200" dirty="0"/>
+            <a:rPr lang="it-IT" sz="2200" b="1" kern="1200" dirty="0"/>
             <a:t>SPA</a:t>
           </a:r>
           <a:r>
-            <a:rPr lang="it-IT" sz="2300" kern="1200" dirty="0"/>
+            <a:rPr lang="it-IT" sz="2200" kern="1200" dirty="0"/>
             <a:t> basata su </a:t>
           </a:r>
           <a:r>
-            <a:rPr lang="it-IT" sz="2300" b="1" kern="1200" dirty="0" err="1"/>
+            <a:rPr lang="it-IT" sz="2200" b="1" kern="1200" dirty="0" err="1"/>
             <a:t>Angular</a:t>
           </a:r>
           <a:r>
-            <a:rPr lang="it-IT" sz="2300" b="1" kern="1200" dirty="0"/>
+            <a:rPr lang="it-IT" sz="2200" b="1" kern="1200" dirty="0"/>
             <a:t> Router</a:t>
           </a:r>
-          <a:endParaRPr lang="en-US" sz="2300" b="1" kern="1200" dirty="0"/>
+          <a:endParaRPr lang="en-US" sz="2200" b="1" kern="1200" dirty="0"/>
         </a:p>
         <a:p>
-          <a:pPr marL="228600" lvl="1" indent="-228600" algn="l" defTabSz="1022350">
+          <a:pPr marL="228600" lvl="1" indent="-228600" algn="l" defTabSz="977900">
             <a:lnSpc>
               <a:spcPct val="90000"/>
             </a:lnSpc>
@@ -5843,16 +5847,16 @@
             <a:buChar char="•"/>
           </a:pPr>
           <a:r>
-            <a:rPr lang="it-IT" sz="2300" b="1" kern="1200" dirty="0" err="1"/>
+            <a:rPr lang="it-IT" sz="2200" b="1" kern="1200" dirty="0" err="1"/>
             <a:t>RxJS</a:t>
           </a:r>
           <a:r>
-            <a:rPr lang="it-IT" sz="2300" b="1" kern="1200" dirty="0"/>
+            <a:rPr lang="it-IT" sz="2200" b="1" kern="1200" dirty="0"/>
             <a:t> 7.8.0</a:t>
           </a:r>
         </a:p>
         <a:p>
-          <a:pPr marL="457200" lvl="2" indent="-228600" algn="l" defTabSz="1022350">
+          <a:pPr marL="457200" lvl="2" indent="-228600" algn="l" defTabSz="977900">
             <a:lnSpc>
               <a:spcPct val="90000"/>
             </a:lnSpc>
@@ -5866,17 +5870,17 @@
             <a:buChar char="–"/>
           </a:pPr>
           <a:r>
-            <a:rPr lang="it-IT" sz="2300" kern="1200" dirty="0"/>
+            <a:rPr lang="it-IT" sz="2200" kern="1200" dirty="0"/>
             <a:t> Gestione asincrona chiamate API al </a:t>
           </a:r>
           <a:r>
-            <a:rPr lang="it-IT" sz="2300" kern="1200" dirty="0" err="1"/>
+            <a:rPr lang="it-IT" sz="2200" kern="1200" dirty="0" err="1"/>
             <a:t>backend</a:t>
           </a:r>
-          <a:endParaRPr lang="it-IT" sz="2300" kern="1200" dirty="0"/>
+          <a:endParaRPr lang="it-IT" sz="2200" kern="1200" dirty="0"/>
         </a:p>
         <a:p>
-          <a:pPr marL="457200" lvl="2" indent="-228600" algn="l" defTabSz="1022350">
+          <a:pPr marL="457200" lvl="2" indent="-228600" algn="l" defTabSz="977900">
             <a:lnSpc>
               <a:spcPct val="90000"/>
             </a:lnSpc>
@@ -5890,20 +5894,20 @@
             <a:buChar char="–"/>
           </a:pPr>
           <a:r>
-            <a:rPr lang="it-IT" sz="2300" kern="1200" dirty="0"/>
+            <a:rPr lang="it-IT" sz="2200" kern="1200" dirty="0"/>
             <a:t> </a:t>
           </a:r>
           <a:r>
-            <a:rPr lang="it-IT" sz="2300" b="1" kern="1200" dirty="0"/>
+            <a:rPr lang="it-IT" sz="2200" b="1" kern="1200" dirty="0"/>
             <a:t>Polling</a:t>
           </a:r>
           <a:r>
-            <a:rPr lang="it-IT" sz="2300" kern="1200" dirty="0"/>
+            <a:rPr lang="it-IT" sz="2200" kern="1200" dirty="0"/>
             <a:t> per i documenti in analisi</a:t>
           </a:r>
         </a:p>
         <a:p>
-          <a:pPr marL="228600" lvl="1" indent="-228600" algn="l" defTabSz="1022350">
+          <a:pPr marL="228600" lvl="1" indent="-228600" algn="l" defTabSz="977900">
             <a:lnSpc>
               <a:spcPct val="90000"/>
             </a:lnSpc>
@@ -5917,30 +5921,30 @@
             <a:buChar char="•"/>
           </a:pPr>
           <a:r>
-            <a:rPr lang="it-IT" sz="2300" kern="1200" dirty="0"/>
+            <a:rPr lang="it-IT" sz="2200" kern="1200" dirty="0"/>
             <a:t>Gestione delle dipendenze usando  </a:t>
           </a:r>
           <a:r>
-            <a:rPr lang="it-IT" sz="2300" kern="1200" dirty="0" err="1"/>
+            <a:rPr lang="it-IT" sz="2200" kern="1200" dirty="0" err="1"/>
             <a:t>inject</a:t>
           </a:r>
           <a:r>
-            <a:rPr lang="it-IT" sz="2300" kern="1200" dirty="0"/>
+            <a:rPr lang="it-IT" sz="2200" kern="1200" dirty="0"/>
             <a:t>() per una </a:t>
           </a:r>
           <a:r>
-            <a:rPr lang="it-IT" sz="2300" b="1" kern="1200" dirty="0"/>
+            <a:rPr lang="it-IT" sz="2200" b="1" kern="1200" dirty="0"/>
             <a:t>DI</a:t>
           </a:r>
           <a:r>
-            <a:rPr lang="it-IT" sz="2300" kern="1200" dirty="0"/>
+            <a:rPr lang="it-IT" sz="2200" kern="1200" dirty="0"/>
             <a:t> più pulita</a:t>
           </a:r>
         </a:p>
       </dsp:txBody>
       <dsp:txXfrm>
-        <a:off x="0" y="482142"/>
-        <a:ext cx="7086599" cy="5563453"/>
+        <a:off x="0" y="52113"/>
+        <a:ext cx="7086599" cy="5980602"/>
       </dsp:txXfrm>
     </dsp:sp>
     <dsp:sp modelId="{EF67F11A-FCD0-4E59-A23F-17BCC3FB1182}">
@@ -5950,8 +5954,8 @@
       </dsp:nvSpPr>
       <dsp:spPr>
         <a:xfrm>
-          <a:off x="754496" y="0"/>
-          <a:ext cx="4960619" cy="1151280"/>
+          <a:off x="532370" y="0"/>
+          <a:ext cx="4960619" cy="959503"/>
         </a:xfrm>
         <a:prstGeom prst="roundRect">
           <a:avLst/>
@@ -6022,7 +6026,7 @@
         </a:bodyPr>
         <a:lstStyle/>
         <a:p>
-          <a:pPr marL="0" lvl="0" indent="0" algn="l" defTabSz="1022350">
+          <a:pPr marL="0" lvl="0" indent="0" algn="l" defTabSz="977900">
             <a:lnSpc>
               <a:spcPct val="90000"/>
             </a:lnSpc>
@@ -6035,23 +6039,23 @@
             <a:buNone/>
           </a:pPr>
           <a:r>
-            <a:rPr lang="it-IT" sz="2300" b="1" kern="1200" dirty="0" err="1"/>
+            <a:rPr lang="it-IT" sz="2200" b="1" kern="1200" dirty="0" err="1"/>
             <a:t>Frontend</a:t>
           </a:r>
           <a:r>
-            <a:rPr lang="it-IT" sz="2300" b="1" kern="1200" dirty="0"/>
+            <a:rPr lang="it-IT" sz="2200" b="1" kern="1200" dirty="0"/>
             <a:t> - </a:t>
           </a:r>
           <a:r>
-            <a:rPr lang="it-IT" sz="2300" b="1" kern="1200" dirty="0" err="1"/>
+            <a:rPr lang="it-IT" sz="2200" b="1" kern="1200" dirty="0" err="1"/>
             <a:t>Angular</a:t>
           </a:r>
-          <a:endParaRPr lang="en-US" sz="2300" kern="1200" dirty="0"/>
+          <a:endParaRPr lang="en-US" sz="2200" kern="1200" dirty="0"/>
         </a:p>
       </dsp:txBody>
       <dsp:txXfrm>
-        <a:off x="810697" y="56201"/>
-        <a:ext cx="4848217" cy="1038878"/>
+        <a:off x="579209" y="46839"/>
+        <a:ext cx="4866941" cy="865825"/>
       </dsp:txXfrm>
     </dsp:sp>
   </dsp:spTree>
@@ -6240,8 +6244,12 @@
             <a:buChar char="–"/>
           </a:pPr>
           <a:r>
-            <a:rPr lang="it-IT" sz="2200" kern="1200"/>
-            <a:t>AiService: orchestrazione generazione testo con contesto aziendale</a:t>
+            <a:rPr lang="it-IT" sz="2200" kern="1200" dirty="0" err="1"/>
+            <a:t>AiService</a:t>
+          </a:r>
+          <a:r>
+            <a:rPr lang="it-IT" sz="2200" kern="1200" dirty="0"/>
+            <a:t>: orchestrazione generazione testo con contesto aziendale</a:t>
           </a:r>
         </a:p>
         <a:p>
@@ -6481,8 +6489,8 @@
       </dsp:nvSpPr>
       <dsp:spPr>
         <a:xfrm>
-          <a:off x="0" y="1039962"/>
-          <a:ext cx="4698998" cy="3150000"/>
+          <a:off x="0" y="905271"/>
+          <a:ext cx="5364922" cy="4233600"/>
         </a:xfrm>
         <a:prstGeom prst="rect">
           <a:avLst/>
@@ -6518,12 +6526,12 @@
         <a:fontRef idx="minor"/>
       </dsp:style>
       <dsp:txBody>
-        <a:bodyPr spcFirstLastPara="0" vert="horz" wrap="square" lIns="364694" tIns="520700" rIns="364694" bIns="128016" numCol="1" spcCol="1270" anchor="t" anchorCtr="0">
+        <a:bodyPr spcFirstLastPara="0" vert="horz" wrap="square" lIns="416378" tIns="583184" rIns="416378" bIns="163576" numCol="1" spcCol="1270" anchor="t" anchorCtr="0">
           <a:noAutofit/>
         </a:bodyPr>
         <a:lstStyle/>
         <a:p>
-          <a:pPr marL="171450" lvl="1" indent="-171450" algn="l" defTabSz="800100">
+          <a:pPr marL="228600" lvl="1" indent="-228600" algn="l" defTabSz="1022350">
             <a:lnSpc>
               <a:spcPct val="90000"/>
             </a:lnSpc>
@@ -6536,13 +6544,13 @@
             <a:buChar char="•"/>
           </a:pPr>
           <a:r>
-            <a:rPr lang="it-IT" sz="1800" b="1" kern="1200" dirty="0"/>
+            <a:rPr lang="it-IT" sz="2300" b="1" kern="1200" dirty="0"/>
             <a:t>Struttura dati relazionale</a:t>
           </a:r>
-          <a:endParaRPr lang="en-US" sz="1800" kern="1200" dirty="0"/>
+          <a:endParaRPr lang="en-US" sz="2300" kern="1200" dirty="0"/>
         </a:p>
         <a:p>
-          <a:pPr marL="342900" lvl="2" indent="-171450" algn="l" defTabSz="800100">
+          <a:pPr marL="457200" lvl="2" indent="-228600" algn="l" defTabSz="1022350">
             <a:lnSpc>
               <a:spcPct val="90000"/>
             </a:lnSpc>
@@ -6556,12 +6564,12 @@
             <a:buChar char="•"/>
           </a:pPr>
           <a:r>
-            <a:rPr lang="it-IT" sz="1800" kern="1200" dirty="0"/>
+            <a:rPr lang="it-IT" sz="2300" kern="1200" dirty="0"/>
             <a:t>Gestisce la persistenza di tutti i dati: aziende, conversazioni, toni, rating.</a:t>
           </a:r>
         </a:p>
         <a:p>
-          <a:pPr marL="171450" lvl="1" indent="-171450" algn="l" defTabSz="800100">
+          <a:pPr marL="228600" lvl="1" indent="-228600" algn="l" defTabSz="1022350">
             <a:lnSpc>
               <a:spcPct val="90000"/>
             </a:lnSpc>
@@ -6574,10 +6582,10 @@
             <a:buFont typeface="Arial" panose="020B0604020202020204" pitchFamily="34" charset="0"/>
             <a:buNone/>
           </a:pPr>
-          <a:endParaRPr lang="it-IT" sz="1800" kern="1200" dirty="0"/>
+          <a:endParaRPr lang="it-IT" sz="2300" kern="1200" dirty="0"/>
         </a:p>
         <a:p>
-          <a:pPr marL="171450" lvl="1" indent="-171450" algn="l" defTabSz="800100">
+          <a:pPr marL="228600" lvl="1" indent="-228600" algn="l" defTabSz="1022350">
             <a:lnSpc>
               <a:spcPct val="90000"/>
             </a:lnSpc>
@@ -6591,17 +6599,17 @@
             <a:buChar char="•"/>
           </a:pPr>
           <a:r>
-            <a:rPr lang="it-IT" sz="1800" b="1" kern="1200" dirty="0"/>
+            <a:rPr lang="it-IT" sz="2300" b="1" kern="1200" dirty="0"/>
             <a:t>Integrazione con </a:t>
           </a:r>
           <a:r>
-            <a:rPr lang="it-IT" sz="1800" b="1" kern="1200" dirty="0" err="1"/>
+            <a:rPr lang="it-IT" sz="2300" b="1" kern="1200" dirty="0" err="1"/>
             <a:t>Rails</a:t>
           </a:r>
-          <a:endParaRPr lang="it-IT" sz="1800" b="1" kern="1200" dirty="0"/>
+          <a:endParaRPr lang="it-IT" sz="2300" b="1" kern="1200" dirty="0"/>
         </a:p>
         <a:p>
-          <a:pPr marL="342900" lvl="2" indent="-171450" algn="l" defTabSz="800100">
+          <a:pPr marL="457200" lvl="2" indent="-228600" algn="l" defTabSz="1022350">
             <a:lnSpc>
               <a:spcPct val="90000"/>
             </a:lnSpc>
@@ -6615,20 +6623,20 @@
             <a:buChar char="•"/>
           </a:pPr>
           <a:r>
-            <a:rPr lang="it-IT" sz="1800" b="0" kern="1200" dirty="0"/>
+            <a:rPr lang="it-IT" sz="2300" b="0" kern="1200" dirty="0"/>
             <a:t>Supporto nativo e totale, gestito tramite </a:t>
           </a:r>
           <a:r>
-            <a:rPr lang="it-IT" sz="1800" b="0" kern="1200" dirty="0" err="1"/>
+            <a:rPr lang="it-IT" sz="2300" b="0" kern="1200" dirty="0" err="1"/>
             <a:t>active</a:t>
           </a:r>
           <a:r>
-            <a:rPr lang="it-IT" sz="1800" b="0" kern="1200" dirty="0"/>
+            <a:rPr lang="it-IT" sz="2300" b="0" kern="1200" dirty="0"/>
             <a:t> record.</a:t>
           </a:r>
         </a:p>
         <a:p>
-          <a:pPr marL="342900" lvl="2" indent="-171450" algn="l" defTabSz="800100">
+          <a:pPr marL="457200" lvl="2" indent="-228600" algn="l" defTabSz="1022350">
             <a:lnSpc>
               <a:spcPct val="90000"/>
             </a:lnSpc>
@@ -6642,30 +6650,30 @@
             <a:buChar char="•"/>
           </a:pPr>
           <a:r>
-            <a:rPr lang="it-IT" sz="1800" b="0" kern="1200" dirty="0"/>
+            <a:rPr lang="it-IT" sz="2300" b="0" kern="1200" dirty="0"/>
             <a:t>Separazione ambienti: test, </a:t>
           </a:r>
           <a:r>
-            <a:rPr lang="it-IT" sz="1800" b="0" kern="1200" dirty="0" err="1"/>
+            <a:rPr lang="it-IT" sz="2300" b="0" kern="1200" dirty="0" err="1"/>
             <a:t>dev</a:t>
           </a:r>
           <a:r>
-            <a:rPr lang="it-IT" sz="1800" b="0" kern="1200" dirty="0"/>
+            <a:rPr lang="it-IT" sz="2300" b="0" kern="1200" dirty="0"/>
             <a:t> e </a:t>
           </a:r>
           <a:r>
-            <a:rPr lang="it-IT" sz="1800" b="0" kern="1200" dirty="0" err="1"/>
+            <a:rPr lang="it-IT" sz="2300" b="0" kern="1200" dirty="0" err="1"/>
             <a:t>prod</a:t>
           </a:r>
           <a:r>
-            <a:rPr lang="it-IT" sz="1800" b="0" kern="1200" dirty="0"/>
+            <a:rPr lang="it-IT" sz="2300" b="0" kern="1200" dirty="0"/>
             <a:t>.</a:t>
           </a:r>
         </a:p>
       </dsp:txBody>
       <dsp:txXfrm>
-        <a:off x="0" y="1039962"/>
-        <a:ext cx="4698998" cy="3150000"/>
+        <a:off x="0" y="905271"/>
+        <a:ext cx="5364922" cy="4233600"/>
       </dsp:txXfrm>
     </dsp:sp>
     <dsp:sp modelId="{EF67F11A-FCD0-4E59-A23F-17BCC3FB1182}">
@@ -6675,402 +6683,8 @@
       </dsp:nvSpPr>
       <dsp:spPr>
         <a:xfrm>
-          <a:off x="234949" y="670962"/>
-          <a:ext cx="3289298" cy="738000"/>
-        </a:xfrm>
-        <a:prstGeom prst="roundRect">
-          <a:avLst/>
-        </a:prstGeom>
-        <a:gradFill rotWithShape="0">
-          <a:gsLst>
-            <a:gs pos="0">
-              <a:schemeClr val="accent5">
-                <a:hueOff val="0"/>
-                <a:satOff val="0"/>
-                <a:lumOff val="0"/>
-                <a:alphaOff val="0"/>
-                <a:shade val="51000"/>
-                <a:satMod val="130000"/>
-              </a:schemeClr>
-            </a:gs>
-            <a:gs pos="80000">
-              <a:schemeClr val="accent5">
-                <a:hueOff val="0"/>
-                <a:satOff val="0"/>
-                <a:lumOff val="0"/>
-                <a:alphaOff val="0"/>
-                <a:shade val="93000"/>
-                <a:satMod val="130000"/>
-              </a:schemeClr>
-            </a:gs>
-            <a:gs pos="100000">
-              <a:schemeClr val="accent5">
-                <a:hueOff val="0"/>
-                <a:satOff val="0"/>
-                <a:lumOff val="0"/>
-                <a:alphaOff val="0"/>
-                <a:shade val="94000"/>
-                <a:satMod val="135000"/>
-              </a:schemeClr>
-            </a:gs>
-          </a:gsLst>
-          <a:lin ang="16200000" scaled="0"/>
-        </a:gradFill>
-        <a:ln>
-          <a:noFill/>
-        </a:ln>
-        <a:effectLst>
-          <a:outerShdw blurRad="40000" dist="23000" dir="5400000" rotWithShape="0">
-            <a:srgbClr val="000000">
-              <a:alpha val="35000"/>
-            </a:srgbClr>
-          </a:outerShdw>
-        </a:effectLst>
-      </dsp:spPr>
-      <dsp:style>
-        <a:lnRef idx="0">
-          <a:scrgbClr r="0" g="0" b="0"/>
-        </a:lnRef>
-        <a:fillRef idx="3">
-          <a:scrgbClr r="0" g="0" b="0"/>
-        </a:fillRef>
-        <a:effectRef idx="2">
-          <a:scrgbClr r="0" g="0" b="0"/>
-        </a:effectRef>
-        <a:fontRef idx="minor">
-          <a:schemeClr val="lt1"/>
-        </a:fontRef>
-      </dsp:style>
-      <dsp:txBody>
-        <a:bodyPr spcFirstLastPara="0" vert="horz" wrap="square" lIns="124328" tIns="0" rIns="124328" bIns="0" numCol="1" spcCol="1270" anchor="ctr" anchorCtr="0">
-          <a:noAutofit/>
-        </a:bodyPr>
-        <a:lstStyle/>
-        <a:p>
-          <a:pPr marL="0" lvl="0" indent="0" algn="l" defTabSz="1111250">
-            <a:lnSpc>
-              <a:spcPct val="90000"/>
-            </a:lnSpc>
-            <a:spcBef>
-              <a:spcPct val="0"/>
-            </a:spcBef>
-            <a:spcAft>
-              <a:spcPct val="35000"/>
-            </a:spcAft>
-            <a:buNone/>
-          </a:pPr>
-          <a:r>
-            <a:rPr lang="it-IT" sz="2500" b="1" kern="1200" dirty="0"/>
-            <a:t>Database - </a:t>
-          </a:r>
-          <a:r>
-            <a:rPr lang="it-IT" sz="2500" b="1" kern="1200" dirty="0" err="1"/>
-            <a:t>PostgreSQL</a:t>
-          </a:r>
-          <a:endParaRPr lang="en-US" sz="2500" kern="1200" dirty="0"/>
-        </a:p>
-      </dsp:txBody>
-      <dsp:txXfrm>
-        <a:off x="270975" y="706988"/>
-        <a:ext cx="3217246" cy="665948"/>
-      </dsp:txXfrm>
-    </dsp:sp>
-  </dsp:spTree>
-</dsp:drawing>
-</file>
-
-<file path=ppt/diagrams/drawing4.xml><?xml version="1.0" encoding="utf-8"?>
-<dsp:drawing xmlns:dgm="http://schemas.openxmlformats.org/drawingml/2006/diagram" xmlns:dsp="http://schemas.microsoft.com/office/drawing/2008/diagram" xmlns:a="http://schemas.openxmlformats.org/drawingml/2006/main">
-  <dsp:spTree>
-    <dsp:nvGrpSpPr>
-      <dsp:cNvPr id="0" name=""/>
-      <dsp:cNvGrpSpPr/>
-    </dsp:nvGrpSpPr>
-    <dsp:grpSpPr/>
-    <dsp:sp modelId="{8A748C3E-CE62-4E92-A0FE-1F5548AC9D02}">
-      <dsp:nvSpPr>
-        <dsp:cNvPr id="0" name=""/>
-        <dsp:cNvSpPr/>
-      </dsp:nvSpPr>
-      <dsp:spPr>
-        <a:xfrm>
-          <a:off x="0" y="718200"/>
-          <a:ext cx="5364922" cy="5682600"/>
-        </a:xfrm>
-        <a:prstGeom prst="rect">
-          <a:avLst/>
-        </a:prstGeom>
-        <a:solidFill>
-          <a:srgbClr val="FFFAEF">
-            <a:alpha val="90000"/>
-          </a:srgbClr>
-        </a:solidFill>
-        <a:ln w="9525" cap="flat" cmpd="sng" algn="ctr">
-          <a:solidFill>
-            <a:schemeClr val="accent5">
-              <a:hueOff val="0"/>
-              <a:satOff val="0"/>
-              <a:lumOff val="0"/>
-              <a:alphaOff val="0"/>
-            </a:schemeClr>
-          </a:solidFill>
-          <a:prstDash val="solid"/>
-        </a:ln>
-        <a:effectLst/>
-      </dsp:spPr>
-      <dsp:style>
-        <a:lnRef idx="1">
-          <a:scrgbClr r="0" g="0" b="0"/>
-        </a:lnRef>
-        <a:fillRef idx="1">
-          <a:scrgbClr r="0" g="0" b="0"/>
-        </a:fillRef>
-        <a:effectRef idx="0">
-          <a:scrgbClr r="0" g="0" b="0"/>
-        </a:effectRef>
-        <a:fontRef idx="minor"/>
-      </dsp:style>
-      <dsp:txBody>
-        <a:bodyPr spcFirstLastPara="0" vert="horz" wrap="square" lIns="416378" tIns="853948" rIns="416378" bIns="128016" numCol="1" spcCol="1270" anchor="t" anchorCtr="0">
-          <a:noAutofit/>
-        </a:bodyPr>
-        <a:lstStyle/>
-        <a:p>
-          <a:pPr marL="171450" lvl="1" indent="-171450" algn="l" defTabSz="800100">
-            <a:lnSpc>
-              <a:spcPct val="90000"/>
-            </a:lnSpc>
-            <a:spcBef>
-              <a:spcPct val="0"/>
-            </a:spcBef>
-            <a:spcAft>
-              <a:spcPct val="15000"/>
-            </a:spcAft>
-            <a:buChar char="•"/>
-          </a:pPr>
-          <a:r>
-            <a:rPr lang="it-IT" sz="1800" kern="1200" dirty="0"/>
-            <a:t>Modello Amazon Nova Lite v1 per generazione testo e Nova Canvas per generazioni immagini.</a:t>
-          </a:r>
-          <a:endParaRPr lang="en-US" sz="1800" kern="1200" dirty="0"/>
-        </a:p>
-        <a:p>
-          <a:pPr marL="171450" lvl="1" indent="-171450" algn="l" defTabSz="800100">
-            <a:lnSpc>
-              <a:spcPct val="90000"/>
-            </a:lnSpc>
-            <a:spcBef>
-              <a:spcPct val="0"/>
-            </a:spcBef>
-            <a:spcAft>
-              <a:spcPct val="15000"/>
-            </a:spcAft>
-            <a:buChar char="•"/>
-          </a:pPr>
-          <a:endParaRPr lang="en-US" sz="1800" kern="1200" dirty="0"/>
-        </a:p>
-        <a:p>
-          <a:pPr marL="171450" lvl="1" indent="-171450" algn="l" defTabSz="800100">
-            <a:lnSpc>
-              <a:spcPct val="90000"/>
-            </a:lnSpc>
-            <a:spcBef>
-              <a:spcPct val="0"/>
-            </a:spcBef>
-            <a:spcAft>
-              <a:spcPct val="15000"/>
-            </a:spcAft>
-            <a:buNone/>
-          </a:pPr>
-          <a:r>
-            <a:rPr lang="it-IT" sz="1800" b="1" kern="1200" dirty="0"/>
-            <a:t>• AI Assistant Generativo</a:t>
-          </a:r>
-          <a:endParaRPr lang="en-US" sz="1800" kern="1200" dirty="0"/>
-        </a:p>
-        <a:p>
-          <a:pPr marL="342900" lvl="2" indent="-171450" algn="l" defTabSz="800100">
-            <a:lnSpc>
-              <a:spcPct val="90000"/>
-            </a:lnSpc>
-            <a:spcBef>
-              <a:spcPct val="0"/>
-            </a:spcBef>
-            <a:spcAft>
-              <a:spcPct val="15000"/>
-            </a:spcAft>
-            <a:buFont typeface="Arial" panose="020B0604020202020204" pitchFamily="34" charset="0"/>
-            <a:buChar char="•"/>
-          </a:pPr>
-          <a:r>
-            <a:rPr lang="it-IT" sz="1800" kern="1200" dirty="0"/>
-            <a:t>System prompt personalizzato con descrizione azienda e tono.</a:t>
-          </a:r>
-        </a:p>
-        <a:p>
-          <a:pPr marL="342900" lvl="2" indent="-171450" algn="l" defTabSz="800100">
-            <a:lnSpc>
-              <a:spcPct val="90000"/>
-            </a:lnSpc>
-            <a:spcBef>
-              <a:spcPct val="0"/>
-            </a:spcBef>
-            <a:spcAft>
-              <a:spcPct val="15000"/>
-            </a:spcAft>
-            <a:buFont typeface="Arial" panose="020B0604020202020204" pitchFamily="34" charset="0"/>
-            <a:buChar char="•"/>
-          </a:pPr>
-          <a:r>
-            <a:rPr lang="it-IT" sz="1800" kern="1200" dirty="0"/>
-            <a:t>Facilità nel cambiare modello usando API-converse.</a:t>
-          </a:r>
-        </a:p>
-        <a:p>
-          <a:pPr marL="342900" lvl="2" indent="-171450" algn="l" defTabSz="800100">
-            <a:lnSpc>
-              <a:spcPct val="90000"/>
-            </a:lnSpc>
-            <a:spcBef>
-              <a:spcPct val="0"/>
-            </a:spcBef>
-            <a:spcAft>
-              <a:spcPct val="15000"/>
-            </a:spcAft>
-            <a:buFont typeface="Arial" panose="020B0604020202020204" pitchFamily="34" charset="0"/>
-            <a:buChar char="•"/>
-          </a:pPr>
-          <a:r>
-            <a:rPr lang="it-IT" sz="1800" kern="1200" dirty="0"/>
-            <a:t>Mantenimento contesto conversazione.</a:t>
-          </a:r>
-        </a:p>
-        <a:p>
-          <a:pPr marL="342900" lvl="2" indent="-171450" algn="l" defTabSz="800100">
-            <a:lnSpc>
-              <a:spcPct val="90000"/>
-            </a:lnSpc>
-            <a:spcBef>
-              <a:spcPct val="0"/>
-            </a:spcBef>
-            <a:spcAft>
-              <a:spcPct val="15000"/>
-            </a:spcAft>
-            <a:buFont typeface="Arial" panose="020B0604020202020204" pitchFamily="34" charset="0"/>
-            <a:buChar char="•"/>
-          </a:pPr>
-          <a:r>
-            <a:rPr lang="it-IT" sz="1800" kern="1200" dirty="0"/>
-            <a:t>Generazione comunicazioni interne di immagini e testo.</a:t>
-          </a:r>
-        </a:p>
-        <a:p>
-          <a:pPr marL="171450" lvl="1" indent="-171450" algn="l" defTabSz="800100">
-            <a:lnSpc>
-              <a:spcPct val="90000"/>
-            </a:lnSpc>
-            <a:spcBef>
-              <a:spcPct val="0"/>
-            </a:spcBef>
-            <a:spcAft>
-              <a:spcPct val="15000"/>
-            </a:spcAft>
-            <a:buFont typeface="Arial" panose="020B0604020202020204" pitchFamily="34" charset="0"/>
-            <a:buChar char="•"/>
-          </a:pPr>
-          <a:r>
-            <a:rPr lang="it-IT" sz="1800" b="1" kern="1200" dirty="0"/>
-            <a:t>AI Co-Pilot </a:t>
-          </a:r>
-          <a:r>
-            <a:rPr lang="it-IT" sz="1800" b="1" kern="1200" dirty="0" err="1"/>
-            <a:t>Document</a:t>
-          </a:r>
-          <a:r>
-            <a:rPr lang="it-IT" sz="1800" b="1" kern="1200" dirty="0"/>
-            <a:t> Analysis</a:t>
-          </a:r>
-        </a:p>
-        <a:p>
-          <a:pPr marL="342900" lvl="2" indent="-171450" algn="l" defTabSz="800100">
-            <a:lnSpc>
-              <a:spcPct val="90000"/>
-            </a:lnSpc>
-            <a:spcBef>
-              <a:spcPct val="0"/>
-            </a:spcBef>
-            <a:spcAft>
-              <a:spcPct val="15000"/>
-            </a:spcAft>
-            <a:buFont typeface="Arial" panose="020B0604020202020204" pitchFamily="34" charset="0"/>
-            <a:buChar char="•"/>
-          </a:pPr>
-          <a:r>
-            <a:rPr lang="it-IT" sz="1800" kern="1200" dirty="0"/>
-            <a:t>OCR e analisi documenti (PDF, PNG, JPEG).</a:t>
-          </a:r>
-        </a:p>
-        <a:p>
-          <a:pPr marL="342900" lvl="2" indent="-171450" algn="l" defTabSz="800100">
-            <a:lnSpc>
-              <a:spcPct val="90000"/>
-            </a:lnSpc>
-            <a:spcBef>
-              <a:spcPct val="0"/>
-            </a:spcBef>
-            <a:spcAft>
-              <a:spcPct val="15000"/>
-            </a:spcAft>
-            <a:buFont typeface="Arial" panose="020B0604020202020204" pitchFamily="34" charset="0"/>
-            <a:buChar char="•"/>
-          </a:pPr>
-          <a:r>
-            <a:rPr lang="it-IT" sz="1800" kern="1200" dirty="0"/>
-            <a:t>Estrazione dati strutturati: tipo documento, dipendente, importo, date.</a:t>
-          </a:r>
-        </a:p>
-        <a:p>
-          <a:pPr marL="342900" lvl="2" indent="-171450" algn="l" defTabSz="800100">
-            <a:lnSpc>
-              <a:spcPct val="90000"/>
-            </a:lnSpc>
-            <a:spcBef>
-              <a:spcPct val="0"/>
-            </a:spcBef>
-            <a:spcAft>
-              <a:spcPct val="15000"/>
-            </a:spcAft>
-            <a:buFont typeface="Arial" panose="020B0604020202020204" pitchFamily="34" charset="0"/>
-            <a:buChar char="•"/>
-          </a:pPr>
-          <a:r>
-            <a:rPr lang="it-IT" sz="1800" kern="1200" dirty="0"/>
-            <a:t>Output JSON validato per split e </a:t>
-          </a:r>
-          <a:r>
-            <a:rPr lang="it-IT" sz="1800" kern="1200" dirty="0" err="1"/>
-            <a:t>dispatch</a:t>
-          </a:r>
-          <a:r>
-            <a:rPr lang="it-IT" sz="1800" kern="1200" dirty="0"/>
-            <a:t> automatico.</a:t>
-          </a:r>
-        </a:p>
-      </dsp:txBody>
-      <dsp:txXfrm>
-        <a:off x="0" y="718200"/>
-        <a:ext cx="5364922" cy="5682600"/>
-      </dsp:txXfrm>
-    </dsp:sp>
-    <dsp:sp modelId="{EF67F11A-FCD0-4E59-A23F-17BCC3FB1182}">
-      <dsp:nvSpPr>
-        <dsp:cNvPr id="0" name=""/>
-        <dsp:cNvSpPr/>
-      </dsp:nvSpPr>
-      <dsp:spPr>
-        <a:xfrm>
-          <a:off x="266038" y="0"/>
-          <a:ext cx="3755445" cy="1210320"/>
+          <a:off x="268246" y="491991"/>
+          <a:ext cx="3755445" cy="826560"/>
         </a:xfrm>
         <a:prstGeom prst="roundRect">
           <a:avLst/>
@@ -7155,6 +6769,400 @@
           </a:pPr>
           <a:r>
             <a:rPr lang="it-IT" sz="2800" b="1" kern="1200" dirty="0"/>
+            <a:t>Database - </a:t>
+          </a:r>
+          <a:r>
+            <a:rPr lang="it-IT" sz="2800" b="1" kern="1200" dirty="0" err="1"/>
+            <a:t>PostgreSQL</a:t>
+          </a:r>
+          <a:endParaRPr lang="en-US" sz="2800" kern="1200" dirty="0"/>
+        </a:p>
+      </dsp:txBody>
+      <dsp:txXfrm>
+        <a:off x="308595" y="532340"/>
+        <a:ext cx="3674747" cy="745862"/>
+      </dsp:txXfrm>
+    </dsp:sp>
+  </dsp:spTree>
+</dsp:drawing>
+</file>
+
+<file path=ppt/diagrams/drawing4.xml><?xml version="1.0" encoding="utf-8"?>
+<dsp:drawing xmlns:dgm="http://schemas.openxmlformats.org/drawingml/2006/diagram" xmlns:dsp="http://schemas.microsoft.com/office/drawing/2008/diagram" xmlns:a="http://schemas.openxmlformats.org/drawingml/2006/main">
+  <dsp:spTree>
+    <dsp:nvGrpSpPr>
+      <dsp:cNvPr id="0" name=""/>
+      <dsp:cNvGrpSpPr/>
+    </dsp:nvGrpSpPr>
+    <dsp:grpSpPr/>
+    <dsp:sp modelId="{8A748C3E-CE62-4E92-A0FE-1F5548AC9D02}">
+      <dsp:nvSpPr>
+        <dsp:cNvPr id="0" name=""/>
+        <dsp:cNvSpPr/>
+      </dsp:nvSpPr>
+      <dsp:spPr>
+        <a:xfrm>
+          <a:off x="0" y="628199"/>
+          <a:ext cx="7041322" cy="7144200"/>
+        </a:xfrm>
+        <a:prstGeom prst="rect">
+          <a:avLst/>
+        </a:prstGeom>
+        <a:solidFill>
+          <a:srgbClr val="FFFAEF">
+            <a:alpha val="90000"/>
+          </a:srgbClr>
+        </a:solidFill>
+        <a:ln w="9525" cap="flat" cmpd="sng" algn="ctr">
+          <a:solidFill>
+            <a:schemeClr val="accent5">
+              <a:hueOff val="0"/>
+              <a:satOff val="0"/>
+              <a:lumOff val="0"/>
+              <a:alphaOff val="0"/>
+            </a:schemeClr>
+          </a:solidFill>
+          <a:prstDash val="solid"/>
+        </a:ln>
+        <a:effectLst/>
+      </dsp:spPr>
+      <dsp:style>
+        <a:lnRef idx="1">
+          <a:scrgbClr r="0" g="0" b="0"/>
+        </a:lnRef>
+        <a:fillRef idx="1">
+          <a:scrgbClr r="0" g="0" b="0"/>
+        </a:fillRef>
+        <a:effectRef idx="0">
+          <a:scrgbClr r="0" g="0" b="0"/>
+        </a:effectRef>
+        <a:fontRef idx="minor"/>
+      </dsp:style>
+      <dsp:txBody>
+        <a:bodyPr spcFirstLastPara="0" vert="horz" wrap="square" lIns="546485" tIns="874776" rIns="546485" bIns="163576" numCol="1" spcCol="1270" anchor="t" anchorCtr="0">
+          <a:noAutofit/>
+        </a:bodyPr>
+        <a:lstStyle/>
+        <a:p>
+          <a:pPr marL="228600" lvl="1" indent="-228600" algn="l" defTabSz="1022350">
+            <a:lnSpc>
+              <a:spcPct val="90000"/>
+            </a:lnSpc>
+            <a:spcBef>
+              <a:spcPct val="0"/>
+            </a:spcBef>
+            <a:spcAft>
+              <a:spcPct val="15000"/>
+            </a:spcAft>
+            <a:buChar char="•"/>
+          </a:pPr>
+          <a:r>
+            <a:rPr lang="it-IT" sz="2300" kern="1200" dirty="0"/>
+            <a:t>Modello Amazon Nova Lite v1 per generazione testo e Nova Canvas per generazioni immagini.</a:t>
+          </a:r>
+          <a:endParaRPr lang="en-US" sz="2300" kern="1200" dirty="0"/>
+        </a:p>
+        <a:p>
+          <a:pPr marL="228600" lvl="1" indent="-228600" algn="l" defTabSz="1022350">
+            <a:lnSpc>
+              <a:spcPct val="90000"/>
+            </a:lnSpc>
+            <a:spcBef>
+              <a:spcPct val="0"/>
+            </a:spcBef>
+            <a:spcAft>
+              <a:spcPct val="15000"/>
+            </a:spcAft>
+            <a:buChar char="•"/>
+          </a:pPr>
+          <a:endParaRPr lang="en-US" sz="2300" kern="1200" dirty="0"/>
+        </a:p>
+        <a:p>
+          <a:pPr marL="228600" lvl="1" indent="-228600" algn="l" defTabSz="1022350">
+            <a:lnSpc>
+              <a:spcPct val="90000"/>
+            </a:lnSpc>
+            <a:spcBef>
+              <a:spcPct val="0"/>
+            </a:spcBef>
+            <a:spcAft>
+              <a:spcPct val="15000"/>
+            </a:spcAft>
+            <a:buNone/>
+          </a:pPr>
+          <a:r>
+            <a:rPr lang="it-IT" sz="2300" b="1" kern="1200" dirty="0"/>
+            <a:t>• AI Assistant Generativo</a:t>
+          </a:r>
+          <a:endParaRPr lang="en-US" sz="2300" kern="1200" dirty="0"/>
+        </a:p>
+        <a:p>
+          <a:pPr marL="457200" lvl="2" indent="-228600" algn="l" defTabSz="1022350">
+            <a:lnSpc>
+              <a:spcPct val="90000"/>
+            </a:lnSpc>
+            <a:spcBef>
+              <a:spcPct val="0"/>
+            </a:spcBef>
+            <a:spcAft>
+              <a:spcPct val="15000"/>
+            </a:spcAft>
+            <a:buFont typeface="Arial" panose="020B0604020202020204" pitchFamily="34" charset="0"/>
+            <a:buChar char="•"/>
+          </a:pPr>
+          <a:r>
+            <a:rPr lang="it-IT" sz="2300" kern="1200" dirty="0"/>
+            <a:t>System prompt personalizzato con descrizione azienda e tono.</a:t>
+          </a:r>
+        </a:p>
+        <a:p>
+          <a:pPr marL="457200" lvl="2" indent="-228600" algn="l" defTabSz="1022350">
+            <a:lnSpc>
+              <a:spcPct val="90000"/>
+            </a:lnSpc>
+            <a:spcBef>
+              <a:spcPct val="0"/>
+            </a:spcBef>
+            <a:spcAft>
+              <a:spcPct val="15000"/>
+            </a:spcAft>
+            <a:buFont typeface="Arial" panose="020B0604020202020204" pitchFamily="34" charset="0"/>
+            <a:buChar char="•"/>
+          </a:pPr>
+          <a:r>
+            <a:rPr lang="it-IT" sz="2300" kern="1200" dirty="0"/>
+            <a:t>Facilità nel cambiare modello usando API-converse.</a:t>
+          </a:r>
+        </a:p>
+        <a:p>
+          <a:pPr marL="457200" lvl="2" indent="-228600" algn="l" defTabSz="1022350">
+            <a:lnSpc>
+              <a:spcPct val="90000"/>
+            </a:lnSpc>
+            <a:spcBef>
+              <a:spcPct val="0"/>
+            </a:spcBef>
+            <a:spcAft>
+              <a:spcPct val="15000"/>
+            </a:spcAft>
+            <a:buFont typeface="Arial" panose="020B0604020202020204" pitchFamily="34" charset="0"/>
+            <a:buChar char="•"/>
+          </a:pPr>
+          <a:r>
+            <a:rPr lang="it-IT" sz="2300" kern="1200" dirty="0"/>
+            <a:t>Mantenimento contesto conversazione.</a:t>
+          </a:r>
+        </a:p>
+        <a:p>
+          <a:pPr marL="457200" lvl="2" indent="-228600" algn="l" defTabSz="1022350">
+            <a:lnSpc>
+              <a:spcPct val="90000"/>
+            </a:lnSpc>
+            <a:spcBef>
+              <a:spcPct val="0"/>
+            </a:spcBef>
+            <a:spcAft>
+              <a:spcPct val="15000"/>
+            </a:spcAft>
+            <a:buFont typeface="Arial" panose="020B0604020202020204" pitchFamily="34" charset="0"/>
+            <a:buChar char="•"/>
+          </a:pPr>
+          <a:r>
+            <a:rPr lang="it-IT" sz="2300" kern="1200" dirty="0"/>
+            <a:t>Generazione comunicazioni interne di immagini e testo.</a:t>
+          </a:r>
+        </a:p>
+        <a:p>
+          <a:pPr marL="228600" lvl="1" indent="-228600" algn="l" defTabSz="1022350">
+            <a:lnSpc>
+              <a:spcPct val="90000"/>
+            </a:lnSpc>
+            <a:spcBef>
+              <a:spcPct val="0"/>
+            </a:spcBef>
+            <a:spcAft>
+              <a:spcPct val="15000"/>
+            </a:spcAft>
+            <a:buFont typeface="Arial" panose="020B0604020202020204" pitchFamily="34" charset="0"/>
+            <a:buChar char="•"/>
+          </a:pPr>
+          <a:r>
+            <a:rPr lang="it-IT" sz="2300" b="1" kern="1200" dirty="0"/>
+            <a:t>AI Co-Pilot </a:t>
+          </a:r>
+          <a:r>
+            <a:rPr lang="it-IT" sz="2300" b="1" kern="1200" dirty="0" err="1"/>
+            <a:t>Document</a:t>
+          </a:r>
+          <a:r>
+            <a:rPr lang="it-IT" sz="2300" b="1" kern="1200" dirty="0"/>
+            <a:t> Analysis</a:t>
+          </a:r>
+        </a:p>
+        <a:p>
+          <a:pPr marL="457200" lvl="2" indent="-228600" algn="l" defTabSz="1022350">
+            <a:lnSpc>
+              <a:spcPct val="90000"/>
+            </a:lnSpc>
+            <a:spcBef>
+              <a:spcPct val="0"/>
+            </a:spcBef>
+            <a:spcAft>
+              <a:spcPct val="15000"/>
+            </a:spcAft>
+            <a:buFont typeface="Arial" panose="020B0604020202020204" pitchFamily="34" charset="0"/>
+            <a:buChar char="•"/>
+          </a:pPr>
+          <a:r>
+            <a:rPr lang="it-IT" sz="2300" kern="1200" dirty="0"/>
+            <a:t>OCR e analisi documenti (PDF, PNG, JPEG).</a:t>
+          </a:r>
+        </a:p>
+        <a:p>
+          <a:pPr marL="457200" lvl="2" indent="-228600" algn="l" defTabSz="1022350">
+            <a:lnSpc>
+              <a:spcPct val="90000"/>
+            </a:lnSpc>
+            <a:spcBef>
+              <a:spcPct val="0"/>
+            </a:spcBef>
+            <a:spcAft>
+              <a:spcPct val="15000"/>
+            </a:spcAft>
+            <a:buFont typeface="Arial" panose="020B0604020202020204" pitchFamily="34" charset="0"/>
+            <a:buChar char="•"/>
+          </a:pPr>
+          <a:r>
+            <a:rPr lang="it-IT" sz="2300" kern="1200" dirty="0"/>
+            <a:t>Estrazione dati strutturati: tipo documento, dipendente, importo, date.</a:t>
+          </a:r>
+        </a:p>
+        <a:p>
+          <a:pPr marL="457200" lvl="2" indent="-228600" algn="l" defTabSz="1022350">
+            <a:lnSpc>
+              <a:spcPct val="90000"/>
+            </a:lnSpc>
+            <a:spcBef>
+              <a:spcPct val="0"/>
+            </a:spcBef>
+            <a:spcAft>
+              <a:spcPct val="15000"/>
+            </a:spcAft>
+            <a:buFont typeface="Arial" panose="020B0604020202020204" pitchFamily="34" charset="0"/>
+            <a:buChar char="•"/>
+          </a:pPr>
+          <a:r>
+            <a:rPr lang="it-IT" sz="2300" kern="1200" dirty="0"/>
+            <a:t>Output JSON validato per split e </a:t>
+          </a:r>
+          <a:r>
+            <a:rPr lang="it-IT" sz="2300" kern="1200" dirty="0" err="1"/>
+            <a:t>dispatch</a:t>
+          </a:r>
+          <a:r>
+            <a:rPr lang="it-IT" sz="2300" kern="1200" dirty="0"/>
+            <a:t> automatico.</a:t>
+          </a:r>
+        </a:p>
+      </dsp:txBody>
+      <dsp:txXfrm>
+        <a:off x="0" y="628199"/>
+        <a:ext cx="7041322" cy="7144200"/>
+      </dsp:txXfrm>
+    </dsp:sp>
+    <dsp:sp modelId="{EF67F11A-FCD0-4E59-A23F-17BCC3FB1182}">
+      <dsp:nvSpPr>
+        <dsp:cNvPr id="0" name=""/>
+        <dsp:cNvSpPr/>
+      </dsp:nvSpPr>
+      <dsp:spPr>
+        <a:xfrm>
+          <a:off x="349168" y="0"/>
+          <a:ext cx="4928925" cy="1239840"/>
+        </a:xfrm>
+        <a:prstGeom prst="roundRect">
+          <a:avLst/>
+        </a:prstGeom>
+        <a:gradFill rotWithShape="0">
+          <a:gsLst>
+            <a:gs pos="0">
+              <a:schemeClr val="accent5">
+                <a:hueOff val="0"/>
+                <a:satOff val="0"/>
+                <a:lumOff val="0"/>
+                <a:alphaOff val="0"/>
+                <a:shade val="51000"/>
+                <a:satMod val="130000"/>
+              </a:schemeClr>
+            </a:gs>
+            <a:gs pos="80000">
+              <a:schemeClr val="accent5">
+                <a:hueOff val="0"/>
+                <a:satOff val="0"/>
+                <a:lumOff val="0"/>
+                <a:alphaOff val="0"/>
+                <a:shade val="93000"/>
+                <a:satMod val="130000"/>
+              </a:schemeClr>
+            </a:gs>
+            <a:gs pos="100000">
+              <a:schemeClr val="accent5">
+                <a:hueOff val="0"/>
+                <a:satOff val="0"/>
+                <a:lumOff val="0"/>
+                <a:alphaOff val="0"/>
+                <a:shade val="94000"/>
+                <a:satMod val="135000"/>
+              </a:schemeClr>
+            </a:gs>
+          </a:gsLst>
+          <a:lin ang="16200000" scaled="0"/>
+        </a:gradFill>
+        <a:ln>
+          <a:noFill/>
+        </a:ln>
+        <a:effectLst>
+          <a:outerShdw blurRad="40000" dist="23000" dir="5400000" rotWithShape="0">
+            <a:srgbClr val="000000">
+              <a:alpha val="35000"/>
+            </a:srgbClr>
+          </a:outerShdw>
+        </a:effectLst>
+      </dsp:spPr>
+      <dsp:style>
+        <a:lnRef idx="0">
+          <a:scrgbClr r="0" g="0" b="0"/>
+        </a:lnRef>
+        <a:fillRef idx="3">
+          <a:scrgbClr r="0" g="0" b="0"/>
+        </a:fillRef>
+        <a:effectRef idx="2">
+          <a:scrgbClr r="0" g="0" b="0"/>
+        </a:effectRef>
+        <a:fontRef idx="minor">
+          <a:schemeClr val="lt1"/>
+        </a:fontRef>
+      </dsp:style>
+      <dsp:txBody>
+        <a:bodyPr spcFirstLastPara="0" vert="horz" wrap="square" lIns="186302" tIns="0" rIns="186302" bIns="0" numCol="1" spcCol="1270" anchor="ctr" anchorCtr="0">
+          <a:noAutofit/>
+        </a:bodyPr>
+        <a:lstStyle/>
+        <a:p>
+          <a:pPr marL="0" lvl="0" indent="0" algn="l" defTabSz="1244600">
+            <a:lnSpc>
+              <a:spcPct val="90000"/>
+            </a:lnSpc>
+            <a:spcBef>
+              <a:spcPct val="0"/>
+            </a:spcBef>
+            <a:spcAft>
+              <a:spcPct val="35000"/>
+            </a:spcAft>
+            <a:buNone/>
+          </a:pPr>
+          <a:r>
+            <a:rPr lang="it-IT" sz="2800" b="1" kern="1200" dirty="0"/>
             <a:t>AWS </a:t>
           </a:r>
           <a:r>
@@ -7165,8 +7173,8 @@
         </a:p>
       </dsp:txBody>
       <dsp:txXfrm>
-        <a:off x="325121" y="59083"/>
-        <a:ext cx="3637279" cy="1092154"/>
+        <a:off x="409692" y="60524"/>
+        <a:ext cx="4807877" cy="1118792"/>
       </dsp:txXfrm>
     </dsp:sp>
   </dsp:spTree>
@@ -16337,10 +16345,10 @@
         </p:nvGrpSpPr>
         <p:grpSpPr>
           <a:xfrm>
-            <a:off x="188063" y="0"/>
-            <a:ext cx="17566536" cy="2935483"/>
-            <a:chOff x="0" y="471724"/>
-            <a:chExt cx="23422050" cy="3913976"/>
+            <a:off x="188063" y="163429"/>
+            <a:ext cx="17566536" cy="2772054"/>
+            <a:chOff x="0" y="689629"/>
+            <a:chExt cx="23422050" cy="3696071"/>
           </a:xfrm>
         </p:grpSpPr>
         <p:sp>
@@ -16391,7 +16399,7 @@
           </p:nvSpPr>
           <p:spPr>
             <a:xfrm>
-              <a:off x="0" y="471724"/>
+              <a:off x="0" y="689629"/>
               <a:ext cx="23422050" cy="2376377"/>
             </a:xfrm>
             <a:prstGeom prst="rect">
@@ -16443,7 +16451,7 @@
         </p:nvSpPr>
         <p:spPr>
           <a:xfrm>
-            <a:off x="898290" y="2900911"/>
+            <a:off x="1448816" y="2324931"/>
             <a:ext cx="15390367" cy="7837980"/>
           </a:xfrm>
           <a:prstGeom prst="rect">
@@ -16469,35 +16477,30 @@
             </a:pPr>
             <a:r>
               <a:rPr lang="it-IT" sz="3600" dirty="0">
-                <a:latin typeface="Arial" panose="020B0604020202020204" pitchFamily="34" charset="0"/>
                 <a:cs typeface="Arial" panose="020B0604020202020204" pitchFamily="34" charset="0"/>
               </a:rPr>
               <a:t>NEXUM è una piattaforma HR (Human </a:t>
             </a:r>
             <a:r>
               <a:rPr lang="it-IT" sz="3600" dirty="0" err="1">
-                <a:latin typeface="Arial" panose="020B0604020202020204" pitchFamily="34" charset="0"/>
                 <a:cs typeface="Arial" panose="020B0604020202020204" pitchFamily="34" charset="0"/>
               </a:rPr>
               <a:t>Resources</a:t>
             </a:r>
             <a:r>
               <a:rPr lang="it-IT" sz="3600" dirty="0">
-                <a:latin typeface="Arial" panose="020B0604020202020204" pitchFamily="34" charset="0"/>
                 <a:cs typeface="Arial" panose="020B0604020202020204" pitchFamily="34" charset="0"/>
               </a:rPr>
               <a:t>) sviluppata da </a:t>
             </a:r>
             <a:r>
-              <a:rPr lang="it-IT" sz="3600" dirty="0" err="1">
-                <a:latin typeface="Arial" panose="020B0604020202020204" pitchFamily="34" charset="0"/>
+              <a:rPr lang="it-IT" sz="3600" b="1" dirty="0" err="1">
                 <a:cs typeface="Arial" panose="020B0604020202020204" pitchFamily="34" charset="0"/>
               </a:rPr>
               <a:t>Eggon</a:t>
             </a:r>
             <a:r>
               <a:rPr lang="it-IT" sz="3600" dirty="0">
-                <a:latin typeface="Arial" panose="020B0604020202020204" pitchFamily="34" charset="0"/>
                 <a:cs typeface="Arial" panose="020B0604020202020204" pitchFamily="34" charset="0"/>
               </a:rPr>
               <a:t> in collaborazione </a:t>
@@ -16507,7 +16510,6 @@
                 <a:solidFill>
                   <a:srgbClr val="212529"/>
                 </a:solidFill>
-                <a:latin typeface="Arial" panose="020B0604020202020204" pitchFamily="34" charset="0"/>
                 <a:cs typeface="Arial" panose="020B0604020202020204" pitchFamily="34" charset="0"/>
               </a:rPr>
               <a:t>con </a:t>
@@ -16517,7 +16519,6 @@
                 <a:solidFill>
                   <a:srgbClr val="212529"/>
                 </a:solidFill>
-                <a:latin typeface="Arial" panose="020B0604020202020204" pitchFamily="34" charset="0"/>
                 <a:cs typeface="Arial" panose="020B0604020202020204" pitchFamily="34" charset="0"/>
               </a:rPr>
               <a:t>BugBusters</a:t>
@@ -16527,7 +16528,6 @@
                 <a:solidFill>
                   <a:srgbClr val="212529"/>
                 </a:solidFill>
-                <a:latin typeface="Arial" panose="020B0604020202020204" pitchFamily="34" charset="0"/>
                 <a:cs typeface="Arial" panose="020B0604020202020204" pitchFamily="34" charset="0"/>
               </a:rPr>
               <a:t> (Gruppo 4 del corso di Ingegneria del Software, dell’ Università degli Studi di Padova)</a:t>
@@ -16548,7 +16548,6 @@
               <a:solidFill>
                 <a:srgbClr val="212529"/>
               </a:solidFill>
-              <a:latin typeface="Arial" panose="020B0604020202020204" pitchFamily="34" charset="0"/>
               <a:cs typeface="Arial" panose="020B0604020202020204" pitchFamily="34" charset="0"/>
             </a:endParaRPr>
           </a:p>
@@ -16564,21 +16563,24 @@
               </a:defRPr>
             </a:pPr>
             <a:r>
-              <a:rPr lang="it-IT" sz="3600" dirty="0">
-                <a:latin typeface="Arial" panose="020B0604020202020204" pitchFamily="34" charset="0"/>
+              <a:rPr lang="it-IT" sz="3600" b="1" dirty="0">
                 <a:cs typeface="Arial" panose="020B0604020202020204" pitchFamily="34" charset="0"/>
               </a:rPr>
-              <a:t>Obiettivo: Validare moduli sperimentali basati su AI e data </a:t>
+              <a:t>Obiettivo</a:t>
+            </a:r>
+            <a:r>
+              <a:rPr lang="it-IT" sz="3600" dirty="0">
+                <a:cs typeface="Arial" panose="020B0604020202020204" pitchFamily="34" charset="0"/>
+              </a:rPr>
+              <a:t>: Validare moduli sperimentali basati su AI e data </a:t>
             </a:r>
             <a:r>
               <a:rPr lang="it-IT" sz="3600" dirty="0" err="1">
-                <a:latin typeface="Arial" panose="020B0604020202020204" pitchFamily="34" charset="0"/>
                 <a:cs typeface="Arial" panose="020B0604020202020204" pitchFamily="34" charset="0"/>
               </a:rPr>
               <a:t>analytics</a:t>
             </a:r>
             <a:endParaRPr lang="it-IT" sz="3600" dirty="0">
-              <a:latin typeface="Arial" panose="020B0604020202020204" pitchFamily="34" charset="0"/>
               <a:cs typeface="Arial" panose="020B0604020202020204" pitchFamily="34" charset="0"/>
             </a:endParaRPr>
           </a:p>
@@ -16594,7 +16596,6 @@
               </a:defRPr>
             </a:pPr>
             <a:endParaRPr lang="it-IT" sz="3600" dirty="0">
-              <a:latin typeface="Arial" panose="020B0604020202020204" pitchFamily="34" charset="0"/>
               <a:cs typeface="Arial" panose="020B0604020202020204" pitchFamily="34" charset="0"/>
             </a:endParaRPr>
           </a:p>
@@ -16607,7 +16608,6 @@
             </a:pPr>
             <a:r>
               <a:rPr lang="it-IT" sz="3600" dirty="0">
-                <a:latin typeface="Arial" panose="020B0604020202020204" pitchFamily="34" charset="0"/>
                 <a:cs typeface="Arial" panose="020B0604020202020204" pitchFamily="34" charset="0"/>
               </a:rPr>
               <a:t>Due ambiti funzionali principali:</a:t>
@@ -16626,7 +16626,6 @@
             </a:pPr>
             <a:r>
               <a:rPr lang="it-IT" sz="3600" dirty="0">
-                <a:latin typeface="Arial" panose="020B0604020202020204" pitchFamily="34" charset="0"/>
                 <a:cs typeface="Arial" panose="020B0604020202020204" pitchFamily="34" charset="0"/>
               </a:rPr>
               <a:t>1. AI Assistant Generativo</a:t>
@@ -16645,7 +16644,6 @@
             </a:pPr>
             <a:r>
               <a:rPr lang="it-IT" sz="3600" dirty="0">
-                <a:latin typeface="Arial" panose="020B0604020202020204" pitchFamily="34" charset="0"/>
                 <a:cs typeface="Arial" panose="020B0604020202020204" pitchFamily="34" charset="0"/>
               </a:rPr>
               <a:t>   → Creazione automatizzata di contenuti per comunicazioni interne</a:t>
@@ -16664,7 +16662,6 @@
             </a:pPr>
             <a:r>
               <a:rPr lang="it-IT" sz="3600" dirty="0">
-                <a:latin typeface="Arial" panose="020B0604020202020204" pitchFamily="34" charset="0"/>
                 <a:cs typeface="Arial" panose="020B0604020202020204" pitchFamily="34" charset="0"/>
               </a:rPr>
               <a:t>2. AI Co-Pilot per Consulenti del Lavoro</a:t>
@@ -16683,7 +16680,6 @@
             </a:pPr>
             <a:r>
               <a:rPr lang="it-IT" sz="3600" dirty="0">
-                <a:latin typeface="Arial" panose="020B0604020202020204" pitchFamily="34" charset="0"/>
                 <a:cs typeface="Arial" panose="020B0604020202020204" pitchFamily="34" charset="0"/>
               </a:rPr>
               <a:t>   → Riconoscimento, split e dispaccio massivo di documenti (cedolini)</a:t>
@@ -16699,7 +16695,6 @@
               <a:solidFill>
                 <a:srgbClr val="000000"/>
               </a:solidFill>
-              <a:latin typeface="Arial" panose="020B0604020202020204" pitchFamily="34" charset="0"/>
               <a:ea typeface="Overpass"/>
               <a:cs typeface="Arial" panose="020B0604020202020204" pitchFamily="34" charset="0"/>
               <a:sym typeface="Overpass"/>
@@ -16865,7 +16860,7 @@
           <p:nvPr>
             <p:extLst>
               <p:ext uri="{D42A27DB-BD31-4B8C-83A1-F6EECF244321}">
-                <p14:modId xmlns:p14="http://schemas.microsoft.com/office/powerpoint/2010/main" val="1505458884"/>
+                <p14:modId xmlns:p14="http://schemas.microsoft.com/office/powerpoint/2010/main" val="966120062"/>
               </p:ext>
             </p:extLst>
           </p:nvPr>
@@ -17129,14 +17124,14 @@
           <p:nvPr>
             <p:extLst>
               <p:ext uri="{D42A27DB-BD31-4B8C-83A1-F6EECF244321}">
-                <p14:modId xmlns:p14="http://schemas.microsoft.com/office/powerpoint/2010/main" val="1369799902"/>
+                <p14:modId xmlns:p14="http://schemas.microsoft.com/office/powerpoint/2010/main" val="597458936"/>
               </p:ext>
             </p:extLst>
           </p:nvPr>
         </p:nvGraphicFramePr>
         <p:xfrm>
-          <a:off x="2667000" y="5067300"/>
-          <a:ext cx="4698998" cy="4860925"/>
+          <a:off x="1295399" y="4160837"/>
+          <a:ext cx="5364922" cy="5630863"/>
         </p:xfrm>
         <a:graphic>
           <a:graphicData uri="http://schemas.openxmlformats.org/drawingml/2006/diagram">
@@ -17171,7 +17166,7 @@
         </p:blipFill>
         <p:spPr>
           <a:xfrm>
-            <a:off x="9394133" y="6896100"/>
+            <a:off x="6979482" y="7794625"/>
             <a:ext cx="4648199" cy="2133600"/>
           </a:xfrm>
           <a:prstGeom prst="rect">
@@ -17260,14 +17255,14 @@
           <p:nvPr>
             <p:extLst>
               <p:ext uri="{D42A27DB-BD31-4B8C-83A1-F6EECF244321}">
-                <p14:modId xmlns:p14="http://schemas.microsoft.com/office/powerpoint/2010/main" val="2962760131"/>
+                <p14:modId xmlns:p14="http://schemas.microsoft.com/office/powerpoint/2010/main" val="6165585"/>
               </p:ext>
             </p:extLst>
           </p:nvPr>
         </p:nvGraphicFramePr>
         <p:xfrm>
           <a:off x="9113078" y="190500"/>
-          <a:ext cx="5364922" cy="6400800"/>
+          <a:ext cx="7041322" cy="7772400"/>
         </p:xfrm>
         <a:graphic>
           <a:graphicData uri="http://schemas.openxmlformats.org/drawingml/2006/diagram">
@@ -17302,7 +17297,7 @@
         </p:blipFill>
         <p:spPr>
           <a:xfrm>
-            <a:off x="2368681" y="1506608"/>
+            <a:off x="3733800" y="1181100"/>
             <a:ext cx="5079999" cy="2667000"/>
           </a:xfrm>
           <a:prstGeom prst="rect">

--- a/RTB/TECNOLOGIE/Tecnologie.pptx
+++ b/RTB/TECNOLOGIE/Tecnologie.pptx
@@ -3472,65 +3472,6 @@
         </a:p>
       </dgm:t>
     </dgm:pt>
-    <dgm:pt modelId="{3850311C-A53C-4052-BDD5-F5866951D844}">
-      <dgm:prSet custT="1"/>
-      <dgm:spPr>
-        <a:solidFill>
-          <a:srgbClr val="FFFAEF">
-            <a:alpha val="90000"/>
-          </a:srgbClr>
-        </a:solidFill>
-      </dgm:spPr>
-      <dgm:t>
-        <a:bodyPr/>
-        <a:lstStyle/>
-        <a:p>
-          <a:pPr>
-            <a:buFont typeface="Arial" panose="020B0604020202020204" pitchFamily="34" charset="0"/>
-            <a:buChar char="•"/>
-          </a:pPr>
-          <a:r>
-            <a:rPr lang="it-IT" sz="2200" b="1" dirty="0" err="1"/>
-            <a:t>Angular</a:t>
-          </a:r>
-          <a:r>
-            <a:rPr lang="it-IT" sz="2200" b="1" dirty="0"/>
-            <a:t> (v21) in </a:t>
-          </a:r>
-          <a:r>
-            <a:rPr lang="it-IT" sz="2200" b="1" dirty="0" err="1"/>
-            <a:t>TypeScript</a:t>
-          </a:r>
-          <a:r>
-            <a:rPr lang="it-IT" sz="2200" b="1" dirty="0"/>
-            <a:t> su ambiente Node.js v24</a:t>
-          </a:r>
-          <a:endParaRPr lang="en-US" sz="2200" dirty="0"/>
-        </a:p>
-      </dgm:t>
-    </dgm:pt>
-    <dgm:pt modelId="{1093B51F-1E48-46C6-B64A-7D72D2D61ACC}" type="parTrans" cxnId="{27F0BE87-1F53-4513-854E-A9EF65EBF7FE}">
-      <dgm:prSet/>
-      <dgm:spPr/>
-      <dgm:t>
-        <a:bodyPr/>
-        <a:lstStyle/>
-        <a:p>
-          <a:endParaRPr lang="it-IT"/>
-        </a:p>
-      </dgm:t>
-    </dgm:pt>
-    <dgm:pt modelId="{B85F275C-6B08-4B47-A49E-6839949226DE}" type="sibTrans" cxnId="{27F0BE87-1F53-4513-854E-A9EF65EBF7FE}">
-      <dgm:prSet/>
-      <dgm:spPr/>
-      <dgm:t>
-        <a:bodyPr/>
-        <a:lstStyle/>
-        <a:p>
-          <a:endParaRPr lang="it-IT"/>
-        </a:p>
-      </dgm:t>
-    </dgm:pt>
     <dgm:pt modelId="{81C5FAF5-7969-428F-9168-FEA62E83FEE0}">
       <dgm:prSet custT="1"/>
       <dgm:spPr>
@@ -3753,6 +3694,208 @@
         </a:p>
       </dgm:t>
     </dgm:pt>
+    <dgm:pt modelId="{EE76E364-6A46-492A-9FD7-63C775ADA808}">
+      <dgm:prSet custT="1"/>
+      <dgm:spPr/>
+      <dgm:t>
+        <a:bodyPr/>
+        <a:lstStyle/>
+        <a:p>
+          <a:r>
+            <a:rPr lang="it-IT" sz="2200" b="1" dirty="0" err="1"/>
+            <a:t>Frontend</a:t>
+          </a:r>
+          <a:r>
+            <a:rPr lang="it-IT" sz="2200" b="1" dirty="0"/>
+            <a:t> - </a:t>
+          </a:r>
+          <a:r>
+            <a:rPr lang="it-IT" sz="2200" b="1" dirty="0" err="1"/>
+            <a:t>Angular</a:t>
+          </a:r>
+          <a:endParaRPr lang="en-US" sz="2200" dirty="0"/>
+        </a:p>
+      </dgm:t>
+    </dgm:pt>
+    <dgm:pt modelId="{119AEC78-9891-4081-85AD-AAE5114E48ED}" type="sibTrans" cxnId="{8ADAB9E6-BB3B-4581-9B45-07948A4AEA67}">
+      <dgm:prSet/>
+      <dgm:spPr/>
+      <dgm:t>
+        <a:bodyPr/>
+        <a:lstStyle/>
+        <a:p>
+          <a:endParaRPr lang="en-US"/>
+        </a:p>
+      </dgm:t>
+    </dgm:pt>
+    <dgm:pt modelId="{522B9AE2-1358-4DCB-B21B-51AD7A4CC3B6}" type="parTrans" cxnId="{8ADAB9E6-BB3B-4581-9B45-07948A4AEA67}">
+      <dgm:prSet/>
+      <dgm:spPr/>
+      <dgm:t>
+        <a:bodyPr/>
+        <a:lstStyle/>
+        <a:p>
+          <a:endParaRPr lang="en-US"/>
+        </a:p>
+      </dgm:t>
+    </dgm:pt>
+    <dgm:pt modelId="{E81EBE7F-1B29-4F3B-9D90-F27A5F52A4F7}">
+      <dgm:prSet custT="1"/>
+      <dgm:spPr>
+        <a:solidFill>
+          <a:srgbClr val="FFFAEF">
+            <a:alpha val="90000"/>
+          </a:srgbClr>
+        </a:solidFill>
+      </dgm:spPr>
+      <dgm:t>
+        <a:bodyPr/>
+        <a:lstStyle/>
+        <a:p>
+          <a:pPr>
+            <a:buFont typeface="Arial" panose="020B0604020202020204" pitchFamily="34" charset="0"/>
+            <a:buNone/>
+          </a:pPr>
+          <a:r>
+            <a:rPr lang="it-IT" sz="2200" b="1" dirty="0" err="1"/>
+            <a:t>Angular</a:t>
+          </a:r>
+          <a:r>
+            <a:rPr lang="it-IT" sz="2200" b="1" dirty="0"/>
+            <a:t> (v21) su ambiente Node.js v24</a:t>
+          </a:r>
+          <a:endParaRPr lang="en-US" sz="2200" dirty="0"/>
+        </a:p>
+      </dgm:t>
+    </dgm:pt>
+    <dgm:pt modelId="{901F6192-51CD-49F4-8A54-859AB828A347}" type="parTrans" cxnId="{8C265198-3772-4E2A-AD6C-ABEF95119153}">
+      <dgm:prSet/>
+      <dgm:spPr/>
+      <dgm:t>
+        <a:bodyPr/>
+        <a:lstStyle/>
+        <a:p>
+          <a:endParaRPr lang="it-IT"/>
+        </a:p>
+      </dgm:t>
+    </dgm:pt>
+    <dgm:pt modelId="{3D557813-893F-4AAA-9A58-5F46E98736F6}" type="sibTrans" cxnId="{8C265198-3772-4E2A-AD6C-ABEF95119153}">
+      <dgm:prSet/>
+      <dgm:spPr/>
+      <dgm:t>
+        <a:bodyPr/>
+        <a:lstStyle/>
+        <a:p>
+          <a:endParaRPr lang="it-IT"/>
+        </a:p>
+      </dgm:t>
+    </dgm:pt>
+    <dgm:pt modelId="{47035833-554B-4E51-989B-BBBA7CB2F1B2}">
+      <dgm:prSet custT="1"/>
+      <dgm:spPr>
+        <a:solidFill>
+          <a:srgbClr val="FFFAEF">
+            <a:alpha val="90000"/>
+          </a:srgbClr>
+        </a:solidFill>
+      </dgm:spPr>
+      <dgm:t>
+        <a:bodyPr/>
+        <a:lstStyle/>
+        <a:p>
+          <a:pPr>
+            <a:buFont typeface="Arial" panose="020B0604020202020204" pitchFamily="34" charset="0"/>
+            <a:buNone/>
+          </a:pPr>
+          <a:r>
+            <a:rPr lang="en-US" sz="2200" b="0" dirty="0" err="1"/>
+            <a:t>Scelta</a:t>
+          </a:r>
+          <a:r>
+            <a:rPr lang="en-US" sz="2200" b="0" dirty="0"/>
+            <a:t> di </a:t>
+          </a:r>
+          <a:r>
+            <a:rPr lang="en-US" sz="2200" b="1" dirty="0"/>
+            <a:t>Angular Vs React:</a:t>
+          </a:r>
+          <a:endParaRPr lang="en-US" sz="2200" dirty="0"/>
+        </a:p>
+      </dgm:t>
+    </dgm:pt>
+    <dgm:pt modelId="{90EBB25F-9B48-4B19-B9EE-674C6F7D6E33}" type="parTrans" cxnId="{C4653128-9530-4777-A348-542D422C2F4C}">
+      <dgm:prSet/>
+      <dgm:spPr/>
+      <dgm:t>
+        <a:bodyPr/>
+        <a:lstStyle/>
+        <a:p>
+          <a:endParaRPr lang="it-IT"/>
+        </a:p>
+      </dgm:t>
+    </dgm:pt>
+    <dgm:pt modelId="{D685D6C1-2BC9-402B-BD46-4FA2EE1F5CC1}" type="sibTrans" cxnId="{C4653128-9530-4777-A348-542D422C2F4C}">
+      <dgm:prSet/>
+      <dgm:spPr/>
+      <dgm:t>
+        <a:bodyPr/>
+        <a:lstStyle/>
+        <a:p>
+          <a:endParaRPr lang="it-IT"/>
+        </a:p>
+      </dgm:t>
+    </dgm:pt>
+    <dgm:pt modelId="{9D2878A0-3308-49D9-9E8B-BB7B16C5666C}">
+      <dgm:prSet custT="1"/>
+      <dgm:spPr>
+        <a:solidFill>
+          <a:srgbClr val="FFFAEF">
+            <a:alpha val="90000"/>
+          </a:srgbClr>
+        </a:solidFill>
+      </dgm:spPr>
+      <dgm:t>
+        <a:bodyPr/>
+        <a:lstStyle/>
+        <a:p>
+          <a:pPr>
+            <a:buFont typeface="Arial" panose="020B0604020202020204" pitchFamily="34" charset="0"/>
+            <a:buChar char="•"/>
+          </a:pPr>
+          <a:r>
+            <a:rPr lang="en-US" sz="2200" dirty="0"/>
+            <a:t>Framework vs </a:t>
+          </a:r>
+          <a:r>
+            <a:rPr lang="en-US" sz="2200" dirty="0" err="1"/>
+            <a:t>libreria</a:t>
+          </a:r>
+          <a:endParaRPr lang="en-US" sz="2200" dirty="0"/>
+        </a:p>
+      </dgm:t>
+    </dgm:pt>
+    <dgm:pt modelId="{2C603990-4AF4-4301-850D-F66262D359B2}" type="parTrans" cxnId="{AEF394F9-D7FB-464B-AFA5-C5B843046B96}">
+      <dgm:prSet/>
+      <dgm:spPr/>
+      <dgm:t>
+        <a:bodyPr/>
+        <a:lstStyle/>
+        <a:p>
+          <a:endParaRPr lang="it-IT"/>
+        </a:p>
+      </dgm:t>
+    </dgm:pt>
+    <dgm:pt modelId="{BDB38DF0-81C7-4A1C-BFE2-56278E86F3DB}" type="sibTrans" cxnId="{AEF394F9-D7FB-464B-AFA5-C5B843046B96}">
+      <dgm:prSet/>
+      <dgm:spPr/>
+      <dgm:t>
+        <a:bodyPr/>
+        <a:lstStyle/>
+        <a:p>
+          <a:endParaRPr lang="it-IT"/>
+        </a:p>
+      </dgm:t>
+    </dgm:pt>
     <dgm:pt modelId="{3ACFCC25-7784-4356-B8DF-A35CF2CC5237}">
       <dgm:prSet custT="1"/>
       <dgm:spPr>
@@ -3798,7 +3941,7 @@
         </a:p>
       </dgm:t>
     </dgm:pt>
-    <dgm:pt modelId="{1FFA7EC9-892D-4681-A9B1-5FE3969C5613}" type="parTrans" cxnId="{C62AC98E-E928-42FA-A277-7F38775C0B7E}">
+    <dgm:pt modelId="{1FFA7EC9-892D-4681-A9B1-5FE3969C5613}" type="parTrans" cxnId="{157AD865-39E9-4394-AD26-FA162D902D24}">
       <dgm:prSet/>
       <dgm:spPr/>
       <dgm:t>
@@ -3809,7 +3952,7 @@
         </a:p>
       </dgm:t>
     </dgm:pt>
-    <dgm:pt modelId="{423D80BF-E726-4A72-8017-67F8D9F24CD1}" type="sibTrans" cxnId="{C62AC98E-E928-42FA-A277-7F38775C0B7E}">
+    <dgm:pt modelId="{423D80BF-E726-4A72-8017-67F8D9F24CD1}" type="sibTrans" cxnId="{157AD865-39E9-4394-AD26-FA162D902D24}">
       <dgm:prSet/>
       <dgm:spPr/>
       <dgm:t>
@@ -3820,48 +3963,151 @@
         </a:p>
       </dgm:t>
     </dgm:pt>
-    <dgm:pt modelId="{EE76E364-6A46-492A-9FD7-63C775ADA808}">
+    <dgm:pt modelId="{3083C0AC-5FAE-4A98-AD65-B00E46317EAA}">
       <dgm:prSet custT="1"/>
-      <dgm:spPr/>
+      <dgm:spPr>
+        <a:solidFill>
+          <a:srgbClr val="FFFAEF">
+            <a:alpha val="90000"/>
+          </a:srgbClr>
+        </a:solidFill>
+      </dgm:spPr>
       <dgm:t>
         <a:bodyPr/>
         <a:lstStyle/>
         <a:p>
-          <a:r>
-            <a:rPr lang="it-IT" sz="2200" b="1" dirty="0" err="1"/>
-            <a:t>Frontend</a:t>
-          </a:r>
-          <a:r>
-            <a:rPr lang="it-IT" sz="2200" b="1" dirty="0"/>
-            <a:t> - </a:t>
-          </a:r>
-          <a:r>
-            <a:rPr lang="it-IT" sz="2200" b="1" dirty="0" err="1"/>
-            <a:t>Angular</a:t>
-          </a:r>
-          <a:endParaRPr lang="en-US" sz="2200" dirty="0"/>
+          <a:pPr>
+            <a:buFont typeface="Arial" panose="020B0604020202020204" pitchFamily="34" charset="0"/>
+            <a:buNone/>
+          </a:pPr>
+          <a:r>
+            <a:rPr lang="en-US" sz="2200" b="1" dirty="0"/>
+            <a:t>Angular </a:t>
+          </a:r>
+          <a:r>
+            <a:rPr lang="en-US" sz="2200" b="1" dirty="0" err="1"/>
+            <a:t>nel</a:t>
+          </a:r>
+          <a:r>
+            <a:rPr lang="en-US" sz="2200" b="1" dirty="0"/>
+            <a:t> nostro POC:</a:t>
+          </a:r>
         </a:p>
       </dgm:t>
     </dgm:pt>
-    <dgm:pt modelId="{119AEC78-9891-4081-85AD-AAE5114E48ED}" type="sibTrans" cxnId="{8ADAB9E6-BB3B-4581-9B45-07948A4AEA67}">
+    <dgm:pt modelId="{6D46ADC7-98F1-4B44-8ABD-9CF9E2656DEB}" type="parTrans" cxnId="{F7EA5785-3780-49CB-8439-3772D648A86E}">
       <dgm:prSet/>
       <dgm:spPr/>
       <dgm:t>
         <a:bodyPr/>
         <a:lstStyle/>
         <a:p>
-          <a:endParaRPr lang="en-US"/>
+          <a:endParaRPr lang="it-IT"/>
         </a:p>
       </dgm:t>
     </dgm:pt>
-    <dgm:pt modelId="{522B9AE2-1358-4DCB-B21B-51AD7A4CC3B6}" type="parTrans" cxnId="{8ADAB9E6-BB3B-4581-9B45-07948A4AEA67}">
+    <dgm:pt modelId="{24B2D5EA-2F1B-49BD-ACC9-DCDED6EDC43F}" type="sibTrans" cxnId="{F7EA5785-3780-49CB-8439-3772D648A86E}">
       <dgm:prSet/>
       <dgm:spPr/>
       <dgm:t>
         <a:bodyPr/>
         <a:lstStyle/>
         <a:p>
-          <a:endParaRPr lang="en-US"/>
+          <a:endParaRPr lang="it-IT"/>
+        </a:p>
+      </dgm:t>
+    </dgm:pt>
+    <dgm:pt modelId="{1E54DBF2-0B1C-465C-A75E-DD6A16A0630B}">
+      <dgm:prSet custT="1"/>
+      <dgm:spPr>
+        <a:solidFill>
+          <a:srgbClr val="FFFAEF">
+            <a:alpha val="90000"/>
+          </a:srgbClr>
+        </a:solidFill>
+      </dgm:spPr>
+      <dgm:t>
+        <a:bodyPr/>
+        <a:lstStyle/>
+        <a:p>
+          <a:pPr>
+            <a:buFont typeface="Arial" panose="020B0604020202020204" pitchFamily="34" charset="0"/>
+            <a:buChar char="•"/>
+          </a:pPr>
+          <a:r>
+            <a:rPr lang="en-US" sz="2200" dirty="0"/>
+            <a:t>OOP vs </a:t>
+          </a:r>
+          <a:r>
+            <a:rPr lang="en-US" sz="2200" dirty="0" err="1"/>
+            <a:t>funzionale</a:t>
+          </a:r>
+          <a:endParaRPr lang="en-US" sz="2200" dirty="0"/>
+        </a:p>
+      </dgm:t>
+    </dgm:pt>
+    <dgm:pt modelId="{E34D0822-23EB-47BC-B7A4-28DE0FA75F12}" type="parTrans" cxnId="{1746BAF4-7F83-4E61-BBA9-235227B536CB}">
+      <dgm:prSet/>
+      <dgm:spPr/>
+      <dgm:t>
+        <a:bodyPr/>
+        <a:lstStyle/>
+        <a:p>
+          <a:endParaRPr lang="it-IT"/>
+        </a:p>
+      </dgm:t>
+    </dgm:pt>
+    <dgm:pt modelId="{65F8CC45-709D-41D6-88A2-C7DB84C09C2B}" type="sibTrans" cxnId="{1746BAF4-7F83-4E61-BBA9-235227B536CB}">
+      <dgm:prSet/>
+      <dgm:spPr/>
+      <dgm:t>
+        <a:bodyPr/>
+        <a:lstStyle/>
+        <a:p>
+          <a:endParaRPr lang="it-IT"/>
+        </a:p>
+      </dgm:t>
+    </dgm:pt>
+    <dgm:pt modelId="{C07C55AE-257E-4178-8EDE-747334E3BDE5}">
+      <dgm:prSet custT="1"/>
+      <dgm:spPr>
+        <a:solidFill>
+          <a:srgbClr val="FFFAEF">
+            <a:alpha val="90000"/>
+          </a:srgbClr>
+        </a:solidFill>
+      </dgm:spPr>
+      <dgm:t>
+        <a:bodyPr/>
+        <a:lstStyle/>
+        <a:p>
+          <a:pPr>
+            <a:buFont typeface="Arial" panose="020B0604020202020204" pitchFamily="34" charset="0"/>
+            <a:buNone/>
+          </a:pPr>
+          <a:endParaRPr lang="en-US" sz="2200" dirty="0"/>
+        </a:p>
+      </dgm:t>
+    </dgm:pt>
+    <dgm:pt modelId="{57396DED-E5BD-47EF-A274-349AC9A0A616}" type="parTrans" cxnId="{AE67C9F9-2F25-47CF-A235-1DBDA1B04B18}">
+      <dgm:prSet/>
+      <dgm:spPr/>
+      <dgm:t>
+        <a:bodyPr/>
+        <a:lstStyle/>
+        <a:p>
+          <a:endParaRPr lang="it-IT"/>
+        </a:p>
+      </dgm:t>
+    </dgm:pt>
+    <dgm:pt modelId="{F966E27C-520B-4A2A-9EB2-BFF87F80813F}" type="sibTrans" cxnId="{AE67C9F9-2F25-47CF-A235-1DBDA1B04B18}">
+      <dgm:prSet/>
+      <dgm:spPr/>
+      <dgm:t>
+        <a:bodyPr/>
+        <a:lstStyle/>
+        <a:p>
+          <a:endParaRPr lang="it-IT"/>
         </a:p>
       </dgm:t>
     </dgm:pt>
@@ -3897,7 +4143,7 @@
       <dgm:spPr/>
     </dgm:pt>
     <dgm:pt modelId="{8A748C3E-CE62-4E92-A0FE-1F5548AC9D02}" type="pres">
-      <dgm:prSet presAssocID="{EE76E364-6A46-492A-9FD7-63C775ADA808}" presName="childText" presStyleLbl="conFgAcc1" presStyleIdx="0" presStyleCnt="1" custScaleY="105478" custLinFactNeighborX="3710" custLinFactNeighborY="-27338">
+      <dgm:prSet presAssocID="{EE76E364-6A46-492A-9FD7-63C775ADA808}" presName="childText" presStyleLbl="conFgAcc1" presStyleIdx="0" presStyleCnt="1" custScaleY="94239" custLinFactNeighborX="-3786" custLinFactNeighborY="-40692">
         <dgm:presLayoutVars>
           <dgm:bulletEnabled val="1"/>
         </dgm:presLayoutVars>
@@ -3906,33 +4152,43 @@
     </dgm:pt>
   </dgm:ptLst>
   <dgm:cxnLst>
-    <dgm:cxn modelId="{D95E0A08-3823-456F-B045-8B2D181525F8}" type="presOf" srcId="{BCA671DB-9D16-4302-B7A8-56BF6E3543A9}" destId="{8A748C3E-CE62-4E92-A0FE-1F5548AC9D02}" srcOrd="0" destOrd="2" presId="urn:microsoft.com/office/officeart/2005/8/layout/list1"/>
-    <dgm:cxn modelId="{E9092709-6E91-45E0-A7A5-3A0CB221696B}" type="presOf" srcId="{EE76E364-6A46-492A-9FD7-63C775ADA808}" destId="{0E75AC4A-956D-493C-A82B-572CF3B1603B}" srcOrd="0" destOrd="0" presId="urn:microsoft.com/office/officeart/2005/8/layout/list1"/>
-    <dgm:cxn modelId="{0A628414-F6B5-42E1-A8F3-0CB3833C4BF6}" type="presOf" srcId="{81C5FAF5-7969-428F-9168-FEA62E83FEE0}" destId="{8A748C3E-CE62-4E92-A0FE-1F5548AC9D02}" srcOrd="0" destOrd="4" presId="urn:microsoft.com/office/officeart/2005/8/layout/list1"/>
-    <dgm:cxn modelId="{248A3716-A158-479A-925B-4FBEDA81A7A4}" srcId="{EE76E364-6A46-492A-9FD7-63C775ADA808}" destId="{81C5FAF5-7969-428F-9168-FEA62E83FEE0}" srcOrd="4" destOrd="0" parTransId="{F85420F4-2BF4-48A2-BC52-21EE60C7088A}" sibTransId="{76ECC8FB-B797-4F4E-8993-577D9FE42A74}"/>
-    <dgm:cxn modelId="{13F49D19-F08F-4F3F-8DFA-171716C82016}" type="presOf" srcId="{F5F55255-3B4A-4616-B6F8-0A66537C5D82}" destId="{8A748C3E-CE62-4E92-A0FE-1F5548AC9D02}" srcOrd="0" destOrd="6" presId="urn:microsoft.com/office/officeart/2005/8/layout/list1"/>
-    <dgm:cxn modelId="{DA525E1A-7FFF-4B9B-979A-37830A1A6822}" type="presOf" srcId="{24C10798-75D1-47C0-A4DB-CA289CC5805B}" destId="{8A748C3E-CE62-4E92-A0FE-1F5548AC9D02}" srcOrd="0" destOrd="7" presId="urn:microsoft.com/office/officeart/2005/8/layout/list1"/>
-    <dgm:cxn modelId="{9C280A1C-C029-4E7F-999E-A84766E633AD}" type="presOf" srcId="{3ACFCC25-7784-4356-B8DF-A35CF2CC5237}" destId="{8A748C3E-CE62-4E92-A0FE-1F5548AC9D02}" srcOrd="0" destOrd="3" presId="urn:microsoft.com/office/officeart/2005/8/layout/list1"/>
-    <dgm:cxn modelId="{89A26634-7323-49E3-997A-5445C4214B35}" srcId="{EE76E364-6A46-492A-9FD7-63C775ADA808}" destId="{EA4C9FAE-8632-437A-94BC-F7324DD67615}" srcOrd="5" destOrd="0" parTransId="{933F93DC-F2BC-4901-9B93-BEDA7E1295ED}" sibTransId="{18CF30EE-9734-4EDB-80FF-201F7A903B36}"/>
+    <dgm:cxn modelId="{D9D7BA05-199F-4FE9-9878-0E591DD851B2}" type="presOf" srcId="{147F1B68-2F1B-4E54-A64E-FDF57E94FBAE}" destId="{8A748C3E-CE62-4E92-A0FE-1F5548AC9D02}" srcOrd="0" destOrd="13" presId="urn:microsoft.com/office/officeart/2005/8/layout/list1"/>
+    <dgm:cxn modelId="{14B98007-77D4-4912-903C-B59BB2A0071F}" type="presOf" srcId="{9D2878A0-3308-49D9-9E8B-BB7B16C5666C}" destId="{8A748C3E-CE62-4E92-A0FE-1F5548AC9D02}" srcOrd="0" destOrd="4" presId="urn:microsoft.com/office/officeart/2005/8/layout/list1"/>
+    <dgm:cxn modelId="{248A3716-A158-479A-925B-4FBEDA81A7A4}" srcId="{EE76E364-6A46-492A-9FD7-63C775ADA808}" destId="{81C5FAF5-7969-428F-9168-FEA62E83FEE0}" srcOrd="9" destOrd="0" parTransId="{F85420F4-2BF4-48A2-BC52-21EE60C7088A}" sibTransId="{76ECC8FB-B797-4F4E-8993-577D9FE42A74}"/>
+    <dgm:cxn modelId="{3D640618-1354-4F40-9A9D-E62C774DB987}" type="presOf" srcId="{F5F55255-3B4A-4616-B6F8-0A66537C5D82}" destId="{8A748C3E-CE62-4E92-A0FE-1F5548AC9D02}" srcOrd="0" destOrd="11" presId="urn:microsoft.com/office/officeart/2005/8/layout/list1"/>
+    <dgm:cxn modelId="{840D5C1D-67E8-40B6-B6FE-29E3426538FE}" type="presOf" srcId="{81C5FAF5-7969-428F-9168-FEA62E83FEE0}" destId="{8A748C3E-CE62-4E92-A0FE-1F5548AC9D02}" srcOrd="0" destOrd="9" presId="urn:microsoft.com/office/officeart/2005/8/layout/list1"/>
+    <dgm:cxn modelId="{C4653128-9530-4777-A348-542D422C2F4C}" srcId="{EE76E364-6A46-492A-9FD7-63C775ADA808}" destId="{47035833-554B-4E51-989B-BBBA7CB2F1B2}" srcOrd="3" destOrd="0" parTransId="{90EBB25F-9B48-4B19-B9EE-674C6F7D6E33}" sibTransId="{D685D6C1-2BC9-402B-BD46-4FA2EE1F5CC1}"/>
+    <dgm:cxn modelId="{89A26634-7323-49E3-997A-5445C4214B35}" srcId="{EE76E364-6A46-492A-9FD7-63C775ADA808}" destId="{EA4C9FAE-8632-437A-94BC-F7324DD67615}" srcOrd="10" destOrd="0" parTransId="{933F93DC-F2BC-4901-9B93-BEDA7E1295ED}" sibTransId="{18CF30EE-9734-4EDB-80FF-201F7A903B36}"/>
     <dgm:cxn modelId="{0C848A3D-3553-4924-8D80-54F69669587F}" type="presOf" srcId="{228ADC0D-83DA-40CE-9EF2-B2A23B2BA12F}" destId="{529C8736-509C-426A-B1AF-D9FE39FB5B28}" srcOrd="0" destOrd="0" presId="urn:microsoft.com/office/officeart/2005/8/layout/list1"/>
-    <dgm:cxn modelId="{628B0D5B-E06C-4FD6-A68C-4484D8743AE9}" type="presOf" srcId="{147F1B68-2F1B-4E54-A64E-FDF57E94FBAE}" destId="{8A748C3E-CE62-4E92-A0FE-1F5548AC9D02}" srcOrd="0" destOrd="8" presId="urn:microsoft.com/office/officeart/2005/8/layout/list1"/>
-    <dgm:cxn modelId="{AF834E48-FD81-433D-B1B2-2CCD7D74765A}" srcId="{EE76E364-6A46-492A-9FD7-63C775ADA808}" destId="{BCA671DB-9D16-4302-B7A8-56BF6E3543A9}" srcOrd="2" destOrd="0" parTransId="{E2DB0A18-721A-4D89-AC8F-ECFB539A4977}" sibTransId="{EC660C46-8325-4A10-8E43-5BBCD693556D}"/>
+    <dgm:cxn modelId="{C2BA9945-9B20-45E7-AF9B-689821493901}" type="presOf" srcId="{FB7856FD-14F6-497F-A96F-439DE861ECA4}" destId="{8A748C3E-CE62-4E92-A0FE-1F5548AC9D02}" srcOrd="0" destOrd="0" presId="urn:microsoft.com/office/officeart/2005/8/layout/list1"/>
+    <dgm:cxn modelId="{157AD865-39E9-4394-AD26-FA162D902D24}" srcId="{EE76E364-6A46-492A-9FD7-63C775ADA808}" destId="{3ACFCC25-7784-4356-B8DF-A35CF2CC5237}" srcOrd="8" destOrd="0" parTransId="{1FFA7EC9-892D-4681-A9B1-5FE3969C5613}" sibTransId="{423D80BF-E726-4A72-8017-67F8D9F24CD1}"/>
+    <dgm:cxn modelId="{AF834E48-FD81-433D-B1B2-2CCD7D74765A}" srcId="{EE76E364-6A46-492A-9FD7-63C775ADA808}" destId="{BCA671DB-9D16-4302-B7A8-56BF6E3543A9}" srcOrd="7" destOrd="0" parTransId="{E2DB0A18-721A-4D89-AC8F-ECFB539A4977}" sibTransId="{EC660C46-8325-4A10-8E43-5BBCD693556D}"/>
     <dgm:cxn modelId="{F609747B-AE71-4ACA-93A0-5C6C9FA2C6E1}" srcId="{EE76E364-6A46-492A-9FD7-63C775ADA808}" destId="{FB7856FD-14F6-497F-A96F-439DE861ECA4}" srcOrd="0" destOrd="0" parTransId="{B2A71A46-24A2-44C1-B6DD-257439AFBC0A}" sibTransId="{AED585D0-E158-48D1-8037-5DB08D2C892B}"/>
+    <dgm:cxn modelId="{B3BC947E-A5B7-4BD5-83C5-0F0990E73AA5}" type="presOf" srcId="{EE76E364-6A46-492A-9FD7-63C775ADA808}" destId="{0E75AC4A-956D-493C-A82B-572CF3B1603B}" srcOrd="0" destOrd="0" presId="urn:microsoft.com/office/officeart/2005/8/layout/list1"/>
     <dgm:cxn modelId="{32E73583-EC60-44EC-A1BF-54C8775B331D}" srcId="{EA4C9FAE-8632-437A-94BC-F7324DD67615}" destId="{24C10798-75D1-47C0-A4DB-CA289CC5805B}" srcOrd="1" destOrd="0" parTransId="{CCB71030-2EA5-4506-92EC-221C09CE28D3}" sibTransId="{ACEF8760-0D4C-4F48-B99C-551EED1CF848}"/>
-    <dgm:cxn modelId="{27F0BE87-1F53-4513-854E-A9EF65EBF7FE}" srcId="{EE76E364-6A46-492A-9FD7-63C775ADA808}" destId="{3850311C-A53C-4052-BDD5-F5866951D844}" srcOrd="1" destOrd="0" parTransId="{1093B51F-1E48-46C6-B64A-7D72D2D61ACC}" sibTransId="{B85F275C-6B08-4B47-A49E-6839949226DE}"/>
-    <dgm:cxn modelId="{D3DDFC8D-E675-4B05-8D8F-1BB4A9CE7573}" type="presOf" srcId="{3850311C-A53C-4052-BDD5-F5866951D844}" destId="{8A748C3E-CE62-4E92-A0FE-1F5548AC9D02}" srcOrd="0" destOrd="1" presId="urn:microsoft.com/office/officeart/2005/8/layout/list1"/>
-    <dgm:cxn modelId="{C62AC98E-E928-42FA-A277-7F38775C0B7E}" srcId="{EE76E364-6A46-492A-9FD7-63C775ADA808}" destId="{3ACFCC25-7784-4356-B8DF-A35CF2CC5237}" srcOrd="3" destOrd="0" parTransId="{1FFA7EC9-892D-4681-A9B1-5FE3969C5613}" sibTransId="{423D80BF-E726-4A72-8017-67F8D9F24CD1}"/>
-    <dgm:cxn modelId="{EDA2B0A6-6285-42C8-ACD6-A0ED11956F63}" srcId="{EE76E364-6A46-492A-9FD7-63C775ADA808}" destId="{147F1B68-2F1B-4E54-A64E-FDF57E94FBAE}" srcOrd="6" destOrd="0" parTransId="{BB5E3B85-D782-4999-882E-B3E92E827653}" sibTransId="{7A783848-5787-4168-A501-C8A8796F4A23}"/>
+    <dgm:cxn modelId="{F7EA5785-3780-49CB-8439-3772D648A86E}" srcId="{EE76E364-6A46-492A-9FD7-63C775ADA808}" destId="{3083C0AC-5FAE-4A98-AD65-B00E46317EAA}" srcOrd="6" destOrd="0" parTransId="{6D46ADC7-98F1-4B44-8ABD-9CF9E2656DEB}" sibTransId="{24B2D5EA-2F1B-49BD-ACC9-DCDED6EDC43F}"/>
+    <dgm:cxn modelId="{8C265198-3772-4E2A-AD6C-ABEF95119153}" srcId="{EE76E364-6A46-492A-9FD7-63C775ADA808}" destId="{E81EBE7F-1B29-4F3B-9D90-F27A5F52A4F7}" srcOrd="1" destOrd="0" parTransId="{901F6192-51CD-49F4-8A54-859AB828A347}" sibTransId="{3D557813-893F-4AAA-9A58-5F46E98736F6}"/>
+    <dgm:cxn modelId="{84876A9C-E00F-443E-A7E6-6DD38906E2FB}" type="presOf" srcId="{E81EBE7F-1B29-4F3B-9D90-F27A5F52A4F7}" destId="{8A748C3E-CE62-4E92-A0FE-1F5548AC9D02}" srcOrd="0" destOrd="1" presId="urn:microsoft.com/office/officeart/2005/8/layout/list1"/>
+    <dgm:cxn modelId="{EDA2B0A6-6285-42C8-ACD6-A0ED11956F63}" srcId="{EE76E364-6A46-492A-9FD7-63C775ADA808}" destId="{147F1B68-2F1B-4E54-A64E-FDF57E94FBAE}" srcOrd="11" destOrd="0" parTransId="{BB5E3B85-D782-4999-882E-B3E92E827653}" sibTransId="{7A783848-5787-4168-A501-C8A8796F4A23}"/>
+    <dgm:cxn modelId="{B76A21A7-70BB-44B5-B32D-C58036ECCDA6}" type="presOf" srcId="{BCA671DB-9D16-4302-B7A8-56BF6E3543A9}" destId="{8A748C3E-CE62-4E92-A0FE-1F5548AC9D02}" srcOrd="0" destOrd="7" presId="urn:microsoft.com/office/officeart/2005/8/layout/list1"/>
     <dgm:cxn modelId="{D3CD3EAD-7193-4575-98B5-F9317CE4FB43}" srcId="{EA4C9FAE-8632-437A-94BC-F7324DD67615}" destId="{F5F55255-3B4A-4616-B6F8-0A66537C5D82}" srcOrd="0" destOrd="0" parTransId="{AF394C79-B2A6-4DCB-885D-CE8D2685EC33}" sibTransId="{E6592C2A-BD5F-424A-817B-CCDA29892586}"/>
-    <dgm:cxn modelId="{A22FD4B2-7A35-4E88-9759-5C8856D49BA3}" type="presOf" srcId="{EA4C9FAE-8632-437A-94BC-F7324DD67615}" destId="{8A748C3E-CE62-4E92-A0FE-1F5548AC9D02}" srcOrd="0" destOrd="5" presId="urn:microsoft.com/office/officeart/2005/8/layout/list1"/>
-    <dgm:cxn modelId="{A1F187D5-2309-485A-9E59-78CEC5B4B9EB}" type="presOf" srcId="{EE76E364-6A46-492A-9FD7-63C775ADA808}" destId="{EF67F11A-FCD0-4E59-A23F-17BCC3FB1182}" srcOrd="1" destOrd="0" presId="urn:microsoft.com/office/officeart/2005/8/layout/list1"/>
+    <dgm:cxn modelId="{F84649BA-7494-44A8-B0DE-BA2DCD49178C}" type="presOf" srcId="{EA4C9FAE-8632-437A-94BC-F7324DD67615}" destId="{8A748C3E-CE62-4E92-A0FE-1F5548AC9D02}" srcOrd="0" destOrd="10" presId="urn:microsoft.com/office/officeart/2005/8/layout/list1"/>
+    <dgm:cxn modelId="{BFE189BB-5BD9-4F0A-BD9B-543D5DD3CE84}" type="presOf" srcId="{C07C55AE-257E-4178-8EDE-747334E3BDE5}" destId="{8A748C3E-CE62-4E92-A0FE-1F5548AC9D02}" srcOrd="0" destOrd="2" presId="urn:microsoft.com/office/officeart/2005/8/layout/list1"/>
+    <dgm:cxn modelId="{AE4F18C4-3F5E-4FD9-A2F6-D226C34980FB}" type="presOf" srcId="{3ACFCC25-7784-4356-B8DF-A35CF2CC5237}" destId="{8A748C3E-CE62-4E92-A0FE-1F5548AC9D02}" srcOrd="0" destOrd="8" presId="urn:microsoft.com/office/officeart/2005/8/layout/list1"/>
+    <dgm:cxn modelId="{A3B613D5-E298-425B-9F5F-232D5869B052}" type="presOf" srcId="{47035833-554B-4E51-989B-BBBA7CB2F1B2}" destId="{8A748C3E-CE62-4E92-A0FE-1F5548AC9D02}" srcOrd="0" destOrd="3" presId="urn:microsoft.com/office/officeart/2005/8/layout/list1"/>
+    <dgm:cxn modelId="{09F294D5-E7D0-4977-AFCF-473D4E4CF3FD}" type="presOf" srcId="{3083C0AC-5FAE-4A98-AD65-B00E46317EAA}" destId="{8A748C3E-CE62-4E92-A0FE-1F5548AC9D02}" srcOrd="0" destOrd="6" presId="urn:microsoft.com/office/officeart/2005/8/layout/list1"/>
     <dgm:cxn modelId="{8ADAB9E6-BB3B-4581-9B45-07948A4AEA67}" srcId="{228ADC0D-83DA-40CE-9EF2-B2A23B2BA12F}" destId="{EE76E364-6A46-492A-9FD7-63C775ADA808}" srcOrd="0" destOrd="0" parTransId="{522B9AE2-1358-4DCB-B21B-51AD7A4CC3B6}" sibTransId="{119AEC78-9891-4081-85AD-AAE5114E48ED}"/>
-    <dgm:cxn modelId="{4F9365FF-2D6F-4D0D-9E60-1782CBB99FAC}" type="presOf" srcId="{FB7856FD-14F6-497F-A96F-439DE861ECA4}" destId="{8A748C3E-CE62-4E92-A0FE-1F5548AC9D02}" srcOrd="0" destOrd="0" presId="urn:microsoft.com/office/officeart/2005/8/layout/list1"/>
-    <dgm:cxn modelId="{5070C104-B1E1-40F1-A0DE-97F4F4CD7310}" type="presParOf" srcId="{529C8736-509C-426A-B1AF-D9FE39FB5B28}" destId="{8BC7EA25-256B-410A-8E19-CC15A19D412A}" srcOrd="0" destOrd="0" presId="urn:microsoft.com/office/officeart/2005/8/layout/list1"/>
-    <dgm:cxn modelId="{204DA009-B3F1-4225-839C-DF0A8826F00A}" type="presParOf" srcId="{8BC7EA25-256B-410A-8E19-CC15A19D412A}" destId="{0E75AC4A-956D-493C-A82B-572CF3B1603B}" srcOrd="0" destOrd="0" presId="urn:microsoft.com/office/officeart/2005/8/layout/list1"/>
-    <dgm:cxn modelId="{D8782D56-DDA4-486D-8333-D9521FAE6776}" type="presParOf" srcId="{8BC7EA25-256B-410A-8E19-CC15A19D412A}" destId="{EF67F11A-FCD0-4E59-A23F-17BCC3FB1182}" srcOrd="1" destOrd="0" presId="urn:microsoft.com/office/officeart/2005/8/layout/list1"/>
-    <dgm:cxn modelId="{836B591A-C28B-4C37-AF15-8B5DBC70DA21}" type="presParOf" srcId="{529C8736-509C-426A-B1AF-D9FE39FB5B28}" destId="{E84E3A97-5D14-4C15-B06F-E00215B154CE}" srcOrd="1" destOrd="0" presId="urn:microsoft.com/office/officeart/2005/8/layout/list1"/>
-    <dgm:cxn modelId="{8BA68BD2-7FDC-4C1D-AF1A-DD92BF1A2A14}" type="presParOf" srcId="{529C8736-509C-426A-B1AF-D9FE39FB5B28}" destId="{8A748C3E-CE62-4E92-A0FE-1F5548AC9D02}" srcOrd="2" destOrd="0" presId="urn:microsoft.com/office/officeart/2005/8/layout/list1"/>
+    <dgm:cxn modelId="{3BB3C8E8-AC4E-47D2-9540-45FFF6AC9690}" type="presOf" srcId="{EE76E364-6A46-492A-9FD7-63C775ADA808}" destId="{EF67F11A-FCD0-4E59-A23F-17BCC3FB1182}" srcOrd="1" destOrd="0" presId="urn:microsoft.com/office/officeart/2005/8/layout/list1"/>
+    <dgm:cxn modelId="{BC9D0CF3-EF2F-4E70-8F4F-A14AED17E420}" type="presOf" srcId="{1E54DBF2-0B1C-465C-A75E-DD6A16A0630B}" destId="{8A748C3E-CE62-4E92-A0FE-1F5548AC9D02}" srcOrd="0" destOrd="5" presId="urn:microsoft.com/office/officeart/2005/8/layout/list1"/>
+    <dgm:cxn modelId="{1746BAF4-7F83-4E61-BBA9-235227B536CB}" srcId="{EE76E364-6A46-492A-9FD7-63C775ADA808}" destId="{1E54DBF2-0B1C-465C-A75E-DD6A16A0630B}" srcOrd="5" destOrd="0" parTransId="{E34D0822-23EB-47BC-B7A4-28DE0FA75F12}" sibTransId="{65F8CC45-709D-41D6-88A2-C7DB84C09C2B}"/>
+    <dgm:cxn modelId="{A8A3D9F5-A188-48D3-9244-3B98C42FF9F0}" type="presOf" srcId="{24C10798-75D1-47C0-A4DB-CA289CC5805B}" destId="{8A748C3E-CE62-4E92-A0FE-1F5548AC9D02}" srcOrd="0" destOrd="12" presId="urn:microsoft.com/office/officeart/2005/8/layout/list1"/>
+    <dgm:cxn modelId="{AEF394F9-D7FB-464B-AFA5-C5B843046B96}" srcId="{EE76E364-6A46-492A-9FD7-63C775ADA808}" destId="{9D2878A0-3308-49D9-9E8B-BB7B16C5666C}" srcOrd="4" destOrd="0" parTransId="{2C603990-4AF4-4301-850D-F66262D359B2}" sibTransId="{BDB38DF0-81C7-4A1C-BFE2-56278E86F3DB}"/>
+    <dgm:cxn modelId="{AE67C9F9-2F25-47CF-A235-1DBDA1B04B18}" srcId="{EE76E364-6A46-492A-9FD7-63C775ADA808}" destId="{C07C55AE-257E-4178-8EDE-747334E3BDE5}" srcOrd="2" destOrd="0" parTransId="{57396DED-E5BD-47EF-A274-349AC9A0A616}" sibTransId="{F966E27C-520B-4A2A-9EB2-BFF87F80813F}"/>
+    <dgm:cxn modelId="{46739878-F7F4-4DB2-B6EC-852151A5BAB4}" type="presParOf" srcId="{529C8736-509C-426A-B1AF-D9FE39FB5B28}" destId="{8BC7EA25-256B-410A-8E19-CC15A19D412A}" srcOrd="0" destOrd="0" presId="urn:microsoft.com/office/officeart/2005/8/layout/list1"/>
+    <dgm:cxn modelId="{AAA9F26B-8633-42E9-8A07-EB7505929DFA}" type="presParOf" srcId="{8BC7EA25-256B-410A-8E19-CC15A19D412A}" destId="{0E75AC4A-956D-493C-A82B-572CF3B1603B}" srcOrd="0" destOrd="0" presId="urn:microsoft.com/office/officeart/2005/8/layout/list1"/>
+    <dgm:cxn modelId="{375EA17A-C483-494B-86F4-F3D979469F7B}" type="presParOf" srcId="{8BC7EA25-256B-410A-8E19-CC15A19D412A}" destId="{EF67F11A-FCD0-4E59-A23F-17BCC3FB1182}" srcOrd="1" destOrd="0" presId="urn:microsoft.com/office/officeart/2005/8/layout/list1"/>
+    <dgm:cxn modelId="{288997A1-1D30-41D7-8465-C8BDAEED12F1}" type="presParOf" srcId="{529C8736-509C-426A-B1AF-D9FE39FB5B28}" destId="{E84E3A97-5D14-4C15-B06F-E00215B154CE}" srcOrd="1" destOrd="0" presId="urn:microsoft.com/office/officeart/2005/8/layout/list1"/>
+    <dgm:cxn modelId="{0D8241A1-F9B5-4371-8D1A-64873B9BF75A}" type="presParOf" srcId="{529C8736-509C-426A-B1AF-D9FE39FB5B28}" destId="{8A748C3E-CE62-4E92-A0FE-1F5548AC9D02}" srcOrd="2" destOrd="0" presId="urn:microsoft.com/office/officeart/2005/8/layout/list1"/>
   </dgm:cxnLst>
   <dgm:bg/>
   <dgm:whole/>
@@ -5592,8 +5848,8 @@
       </dsp:nvSpPr>
       <dsp:spPr>
         <a:xfrm>
-          <a:off x="0" y="52113"/>
-          <a:ext cx="7086599" cy="5980602"/>
+          <a:off x="0" y="0"/>
+          <a:ext cx="8382000" cy="6483266"/>
         </a:xfrm>
         <a:prstGeom prst="rect">
           <a:avLst/>
@@ -5629,7 +5885,7 @@
         <a:fontRef idx="minor"/>
       </dsp:style>
       <dsp:txBody>
-        <a:bodyPr spcFirstLastPara="0" vert="horz" wrap="square" lIns="549999" tIns="1041400" rIns="549999" bIns="156464" numCol="1" spcCol="1270" anchor="t" anchorCtr="0">
+        <a:bodyPr spcFirstLastPara="0" vert="horz" wrap="square" lIns="650536" tIns="728980" rIns="650536" bIns="156464" numCol="1" spcCol="1270" anchor="t" anchorCtr="0">
           <a:noAutofit/>
         </a:bodyPr>
         <a:lstStyle/>
@@ -5660,7 +5916,7 @@
               <a:spcPct val="15000"/>
             </a:spcAft>
             <a:buFont typeface="Arial" panose="020B0604020202020204" pitchFamily="34" charset="0"/>
-            <a:buChar char="•"/>
+            <a:buNone/>
           </a:pPr>
           <a:r>
             <a:rPr lang="it-IT" sz="2200" b="1" kern="1200" dirty="0" err="1"/>
@@ -5668,15 +5924,51 @@
           </a:r>
           <a:r>
             <a:rPr lang="it-IT" sz="2200" b="1" kern="1200" dirty="0"/>
-            <a:t> (v21) in </a:t>
-          </a:r>
-          <a:r>
-            <a:rPr lang="it-IT" sz="2200" b="1" kern="1200" dirty="0" err="1"/>
-            <a:t>TypeScript</a:t>
-          </a:r>
-          <a:r>
-            <a:rPr lang="it-IT" sz="2200" b="1" kern="1200" dirty="0"/>
-            <a:t> su ambiente Node.js v24</a:t>
+            <a:t> (v21) su ambiente Node.js v24</a:t>
+          </a:r>
+          <a:endParaRPr lang="en-US" sz="2200" kern="1200" dirty="0"/>
+        </a:p>
+        <a:p>
+          <a:pPr marL="228600" lvl="1" indent="-228600" algn="l" defTabSz="977900">
+            <a:lnSpc>
+              <a:spcPct val="90000"/>
+            </a:lnSpc>
+            <a:spcBef>
+              <a:spcPct val="0"/>
+            </a:spcBef>
+            <a:spcAft>
+              <a:spcPct val="15000"/>
+            </a:spcAft>
+            <a:buFont typeface="Arial" panose="020B0604020202020204" pitchFamily="34" charset="0"/>
+            <a:buNone/>
+          </a:pPr>
+          <a:endParaRPr lang="en-US" sz="2200" kern="1200" dirty="0"/>
+        </a:p>
+        <a:p>
+          <a:pPr marL="228600" lvl="1" indent="-228600" algn="l" defTabSz="977900">
+            <a:lnSpc>
+              <a:spcPct val="90000"/>
+            </a:lnSpc>
+            <a:spcBef>
+              <a:spcPct val="0"/>
+            </a:spcBef>
+            <a:spcAft>
+              <a:spcPct val="15000"/>
+            </a:spcAft>
+            <a:buFont typeface="Arial" panose="020B0604020202020204" pitchFamily="34" charset="0"/>
+            <a:buNone/>
+          </a:pPr>
+          <a:r>
+            <a:rPr lang="en-US" sz="2200" b="0" kern="1200" dirty="0" err="1"/>
+            <a:t>Scelta</a:t>
+          </a:r>
+          <a:r>
+            <a:rPr lang="en-US" sz="2200" b="0" kern="1200" dirty="0"/>
+            <a:t> di </a:t>
+          </a:r>
+          <a:r>
+            <a:rPr lang="en-US" sz="2200" b="1" kern="1200" dirty="0"/>
+            <a:t>Angular Vs React:</a:t>
           </a:r>
           <a:endParaRPr lang="en-US" sz="2200" kern="1200" dirty="0"/>
         </a:p>
@@ -5696,63 +5988,11 @@
           </a:pPr>
           <a:r>
             <a:rPr lang="en-US" sz="2200" kern="1200" dirty="0"/>
-            <a:t>Progettazione in </a:t>
-          </a:r>
-          <a:r>
-            <a:rPr lang="en-US" sz="2200" b="1" kern="1200" dirty="0"/>
-            <a:t>Components, </a:t>
-          </a:r>
-          <a:r>
-            <a:rPr lang="en-US" sz="2200" b="0" kern="1200" dirty="0" err="1"/>
-            <a:t>ognuno</a:t>
-          </a:r>
-          <a:r>
-            <a:rPr lang="en-US" sz="2200" b="0" kern="1200" dirty="0"/>
-            <a:t> </a:t>
-          </a:r>
-          <a:r>
-            <a:rPr lang="en-US" sz="2200" b="0" kern="1200" dirty="0" err="1"/>
-            <a:t>definisce</a:t>
-          </a:r>
-          <a:r>
-            <a:rPr lang="en-US" sz="2200" b="0" kern="1200" dirty="0"/>
-            <a:t> </a:t>
+            <a:t>Framework vs </a:t>
           </a:r>
           <a:r>
             <a:rPr lang="en-US" sz="2200" kern="1200" dirty="0" err="1"/>
-            <a:t>una</a:t>
-          </a:r>
-          <a:r>
-            <a:rPr lang="en-US" sz="2200" kern="1200" dirty="0"/>
-            <a:t> </a:t>
-          </a:r>
-          <a:r>
-            <a:rPr lang="en-US" sz="2200" kern="1200" dirty="0" err="1"/>
-            <a:t>singola</a:t>
-          </a:r>
-          <a:r>
-            <a:rPr lang="en-US" sz="2200" kern="1200" dirty="0"/>
-            <a:t> </a:t>
-          </a:r>
-          <a:r>
-            <a:rPr lang="en-US" sz="2200" kern="1200" dirty="0" err="1"/>
-            <a:t>pagina</a:t>
-          </a:r>
-          <a:r>
-            <a:rPr lang="en-US" sz="2200" kern="1200" dirty="0"/>
-            <a:t>: es. </a:t>
-          </a:r>
-          <a:r>
-            <a:rPr lang="it-IT" sz="2200" b="0" kern="1200" dirty="0" err="1"/>
-            <a:t>AiAssistant</a:t>
-          </a:r>
-          <a:r>
-            <a:rPr lang="en-US" sz="2200" kern="1200" dirty="0"/>
-            <a:t>, </a:t>
-          </a:r>
-          <a:r>
-            <a:rPr lang="it-IT" sz="2200" b="0" kern="1200" dirty="0" err="1"/>
-            <a:t>AiCopilot</a:t>
+            <a:t>libreria</a:t>
           </a:r>
           <a:endParaRPr lang="en-US" sz="2200" kern="1200" dirty="0"/>
         </a:p>
@@ -5772,29 +6012,40 @@
           </a:pPr>
           <a:r>
             <a:rPr lang="en-US" sz="2200" kern="1200" dirty="0"/>
-            <a:t>2 </a:t>
+            <a:t>OOP vs </a:t>
           </a:r>
           <a:r>
             <a:rPr lang="en-US" sz="2200" kern="1200" dirty="0" err="1"/>
-            <a:t>classi</a:t>
-          </a:r>
-          <a:r>
-            <a:rPr lang="en-US" sz="2200" kern="1200" dirty="0"/>
-            <a:t> di Servizi: </a:t>
-          </a:r>
-          <a:r>
-            <a:rPr lang="it-IT" sz="2200" b="0" kern="1200" dirty="0" err="1"/>
-            <a:t>ConversationsService</a:t>
-          </a:r>
-          <a:r>
-            <a:rPr lang="it-IT" sz="2200" b="0" kern="1200" dirty="0"/>
-            <a:t>, </a:t>
-          </a:r>
-          <a:r>
-            <a:rPr lang="it-IT" sz="2200" b="0" kern="1200" dirty="0" err="1"/>
-            <a:t>DocumentsService</a:t>
+            <a:t>funzionale</a:t>
           </a:r>
           <a:endParaRPr lang="en-US" sz="2200" kern="1200" dirty="0"/>
+        </a:p>
+        <a:p>
+          <a:pPr marL="228600" lvl="1" indent="-228600" algn="l" defTabSz="977900">
+            <a:lnSpc>
+              <a:spcPct val="90000"/>
+            </a:lnSpc>
+            <a:spcBef>
+              <a:spcPct val="0"/>
+            </a:spcBef>
+            <a:spcAft>
+              <a:spcPct val="15000"/>
+            </a:spcAft>
+            <a:buFont typeface="Arial" panose="020B0604020202020204" pitchFamily="34" charset="0"/>
+            <a:buNone/>
+          </a:pPr>
+          <a:r>
+            <a:rPr lang="en-US" sz="2200" b="1" kern="1200" dirty="0"/>
+            <a:t>Angular </a:t>
+          </a:r>
+          <a:r>
+            <a:rPr lang="en-US" sz="2200" b="1" kern="1200" dirty="0" err="1"/>
+            <a:t>nel</a:t>
+          </a:r>
+          <a:r>
+            <a:rPr lang="en-US" sz="2200" b="1" kern="1200" dirty="0"/>
+            <a:t> nostro POC:</a:t>
+          </a:r>
         </a:p>
         <a:p>
           <a:pPr marL="228600" lvl="1" indent="-228600" algn="l" defTabSz="977900">
@@ -5811,26 +6062,66 @@
             <a:buChar char="•"/>
           </a:pPr>
           <a:r>
-            <a:rPr lang="it-IT" sz="2200" kern="1200" dirty="0"/>
-            <a:t>architettura </a:t>
-          </a:r>
-          <a:r>
-            <a:rPr lang="it-IT" sz="2200" b="1" kern="1200" dirty="0"/>
-            <a:t>SPA</a:t>
-          </a:r>
-          <a:r>
-            <a:rPr lang="it-IT" sz="2200" kern="1200" dirty="0"/>
-            <a:t> basata su </a:t>
-          </a:r>
-          <a:r>
-            <a:rPr lang="it-IT" sz="2200" b="1" kern="1200" dirty="0" err="1"/>
-            <a:t>Angular</a:t>
-          </a:r>
-          <a:r>
-            <a:rPr lang="it-IT" sz="2200" b="1" kern="1200" dirty="0"/>
-            <a:t> Router</a:t>
-          </a:r>
-          <a:endParaRPr lang="en-US" sz="2200" b="1" kern="1200" dirty="0"/>
+            <a:rPr lang="en-US" sz="2200" kern="1200" dirty="0"/>
+            <a:t>Progettazione in </a:t>
+          </a:r>
+          <a:r>
+            <a:rPr lang="en-US" sz="2200" b="1" kern="1200" dirty="0"/>
+            <a:t>Components, </a:t>
+          </a:r>
+          <a:r>
+            <a:rPr lang="en-US" sz="2200" b="0" kern="1200" dirty="0" err="1"/>
+            <a:t>ognuno</a:t>
+          </a:r>
+          <a:r>
+            <a:rPr lang="en-US" sz="2200" b="0" kern="1200" dirty="0"/>
+            <a:t> </a:t>
+          </a:r>
+          <a:r>
+            <a:rPr lang="en-US" sz="2200" b="0" kern="1200" dirty="0" err="1"/>
+            <a:t>definisce</a:t>
+          </a:r>
+          <a:r>
+            <a:rPr lang="en-US" sz="2200" b="0" kern="1200" dirty="0"/>
+            <a:t> </a:t>
+          </a:r>
+          <a:r>
+            <a:rPr lang="en-US" sz="2200" kern="1200" dirty="0" err="1"/>
+            <a:t>una</a:t>
+          </a:r>
+          <a:r>
+            <a:rPr lang="en-US" sz="2200" kern="1200" dirty="0"/>
+            <a:t> </a:t>
+          </a:r>
+          <a:r>
+            <a:rPr lang="en-US" sz="2200" kern="1200" dirty="0" err="1"/>
+            <a:t>singola</a:t>
+          </a:r>
+          <a:r>
+            <a:rPr lang="en-US" sz="2200" kern="1200" dirty="0"/>
+            <a:t> </a:t>
+          </a:r>
+          <a:r>
+            <a:rPr lang="en-US" sz="2200" kern="1200" dirty="0" err="1"/>
+            <a:t>pagina</a:t>
+          </a:r>
+          <a:r>
+            <a:rPr lang="en-US" sz="2200" kern="1200" dirty="0"/>
+            <a:t>: es. </a:t>
+          </a:r>
+          <a:r>
+            <a:rPr lang="it-IT" sz="2200" b="0" kern="1200" dirty="0" err="1"/>
+            <a:t>AiAssistant</a:t>
+          </a:r>
+          <a:r>
+            <a:rPr lang="en-US" sz="2200" kern="1200" dirty="0"/>
+            <a:t>, </a:t>
+          </a:r>
+          <a:r>
+            <a:rPr lang="it-IT" sz="2200" b="0" kern="1200" dirty="0" err="1"/>
+            <a:t>AiCopilot</a:t>
+          </a:r>
+          <a:endParaRPr lang="en-US" sz="2200" kern="1200" dirty="0"/>
         </a:p>
         <a:p>
           <a:pPr marL="228600" lvl="1" indent="-228600" algn="l" defTabSz="977900">
@@ -5847,6 +6138,82 @@
             <a:buChar char="•"/>
           </a:pPr>
           <a:r>
+            <a:rPr lang="en-US" sz="2200" kern="1200" dirty="0"/>
+            <a:t>2 </a:t>
+          </a:r>
+          <a:r>
+            <a:rPr lang="en-US" sz="2200" kern="1200" dirty="0" err="1"/>
+            <a:t>classi</a:t>
+          </a:r>
+          <a:r>
+            <a:rPr lang="en-US" sz="2200" kern="1200" dirty="0"/>
+            <a:t> di Servizi: </a:t>
+          </a:r>
+          <a:r>
+            <a:rPr lang="it-IT" sz="2200" b="0" kern="1200" dirty="0" err="1"/>
+            <a:t>ConversationsService</a:t>
+          </a:r>
+          <a:r>
+            <a:rPr lang="it-IT" sz="2200" b="0" kern="1200" dirty="0"/>
+            <a:t>, </a:t>
+          </a:r>
+          <a:r>
+            <a:rPr lang="it-IT" sz="2200" b="0" kern="1200" dirty="0" err="1"/>
+            <a:t>DocumentsService</a:t>
+          </a:r>
+          <a:endParaRPr lang="en-US" sz="2200" kern="1200" dirty="0"/>
+        </a:p>
+        <a:p>
+          <a:pPr marL="228600" lvl="1" indent="-228600" algn="l" defTabSz="977900">
+            <a:lnSpc>
+              <a:spcPct val="90000"/>
+            </a:lnSpc>
+            <a:spcBef>
+              <a:spcPct val="0"/>
+            </a:spcBef>
+            <a:spcAft>
+              <a:spcPct val="15000"/>
+            </a:spcAft>
+            <a:buFont typeface="Arial" panose="020B0604020202020204" pitchFamily="34" charset="0"/>
+            <a:buChar char="•"/>
+          </a:pPr>
+          <a:r>
+            <a:rPr lang="it-IT" sz="2200" kern="1200" dirty="0"/>
+            <a:t>architettura </a:t>
+          </a:r>
+          <a:r>
+            <a:rPr lang="it-IT" sz="2200" b="1" kern="1200" dirty="0"/>
+            <a:t>SPA</a:t>
+          </a:r>
+          <a:r>
+            <a:rPr lang="it-IT" sz="2200" kern="1200" dirty="0"/>
+            <a:t> basata su </a:t>
+          </a:r>
+          <a:r>
+            <a:rPr lang="it-IT" sz="2200" b="1" kern="1200" dirty="0" err="1"/>
+            <a:t>Angular</a:t>
+          </a:r>
+          <a:r>
+            <a:rPr lang="it-IT" sz="2200" b="1" kern="1200" dirty="0"/>
+            <a:t> Router</a:t>
+          </a:r>
+          <a:endParaRPr lang="en-US" sz="2200" b="1" kern="1200" dirty="0"/>
+        </a:p>
+        <a:p>
+          <a:pPr marL="228600" lvl="1" indent="-228600" algn="l" defTabSz="977900">
+            <a:lnSpc>
+              <a:spcPct val="90000"/>
+            </a:lnSpc>
+            <a:spcBef>
+              <a:spcPct val="0"/>
+            </a:spcBef>
+            <a:spcAft>
+              <a:spcPct val="15000"/>
+            </a:spcAft>
+            <a:buFont typeface="Arial" panose="020B0604020202020204" pitchFamily="34" charset="0"/>
+            <a:buChar char="•"/>
+          </a:pPr>
+          <a:r>
             <a:rPr lang="it-IT" sz="2200" b="1" kern="1200" dirty="0" err="1"/>
             <a:t>RxJS</a:t>
           </a:r>
@@ -5943,8 +6310,8 @@
         </a:p>
       </dsp:txBody>
       <dsp:txXfrm>
-        <a:off x="0" y="52113"/>
-        <a:ext cx="7086599" cy="5980602"/>
+        <a:off x="0" y="0"/>
+        <a:ext cx="8382000" cy="6483266"/>
       </dsp:txXfrm>
     </dsp:sp>
     <dsp:sp modelId="{EF67F11A-FCD0-4E59-A23F-17BCC3FB1182}">
@@ -5954,8 +6321,8 @@
       </dsp:nvSpPr>
       <dsp:spPr>
         <a:xfrm>
-          <a:off x="532370" y="0"/>
-          <a:ext cx="4960619" cy="959503"/>
+          <a:off x="629685" y="0"/>
+          <a:ext cx="5867400" cy="997883"/>
         </a:xfrm>
         <a:prstGeom prst="roundRect">
           <a:avLst/>
@@ -6021,7 +6388,7 @@
         </a:fontRef>
       </dsp:style>
       <dsp:txBody>
-        <a:bodyPr spcFirstLastPara="0" vert="horz" wrap="square" lIns="187500" tIns="0" rIns="187500" bIns="0" numCol="1" spcCol="1270" anchor="ctr" anchorCtr="0">
+        <a:bodyPr spcFirstLastPara="0" vert="horz" wrap="square" lIns="221774" tIns="0" rIns="221774" bIns="0" numCol="1" spcCol="1270" anchor="ctr" anchorCtr="0">
           <a:noAutofit/>
         </a:bodyPr>
         <a:lstStyle/>
@@ -6054,8 +6421,8 @@
         </a:p>
       </dsp:txBody>
       <dsp:txXfrm>
-        <a:off x="579209" y="46839"/>
-        <a:ext cx="4866941" cy="865825"/>
+        <a:off x="678398" y="48713"/>
+        <a:ext cx="5769974" cy="900457"/>
       </dsp:txXfrm>
     </dsp:sp>
   </dsp:spTree>
@@ -12311,7 +12678,7 @@
           <a:p>
             <a:fld id="{7D0F7AA3-9057-4429-80B9-DC3D3FD0D30E}" type="datetimeFigureOut">
               <a:rPr lang="it-IT" smtClean="0"/>
-              <a:t>09/02/2026</a:t>
+              <a:t>12/02/2026</a:t>
             </a:fld>
             <a:endParaRPr lang="it-IT"/>
           </a:p>
@@ -12489,7 +12856,7 @@
           <a:p>
             <a:fld id="{DC233B30-4F8C-4A4C-AB5E-3B02323E36F5}" type="datetimeFigureOut">
               <a:rPr lang="it-IT" smtClean="0"/>
-              <a:t>09/02/2026</a:t>
+              <a:t>12/02/2026</a:t>
             </a:fld>
             <a:endParaRPr lang="it-IT"/>
           </a:p>
@@ -13027,7 +13394,7 @@
           <a:p>
             <a:fld id="{2AEBBCAD-870E-441A-8ABD-7498983D26CA}" type="datetime1">
               <a:rPr lang="en-US" smtClean="0"/>
-              <a:t>2/9/2026</a:t>
+              <a:t>2/12/2026</a:t>
             </a:fld>
             <a:endParaRPr lang="en-US"/>
           </a:p>
@@ -13191,7 +13558,7 @@
           <a:p>
             <a:fld id="{DBB619D4-11F3-4F3A-84A1-FD362988ED4B}" type="datetime1">
               <a:rPr lang="en-US" smtClean="0"/>
-              <a:t>2/9/2026</a:t>
+              <a:t>2/12/2026</a:t>
             </a:fld>
             <a:endParaRPr lang="en-US"/>
           </a:p>
@@ -13365,7 +13732,7 @@
           <a:p>
             <a:fld id="{9537A470-53D7-43F2-A38C-35EA5C3D9E3E}" type="datetime1">
               <a:rPr lang="en-US" smtClean="0"/>
-              <a:t>2/9/2026</a:t>
+              <a:t>2/12/2026</a:t>
             </a:fld>
             <a:endParaRPr lang="en-US"/>
           </a:p>
@@ -13529,7 +13896,7 @@
           <a:p>
             <a:fld id="{0CA91AF9-6521-45D8-81C8-C30E3165CD88}" type="datetime1">
               <a:rPr lang="en-US" smtClean="0"/>
-              <a:t>2/9/2026</a:t>
+              <a:t>2/12/2026</a:t>
             </a:fld>
             <a:endParaRPr lang="en-US"/>
           </a:p>
@@ -13770,7 +14137,7 @@
           <a:p>
             <a:fld id="{19ADD6C7-F40A-4EC5-A786-66FA25D032E8}" type="datetime1">
               <a:rPr lang="en-US" smtClean="0"/>
-              <a:t>2/9/2026</a:t>
+              <a:t>2/12/2026</a:t>
             </a:fld>
             <a:endParaRPr lang="en-US"/>
           </a:p>
@@ -14051,7 +14418,7 @@
           <a:p>
             <a:fld id="{73AF3211-BAC3-4D93-9598-8004ABF5F295}" type="datetime1">
               <a:rPr lang="en-US" smtClean="0"/>
-              <a:t>2/9/2026</a:t>
+              <a:t>2/12/2026</a:t>
             </a:fld>
             <a:endParaRPr lang="en-US"/>
           </a:p>
@@ -14466,7 +14833,7 @@
           <a:p>
             <a:fld id="{29EADF50-F9A2-4C97-A62A-50C60E010A22}" type="datetime1">
               <a:rPr lang="en-US" smtClean="0"/>
-              <a:t>2/9/2026</a:t>
+              <a:t>2/12/2026</a:t>
             </a:fld>
             <a:endParaRPr lang="en-US"/>
           </a:p>
@@ -14579,7 +14946,7 @@
           <a:p>
             <a:fld id="{DA927A00-663B-40A9-BEFA-F4F296EF78AF}" type="datetime1">
               <a:rPr lang="en-US" smtClean="0"/>
-              <a:t>2/9/2026</a:t>
+              <a:t>2/12/2026</a:t>
             </a:fld>
             <a:endParaRPr lang="en-US"/>
           </a:p>
@@ -14670,7 +15037,7 @@
           <a:p>
             <a:fld id="{130551C3-58EC-4AFE-B5E2-D1D9ADDB2862}" type="datetime1">
               <a:rPr lang="en-US" smtClean="0"/>
-              <a:t>2/9/2026</a:t>
+              <a:t>2/12/2026</a:t>
             </a:fld>
             <a:endParaRPr lang="en-US"/>
           </a:p>
@@ -14941,7 +15308,7 @@
           <a:p>
             <a:fld id="{C97796EB-1B2E-4E86-83B9-1E542E7481F4}" type="datetime1">
               <a:rPr lang="en-US" smtClean="0"/>
-              <a:t>2/9/2026</a:t>
+              <a:t>2/12/2026</a:t>
             </a:fld>
             <a:endParaRPr lang="en-US"/>
           </a:p>
@@ -15189,7 +15556,7 @@
           <a:p>
             <a:fld id="{F0DE7F15-0F43-40A0-8812-F3D41F61F70E}" type="datetime1">
               <a:rPr lang="en-US" smtClean="0"/>
-              <a:t>2/9/2026</a:t>
+              <a:t>2/12/2026</a:t>
             </a:fld>
             <a:endParaRPr lang="en-US"/>
           </a:p>
@@ -15396,7 +15763,7 @@
           <a:p>
             <a:fld id="{659F49B2-87B6-419A-8A54-1B4526018D64}" type="datetime1">
               <a:rPr lang="en-US" smtClean="0"/>
-              <a:t>2/9/2026</a:t>
+              <a:t>2/12/2026</a:t>
             </a:fld>
             <a:endParaRPr lang="en-US"/>
           </a:p>
@@ -16860,14 +17227,14 @@
           <p:nvPr>
             <p:extLst>
               <p:ext uri="{D42A27DB-BD31-4B8C-83A1-F6EECF244321}">
-                <p14:modId xmlns:p14="http://schemas.microsoft.com/office/powerpoint/2010/main" val="966120062"/>
+                <p14:modId xmlns:p14="http://schemas.microsoft.com/office/powerpoint/2010/main" val="3978282494"/>
               </p:ext>
             </p:extLst>
           </p:nvPr>
         </p:nvGraphicFramePr>
         <p:xfrm>
-          <a:off x="990600" y="3771900"/>
-          <a:ext cx="7086599" cy="6266835"/>
+          <a:off x="457200" y="3238500"/>
+          <a:ext cx="8382000" cy="6781800"/>
         </p:xfrm>
         <a:graphic>
           <a:graphicData uri="http://schemas.openxmlformats.org/drawingml/2006/diagram">
@@ -16902,7 +17269,7 @@
         </p:blipFill>
         <p:spPr>
           <a:xfrm>
-            <a:off x="8565643" y="6848361"/>
+            <a:off x="8839200" y="6972300"/>
             <a:ext cx="3200400" cy="3200400"/>
           </a:xfrm>
           <a:prstGeom prst="rect">
